--- a/讲解.pptx
+++ b/讲解.pptx
@@ -3430,7 +3430,7 @@
         </p:nvSpPr>
         <p:spPr>
           <a:xfrm>
-            <a:off x="2315561" y="612054"/>
+            <a:off x="831407" y="403010"/>
             <a:ext cx="6429375" cy="367200"/>
           </a:xfrm>
           <a:prstGeom prst="rect">
@@ -3439,10 +3439,13 @@
         </p:spPr>
         <p:txBody>
           <a:bodyPr vert="horz" lIns="91440" tIns="45720" rIns="91440" bIns="45720" rtlCol="0" anchor="ctr">
-            <a:normAutofit fontScale="55000" lnSpcReduction="20000"/>
+            <a:noAutofit/>
           </a:bodyPr>
           <a:lstStyle>
-            <a:lvl1pPr algn="l" defTabSz="914400" rtl="0" eaLnBrk="1" latinLnBrk="0" hangingPunct="1">
+            <a:defPPr>
+              <a:defRPr lang="zh-CN"/>
+            </a:defPPr>
+            <a:lvl1pPr>
               <a:lnSpc>
                 <a:spcPct val="90000"/>
               </a:lnSpc>
@@ -3450,10 +3453,7 @@
                 <a:spcPct val="0"/>
               </a:spcBef>
               <a:buNone/>
-              <a:defRPr sz="4400" kern="1200">
-                <a:solidFill>
-                  <a:schemeClr val="tx1"/>
-                </a:solidFill>
+              <a:defRPr sz="3600" b="1">
                 <a:latin typeface="+mj-lt"/>
                 <a:ea typeface="+mj-ea"/>
                 <a:cs typeface="+mj-cs"/>
@@ -3462,10 +3462,9 @@
           </a:lstStyle>
           <a:p>
             <a:r>
-              <a:rPr lang="zh-CN" altLang="en-US"/>
+              <a:rPr lang="zh-CN" altLang="en-US" dirty="0"/>
               <a:t>仿真流程</a:t>
             </a:r>
-            <a:endParaRPr lang="zh-CN" altLang="en-US" dirty="0"/>
           </a:p>
         </p:txBody>
       </p:sp>
@@ -5317,7 +5316,7 @@
         </p:nvSpPr>
         <p:spPr>
           <a:xfrm>
-            <a:off x="1684625" y="685206"/>
+            <a:off x="1006334" y="531953"/>
             <a:ext cx="6429375" cy="367200"/>
           </a:xfrm>
           <a:prstGeom prst="rect">
@@ -5326,10 +5325,13 @@
         </p:spPr>
         <p:txBody>
           <a:bodyPr vert="horz" lIns="91440" tIns="45720" rIns="91440" bIns="45720" rtlCol="0" anchor="ctr">
-            <a:normAutofit fontScale="55000" lnSpcReduction="20000"/>
+            <a:noAutofit/>
           </a:bodyPr>
           <a:lstStyle>
-            <a:lvl1pPr algn="l" defTabSz="914400" rtl="0" eaLnBrk="1" latinLnBrk="0" hangingPunct="1">
+            <a:defPPr>
+              <a:defRPr lang="zh-CN"/>
+            </a:defPPr>
+            <a:lvl1pPr>
               <a:lnSpc>
                 <a:spcPct val="90000"/>
               </a:lnSpc>
@@ -5337,10 +5339,7 @@
                 <a:spcPct val="0"/>
               </a:spcBef>
               <a:buNone/>
-              <a:defRPr sz="4400" kern="1200">
-                <a:solidFill>
-                  <a:schemeClr val="tx1"/>
-                </a:solidFill>
+              <a:defRPr sz="3600" b="1">
                 <a:latin typeface="+mj-lt"/>
                 <a:ea typeface="+mj-ea"/>
                 <a:cs typeface="+mj-cs"/>
@@ -5349,10 +5348,9 @@
           </a:lstStyle>
           <a:p>
             <a:r>
-              <a:rPr lang="zh-CN" altLang="en-US"/>
+              <a:rPr lang="zh-CN" altLang="en-US" dirty="0"/>
               <a:t>结果对比与分析</a:t>
             </a:r>
-            <a:endParaRPr lang="zh-CN" altLang="en-US" dirty="0"/>
           </a:p>
         </p:txBody>
       </p:sp>
@@ -5586,7 +5584,7 @@
         </p:blipFill>
         <p:spPr>
           <a:xfrm>
-            <a:off x="270930" y="2172725"/>
+            <a:off x="270930" y="1120906"/>
             <a:ext cx="3078662" cy="2308094"/>
           </a:xfrm>
           <a:prstGeom prst="rect">
@@ -5631,7 +5629,7 @@
         </p:blipFill>
         <p:spPr>
           <a:xfrm>
-            <a:off x="3841901" y="2170318"/>
+            <a:off x="3841901" y="1118499"/>
             <a:ext cx="3829434" cy="2308095"/>
           </a:xfrm>
           <a:prstGeom prst="rect">
@@ -5676,7 +5674,7 @@
         </p:blipFill>
         <p:spPr>
           <a:xfrm>
-            <a:off x="7928006" y="2282341"/>
+            <a:off x="7928006" y="1230522"/>
             <a:ext cx="3829435" cy="1915535"/>
           </a:xfrm>
           <a:prstGeom prst="rect">
@@ -5708,7 +5706,7 @@
         </p:nvSpPr>
         <p:spPr>
           <a:xfrm>
-            <a:off x="1183907" y="5024387"/>
+            <a:off x="1385075" y="3870198"/>
             <a:ext cx="646331" cy="369332"/>
           </a:xfrm>
           <a:prstGeom prst="rect">
@@ -5743,7 +5741,7 @@
         </p:nvSpPr>
         <p:spPr>
           <a:xfrm>
-            <a:off x="5449669" y="5024387"/>
+            <a:off x="5449669" y="3870198"/>
             <a:ext cx="1107996" cy="369332"/>
           </a:xfrm>
           <a:prstGeom prst="rect">
@@ -5778,7 +5776,7 @@
         </p:nvSpPr>
         <p:spPr>
           <a:xfrm>
-            <a:off x="9288725" y="5106683"/>
+            <a:off x="9421930" y="3874529"/>
             <a:ext cx="1107996" cy="369332"/>
           </a:xfrm>
           <a:prstGeom prst="rect">
@@ -5799,6 +5797,107 @@
           </a:p>
         </p:txBody>
       </p:sp>
+      <p:sp>
+        <p:nvSpPr>
+          <p:cNvPr id="13" name="标题 2">
+            <a:extLst>
+              <a:ext uri="{FF2B5EF4-FFF2-40B4-BE49-F238E27FC236}">
+                <a16:creationId xmlns:a16="http://schemas.microsoft.com/office/drawing/2014/main" id="{AF6AF43D-5B4F-4ECF-09E2-96313E259346}"/>
+              </a:ext>
+            </a:extLst>
+          </p:cNvPr>
+          <p:cNvSpPr txBox="1">
+            <a:spLocks/>
+          </p:cNvSpPr>
+          <p:nvPr/>
+        </p:nvSpPr>
+        <p:spPr>
+          <a:xfrm>
+            <a:off x="642209" y="480369"/>
+            <a:ext cx="6429375" cy="367200"/>
+          </a:xfrm>
+          <a:prstGeom prst="rect">
+            <a:avLst/>
+          </a:prstGeom>
+        </p:spPr>
+        <p:txBody>
+          <a:bodyPr vert="horz" lIns="91440" tIns="45720" rIns="91440" bIns="45720" rtlCol="0" anchor="ctr">
+            <a:noAutofit/>
+          </a:bodyPr>
+          <a:lstStyle>
+            <a:defPPr>
+              <a:defRPr lang="zh-CN"/>
+            </a:defPPr>
+            <a:lvl1pPr>
+              <a:lnSpc>
+                <a:spcPct val="90000"/>
+              </a:lnSpc>
+              <a:spcBef>
+                <a:spcPct val="0"/>
+              </a:spcBef>
+              <a:buNone/>
+              <a:defRPr sz="3600" b="1">
+                <a:latin typeface="+mj-lt"/>
+                <a:ea typeface="+mj-ea"/>
+                <a:cs typeface="+mj-cs"/>
+              </a:defRPr>
+            </a:lvl1pPr>
+          </a:lstStyle>
+          <a:p>
+            <a:r>
+              <a:rPr lang="zh-CN" altLang="en-US" dirty="0"/>
+              <a:t>涞水高温超导磁体构成</a:t>
+            </a:r>
+          </a:p>
+        </p:txBody>
+      </p:sp>
+      <p:pic>
+        <p:nvPicPr>
+          <p:cNvPr id="1026" name="Picture 2">
+            <a:extLst>
+              <a:ext uri="{FF2B5EF4-FFF2-40B4-BE49-F238E27FC236}">
+                <a16:creationId xmlns:a16="http://schemas.microsoft.com/office/drawing/2014/main" id="{A62B2AA4-46F3-23D2-B4C1-EFBAE9A82456}"/>
+              </a:ext>
+            </a:extLst>
+          </p:cNvPr>
+          <p:cNvPicPr>
+            <a:picLocks noChangeAspect="1" noChangeArrowheads="1"/>
+          </p:cNvPicPr>
+          <p:nvPr/>
+        </p:nvPicPr>
+        <p:blipFill>
+          <a:blip r:embed="rId5">
+            <a:extLst>
+              <a:ext uri="{28A0092B-C50C-407E-A947-70E740481C1C}">
+                <a14:useLocalDpi xmlns:a14="http://schemas.microsoft.com/office/drawing/2010/main" val="0"/>
+              </a:ext>
+            </a:extLst>
+          </a:blip>
+          <a:srcRect/>
+          <a:stretch>
+            <a:fillRect/>
+          </a:stretch>
+        </p:blipFill>
+        <p:spPr bwMode="auto">
+          <a:xfrm>
+            <a:off x="7567169" y="4155066"/>
+            <a:ext cx="4255542" cy="2485046"/>
+          </a:xfrm>
+          <a:prstGeom prst="rect">
+            <a:avLst/>
+          </a:prstGeom>
+          <a:noFill/>
+          <a:extLst>
+            <a:ext uri="{909E8E84-426E-40DD-AFC4-6F175D3DCCD1}">
+              <a14:hiddenFill xmlns:a14="http://schemas.microsoft.com/office/drawing/2010/main">
+                <a:solidFill>
+                  <a:srgbClr val="FFFFFF"/>
+                </a:solidFill>
+              </a14:hiddenFill>
+            </a:ext>
+          </a:extLst>
+        </p:spPr>
+      </p:pic>
     </p:spTree>
     <p:extLst>
       <p:ext uri="{BB962C8B-B14F-4D97-AF65-F5344CB8AC3E}">
@@ -5845,7 +5944,7 @@
         </p:nvSpPr>
         <p:spPr>
           <a:xfrm>
-            <a:off x="2188026" y="510989"/>
+            <a:off x="542106" y="424874"/>
             <a:ext cx="6429375" cy="367200"/>
           </a:xfrm>
           <a:prstGeom prst="rect">
@@ -5854,7 +5953,7 @@
         </p:spPr>
         <p:txBody>
           <a:bodyPr vert="horz" lIns="91440" tIns="45720" rIns="91440" bIns="45720" rtlCol="0" anchor="ctr">
-            <a:normAutofit fontScale="55000" lnSpcReduction="20000"/>
+            <a:noAutofit/>
           </a:bodyPr>
           <a:lstStyle>
             <a:lvl1pPr algn="l" defTabSz="914400" rtl="0" eaLnBrk="1" latinLnBrk="0" hangingPunct="1">
@@ -5877,10 +5976,9 @@
           </a:lstStyle>
           <a:p>
             <a:r>
-              <a:rPr lang="zh-CN" altLang="en-US"/>
+              <a:rPr lang="zh-CN" altLang="en-US" sz="3600" b="1" dirty="0"/>
               <a:t>简化电路模型</a:t>
             </a:r>
-            <a:endParaRPr lang="zh-CN" altLang="en-US" dirty="0"/>
           </a:p>
         </p:txBody>
       </p:sp>
@@ -7337,10 +7435,13 @@
         </p:spPr>
         <p:txBody>
           <a:bodyPr vert="horz" lIns="91440" tIns="45720" rIns="91440" bIns="45720" rtlCol="0" anchor="ctr">
-            <a:normAutofit fontScale="55000" lnSpcReduction="20000"/>
+            <a:noAutofit/>
           </a:bodyPr>
           <a:lstStyle>
-            <a:lvl1pPr algn="l" defTabSz="914400" rtl="0" eaLnBrk="1" latinLnBrk="0" hangingPunct="1">
+            <a:defPPr>
+              <a:defRPr lang="zh-CN"/>
+            </a:defPPr>
+            <a:lvl1pPr>
               <a:lnSpc>
                 <a:spcPct val="90000"/>
               </a:lnSpc>
@@ -7348,10 +7449,7 @@
                 <a:spcPct val="0"/>
               </a:spcBef>
               <a:buNone/>
-              <a:defRPr sz="4400" kern="1200">
-                <a:solidFill>
-                  <a:schemeClr val="tx1"/>
-                </a:solidFill>
+              <a:defRPr sz="3600" b="1">
                 <a:latin typeface="+mj-lt"/>
                 <a:ea typeface="+mj-ea"/>
                 <a:cs typeface="+mj-cs"/>
@@ -7360,10 +7458,9 @@
           </a:lstStyle>
           <a:p>
             <a:r>
-              <a:rPr lang="zh-CN" altLang="en-US"/>
+              <a:rPr lang="zh-CN" altLang="en-US" dirty="0"/>
               <a:t>电路网格模型</a:t>
             </a:r>
-            <a:endParaRPr lang="zh-CN" altLang="en-US" dirty="0"/>
           </a:p>
         </p:txBody>
       </p:sp>
@@ -8646,7 +8743,7 @@
         </p:nvSpPr>
         <p:spPr>
           <a:xfrm>
-            <a:off x="1830929" y="557190"/>
+            <a:off x="642209" y="480369"/>
             <a:ext cx="6429375" cy="367200"/>
           </a:xfrm>
           <a:prstGeom prst="rect">
@@ -8655,10 +8752,13 @@
         </p:spPr>
         <p:txBody>
           <a:bodyPr vert="horz" lIns="91440" tIns="45720" rIns="91440" bIns="45720" rtlCol="0" anchor="ctr">
-            <a:normAutofit fontScale="55000" lnSpcReduction="20000"/>
+            <a:noAutofit/>
           </a:bodyPr>
           <a:lstStyle>
-            <a:lvl1pPr algn="l" defTabSz="914400" rtl="0" eaLnBrk="1" latinLnBrk="0" hangingPunct="1">
+            <a:defPPr>
+              <a:defRPr lang="zh-CN"/>
+            </a:defPPr>
+            <a:lvl1pPr>
               <a:lnSpc>
                 <a:spcPct val="90000"/>
               </a:lnSpc>
@@ -8666,10 +8766,7 @@
                 <a:spcPct val="0"/>
               </a:spcBef>
               <a:buNone/>
-              <a:defRPr sz="4400" kern="1200">
-                <a:solidFill>
-                  <a:schemeClr val="tx1"/>
-                </a:solidFill>
+              <a:defRPr sz="3600" b="1">
                 <a:latin typeface="+mj-lt"/>
                 <a:ea typeface="+mj-ea"/>
                 <a:cs typeface="+mj-cs"/>
@@ -8678,10 +8775,9 @@
           </a:lstStyle>
           <a:p>
             <a:r>
-              <a:rPr lang="zh-CN" altLang="en-US"/>
+              <a:rPr lang="zh-CN" altLang="en-US" dirty="0"/>
               <a:t>方程构成</a:t>
             </a:r>
-            <a:endParaRPr lang="zh-CN" altLang="en-US" dirty="0"/>
           </a:p>
         </p:txBody>
       </p:sp>
@@ -10063,7 +10159,7 @@
         </p:nvSpPr>
         <p:spPr>
           <a:xfrm>
-            <a:off x="1986377" y="520614"/>
+            <a:off x="916529" y="440522"/>
             <a:ext cx="6429375" cy="367200"/>
           </a:xfrm>
           <a:prstGeom prst="rect">
@@ -10072,10 +10168,13 @@
         </p:spPr>
         <p:txBody>
           <a:bodyPr vert="horz" lIns="91440" tIns="45720" rIns="91440" bIns="45720" rtlCol="0" anchor="ctr">
-            <a:normAutofit fontScale="55000" lnSpcReduction="20000"/>
+            <a:noAutofit/>
           </a:bodyPr>
           <a:lstStyle>
-            <a:lvl1pPr algn="l" defTabSz="914400" rtl="0" eaLnBrk="1" latinLnBrk="0" hangingPunct="1">
+            <a:defPPr>
+              <a:defRPr lang="zh-CN"/>
+            </a:defPPr>
+            <a:lvl1pPr>
               <a:lnSpc>
                 <a:spcPct val="90000"/>
               </a:lnSpc>
@@ -10083,10 +10182,7 @@
                 <a:spcPct val="0"/>
               </a:spcBef>
               <a:buNone/>
-              <a:defRPr sz="4400" kern="1200">
-                <a:solidFill>
-                  <a:schemeClr val="tx1"/>
-                </a:solidFill>
+              <a:defRPr sz="3600" b="1">
                 <a:latin typeface="+mj-lt"/>
                 <a:ea typeface="+mj-ea"/>
                 <a:cs typeface="+mj-cs"/>
@@ -10095,10 +10191,9 @@
           </a:lstStyle>
           <a:p>
             <a:r>
-              <a:rPr lang="zh-CN" altLang="en-US"/>
+              <a:rPr lang="zh-CN" altLang="en-US" dirty="0"/>
               <a:t>磁场耦合</a:t>
             </a:r>
-            <a:endParaRPr lang="zh-CN" altLang="en-US" dirty="0"/>
           </a:p>
         </p:txBody>
       </p:sp>

--- a/讲解.pptx
+++ b/讲解.pptx
@@ -8,14 +8,14 @@
     <p:sldId id="256" r:id="rId2"/>
     <p:sldId id="266" r:id="rId3"/>
     <p:sldId id="260" r:id="rId4"/>
-    <p:sldId id="261" r:id="rId5"/>
-    <p:sldId id="263" r:id="rId6"/>
-    <p:sldId id="257" r:id="rId7"/>
-    <p:sldId id="259" r:id="rId8"/>
-    <p:sldId id="258" r:id="rId9"/>
-    <p:sldId id="262" r:id="rId10"/>
-    <p:sldId id="264" r:id="rId11"/>
-    <p:sldId id="265" r:id="rId12"/>
+    <p:sldId id="263" r:id="rId5"/>
+    <p:sldId id="262" r:id="rId6"/>
+    <p:sldId id="264" r:id="rId7"/>
+    <p:sldId id="265" r:id="rId8"/>
+    <p:sldId id="257" r:id="rId9"/>
+    <p:sldId id="261" r:id="rId10"/>
+    <p:sldId id="259" r:id="rId11"/>
+    <p:sldId id="258" r:id="rId12"/>
   </p:sldIdLst>
   <p:sldSz cx="12192000" cy="6858000"/>
   <p:notesSz cx="6858000" cy="9144000"/>
@@ -114,6 +114,11 @@
       </a:defRPr>
     </a:lvl9pPr>
   </p:defaultTextStyle>
+  <p:extLst>
+    <p:ext uri="{EFAFB233-063F-42B5-8137-9DF3F51BA10A}">
+      <p15:sldGuideLst xmlns:p15="http://schemas.microsoft.com/office/powerpoint/2012/main"/>
+    </p:ext>
+  </p:extLst>
 </p:presentation>
 </file>
 
@@ -3414,1866 +3419,45 @@
           <a:chExt cx="0" cy="0"/>
         </a:xfrm>
       </p:grpSpPr>
-      <p:sp>
-        <p:nvSpPr>
-          <p:cNvPr id="4" name="标题 2">
-            <a:extLst>
-              <a:ext uri="{FF2B5EF4-FFF2-40B4-BE49-F238E27FC236}">
-                <a16:creationId xmlns:a16="http://schemas.microsoft.com/office/drawing/2014/main" id="{4CD952CA-9D07-45D8-E8D8-39F872D810D3}"/>
-              </a:ext>
-            </a:extLst>
-          </p:cNvPr>
-          <p:cNvSpPr txBox="1">
-            <a:spLocks/>
-          </p:cNvSpPr>
-          <p:nvPr/>
-        </p:nvSpPr>
+      <p:pic>
+        <p:nvPicPr>
+          <p:cNvPr id="5" name="内容占位符 4" descr="图片包含 图示&#10;&#10;描述已自动生成">
+            <a:extLst>
+              <a:ext uri="{FF2B5EF4-FFF2-40B4-BE49-F238E27FC236}">
+                <a16:creationId xmlns:a16="http://schemas.microsoft.com/office/drawing/2014/main" id="{14FF21DA-11C5-08CD-A47F-411918E38D3F}"/>
+              </a:ext>
+            </a:extLst>
+          </p:cNvPr>
+          <p:cNvPicPr>
+            <a:picLocks noGrp="1" noChangeAspect="1"/>
+          </p:cNvPicPr>
+          <p:nvPr>
+            <p:ph idx="1"/>
+          </p:nvPr>
+        </p:nvPicPr>
+        <p:blipFill>
+          <a:blip r:embed="rId2">
+            <a:extLst>
+              <a:ext uri="{28A0092B-C50C-407E-A947-70E740481C1C}">
+                <a14:useLocalDpi xmlns:a14="http://schemas.microsoft.com/office/drawing/2010/main" val="0"/>
+              </a:ext>
+            </a:extLst>
+          </a:blip>
+          <a:stretch>
+            <a:fillRect/>
+          </a:stretch>
+        </p:blipFill>
         <p:spPr>
           <a:xfrm>
-            <a:off x="831407" y="403010"/>
-            <a:ext cx="6429375" cy="367200"/>
+            <a:off x="98627" y="1318614"/>
+            <a:ext cx="11994745" cy="4220771"/>
           </a:xfrm>
-          <a:prstGeom prst="rect">
-            <a:avLst/>
-          </a:prstGeom>
         </p:spPr>
-        <p:txBody>
-          <a:bodyPr vert="horz" lIns="91440" tIns="45720" rIns="91440" bIns="45720" rtlCol="0" anchor="ctr">
-            <a:noAutofit/>
-          </a:bodyPr>
-          <a:lstStyle>
-            <a:defPPr>
-              <a:defRPr lang="zh-CN"/>
-            </a:defPPr>
-            <a:lvl1pPr>
-              <a:lnSpc>
-                <a:spcPct val="90000"/>
-              </a:lnSpc>
-              <a:spcBef>
-                <a:spcPct val="0"/>
-              </a:spcBef>
-              <a:buNone/>
-              <a:defRPr sz="3600" b="1">
-                <a:latin typeface="+mj-lt"/>
-                <a:ea typeface="+mj-ea"/>
-                <a:cs typeface="+mj-cs"/>
-              </a:defRPr>
-            </a:lvl1pPr>
-          </a:lstStyle>
-          <a:p>
-            <a:r>
-              <a:rPr lang="zh-CN" altLang="en-US" dirty="0"/>
-              <a:t>仿真流程</a:t>
-            </a:r>
-          </a:p>
-        </p:txBody>
-      </p:sp>
-      <p:sp>
-        <p:nvSpPr>
-          <p:cNvPr id="5" name="矩形: 圆角 4">
-            <a:extLst>
-              <a:ext uri="{FF2B5EF4-FFF2-40B4-BE49-F238E27FC236}">
-                <a16:creationId xmlns:a16="http://schemas.microsoft.com/office/drawing/2014/main" id="{3FEDE3C8-03B7-0EAD-ACF2-A058A448B581}"/>
-              </a:ext>
-            </a:extLst>
-          </p:cNvPr>
-          <p:cNvSpPr/>
-          <p:nvPr/>
-        </p:nvSpPr>
-        <p:spPr>
-          <a:xfrm>
-            <a:off x="5191734" y="612054"/>
-            <a:ext cx="1779943" cy="326593"/>
-          </a:xfrm>
-          <a:prstGeom prst="roundRect">
-            <a:avLst/>
-          </a:prstGeom>
-          <a:ln w="19050"/>
-        </p:spPr>
-        <p:style>
-          <a:lnRef idx="2">
-            <a:schemeClr val="dk1"/>
-          </a:lnRef>
-          <a:fillRef idx="1">
-            <a:schemeClr val="lt1"/>
-          </a:fillRef>
-          <a:effectRef idx="0">
-            <a:schemeClr val="dk1"/>
-          </a:effectRef>
-          <a:fontRef idx="minor">
-            <a:schemeClr val="dk1"/>
-          </a:fontRef>
-        </p:style>
-        <p:txBody>
-          <a:bodyPr rot="0" spcFirstLastPara="0" vert="horz" wrap="square" lIns="91440" tIns="0" rIns="91440" bIns="45720" numCol="1" spcCol="0" rtlCol="0" fromWordArt="0" anchor="t" anchorCtr="0" forceAA="0" compatLnSpc="1">
-            <a:prstTxWarp prst="textNoShape">
-              <a:avLst/>
-            </a:prstTxWarp>
-            <a:noAutofit/>
-          </a:bodyPr>
-          <a:lstStyle/>
-          <a:p>
-            <a:pPr algn="ctr">
-              <a:lnSpc>
-                <a:spcPct val="150000"/>
-              </a:lnSpc>
-            </a:pPr>
-            <a:r>
-              <a:rPr lang="zh-CN" sz="1200" kern="100" dirty="0">
-                <a:effectLst/>
-                <a:latin typeface="+mn-ea"/>
-                <a:cs typeface="宋体" panose="02010600030101010101" pitchFamily="2" charset="-122"/>
-              </a:rPr>
-              <a:t>构建运算环境</a:t>
-            </a:r>
-          </a:p>
-        </p:txBody>
-      </p:sp>
-      <p:grpSp>
-        <p:nvGrpSpPr>
-          <p:cNvPr id="6" name="组合 5">
-            <a:extLst>
-              <a:ext uri="{FF2B5EF4-FFF2-40B4-BE49-F238E27FC236}">
-                <a16:creationId xmlns:a16="http://schemas.microsoft.com/office/drawing/2014/main" id="{44A85126-B19B-C99B-2742-21372787E73C}"/>
-              </a:ext>
-            </a:extLst>
-          </p:cNvPr>
-          <p:cNvGrpSpPr/>
-          <p:nvPr/>
-        </p:nvGrpSpPr>
-        <p:grpSpPr>
-          <a:xfrm>
-            <a:off x="3636513" y="1045963"/>
-            <a:ext cx="4886485" cy="734735"/>
-            <a:chOff x="381662" y="652007"/>
-            <a:chExt cx="4564049" cy="978010"/>
-          </a:xfrm>
-        </p:grpSpPr>
-        <p:sp>
-          <p:nvSpPr>
-            <p:cNvPr id="7" name="矩形: 圆角 6">
-              <a:extLst>
-                <a:ext uri="{FF2B5EF4-FFF2-40B4-BE49-F238E27FC236}">
-                  <a16:creationId xmlns:a16="http://schemas.microsoft.com/office/drawing/2014/main" id="{821D6D4F-88BB-A8BA-7726-91410384CE48}"/>
-                </a:ext>
-              </a:extLst>
-            </p:cNvPr>
-            <p:cNvSpPr/>
-            <p:nvPr/>
-          </p:nvSpPr>
-          <p:spPr>
-            <a:xfrm>
-              <a:off x="381662" y="652007"/>
-              <a:ext cx="4564049" cy="978010"/>
-            </a:xfrm>
-            <a:prstGeom prst="roundRect">
-              <a:avLst/>
-            </a:prstGeom>
-            <a:ln w="19050"/>
-          </p:spPr>
-          <p:style>
-            <a:lnRef idx="2">
-              <a:schemeClr val="dk1"/>
-            </a:lnRef>
-            <a:fillRef idx="1">
-              <a:schemeClr val="lt1"/>
-            </a:fillRef>
-            <a:effectRef idx="0">
-              <a:schemeClr val="dk1"/>
-            </a:effectRef>
-            <a:fontRef idx="minor">
-              <a:schemeClr val="dk1"/>
-            </a:fontRef>
-          </p:style>
-          <p:txBody>
-            <a:bodyPr rot="0" spcFirstLastPara="0" vert="horz" wrap="square" lIns="91440" tIns="0" rIns="91440" bIns="45720" numCol="1" spcCol="0" rtlCol="0" fromWordArt="0" anchor="t" anchorCtr="0" forceAA="0" compatLnSpc="1">
-              <a:prstTxWarp prst="textNoShape">
-                <a:avLst/>
-              </a:prstTxWarp>
-              <a:noAutofit/>
-            </a:bodyPr>
-            <a:lstStyle/>
-            <a:p>
-              <a:pPr algn="ctr">
-                <a:lnSpc>
-                  <a:spcPct val="150000"/>
-                </a:lnSpc>
-              </a:pPr>
-              <a:r>
-                <a:rPr lang="zh-CN" sz="1200" kern="100" dirty="0">
-                  <a:effectLst/>
-                  <a:latin typeface="+mn-ea"/>
-                  <a:cs typeface="宋体" panose="02010600030101010101" pitchFamily="2" charset="-122"/>
-                </a:rPr>
-                <a:t>导入数据</a:t>
-              </a:r>
-            </a:p>
-          </p:txBody>
-        </p:sp>
-        <p:sp>
-          <p:nvSpPr>
-            <p:cNvPr id="8" name="矩形: 圆角 7">
-              <a:extLst>
-                <a:ext uri="{FF2B5EF4-FFF2-40B4-BE49-F238E27FC236}">
-                  <a16:creationId xmlns:a16="http://schemas.microsoft.com/office/drawing/2014/main" id="{40AAA220-2B0B-82C9-57C4-85736E89C95E}"/>
-                </a:ext>
-              </a:extLst>
-            </p:cNvPr>
-            <p:cNvSpPr/>
-            <p:nvPr/>
-          </p:nvSpPr>
-          <p:spPr>
-            <a:xfrm>
-              <a:off x="609892" y="1122782"/>
-              <a:ext cx="1356323" cy="434731"/>
-            </a:xfrm>
-            <a:prstGeom prst="roundRect">
-              <a:avLst/>
-            </a:prstGeom>
-            <a:solidFill>
-              <a:srgbClr val="4472C4"/>
-            </a:solidFill>
-            <a:ln w="19050"/>
-          </p:spPr>
-          <p:style>
-            <a:lnRef idx="2">
-              <a:schemeClr val="dk1"/>
-            </a:lnRef>
-            <a:fillRef idx="1">
-              <a:schemeClr val="lt1"/>
-            </a:fillRef>
-            <a:effectRef idx="0">
-              <a:schemeClr val="dk1"/>
-            </a:effectRef>
-            <a:fontRef idx="minor">
-              <a:schemeClr val="dk1"/>
-            </a:fontRef>
-          </p:style>
-          <p:txBody>
-            <a:bodyPr rot="0" spcFirstLastPara="0" vert="horz" wrap="square" lIns="91440" tIns="0" rIns="91440" bIns="45720" numCol="1" spcCol="0" rtlCol="0" fromWordArt="0" anchor="t" anchorCtr="0" forceAA="0" compatLnSpc="1">
-              <a:prstTxWarp prst="textNoShape">
-                <a:avLst/>
-              </a:prstTxWarp>
-              <a:noAutofit/>
-            </a:bodyPr>
-            <a:lstStyle/>
-            <a:p>
-              <a:pPr algn="ctr">
-                <a:lnSpc>
-                  <a:spcPct val="150000"/>
-                </a:lnSpc>
-              </a:pPr>
-              <a:r>
-                <a:rPr lang="zh-CN" sz="1200" kern="100" dirty="0">
-                  <a:solidFill>
-                    <a:schemeClr val="bg1"/>
-                  </a:solidFill>
-                  <a:effectLst/>
-                  <a:latin typeface="+mn-ea"/>
-                  <a:cs typeface="宋体" panose="02010600030101010101" pitchFamily="2" charset="-122"/>
-                </a:rPr>
-                <a:t>互感矩阵</a:t>
-              </a:r>
-            </a:p>
-          </p:txBody>
-        </p:sp>
-        <p:sp>
-          <p:nvSpPr>
-            <p:cNvPr id="9" name="矩形: 圆角 8">
-              <a:extLst>
-                <a:ext uri="{FF2B5EF4-FFF2-40B4-BE49-F238E27FC236}">
-                  <a16:creationId xmlns:a16="http://schemas.microsoft.com/office/drawing/2014/main" id="{32B0F3E4-6C4B-DB2E-8C9D-43EFA1DCB49D}"/>
-                </a:ext>
-              </a:extLst>
-            </p:cNvPr>
-            <p:cNvSpPr/>
-            <p:nvPr/>
-          </p:nvSpPr>
-          <p:spPr>
-            <a:xfrm>
-              <a:off x="1997384" y="1122782"/>
-              <a:ext cx="1356323" cy="434731"/>
-            </a:xfrm>
-            <a:prstGeom prst="roundRect">
-              <a:avLst/>
-            </a:prstGeom>
-            <a:solidFill>
-              <a:srgbClr val="4472C4"/>
-            </a:solidFill>
-            <a:ln w="19050"/>
-          </p:spPr>
-          <p:style>
-            <a:lnRef idx="2">
-              <a:schemeClr val="dk1"/>
-            </a:lnRef>
-            <a:fillRef idx="1">
-              <a:schemeClr val="lt1"/>
-            </a:fillRef>
-            <a:effectRef idx="0">
-              <a:schemeClr val="dk1"/>
-            </a:effectRef>
-            <a:fontRef idx="minor">
-              <a:schemeClr val="dk1"/>
-            </a:fontRef>
-          </p:style>
-          <p:txBody>
-            <a:bodyPr rot="0" spcFirstLastPara="0" vert="horz" wrap="square" lIns="91440" tIns="0" rIns="91440" bIns="45720" numCol="1" spcCol="0" rtlCol="0" fromWordArt="0" anchor="t" anchorCtr="0" forceAA="0" compatLnSpc="1">
-              <a:prstTxWarp prst="textNoShape">
-                <a:avLst/>
-              </a:prstTxWarp>
-              <a:noAutofit/>
-            </a:bodyPr>
-            <a:lstStyle/>
-            <a:p>
-              <a:pPr algn="ctr">
-                <a:lnSpc>
-                  <a:spcPct val="150000"/>
-                </a:lnSpc>
-              </a:pPr>
-              <a:r>
-                <a:rPr lang="zh-CN" sz="1200" kern="100">
-                  <a:solidFill>
-                    <a:schemeClr val="bg1"/>
-                  </a:solidFill>
-                  <a:effectLst/>
-                  <a:latin typeface="+mn-ea"/>
-                  <a:cs typeface="宋体" panose="02010600030101010101" pitchFamily="2" charset="-122"/>
-                </a:rPr>
-                <a:t>热传导矩阵</a:t>
-              </a:r>
-            </a:p>
-          </p:txBody>
-        </p:sp>
-        <p:sp>
-          <p:nvSpPr>
-            <p:cNvPr id="10" name="矩形: 圆角 9">
-              <a:extLst>
-                <a:ext uri="{FF2B5EF4-FFF2-40B4-BE49-F238E27FC236}">
-                  <a16:creationId xmlns:a16="http://schemas.microsoft.com/office/drawing/2014/main" id="{36E6F0D7-D1D0-2F43-F06E-B40B05783201}"/>
-                </a:ext>
-              </a:extLst>
-            </p:cNvPr>
-            <p:cNvSpPr/>
-            <p:nvPr/>
-          </p:nvSpPr>
-          <p:spPr>
-            <a:xfrm>
-              <a:off x="3385135" y="1122782"/>
-              <a:ext cx="1356323" cy="434731"/>
-            </a:xfrm>
-            <a:prstGeom prst="roundRect">
-              <a:avLst/>
-            </a:prstGeom>
-            <a:solidFill>
-              <a:srgbClr val="4472C4"/>
-            </a:solidFill>
-            <a:ln w="19050"/>
-          </p:spPr>
-          <p:style>
-            <a:lnRef idx="2">
-              <a:schemeClr val="dk1"/>
-            </a:lnRef>
-            <a:fillRef idx="1">
-              <a:schemeClr val="lt1"/>
-            </a:fillRef>
-            <a:effectRef idx="0">
-              <a:schemeClr val="dk1"/>
-            </a:effectRef>
-            <a:fontRef idx="minor">
-              <a:schemeClr val="dk1"/>
-            </a:fontRef>
-          </p:style>
-          <p:txBody>
-            <a:bodyPr rot="0" spcFirstLastPara="0" vert="horz" wrap="square" lIns="91440" tIns="0" rIns="91440" bIns="45720" numCol="1" spcCol="0" rtlCol="0" fromWordArt="0" anchor="t" anchorCtr="0" forceAA="0" compatLnSpc="1">
-              <a:prstTxWarp prst="textNoShape">
-                <a:avLst/>
-              </a:prstTxWarp>
-              <a:noAutofit/>
-            </a:bodyPr>
-            <a:lstStyle/>
-            <a:p>
-              <a:pPr algn="ctr">
-                <a:lnSpc>
-                  <a:spcPct val="150000"/>
-                </a:lnSpc>
-              </a:pPr>
-              <a:r>
-                <a:rPr lang="zh-CN" sz="1200" kern="100">
-                  <a:solidFill>
-                    <a:schemeClr val="bg1"/>
-                  </a:solidFill>
-                  <a:effectLst/>
-                  <a:latin typeface="+mn-ea"/>
-                  <a:cs typeface="宋体" panose="02010600030101010101" pitchFamily="2" charset="-122"/>
-                </a:rPr>
-                <a:t>磁场计算矩阵</a:t>
-              </a:r>
-            </a:p>
-          </p:txBody>
-        </p:sp>
-      </p:grpSp>
-      <p:sp>
-        <p:nvSpPr>
-          <p:cNvPr id="11" name="菱形 10">
-            <a:extLst>
-              <a:ext uri="{FF2B5EF4-FFF2-40B4-BE49-F238E27FC236}">
-                <a16:creationId xmlns:a16="http://schemas.microsoft.com/office/drawing/2014/main" id="{0BB66C34-9612-E3F0-DB0F-7D7863FE2CB1}"/>
-              </a:ext>
-            </a:extLst>
-          </p:cNvPr>
-          <p:cNvSpPr/>
-          <p:nvPr/>
-        </p:nvSpPr>
-        <p:spPr>
-          <a:xfrm>
-            <a:off x="4695439" y="2782991"/>
-            <a:ext cx="2750794" cy="517557"/>
-          </a:xfrm>
-          <a:prstGeom prst="diamond">
-            <a:avLst/>
-          </a:prstGeom>
-          <a:ln w="19050"/>
-        </p:spPr>
-        <p:style>
-          <a:lnRef idx="2">
-            <a:schemeClr val="dk1"/>
-          </a:lnRef>
-          <a:fillRef idx="1">
-            <a:schemeClr val="lt1"/>
-          </a:fillRef>
-          <a:effectRef idx="0">
-            <a:schemeClr val="dk1"/>
-          </a:effectRef>
-          <a:fontRef idx="minor">
-            <a:schemeClr val="dk1"/>
-          </a:fontRef>
-        </p:style>
-        <p:txBody>
-          <a:bodyPr rot="0" spcFirstLastPara="0" vert="horz" wrap="square" lIns="91440" tIns="0" rIns="91440" bIns="45720" numCol="1" spcCol="0" rtlCol="0" fromWordArt="0" anchor="t" anchorCtr="0" forceAA="0" compatLnSpc="1">
-            <a:prstTxWarp prst="textNoShape">
-              <a:avLst/>
-            </a:prstTxWarp>
-            <a:noAutofit/>
-          </a:bodyPr>
-          <a:lstStyle/>
-          <a:p>
-            <a:pPr algn="ctr">
-              <a:lnSpc>
-                <a:spcPct val="150000"/>
-              </a:lnSpc>
-            </a:pPr>
-            <a:r>
-              <a:rPr lang="zh-CN" altLang="en-US" sz="1200" kern="100" dirty="0">
-                <a:latin typeface="+mn-ea"/>
-                <a:cs typeface="宋体" panose="02010600030101010101" pitchFamily="2" charset="-122"/>
-              </a:rPr>
-              <a:t>继续求解？</a:t>
-            </a:r>
-            <a:endParaRPr lang="zh-CN" sz="1200" kern="100" dirty="0">
-              <a:effectLst/>
-              <a:latin typeface="+mn-ea"/>
-              <a:cs typeface="宋体" panose="02010600030101010101" pitchFamily="2" charset="-122"/>
-            </a:endParaRPr>
-          </a:p>
-        </p:txBody>
-      </p:sp>
-      <p:sp>
-        <p:nvSpPr>
-          <p:cNvPr id="12" name="矩形: 圆角 11">
-            <a:extLst>
-              <a:ext uri="{FF2B5EF4-FFF2-40B4-BE49-F238E27FC236}">
-                <a16:creationId xmlns:a16="http://schemas.microsoft.com/office/drawing/2014/main" id="{D8190ECE-D57A-2454-C557-5026D32F47F9}"/>
-              </a:ext>
-            </a:extLst>
-          </p:cNvPr>
-          <p:cNvSpPr/>
-          <p:nvPr/>
-        </p:nvSpPr>
-        <p:spPr>
-          <a:xfrm>
-            <a:off x="5185003" y="3501101"/>
-            <a:ext cx="1779943" cy="326593"/>
-          </a:xfrm>
-          <a:prstGeom prst="roundRect">
-            <a:avLst/>
-          </a:prstGeom>
-          <a:solidFill>
-            <a:srgbClr val="4472C4"/>
-          </a:solidFill>
-          <a:ln w="19050"/>
-        </p:spPr>
-        <p:style>
-          <a:lnRef idx="2">
-            <a:schemeClr val="dk1"/>
-          </a:lnRef>
-          <a:fillRef idx="1">
-            <a:schemeClr val="lt1"/>
-          </a:fillRef>
-          <a:effectRef idx="0">
-            <a:schemeClr val="dk1"/>
-          </a:effectRef>
-          <a:fontRef idx="minor">
-            <a:schemeClr val="dk1"/>
-          </a:fontRef>
-        </p:style>
-        <p:txBody>
-          <a:bodyPr rot="0" spcFirstLastPara="0" vert="horz" wrap="square" lIns="91440" tIns="0" rIns="91440" bIns="45720" numCol="1" spcCol="0" rtlCol="0" fromWordArt="0" anchor="t" anchorCtr="0" forceAA="0" compatLnSpc="1">
-            <a:prstTxWarp prst="textNoShape">
-              <a:avLst/>
-            </a:prstTxWarp>
-            <a:noAutofit/>
-          </a:bodyPr>
-          <a:lstStyle/>
-          <a:p>
-            <a:pPr algn="ctr">
-              <a:lnSpc>
-                <a:spcPct val="150000"/>
-              </a:lnSpc>
-            </a:pPr>
-            <a:r>
-              <a:rPr lang="zh-CN" sz="1200" kern="100">
-                <a:solidFill>
-                  <a:schemeClr val="bg1"/>
-                </a:solidFill>
-                <a:effectLst/>
-                <a:latin typeface="+mn-ea"/>
-                <a:cs typeface="宋体" panose="02010600030101010101" pitchFamily="2" charset="-122"/>
-              </a:rPr>
-              <a:t>计算结果预测</a:t>
-            </a:r>
-          </a:p>
-        </p:txBody>
-      </p:sp>
-      <p:sp>
-        <p:nvSpPr>
-          <p:cNvPr id="13" name="矩形: 圆角 12">
-            <a:extLst>
-              <a:ext uri="{FF2B5EF4-FFF2-40B4-BE49-F238E27FC236}">
-                <a16:creationId xmlns:a16="http://schemas.microsoft.com/office/drawing/2014/main" id="{1688B767-6B71-B216-29BE-23A0C4F5CB19}"/>
-              </a:ext>
-            </a:extLst>
-          </p:cNvPr>
-          <p:cNvSpPr/>
-          <p:nvPr/>
-        </p:nvSpPr>
-        <p:spPr>
-          <a:xfrm>
-            <a:off x="4879038" y="3956785"/>
-            <a:ext cx="2381744" cy="326593"/>
-          </a:xfrm>
-          <a:prstGeom prst="roundRect">
-            <a:avLst/>
-          </a:prstGeom>
-          <a:solidFill>
-            <a:schemeClr val="accent2">
-              <a:lumMod val="75000"/>
-            </a:schemeClr>
-          </a:solidFill>
-          <a:ln w="19050"/>
-        </p:spPr>
-        <p:style>
-          <a:lnRef idx="2">
-            <a:schemeClr val="dk1"/>
-          </a:lnRef>
-          <a:fillRef idx="1">
-            <a:schemeClr val="lt1"/>
-          </a:fillRef>
-          <a:effectRef idx="0">
-            <a:schemeClr val="dk1"/>
-          </a:effectRef>
-          <a:fontRef idx="minor">
-            <a:schemeClr val="dk1"/>
-          </a:fontRef>
-        </p:style>
-        <p:txBody>
-          <a:bodyPr rot="0" spcFirstLastPara="0" vert="horz" wrap="square" lIns="91440" tIns="0" rIns="91440" bIns="45720" numCol="1" spcCol="0" rtlCol="0" fromWordArt="0" anchor="t" anchorCtr="0" forceAA="0" compatLnSpc="1">
-            <a:prstTxWarp prst="textNoShape">
-              <a:avLst/>
-            </a:prstTxWarp>
-            <a:noAutofit/>
-          </a:bodyPr>
-          <a:lstStyle/>
-          <a:p>
-            <a:pPr algn="ctr">
-              <a:lnSpc>
-                <a:spcPct val="150000"/>
-              </a:lnSpc>
-            </a:pPr>
-            <a:r>
-              <a:rPr lang="zh-CN" sz="1200" kern="100">
-                <a:solidFill>
-                  <a:schemeClr val="bg1"/>
-                </a:solidFill>
-                <a:effectLst/>
-                <a:latin typeface="+mn-ea"/>
-                <a:cs typeface="宋体" panose="02010600030101010101" pitchFamily="2" charset="-122"/>
-              </a:rPr>
-              <a:t>系数、常数矩阵构建</a:t>
-            </a:r>
-          </a:p>
-        </p:txBody>
-      </p:sp>
-      <p:sp>
-        <p:nvSpPr>
-          <p:cNvPr id="14" name="矩形: 圆角 13">
-            <a:extLst>
-              <a:ext uri="{FF2B5EF4-FFF2-40B4-BE49-F238E27FC236}">
-                <a16:creationId xmlns:a16="http://schemas.microsoft.com/office/drawing/2014/main" id="{D6A0FA16-D7C7-4859-DC3F-D616AFBA643F}"/>
-              </a:ext>
-            </a:extLst>
-          </p:cNvPr>
-          <p:cNvSpPr/>
-          <p:nvPr/>
-        </p:nvSpPr>
-        <p:spPr>
-          <a:xfrm>
-            <a:off x="5184428" y="4420969"/>
-            <a:ext cx="1779943" cy="326593"/>
-          </a:xfrm>
-          <a:prstGeom prst="roundRect">
-            <a:avLst/>
-          </a:prstGeom>
-          <a:solidFill>
-            <a:schemeClr val="accent2">
-              <a:lumMod val="75000"/>
-            </a:schemeClr>
-          </a:solidFill>
-          <a:ln w="19050"/>
-        </p:spPr>
-        <p:style>
-          <a:lnRef idx="2">
-            <a:schemeClr val="dk1"/>
-          </a:lnRef>
-          <a:fillRef idx="1">
-            <a:schemeClr val="lt1"/>
-          </a:fillRef>
-          <a:effectRef idx="0">
-            <a:schemeClr val="dk1"/>
-          </a:effectRef>
-          <a:fontRef idx="minor">
-            <a:schemeClr val="dk1"/>
-          </a:fontRef>
-        </p:style>
-        <p:txBody>
-          <a:bodyPr rot="0" spcFirstLastPara="0" vert="horz" wrap="square" lIns="91440" tIns="0" rIns="91440" bIns="45720" numCol="1" spcCol="0" rtlCol="0" fromWordArt="0" anchor="t" anchorCtr="0" forceAA="0" compatLnSpc="1">
-            <a:prstTxWarp prst="textNoShape">
-              <a:avLst/>
-            </a:prstTxWarp>
-            <a:noAutofit/>
-          </a:bodyPr>
-          <a:lstStyle/>
-          <a:p>
-            <a:pPr algn="ctr">
-              <a:lnSpc>
-                <a:spcPct val="150000"/>
-              </a:lnSpc>
-            </a:pPr>
-            <a:r>
-              <a:rPr lang="zh-CN" sz="1200" kern="100">
-                <a:solidFill>
-                  <a:schemeClr val="bg1"/>
-                </a:solidFill>
-                <a:effectLst/>
-                <a:latin typeface="+mn-ea"/>
-                <a:cs typeface="宋体" panose="02010600030101010101" pitchFamily="2" charset="-122"/>
-              </a:rPr>
-              <a:t>方程求解</a:t>
-            </a:r>
-          </a:p>
-        </p:txBody>
-      </p:sp>
-      <p:sp>
-        <p:nvSpPr>
-          <p:cNvPr id="15" name="矩形: 圆角 14">
-            <a:extLst>
-              <a:ext uri="{FF2B5EF4-FFF2-40B4-BE49-F238E27FC236}">
-                <a16:creationId xmlns:a16="http://schemas.microsoft.com/office/drawing/2014/main" id="{16196844-A52E-63F9-FA7F-C314DE5FF0CE}"/>
-              </a:ext>
-            </a:extLst>
-          </p:cNvPr>
-          <p:cNvSpPr/>
-          <p:nvPr/>
-        </p:nvSpPr>
-        <p:spPr>
-          <a:xfrm>
-            <a:off x="5222921" y="5677894"/>
-            <a:ext cx="1779943" cy="326593"/>
-          </a:xfrm>
-          <a:prstGeom prst="roundRect">
-            <a:avLst/>
-          </a:prstGeom>
-          <a:ln w="19050"/>
-        </p:spPr>
-        <p:style>
-          <a:lnRef idx="2">
-            <a:schemeClr val="dk1"/>
-          </a:lnRef>
-          <a:fillRef idx="1">
-            <a:schemeClr val="lt1"/>
-          </a:fillRef>
-          <a:effectRef idx="0">
-            <a:schemeClr val="dk1"/>
-          </a:effectRef>
-          <a:fontRef idx="minor">
-            <a:schemeClr val="dk1"/>
-          </a:fontRef>
-        </p:style>
-        <p:txBody>
-          <a:bodyPr rot="0" spcFirstLastPara="0" vert="horz" wrap="square" lIns="91440" tIns="0" rIns="91440" bIns="45720" numCol="1" spcCol="0" rtlCol="0" fromWordArt="0" anchor="t" anchorCtr="0" forceAA="0" compatLnSpc="1">
-            <a:prstTxWarp prst="textNoShape">
-              <a:avLst/>
-            </a:prstTxWarp>
-            <a:noAutofit/>
-          </a:bodyPr>
-          <a:lstStyle/>
-          <a:p>
-            <a:pPr algn="ctr">
-              <a:lnSpc>
-                <a:spcPct val="150000"/>
-              </a:lnSpc>
-            </a:pPr>
-            <a:r>
-              <a:rPr lang="zh-CN" sz="1200" kern="100" dirty="0">
-                <a:effectLst/>
-                <a:latin typeface="+mn-ea"/>
-                <a:cs typeface="宋体" panose="02010600030101010101" pitchFamily="2" charset="-122"/>
-              </a:rPr>
-              <a:t>结束循环</a:t>
-            </a:r>
-          </a:p>
-        </p:txBody>
-      </p:sp>
-      <p:grpSp>
-        <p:nvGrpSpPr>
-          <p:cNvPr id="16" name="组合 15">
-            <a:extLst>
-              <a:ext uri="{FF2B5EF4-FFF2-40B4-BE49-F238E27FC236}">
-                <a16:creationId xmlns:a16="http://schemas.microsoft.com/office/drawing/2014/main" id="{3DC8CA0D-12E5-3BDC-1480-9BC5AC90D49C}"/>
-              </a:ext>
-            </a:extLst>
-          </p:cNvPr>
-          <p:cNvGrpSpPr/>
-          <p:nvPr/>
-        </p:nvGrpSpPr>
-        <p:grpSpPr>
-          <a:xfrm>
-            <a:off x="3630188" y="1915924"/>
-            <a:ext cx="4885480" cy="734652"/>
-            <a:chOff x="0" y="0"/>
-            <a:chExt cx="4564049" cy="978010"/>
-          </a:xfrm>
-        </p:grpSpPr>
-        <p:sp>
-          <p:nvSpPr>
-            <p:cNvPr id="17" name="矩形: 圆角 16">
-              <a:extLst>
-                <a:ext uri="{FF2B5EF4-FFF2-40B4-BE49-F238E27FC236}">
-                  <a16:creationId xmlns:a16="http://schemas.microsoft.com/office/drawing/2014/main" id="{8B709576-E931-E157-9204-AED027FF1D78}"/>
-                </a:ext>
-              </a:extLst>
-            </p:cNvPr>
-            <p:cNvSpPr/>
-            <p:nvPr/>
-          </p:nvSpPr>
-          <p:spPr>
-            <a:xfrm>
-              <a:off x="0" y="0"/>
-              <a:ext cx="4564049" cy="978010"/>
-            </a:xfrm>
-            <a:prstGeom prst="roundRect">
-              <a:avLst/>
-            </a:prstGeom>
-            <a:ln w="19050"/>
-          </p:spPr>
-          <p:style>
-            <a:lnRef idx="2">
-              <a:schemeClr val="dk1"/>
-            </a:lnRef>
-            <a:fillRef idx="1">
-              <a:schemeClr val="lt1"/>
-            </a:fillRef>
-            <a:effectRef idx="0">
-              <a:schemeClr val="dk1"/>
-            </a:effectRef>
-            <a:fontRef idx="minor">
-              <a:schemeClr val="dk1"/>
-            </a:fontRef>
-          </p:style>
-          <p:txBody>
-            <a:bodyPr rot="0" spcFirstLastPara="0" vert="horz" wrap="square" lIns="91440" tIns="0" rIns="91440" bIns="45720" numCol="1" spcCol="0" rtlCol="0" fromWordArt="0" anchor="t" anchorCtr="0" forceAA="0" compatLnSpc="1">
-              <a:prstTxWarp prst="textNoShape">
-                <a:avLst/>
-              </a:prstTxWarp>
-              <a:noAutofit/>
-            </a:bodyPr>
-            <a:lstStyle/>
-            <a:p>
-              <a:pPr algn="ctr">
-                <a:lnSpc>
-                  <a:spcPct val="150000"/>
-                </a:lnSpc>
-              </a:pPr>
-              <a:r>
-                <a:rPr lang="zh-CN" sz="1200" kern="100">
-                  <a:effectLst/>
-                  <a:latin typeface="+mn-ea"/>
-                  <a:cs typeface="宋体" panose="02010600030101010101" pitchFamily="2" charset="-122"/>
-                </a:rPr>
-                <a:t>数据预处理</a:t>
-              </a:r>
-            </a:p>
-          </p:txBody>
-        </p:sp>
-        <p:sp>
-          <p:nvSpPr>
-            <p:cNvPr id="18" name="矩形: 圆角 17">
-              <a:extLst>
-                <a:ext uri="{FF2B5EF4-FFF2-40B4-BE49-F238E27FC236}">
-                  <a16:creationId xmlns:a16="http://schemas.microsoft.com/office/drawing/2014/main" id="{F007D8D8-C9A7-3777-85CE-0E0D05BA3192}"/>
-                </a:ext>
-              </a:extLst>
-            </p:cNvPr>
-            <p:cNvSpPr/>
-            <p:nvPr/>
-          </p:nvSpPr>
-          <p:spPr>
-            <a:xfrm>
-              <a:off x="228230" y="460640"/>
-              <a:ext cx="1356323" cy="434731"/>
-            </a:xfrm>
-            <a:prstGeom prst="roundRect">
-              <a:avLst/>
-            </a:prstGeom>
-            <a:ln w="19050"/>
-          </p:spPr>
-          <p:style>
-            <a:lnRef idx="2">
-              <a:schemeClr val="dk1"/>
-            </a:lnRef>
-            <a:fillRef idx="1">
-              <a:schemeClr val="lt1"/>
-            </a:fillRef>
-            <a:effectRef idx="0">
-              <a:schemeClr val="dk1"/>
-            </a:effectRef>
-            <a:fontRef idx="minor">
-              <a:schemeClr val="dk1"/>
-            </a:fontRef>
-          </p:style>
-          <p:txBody>
-            <a:bodyPr rot="0" spcFirstLastPara="0" vert="horz" wrap="square" lIns="91440" tIns="0" rIns="91440" bIns="45720" numCol="1" spcCol="0" rtlCol="0" fromWordArt="0" anchor="t" anchorCtr="0" forceAA="0" compatLnSpc="1">
-              <a:prstTxWarp prst="textNoShape">
-                <a:avLst/>
-              </a:prstTxWarp>
-              <a:noAutofit/>
-            </a:bodyPr>
-            <a:lstStyle/>
-            <a:p>
-              <a:pPr algn="ctr">
-                <a:lnSpc>
-                  <a:spcPct val="150000"/>
-                </a:lnSpc>
-              </a:pPr>
-              <a:r>
-                <a:rPr lang="zh-CN" sz="1200" kern="100">
-                  <a:effectLst/>
-                  <a:latin typeface="+mn-ea"/>
-                  <a:cs typeface="宋体" panose="02010600030101010101" pitchFamily="2" charset="-122"/>
-                </a:rPr>
-                <a:t>初始化变量</a:t>
-              </a:r>
-            </a:p>
-          </p:txBody>
-        </p:sp>
-        <p:sp>
-          <p:nvSpPr>
-            <p:cNvPr id="19" name="矩形: 圆角 18">
-              <a:extLst>
-                <a:ext uri="{FF2B5EF4-FFF2-40B4-BE49-F238E27FC236}">
-                  <a16:creationId xmlns:a16="http://schemas.microsoft.com/office/drawing/2014/main" id="{682940D8-251B-D870-7298-DE8C5370A2F5}"/>
-                </a:ext>
-              </a:extLst>
-            </p:cNvPr>
-            <p:cNvSpPr/>
-            <p:nvPr/>
-          </p:nvSpPr>
-          <p:spPr>
-            <a:xfrm>
-              <a:off x="1615722" y="460640"/>
-              <a:ext cx="1356323" cy="434731"/>
-            </a:xfrm>
-            <a:prstGeom prst="roundRect">
-              <a:avLst/>
-            </a:prstGeom>
-            <a:ln w="19050"/>
-          </p:spPr>
-          <p:style>
-            <a:lnRef idx="2">
-              <a:schemeClr val="dk1"/>
-            </a:lnRef>
-            <a:fillRef idx="1">
-              <a:schemeClr val="lt1"/>
-            </a:fillRef>
-            <a:effectRef idx="0">
-              <a:schemeClr val="dk1"/>
-            </a:effectRef>
-            <a:fontRef idx="minor">
-              <a:schemeClr val="dk1"/>
-            </a:fontRef>
-          </p:style>
-          <p:txBody>
-            <a:bodyPr rot="0" spcFirstLastPara="0" vert="horz" wrap="square" lIns="91440" tIns="0" rIns="91440" bIns="45720" numCol="1" spcCol="0" rtlCol="0" fromWordArt="0" anchor="t" anchorCtr="0" forceAA="0" compatLnSpc="1">
-              <a:prstTxWarp prst="textNoShape">
-                <a:avLst/>
-              </a:prstTxWarp>
-              <a:noAutofit/>
-            </a:bodyPr>
-            <a:lstStyle/>
-            <a:p>
-              <a:pPr algn="ctr">
-                <a:lnSpc>
-                  <a:spcPct val="150000"/>
-                </a:lnSpc>
-              </a:pPr>
-              <a:r>
-                <a:rPr lang="zh-CN" sz="1200" kern="100" dirty="0">
-                  <a:effectLst/>
-                  <a:latin typeface="+mn-ea"/>
-                  <a:cs typeface="宋体" panose="02010600030101010101" pitchFamily="2" charset="-122"/>
-                </a:rPr>
-                <a:t>矩阵拼接</a:t>
-              </a:r>
-            </a:p>
-          </p:txBody>
-        </p:sp>
-        <p:sp>
-          <p:nvSpPr>
-            <p:cNvPr id="20" name="矩形: 圆角 19">
-              <a:extLst>
-                <a:ext uri="{FF2B5EF4-FFF2-40B4-BE49-F238E27FC236}">
-                  <a16:creationId xmlns:a16="http://schemas.microsoft.com/office/drawing/2014/main" id="{8725D605-9035-B3BC-FA49-F5C07792B5AB}"/>
-                </a:ext>
-              </a:extLst>
-            </p:cNvPr>
-            <p:cNvSpPr/>
-            <p:nvPr/>
-          </p:nvSpPr>
-          <p:spPr>
-            <a:xfrm>
-              <a:off x="3003473" y="460640"/>
-              <a:ext cx="1356323" cy="434731"/>
-            </a:xfrm>
-            <a:prstGeom prst="roundRect">
-              <a:avLst/>
-            </a:prstGeom>
-            <a:ln w="19050"/>
-          </p:spPr>
-          <p:style>
-            <a:lnRef idx="2">
-              <a:schemeClr val="dk1"/>
-            </a:lnRef>
-            <a:fillRef idx="1">
-              <a:schemeClr val="lt1"/>
-            </a:fillRef>
-            <a:effectRef idx="0">
-              <a:schemeClr val="dk1"/>
-            </a:effectRef>
-            <a:fontRef idx="minor">
-              <a:schemeClr val="dk1"/>
-            </a:fontRef>
-          </p:style>
-          <p:txBody>
-            <a:bodyPr rot="0" spcFirstLastPara="0" vert="horz" wrap="square" lIns="91440" tIns="0" rIns="91440" bIns="45720" numCol="1" spcCol="0" rtlCol="0" fromWordArt="0" anchor="t" anchorCtr="0" forceAA="0" compatLnSpc="1">
-              <a:prstTxWarp prst="textNoShape">
-                <a:avLst/>
-              </a:prstTxWarp>
-              <a:noAutofit/>
-            </a:bodyPr>
-            <a:lstStyle/>
-            <a:p>
-              <a:pPr algn="ctr">
-                <a:lnSpc>
-                  <a:spcPct val="150000"/>
-                </a:lnSpc>
-              </a:pPr>
-              <a:r>
-                <a:rPr lang="zh-CN" sz="1200" kern="100">
-                  <a:effectLst/>
-                  <a:latin typeface="+mn-ea"/>
-                  <a:cs typeface="宋体" panose="02010600030101010101" pitchFamily="2" charset="-122"/>
-                </a:rPr>
-                <a:t>初始化记录文件</a:t>
-              </a:r>
-            </a:p>
-          </p:txBody>
-        </p:sp>
-      </p:grpSp>
-      <p:grpSp>
-        <p:nvGrpSpPr>
-          <p:cNvPr id="21" name="组合 20">
-            <a:extLst>
-              <a:ext uri="{FF2B5EF4-FFF2-40B4-BE49-F238E27FC236}">
-                <a16:creationId xmlns:a16="http://schemas.microsoft.com/office/drawing/2014/main" id="{5DEBC38D-E406-EDB3-D8AB-DA5194E21D0B}"/>
-              </a:ext>
-            </a:extLst>
-          </p:cNvPr>
-          <p:cNvGrpSpPr/>
-          <p:nvPr/>
-        </p:nvGrpSpPr>
-        <p:grpSpPr>
-          <a:xfrm>
-            <a:off x="3631217" y="4843264"/>
-            <a:ext cx="4884800" cy="789156"/>
-            <a:chOff x="0" y="-1"/>
-            <a:chExt cx="4564049" cy="1050568"/>
-          </a:xfrm>
-        </p:grpSpPr>
-        <p:sp>
-          <p:nvSpPr>
-            <p:cNvPr id="22" name="矩形: 圆角 21">
-              <a:extLst>
-                <a:ext uri="{FF2B5EF4-FFF2-40B4-BE49-F238E27FC236}">
-                  <a16:creationId xmlns:a16="http://schemas.microsoft.com/office/drawing/2014/main" id="{03E874BD-F8DB-CA26-ADC0-9173F0AF9D25}"/>
-                </a:ext>
-              </a:extLst>
-            </p:cNvPr>
-            <p:cNvSpPr/>
-            <p:nvPr/>
-          </p:nvSpPr>
-          <p:spPr>
-            <a:xfrm>
-              <a:off x="0" y="-1"/>
-              <a:ext cx="4564049" cy="1050568"/>
-            </a:xfrm>
-            <a:prstGeom prst="roundRect">
-              <a:avLst/>
-            </a:prstGeom>
-            <a:ln w="19050"/>
-          </p:spPr>
-          <p:style>
-            <a:lnRef idx="2">
-              <a:schemeClr val="dk1"/>
-            </a:lnRef>
-            <a:fillRef idx="1">
-              <a:schemeClr val="lt1"/>
-            </a:fillRef>
-            <a:effectRef idx="0">
-              <a:schemeClr val="dk1"/>
-            </a:effectRef>
-            <a:fontRef idx="minor">
-              <a:schemeClr val="dk1"/>
-            </a:fontRef>
-          </p:style>
-          <p:txBody>
-            <a:bodyPr rot="0" spcFirstLastPara="0" vert="horz" wrap="square" lIns="91440" tIns="0" rIns="91440" bIns="45720" numCol="1" spcCol="0" rtlCol="0" fromWordArt="0" anchor="t" anchorCtr="0" forceAA="0" compatLnSpc="1">
-              <a:prstTxWarp prst="textNoShape">
-                <a:avLst/>
-              </a:prstTxWarp>
-              <a:noAutofit/>
-            </a:bodyPr>
-            <a:lstStyle/>
-            <a:p>
-              <a:pPr algn="ctr">
-                <a:lnSpc>
-                  <a:spcPct val="150000"/>
-                </a:lnSpc>
-              </a:pPr>
-              <a:r>
-                <a:rPr lang="zh-CN" sz="1200" kern="100" dirty="0">
-                  <a:effectLst/>
-                  <a:latin typeface="+mn-ea"/>
-                  <a:cs typeface="宋体" panose="02010600030101010101" pitchFamily="2" charset="-122"/>
-                </a:rPr>
-                <a:t>本轮计算结束</a:t>
-              </a:r>
-            </a:p>
-          </p:txBody>
-        </p:sp>
-        <p:sp>
-          <p:nvSpPr>
-            <p:cNvPr id="23" name="矩形: 圆角 22">
-              <a:extLst>
-                <a:ext uri="{FF2B5EF4-FFF2-40B4-BE49-F238E27FC236}">
-                  <a16:creationId xmlns:a16="http://schemas.microsoft.com/office/drawing/2014/main" id="{9ACF55AF-8B2D-E435-268F-42538F63BD29}"/>
-                </a:ext>
-              </a:extLst>
-            </p:cNvPr>
-            <p:cNvSpPr/>
-            <p:nvPr/>
-          </p:nvSpPr>
-          <p:spPr>
-            <a:xfrm>
-              <a:off x="228230" y="521505"/>
-              <a:ext cx="1356323" cy="434731"/>
-            </a:xfrm>
-            <a:prstGeom prst="roundRect">
-              <a:avLst/>
-            </a:prstGeom>
-            <a:ln w="19050"/>
-          </p:spPr>
-          <p:style>
-            <a:lnRef idx="2">
-              <a:schemeClr val="dk1"/>
-            </a:lnRef>
-            <a:fillRef idx="1">
-              <a:schemeClr val="lt1"/>
-            </a:fillRef>
-            <a:effectRef idx="0">
-              <a:schemeClr val="dk1"/>
-            </a:effectRef>
-            <a:fontRef idx="minor">
-              <a:schemeClr val="dk1"/>
-            </a:fontRef>
-          </p:style>
-          <p:txBody>
-            <a:bodyPr rot="0" spcFirstLastPara="0" vert="horz" wrap="square" lIns="91440" tIns="0" rIns="91440" bIns="45720" numCol="1" spcCol="0" rtlCol="0" fromWordArt="0" anchor="t" anchorCtr="0" forceAA="0" compatLnSpc="1">
-              <a:prstTxWarp prst="textNoShape">
-                <a:avLst/>
-              </a:prstTxWarp>
-              <a:noAutofit/>
-            </a:bodyPr>
-            <a:lstStyle/>
-            <a:p>
-              <a:pPr algn="ctr">
-                <a:lnSpc>
-                  <a:spcPct val="150000"/>
-                </a:lnSpc>
-              </a:pPr>
-              <a:r>
-                <a:rPr lang="zh-CN" sz="1200" kern="100" dirty="0">
-                  <a:effectLst/>
-                  <a:latin typeface="+mn-ea"/>
-                  <a:cs typeface="宋体" panose="02010600030101010101" pitchFamily="2" charset="-122"/>
-                </a:rPr>
-                <a:t>显示计算结果</a:t>
-              </a:r>
-            </a:p>
-          </p:txBody>
-        </p:sp>
-        <p:sp>
-          <p:nvSpPr>
-            <p:cNvPr id="24" name="矩形: 圆角 23">
-              <a:extLst>
-                <a:ext uri="{FF2B5EF4-FFF2-40B4-BE49-F238E27FC236}">
-                  <a16:creationId xmlns:a16="http://schemas.microsoft.com/office/drawing/2014/main" id="{33AB18C4-A57C-91CE-3A3D-77960E258E64}"/>
-                </a:ext>
-              </a:extLst>
-            </p:cNvPr>
-            <p:cNvSpPr/>
-            <p:nvPr/>
-          </p:nvSpPr>
-          <p:spPr>
-            <a:xfrm>
-              <a:off x="1615722" y="521505"/>
-              <a:ext cx="1356323" cy="434731"/>
-            </a:xfrm>
-            <a:prstGeom prst="roundRect">
-              <a:avLst/>
-            </a:prstGeom>
-            <a:ln w="19050"/>
-          </p:spPr>
-          <p:style>
-            <a:lnRef idx="2">
-              <a:schemeClr val="dk1"/>
-            </a:lnRef>
-            <a:fillRef idx="1">
-              <a:schemeClr val="lt1"/>
-            </a:fillRef>
-            <a:effectRef idx="0">
-              <a:schemeClr val="dk1"/>
-            </a:effectRef>
-            <a:fontRef idx="minor">
-              <a:schemeClr val="dk1"/>
-            </a:fontRef>
-          </p:style>
-          <p:txBody>
-            <a:bodyPr rot="0" spcFirstLastPara="0" vert="horz" wrap="square" lIns="91440" tIns="0" rIns="91440" bIns="45720" numCol="1" spcCol="0" rtlCol="0" fromWordArt="0" anchor="t" anchorCtr="0" forceAA="0" compatLnSpc="1">
-              <a:prstTxWarp prst="textNoShape">
-                <a:avLst/>
-              </a:prstTxWarp>
-              <a:noAutofit/>
-            </a:bodyPr>
-            <a:lstStyle/>
-            <a:p>
-              <a:pPr algn="ctr">
-                <a:lnSpc>
-                  <a:spcPct val="150000"/>
-                </a:lnSpc>
-              </a:pPr>
-              <a:r>
-                <a:rPr lang="zh-CN" sz="1200" kern="100">
-                  <a:effectLst/>
-                  <a:latin typeface="+mn-ea"/>
-                  <a:cs typeface="宋体" panose="02010600030101010101" pitchFamily="2" charset="-122"/>
-                </a:rPr>
-                <a:t>显示计算时长</a:t>
-              </a:r>
-            </a:p>
-          </p:txBody>
-        </p:sp>
-        <p:sp>
-          <p:nvSpPr>
-            <p:cNvPr id="25" name="矩形: 圆角 24">
-              <a:extLst>
-                <a:ext uri="{FF2B5EF4-FFF2-40B4-BE49-F238E27FC236}">
-                  <a16:creationId xmlns:a16="http://schemas.microsoft.com/office/drawing/2014/main" id="{BC179A88-D612-656C-632E-B25E85D591AD}"/>
-                </a:ext>
-              </a:extLst>
-            </p:cNvPr>
-            <p:cNvSpPr/>
-            <p:nvPr/>
-          </p:nvSpPr>
-          <p:spPr>
-            <a:xfrm>
-              <a:off x="3003473" y="521505"/>
-              <a:ext cx="1356323" cy="434731"/>
-            </a:xfrm>
-            <a:prstGeom prst="roundRect">
-              <a:avLst/>
-            </a:prstGeom>
-            <a:ln w="19050"/>
-          </p:spPr>
-          <p:style>
-            <a:lnRef idx="2">
-              <a:schemeClr val="dk1"/>
-            </a:lnRef>
-            <a:fillRef idx="1">
-              <a:schemeClr val="lt1"/>
-            </a:fillRef>
-            <a:effectRef idx="0">
-              <a:schemeClr val="dk1"/>
-            </a:effectRef>
-            <a:fontRef idx="minor">
-              <a:schemeClr val="dk1"/>
-            </a:fontRef>
-          </p:style>
-          <p:txBody>
-            <a:bodyPr rot="0" spcFirstLastPara="0" vert="horz" wrap="square" lIns="91440" tIns="0" rIns="91440" bIns="45720" numCol="1" spcCol="0" rtlCol="0" fromWordArt="0" anchor="t" anchorCtr="0" forceAA="0" compatLnSpc="1">
-              <a:prstTxWarp prst="textNoShape">
-                <a:avLst/>
-              </a:prstTxWarp>
-              <a:noAutofit/>
-            </a:bodyPr>
-            <a:lstStyle/>
-            <a:p>
-              <a:pPr algn="ctr">
-                <a:lnSpc>
-                  <a:spcPct val="150000"/>
-                </a:lnSpc>
-              </a:pPr>
-              <a:r>
-                <a:rPr lang="zh-CN" sz="1200" kern="100">
-                  <a:effectLst/>
-                  <a:latin typeface="+mn-ea"/>
-                  <a:cs typeface="宋体" panose="02010600030101010101" pitchFamily="2" charset="-122"/>
-                </a:rPr>
-                <a:t>记录数据</a:t>
-              </a:r>
-            </a:p>
-          </p:txBody>
-        </p:sp>
-      </p:grpSp>
-      <p:sp>
-        <p:nvSpPr>
-          <p:cNvPr id="26" name="矩形: 圆角 25">
-            <a:extLst>
-              <a:ext uri="{FF2B5EF4-FFF2-40B4-BE49-F238E27FC236}">
-                <a16:creationId xmlns:a16="http://schemas.microsoft.com/office/drawing/2014/main" id="{DE02FB0C-AF38-C010-6F0D-DCBB7098E42E}"/>
-              </a:ext>
-            </a:extLst>
-          </p:cNvPr>
-          <p:cNvSpPr/>
-          <p:nvPr/>
-        </p:nvSpPr>
-        <p:spPr>
-          <a:xfrm>
-            <a:off x="5223719" y="6158320"/>
-            <a:ext cx="1779196" cy="326300"/>
-          </a:xfrm>
-          <a:prstGeom prst="roundRect">
-            <a:avLst/>
-          </a:prstGeom>
-          <a:ln w="19050"/>
-        </p:spPr>
-        <p:style>
-          <a:lnRef idx="2">
-            <a:schemeClr val="dk1"/>
-          </a:lnRef>
-          <a:fillRef idx="1">
-            <a:schemeClr val="lt1"/>
-          </a:fillRef>
-          <a:effectRef idx="0">
-            <a:schemeClr val="dk1"/>
-          </a:effectRef>
-          <a:fontRef idx="minor">
-            <a:schemeClr val="dk1"/>
-          </a:fontRef>
-        </p:style>
-        <p:txBody>
-          <a:bodyPr rot="0" spcFirstLastPara="0" vert="horz" wrap="square" lIns="91440" tIns="0" rIns="91440" bIns="45720" numCol="1" spcCol="0" rtlCol="0" fromWordArt="0" anchor="t" anchorCtr="0" forceAA="0" compatLnSpc="1">
-            <a:prstTxWarp prst="textNoShape">
-              <a:avLst/>
-            </a:prstTxWarp>
-            <a:noAutofit/>
-          </a:bodyPr>
-          <a:lstStyle/>
-          <a:p>
-            <a:pPr algn="ctr">
-              <a:lnSpc>
-                <a:spcPct val="150000"/>
-              </a:lnSpc>
-            </a:pPr>
-            <a:r>
-              <a:rPr lang="zh-CN" sz="1200" kern="100" dirty="0">
-                <a:effectLst/>
-                <a:latin typeface="+mn-ea"/>
-                <a:cs typeface="宋体" panose="02010600030101010101" pitchFamily="2" charset="-122"/>
-              </a:rPr>
-              <a:t>数据</a:t>
-            </a:r>
-            <a:r>
-              <a:rPr lang="zh-CN" altLang="en-US" sz="1200" kern="100" dirty="0">
-                <a:effectLst/>
-                <a:latin typeface="+mn-ea"/>
-                <a:cs typeface="宋体" panose="02010600030101010101" pitchFamily="2" charset="-122"/>
-              </a:rPr>
-              <a:t>存档</a:t>
-            </a:r>
-            <a:endParaRPr lang="zh-CN" sz="1200" kern="100" dirty="0">
-              <a:effectLst/>
-              <a:latin typeface="+mn-ea"/>
-              <a:cs typeface="宋体" panose="02010600030101010101" pitchFamily="2" charset="-122"/>
-            </a:endParaRPr>
-          </a:p>
-        </p:txBody>
-      </p:sp>
-      <p:cxnSp>
-        <p:nvCxnSpPr>
-          <p:cNvPr id="27" name="连接符: 肘形 26">
-            <a:extLst>
-              <a:ext uri="{FF2B5EF4-FFF2-40B4-BE49-F238E27FC236}">
-                <a16:creationId xmlns:a16="http://schemas.microsoft.com/office/drawing/2014/main" id="{1E9EC1E1-AFC8-1D1C-50A8-EA51F8554F2D}"/>
-              </a:ext>
-            </a:extLst>
-          </p:cNvPr>
-          <p:cNvCxnSpPr>
-            <a:stCxn id="5" idx="2"/>
-            <a:endCxn id="7" idx="0"/>
-          </p:cNvCxnSpPr>
-          <p:nvPr/>
-        </p:nvCxnSpPr>
-        <p:spPr>
-          <a:xfrm rot="5400000">
-            <a:off x="6027074" y="991331"/>
-            <a:ext cx="107316" cy="1950"/>
-          </a:xfrm>
-          <a:prstGeom prst="bentConnector3">
-            <a:avLst/>
-          </a:prstGeom>
-          <a:ln w="19050">
-            <a:tailEnd type="triangle"/>
-          </a:ln>
-        </p:spPr>
-        <p:style>
-          <a:lnRef idx="2">
-            <a:schemeClr val="dk1"/>
-          </a:lnRef>
-          <a:fillRef idx="1">
-            <a:schemeClr val="lt1"/>
-          </a:fillRef>
-          <a:effectRef idx="0">
-            <a:schemeClr val="dk1"/>
-          </a:effectRef>
-          <a:fontRef idx="minor">
-            <a:schemeClr val="dk1"/>
-          </a:fontRef>
-        </p:style>
-      </p:cxnSp>
-      <p:cxnSp>
-        <p:nvCxnSpPr>
-          <p:cNvPr id="28" name="连接符: 肘形 27">
-            <a:extLst>
-              <a:ext uri="{FF2B5EF4-FFF2-40B4-BE49-F238E27FC236}">
-                <a16:creationId xmlns:a16="http://schemas.microsoft.com/office/drawing/2014/main" id="{A7CBE4CA-9AD3-CE91-33BD-BB881506B730}"/>
-              </a:ext>
-            </a:extLst>
-          </p:cNvPr>
-          <p:cNvCxnSpPr>
-            <a:endCxn id="17" idx="0"/>
-          </p:cNvCxnSpPr>
-          <p:nvPr/>
-        </p:nvCxnSpPr>
-        <p:spPr>
-          <a:xfrm rot="16200000" flipH="1">
-            <a:off x="6005080" y="1847999"/>
-            <a:ext cx="135218" cy="478"/>
-          </a:xfrm>
-          <a:prstGeom prst="bentConnector3">
-            <a:avLst/>
-          </a:prstGeom>
-          <a:ln w="19050">
-            <a:tailEnd type="triangle"/>
-          </a:ln>
-        </p:spPr>
-        <p:style>
-          <a:lnRef idx="2">
-            <a:schemeClr val="dk1"/>
-          </a:lnRef>
-          <a:fillRef idx="1">
-            <a:schemeClr val="lt1"/>
-          </a:fillRef>
-          <a:effectRef idx="0">
-            <a:schemeClr val="dk1"/>
-          </a:effectRef>
-          <a:fontRef idx="minor">
-            <a:schemeClr val="dk1"/>
-          </a:fontRef>
-        </p:style>
-      </p:cxnSp>
-      <p:cxnSp>
-        <p:nvCxnSpPr>
-          <p:cNvPr id="29" name="连接符: 肘形 28">
-            <a:extLst>
-              <a:ext uri="{FF2B5EF4-FFF2-40B4-BE49-F238E27FC236}">
-                <a16:creationId xmlns:a16="http://schemas.microsoft.com/office/drawing/2014/main" id="{BD2D8F05-D1D7-B273-6742-BEE547179E84}"/>
-              </a:ext>
-            </a:extLst>
-          </p:cNvPr>
-          <p:cNvCxnSpPr>
-            <a:endCxn id="11" idx="0"/>
-          </p:cNvCxnSpPr>
-          <p:nvPr/>
-        </p:nvCxnSpPr>
-        <p:spPr>
-          <a:xfrm rot="5400000">
-            <a:off x="6005440" y="2715856"/>
-            <a:ext cx="132408" cy="1615"/>
-          </a:xfrm>
-          <a:prstGeom prst="bentConnector3">
-            <a:avLst/>
-          </a:prstGeom>
-          <a:ln w="19050">
-            <a:tailEnd type="triangle"/>
-          </a:ln>
-        </p:spPr>
-        <p:style>
-          <a:lnRef idx="2">
-            <a:schemeClr val="dk1"/>
-          </a:lnRef>
-          <a:fillRef idx="1">
-            <a:schemeClr val="lt1"/>
-          </a:fillRef>
-          <a:effectRef idx="0">
-            <a:schemeClr val="dk1"/>
-          </a:effectRef>
-          <a:fontRef idx="minor">
-            <a:schemeClr val="dk1"/>
-          </a:fontRef>
-        </p:style>
-      </p:cxnSp>
-      <p:cxnSp>
-        <p:nvCxnSpPr>
-          <p:cNvPr id="30" name="直接箭头连接符 29">
-            <a:extLst>
-              <a:ext uri="{FF2B5EF4-FFF2-40B4-BE49-F238E27FC236}">
-                <a16:creationId xmlns:a16="http://schemas.microsoft.com/office/drawing/2014/main" id="{EE345495-8BE4-93FA-EF40-081BC1BDF468}"/>
-              </a:ext>
-            </a:extLst>
-          </p:cNvPr>
-          <p:cNvCxnSpPr>
-            <a:stCxn id="11" idx="2"/>
-            <a:endCxn id="12" idx="0"/>
-          </p:cNvCxnSpPr>
-          <p:nvPr/>
-        </p:nvCxnSpPr>
-        <p:spPr>
-          <a:xfrm>
-            <a:off x="6070836" y="3300548"/>
-            <a:ext cx="4139" cy="200554"/>
-          </a:xfrm>
-          <a:prstGeom prst="straightConnector1">
-            <a:avLst/>
-          </a:prstGeom>
-          <a:ln w="19050">
-            <a:tailEnd type="triangle"/>
-          </a:ln>
-        </p:spPr>
-        <p:style>
-          <a:lnRef idx="2">
-            <a:schemeClr val="dk1"/>
-          </a:lnRef>
-          <a:fillRef idx="1">
-            <a:schemeClr val="lt1"/>
-          </a:fillRef>
-          <a:effectRef idx="0">
-            <a:schemeClr val="dk1"/>
-          </a:effectRef>
-          <a:fontRef idx="minor">
-            <a:schemeClr val="dk1"/>
-          </a:fontRef>
-        </p:style>
-      </p:cxnSp>
-      <p:cxnSp>
-        <p:nvCxnSpPr>
-          <p:cNvPr id="31" name="直接箭头连接符 30">
-            <a:extLst>
-              <a:ext uri="{FF2B5EF4-FFF2-40B4-BE49-F238E27FC236}">
-                <a16:creationId xmlns:a16="http://schemas.microsoft.com/office/drawing/2014/main" id="{C0867267-7813-594E-1856-6C099646EA73}"/>
-              </a:ext>
-            </a:extLst>
-          </p:cNvPr>
-          <p:cNvCxnSpPr>
-            <a:endCxn id="13" idx="0"/>
-          </p:cNvCxnSpPr>
-          <p:nvPr/>
-        </p:nvCxnSpPr>
-        <p:spPr>
-          <a:xfrm flipH="1">
-            <a:off x="6069910" y="3827154"/>
-            <a:ext cx="5066" cy="129631"/>
-          </a:xfrm>
-          <a:prstGeom prst="straightConnector1">
-            <a:avLst/>
-          </a:prstGeom>
-          <a:ln w="19050">
-            <a:tailEnd type="triangle"/>
-          </a:ln>
-        </p:spPr>
-        <p:style>
-          <a:lnRef idx="2">
-            <a:schemeClr val="dk1"/>
-          </a:lnRef>
-          <a:fillRef idx="1">
-            <a:schemeClr val="lt1"/>
-          </a:fillRef>
-          <a:effectRef idx="0">
-            <a:schemeClr val="dk1"/>
-          </a:effectRef>
-          <a:fontRef idx="minor">
-            <a:schemeClr val="dk1"/>
-          </a:fontRef>
-        </p:style>
-      </p:cxnSp>
-      <p:cxnSp>
-        <p:nvCxnSpPr>
-          <p:cNvPr id="32" name="直接箭头连接符 31">
-            <a:extLst>
-              <a:ext uri="{FF2B5EF4-FFF2-40B4-BE49-F238E27FC236}">
-                <a16:creationId xmlns:a16="http://schemas.microsoft.com/office/drawing/2014/main" id="{EF1296FC-C454-48E2-EDB1-B3C9E1634179}"/>
-              </a:ext>
-            </a:extLst>
-          </p:cNvPr>
-          <p:cNvCxnSpPr>
-            <a:stCxn id="13" idx="2"/>
-            <a:endCxn id="14" idx="0"/>
-          </p:cNvCxnSpPr>
-          <p:nvPr/>
-        </p:nvCxnSpPr>
-        <p:spPr>
-          <a:xfrm>
-            <a:off x="6069910" y="4283361"/>
-            <a:ext cx="4490" cy="137608"/>
-          </a:xfrm>
-          <a:prstGeom prst="straightConnector1">
-            <a:avLst/>
-          </a:prstGeom>
-          <a:ln w="19050">
-            <a:tailEnd type="triangle"/>
-          </a:ln>
-        </p:spPr>
-        <p:style>
-          <a:lnRef idx="2">
-            <a:schemeClr val="dk1"/>
-          </a:lnRef>
-          <a:fillRef idx="1">
-            <a:schemeClr val="lt1"/>
-          </a:fillRef>
-          <a:effectRef idx="0">
-            <a:schemeClr val="dk1"/>
-          </a:effectRef>
-          <a:fontRef idx="minor">
-            <a:schemeClr val="dk1"/>
-          </a:fontRef>
-        </p:style>
-      </p:cxnSp>
-      <p:cxnSp>
-        <p:nvCxnSpPr>
-          <p:cNvPr id="33" name="直接箭头连接符 32">
-            <a:extLst>
-              <a:ext uri="{FF2B5EF4-FFF2-40B4-BE49-F238E27FC236}">
-                <a16:creationId xmlns:a16="http://schemas.microsoft.com/office/drawing/2014/main" id="{3E74DB9C-C433-4163-2D48-29086F332063}"/>
-              </a:ext>
-            </a:extLst>
-          </p:cNvPr>
-          <p:cNvCxnSpPr>
-            <a:stCxn id="15" idx="2"/>
-            <a:endCxn id="26" idx="0"/>
-          </p:cNvCxnSpPr>
-          <p:nvPr/>
-        </p:nvCxnSpPr>
-        <p:spPr>
-          <a:xfrm>
-            <a:off x="6112893" y="6004187"/>
-            <a:ext cx="424" cy="153825"/>
-          </a:xfrm>
-          <a:prstGeom prst="straightConnector1">
-            <a:avLst/>
-          </a:prstGeom>
-          <a:ln w="19050">
-            <a:tailEnd type="triangle"/>
-          </a:ln>
-        </p:spPr>
-        <p:style>
-          <a:lnRef idx="2">
-            <a:schemeClr val="dk1"/>
-          </a:lnRef>
-          <a:fillRef idx="1">
-            <a:schemeClr val="lt1"/>
-          </a:fillRef>
-          <a:effectRef idx="0">
-            <a:schemeClr val="dk1"/>
-          </a:effectRef>
-          <a:fontRef idx="minor">
-            <a:schemeClr val="dk1"/>
-          </a:fontRef>
-        </p:style>
-      </p:cxnSp>
-      <p:cxnSp>
-        <p:nvCxnSpPr>
-          <p:cNvPr id="34" name="直接箭头连接符 33">
-            <a:extLst>
-              <a:ext uri="{FF2B5EF4-FFF2-40B4-BE49-F238E27FC236}">
-                <a16:creationId xmlns:a16="http://schemas.microsoft.com/office/drawing/2014/main" id="{7998E0B0-C4CA-B418-3216-86927369970D}"/>
-              </a:ext>
-            </a:extLst>
-          </p:cNvPr>
-          <p:cNvCxnSpPr>
-            <a:cxnSpLocks/>
-            <a:stCxn id="14" idx="2"/>
-            <a:endCxn id="22" idx="0"/>
-          </p:cNvCxnSpPr>
-          <p:nvPr/>
-        </p:nvCxnSpPr>
-        <p:spPr>
-          <a:xfrm flipH="1">
-            <a:off x="6073617" y="4747562"/>
-            <a:ext cx="783" cy="95702"/>
-          </a:xfrm>
-          <a:prstGeom prst="straightConnector1">
-            <a:avLst/>
-          </a:prstGeom>
-          <a:ln w="19050">
-            <a:tailEnd type="triangle"/>
-          </a:ln>
-        </p:spPr>
-        <p:style>
-          <a:lnRef idx="2">
-            <a:schemeClr val="dk1"/>
-          </a:lnRef>
-          <a:fillRef idx="1">
-            <a:schemeClr val="lt1"/>
-          </a:fillRef>
-          <a:effectRef idx="0">
-            <a:schemeClr val="dk1"/>
-          </a:effectRef>
-          <a:fontRef idx="minor">
-            <a:schemeClr val="dk1"/>
-          </a:fontRef>
-        </p:style>
-      </p:cxnSp>
-      <p:cxnSp>
-        <p:nvCxnSpPr>
-          <p:cNvPr id="35" name="连接符: 肘形 34">
-            <a:extLst>
-              <a:ext uri="{FF2B5EF4-FFF2-40B4-BE49-F238E27FC236}">
-                <a16:creationId xmlns:a16="http://schemas.microsoft.com/office/drawing/2014/main" id="{67E7C894-747F-9E56-84D4-3D96B8C0EBE7}"/>
-              </a:ext>
-            </a:extLst>
-          </p:cNvPr>
-          <p:cNvCxnSpPr>
-            <a:stCxn id="11" idx="3"/>
-            <a:endCxn id="15" idx="3"/>
-          </p:cNvCxnSpPr>
-          <p:nvPr/>
-        </p:nvCxnSpPr>
-        <p:spPr>
-          <a:xfrm flipH="1">
-            <a:off x="7002864" y="3041632"/>
-            <a:ext cx="443369" cy="2799267"/>
-          </a:xfrm>
-          <a:prstGeom prst="bentConnector3">
-            <a:avLst>
-              <a:gd name="adj1" fmla="val -289123"/>
-            </a:avLst>
-          </a:prstGeom>
-          <a:ln w="19050">
-            <a:tailEnd type="triangle"/>
-          </a:ln>
-        </p:spPr>
-        <p:style>
-          <a:lnRef idx="2">
-            <a:schemeClr val="dk1"/>
-          </a:lnRef>
-          <a:fillRef idx="1">
-            <a:schemeClr val="lt1"/>
-          </a:fillRef>
-          <a:effectRef idx="0">
-            <a:schemeClr val="dk1"/>
-          </a:effectRef>
-          <a:fontRef idx="minor">
-            <a:schemeClr val="dk1"/>
-          </a:fontRef>
-        </p:style>
-      </p:cxnSp>
-      <p:cxnSp>
-        <p:nvCxnSpPr>
-          <p:cNvPr id="36" name="连接符: 肘形 35">
-            <a:extLst>
-              <a:ext uri="{FF2B5EF4-FFF2-40B4-BE49-F238E27FC236}">
-                <a16:creationId xmlns:a16="http://schemas.microsoft.com/office/drawing/2014/main" id="{E217D928-C392-C01A-F17C-3B2BFAE8B7A1}"/>
-              </a:ext>
-            </a:extLst>
-          </p:cNvPr>
-          <p:cNvCxnSpPr>
-            <a:cxnSpLocks/>
-            <a:stCxn id="22" idx="1"/>
-            <a:endCxn id="11" idx="1"/>
-          </p:cNvCxnSpPr>
-          <p:nvPr/>
-        </p:nvCxnSpPr>
-        <p:spPr>
-          <a:xfrm rot="10800000" flipH="1">
-            <a:off x="3631217" y="3041770"/>
-            <a:ext cx="1064222" cy="2196072"/>
-          </a:xfrm>
-          <a:prstGeom prst="bentConnector3">
-            <a:avLst>
-              <a:gd name="adj1" fmla="val -21480"/>
-            </a:avLst>
-          </a:prstGeom>
-          <a:ln w="19050">
-            <a:tailEnd type="triangle"/>
-          </a:ln>
-        </p:spPr>
-        <p:style>
-          <a:lnRef idx="2">
-            <a:schemeClr val="dk1"/>
-          </a:lnRef>
-          <a:fillRef idx="1">
-            <a:schemeClr val="lt1"/>
-          </a:fillRef>
-          <a:effectRef idx="0">
-            <a:schemeClr val="dk1"/>
-          </a:effectRef>
-          <a:fontRef idx="minor">
-            <a:schemeClr val="dk1"/>
-          </a:fontRef>
-        </p:style>
-      </p:cxnSp>
-      <p:sp>
-        <p:nvSpPr>
-          <p:cNvPr id="37" name="文本框 80">
-            <a:extLst>
-              <a:ext uri="{FF2B5EF4-FFF2-40B4-BE49-F238E27FC236}">
-                <a16:creationId xmlns:a16="http://schemas.microsoft.com/office/drawing/2014/main" id="{3CF99D1A-2D0C-F477-B8EF-C62B7D632C74}"/>
-              </a:ext>
-            </a:extLst>
-          </p:cNvPr>
-          <p:cNvSpPr txBox="1"/>
-          <p:nvPr/>
-        </p:nvSpPr>
-        <p:spPr>
-          <a:xfrm>
-            <a:off x="5995469" y="3257195"/>
-            <a:ext cx="424699" cy="205654"/>
-          </a:xfrm>
-          <a:prstGeom prst="rect">
-            <a:avLst/>
-          </a:prstGeom>
-          <a:noFill/>
-          <a:ln w="19050">
-            <a:noFill/>
-          </a:ln>
-        </p:spPr>
-        <p:txBody>
-          <a:bodyPr rot="0" spcFirstLastPara="0" vert="horz" wrap="square" lIns="91440" tIns="0" rIns="91440" bIns="45720" numCol="1" spcCol="0" rtlCol="0" fromWordArt="0" anchor="t" anchorCtr="0" forceAA="0" compatLnSpc="1">
-            <a:prstTxWarp prst="textNoShape">
-              <a:avLst/>
-            </a:prstTxWarp>
-            <a:noAutofit/>
-          </a:bodyPr>
-          <a:lstStyle/>
-          <a:p>
-            <a:pPr algn="ctr">
-              <a:lnSpc>
-                <a:spcPct val="150000"/>
-              </a:lnSpc>
-            </a:pPr>
-            <a:r>
-              <a:rPr lang="zh-CN" sz="1200" kern="100">
-                <a:effectLst/>
-                <a:latin typeface="+mn-ea"/>
-                <a:cs typeface="宋体" panose="02010600030101010101" pitchFamily="2" charset="-122"/>
-              </a:rPr>
-              <a:t>是</a:t>
-            </a:r>
-          </a:p>
-        </p:txBody>
-      </p:sp>
-      <p:sp>
-        <p:nvSpPr>
-          <p:cNvPr id="38" name="文本框 82">
-            <a:extLst>
-              <a:ext uri="{FF2B5EF4-FFF2-40B4-BE49-F238E27FC236}">
-                <a16:creationId xmlns:a16="http://schemas.microsoft.com/office/drawing/2014/main" id="{FCC13B6E-5201-7BE7-5756-B362CF54D251}"/>
-              </a:ext>
-            </a:extLst>
-          </p:cNvPr>
-          <p:cNvSpPr txBox="1"/>
-          <p:nvPr/>
-        </p:nvSpPr>
-        <p:spPr>
-          <a:xfrm>
-            <a:off x="8347768" y="4112570"/>
-            <a:ext cx="366445" cy="258128"/>
-          </a:xfrm>
-          <a:prstGeom prst="rect">
-            <a:avLst/>
-          </a:prstGeom>
-          <a:noFill/>
-          <a:ln w="19050">
-            <a:noFill/>
-          </a:ln>
-        </p:spPr>
-        <p:txBody>
-          <a:bodyPr rot="0" spcFirstLastPara="0" vert="horz" wrap="none" lIns="91440" tIns="0" rIns="91440" bIns="45720" numCol="1" spcCol="0" rtlCol="0" fromWordArt="0" anchor="t" anchorCtr="0" forceAA="0" compatLnSpc="1">
-            <a:prstTxWarp prst="textNoShape">
-              <a:avLst/>
-            </a:prstTxWarp>
-            <a:noAutofit/>
-          </a:bodyPr>
-          <a:lstStyle/>
-          <a:p>
-            <a:pPr algn="ctr">
-              <a:lnSpc>
-                <a:spcPct val="150000"/>
-              </a:lnSpc>
-            </a:pPr>
-            <a:r>
-              <a:rPr lang="zh-CN" sz="1200" kern="100">
-                <a:effectLst/>
-                <a:latin typeface="+mn-ea"/>
-                <a:cs typeface="宋体" panose="02010600030101010101" pitchFamily="2" charset="-122"/>
-              </a:rPr>
-              <a:t>否</a:t>
-            </a:r>
-          </a:p>
-        </p:txBody>
-      </p:sp>
+      </p:pic>
     </p:spTree>
     <p:extLst>
       <p:ext uri="{BB962C8B-B14F-4D97-AF65-F5344CB8AC3E}">
-        <p14:creationId xmlns:p14="http://schemas.microsoft.com/office/powerpoint/2010/main" val="2286881098"/>
+        <p14:creationId xmlns:p14="http://schemas.microsoft.com/office/powerpoint/2010/main" val="1198595019"/>
       </p:ext>
     </p:extLst>
   </p:cSld>
@@ -5300,236 +3484,45 @@
           <a:chExt cx="0" cy="0"/>
         </a:xfrm>
       </p:grpSpPr>
-      <p:sp>
-        <p:nvSpPr>
-          <p:cNvPr id="4" name="标题 2">
-            <a:extLst>
-              <a:ext uri="{FF2B5EF4-FFF2-40B4-BE49-F238E27FC236}">
-                <a16:creationId xmlns:a16="http://schemas.microsoft.com/office/drawing/2014/main" id="{0B557136-0BE8-1596-75FD-F32DBFB375F8}"/>
-              </a:ext>
-            </a:extLst>
-          </p:cNvPr>
-          <p:cNvSpPr txBox="1">
-            <a:spLocks/>
-          </p:cNvSpPr>
-          <p:nvPr/>
-        </p:nvSpPr>
+      <p:pic>
+        <p:nvPicPr>
+          <p:cNvPr id="5" name="内容占位符 4" descr="图示, 示意图&#10;&#10;描述已自动生成">
+            <a:extLst>
+              <a:ext uri="{FF2B5EF4-FFF2-40B4-BE49-F238E27FC236}">
+                <a16:creationId xmlns:a16="http://schemas.microsoft.com/office/drawing/2014/main" id="{88305353-1C5F-EC33-DD95-A3D94AF861F1}"/>
+              </a:ext>
+            </a:extLst>
+          </p:cNvPr>
+          <p:cNvPicPr>
+            <a:picLocks noGrp="1" noChangeAspect="1"/>
+          </p:cNvPicPr>
+          <p:nvPr>
+            <p:ph idx="1"/>
+          </p:nvPr>
+        </p:nvPicPr>
+        <p:blipFill>
+          <a:blip r:embed="rId2">
+            <a:extLst>
+              <a:ext uri="{28A0092B-C50C-407E-A947-70E740481C1C}">
+                <a14:useLocalDpi xmlns:a14="http://schemas.microsoft.com/office/drawing/2010/main" val="0"/>
+              </a:ext>
+            </a:extLst>
+          </a:blip>
+          <a:stretch>
+            <a:fillRect/>
+          </a:stretch>
+        </p:blipFill>
         <p:spPr>
           <a:xfrm>
-            <a:off x="1006334" y="531953"/>
-            <a:ext cx="6429375" cy="367200"/>
+            <a:off x="908755" y="344442"/>
+            <a:ext cx="10374489" cy="6169116"/>
           </a:xfrm>
-          <a:prstGeom prst="rect">
-            <a:avLst/>
-          </a:prstGeom>
         </p:spPr>
-        <p:txBody>
-          <a:bodyPr vert="horz" lIns="91440" tIns="45720" rIns="91440" bIns="45720" rtlCol="0" anchor="ctr">
-            <a:noAutofit/>
-          </a:bodyPr>
-          <a:lstStyle>
-            <a:defPPr>
-              <a:defRPr lang="zh-CN"/>
-            </a:defPPr>
-            <a:lvl1pPr>
-              <a:lnSpc>
-                <a:spcPct val="90000"/>
-              </a:lnSpc>
-              <a:spcBef>
-                <a:spcPct val="0"/>
-              </a:spcBef>
-              <a:buNone/>
-              <a:defRPr sz="3600" b="1">
-                <a:latin typeface="+mj-lt"/>
-                <a:ea typeface="+mj-ea"/>
-                <a:cs typeface="+mj-cs"/>
-              </a:defRPr>
-            </a:lvl1pPr>
-          </a:lstStyle>
-          <a:p>
-            <a:r>
-              <a:rPr lang="zh-CN" altLang="en-US" dirty="0"/>
-              <a:t>结果对比与分析</a:t>
-            </a:r>
-          </a:p>
-        </p:txBody>
-      </p:sp>
-      <p:grpSp>
-        <p:nvGrpSpPr>
-          <p:cNvPr id="5" name="画布 233">
-            <a:extLst>
-              <a:ext uri="{FF2B5EF4-FFF2-40B4-BE49-F238E27FC236}">
-                <a16:creationId xmlns:a16="http://schemas.microsoft.com/office/drawing/2014/main" id="{8D6C11A3-DA5C-4797-0354-1A1D13561E5B}"/>
-              </a:ext>
-            </a:extLst>
-          </p:cNvPr>
-          <p:cNvGrpSpPr/>
-          <p:nvPr/>
-        </p:nvGrpSpPr>
-        <p:grpSpPr>
-          <a:xfrm>
-            <a:off x="1006334" y="2065860"/>
-            <a:ext cx="8972704" cy="3794400"/>
-            <a:chOff x="0" y="0"/>
-            <a:chExt cx="5278120" cy="2232025"/>
-          </a:xfrm>
-        </p:grpSpPr>
-        <p:sp>
-          <p:nvSpPr>
-            <p:cNvPr id="6" name="矩形 5">
-              <a:extLst>
-                <a:ext uri="{FF2B5EF4-FFF2-40B4-BE49-F238E27FC236}">
-                  <a16:creationId xmlns:a16="http://schemas.microsoft.com/office/drawing/2014/main" id="{77061CF8-5EBC-AD8A-9301-AFDA4D6CFB54}"/>
-                </a:ext>
-              </a:extLst>
-            </p:cNvPr>
-            <p:cNvSpPr/>
-            <p:nvPr/>
-          </p:nvSpPr>
-          <p:spPr>
-            <a:xfrm>
-              <a:off x="0" y="0"/>
-              <a:ext cx="5278120" cy="2232025"/>
-            </a:xfrm>
-            <a:prstGeom prst="rect">
-              <a:avLst/>
-            </a:prstGeom>
-            <a:solidFill>
-              <a:prstClr val="white"/>
-            </a:solidFill>
-          </p:spPr>
-          <p:txBody>
-            <a:bodyPr/>
-            <a:lstStyle/>
-            <a:p>
-              <a:endParaRPr lang="zh-CN" altLang="en-US"/>
-            </a:p>
-          </p:txBody>
-        </p:sp>
-        <p:pic>
-          <p:nvPicPr>
-            <p:cNvPr id="7" name="图片 6">
-              <a:extLst>
-                <a:ext uri="{FF2B5EF4-FFF2-40B4-BE49-F238E27FC236}">
-                  <a16:creationId xmlns:a16="http://schemas.microsoft.com/office/drawing/2014/main" id="{2BF60CFF-5C00-CDC4-8863-65D734E6C402}"/>
-                </a:ext>
-              </a:extLst>
-            </p:cNvPr>
-            <p:cNvPicPr preferRelativeResize="0">
-              <a:picLocks noChangeAspect="1"/>
-            </p:cNvPicPr>
-            <p:nvPr/>
-          </p:nvPicPr>
-          <p:blipFill>
-            <a:blip r:embed="rId2" cstate="print">
-              <a:extLst>
-                <a:ext uri="{28A0092B-C50C-407E-A947-70E740481C1C}">
-                  <a14:useLocalDpi xmlns:a14="http://schemas.microsoft.com/office/drawing/2010/main" val="0"/>
-                </a:ext>
-              </a:extLst>
-            </a:blip>
-            <a:srcRect/>
-            <a:stretch/>
-          </p:blipFill>
-          <p:spPr>
-            <a:xfrm>
-              <a:off x="0" y="159275"/>
-              <a:ext cx="2610000" cy="1972204"/>
-            </a:xfrm>
-            <a:prstGeom prst="rect">
-              <a:avLst/>
-            </a:prstGeom>
-          </p:spPr>
-        </p:pic>
-        <p:pic>
-          <p:nvPicPr>
-            <p:cNvPr id="8" name="图片 7">
-              <a:extLst>
-                <a:ext uri="{FF2B5EF4-FFF2-40B4-BE49-F238E27FC236}">
-                  <a16:creationId xmlns:a16="http://schemas.microsoft.com/office/drawing/2014/main" id="{0D5729F6-CBA3-A15D-8C29-31226C495018}"/>
-                </a:ext>
-              </a:extLst>
-            </p:cNvPr>
-            <p:cNvPicPr preferRelativeResize="0">
-              <a:picLocks noChangeAspect="1"/>
-            </p:cNvPicPr>
-            <p:nvPr/>
-          </p:nvPicPr>
-          <p:blipFill>
-            <a:blip r:embed="rId3" cstate="print">
-              <a:extLst>
-                <a:ext uri="{28A0092B-C50C-407E-A947-70E740481C1C}">
-                  <a14:useLocalDpi xmlns:a14="http://schemas.microsoft.com/office/drawing/2010/main" val="0"/>
-                </a:ext>
-              </a:extLst>
-            </a:blip>
-            <a:srcRect/>
-            <a:stretch/>
-          </p:blipFill>
-          <p:spPr>
-            <a:xfrm>
-              <a:off x="2668120" y="158892"/>
-              <a:ext cx="2610000" cy="1971574"/>
-            </a:xfrm>
-            <a:prstGeom prst="rect">
-              <a:avLst/>
-            </a:prstGeom>
-          </p:spPr>
-        </p:pic>
-      </p:grpSp>
-      <p:sp>
-        <p:nvSpPr>
-          <p:cNvPr id="9" name="文本框 8">
-            <a:extLst>
-              <a:ext uri="{FF2B5EF4-FFF2-40B4-BE49-F238E27FC236}">
-                <a16:creationId xmlns:a16="http://schemas.microsoft.com/office/drawing/2014/main" id="{B1CBDE83-9D24-0D6D-5A3B-19918BB5B6F4}"/>
-              </a:ext>
-            </a:extLst>
-          </p:cNvPr>
-          <p:cNvSpPr txBox="1"/>
-          <p:nvPr/>
-        </p:nvSpPr>
-        <p:spPr>
-          <a:xfrm>
-            <a:off x="1364043" y="1218135"/>
-            <a:ext cx="8342134" cy="754209"/>
-          </a:xfrm>
-          <a:prstGeom prst="rect">
-            <a:avLst/>
-          </a:prstGeom>
-          <a:noFill/>
-        </p:spPr>
-        <p:txBody>
-          <a:bodyPr wrap="square" rtlCol="0">
-            <a:spAutoFit/>
-          </a:bodyPr>
-          <a:lstStyle/>
-          <a:p>
-            <a:pPr algn="l">
-              <a:lnSpc>
-                <a:spcPct val="120000"/>
-              </a:lnSpc>
-            </a:pPr>
-            <a:r>
-              <a:rPr lang="zh-CN" altLang="en-US"/>
-              <a:t>当工作电流以恒定速率增加时，电压先升高后稳定，当工作电流稳定在</a:t>
-            </a:r>
-            <a:r>
-              <a:rPr lang="en-US" altLang="zh-CN"/>
-              <a:t>120 A</a:t>
-            </a:r>
-            <a:r>
-              <a:rPr lang="zh-CN" altLang="en-US"/>
-              <a:t>时，电压立即下降。模拟和实验结果在电压变化和磁场变化方面非常吻合。</a:t>
-            </a:r>
-            <a:endParaRPr lang="zh-CN" altLang="en-US" dirty="0"/>
-          </a:p>
-        </p:txBody>
-      </p:sp>
+      </p:pic>
     </p:spTree>
     <p:extLst>
       <p:ext uri="{BB962C8B-B14F-4D97-AF65-F5344CB8AC3E}">
-        <p14:creationId xmlns:p14="http://schemas.microsoft.com/office/powerpoint/2010/main" val="4236937920"/>
+        <p14:creationId xmlns:p14="http://schemas.microsoft.com/office/powerpoint/2010/main" val="2305205502"/>
       </p:ext>
     </p:extLst>
   </p:cSld>
@@ -5584,7 +3577,7 @@
         </p:blipFill>
         <p:spPr>
           <a:xfrm>
-            <a:off x="270930" y="1120906"/>
+            <a:off x="270930" y="2078849"/>
             <a:ext cx="3078662" cy="2308094"/>
           </a:xfrm>
           <a:prstGeom prst="rect">
@@ -5629,7 +3622,7 @@
         </p:blipFill>
         <p:spPr>
           <a:xfrm>
-            <a:off x="3841901" y="1118499"/>
+            <a:off x="3841901" y="2076442"/>
             <a:ext cx="3829434" cy="2308095"/>
           </a:xfrm>
           <a:prstGeom prst="rect">
@@ -5674,7 +3667,7 @@
         </p:blipFill>
         <p:spPr>
           <a:xfrm>
-            <a:off x="7928006" y="1230522"/>
+            <a:off x="7928006" y="2188465"/>
             <a:ext cx="3829435" cy="1915535"/>
           </a:xfrm>
           <a:prstGeom prst="rect">
@@ -5706,7 +3699,7 @@
         </p:nvSpPr>
         <p:spPr>
           <a:xfrm>
-            <a:off x="1385075" y="3870198"/>
+            <a:off x="1385075" y="4828141"/>
             <a:ext cx="646331" cy="369332"/>
           </a:xfrm>
           <a:prstGeom prst="rect">
@@ -5741,7 +3734,7 @@
         </p:nvSpPr>
         <p:spPr>
           <a:xfrm>
-            <a:off x="5449669" y="3870198"/>
+            <a:off x="5449669" y="4828141"/>
             <a:ext cx="1107996" cy="369332"/>
           </a:xfrm>
           <a:prstGeom prst="rect">
@@ -5776,7 +3769,7 @@
         </p:nvSpPr>
         <p:spPr>
           <a:xfrm>
-            <a:off x="9421930" y="3874529"/>
+            <a:off x="9421930" y="4832472"/>
             <a:ext cx="1107996" cy="369332"/>
           </a:xfrm>
           <a:prstGeom prst="rect">
@@ -5851,53 +3844,6 @@
           </a:p>
         </p:txBody>
       </p:sp>
-      <p:pic>
-        <p:nvPicPr>
-          <p:cNvPr id="1026" name="Picture 2">
-            <a:extLst>
-              <a:ext uri="{FF2B5EF4-FFF2-40B4-BE49-F238E27FC236}">
-                <a16:creationId xmlns:a16="http://schemas.microsoft.com/office/drawing/2014/main" id="{A62B2AA4-46F3-23D2-B4C1-EFBAE9A82456}"/>
-              </a:ext>
-            </a:extLst>
-          </p:cNvPr>
-          <p:cNvPicPr>
-            <a:picLocks noChangeAspect="1" noChangeArrowheads="1"/>
-          </p:cNvPicPr>
-          <p:nvPr/>
-        </p:nvPicPr>
-        <p:blipFill>
-          <a:blip r:embed="rId5">
-            <a:extLst>
-              <a:ext uri="{28A0092B-C50C-407E-A947-70E740481C1C}">
-                <a14:useLocalDpi xmlns:a14="http://schemas.microsoft.com/office/drawing/2010/main" val="0"/>
-              </a:ext>
-            </a:extLst>
-          </a:blip>
-          <a:srcRect/>
-          <a:stretch>
-            <a:fillRect/>
-          </a:stretch>
-        </p:blipFill>
-        <p:spPr bwMode="auto">
-          <a:xfrm>
-            <a:off x="7567169" y="4155066"/>
-            <a:ext cx="4255542" cy="2485046"/>
-          </a:xfrm>
-          <a:prstGeom prst="rect">
-            <a:avLst/>
-          </a:prstGeom>
-          <a:noFill/>
-          <a:extLst>
-            <a:ext uri="{909E8E84-426E-40DD-AFC4-6F175D3DCCD1}">
-              <a14:hiddenFill xmlns:a14="http://schemas.microsoft.com/office/drawing/2010/main">
-                <a:solidFill>
-                  <a:srgbClr val="FFFFFF"/>
-                </a:solidFill>
-              </a14:hiddenFill>
-            </a:ext>
-          </a:extLst>
-        </p:spPr>
-      </p:pic>
     </p:spTree>
     <p:extLst>
       <p:ext uri="{BB962C8B-B14F-4D97-AF65-F5344CB8AC3E}">
@@ -6322,8 +4268,8 @@
           </a:p>
         </p:txBody>
       </p:sp>
-      <mc:AlternateContent xmlns:mc="http://schemas.openxmlformats.org/markup-compatibility/2006">
-        <mc:Choice xmlns:a14="http://schemas.microsoft.com/office/drawing/2010/main" Requires="a14">
+      <mc:AlternateContent xmlns:mc="http://schemas.openxmlformats.org/markup-compatibility/2006" xmlns:a14="http://schemas.microsoft.com/office/drawing/2010/main">
+        <mc:Choice Requires="a14">
           <p:sp>
             <p:nvSpPr>
               <p:cNvPr id="9" name="文本框 8">
@@ -6625,7 +4571,7 @@
             </p:txBody>
           </p:sp>
         </mc:Choice>
-        <mc:Fallback>
+        <mc:Fallback xmlns="">
           <p:sp>
             <p:nvSpPr>
               <p:cNvPr id="9" name="文本框 8">
@@ -7394,6 +5340,4492 @@
 </file>
 
 <file path=ppt/slides/slide4.xml><?xml version="1.0" encoding="utf-8"?>
+<p:sld xmlns:a="http://schemas.openxmlformats.org/drawingml/2006/main" xmlns:r="http://schemas.openxmlformats.org/officeDocument/2006/relationships" xmlns:p="http://schemas.openxmlformats.org/presentationml/2006/main">
+  <p:cSld>
+    <p:spTree>
+      <p:nvGrpSpPr>
+        <p:cNvPr id="1" name=""/>
+        <p:cNvGrpSpPr/>
+        <p:nvPr/>
+      </p:nvGrpSpPr>
+      <p:grpSpPr>
+        <a:xfrm>
+          <a:off x="0" y="0"/>
+          <a:ext cx="0" cy="0"/>
+          <a:chOff x="0" y="0"/>
+          <a:chExt cx="0" cy="0"/>
+        </a:xfrm>
+      </p:grpSpPr>
+      <p:sp>
+        <p:nvSpPr>
+          <p:cNvPr id="4" name="标题 2">
+            <a:extLst>
+              <a:ext uri="{FF2B5EF4-FFF2-40B4-BE49-F238E27FC236}">
+                <a16:creationId xmlns:a16="http://schemas.microsoft.com/office/drawing/2014/main" id="{759B282E-0848-4275-3854-B250191590B4}"/>
+              </a:ext>
+            </a:extLst>
+          </p:cNvPr>
+          <p:cNvSpPr txBox="1">
+            <a:spLocks/>
+          </p:cNvSpPr>
+          <p:nvPr/>
+        </p:nvSpPr>
+        <p:spPr>
+          <a:xfrm>
+            <a:off x="642209" y="480369"/>
+            <a:ext cx="6429375" cy="367200"/>
+          </a:xfrm>
+          <a:prstGeom prst="rect">
+            <a:avLst/>
+          </a:prstGeom>
+        </p:spPr>
+        <p:txBody>
+          <a:bodyPr vert="horz" lIns="91440" tIns="45720" rIns="91440" bIns="45720" rtlCol="0" anchor="ctr">
+            <a:noAutofit/>
+          </a:bodyPr>
+          <a:lstStyle>
+            <a:defPPr>
+              <a:defRPr lang="zh-CN"/>
+            </a:defPPr>
+            <a:lvl1pPr>
+              <a:lnSpc>
+                <a:spcPct val="90000"/>
+              </a:lnSpc>
+              <a:spcBef>
+                <a:spcPct val="0"/>
+              </a:spcBef>
+              <a:buNone/>
+              <a:defRPr sz="3600" b="1">
+                <a:latin typeface="+mj-lt"/>
+                <a:ea typeface="+mj-ea"/>
+                <a:cs typeface="+mj-cs"/>
+              </a:defRPr>
+            </a:lvl1pPr>
+          </a:lstStyle>
+          <a:p>
+            <a:r>
+              <a:rPr lang="zh-CN" altLang="en-US" dirty="0"/>
+              <a:t>方程构成</a:t>
+            </a:r>
+          </a:p>
+        </p:txBody>
+      </p:sp>
+      <p:sp>
+        <p:nvSpPr>
+          <p:cNvPr id="5" name="内容占位符 4">
+            <a:extLst>
+              <a:ext uri="{FF2B5EF4-FFF2-40B4-BE49-F238E27FC236}">
+                <a16:creationId xmlns:a16="http://schemas.microsoft.com/office/drawing/2014/main" id="{3FE218D5-F682-EA19-B50F-F0DCCA7EAB4A}"/>
+              </a:ext>
+            </a:extLst>
+          </p:cNvPr>
+          <p:cNvSpPr txBox="1">
+            <a:spLocks/>
+          </p:cNvSpPr>
+          <p:nvPr/>
+        </p:nvSpPr>
+        <p:spPr>
+          <a:xfrm>
+            <a:off x="1547568" y="1995566"/>
+            <a:ext cx="8280000" cy="1098655"/>
+          </a:xfrm>
+          <a:prstGeom prst="rect">
+            <a:avLst/>
+          </a:prstGeom>
+        </p:spPr>
+        <p:txBody>
+          <a:bodyPr/>
+          <a:lstStyle>
+            <a:lvl1pPr marL="228600" indent="-228600" algn="l" defTabSz="914400" rtl="0" eaLnBrk="1" latinLnBrk="0" hangingPunct="1">
+              <a:lnSpc>
+                <a:spcPct val="90000"/>
+              </a:lnSpc>
+              <a:spcBef>
+                <a:spcPts val="1000"/>
+              </a:spcBef>
+              <a:buFont typeface="Arial" panose="020B0604020202020204" pitchFamily="34" charset="0"/>
+              <a:buChar char="•"/>
+              <a:defRPr sz="2800" kern="1200">
+                <a:solidFill>
+                  <a:schemeClr val="tx1"/>
+                </a:solidFill>
+                <a:latin typeface="+mn-lt"/>
+                <a:ea typeface="+mn-ea"/>
+                <a:cs typeface="+mn-cs"/>
+              </a:defRPr>
+            </a:lvl1pPr>
+            <a:lvl2pPr marL="685800" indent="-228600" algn="l" defTabSz="914400" rtl="0" eaLnBrk="1" latinLnBrk="0" hangingPunct="1">
+              <a:lnSpc>
+                <a:spcPct val="90000"/>
+              </a:lnSpc>
+              <a:spcBef>
+                <a:spcPts val="500"/>
+              </a:spcBef>
+              <a:buFont typeface="Arial" panose="020B0604020202020204" pitchFamily="34" charset="0"/>
+              <a:buChar char="•"/>
+              <a:defRPr sz="2400" kern="1200">
+                <a:solidFill>
+                  <a:schemeClr val="tx1"/>
+                </a:solidFill>
+                <a:latin typeface="+mn-lt"/>
+                <a:ea typeface="+mn-ea"/>
+                <a:cs typeface="+mn-cs"/>
+              </a:defRPr>
+            </a:lvl2pPr>
+            <a:lvl3pPr marL="1143000" indent="-228600" algn="l" defTabSz="914400" rtl="0" eaLnBrk="1" latinLnBrk="0" hangingPunct="1">
+              <a:lnSpc>
+                <a:spcPct val="90000"/>
+              </a:lnSpc>
+              <a:spcBef>
+                <a:spcPts val="500"/>
+              </a:spcBef>
+              <a:buFont typeface="Arial" panose="020B0604020202020204" pitchFamily="34" charset="0"/>
+              <a:buChar char="•"/>
+              <a:defRPr sz="2000" kern="1200">
+                <a:solidFill>
+                  <a:schemeClr val="tx1"/>
+                </a:solidFill>
+                <a:latin typeface="+mn-lt"/>
+                <a:ea typeface="+mn-ea"/>
+                <a:cs typeface="+mn-cs"/>
+              </a:defRPr>
+            </a:lvl3pPr>
+            <a:lvl4pPr marL="1600200" indent="-228600" algn="l" defTabSz="914400" rtl="0" eaLnBrk="1" latinLnBrk="0" hangingPunct="1">
+              <a:lnSpc>
+                <a:spcPct val="90000"/>
+              </a:lnSpc>
+              <a:spcBef>
+                <a:spcPts val="500"/>
+              </a:spcBef>
+              <a:buFont typeface="Arial" panose="020B0604020202020204" pitchFamily="34" charset="0"/>
+              <a:buChar char="•"/>
+              <a:defRPr sz="1800" kern="1200">
+                <a:solidFill>
+                  <a:schemeClr val="tx1"/>
+                </a:solidFill>
+                <a:latin typeface="+mn-lt"/>
+                <a:ea typeface="+mn-ea"/>
+                <a:cs typeface="+mn-cs"/>
+              </a:defRPr>
+            </a:lvl4pPr>
+            <a:lvl5pPr marL="2057400" indent="-228600" algn="l" defTabSz="914400" rtl="0" eaLnBrk="1" latinLnBrk="0" hangingPunct="1">
+              <a:lnSpc>
+                <a:spcPct val="90000"/>
+              </a:lnSpc>
+              <a:spcBef>
+                <a:spcPts val="500"/>
+              </a:spcBef>
+              <a:buFont typeface="Arial" panose="020B0604020202020204" pitchFamily="34" charset="0"/>
+              <a:buChar char="•"/>
+              <a:defRPr sz="1800" kern="1200">
+                <a:solidFill>
+                  <a:schemeClr val="tx1"/>
+                </a:solidFill>
+                <a:latin typeface="+mn-lt"/>
+                <a:ea typeface="+mn-ea"/>
+                <a:cs typeface="+mn-cs"/>
+              </a:defRPr>
+            </a:lvl5pPr>
+            <a:lvl6pPr marL="2514600" indent="-228600" algn="l" defTabSz="914400" rtl="0" eaLnBrk="1" latinLnBrk="0" hangingPunct="1">
+              <a:lnSpc>
+                <a:spcPct val="90000"/>
+              </a:lnSpc>
+              <a:spcBef>
+                <a:spcPts val="500"/>
+              </a:spcBef>
+              <a:buFont typeface="Arial" panose="020B0604020202020204" pitchFamily="34" charset="0"/>
+              <a:buChar char="•"/>
+              <a:defRPr sz="1800" kern="1200">
+                <a:solidFill>
+                  <a:schemeClr val="tx1"/>
+                </a:solidFill>
+                <a:latin typeface="+mn-lt"/>
+                <a:ea typeface="+mn-ea"/>
+                <a:cs typeface="+mn-cs"/>
+              </a:defRPr>
+            </a:lvl6pPr>
+            <a:lvl7pPr marL="2971800" indent="-228600" algn="l" defTabSz="914400" rtl="0" eaLnBrk="1" latinLnBrk="0" hangingPunct="1">
+              <a:lnSpc>
+                <a:spcPct val="90000"/>
+              </a:lnSpc>
+              <a:spcBef>
+                <a:spcPts val="500"/>
+              </a:spcBef>
+              <a:buFont typeface="Arial" panose="020B0604020202020204" pitchFamily="34" charset="0"/>
+              <a:buChar char="•"/>
+              <a:defRPr sz="1800" kern="1200">
+                <a:solidFill>
+                  <a:schemeClr val="tx1"/>
+                </a:solidFill>
+                <a:latin typeface="+mn-lt"/>
+                <a:ea typeface="+mn-ea"/>
+                <a:cs typeface="+mn-cs"/>
+              </a:defRPr>
+            </a:lvl7pPr>
+            <a:lvl8pPr marL="3429000" indent="-228600" algn="l" defTabSz="914400" rtl="0" eaLnBrk="1" latinLnBrk="0" hangingPunct="1">
+              <a:lnSpc>
+                <a:spcPct val="90000"/>
+              </a:lnSpc>
+              <a:spcBef>
+                <a:spcPts val="500"/>
+              </a:spcBef>
+              <a:buFont typeface="Arial" panose="020B0604020202020204" pitchFamily="34" charset="0"/>
+              <a:buChar char="•"/>
+              <a:defRPr sz="1800" kern="1200">
+                <a:solidFill>
+                  <a:schemeClr val="tx1"/>
+                </a:solidFill>
+                <a:latin typeface="+mn-lt"/>
+                <a:ea typeface="+mn-ea"/>
+                <a:cs typeface="+mn-cs"/>
+              </a:defRPr>
+            </a:lvl8pPr>
+            <a:lvl9pPr marL="3886200" indent="-228600" algn="l" defTabSz="914400" rtl="0" eaLnBrk="1" latinLnBrk="0" hangingPunct="1">
+              <a:lnSpc>
+                <a:spcPct val="90000"/>
+              </a:lnSpc>
+              <a:spcBef>
+                <a:spcPts val="500"/>
+              </a:spcBef>
+              <a:buFont typeface="Arial" panose="020B0604020202020204" pitchFamily="34" charset="0"/>
+              <a:buChar char="•"/>
+              <a:defRPr sz="1800" kern="1200">
+                <a:solidFill>
+                  <a:schemeClr val="tx1"/>
+                </a:solidFill>
+                <a:latin typeface="+mn-lt"/>
+                <a:ea typeface="+mn-ea"/>
+                <a:cs typeface="+mn-cs"/>
+              </a:defRPr>
+            </a:lvl9pPr>
+          </a:lstStyle>
+          <a:p>
+            <a:r>
+              <a:rPr lang="zh-CN" altLang="en-US"/>
+              <a:t>模型的核心方程是径向通路与环向通路二者的分流，电感通路与电阻通路二者的分流，通过时域有限差分可以将方程组抽象为：</a:t>
+            </a:r>
+            <a:endParaRPr lang="zh-CN" altLang="en-US" dirty="0"/>
+          </a:p>
+        </p:txBody>
+      </p:sp>
+      <mc:AlternateContent xmlns:mc="http://schemas.openxmlformats.org/markup-compatibility/2006" xmlns:a14="http://schemas.microsoft.com/office/drawing/2010/main">
+        <mc:Choice Requires="a14">
+          <p:sp>
+            <p:nvSpPr>
+              <p:cNvPr id="6" name="文本框 5">
+                <a:extLst>
+                  <a:ext uri="{FF2B5EF4-FFF2-40B4-BE49-F238E27FC236}">
+                    <a16:creationId xmlns:a16="http://schemas.microsoft.com/office/drawing/2014/main" id="{D223C754-F67B-EB4A-D4F0-281A8C99D7E7}"/>
+                  </a:ext>
+                </a:extLst>
+              </p:cNvPr>
+              <p:cNvSpPr txBox="1"/>
+              <p:nvPr/>
+            </p:nvSpPr>
+            <p:spPr>
+              <a:xfrm>
+                <a:off x="1547568" y="3253405"/>
+                <a:ext cx="8280000" cy="610873"/>
+              </a:xfrm>
+              <a:prstGeom prst="rect">
+                <a:avLst/>
+              </a:prstGeom>
+              <a:noFill/>
+            </p:spPr>
+            <p:txBody>
+              <a:bodyPr wrap="square">
+                <a:spAutoFit/>
+              </a:bodyPr>
+              <a:lstStyle/>
+              <a:p>
+                <a:pPr/>
+                <a14:m>
+                  <m:oMathPara xmlns:m="http://schemas.openxmlformats.org/officeDocument/2006/math">
+                    <m:oMathParaPr>
+                      <m:jc m:val="centerGroup"/>
+                    </m:oMathParaPr>
+                    <m:oMath xmlns:m="http://schemas.openxmlformats.org/officeDocument/2006/math">
+                      <m:r>
+                        <a:rPr lang="zh-CN" altLang="en-US" b="1" smtClean="0">
+                          <a:latin typeface="Cambria Math" panose="02040503050406030204" pitchFamily="18" charset="0"/>
+                        </a:rPr>
+                        <m:t>𝐌</m:t>
+                      </m:r>
+                      <m:f>
+                        <m:fPr>
+                          <m:ctrlPr>
+                            <a:rPr lang="zh-CN" altLang="en-US" b="1" i="1">
+                              <a:solidFill>
+                                <a:srgbClr val="836967"/>
+                              </a:solidFill>
+                              <a:latin typeface="Cambria Math" panose="02040503050406030204" pitchFamily="18" charset="0"/>
+                            </a:rPr>
+                          </m:ctrlPr>
+                        </m:fPr>
+                        <m:num>
+                          <m:r>
+                            <a:rPr lang="zh-CN" altLang="en-US" b="1" i="0">
+                              <a:latin typeface="Cambria Math" panose="02040503050406030204" pitchFamily="18" charset="0"/>
+                            </a:rPr>
+                            <m:t>𝐈</m:t>
+                          </m:r>
+                          <m:r>
+                            <a:rPr lang="zh-CN" altLang="en-US" b="0" i="0">
+                              <a:latin typeface="Cambria Math" panose="02040503050406030204" pitchFamily="18" charset="0"/>
+                            </a:rPr>
+                            <m:t>−</m:t>
+                          </m:r>
+                          <m:sSub>
+                            <m:sSubPr>
+                              <m:ctrlPr>
+                                <a:rPr lang="zh-CN" altLang="en-US" b="0" i="1">
+                                  <a:solidFill>
+                                    <a:srgbClr val="836967"/>
+                                  </a:solidFill>
+                                  <a:latin typeface="Cambria Math" panose="02040503050406030204" pitchFamily="18" charset="0"/>
+                                </a:rPr>
+                              </m:ctrlPr>
+                            </m:sSubPr>
+                            <m:e>
+                              <m:r>
+                                <a:rPr lang="zh-CN" altLang="en-US" b="1" i="0">
+                                  <a:latin typeface="Cambria Math" panose="02040503050406030204" pitchFamily="18" charset="0"/>
+                                </a:rPr>
+                                <m:t>𝐈</m:t>
+                              </m:r>
+                            </m:e>
+                            <m:sub>
+                              <m:r>
+                                <a:rPr lang="zh-CN" altLang="en-US" b="0" i="0">
+                                  <a:latin typeface="Cambria Math" panose="02040503050406030204" pitchFamily="18" charset="0"/>
+                                </a:rPr>
+                                <m:t>0</m:t>
+                              </m:r>
+                            </m:sub>
+                          </m:sSub>
+                        </m:num>
+                        <m:den>
+                          <m:r>
+                            <m:rPr>
+                              <m:sty m:val="p"/>
+                            </m:rPr>
+                            <a:rPr lang="en-US" altLang="zh-CN" i="1">
+                              <a:latin typeface="Cambria Math" panose="02040503050406030204" pitchFamily="18" charset="0"/>
+                            </a:rPr>
+                            <m:t>Δ</m:t>
+                          </m:r>
+                          <m:r>
+                            <a:rPr lang="zh-CN" altLang="en-US" b="0" i="1">
+                              <a:latin typeface="Cambria Math" panose="02040503050406030204" pitchFamily="18" charset="0"/>
+                            </a:rPr>
+                            <m:t>𝑡</m:t>
+                          </m:r>
+                        </m:den>
+                      </m:f>
+                      <m:r>
+                        <a:rPr lang="zh-CN" altLang="en-US" b="0" i="0">
+                          <a:latin typeface="Cambria Math" panose="02040503050406030204" pitchFamily="18" charset="0"/>
+                        </a:rPr>
+                        <m:t>+</m:t>
+                      </m:r>
+                      <m:sSub>
+                        <m:sSubPr>
+                          <m:ctrlPr>
+                            <a:rPr lang="zh-CN" altLang="en-US" b="0" i="1">
+                              <a:solidFill>
+                                <a:srgbClr val="836967"/>
+                              </a:solidFill>
+                              <a:latin typeface="Cambria Math" panose="02040503050406030204" pitchFamily="18" charset="0"/>
+                            </a:rPr>
+                          </m:ctrlPr>
+                        </m:sSubPr>
+                        <m:e>
+                          <m:r>
+                            <a:rPr lang="zh-CN" altLang="en-US" b="1" i="0">
+                              <a:latin typeface="Cambria Math" panose="02040503050406030204" pitchFamily="18" charset="0"/>
+                            </a:rPr>
+                            <m:t>𝐑</m:t>
+                          </m:r>
+                        </m:e>
+                        <m:sub>
+                          <m:r>
+                            <a:rPr lang="zh-CN" altLang="en-US" b="0" i="1">
+                              <a:latin typeface="Cambria Math" panose="02040503050406030204" pitchFamily="18" charset="0"/>
+                            </a:rPr>
+                            <m:t>𝑟</m:t>
+                          </m:r>
+                        </m:sub>
+                      </m:sSub>
+                      <m:r>
+                        <a:rPr lang="zh-CN" altLang="en-US" b="1" i="0">
+                          <a:latin typeface="Cambria Math" panose="02040503050406030204" pitchFamily="18" charset="0"/>
+                        </a:rPr>
+                        <m:t>𝐈</m:t>
+                      </m:r>
+                      <m:r>
+                        <a:rPr lang="zh-CN" altLang="en-US" b="0" i="0">
+                          <a:latin typeface="Cambria Math" panose="02040503050406030204" pitchFamily="18" charset="0"/>
+                        </a:rPr>
+                        <m:t>=</m:t>
+                      </m:r>
+                      <m:sSub>
+                        <m:sSubPr>
+                          <m:ctrlPr>
+                            <a:rPr lang="zh-CN" altLang="en-US" b="0" i="1">
+                              <a:solidFill>
+                                <a:srgbClr val="836967"/>
+                              </a:solidFill>
+                              <a:latin typeface="Cambria Math" panose="02040503050406030204" pitchFamily="18" charset="0"/>
+                            </a:rPr>
+                          </m:ctrlPr>
+                        </m:sSubPr>
+                        <m:e>
+                          <m:r>
+                            <a:rPr lang="zh-CN" altLang="en-US" b="1" i="0">
+                              <a:latin typeface="Cambria Math" panose="02040503050406030204" pitchFamily="18" charset="0"/>
+                            </a:rPr>
+                            <m:t>𝐑</m:t>
+                          </m:r>
+                        </m:e>
+                        <m:sub>
+                          <m:r>
+                            <a:rPr lang="zh-CN" altLang="en-US" b="0" i="1">
+                              <a:latin typeface="Cambria Math" panose="02040503050406030204" pitchFamily="18" charset="0"/>
+                            </a:rPr>
+                            <m:t>𝑐</m:t>
+                          </m:r>
+                        </m:sub>
+                      </m:sSub>
+                      <m:r>
+                        <a:rPr lang="zh-CN" altLang="en-US" b="1" i="0">
+                          <a:latin typeface="Cambria Math" panose="02040503050406030204" pitchFamily="18" charset="0"/>
+                        </a:rPr>
+                        <m:t>𝐉</m:t>
+                      </m:r>
+                    </m:oMath>
+                  </m:oMathPara>
+                </a14:m>
+                <a:endParaRPr lang="zh-CN" altLang="en-US" dirty="0"/>
+              </a:p>
+            </p:txBody>
+          </p:sp>
+        </mc:Choice>
+        <mc:Fallback xmlns="">
+          <p:sp>
+            <p:nvSpPr>
+              <p:cNvPr id="6" name="文本框 5">
+                <a:extLst>
+                  <a:ext uri="{FF2B5EF4-FFF2-40B4-BE49-F238E27FC236}">
+                    <a16:creationId xmlns:a16="http://schemas.microsoft.com/office/drawing/2014/main" id="{D223C754-F67B-EB4A-D4F0-281A8C99D7E7}"/>
+                  </a:ext>
+                </a:extLst>
+              </p:cNvPr>
+              <p:cNvSpPr txBox="1">
+                <a:spLocks noRot="1" noChangeAspect="1" noMove="1" noResize="1" noEditPoints="1" noAdjustHandles="1" noChangeArrowheads="1" noChangeShapeType="1" noTextEdit="1"/>
+              </p:cNvSpPr>
+              <p:nvPr/>
+            </p:nvSpPr>
+            <p:spPr>
+              <a:xfrm>
+                <a:off x="1547568" y="3253405"/>
+                <a:ext cx="8280000" cy="610873"/>
+              </a:xfrm>
+              <a:prstGeom prst="rect">
+                <a:avLst/>
+              </a:prstGeom>
+              <a:blipFill>
+                <a:blip r:embed="rId2"/>
+                <a:stretch>
+                  <a:fillRect/>
+                </a:stretch>
+              </a:blipFill>
+            </p:spPr>
+            <p:txBody>
+              <a:bodyPr/>
+              <a:lstStyle/>
+              <a:p>
+                <a:r>
+                  <a:rPr lang="zh-CN" altLang="en-US">
+                    <a:noFill/>
+                  </a:rPr>
+                  <a:t> </a:t>
+                </a:r>
+              </a:p>
+            </p:txBody>
+          </p:sp>
+        </mc:Fallback>
+      </mc:AlternateContent>
+      <mc:AlternateContent xmlns:mc="http://schemas.openxmlformats.org/markup-compatibility/2006" xmlns:a14="http://schemas.microsoft.com/office/drawing/2010/main">
+        <mc:Choice Requires="a14">
+          <p:sp>
+            <p:nvSpPr>
+              <p:cNvPr id="7" name="文本框 6">
+                <a:extLst>
+                  <a:ext uri="{FF2B5EF4-FFF2-40B4-BE49-F238E27FC236}">
+                    <a16:creationId xmlns:a16="http://schemas.microsoft.com/office/drawing/2014/main" id="{10EA9EE4-92BF-AC6D-7667-86FC191454B0}"/>
+                  </a:ext>
+                </a:extLst>
+              </p:cNvPr>
+              <p:cNvSpPr txBox="1"/>
+              <p:nvPr/>
+            </p:nvSpPr>
+            <p:spPr>
+              <a:xfrm>
+                <a:off x="1547568" y="4579165"/>
+                <a:ext cx="8280000" cy="880434"/>
+              </a:xfrm>
+              <a:prstGeom prst="rect">
+                <a:avLst/>
+              </a:prstGeom>
+              <a:noFill/>
+            </p:spPr>
+            <p:txBody>
+              <a:bodyPr wrap="square">
+                <a:spAutoFit/>
+              </a:bodyPr>
+              <a:lstStyle/>
+              <a:p>
+                <a:pPr/>
+                <a14:m>
+                  <m:oMathPara xmlns:m="http://schemas.openxmlformats.org/officeDocument/2006/math">
+                    <m:oMathParaPr>
+                      <m:jc m:val="centerGroup"/>
+                    </m:oMathParaPr>
+                    <m:oMath xmlns:m="http://schemas.openxmlformats.org/officeDocument/2006/math">
+                      <m:r>
+                        <a:rPr lang="zh-CN" altLang="en-US" b="1" smtClean="0">
+                          <a:latin typeface="Cambria Math" panose="02040503050406030204" pitchFamily="18" charset="0"/>
+                        </a:rPr>
+                        <m:t>𝐌</m:t>
+                      </m:r>
+                      <m:r>
+                        <a:rPr lang="zh-CN" altLang="en-US" b="0" i="0">
+                          <a:latin typeface="Cambria Math" panose="02040503050406030204" pitchFamily="18" charset="0"/>
+                        </a:rPr>
+                        <m:t>=</m:t>
+                      </m:r>
+                      <m:d>
+                        <m:dPr>
+                          <m:begChr m:val="["/>
+                          <m:endChr m:val="]"/>
+                          <m:ctrlPr>
+                            <a:rPr lang="zh-CN" altLang="en-US" b="0" i="1">
+                              <a:solidFill>
+                                <a:srgbClr val="836967"/>
+                              </a:solidFill>
+                              <a:latin typeface="Cambria Math" panose="02040503050406030204" pitchFamily="18" charset="0"/>
+                            </a:rPr>
+                          </m:ctrlPr>
+                        </m:dPr>
+                        <m:e>
+                          <m:m>
+                            <m:mPr>
+                              <m:plcHide m:val="on"/>
+                              <m:mcs>
+                                <m:mc>
+                                  <m:mcPr>
+                                    <m:count m:val="3"/>
+                                    <m:mcJc m:val="center"/>
+                                  </m:mcPr>
+                                </m:mc>
+                              </m:mcs>
+                              <m:ctrlPr>
+                                <a:rPr lang="zh-CN" altLang="en-US" b="0" i="1">
+                                  <a:solidFill>
+                                    <a:srgbClr val="836967"/>
+                                  </a:solidFill>
+                                  <a:latin typeface="Cambria Math" panose="02040503050406030204" pitchFamily="18" charset="0"/>
+                                </a:rPr>
+                              </m:ctrlPr>
+                            </m:mPr>
+                            <m:mr>
+                              <m:e>
+                                <m:sSub>
+                                  <m:sSubPr>
+                                    <m:ctrlPr>
+                                      <a:rPr lang="zh-CN" altLang="en-US" b="0" i="1">
+                                        <a:solidFill>
+                                          <a:srgbClr val="836967"/>
+                                        </a:solidFill>
+                                        <a:latin typeface="Cambria Math" panose="02040503050406030204" pitchFamily="18" charset="0"/>
+                                      </a:rPr>
+                                    </m:ctrlPr>
+                                  </m:sSubPr>
+                                  <m:e>
+                                    <m:r>
+                                      <a:rPr lang="zh-CN" altLang="en-US" b="1" i="0">
+                                        <a:latin typeface="Cambria Math" panose="02040503050406030204" pitchFamily="18" charset="0"/>
+                                      </a:rPr>
+                                      <m:t>𝐌</m:t>
+                                    </m:r>
+                                  </m:e>
+                                  <m:sub>
+                                    <m:r>
+                                      <a:rPr lang="zh-CN" altLang="en-US" b="0" i="0">
+                                        <a:latin typeface="Cambria Math" panose="02040503050406030204" pitchFamily="18" charset="0"/>
+                                      </a:rPr>
+                                      <m:t>1−1</m:t>
+                                    </m:r>
+                                  </m:sub>
+                                </m:sSub>
+                              </m:e>
+                              <m:e>
+                                <m:sSub>
+                                  <m:sSubPr>
+                                    <m:ctrlPr>
+                                      <a:rPr lang="zh-CN" altLang="en-US" b="0" i="1">
+                                        <a:solidFill>
+                                          <a:srgbClr val="836967"/>
+                                        </a:solidFill>
+                                        <a:latin typeface="Cambria Math" panose="02040503050406030204" pitchFamily="18" charset="0"/>
+                                      </a:rPr>
+                                    </m:ctrlPr>
+                                  </m:sSubPr>
+                                  <m:e>
+                                    <m:r>
+                                      <a:rPr lang="zh-CN" altLang="en-US" b="1" i="0">
+                                        <a:latin typeface="Cambria Math" panose="02040503050406030204" pitchFamily="18" charset="0"/>
+                                      </a:rPr>
+                                      <m:t>𝐌</m:t>
+                                    </m:r>
+                                  </m:e>
+                                  <m:sub>
+                                    <m:r>
+                                      <a:rPr lang="zh-CN" altLang="en-US" b="0" i="0">
+                                        <a:latin typeface="Cambria Math" panose="02040503050406030204" pitchFamily="18" charset="0"/>
+                                      </a:rPr>
+                                      <m:t>1−2</m:t>
+                                    </m:r>
+                                  </m:sub>
+                                </m:sSub>
+                              </m:e>
+                              <m:e>
+                                <m:sSub>
+                                  <m:sSubPr>
+                                    <m:ctrlPr>
+                                      <a:rPr lang="zh-CN" altLang="en-US" b="0" i="1">
+                                        <a:solidFill>
+                                          <a:srgbClr val="836967"/>
+                                        </a:solidFill>
+                                        <a:latin typeface="Cambria Math" panose="02040503050406030204" pitchFamily="18" charset="0"/>
+                                      </a:rPr>
+                                    </m:ctrlPr>
+                                  </m:sSubPr>
+                                  <m:e>
+                                    <m:r>
+                                      <a:rPr lang="zh-CN" altLang="en-US" b="1" i="0">
+                                        <a:latin typeface="Cambria Math" panose="02040503050406030204" pitchFamily="18" charset="0"/>
+                                      </a:rPr>
+                                      <m:t>𝐌</m:t>
+                                    </m:r>
+                                  </m:e>
+                                  <m:sub>
+                                    <m:r>
+                                      <a:rPr lang="zh-CN" altLang="en-US" b="0" i="0">
+                                        <a:latin typeface="Cambria Math" panose="02040503050406030204" pitchFamily="18" charset="0"/>
+                                      </a:rPr>
+                                      <m:t>1−3</m:t>
+                                    </m:r>
+                                  </m:sub>
+                                </m:sSub>
+                              </m:e>
+                            </m:mr>
+                            <m:mr>
+                              <m:e>
+                                <m:sSub>
+                                  <m:sSubPr>
+                                    <m:ctrlPr>
+                                      <a:rPr lang="zh-CN" altLang="en-US" b="0" i="1">
+                                        <a:solidFill>
+                                          <a:srgbClr val="836967"/>
+                                        </a:solidFill>
+                                        <a:latin typeface="Cambria Math" panose="02040503050406030204" pitchFamily="18" charset="0"/>
+                                      </a:rPr>
+                                    </m:ctrlPr>
+                                  </m:sSubPr>
+                                  <m:e>
+                                    <m:r>
+                                      <a:rPr lang="zh-CN" altLang="en-US" b="1" i="0">
+                                        <a:latin typeface="Cambria Math" panose="02040503050406030204" pitchFamily="18" charset="0"/>
+                                      </a:rPr>
+                                      <m:t>𝐌</m:t>
+                                    </m:r>
+                                  </m:e>
+                                  <m:sub>
+                                    <m:r>
+                                      <a:rPr lang="zh-CN" altLang="en-US" b="0" i="0">
+                                        <a:latin typeface="Cambria Math" panose="02040503050406030204" pitchFamily="18" charset="0"/>
+                                      </a:rPr>
+                                      <m:t>2−1</m:t>
+                                    </m:r>
+                                  </m:sub>
+                                </m:sSub>
+                              </m:e>
+                              <m:e>
+                                <m:sSub>
+                                  <m:sSubPr>
+                                    <m:ctrlPr>
+                                      <a:rPr lang="zh-CN" altLang="en-US" b="0" i="1">
+                                        <a:solidFill>
+                                          <a:srgbClr val="836967"/>
+                                        </a:solidFill>
+                                        <a:latin typeface="Cambria Math" panose="02040503050406030204" pitchFamily="18" charset="0"/>
+                                      </a:rPr>
+                                    </m:ctrlPr>
+                                  </m:sSubPr>
+                                  <m:e>
+                                    <m:r>
+                                      <a:rPr lang="zh-CN" altLang="en-US" b="1" i="0">
+                                        <a:latin typeface="Cambria Math" panose="02040503050406030204" pitchFamily="18" charset="0"/>
+                                      </a:rPr>
+                                      <m:t>𝐌</m:t>
+                                    </m:r>
+                                  </m:e>
+                                  <m:sub>
+                                    <m:r>
+                                      <a:rPr lang="zh-CN" altLang="en-US" b="0" i="0">
+                                        <a:latin typeface="Cambria Math" panose="02040503050406030204" pitchFamily="18" charset="0"/>
+                                      </a:rPr>
+                                      <m:t>2−2</m:t>
+                                    </m:r>
+                                  </m:sub>
+                                </m:sSub>
+                              </m:e>
+                              <m:e>
+                                <m:sSub>
+                                  <m:sSubPr>
+                                    <m:ctrlPr>
+                                      <a:rPr lang="zh-CN" altLang="en-US" b="0" i="1">
+                                        <a:solidFill>
+                                          <a:srgbClr val="836967"/>
+                                        </a:solidFill>
+                                        <a:latin typeface="Cambria Math" panose="02040503050406030204" pitchFamily="18" charset="0"/>
+                                      </a:rPr>
+                                    </m:ctrlPr>
+                                  </m:sSubPr>
+                                  <m:e>
+                                    <m:r>
+                                      <a:rPr lang="zh-CN" altLang="en-US" b="1" i="0">
+                                        <a:latin typeface="Cambria Math" panose="02040503050406030204" pitchFamily="18" charset="0"/>
+                                      </a:rPr>
+                                      <m:t>𝐌</m:t>
+                                    </m:r>
+                                  </m:e>
+                                  <m:sub>
+                                    <m:r>
+                                      <a:rPr lang="zh-CN" altLang="en-US" b="0" i="0">
+                                        <a:latin typeface="Cambria Math" panose="02040503050406030204" pitchFamily="18" charset="0"/>
+                                      </a:rPr>
+                                      <m:t>2−3</m:t>
+                                    </m:r>
+                                  </m:sub>
+                                </m:sSub>
+                              </m:e>
+                            </m:mr>
+                            <m:mr>
+                              <m:e>
+                                <m:sSub>
+                                  <m:sSubPr>
+                                    <m:ctrlPr>
+                                      <a:rPr lang="zh-CN" altLang="en-US" b="0" i="1">
+                                        <a:solidFill>
+                                          <a:srgbClr val="836967"/>
+                                        </a:solidFill>
+                                        <a:latin typeface="Cambria Math" panose="02040503050406030204" pitchFamily="18" charset="0"/>
+                                      </a:rPr>
+                                    </m:ctrlPr>
+                                  </m:sSubPr>
+                                  <m:e>
+                                    <m:r>
+                                      <a:rPr lang="zh-CN" altLang="en-US" b="1" i="0">
+                                        <a:latin typeface="Cambria Math" panose="02040503050406030204" pitchFamily="18" charset="0"/>
+                                      </a:rPr>
+                                      <m:t>𝐌</m:t>
+                                    </m:r>
+                                  </m:e>
+                                  <m:sub>
+                                    <m:r>
+                                      <a:rPr lang="zh-CN" altLang="en-US" b="0" i="0">
+                                        <a:latin typeface="Cambria Math" panose="02040503050406030204" pitchFamily="18" charset="0"/>
+                                      </a:rPr>
+                                      <m:t>3−1</m:t>
+                                    </m:r>
+                                  </m:sub>
+                                </m:sSub>
+                              </m:e>
+                              <m:e>
+                                <m:sSub>
+                                  <m:sSubPr>
+                                    <m:ctrlPr>
+                                      <a:rPr lang="zh-CN" altLang="en-US" b="0" i="1">
+                                        <a:solidFill>
+                                          <a:srgbClr val="836967"/>
+                                        </a:solidFill>
+                                        <a:latin typeface="Cambria Math" panose="02040503050406030204" pitchFamily="18" charset="0"/>
+                                      </a:rPr>
+                                    </m:ctrlPr>
+                                  </m:sSubPr>
+                                  <m:e>
+                                    <m:r>
+                                      <a:rPr lang="zh-CN" altLang="en-US" b="1" i="0">
+                                        <a:latin typeface="Cambria Math" panose="02040503050406030204" pitchFamily="18" charset="0"/>
+                                      </a:rPr>
+                                      <m:t>𝐌</m:t>
+                                    </m:r>
+                                  </m:e>
+                                  <m:sub>
+                                    <m:r>
+                                      <a:rPr lang="zh-CN" altLang="en-US" b="0" i="0">
+                                        <a:latin typeface="Cambria Math" panose="02040503050406030204" pitchFamily="18" charset="0"/>
+                                      </a:rPr>
+                                      <m:t>3−2</m:t>
+                                    </m:r>
+                                  </m:sub>
+                                </m:sSub>
+                              </m:e>
+                              <m:e>
+                                <m:sSub>
+                                  <m:sSubPr>
+                                    <m:ctrlPr>
+                                      <a:rPr lang="zh-CN" altLang="en-US" b="0" i="1">
+                                        <a:solidFill>
+                                          <a:srgbClr val="836967"/>
+                                        </a:solidFill>
+                                        <a:latin typeface="Cambria Math" panose="02040503050406030204" pitchFamily="18" charset="0"/>
+                                      </a:rPr>
+                                    </m:ctrlPr>
+                                  </m:sSubPr>
+                                  <m:e>
+                                    <m:r>
+                                      <a:rPr lang="zh-CN" altLang="en-US" b="1" i="0">
+                                        <a:latin typeface="Cambria Math" panose="02040503050406030204" pitchFamily="18" charset="0"/>
+                                      </a:rPr>
+                                      <m:t>𝐌</m:t>
+                                    </m:r>
+                                  </m:e>
+                                  <m:sub>
+                                    <m:r>
+                                      <a:rPr lang="zh-CN" altLang="en-US" b="0" i="0">
+                                        <a:latin typeface="Cambria Math" panose="02040503050406030204" pitchFamily="18" charset="0"/>
+                                      </a:rPr>
+                                      <m:t>3−3</m:t>
+                                    </m:r>
+                                  </m:sub>
+                                </m:sSub>
+                              </m:e>
+                            </m:mr>
+                          </m:m>
+                        </m:e>
+                      </m:d>
+                    </m:oMath>
+                  </m:oMathPara>
+                </a14:m>
+                <a:endParaRPr lang="zh-CN" altLang="en-US" dirty="0"/>
+              </a:p>
+            </p:txBody>
+          </p:sp>
+        </mc:Choice>
+        <mc:Fallback xmlns="">
+          <p:sp>
+            <p:nvSpPr>
+              <p:cNvPr id="7" name="文本框 6">
+                <a:extLst>
+                  <a:ext uri="{FF2B5EF4-FFF2-40B4-BE49-F238E27FC236}">
+                    <a16:creationId xmlns:a16="http://schemas.microsoft.com/office/drawing/2014/main" id="{10EA9EE4-92BF-AC6D-7667-86FC191454B0}"/>
+                  </a:ext>
+                </a:extLst>
+              </p:cNvPr>
+              <p:cNvSpPr txBox="1">
+                <a:spLocks noRot="1" noChangeAspect="1" noMove="1" noResize="1" noEditPoints="1" noAdjustHandles="1" noChangeArrowheads="1" noChangeShapeType="1" noTextEdit="1"/>
+              </p:cNvSpPr>
+              <p:nvPr/>
+            </p:nvSpPr>
+            <p:spPr>
+              <a:xfrm>
+                <a:off x="1547568" y="4579165"/>
+                <a:ext cx="8280000" cy="880434"/>
+              </a:xfrm>
+              <a:prstGeom prst="rect">
+                <a:avLst/>
+              </a:prstGeom>
+              <a:blipFill>
+                <a:blip r:embed="rId3"/>
+                <a:stretch>
+                  <a:fillRect/>
+                </a:stretch>
+              </a:blipFill>
+            </p:spPr>
+            <p:txBody>
+              <a:bodyPr/>
+              <a:lstStyle/>
+              <a:p>
+                <a:r>
+                  <a:rPr lang="zh-CN" altLang="en-US">
+                    <a:noFill/>
+                  </a:rPr>
+                  <a:t> </a:t>
+                </a:r>
+              </a:p>
+            </p:txBody>
+          </p:sp>
+        </mc:Fallback>
+      </mc:AlternateContent>
+      <mc:AlternateContent xmlns:mc="http://schemas.openxmlformats.org/markup-compatibility/2006" xmlns:a14="http://schemas.microsoft.com/office/drawing/2010/main">
+        <mc:Choice Requires="a14">
+          <p:sp>
+            <p:nvSpPr>
+              <p:cNvPr id="8" name="文本框 7">
+                <a:extLst>
+                  <a:ext uri="{FF2B5EF4-FFF2-40B4-BE49-F238E27FC236}">
+                    <a16:creationId xmlns:a16="http://schemas.microsoft.com/office/drawing/2014/main" id="{242368BD-08B5-648D-CF8D-E4F9D495CE5D}"/>
+                  </a:ext>
+                </a:extLst>
+              </p:cNvPr>
+              <p:cNvSpPr txBox="1"/>
+              <p:nvPr/>
+            </p:nvSpPr>
+            <p:spPr>
+              <a:xfrm>
+                <a:off x="1547568" y="4023462"/>
+                <a:ext cx="8280000" cy="396519"/>
+              </a:xfrm>
+              <a:prstGeom prst="rect">
+                <a:avLst/>
+              </a:prstGeom>
+              <a:noFill/>
+            </p:spPr>
+            <p:txBody>
+              <a:bodyPr wrap="none" rtlCol="0">
+                <a:spAutoFit/>
+              </a:bodyPr>
+              <a:lstStyle/>
+              <a:p>
+                <a:pPr algn="l">
+                  <a:lnSpc>
+                    <a:spcPct val="120000"/>
+                  </a:lnSpc>
+                </a:pPr>
+                <a:r>
+                  <a:rPr lang="zh-CN" altLang="en-US" dirty="0"/>
+                  <a:t>其中，互感矩阵</a:t>
+                </a:r>
+                <a14:m>
+                  <m:oMath xmlns:m="http://schemas.openxmlformats.org/officeDocument/2006/math">
+                    <m:r>
+                      <a:rPr lang="en-US" altLang="zh-CN" b="1" i="0" dirty="0" smtClean="0">
+                        <a:latin typeface="Cambria Math" panose="02040503050406030204" pitchFamily="18" charset="0"/>
+                      </a:rPr>
+                      <m:t>𝐌</m:t>
+                    </m:r>
+                  </m:oMath>
+                </a14:m>
+                <a:r>
+                  <a:rPr lang="zh-CN" altLang="en-US" dirty="0"/>
+                  <a:t>的构成为：</a:t>
+                </a:r>
+              </a:p>
+            </p:txBody>
+          </p:sp>
+        </mc:Choice>
+        <mc:Fallback xmlns="">
+          <p:sp>
+            <p:nvSpPr>
+              <p:cNvPr id="8" name="文本框 7">
+                <a:extLst>
+                  <a:ext uri="{FF2B5EF4-FFF2-40B4-BE49-F238E27FC236}">
+                    <a16:creationId xmlns:a16="http://schemas.microsoft.com/office/drawing/2014/main" id="{242368BD-08B5-648D-CF8D-E4F9D495CE5D}"/>
+                  </a:ext>
+                </a:extLst>
+              </p:cNvPr>
+              <p:cNvSpPr txBox="1">
+                <a:spLocks noRot="1" noChangeAspect="1" noMove="1" noResize="1" noEditPoints="1" noAdjustHandles="1" noChangeArrowheads="1" noChangeShapeType="1" noTextEdit="1"/>
+              </p:cNvSpPr>
+              <p:nvPr/>
+            </p:nvSpPr>
+            <p:spPr>
+              <a:xfrm>
+                <a:off x="1547568" y="4023462"/>
+                <a:ext cx="8280000" cy="396519"/>
+              </a:xfrm>
+              <a:prstGeom prst="rect">
+                <a:avLst/>
+              </a:prstGeom>
+              <a:blipFill>
+                <a:blip r:embed="rId4"/>
+                <a:stretch>
+                  <a:fillRect l="-663" b="-26154"/>
+                </a:stretch>
+              </a:blipFill>
+            </p:spPr>
+            <p:txBody>
+              <a:bodyPr/>
+              <a:lstStyle/>
+              <a:p>
+                <a:r>
+                  <a:rPr lang="zh-CN" altLang="en-US">
+                    <a:noFill/>
+                  </a:rPr>
+                  <a:t> </a:t>
+                </a:r>
+              </a:p>
+            </p:txBody>
+          </p:sp>
+        </mc:Fallback>
+      </mc:AlternateContent>
+      <mc:AlternateContent xmlns:mc="http://schemas.openxmlformats.org/markup-compatibility/2006" xmlns:a14="http://schemas.microsoft.com/office/drawing/2010/main">
+        <mc:Choice Requires="a14">
+          <p:sp>
+            <p:nvSpPr>
+              <p:cNvPr id="9" name="文本框 8">
+                <a:extLst>
+                  <a:ext uri="{FF2B5EF4-FFF2-40B4-BE49-F238E27FC236}">
+                    <a16:creationId xmlns:a16="http://schemas.microsoft.com/office/drawing/2014/main" id="{351FE3E8-9FBA-33BC-6288-E86EBFB0F661}"/>
+                  </a:ext>
+                </a:extLst>
+              </p:cNvPr>
+              <p:cNvSpPr txBox="1"/>
+              <p:nvPr/>
+            </p:nvSpPr>
+            <p:spPr>
+              <a:xfrm>
+                <a:off x="1547568" y="5618785"/>
+                <a:ext cx="8280000" cy="391646"/>
+              </a:xfrm>
+              <a:prstGeom prst="rect">
+                <a:avLst/>
+              </a:prstGeom>
+              <a:noFill/>
+            </p:spPr>
+            <p:txBody>
+              <a:bodyPr wrap="square">
+                <a:spAutoFit/>
+              </a:bodyPr>
+              <a:lstStyle/>
+              <a:p>
+                <a:r>
+                  <a:rPr lang="zh-CN" altLang="en-US" dirty="0"/>
+                  <a:t>知道</a:t>
+                </a:r>
+                <a14:m>
+                  <m:oMath xmlns:m="http://schemas.openxmlformats.org/officeDocument/2006/math">
+                    <m:sSub>
+                      <m:sSubPr>
+                        <m:ctrlPr>
+                          <a:rPr lang="en-US" altLang="zh-CN" i="1" dirty="0" smtClean="0">
+                            <a:latin typeface="Cambria Math" panose="02040503050406030204" pitchFamily="18" charset="0"/>
+                          </a:rPr>
+                        </m:ctrlPr>
+                      </m:sSubPr>
+                      <m:e>
+                        <m:r>
+                          <a:rPr lang="en-US" altLang="zh-CN" b="1" dirty="0">
+                            <a:latin typeface="Cambria Math" panose="02040503050406030204" pitchFamily="18" charset="0"/>
+                          </a:rPr>
+                          <m:t>𝐌</m:t>
+                        </m:r>
+                      </m:e>
+                      <m:sub>
+                        <m:r>
+                          <a:rPr lang="en-US" altLang="zh-CN" i="1" dirty="0" err="1">
+                            <a:latin typeface="Cambria Math" panose="02040503050406030204" pitchFamily="18" charset="0"/>
+                          </a:rPr>
+                          <m:t>𝑖</m:t>
+                        </m:r>
+                        <m:r>
+                          <a:rPr lang="en-US" altLang="zh-CN" i="1" dirty="0">
+                            <a:latin typeface="Cambria Math" panose="02040503050406030204" pitchFamily="18" charset="0"/>
+                          </a:rPr>
+                          <m:t>−</m:t>
+                        </m:r>
+                        <m:r>
+                          <a:rPr lang="en-US" altLang="zh-CN" i="1" dirty="0">
+                            <a:latin typeface="Cambria Math" panose="02040503050406030204" pitchFamily="18" charset="0"/>
+                          </a:rPr>
+                          <m:t>𝑗</m:t>
+                        </m:r>
+                      </m:sub>
+                    </m:sSub>
+                  </m:oMath>
+                </a14:m>
+                <a:r>
+                  <a:rPr lang="zh-CN" altLang="en-US" dirty="0"/>
+                  <a:t>是对称矩阵，</a:t>
+                </a:r>
+                <a:r>
+                  <a:rPr lang="en-US" altLang="zh-CN" b="1" dirty="0"/>
+                  <a:t> </a:t>
+                </a:r>
+                <a14:m>
+                  <m:oMath xmlns:m="http://schemas.openxmlformats.org/officeDocument/2006/math">
+                    <m:r>
+                      <a:rPr lang="en-US" altLang="zh-CN" b="1" dirty="0">
+                        <a:latin typeface="Cambria Math" panose="02040503050406030204" pitchFamily="18" charset="0"/>
+                      </a:rPr>
+                      <m:t>𝐌</m:t>
+                    </m:r>
+                  </m:oMath>
+                </a14:m>
+                <a:r>
+                  <a:rPr lang="zh-CN" altLang="en-US" dirty="0"/>
+                  <a:t>也是对称矩阵，这与该矩阵的物理意义是一致的。</a:t>
+                </a:r>
+              </a:p>
+            </p:txBody>
+          </p:sp>
+        </mc:Choice>
+        <mc:Fallback xmlns="">
+          <p:sp>
+            <p:nvSpPr>
+              <p:cNvPr id="9" name="文本框 8">
+                <a:extLst>
+                  <a:ext uri="{FF2B5EF4-FFF2-40B4-BE49-F238E27FC236}">
+                    <a16:creationId xmlns:a16="http://schemas.microsoft.com/office/drawing/2014/main" id="{351FE3E8-9FBA-33BC-6288-E86EBFB0F661}"/>
+                  </a:ext>
+                </a:extLst>
+              </p:cNvPr>
+              <p:cNvSpPr txBox="1">
+                <a:spLocks noRot="1" noChangeAspect="1" noMove="1" noResize="1" noEditPoints="1" noAdjustHandles="1" noChangeArrowheads="1" noChangeShapeType="1" noTextEdit="1"/>
+              </p:cNvSpPr>
+              <p:nvPr/>
+            </p:nvSpPr>
+            <p:spPr>
+              <a:xfrm>
+                <a:off x="1547568" y="5618785"/>
+                <a:ext cx="8280000" cy="391646"/>
+              </a:xfrm>
+              <a:prstGeom prst="rect">
+                <a:avLst/>
+              </a:prstGeom>
+              <a:blipFill>
+                <a:blip r:embed="rId5"/>
+                <a:stretch>
+                  <a:fillRect l="-663" t="-7813" b="-20313"/>
+                </a:stretch>
+              </a:blipFill>
+            </p:spPr>
+            <p:txBody>
+              <a:bodyPr/>
+              <a:lstStyle/>
+              <a:p>
+                <a:r>
+                  <a:rPr lang="zh-CN" altLang="en-US">
+                    <a:noFill/>
+                  </a:rPr>
+                  <a:t> </a:t>
+                </a:r>
+              </a:p>
+            </p:txBody>
+          </p:sp>
+        </mc:Fallback>
+      </mc:AlternateContent>
+      <p:sp>
+        <p:nvSpPr>
+          <p:cNvPr id="10" name="文本框 9">
+            <a:extLst>
+              <a:ext uri="{FF2B5EF4-FFF2-40B4-BE49-F238E27FC236}">
+                <a16:creationId xmlns:a16="http://schemas.microsoft.com/office/drawing/2014/main" id="{FA33F2F8-59C1-10E3-B1CD-87E4A7E95C0D}"/>
+              </a:ext>
+            </a:extLst>
+          </p:cNvPr>
+          <p:cNvSpPr txBox="1"/>
+          <p:nvPr/>
+        </p:nvSpPr>
+        <p:spPr>
+          <a:xfrm>
+            <a:off x="1547568" y="1190051"/>
+            <a:ext cx="8280000" cy="646331"/>
+          </a:xfrm>
+          <a:prstGeom prst="rect">
+            <a:avLst/>
+          </a:prstGeom>
+          <a:noFill/>
+        </p:spPr>
+        <p:txBody>
+          <a:bodyPr wrap="square">
+            <a:spAutoFit/>
+          </a:bodyPr>
+          <a:lstStyle/>
+          <a:p>
+            <a:r>
+              <a:rPr lang="zh-CN" altLang="en-US" dirty="0"/>
+              <a:t>磁场、温度导致的临界电流的变化、磁通变化导致的互感耦合、直接的电气连接构成了模型中元素之间相互作用的全部关系。</a:t>
+            </a:r>
+          </a:p>
+        </p:txBody>
+      </p:sp>
+    </p:spTree>
+    <p:extLst>
+      <p:ext uri="{BB962C8B-B14F-4D97-AF65-F5344CB8AC3E}">
+        <p14:creationId xmlns:p14="http://schemas.microsoft.com/office/powerpoint/2010/main" val="165083761"/>
+      </p:ext>
+    </p:extLst>
+  </p:cSld>
+  <p:clrMapOvr>
+    <a:masterClrMapping/>
+  </p:clrMapOvr>
+</p:sld>
+</file>
+
+<file path=ppt/slides/slide5.xml><?xml version="1.0" encoding="utf-8"?>
+<p:sld xmlns:a="http://schemas.openxmlformats.org/drawingml/2006/main" xmlns:r="http://schemas.openxmlformats.org/officeDocument/2006/relationships" xmlns:p="http://schemas.openxmlformats.org/presentationml/2006/main">
+  <p:cSld>
+    <p:spTree>
+      <p:nvGrpSpPr>
+        <p:cNvPr id="1" name=""/>
+        <p:cNvGrpSpPr/>
+        <p:nvPr/>
+      </p:nvGrpSpPr>
+      <p:grpSpPr>
+        <a:xfrm>
+          <a:off x="0" y="0"/>
+          <a:ext cx="0" cy="0"/>
+          <a:chOff x="0" y="0"/>
+          <a:chExt cx="0" cy="0"/>
+        </a:xfrm>
+      </p:grpSpPr>
+      <p:sp>
+        <p:nvSpPr>
+          <p:cNvPr id="4" name="标题 2">
+            <a:extLst>
+              <a:ext uri="{FF2B5EF4-FFF2-40B4-BE49-F238E27FC236}">
+                <a16:creationId xmlns:a16="http://schemas.microsoft.com/office/drawing/2014/main" id="{A9441097-2998-E835-0D3C-05DB2EC763F9}"/>
+              </a:ext>
+            </a:extLst>
+          </p:cNvPr>
+          <p:cNvSpPr txBox="1">
+            <a:spLocks/>
+          </p:cNvSpPr>
+          <p:nvPr/>
+        </p:nvSpPr>
+        <p:spPr>
+          <a:xfrm>
+            <a:off x="916529" y="440522"/>
+            <a:ext cx="6429375" cy="367200"/>
+          </a:xfrm>
+          <a:prstGeom prst="rect">
+            <a:avLst/>
+          </a:prstGeom>
+        </p:spPr>
+        <p:txBody>
+          <a:bodyPr vert="horz" lIns="91440" tIns="45720" rIns="91440" bIns="45720" rtlCol="0" anchor="ctr">
+            <a:noAutofit/>
+          </a:bodyPr>
+          <a:lstStyle>
+            <a:defPPr>
+              <a:defRPr lang="zh-CN"/>
+            </a:defPPr>
+            <a:lvl1pPr>
+              <a:lnSpc>
+                <a:spcPct val="90000"/>
+              </a:lnSpc>
+              <a:spcBef>
+                <a:spcPct val="0"/>
+              </a:spcBef>
+              <a:buNone/>
+              <a:defRPr sz="3600" b="1">
+                <a:latin typeface="+mj-lt"/>
+                <a:ea typeface="+mj-ea"/>
+                <a:cs typeface="+mj-cs"/>
+              </a:defRPr>
+            </a:lvl1pPr>
+          </a:lstStyle>
+          <a:p>
+            <a:r>
+              <a:rPr lang="zh-CN" altLang="en-US" dirty="0"/>
+              <a:t>临界电流耦合</a:t>
+            </a:r>
+          </a:p>
+        </p:txBody>
+      </p:sp>
+      <mc:AlternateContent xmlns:mc="http://schemas.openxmlformats.org/markup-compatibility/2006" xmlns:a14="http://schemas.microsoft.com/office/drawing/2010/main">
+        <mc:Choice Requires="a14">
+          <p:sp>
+            <p:nvSpPr>
+              <p:cNvPr id="5" name="内容占位符 4">
+                <a:extLst>
+                  <a:ext uri="{FF2B5EF4-FFF2-40B4-BE49-F238E27FC236}">
+                    <a16:creationId xmlns:a16="http://schemas.microsoft.com/office/drawing/2014/main" id="{CD1D2125-07E1-989F-D27F-B947BD4641F6}"/>
+                  </a:ext>
+                </a:extLst>
+              </p:cNvPr>
+              <p:cNvSpPr txBox="1">
+                <a:spLocks/>
+              </p:cNvSpPr>
+              <p:nvPr/>
+            </p:nvSpPr>
+            <p:spPr>
+              <a:xfrm>
+                <a:off x="1482786" y="1197623"/>
+                <a:ext cx="8640000" cy="1532207"/>
+              </a:xfrm>
+              <a:prstGeom prst="rect">
+                <a:avLst/>
+              </a:prstGeom>
+            </p:spPr>
+            <p:txBody>
+              <a:bodyPr/>
+              <a:lstStyle>
+                <a:lvl1pPr marL="228600" indent="-228600" algn="l" defTabSz="914400" rtl="0" eaLnBrk="1" latinLnBrk="0" hangingPunct="1">
+                  <a:lnSpc>
+                    <a:spcPct val="90000"/>
+                  </a:lnSpc>
+                  <a:spcBef>
+                    <a:spcPts val="1000"/>
+                  </a:spcBef>
+                  <a:buFont typeface="Arial" panose="020B0604020202020204" pitchFamily="34" charset="0"/>
+                  <a:buChar char="•"/>
+                  <a:defRPr sz="2800" kern="1200">
+                    <a:solidFill>
+                      <a:schemeClr val="tx1"/>
+                    </a:solidFill>
+                    <a:latin typeface="+mn-lt"/>
+                    <a:ea typeface="+mn-ea"/>
+                    <a:cs typeface="+mn-cs"/>
+                  </a:defRPr>
+                </a:lvl1pPr>
+                <a:lvl2pPr marL="685800" indent="-228600" algn="l" defTabSz="914400" rtl="0" eaLnBrk="1" latinLnBrk="0" hangingPunct="1">
+                  <a:lnSpc>
+                    <a:spcPct val="90000"/>
+                  </a:lnSpc>
+                  <a:spcBef>
+                    <a:spcPts val="500"/>
+                  </a:spcBef>
+                  <a:buFont typeface="Arial" panose="020B0604020202020204" pitchFamily="34" charset="0"/>
+                  <a:buChar char="•"/>
+                  <a:defRPr sz="2400" kern="1200">
+                    <a:solidFill>
+                      <a:schemeClr val="tx1"/>
+                    </a:solidFill>
+                    <a:latin typeface="+mn-lt"/>
+                    <a:ea typeface="+mn-ea"/>
+                    <a:cs typeface="+mn-cs"/>
+                  </a:defRPr>
+                </a:lvl2pPr>
+                <a:lvl3pPr marL="1143000" indent="-228600" algn="l" defTabSz="914400" rtl="0" eaLnBrk="1" latinLnBrk="0" hangingPunct="1">
+                  <a:lnSpc>
+                    <a:spcPct val="90000"/>
+                  </a:lnSpc>
+                  <a:spcBef>
+                    <a:spcPts val="500"/>
+                  </a:spcBef>
+                  <a:buFont typeface="Arial" panose="020B0604020202020204" pitchFamily="34" charset="0"/>
+                  <a:buChar char="•"/>
+                  <a:defRPr sz="2000" kern="1200">
+                    <a:solidFill>
+                      <a:schemeClr val="tx1"/>
+                    </a:solidFill>
+                    <a:latin typeface="+mn-lt"/>
+                    <a:ea typeface="+mn-ea"/>
+                    <a:cs typeface="+mn-cs"/>
+                  </a:defRPr>
+                </a:lvl3pPr>
+                <a:lvl4pPr marL="1600200" indent="-228600" algn="l" defTabSz="914400" rtl="0" eaLnBrk="1" latinLnBrk="0" hangingPunct="1">
+                  <a:lnSpc>
+                    <a:spcPct val="90000"/>
+                  </a:lnSpc>
+                  <a:spcBef>
+                    <a:spcPts val="500"/>
+                  </a:spcBef>
+                  <a:buFont typeface="Arial" panose="020B0604020202020204" pitchFamily="34" charset="0"/>
+                  <a:buChar char="•"/>
+                  <a:defRPr sz="1800" kern="1200">
+                    <a:solidFill>
+                      <a:schemeClr val="tx1"/>
+                    </a:solidFill>
+                    <a:latin typeface="+mn-lt"/>
+                    <a:ea typeface="+mn-ea"/>
+                    <a:cs typeface="+mn-cs"/>
+                  </a:defRPr>
+                </a:lvl4pPr>
+                <a:lvl5pPr marL="2057400" indent="-228600" algn="l" defTabSz="914400" rtl="0" eaLnBrk="1" latinLnBrk="0" hangingPunct="1">
+                  <a:lnSpc>
+                    <a:spcPct val="90000"/>
+                  </a:lnSpc>
+                  <a:spcBef>
+                    <a:spcPts val="500"/>
+                  </a:spcBef>
+                  <a:buFont typeface="Arial" panose="020B0604020202020204" pitchFamily="34" charset="0"/>
+                  <a:buChar char="•"/>
+                  <a:defRPr sz="1800" kern="1200">
+                    <a:solidFill>
+                      <a:schemeClr val="tx1"/>
+                    </a:solidFill>
+                    <a:latin typeface="+mn-lt"/>
+                    <a:ea typeface="+mn-ea"/>
+                    <a:cs typeface="+mn-cs"/>
+                  </a:defRPr>
+                </a:lvl5pPr>
+                <a:lvl6pPr marL="2514600" indent="-228600" algn="l" defTabSz="914400" rtl="0" eaLnBrk="1" latinLnBrk="0" hangingPunct="1">
+                  <a:lnSpc>
+                    <a:spcPct val="90000"/>
+                  </a:lnSpc>
+                  <a:spcBef>
+                    <a:spcPts val="500"/>
+                  </a:spcBef>
+                  <a:buFont typeface="Arial" panose="020B0604020202020204" pitchFamily="34" charset="0"/>
+                  <a:buChar char="•"/>
+                  <a:defRPr sz="1800" kern="1200">
+                    <a:solidFill>
+                      <a:schemeClr val="tx1"/>
+                    </a:solidFill>
+                    <a:latin typeface="+mn-lt"/>
+                    <a:ea typeface="+mn-ea"/>
+                    <a:cs typeface="+mn-cs"/>
+                  </a:defRPr>
+                </a:lvl6pPr>
+                <a:lvl7pPr marL="2971800" indent="-228600" algn="l" defTabSz="914400" rtl="0" eaLnBrk="1" latinLnBrk="0" hangingPunct="1">
+                  <a:lnSpc>
+                    <a:spcPct val="90000"/>
+                  </a:lnSpc>
+                  <a:spcBef>
+                    <a:spcPts val="500"/>
+                  </a:spcBef>
+                  <a:buFont typeface="Arial" panose="020B0604020202020204" pitchFamily="34" charset="0"/>
+                  <a:buChar char="•"/>
+                  <a:defRPr sz="1800" kern="1200">
+                    <a:solidFill>
+                      <a:schemeClr val="tx1"/>
+                    </a:solidFill>
+                    <a:latin typeface="+mn-lt"/>
+                    <a:ea typeface="+mn-ea"/>
+                    <a:cs typeface="+mn-cs"/>
+                  </a:defRPr>
+                </a:lvl7pPr>
+                <a:lvl8pPr marL="3429000" indent="-228600" algn="l" defTabSz="914400" rtl="0" eaLnBrk="1" latinLnBrk="0" hangingPunct="1">
+                  <a:lnSpc>
+                    <a:spcPct val="90000"/>
+                  </a:lnSpc>
+                  <a:spcBef>
+                    <a:spcPts val="500"/>
+                  </a:spcBef>
+                  <a:buFont typeface="Arial" panose="020B0604020202020204" pitchFamily="34" charset="0"/>
+                  <a:buChar char="•"/>
+                  <a:defRPr sz="1800" kern="1200">
+                    <a:solidFill>
+                      <a:schemeClr val="tx1"/>
+                    </a:solidFill>
+                    <a:latin typeface="+mn-lt"/>
+                    <a:ea typeface="+mn-ea"/>
+                    <a:cs typeface="+mn-cs"/>
+                  </a:defRPr>
+                </a:lvl8pPr>
+                <a:lvl9pPr marL="3886200" indent="-228600" algn="l" defTabSz="914400" rtl="0" eaLnBrk="1" latinLnBrk="0" hangingPunct="1">
+                  <a:lnSpc>
+                    <a:spcPct val="90000"/>
+                  </a:lnSpc>
+                  <a:spcBef>
+                    <a:spcPts val="500"/>
+                  </a:spcBef>
+                  <a:buFont typeface="Arial" panose="020B0604020202020204" pitchFamily="34" charset="0"/>
+                  <a:buChar char="•"/>
+                  <a:defRPr sz="1800" kern="1200">
+                    <a:solidFill>
+                      <a:schemeClr val="tx1"/>
+                    </a:solidFill>
+                    <a:latin typeface="+mn-lt"/>
+                    <a:ea typeface="+mn-ea"/>
+                    <a:cs typeface="+mn-cs"/>
+                  </a:defRPr>
+                </a:lvl9pPr>
+              </a:lstStyle>
+              <a:p>
+                <a:r>
+                  <a:rPr lang="zh-CN" altLang="en-US" dirty="0"/>
+                  <a:t>温度和磁场与线圈的电流在模型中的耦合，主要是源于它们与</a:t>
+                </a:r>
+                <a:r>
+                  <a:rPr lang="en-US" altLang="zh-CN" dirty="0"/>
+                  <a:t>REBCO</a:t>
+                </a:r>
+                <a:r>
+                  <a:rPr lang="zh-CN" altLang="en-US" dirty="0"/>
+                  <a:t>带材临界电流的关系</a:t>
+                </a:r>
+                <a:r>
+                  <a:rPr lang="en-US" altLang="zh-CN" dirty="0"/>
+                  <a:t>:</a:t>
+                </a:r>
+                <a:endParaRPr lang="en-US" altLang="zh-CN" i="1" dirty="0">
+                  <a:latin typeface="Cambria Math" panose="02040503050406030204" pitchFamily="18" charset="0"/>
+                </a:endParaRPr>
+              </a:p>
+              <a:p>
+                <a14:m>
+                  <m:oMath xmlns:m="http://schemas.openxmlformats.org/officeDocument/2006/math">
+                    <m:sSub>
+                      <m:sSubPr>
+                        <m:ctrlPr>
+                          <a:rPr lang="zh-CN" altLang="en-US" i="1">
+                            <a:latin typeface="Cambria Math" panose="02040503050406030204" pitchFamily="18" charset="0"/>
+                          </a:rPr>
+                        </m:ctrlPr>
+                      </m:sSubPr>
+                      <m:e>
+                        <m:r>
+                          <a:rPr lang="zh-CN" altLang="en-US" i="1">
+                            <a:latin typeface="Cambria Math" panose="02040503050406030204" pitchFamily="18" charset="0"/>
+                          </a:rPr>
+                          <m:t>𝐼</m:t>
+                        </m:r>
+                      </m:e>
+                      <m:sub>
+                        <m:r>
+                          <a:rPr lang="zh-CN" altLang="en-US" i="1">
+                            <a:latin typeface="Cambria Math" panose="02040503050406030204" pitchFamily="18" charset="0"/>
+                          </a:rPr>
+                          <m:t>𝑐</m:t>
+                        </m:r>
+                      </m:sub>
+                    </m:sSub>
+                    <m:r>
+                      <a:rPr lang="zh-CN" altLang="en-US">
+                        <a:latin typeface="Cambria Math" panose="02040503050406030204" pitchFamily="18" charset="0"/>
+                      </a:rPr>
+                      <m:t>=</m:t>
+                    </m:r>
+                    <m:sSub>
+                      <m:sSubPr>
+                        <m:ctrlPr>
+                          <a:rPr lang="zh-CN" altLang="en-US" i="1">
+                            <a:latin typeface="Cambria Math" panose="02040503050406030204" pitchFamily="18" charset="0"/>
+                          </a:rPr>
+                        </m:ctrlPr>
+                      </m:sSubPr>
+                      <m:e>
+                        <m:r>
+                          <a:rPr lang="zh-CN" altLang="en-US" i="1">
+                            <a:latin typeface="Cambria Math" panose="02040503050406030204" pitchFamily="18" charset="0"/>
+                          </a:rPr>
+                          <m:t>𝐼</m:t>
+                        </m:r>
+                      </m:e>
+                      <m:sub>
+                        <m:r>
+                          <a:rPr lang="zh-CN" altLang="en-US" i="1">
+                            <a:latin typeface="Cambria Math" panose="02040503050406030204" pitchFamily="18" charset="0"/>
+                          </a:rPr>
+                          <m:t>𝑐</m:t>
+                        </m:r>
+                        <m:r>
+                          <a:rPr lang="zh-CN" altLang="en-US">
+                            <a:latin typeface="Cambria Math" panose="02040503050406030204" pitchFamily="18" charset="0"/>
+                          </a:rPr>
+                          <m:t>0</m:t>
+                        </m:r>
+                      </m:sub>
+                    </m:sSub>
+                    <m:r>
+                      <a:rPr lang="zh-CN" altLang="en-US">
+                        <a:latin typeface="Cambria Math" panose="02040503050406030204" pitchFamily="18" charset="0"/>
+                      </a:rPr>
+                      <m:t>⋅</m:t>
+                    </m:r>
+                    <m:sSub>
+                      <m:sSubPr>
+                        <m:ctrlPr>
+                          <a:rPr lang="zh-CN" altLang="en-US" i="1">
+                            <a:latin typeface="Cambria Math" panose="02040503050406030204" pitchFamily="18" charset="0"/>
+                          </a:rPr>
+                        </m:ctrlPr>
+                      </m:sSubPr>
+                      <m:e>
+                        <m:r>
+                          <a:rPr lang="zh-CN" altLang="en-US" i="1">
+                            <a:latin typeface="Cambria Math" panose="02040503050406030204" pitchFamily="18" charset="0"/>
+                          </a:rPr>
+                          <m:t>𝜆</m:t>
+                        </m:r>
+                      </m:e>
+                      <m:sub>
+                        <m:r>
+                          <a:rPr lang="zh-CN" altLang="en-US" i="1">
+                            <a:latin typeface="Cambria Math" panose="02040503050406030204" pitchFamily="18" charset="0"/>
+                          </a:rPr>
+                          <m:t>𝑐𝑇</m:t>
+                        </m:r>
+                      </m:sub>
+                    </m:sSub>
+                    <m:d>
+                      <m:dPr>
+                        <m:ctrlPr>
+                          <a:rPr lang="zh-CN" altLang="en-US" i="1">
+                            <a:latin typeface="Cambria Math" panose="02040503050406030204" pitchFamily="18" charset="0"/>
+                          </a:rPr>
+                        </m:ctrlPr>
+                      </m:dPr>
+                      <m:e>
+                        <m:r>
+                          <a:rPr lang="zh-CN" altLang="en-US" i="1">
+                            <a:latin typeface="Cambria Math" panose="02040503050406030204" pitchFamily="18" charset="0"/>
+                          </a:rPr>
+                          <m:t>𝑇</m:t>
+                        </m:r>
+                      </m:e>
+                    </m:d>
+                    <m:r>
+                      <a:rPr lang="zh-CN" altLang="en-US">
+                        <a:latin typeface="Cambria Math" panose="02040503050406030204" pitchFamily="18" charset="0"/>
+                      </a:rPr>
+                      <m:t>⋅</m:t>
+                    </m:r>
+                    <m:sSub>
+                      <m:sSubPr>
+                        <m:ctrlPr>
+                          <a:rPr lang="zh-CN" altLang="en-US" i="1">
+                            <a:latin typeface="Cambria Math" panose="02040503050406030204" pitchFamily="18" charset="0"/>
+                          </a:rPr>
+                        </m:ctrlPr>
+                      </m:sSubPr>
+                      <m:e>
+                        <m:r>
+                          <a:rPr lang="zh-CN" altLang="en-US" i="1">
+                            <a:latin typeface="Cambria Math" panose="02040503050406030204" pitchFamily="18" charset="0"/>
+                          </a:rPr>
+                          <m:t>𝜆</m:t>
+                        </m:r>
+                      </m:e>
+                      <m:sub>
+                        <m:r>
+                          <a:rPr lang="zh-CN" altLang="en-US" i="1">
+                            <a:latin typeface="Cambria Math" panose="02040503050406030204" pitchFamily="18" charset="0"/>
+                          </a:rPr>
+                          <m:t>𝑐𝐵</m:t>
+                        </m:r>
+                      </m:sub>
+                    </m:sSub>
+                    <m:d>
+                      <m:dPr>
+                        <m:ctrlPr>
+                          <a:rPr lang="zh-CN" altLang="en-US" i="1">
+                            <a:latin typeface="Cambria Math" panose="02040503050406030204" pitchFamily="18" charset="0"/>
+                          </a:rPr>
+                        </m:ctrlPr>
+                      </m:dPr>
+                      <m:e>
+                        <m:r>
+                          <a:rPr lang="zh-CN" altLang="en-US" i="1">
+                            <a:latin typeface="Cambria Math" panose="02040503050406030204" pitchFamily="18" charset="0"/>
+                          </a:rPr>
+                          <m:t>𝐵</m:t>
+                        </m:r>
+                        <m:r>
+                          <a:rPr lang="zh-CN" altLang="en-US">
+                            <a:latin typeface="Cambria Math" panose="02040503050406030204" pitchFamily="18" charset="0"/>
+                          </a:rPr>
+                          <m:t>,</m:t>
+                        </m:r>
+                        <m:r>
+                          <m:rPr>
+                            <m:sty m:val="p"/>
+                          </m:rPr>
+                          <a:rPr lang="zh-CN" altLang="en-US">
+                            <a:latin typeface="Cambria Math" panose="02040503050406030204" pitchFamily="18" charset="0"/>
+                          </a:rPr>
+                          <m:t>θ</m:t>
+                        </m:r>
+                      </m:e>
+                    </m:d>
+                  </m:oMath>
+                </a14:m>
+                <a:endParaRPr lang="zh-CN" altLang="en-US" dirty="0"/>
+              </a:p>
+              <a:p>
+                <a:endParaRPr lang="zh-CN" altLang="en-US" dirty="0"/>
+              </a:p>
+            </p:txBody>
+          </p:sp>
+        </mc:Choice>
+        <mc:Fallback xmlns="">
+          <p:sp>
+            <p:nvSpPr>
+              <p:cNvPr id="5" name="内容占位符 4">
+                <a:extLst>
+                  <a:ext uri="{FF2B5EF4-FFF2-40B4-BE49-F238E27FC236}">
+                    <a16:creationId xmlns:a16="http://schemas.microsoft.com/office/drawing/2014/main" id="{CD1D2125-07E1-989F-D27F-B947BD4641F6}"/>
+                  </a:ext>
+                </a:extLst>
+              </p:cNvPr>
+              <p:cNvSpPr txBox="1">
+                <a:spLocks noRot="1" noChangeAspect="1" noMove="1" noResize="1" noEditPoints="1" noAdjustHandles="1" noChangeArrowheads="1" noChangeShapeType="1" noTextEdit="1"/>
+              </p:cNvSpPr>
+              <p:nvPr/>
+            </p:nvSpPr>
+            <p:spPr>
+              <a:xfrm>
+                <a:off x="1482786" y="1197623"/>
+                <a:ext cx="8640000" cy="1532207"/>
+              </a:xfrm>
+              <a:prstGeom prst="rect">
+                <a:avLst/>
+              </a:prstGeom>
+              <a:blipFill>
+                <a:blip r:embed="rId2"/>
+                <a:stretch>
+                  <a:fillRect l="-1269" t="-7143" r="-564"/>
+                </a:stretch>
+              </a:blipFill>
+            </p:spPr>
+            <p:txBody>
+              <a:bodyPr/>
+              <a:lstStyle/>
+              <a:p>
+                <a:r>
+                  <a:rPr lang="zh-CN" altLang="en-US">
+                    <a:noFill/>
+                  </a:rPr>
+                  <a:t> </a:t>
+                </a:r>
+              </a:p>
+            </p:txBody>
+          </p:sp>
+        </mc:Fallback>
+      </mc:AlternateContent>
+      <mc:AlternateContent xmlns:mc="http://schemas.openxmlformats.org/markup-compatibility/2006" xmlns:a14="http://schemas.microsoft.com/office/drawing/2010/main">
+        <mc:Choice Requires="a14">
+          <p:sp>
+            <p:nvSpPr>
+              <p:cNvPr id="6" name="文本框 5">
+                <a:extLst>
+                  <a:ext uri="{FF2B5EF4-FFF2-40B4-BE49-F238E27FC236}">
+                    <a16:creationId xmlns:a16="http://schemas.microsoft.com/office/drawing/2014/main" id="{11B35215-5FDD-6636-1EF9-3E669BE09F5A}"/>
+                  </a:ext>
+                </a:extLst>
+              </p:cNvPr>
+              <p:cNvSpPr txBox="1"/>
+              <p:nvPr/>
+            </p:nvSpPr>
+            <p:spPr>
+              <a:xfrm>
+                <a:off x="1482786" y="3014011"/>
+                <a:ext cx="8640000" cy="1080552"/>
+              </a:xfrm>
+              <a:prstGeom prst="rect">
+                <a:avLst/>
+              </a:prstGeom>
+              <a:noFill/>
+            </p:spPr>
+            <p:txBody>
+              <a:bodyPr wrap="none" rtlCol="0">
+                <a:spAutoFit/>
+              </a:bodyPr>
+              <a:lstStyle/>
+              <a:p>
+                <a:pPr algn="l">
+                  <a:lnSpc>
+                    <a:spcPct val="120000"/>
+                  </a:lnSpc>
+                </a:pPr>
+                <a:r>
+                  <a:rPr lang="zh-CN" altLang="en-US" dirty="0"/>
+                  <a:t>在已知各位置电流的情况下，根据毕奥</a:t>
+                </a:r>
+                <a:r>
+                  <a:rPr lang="en-US" altLang="zh-CN" dirty="0"/>
+                  <a:t>-</a:t>
+                </a:r>
+                <a:r>
+                  <a:rPr lang="zh-CN" altLang="en-US" dirty="0"/>
+                  <a:t>萨伐尔的定律可以计算出每个位置的磁场：</a:t>
+                </a:r>
+                <a:endParaRPr lang="en-US" altLang="zh-CN" dirty="0"/>
+              </a:p>
+              <a:p>
+                <a:pPr algn="l">
+                  <a:lnSpc>
+                    <a:spcPct val="120000"/>
+                  </a:lnSpc>
+                </a:pPr>
+                <a14:m>
+                  <m:oMathPara xmlns:m="http://schemas.openxmlformats.org/officeDocument/2006/math">
+                    <m:oMathParaPr>
+                      <m:jc m:val="centerGroup"/>
+                    </m:oMathParaPr>
+                    <m:oMath xmlns:m="http://schemas.openxmlformats.org/officeDocument/2006/math">
+                      <m:r>
+                        <a:rPr lang="en-US" altLang="zh-CN" sz="1800" i="1" kern="100" smtClean="0">
+                          <a:effectLst/>
+                          <a:latin typeface="Cambria Math" panose="02040503050406030204" pitchFamily="18" charset="0"/>
+                          <a:ea typeface="宋体" panose="02010600030101010101" pitchFamily="2" charset="-122"/>
+                          <a:cs typeface="Times New Roman" panose="02020603050405020304" pitchFamily="18" charset="0"/>
+                        </a:rPr>
+                        <m:t>𝑑</m:t>
+                      </m:r>
+                      <m:acc>
+                        <m:accPr>
+                          <m:chr m:val="⃗"/>
+                          <m:ctrlPr>
+                            <a:rPr lang="zh-CN" altLang="zh-CN" i="1">
+                              <a:effectLst/>
+                              <a:latin typeface="Cambria Math" panose="02040503050406030204" pitchFamily="18" charset="0"/>
+                              <a:ea typeface="Cambria Math" panose="02040503050406030204" pitchFamily="18" charset="0"/>
+                            </a:rPr>
+                          </m:ctrlPr>
+                        </m:accPr>
+                        <m:e>
+                          <m:r>
+                            <a:rPr lang="en-US" altLang="zh-CN" sz="1800" i="1" kern="100">
+                              <a:effectLst/>
+                              <a:latin typeface="Cambria Math" panose="02040503050406030204" pitchFamily="18" charset="0"/>
+                              <a:ea typeface="宋体" panose="02010600030101010101" pitchFamily="2" charset="-122"/>
+                              <a:cs typeface="Times New Roman" panose="02020603050405020304" pitchFamily="18" charset="0"/>
+                            </a:rPr>
+                            <m:t>𝐵</m:t>
+                          </m:r>
+                        </m:e>
+                      </m:acc>
+                      <m:r>
+                        <a:rPr lang="en-US" altLang="zh-CN" sz="1800" i="1" kern="100">
+                          <a:effectLst/>
+                          <a:latin typeface="Cambria Math" panose="02040503050406030204" pitchFamily="18" charset="0"/>
+                          <a:ea typeface="宋体" panose="02010600030101010101" pitchFamily="2" charset="-122"/>
+                          <a:cs typeface="Times New Roman" panose="02020603050405020304" pitchFamily="18" charset="0"/>
+                        </a:rPr>
+                        <m:t>=</m:t>
+                      </m:r>
+                      <m:f>
+                        <m:fPr>
+                          <m:ctrlPr>
+                            <a:rPr lang="zh-CN" altLang="zh-CN" i="1">
+                              <a:effectLst/>
+                              <a:latin typeface="Cambria Math" panose="02040503050406030204" pitchFamily="18" charset="0"/>
+                              <a:ea typeface="Cambria Math" panose="02040503050406030204" pitchFamily="18" charset="0"/>
+                            </a:rPr>
+                          </m:ctrlPr>
+                        </m:fPr>
+                        <m:num>
+                          <m:sSub>
+                            <m:sSubPr>
+                              <m:ctrlPr>
+                                <a:rPr lang="zh-CN" altLang="zh-CN" i="1">
+                                  <a:effectLst/>
+                                  <a:latin typeface="Cambria Math" panose="02040503050406030204" pitchFamily="18" charset="0"/>
+                                  <a:ea typeface="Cambria Math" panose="02040503050406030204" pitchFamily="18" charset="0"/>
+                                </a:rPr>
+                              </m:ctrlPr>
+                            </m:sSubPr>
+                            <m:e>
+                              <m:r>
+                                <m:rPr>
+                                  <m:sty m:val="p"/>
+                                </m:rPr>
+                                <a:rPr lang="en-US" altLang="zh-CN" sz="1800" kern="100">
+                                  <a:effectLst/>
+                                  <a:latin typeface="Cambria Math" panose="02040503050406030204" pitchFamily="18" charset="0"/>
+                                  <a:ea typeface="宋体" panose="02010600030101010101" pitchFamily="2" charset="-122"/>
+                                  <a:cs typeface="Times New Roman" panose="02020603050405020304" pitchFamily="18" charset="0"/>
+                                </a:rPr>
+                                <m:t>μ</m:t>
+                              </m:r>
+                            </m:e>
+                            <m:sub>
+                              <m:r>
+                                <a:rPr lang="en-US" altLang="zh-CN" sz="1800" i="1" kern="100">
+                                  <a:effectLst/>
+                                  <a:latin typeface="Cambria Math" panose="02040503050406030204" pitchFamily="18" charset="0"/>
+                                  <a:ea typeface="宋体" panose="02010600030101010101" pitchFamily="2" charset="-122"/>
+                                  <a:cs typeface="Times New Roman" panose="02020603050405020304" pitchFamily="18" charset="0"/>
+                                </a:rPr>
+                                <m:t>0</m:t>
+                              </m:r>
+                            </m:sub>
+                          </m:sSub>
+                        </m:num>
+                        <m:den>
+                          <m:r>
+                            <a:rPr lang="en-US" altLang="zh-CN" sz="1800" i="1" kern="100">
+                              <a:effectLst/>
+                              <a:latin typeface="Cambria Math" panose="02040503050406030204" pitchFamily="18" charset="0"/>
+                              <a:ea typeface="宋体" panose="02010600030101010101" pitchFamily="2" charset="-122"/>
+                              <a:cs typeface="Times New Roman" panose="02020603050405020304" pitchFamily="18" charset="0"/>
+                            </a:rPr>
+                            <m:t>4</m:t>
+                          </m:r>
+                          <m:r>
+                            <m:rPr>
+                              <m:sty m:val="p"/>
+                            </m:rPr>
+                            <a:rPr lang="en-US" altLang="zh-CN" sz="1800" kern="100">
+                              <a:effectLst/>
+                              <a:latin typeface="Cambria Math" panose="02040503050406030204" pitchFamily="18" charset="0"/>
+                              <a:ea typeface="宋体" panose="02010600030101010101" pitchFamily="2" charset="-122"/>
+                              <a:cs typeface="Times New Roman" panose="02020603050405020304" pitchFamily="18" charset="0"/>
+                            </a:rPr>
+                            <m:t>π</m:t>
+                          </m:r>
+                        </m:den>
+                      </m:f>
+                      <m:r>
+                        <a:rPr lang="en-US" altLang="zh-CN" sz="1800" kern="100">
+                          <a:effectLst/>
+                          <a:latin typeface="Cambria Math" panose="02040503050406030204" pitchFamily="18" charset="0"/>
+                          <a:ea typeface="宋体" panose="02010600030101010101" pitchFamily="2" charset="-122"/>
+                          <a:cs typeface="Times New Roman" panose="02020603050405020304" pitchFamily="18" charset="0"/>
+                        </a:rPr>
+                        <m:t>⋅</m:t>
+                      </m:r>
+                      <m:f>
+                        <m:fPr>
+                          <m:ctrlPr>
+                            <a:rPr lang="zh-CN" altLang="zh-CN" i="1">
+                              <a:effectLst/>
+                              <a:latin typeface="Cambria Math" panose="02040503050406030204" pitchFamily="18" charset="0"/>
+                              <a:ea typeface="Cambria Math" panose="02040503050406030204" pitchFamily="18" charset="0"/>
+                            </a:rPr>
+                          </m:ctrlPr>
+                        </m:fPr>
+                        <m:num>
+                          <m:r>
+                            <a:rPr lang="en-US" altLang="zh-CN" sz="1800" i="1" kern="100">
+                              <a:effectLst/>
+                              <a:latin typeface="Cambria Math" panose="02040503050406030204" pitchFamily="18" charset="0"/>
+                              <a:ea typeface="宋体" panose="02010600030101010101" pitchFamily="2" charset="-122"/>
+                              <a:cs typeface="Times New Roman" panose="02020603050405020304" pitchFamily="18" charset="0"/>
+                            </a:rPr>
+                            <m:t>𝐼𝑑𝑙</m:t>
+                          </m:r>
+                          <m:r>
+                            <a:rPr lang="zh-CN" altLang="zh-CN" sz="1800" kern="100">
+                              <a:effectLst/>
+                              <a:latin typeface="Cambria Math" panose="02040503050406030204" pitchFamily="18" charset="0"/>
+                              <a:ea typeface="宋体" panose="02010600030101010101" pitchFamily="2" charset="-122"/>
+                              <a:cs typeface="Times New Roman" panose="02020603050405020304" pitchFamily="18" charset="0"/>
+                            </a:rPr>
+                            <m:t>×</m:t>
+                          </m:r>
+                          <m:acc>
+                            <m:accPr>
+                              <m:chr m:val="⃗"/>
+                              <m:ctrlPr>
+                                <a:rPr lang="zh-CN" altLang="zh-CN" i="1">
+                                  <a:effectLst/>
+                                  <a:latin typeface="Cambria Math" panose="02040503050406030204" pitchFamily="18" charset="0"/>
+                                  <a:ea typeface="Cambria Math" panose="02040503050406030204" pitchFamily="18" charset="0"/>
+                                </a:rPr>
+                              </m:ctrlPr>
+                            </m:accPr>
+                            <m:e>
+                              <m:r>
+                                <a:rPr lang="en-US" altLang="zh-CN" sz="1800" i="1" kern="100">
+                                  <a:effectLst/>
+                                  <a:latin typeface="Cambria Math" panose="02040503050406030204" pitchFamily="18" charset="0"/>
+                                  <a:ea typeface="宋体" panose="02010600030101010101" pitchFamily="2" charset="-122"/>
+                                  <a:cs typeface="Times New Roman" panose="02020603050405020304" pitchFamily="18" charset="0"/>
+                                </a:rPr>
+                                <m:t>𝑟</m:t>
+                              </m:r>
+                            </m:e>
+                          </m:acc>
+                        </m:num>
+                        <m:den>
+                          <m:sSup>
+                            <m:sSupPr>
+                              <m:ctrlPr>
+                                <a:rPr lang="zh-CN" altLang="zh-CN" i="1">
+                                  <a:effectLst/>
+                                  <a:latin typeface="Cambria Math" panose="02040503050406030204" pitchFamily="18" charset="0"/>
+                                  <a:ea typeface="Cambria Math" panose="02040503050406030204" pitchFamily="18" charset="0"/>
+                                </a:rPr>
+                              </m:ctrlPr>
+                            </m:sSupPr>
+                            <m:e>
+                              <m:r>
+                                <a:rPr lang="en-US" altLang="zh-CN" sz="1800" i="1" kern="100">
+                                  <a:effectLst/>
+                                  <a:latin typeface="Cambria Math" panose="02040503050406030204" pitchFamily="18" charset="0"/>
+                                  <a:ea typeface="宋体" panose="02010600030101010101" pitchFamily="2" charset="-122"/>
+                                  <a:cs typeface="Times New Roman" panose="02020603050405020304" pitchFamily="18" charset="0"/>
+                                </a:rPr>
+                                <m:t>𝑟</m:t>
+                              </m:r>
+                            </m:e>
+                            <m:sup>
+                              <m:r>
+                                <a:rPr lang="en-US" altLang="zh-CN" sz="1800" i="1" kern="100">
+                                  <a:effectLst/>
+                                  <a:latin typeface="Cambria Math" panose="02040503050406030204" pitchFamily="18" charset="0"/>
+                                  <a:ea typeface="宋体" panose="02010600030101010101" pitchFamily="2" charset="-122"/>
+                                  <a:cs typeface="Times New Roman" panose="02020603050405020304" pitchFamily="18" charset="0"/>
+                                </a:rPr>
+                                <m:t>3</m:t>
+                              </m:r>
+                            </m:sup>
+                          </m:sSup>
+                        </m:den>
+                      </m:f>
+                    </m:oMath>
+                  </m:oMathPara>
+                </a14:m>
+                <a:endParaRPr lang="zh-CN" altLang="en-US" dirty="0"/>
+              </a:p>
+            </p:txBody>
+          </p:sp>
+        </mc:Choice>
+        <mc:Fallback xmlns="">
+          <p:sp>
+            <p:nvSpPr>
+              <p:cNvPr id="6" name="文本框 5">
+                <a:extLst>
+                  <a:ext uri="{FF2B5EF4-FFF2-40B4-BE49-F238E27FC236}">
+                    <a16:creationId xmlns:a16="http://schemas.microsoft.com/office/drawing/2014/main" id="{11B35215-5FDD-6636-1EF9-3E669BE09F5A}"/>
+                  </a:ext>
+                </a:extLst>
+              </p:cNvPr>
+              <p:cNvSpPr txBox="1">
+                <a:spLocks noRot="1" noChangeAspect="1" noMove="1" noResize="1" noEditPoints="1" noAdjustHandles="1" noChangeArrowheads="1" noChangeShapeType="1" noTextEdit="1"/>
+              </p:cNvSpPr>
+              <p:nvPr/>
+            </p:nvSpPr>
+            <p:spPr>
+              <a:xfrm>
+                <a:off x="1482786" y="3014011"/>
+                <a:ext cx="8640000" cy="1080552"/>
+              </a:xfrm>
+              <a:prstGeom prst="rect">
+                <a:avLst/>
+              </a:prstGeom>
+              <a:blipFill>
+                <a:blip r:embed="rId3"/>
+                <a:stretch>
+                  <a:fillRect l="-564"/>
+                </a:stretch>
+              </a:blipFill>
+            </p:spPr>
+            <p:txBody>
+              <a:bodyPr/>
+              <a:lstStyle/>
+              <a:p>
+                <a:r>
+                  <a:rPr lang="zh-CN" altLang="en-US">
+                    <a:noFill/>
+                  </a:rPr>
+                  <a:t> </a:t>
+                </a:r>
+              </a:p>
+            </p:txBody>
+          </p:sp>
+        </mc:Fallback>
+      </mc:AlternateContent>
+      <p:sp>
+        <p:nvSpPr>
+          <p:cNvPr id="7" name="文本框 6">
+            <a:extLst>
+              <a:ext uri="{FF2B5EF4-FFF2-40B4-BE49-F238E27FC236}">
+                <a16:creationId xmlns:a16="http://schemas.microsoft.com/office/drawing/2014/main" id="{96A3D9D4-384C-DD76-4766-B27999CB79DA}"/>
+              </a:ext>
+            </a:extLst>
+          </p:cNvPr>
+          <p:cNvSpPr txBox="1"/>
+          <p:nvPr/>
+        </p:nvSpPr>
+        <p:spPr>
+          <a:xfrm>
+            <a:off x="1482786" y="4656563"/>
+            <a:ext cx="8640000" cy="1393715"/>
+          </a:xfrm>
+          <a:prstGeom prst="rect">
+            <a:avLst/>
+          </a:prstGeom>
+          <a:noFill/>
+        </p:spPr>
+        <p:txBody>
+          <a:bodyPr wrap="square" rtlCol="0">
+            <a:spAutoFit/>
+          </a:bodyPr>
+          <a:lstStyle/>
+          <a:p>
+            <a:pPr algn="l">
+              <a:lnSpc>
+                <a:spcPct val="120000"/>
+              </a:lnSpc>
+            </a:pPr>
+            <a:r>
+              <a:rPr lang="zh-CN" altLang="en-US" dirty="0"/>
+              <a:t>计算磁场时模型只考虑了环向电流，而没有考虑径向电流</a:t>
+            </a:r>
+            <a:endParaRPr lang="en-US" altLang="zh-CN" dirty="0"/>
+          </a:p>
+          <a:p>
+            <a:pPr marL="342900" indent="-342900" algn="l">
+              <a:lnSpc>
+                <a:spcPct val="120000"/>
+              </a:lnSpc>
+              <a:buAutoNum type="arabicPeriod"/>
+            </a:pPr>
+            <a:r>
+              <a:rPr lang="zh-CN" altLang="en-US" dirty="0"/>
+              <a:t>在正常励磁过程中产生的径向电流很小</a:t>
+            </a:r>
+            <a:endParaRPr lang="en-US" altLang="zh-CN" dirty="0"/>
+          </a:p>
+          <a:p>
+            <a:pPr marL="342900" indent="-342900" algn="l">
+              <a:lnSpc>
+                <a:spcPct val="120000"/>
+              </a:lnSpc>
+              <a:buAutoNum type="arabicPeriod"/>
+            </a:pPr>
+            <a:r>
+              <a:rPr lang="zh-CN" altLang="en-US" dirty="0"/>
+              <a:t>径向电流的流向与导线表面垂直，所以径向电流产生的磁场对线圈临界电流的影响比较小。</a:t>
+            </a:r>
+          </a:p>
+        </p:txBody>
+      </p:sp>
+    </p:spTree>
+    <p:extLst>
+      <p:ext uri="{BB962C8B-B14F-4D97-AF65-F5344CB8AC3E}">
+        <p14:creationId xmlns:p14="http://schemas.microsoft.com/office/powerpoint/2010/main" val="3209259687"/>
+      </p:ext>
+    </p:extLst>
+  </p:cSld>
+  <p:clrMapOvr>
+    <a:masterClrMapping/>
+  </p:clrMapOvr>
+  <p:timing>
+    <p:tnLst>
+      <p:par>
+        <p:cTn id="1" dur="indefinite" restart="never" nodeType="tmRoot">
+          <p:childTnLst>
+            <p:seq concurrent="1" nextAc="seek">
+              <p:cTn id="2" dur="indefinite" nodeType="mainSeq">
+                <p:childTnLst>
+                  <p:par>
+                    <p:cTn id="3" fill="hold">
+                      <p:stCondLst>
+                        <p:cond delay="indefinite"/>
+                      </p:stCondLst>
+                      <p:childTnLst>
+                        <p:par>
+                          <p:cTn id="4" fill="hold">
+                            <p:stCondLst>
+                              <p:cond delay="0"/>
+                            </p:stCondLst>
+                            <p:childTnLst>
+                              <p:par>
+                                <p:cTn id="5" presetID="10" presetClass="entr" presetSubtype="0" fill="hold" grpId="0" nodeType="clickEffect">
+                                  <p:stCondLst>
+                                    <p:cond delay="0"/>
+                                  </p:stCondLst>
+                                  <p:childTnLst>
+                                    <p:set>
+                                      <p:cBhvr>
+                                        <p:cTn id="6" dur="1" fill="hold">
+                                          <p:stCondLst>
+                                            <p:cond delay="0"/>
+                                          </p:stCondLst>
+                                        </p:cTn>
+                                        <p:tgtEl>
+                                          <p:spTgt spid="6"/>
+                                        </p:tgtEl>
+                                        <p:attrNameLst>
+                                          <p:attrName>style.visibility</p:attrName>
+                                        </p:attrNameLst>
+                                      </p:cBhvr>
+                                      <p:to>
+                                        <p:strVal val="visible"/>
+                                      </p:to>
+                                    </p:set>
+                                    <p:animEffect transition="in" filter="fade">
+                                      <p:cBhvr>
+                                        <p:cTn id="7" dur="500"/>
+                                        <p:tgtEl>
+                                          <p:spTgt spid="6"/>
+                                        </p:tgtEl>
+                                      </p:cBhvr>
+                                    </p:animEffect>
+                                  </p:childTnLst>
+                                </p:cTn>
+                              </p:par>
+                            </p:childTnLst>
+                          </p:cTn>
+                        </p:par>
+                      </p:childTnLst>
+                    </p:cTn>
+                  </p:par>
+                  <p:par>
+                    <p:cTn id="8" fill="hold">
+                      <p:stCondLst>
+                        <p:cond delay="indefinite"/>
+                      </p:stCondLst>
+                      <p:childTnLst>
+                        <p:par>
+                          <p:cTn id="9" fill="hold">
+                            <p:stCondLst>
+                              <p:cond delay="0"/>
+                            </p:stCondLst>
+                            <p:childTnLst>
+                              <p:par>
+                                <p:cTn id="10" presetID="10" presetClass="entr" presetSubtype="0" fill="hold" grpId="0" nodeType="clickEffect">
+                                  <p:stCondLst>
+                                    <p:cond delay="0"/>
+                                  </p:stCondLst>
+                                  <p:childTnLst>
+                                    <p:set>
+                                      <p:cBhvr>
+                                        <p:cTn id="11" dur="1" fill="hold">
+                                          <p:stCondLst>
+                                            <p:cond delay="0"/>
+                                          </p:stCondLst>
+                                        </p:cTn>
+                                        <p:tgtEl>
+                                          <p:spTgt spid="7"/>
+                                        </p:tgtEl>
+                                        <p:attrNameLst>
+                                          <p:attrName>style.visibility</p:attrName>
+                                        </p:attrNameLst>
+                                      </p:cBhvr>
+                                      <p:to>
+                                        <p:strVal val="visible"/>
+                                      </p:to>
+                                    </p:set>
+                                    <p:animEffect transition="in" filter="fade">
+                                      <p:cBhvr>
+                                        <p:cTn id="12" dur="500"/>
+                                        <p:tgtEl>
+                                          <p:spTgt spid="7"/>
+                                        </p:tgtEl>
+                                      </p:cBhvr>
+                                    </p:animEffect>
+                                  </p:childTnLst>
+                                </p:cTn>
+                              </p:par>
+                            </p:childTnLst>
+                          </p:cTn>
+                        </p:par>
+                      </p:childTnLst>
+                    </p:cTn>
+                  </p:par>
+                </p:childTnLst>
+              </p:cTn>
+              <p:prevCondLst>
+                <p:cond evt="onPrev" delay="0">
+                  <p:tgtEl>
+                    <p:sldTgt/>
+                  </p:tgtEl>
+                </p:cond>
+              </p:prevCondLst>
+              <p:nextCondLst>
+                <p:cond evt="onNext" delay="0">
+                  <p:tgtEl>
+                    <p:sldTgt/>
+                  </p:tgtEl>
+                </p:cond>
+              </p:nextCondLst>
+            </p:seq>
+          </p:childTnLst>
+        </p:cTn>
+      </p:par>
+    </p:tnLst>
+    <p:bldLst>
+      <p:bldP spid="6" grpId="0"/>
+      <p:bldP spid="7" grpId="0"/>
+    </p:bldLst>
+  </p:timing>
+</p:sld>
+</file>
+
+<file path=ppt/slides/slide6.xml><?xml version="1.0" encoding="utf-8"?>
+<p:sld xmlns:a="http://schemas.openxmlformats.org/drawingml/2006/main" xmlns:r="http://schemas.openxmlformats.org/officeDocument/2006/relationships" xmlns:p="http://schemas.openxmlformats.org/presentationml/2006/main">
+  <p:cSld>
+    <p:spTree>
+      <p:nvGrpSpPr>
+        <p:cNvPr id="1" name=""/>
+        <p:cNvGrpSpPr/>
+        <p:nvPr/>
+      </p:nvGrpSpPr>
+      <p:grpSpPr>
+        <a:xfrm>
+          <a:off x="0" y="0"/>
+          <a:ext cx="0" cy="0"/>
+          <a:chOff x="0" y="0"/>
+          <a:chExt cx="0" cy="0"/>
+        </a:xfrm>
+      </p:grpSpPr>
+      <p:sp>
+        <p:nvSpPr>
+          <p:cNvPr id="4" name="标题 2">
+            <a:extLst>
+              <a:ext uri="{FF2B5EF4-FFF2-40B4-BE49-F238E27FC236}">
+                <a16:creationId xmlns:a16="http://schemas.microsoft.com/office/drawing/2014/main" id="{4CD952CA-9D07-45D8-E8D8-39F872D810D3}"/>
+              </a:ext>
+            </a:extLst>
+          </p:cNvPr>
+          <p:cNvSpPr txBox="1">
+            <a:spLocks/>
+          </p:cNvSpPr>
+          <p:nvPr/>
+        </p:nvSpPr>
+        <p:spPr>
+          <a:xfrm>
+            <a:off x="831407" y="403010"/>
+            <a:ext cx="6429375" cy="367200"/>
+          </a:xfrm>
+          <a:prstGeom prst="rect">
+            <a:avLst/>
+          </a:prstGeom>
+        </p:spPr>
+        <p:txBody>
+          <a:bodyPr vert="horz" lIns="91440" tIns="45720" rIns="91440" bIns="45720" rtlCol="0" anchor="ctr">
+            <a:noAutofit/>
+          </a:bodyPr>
+          <a:lstStyle>
+            <a:defPPr>
+              <a:defRPr lang="zh-CN"/>
+            </a:defPPr>
+            <a:lvl1pPr>
+              <a:lnSpc>
+                <a:spcPct val="90000"/>
+              </a:lnSpc>
+              <a:spcBef>
+                <a:spcPct val="0"/>
+              </a:spcBef>
+              <a:buNone/>
+              <a:defRPr sz="3600" b="1">
+                <a:latin typeface="+mj-lt"/>
+                <a:ea typeface="+mj-ea"/>
+                <a:cs typeface="+mj-cs"/>
+              </a:defRPr>
+            </a:lvl1pPr>
+          </a:lstStyle>
+          <a:p>
+            <a:r>
+              <a:rPr lang="zh-CN" altLang="en-US" dirty="0"/>
+              <a:t>仿真流程</a:t>
+            </a:r>
+          </a:p>
+        </p:txBody>
+      </p:sp>
+      <p:sp>
+        <p:nvSpPr>
+          <p:cNvPr id="5" name="矩形: 圆角 4">
+            <a:extLst>
+              <a:ext uri="{FF2B5EF4-FFF2-40B4-BE49-F238E27FC236}">
+                <a16:creationId xmlns:a16="http://schemas.microsoft.com/office/drawing/2014/main" id="{3FEDE3C8-03B7-0EAD-ACF2-A058A448B581}"/>
+              </a:ext>
+            </a:extLst>
+          </p:cNvPr>
+          <p:cNvSpPr/>
+          <p:nvPr/>
+        </p:nvSpPr>
+        <p:spPr>
+          <a:xfrm>
+            <a:off x="5191734" y="612054"/>
+            <a:ext cx="1779943" cy="326593"/>
+          </a:xfrm>
+          <a:prstGeom prst="roundRect">
+            <a:avLst/>
+          </a:prstGeom>
+          <a:ln w="19050"/>
+        </p:spPr>
+        <p:style>
+          <a:lnRef idx="2">
+            <a:schemeClr val="dk1"/>
+          </a:lnRef>
+          <a:fillRef idx="1">
+            <a:schemeClr val="lt1"/>
+          </a:fillRef>
+          <a:effectRef idx="0">
+            <a:schemeClr val="dk1"/>
+          </a:effectRef>
+          <a:fontRef idx="minor">
+            <a:schemeClr val="dk1"/>
+          </a:fontRef>
+        </p:style>
+        <p:txBody>
+          <a:bodyPr rot="0" spcFirstLastPara="0" vert="horz" wrap="square" lIns="91440" tIns="0" rIns="91440" bIns="45720" numCol="1" spcCol="0" rtlCol="0" fromWordArt="0" anchor="t" anchorCtr="0" forceAA="0" compatLnSpc="1">
+            <a:prstTxWarp prst="textNoShape">
+              <a:avLst/>
+            </a:prstTxWarp>
+            <a:noAutofit/>
+          </a:bodyPr>
+          <a:lstStyle/>
+          <a:p>
+            <a:pPr algn="ctr">
+              <a:lnSpc>
+                <a:spcPct val="150000"/>
+              </a:lnSpc>
+            </a:pPr>
+            <a:r>
+              <a:rPr lang="zh-CN" sz="1200" kern="100" dirty="0">
+                <a:effectLst/>
+                <a:latin typeface="+mn-ea"/>
+                <a:cs typeface="宋体" panose="02010600030101010101" pitchFamily="2" charset="-122"/>
+              </a:rPr>
+              <a:t>构建运算环境</a:t>
+            </a:r>
+          </a:p>
+        </p:txBody>
+      </p:sp>
+      <p:grpSp>
+        <p:nvGrpSpPr>
+          <p:cNvPr id="6" name="组合 5">
+            <a:extLst>
+              <a:ext uri="{FF2B5EF4-FFF2-40B4-BE49-F238E27FC236}">
+                <a16:creationId xmlns:a16="http://schemas.microsoft.com/office/drawing/2014/main" id="{44A85126-B19B-C99B-2742-21372787E73C}"/>
+              </a:ext>
+            </a:extLst>
+          </p:cNvPr>
+          <p:cNvGrpSpPr/>
+          <p:nvPr/>
+        </p:nvGrpSpPr>
+        <p:grpSpPr>
+          <a:xfrm>
+            <a:off x="3636513" y="1045963"/>
+            <a:ext cx="4886485" cy="734735"/>
+            <a:chOff x="381662" y="652007"/>
+            <a:chExt cx="4564049" cy="978010"/>
+          </a:xfrm>
+        </p:grpSpPr>
+        <p:sp>
+          <p:nvSpPr>
+            <p:cNvPr id="7" name="矩形: 圆角 6">
+              <a:extLst>
+                <a:ext uri="{FF2B5EF4-FFF2-40B4-BE49-F238E27FC236}">
+                  <a16:creationId xmlns:a16="http://schemas.microsoft.com/office/drawing/2014/main" id="{821D6D4F-88BB-A8BA-7726-91410384CE48}"/>
+                </a:ext>
+              </a:extLst>
+            </p:cNvPr>
+            <p:cNvSpPr/>
+            <p:nvPr/>
+          </p:nvSpPr>
+          <p:spPr>
+            <a:xfrm>
+              <a:off x="381662" y="652007"/>
+              <a:ext cx="4564049" cy="978010"/>
+            </a:xfrm>
+            <a:prstGeom prst="roundRect">
+              <a:avLst/>
+            </a:prstGeom>
+            <a:ln w="19050"/>
+          </p:spPr>
+          <p:style>
+            <a:lnRef idx="2">
+              <a:schemeClr val="dk1"/>
+            </a:lnRef>
+            <a:fillRef idx="1">
+              <a:schemeClr val="lt1"/>
+            </a:fillRef>
+            <a:effectRef idx="0">
+              <a:schemeClr val="dk1"/>
+            </a:effectRef>
+            <a:fontRef idx="minor">
+              <a:schemeClr val="dk1"/>
+            </a:fontRef>
+          </p:style>
+          <p:txBody>
+            <a:bodyPr rot="0" spcFirstLastPara="0" vert="horz" wrap="square" lIns="91440" tIns="0" rIns="91440" bIns="45720" numCol="1" spcCol="0" rtlCol="0" fromWordArt="0" anchor="t" anchorCtr="0" forceAA="0" compatLnSpc="1">
+              <a:prstTxWarp prst="textNoShape">
+                <a:avLst/>
+              </a:prstTxWarp>
+              <a:noAutofit/>
+            </a:bodyPr>
+            <a:lstStyle/>
+            <a:p>
+              <a:pPr algn="ctr">
+                <a:lnSpc>
+                  <a:spcPct val="150000"/>
+                </a:lnSpc>
+              </a:pPr>
+              <a:r>
+                <a:rPr lang="zh-CN" sz="1200" kern="100" dirty="0">
+                  <a:effectLst/>
+                  <a:latin typeface="+mn-ea"/>
+                  <a:cs typeface="宋体" panose="02010600030101010101" pitchFamily="2" charset="-122"/>
+                </a:rPr>
+                <a:t>导入数据</a:t>
+              </a:r>
+            </a:p>
+          </p:txBody>
+        </p:sp>
+        <p:sp>
+          <p:nvSpPr>
+            <p:cNvPr id="8" name="矩形: 圆角 7">
+              <a:extLst>
+                <a:ext uri="{FF2B5EF4-FFF2-40B4-BE49-F238E27FC236}">
+                  <a16:creationId xmlns:a16="http://schemas.microsoft.com/office/drawing/2014/main" id="{40AAA220-2B0B-82C9-57C4-85736E89C95E}"/>
+                </a:ext>
+              </a:extLst>
+            </p:cNvPr>
+            <p:cNvSpPr/>
+            <p:nvPr/>
+          </p:nvSpPr>
+          <p:spPr>
+            <a:xfrm>
+              <a:off x="609892" y="1122782"/>
+              <a:ext cx="1356323" cy="434731"/>
+            </a:xfrm>
+            <a:prstGeom prst="roundRect">
+              <a:avLst/>
+            </a:prstGeom>
+            <a:solidFill>
+              <a:srgbClr val="4472C4"/>
+            </a:solidFill>
+            <a:ln w="19050"/>
+          </p:spPr>
+          <p:style>
+            <a:lnRef idx="2">
+              <a:schemeClr val="dk1"/>
+            </a:lnRef>
+            <a:fillRef idx="1">
+              <a:schemeClr val="lt1"/>
+            </a:fillRef>
+            <a:effectRef idx="0">
+              <a:schemeClr val="dk1"/>
+            </a:effectRef>
+            <a:fontRef idx="minor">
+              <a:schemeClr val="dk1"/>
+            </a:fontRef>
+          </p:style>
+          <p:txBody>
+            <a:bodyPr rot="0" spcFirstLastPara="0" vert="horz" wrap="square" lIns="91440" tIns="0" rIns="91440" bIns="45720" numCol="1" spcCol="0" rtlCol="0" fromWordArt="0" anchor="t" anchorCtr="0" forceAA="0" compatLnSpc="1">
+              <a:prstTxWarp prst="textNoShape">
+                <a:avLst/>
+              </a:prstTxWarp>
+              <a:noAutofit/>
+            </a:bodyPr>
+            <a:lstStyle/>
+            <a:p>
+              <a:pPr algn="ctr">
+                <a:lnSpc>
+                  <a:spcPct val="150000"/>
+                </a:lnSpc>
+              </a:pPr>
+              <a:r>
+                <a:rPr lang="zh-CN" sz="1200" kern="100" dirty="0">
+                  <a:solidFill>
+                    <a:schemeClr val="bg1"/>
+                  </a:solidFill>
+                  <a:effectLst/>
+                  <a:latin typeface="+mn-ea"/>
+                  <a:cs typeface="宋体" panose="02010600030101010101" pitchFamily="2" charset="-122"/>
+                </a:rPr>
+                <a:t>互感矩阵</a:t>
+              </a:r>
+            </a:p>
+          </p:txBody>
+        </p:sp>
+        <p:sp>
+          <p:nvSpPr>
+            <p:cNvPr id="9" name="矩形: 圆角 8">
+              <a:extLst>
+                <a:ext uri="{FF2B5EF4-FFF2-40B4-BE49-F238E27FC236}">
+                  <a16:creationId xmlns:a16="http://schemas.microsoft.com/office/drawing/2014/main" id="{32B0F3E4-6C4B-DB2E-8C9D-43EFA1DCB49D}"/>
+                </a:ext>
+              </a:extLst>
+            </p:cNvPr>
+            <p:cNvSpPr/>
+            <p:nvPr/>
+          </p:nvSpPr>
+          <p:spPr>
+            <a:xfrm>
+              <a:off x="1997384" y="1122782"/>
+              <a:ext cx="1356323" cy="434731"/>
+            </a:xfrm>
+            <a:prstGeom prst="roundRect">
+              <a:avLst/>
+            </a:prstGeom>
+            <a:solidFill>
+              <a:srgbClr val="4472C4"/>
+            </a:solidFill>
+            <a:ln w="19050"/>
+          </p:spPr>
+          <p:style>
+            <a:lnRef idx="2">
+              <a:schemeClr val="dk1"/>
+            </a:lnRef>
+            <a:fillRef idx="1">
+              <a:schemeClr val="lt1"/>
+            </a:fillRef>
+            <a:effectRef idx="0">
+              <a:schemeClr val="dk1"/>
+            </a:effectRef>
+            <a:fontRef idx="minor">
+              <a:schemeClr val="dk1"/>
+            </a:fontRef>
+          </p:style>
+          <p:txBody>
+            <a:bodyPr rot="0" spcFirstLastPara="0" vert="horz" wrap="square" lIns="91440" tIns="0" rIns="91440" bIns="45720" numCol="1" spcCol="0" rtlCol="0" fromWordArt="0" anchor="t" anchorCtr="0" forceAA="0" compatLnSpc="1">
+              <a:prstTxWarp prst="textNoShape">
+                <a:avLst/>
+              </a:prstTxWarp>
+              <a:noAutofit/>
+            </a:bodyPr>
+            <a:lstStyle/>
+            <a:p>
+              <a:pPr algn="ctr">
+                <a:lnSpc>
+                  <a:spcPct val="150000"/>
+                </a:lnSpc>
+              </a:pPr>
+              <a:r>
+                <a:rPr lang="zh-CN" sz="1200" kern="100">
+                  <a:solidFill>
+                    <a:schemeClr val="bg1"/>
+                  </a:solidFill>
+                  <a:effectLst/>
+                  <a:latin typeface="+mn-ea"/>
+                  <a:cs typeface="宋体" panose="02010600030101010101" pitchFamily="2" charset="-122"/>
+                </a:rPr>
+                <a:t>热传导矩阵</a:t>
+              </a:r>
+            </a:p>
+          </p:txBody>
+        </p:sp>
+        <p:sp>
+          <p:nvSpPr>
+            <p:cNvPr id="10" name="矩形: 圆角 9">
+              <a:extLst>
+                <a:ext uri="{FF2B5EF4-FFF2-40B4-BE49-F238E27FC236}">
+                  <a16:creationId xmlns:a16="http://schemas.microsoft.com/office/drawing/2014/main" id="{36E6F0D7-D1D0-2F43-F06E-B40B05783201}"/>
+                </a:ext>
+              </a:extLst>
+            </p:cNvPr>
+            <p:cNvSpPr/>
+            <p:nvPr/>
+          </p:nvSpPr>
+          <p:spPr>
+            <a:xfrm>
+              <a:off x="3385135" y="1122782"/>
+              <a:ext cx="1356323" cy="434731"/>
+            </a:xfrm>
+            <a:prstGeom prst="roundRect">
+              <a:avLst/>
+            </a:prstGeom>
+            <a:solidFill>
+              <a:srgbClr val="4472C4"/>
+            </a:solidFill>
+            <a:ln w="19050"/>
+          </p:spPr>
+          <p:style>
+            <a:lnRef idx="2">
+              <a:schemeClr val="dk1"/>
+            </a:lnRef>
+            <a:fillRef idx="1">
+              <a:schemeClr val="lt1"/>
+            </a:fillRef>
+            <a:effectRef idx="0">
+              <a:schemeClr val="dk1"/>
+            </a:effectRef>
+            <a:fontRef idx="minor">
+              <a:schemeClr val="dk1"/>
+            </a:fontRef>
+          </p:style>
+          <p:txBody>
+            <a:bodyPr rot="0" spcFirstLastPara="0" vert="horz" wrap="square" lIns="91440" tIns="0" rIns="91440" bIns="45720" numCol="1" spcCol="0" rtlCol="0" fromWordArt="0" anchor="t" anchorCtr="0" forceAA="0" compatLnSpc="1">
+              <a:prstTxWarp prst="textNoShape">
+                <a:avLst/>
+              </a:prstTxWarp>
+              <a:noAutofit/>
+            </a:bodyPr>
+            <a:lstStyle/>
+            <a:p>
+              <a:pPr algn="ctr">
+                <a:lnSpc>
+                  <a:spcPct val="150000"/>
+                </a:lnSpc>
+              </a:pPr>
+              <a:r>
+                <a:rPr lang="zh-CN" sz="1200" kern="100">
+                  <a:solidFill>
+                    <a:schemeClr val="bg1"/>
+                  </a:solidFill>
+                  <a:effectLst/>
+                  <a:latin typeface="+mn-ea"/>
+                  <a:cs typeface="宋体" panose="02010600030101010101" pitchFamily="2" charset="-122"/>
+                </a:rPr>
+                <a:t>磁场计算矩阵</a:t>
+              </a:r>
+            </a:p>
+          </p:txBody>
+        </p:sp>
+      </p:grpSp>
+      <p:sp>
+        <p:nvSpPr>
+          <p:cNvPr id="11" name="菱形 10">
+            <a:extLst>
+              <a:ext uri="{FF2B5EF4-FFF2-40B4-BE49-F238E27FC236}">
+                <a16:creationId xmlns:a16="http://schemas.microsoft.com/office/drawing/2014/main" id="{0BB66C34-9612-E3F0-DB0F-7D7863FE2CB1}"/>
+              </a:ext>
+            </a:extLst>
+          </p:cNvPr>
+          <p:cNvSpPr/>
+          <p:nvPr/>
+        </p:nvSpPr>
+        <p:spPr>
+          <a:xfrm>
+            <a:off x="4695439" y="2782991"/>
+            <a:ext cx="2750794" cy="517557"/>
+          </a:xfrm>
+          <a:prstGeom prst="diamond">
+            <a:avLst/>
+          </a:prstGeom>
+          <a:ln w="19050"/>
+        </p:spPr>
+        <p:style>
+          <a:lnRef idx="2">
+            <a:schemeClr val="dk1"/>
+          </a:lnRef>
+          <a:fillRef idx="1">
+            <a:schemeClr val="lt1"/>
+          </a:fillRef>
+          <a:effectRef idx="0">
+            <a:schemeClr val="dk1"/>
+          </a:effectRef>
+          <a:fontRef idx="minor">
+            <a:schemeClr val="dk1"/>
+          </a:fontRef>
+        </p:style>
+        <p:txBody>
+          <a:bodyPr rot="0" spcFirstLastPara="0" vert="horz" wrap="square" lIns="91440" tIns="0" rIns="91440" bIns="45720" numCol="1" spcCol="0" rtlCol="0" fromWordArt="0" anchor="t" anchorCtr="0" forceAA="0" compatLnSpc="1">
+            <a:prstTxWarp prst="textNoShape">
+              <a:avLst/>
+            </a:prstTxWarp>
+            <a:noAutofit/>
+          </a:bodyPr>
+          <a:lstStyle/>
+          <a:p>
+            <a:pPr algn="ctr">
+              <a:lnSpc>
+                <a:spcPct val="150000"/>
+              </a:lnSpc>
+            </a:pPr>
+            <a:r>
+              <a:rPr lang="zh-CN" altLang="en-US" sz="1200" kern="100" dirty="0">
+                <a:latin typeface="+mn-ea"/>
+                <a:cs typeface="宋体" panose="02010600030101010101" pitchFamily="2" charset="-122"/>
+              </a:rPr>
+              <a:t>继续求解？</a:t>
+            </a:r>
+            <a:endParaRPr lang="zh-CN" sz="1200" kern="100" dirty="0">
+              <a:effectLst/>
+              <a:latin typeface="+mn-ea"/>
+              <a:cs typeface="宋体" panose="02010600030101010101" pitchFamily="2" charset="-122"/>
+            </a:endParaRPr>
+          </a:p>
+        </p:txBody>
+      </p:sp>
+      <p:sp>
+        <p:nvSpPr>
+          <p:cNvPr id="12" name="矩形: 圆角 11">
+            <a:extLst>
+              <a:ext uri="{FF2B5EF4-FFF2-40B4-BE49-F238E27FC236}">
+                <a16:creationId xmlns:a16="http://schemas.microsoft.com/office/drawing/2014/main" id="{D8190ECE-D57A-2454-C557-5026D32F47F9}"/>
+              </a:ext>
+            </a:extLst>
+          </p:cNvPr>
+          <p:cNvSpPr/>
+          <p:nvPr/>
+        </p:nvSpPr>
+        <p:spPr>
+          <a:xfrm>
+            <a:off x="5185003" y="3501101"/>
+            <a:ext cx="1779943" cy="326593"/>
+          </a:xfrm>
+          <a:prstGeom prst="roundRect">
+            <a:avLst/>
+          </a:prstGeom>
+          <a:solidFill>
+            <a:srgbClr val="4472C4"/>
+          </a:solidFill>
+          <a:ln w="19050"/>
+        </p:spPr>
+        <p:style>
+          <a:lnRef idx="2">
+            <a:schemeClr val="dk1"/>
+          </a:lnRef>
+          <a:fillRef idx="1">
+            <a:schemeClr val="lt1"/>
+          </a:fillRef>
+          <a:effectRef idx="0">
+            <a:schemeClr val="dk1"/>
+          </a:effectRef>
+          <a:fontRef idx="minor">
+            <a:schemeClr val="dk1"/>
+          </a:fontRef>
+        </p:style>
+        <p:txBody>
+          <a:bodyPr rot="0" spcFirstLastPara="0" vert="horz" wrap="square" lIns="91440" tIns="0" rIns="91440" bIns="45720" numCol="1" spcCol="0" rtlCol="0" fromWordArt="0" anchor="t" anchorCtr="0" forceAA="0" compatLnSpc="1">
+            <a:prstTxWarp prst="textNoShape">
+              <a:avLst/>
+            </a:prstTxWarp>
+            <a:noAutofit/>
+          </a:bodyPr>
+          <a:lstStyle/>
+          <a:p>
+            <a:pPr algn="ctr">
+              <a:lnSpc>
+                <a:spcPct val="150000"/>
+              </a:lnSpc>
+            </a:pPr>
+            <a:r>
+              <a:rPr lang="zh-CN" sz="1200" kern="100">
+                <a:solidFill>
+                  <a:schemeClr val="bg1"/>
+                </a:solidFill>
+                <a:effectLst/>
+                <a:latin typeface="+mn-ea"/>
+                <a:cs typeface="宋体" panose="02010600030101010101" pitchFamily="2" charset="-122"/>
+              </a:rPr>
+              <a:t>计算结果预测</a:t>
+            </a:r>
+          </a:p>
+        </p:txBody>
+      </p:sp>
+      <p:sp>
+        <p:nvSpPr>
+          <p:cNvPr id="13" name="矩形: 圆角 12">
+            <a:extLst>
+              <a:ext uri="{FF2B5EF4-FFF2-40B4-BE49-F238E27FC236}">
+                <a16:creationId xmlns:a16="http://schemas.microsoft.com/office/drawing/2014/main" id="{1688B767-6B71-B216-29BE-23A0C4F5CB19}"/>
+              </a:ext>
+            </a:extLst>
+          </p:cNvPr>
+          <p:cNvSpPr/>
+          <p:nvPr/>
+        </p:nvSpPr>
+        <p:spPr>
+          <a:xfrm>
+            <a:off x="4879038" y="3956785"/>
+            <a:ext cx="2381744" cy="326593"/>
+          </a:xfrm>
+          <a:prstGeom prst="roundRect">
+            <a:avLst/>
+          </a:prstGeom>
+          <a:solidFill>
+            <a:schemeClr val="accent2">
+              <a:lumMod val="75000"/>
+            </a:schemeClr>
+          </a:solidFill>
+          <a:ln w="19050"/>
+        </p:spPr>
+        <p:style>
+          <a:lnRef idx="2">
+            <a:schemeClr val="dk1"/>
+          </a:lnRef>
+          <a:fillRef idx="1">
+            <a:schemeClr val="lt1"/>
+          </a:fillRef>
+          <a:effectRef idx="0">
+            <a:schemeClr val="dk1"/>
+          </a:effectRef>
+          <a:fontRef idx="minor">
+            <a:schemeClr val="dk1"/>
+          </a:fontRef>
+        </p:style>
+        <p:txBody>
+          <a:bodyPr rot="0" spcFirstLastPara="0" vert="horz" wrap="square" lIns="91440" tIns="0" rIns="91440" bIns="45720" numCol="1" spcCol="0" rtlCol="0" fromWordArt="0" anchor="t" anchorCtr="0" forceAA="0" compatLnSpc="1">
+            <a:prstTxWarp prst="textNoShape">
+              <a:avLst/>
+            </a:prstTxWarp>
+            <a:noAutofit/>
+          </a:bodyPr>
+          <a:lstStyle/>
+          <a:p>
+            <a:pPr algn="ctr">
+              <a:lnSpc>
+                <a:spcPct val="150000"/>
+              </a:lnSpc>
+            </a:pPr>
+            <a:r>
+              <a:rPr lang="zh-CN" sz="1200" kern="100">
+                <a:solidFill>
+                  <a:schemeClr val="bg1"/>
+                </a:solidFill>
+                <a:effectLst/>
+                <a:latin typeface="+mn-ea"/>
+                <a:cs typeface="宋体" panose="02010600030101010101" pitchFamily="2" charset="-122"/>
+              </a:rPr>
+              <a:t>系数、常数矩阵构建</a:t>
+            </a:r>
+          </a:p>
+        </p:txBody>
+      </p:sp>
+      <p:sp>
+        <p:nvSpPr>
+          <p:cNvPr id="14" name="矩形: 圆角 13">
+            <a:extLst>
+              <a:ext uri="{FF2B5EF4-FFF2-40B4-BE49-F238E27FC236}">
+                <a16:creationId xmlns:a16="http://schemas.microsoft.com/office/drawing/2014/main" id="{D6A0FA16-D7C7-4859-DC3F-D616AFBA643F}"/>
+              </a:ext>
+            </a:extLst>
+          </p:cNvPr>
+          <p:cNvSpPr/>
+          <p:nvPr/>
+        </p:nvSpPr>
+        <p:spPr>
+          <a:xfrm>
+            <a:off x="5184428" y="4420969"/>
+            <a:ext cx="1779943" cy="326593"/>
+          </a:xfrm>
+          <a:prstGeom prst="roundRect">
+            <a:avLst/>
+          </a:prstGeom>
+          <a:solidFill>
+            <a:schemeClr val="accent2">
+              <a:lumMod val="75000"/>
+            </a:schemeClr>
+          </a:solidFill>
+          <a:ln w="19050"/>
+        </p:spPr>
+        <p:style>
+          <a:lnRef idx="2">
+            <a:schemeClr val="dk1"/>
+          </a:lnRef>
+          <a:fillRef idx="1">
+            <a:schemeClr val="lt1"/>
+          </a:fillRef>
+          <a:effectRef idx="0">
+            <a:schemeClr val="dk1"/>
+          </a:effectRef>
+          <a:fontRef idx="minor">
+            <a:schemeClr val="dk1"/>
+          </a:fontRef>
+        </p:style>
+        <p:txBody>
+          <a:bodyPr rot="0" spcFirstLastPara="0" vert="horz" wrap="square" lIns="91440" tIns="0" rIns="91440" bIns="45720" numCol="1" spcCol="0" rtlCol="0" fromWordArt="0" anchor="t" anchorCtr="0" forceAA="0" compatLnSpc="1">
+            <a:prstTxWarp prst="textNoShape">
+              <a:avLst/>
+            </a:prstTxWarp>
+            <a:noAutofit/>
+          </a:bodyPr>
+          <a:lstStyle/>
+          <a:p>
+            <a:pPr algn="ctr">
+              <a:lnSpc>
+                <a:spcPct val="150000"/>
+              </a:lnSpc>
+            </a:pPr>
+            <a:r>
+              <a:rPr lang="zh-CN" sz="1200" kern="100">
+                <a:solidFill>
+                  <a:schemeClr val="bg1"/>
+                </a:solidFill>
+                <a:effectLst/>
+                <a:latin typeface="+mn-ea"/>
+                <a:cs typeface="宋体" panose="02010600030101010101" pitchFamily="2" charset="-122"/>
+              </a:rPr>
+              <a:t>方程求解</a:t>
+            </a:r>
+          </a:p>
+        </p:txBody>
+      </p:sp>
+      <p:sp>
+        <p:nvSpPr>
+          <p:cNvPr id="15" name="矩形: 圆角 14">
+            <a:extLst>
+              <a:ext uri="{FF2B5EF4-FFF2-40B4-BE49-F238E27FC236}">
+                <a16:creationId xmlns:a16="http://schemas.microsoft.com/office/drawing/2014/main" id="{16196844-A52E-63F9-FA7F-C314DE5FF0CE}"/>
+              </a:ext>
+            </a:extLst>
+          </p:cNvPr>
+          <p:cNvSpPr/>
+          <p:nvPr/>
+        </p:nvSpPr>
+        <p:spPr>
+          <a:xfrm>
+            <a:off x="5222921" y="5677894"/>
+            <a:ext cx="1779943" cy="326593"/>
+          </a:xfrm>
+          <a:prstGeom prst="roundRect">
+            <a:avLst/>
+          </a:prstGeom>
+          <a:ln w="19050"/>
+        </p:spPr>
+        <p:style>
+          <a:lnRef idx="2">
+            <a:schemeClr val="dk1"/>
+          </a:lnRef>
+          <a:fillRef idx="1">
+            <a:schemeClr val="lt1"/>
+          </a:fillRef>
+          <a:effectRef idx="0">
+            <a:schemeClr val="dk1"/>
+          </a:effectRef>
+          <a:fontRef idx="minor">
+            <a:schemeClr val="dk1"/>
+          </a:fontRef>
+        </p:style>
+        <p:txBody>
+          <a:bodyPr rot="0" spcFirstLastPara="0" vert="horz" wrap="square" lIns="91440" tIns="0" rIns="91440" bIns="45720" numCol="1" spcCol="0" rtlCol="0" fromWordArt="0" anchor="t" anchorCtr="0" forceAA="0" compatLnSpc="1">
+            <a:prstTxWarp prst="textNoShape">
+              <a:avLst/>
+            </a:prstTxWarp>
+            <a:noAutofit/>
+          </a:bodyPr>
+          <a:lstStyle/>
+          <a:p>
+            <a:pPr algn="ctr">
+              <a:lnSpc>
+                <a:spcPct val="150000"/>
+              </a:lnSpc>
+            </a:pPr>
+            <a:r>
+              <a:rPr lang="zh-CN" sz="1200" kern="100" dirty="0">
+                <a:effectLst/>
+                <a:latin typeface="+mn-ea"/>
+                <a:cs typeface="宋体" panose="02010600030101010101" pitchFamily="2" charset="-122"/>
+              </a:rPr>
+              <a:t>结束循环</a:t>
+            </a:r>
+          </a:p>
+        </p:txBody>
+      </p:sp>
+      <p:grpSp>
+        <p:nvGrpSpPr>
+          <p:cNvPr id="16" name="组合 15">
+            <a:extLst>
+              <a:ext uri="{FF2B5EF4-FFF2-40B4-BE49-F238E27FC236}">
+                <a16:creationId xmlns:a16="http://schemas.microsoft.com/office/drawing/2014/main" id="{3DC8CA0D-12E5-3BDC-1480-9BC5AC90D49C}"/>
+              </a:ext>
+            </a:extLst>
+          </p:cNvPr>
+          <p:cNvGrpSpPr/>
+          <p:nvPr/>
+        </p:nvGrpSpPr>
+        <p:grpSpPr>
+          <a:xfrm>
+            <a:off x="3630188" y="1915924"/>
+            <a:ext cx="4885480" cy="734652"/>
+            <a:chOff x="0" y="0"/>
+            <a:chExt cx="4564049" cy="978010"/>
+          </a:xfrm>
+        </p:grpSpPr>
+        <p:sp>
+          <p:nvSpPr>
+            <p:cNvPr id="17" name="矩形: 圆角 16">
+              <a:extLst>
+                <a:ext uri="{FF2B5EF4-FFF2-40B4-BE49-F238E27FC236}">
+                  <a16:creationId xmlns:a16="http://schemas.microsoft.com/office/drawing/2014/main" id="{8B709576-E931-E157-9204-AED027FF1D78}"/>
+                </a:ext>
+              </a:extLst>
+            </p:cNvPr>
+            <p:cNvSpPr/>
+            <p:nvPr/>
+          </p:nvSpPr>
+          <p:spPr>
+            <a:xfrm>
+              <a:off x="0" y="0"/>
+              <a:ext cx="4564049" cy="978010"/>
+            </a:xfrm>
+            <a:prstGeom prst="roundRect">
+              <a:avLst/>
+            </a:prstGeom>
+            <a:ln w="19050"/>
+          </p:spPr>
+          <p:style>
+            <a:lnRef idx="2">
+              <a:schemeClr val="dk1"/>
+            </a:lnRef>
+            <a:fillRef idx="1">
+              <a:schemeClr val="lt1"/>
+            </a:fillRef>
+            <a:effectRef idx="0">
+              <a:schemeClr val="dk1"/>
+            </a:effectRef>
+            <a:fontRef idx="minor">
+              <a:schemeClr val="dk1"/>
+            </a:fontRef>
+          </p:style>
+          <p:txBody>
+            <a:bodyPr rot="0" spcFirstLastPara="0" vert="horz" wrap="square" lIns="91440" tIns="0" rIns="91440" bIns="45720" numCol="1" spcCol="0" rtlCol="0" fromWordArt="0" anchor="t" anchorCtr="0" forceAA="0" compatLnSpc="1">
+              <a:prstTxWarp prst="textNoShape">
+                <a:avLst/>
+              </a:prstTxWarp>
+              <a:noAutofit/>
+            </a:bodyPr>
+            <a:lstStyle/>
+            <a:p>
+              <a:pPr algn="ctr">
+                <a:lnSpc>
+                  <a:spcPct val="150000"/>
+                </a:lnSpc>
+              </a:pPr>
+              <a:r>
+                <a:rPr lang="zh-CN" sz="1200" kern="100">
+                  <a:effectLst/>
+                  <a:latin typeface="+mn-ea"/>
+                  <a:cs typeface="宋体" panose="02010600030101010101" pitchFamily="2" charset="-122"/>
+                </a:rPr>
+                <a:t>数据预处理</a:t>
+              </a:r>
+            </a:p>
+          </p:txBody>
+        </p:sp>
+        <p:sp>
+          <p:nvSpPr>
+            <p:cNvPr id="18" name="矩形: 圆角 17">
+              <a:extLst>
+                <a:ext uri="{FF2B5EF4-FFF2-40B4-BE49-F238E27FC236}">
+                  <a16:creationId xmlns:a16="http://schemas.microsoft.com/office/drawing/2014/main" id="{F007D8D8-C9A7-3777-85CE-0E0D05BA3192}"/>
+                </a:ext>
+              </a:extLst>
+            </p:cNvPr>
+            <p:cNvSpPr/>
+            <p:nvPr/>
+          </p:nvSpPr>
+          <p:spPr>
+            <a:xfrm>
+              <a:off x="228230" y="460640"/>
+              <a:ext cx="1356323" cy="434731"/>
+            </a:xfrm>
+            <a:prstGeom prst="roundRect">
+              <a:avLst/>
+            </a:prstGeom>
+            <a:ln w="19050"/>
+          </p:spPr>
+          <p:style>
+            <a:lnRef idx="2">
+              <a:schemeClr val="dk1"/>
+            </a:lnRef>
+            <a:fillRef idx="1">
+              <a:schemeClr val="lt1"/>
+            </a:fillRef>
+            <a:effectRef idx="0">
+              <a:schemeClr val="dk1"/>
+            </a:effectRef>
+            <a:fontRef idx="minor">
+              <a:schemeClr val="dk1"/>
+            </a:fontRef>
+          </p:style>
+          <p:txBody>
+            <a:bodyPr rot="0" spcFirstLastPara="0" vert="horz" wrap="square" lIns="91440" tIns="0" rIns="91440" bIns="45720" numCol="1" spcCol="0" rtlCol="0" fromWordArt="0" anchor="t" anchorCtr="0" forceAA="0" compatLnSpc="1">
+              <a:prstTxWarp prst="textNoShape">
+                <a:avLst/>
+              </a:prstTxWarp>
+              <a:noAutofit/>
+            </a:bodyPr>
+            <a:lstStyle/>
+            <a:p>
+              <a:pPr algn="ctr">
+                <a:lnSpc>
+                  <a:spcPct val="150000"/>
+                </a:lnSpc>
+              </a:pPr>
+              <a:r>
+                <a:rPr lang="zh-CN" sz="1200" kern="100">
+                  <a:effectLst/>
+                  <a:latin typeface="+mn-ea"/>
+                  <a:cs typeface="宋体" panose="02010600030101010101" pitchFamily="2" charset="-122"/>
+                </a:rPr>
+                <a:t>初始化变量</a:t>
+              </a:r>
+            </a:p>
+          </p:txBody>
+        </p:sp>
+        <p:sp>
+          <p:nvSpPr>
+            <p:cNvPr id="19" name="矩形: 圆角 18">
+              <a:extLst>
+                <a:ext uri="{FF2B5EF4-FFF2-40B4-BE49-F238E27FC236}">
+                  <a16:creationId xmlns:a16="http://schemas.microsoft.com/office/drawing/2014/main" id="{682940D8-251B-D870-7298-DE8C5370A2F5}"/>
+                </a:ext>
+              </a:extLst>
+            </p:cNvPr>
+            <p:cNvSpPr/>
+            <p:nvPr/>
+          </p:nvSpPr>
+          <p:spPr>
+            <a:xfrm>
+              <a:off x="1615722" y="460640"/>
+              <a:ext cx="1356323" cy="434731"/>
+            </a:xfrm>
+            <a:prstGeom prst="roundRect">
+              <a:avLst/>
+            </a:prstGeom>
+            <a:ln w="19050"/>
+          </p:spPr>
+          <p:style>
+            <a:lnRef idx="2">
+              <a:schemeClr val="dk1"/>
+            </a:lnRef>
+            <a:fillRef idx="1">
+              <a:schemeClr val="lt1"/>
+            </a:fillRef>
+            <a:effectRef idx="0">
+              <a:schemeClr val="dk1"/>
+            </a:effectRef>
+            <a:fontRef idx="minor">
+              <a:schemeClr val="dk1"/>
+            </a:fontRef>
+          </p:style>
+          <p:txBody>
+            <a:bodyPr rot="0" spcFirstLastPara="0" vert="horz" wrap="square" lIns="91440" tIns="0" rIns="91440" bIns="45720" numCol="1" spcCol="0" rtlCol="0" fromWordArt="0" anchor="t" anchorCtr="0" forceAA="0" compatLnSpc="1">
+              <a:prstTxWarp prst="textNoShape">
+                <a:avLst/>
+              </a:prstTxWarp>
+              <a:noAutofit/>
+            </a:bodyPr>
+            <a:lstStyle/>
+            <a:p>
+              <a:pPr algn="ctr">
+                <a:lnSpc>
+                  <a:spcPct val="150000"/>
+                </a:lnSpc>
+              </a:pPr>
+              <a:r>
+                <a:rPr lang="zh-CN" sz="1200" kern="100" dirty="0">
+                  <a:effectLst/>
+                  <a:latin typeface="+mn-ea"/>
+                  <a:cs typeface="宋体" panose="02010600030101010101" pitchFamily="2" charset="-122"/>
+                </a:rPr>
+                <a:t>矩阵拼接</a:t>
+              </a:r>
+            </a:p>
+          </p:txBody>
+        </p:sp>
+        <p:sp>
+          <p:nvSpPr>
+            <p:cNvPr id="20" name="矩形: 圆角 19">
+              <a:extLst>
+                <a:ext uri="{FF2B5EF4-FFF2-40B4-BE49-F238E27FC236}">
+                  <a16:creationId xmlns:a16="http://schemas.microsoft.com/office/drawing/2014/main" id="{8725D605-9035-B3BC-FA49-F5C07792B5AB}"/>
+                </a:ext>
+              </a:extLst>
+            </p:cNvPr>
+            <p:cNvSpPr/>
+            <p:nvPr/>
+          </p:nvSpPr>
+          <p:spPr>
+            <a:xfrm>
+              <a:off x="3003473" y="460640"/>
+              <a:ext cx="1356323" cy="434731"/>
+            </a:xfrm>
+            <a:prstGeom prst="roundRect">
+              <a:avLst/>
+            </a:prstGeom>
+            <a:ln w="19050"/>
+          </p:spPr>
+          <p:style>
+            <a:lnRef idx="2">
+              <a:schemeClr val="dk1"/>
+            </a:lnRef>
+            <a:fillRef idx="1">
+              <a:schemeClr val="lt1"/>
+            </a:fillRef>
+            <a:effectRef idx="0">
+              <a:schemeClr val="dk1"/>
+            </a:effectRef>
+            <a:fontRef idx="minor">
+              <a:schemeClr val="dk1"/>
+            </a:fontRef>
+          </p:style>
+          <p:txBody>
+            <a:bodyPr rot="0" spcFirstLastPara="0" vert="horz" wrap="square" lIns="91440" tIns="0" rIns="91440" bIns="45720" numCol="1" spcCol="0" rtlCol="0" fromWordArt="0" anchor="t" anchorCtr="0" forceAA="0" compatLnSpc="1">
+              <a:prstTxWarp prst="textNoShape">
+                <a:avLst/>
+              </a:prstTxWarp>
+              <a:noAutofit/>
+            </a:bodyPr>
+            <a:lstStyle/>
+            <a:p>
+              <a:pPr algn="ctr">
+                <a:lnSpc>
+                  <a:spcPct val="150000"/>
+                </a:lnSpc>
+              </a:pPr>
+              <a:r>
+                <a:rPr lang="zh-CN" sz="1200" kern="100">
+                  <a:effectLst/>
+                  <a:latin typeface="+mn-ea"/>
+                  <a:cs typeface="宋体" panose="02010600030101010101" pitchFamily="2" charset="-122"/>
+                </a:rPr>
+                <a:t>初始化记录文件</a:t>
+              </a:r>
+            </a:p>
+          </p:txBody>
+        </p:sp>
+      </p:grpSp>
+      <p:grpSp>
+        <p:nvGrpSpPr>
+          <p:cNvPr id="21" name="组合 20">
+            <a:extLst>
+              <a:ext uri="{FF2B5EF4-FFF2-40B4-BE49-F238E27FC236}">
+                <a16:creationId xmlns:a16="http://schemas.microsoft.com/office/drawing/2014/main" id="{5DEBC38D-E406-EDB3-D8AB-DA5194E21D0B}"/>
+              </a:ext>
+            </a:extLst>
+          </p:cNvPr>
+          <p:cNvGrpSpPr/>
+          <p:nvPr/>
+        </p:nvGrpSpPr>
+        <p:grpSpPr>
+          <a:xfrm>
+            <a:off x="3631217" y="4843264"/>
+            <a:ext cx="4884800" cy="789156"/>
+            <a:chOff x="0" y="-1"/>
+            <a:chExt cx="4564049" cy="1050568"/>
+          </a:xfrm>
+        </p:grpSpPr>
+        <p:sp>
+          <p:nvSpPr>
+            <p:cNvPr id="22" name="矩形: 圆角 21">
+              <a:extLst>
+                <a:ext uri="{FF2B5EF4-FFF2-40B4-BE49-F238E27FC236}">
+                  <a16:creationId xmlns:a16="http://schemas.microsoft.com/office/drawing/2014/main" id="{03E874BD-F8DB-CA26-ADC0-9173F0AF9D25}"/>
+                </a:ext>
+              </a:extLst>
+            </p:cNvPr>
+            <p:cNvSpPr/>
+            <p:nvPr/>
+          </p:nvSpPr>
+          <p:spPr>
+            <a:xfrm>
+              <a:off x="0" y="-1"/>
+              <a:ext cx="4564049" cy="1050568"/>
+            </a:xfrm>
+            <a:prstGeom prst="roundRect">
+              <a:avLst/>
+            </a:prstGeom>
+            <a:ln w="19050"/>
+          </p:spPr>
+          <p:style>
+            <a:lnRef idx="2">
+              <a:schemeClr val="dk1"/>
+            </a:lnRef>
+            <a:fillRef idx="1">
+              <a:schemeClr val="lt1"/>
+            </a:fillRef>
+            <a:effectRef idx="0">
+              <a:schemeClr val="dk1"/>
+            </a:effectRef>
+            <a:fontRef idx="minor">
+              <a:schemeClr val="dk1"/>
+            </a:fontRef>
+          </p:style>
+          <p:txBody>
+            <a:bodyPr rot="0" spcFirstLastPara="0" vert="horz" wrap="square" lIns="91440" tIns="0" rIns="91440" bIns="45720" numCol="1" spcCol="0" rtlCol="0" fromWordArt="0" anchor="t" anchorCtr="0" forceAA="0" compatLnSpc="1">
+              <a:prstTxWarp prst="textNoShape">
+                <a:avLst/>
+              </a:prstTxWarp>
+              <a:noAutofit/>
+            </a:bodyPr>
+            <a:lstStyle/>
+            <a:p>
+              <a:pPr algn="ctr">
+                <a:lnSpc>
+                  <a:spcPct val="150000"/>
+                </a:lnSpc>
+              </a:pPr>
+              <a:r>
+                <a:rPr lang="zh-CN" sz="1200" kern="100" dirty="0">
+                  <a:effectLst/>
+                  <a:latin typeface="+mn-ea"/>
+                  <a:cs typeface="宋体" panose="02010600030101010101" pitchFamily="2" charset="-122"/>
+                </a:rPr>
+                <a:t>本轮计算结束</a:t>
+              </a:r>
+            </a:p>
+          </p:txBody>
+        </p:sp>
+        <p:sp>
+          <p:nvSpPr>
+            <p:cNvPr id="23" name="矩形: 圆角 22">
+              <a:extLst>
+                <a:ext uri="{FF2B5EF4-FFF2-40B4-BE49-F238E27FC236}">
+                  <a16:creationId xmlns:a16="http://schemas.microsoft.com/office/drawing/2014/main" id="{9ACF55AF-8B2D-E435-268F-42538F63BD29}"/>
+                </a:ext>
+              </a:extLst>
+            </p:cNvPr>
+            <p:cNvSpPr/>
+            <p:nvPr/>
+          </p:nvSpPr>
+          <p:spPr>
+            <a:xfrm>
+              <a:off x="228230" y="521505"/>
+              <a:ext cx="1356323" cy="434731"/>
+            </a:xfrm>
+            <a:prstGeom prst="roundRect">
+              <a:avLst/>
+            </a:prstGeom>
+            <a:ln w="19050"/>
+          </p:spPr>
+          <p:style>
+            <a:lnRef idx="2">
+              <a:schemeClr val="dk1"/>
+            </a:lnRef>
+            <a:fillRef idx="1">
+              <a:schemeClr val="lt1"/>
+            </a:fillRef>
+            <a:effectRef idx="0">
+              <a:schemeClr val="dk1"/>
+            </a:effectRef>
+            <a:fontRef idx="minor">
+              <a:schemeClr val="dk1"/>
+            </a:fontRef>
+          </p:style>
+          <p:txBody>
+            <a:bodyPr rot="0" spcFirstLastPara="0" vert="horz" wrap="square" lIns="91440" tIns="0" rIns="91440" bIns="45720" numCol="1" spcCol="0" rtlCol="0" fromWordArt="0" anchor="t" anchorCtr="0" forceAA="0" compatLnSpc="1">
+              <a:prstTxWarp prst="textNoShape">
+                <a:avLst/>
+              </a:prstTxWarp>
+              <a:noAutofit/>
+            </a:bodyPr>
+            <a:lstStyle/>
+            <a:p>
+              <a:pPr algn="ctr">
+                <a:lnSpc>
+                  <a:spcPct val="150000"/>
+                </a:lnSpc>
+              </a:pPr>
+              <a:r>
+                <a:rPr lang="zh-CN" sz="1200" kern="100" dirty="0">
+                  <a:effectLst/>
+                  <a:latin typeface="+mn-ea"/>
+                  <a:cs typeface="宋体" panose="02010600030101010101" pitchFamily="2" charset="-122"/>
+                </a:rPr>
+                <a:t>显示计算结果</a:t>
+              </a:r>
+            </a:p>
+          </p:txBody>
+        </p:sp>
+        <p:sp>
+          <p:nvSpPr>
+            <p:cNvPr id="24" name="矩形: 圆角 23">
+              <a:extLst>
+                <a:ext uri="{FF2B5EF4-FFF2-40B4-BE49-F238E27FC236}">
+                  <a16:creationId xmlns:a16="http://schemas.microsoft.com/office/drawing/2014/main" id="{33AB18C4-A57C-91CE-3A3D-77960E258E64}"/>
+                </a:ext>
+              </a:extLst>
+            </p:cNvPr>
+            <p:cNvSpPr/>
+            <p:nvPr/>
+          </p:nvSpPr>
+          <p:spPr>
+            <a:xfrm>
+              <a:off x="1615722" y="521505"/>
+              <a:ext cx="1356323" cy="434731"/>
+            </a:xfrm>
+            <a:prstGeom prst="roundRect">
+              <a:avLst/>
+            </a:prstGeom>
+            <a:ln w="19050"/>
+          </p:spPr>
+          <p:style>
+            <a:lnRef idx="2">
+              <a:schemeClr val="dk1"/>
+            </a:lnRef>
+            <a:fillRef idx="1">
+              <a:schemeClr val="lt1"/>
+            </a:fillRef>
+            <a:effectRef idx="0">
+              <a:schemeClr val="dk1"/>
+            </a:effectRef>
+            <a:fontRef idx="minor">
+              <a:schemeClr val="dk1"/>
+            </a:fontRef>
+          </p:style>
+          <p:txBody>
+            <a:bodyPr rot="0" spcFirstLastPara="0" vert="horz" wrap="square" lIns="91440" tIns="0" rIns="91440" bIns="45720" numCol="1" spcCol="0" rtlCol="0" fromWordArt="0" anchor="t" anchorCtr="0" forceAA="0" compatLnSpc="1">
+              <a:prstTxWarp prst="textNoShape">
+                <a:avLst/>
+              </a:prstTxWarp>
+              <a:noAutofit/>
+            </a:bodyPr>
+            <a:lstStyle/>
+            <a:p>
+              <a:pPr algn="ctr">
+                <a:lnSpc>
+                  <a:spcPct val="150000"/>
+                </a:lnSpc>
+              </a:pPr>
+              <a:r>
+                <a:rPr lang="zh-CN" sz="1200" kern="100">
+                  <a:effectLst/>
+                  <a:latin typeface="+mn-ea"/>
+                  <a:cs typeface="宋体" panose="02010600030101010101" pitchFamily="2" charset="-122"/>
+                </a:rPr>
+                <a:t>显示计算时长</a:t>
+              </a:r>
+            </a:p>
+          </p:txBody>
+        </p:sp>
+        <p:sp>
+          <p:nvSpPr>
+            <p:cNvPr id="25" name="矩形: 圆角 24">
+              <a:extLst>
+                <a:ext uri="{FF2B5EF4-FFF2-40B4-BE49-F238E27FC236}">
+                  <a16:creationId xmlns:a16="http://schemas.microsoft.com/office/drawing/2014/main" id="{BC179A88-D612-656C-632E-B25E85D591AD}"/>
+                </a:ext>
+              </a:extLst>
+            </p:cNvPr>
+            <p:cNvSpPr/>
+            <p:nvPr/>
+          </p:nvSpPr>
+          <p:spPr>
+            <a:xfrm>
+              <a:off x="3003473" y="521505"/>
+              <a:ext cx="1356323" cy="434731"/>
+            </a:xfrm>
+            <a:prstGeom prst="roundRect">
+              <a:avLst/>
+            </a:prstGeom>
+            <a:ln w="19050"/>
+          </p:spPr>
+          <p:style>
+            <a:lnRef idx="2">
+              <a:schemeClr val="dk1"/>
+            </a:lnRef>
+            <a:fillRef idx="1">
+              <a:schemeClr val="lt1"/>
+            </a:fillRef>
+            <a:effectRef idx="0">
+              <a:schemeClr val="dk1"/>
+            </a:effectRef>
+            <a:fontRef idx="minor">
+              <a:schemeClr val="dk1"/>
+            </a:fontRef>
+          </p:style>
+          <p:txBody>
+            <a:bodyPr rot="0" spcFirstLastPara="0" vert="horz" wrap="square" lIns="91440" tIns="0" rIns="91440" bIns="45720" numCol="1" spcCol="0" rtlCol="0" fromWordArt="0" anchor="t" anchorCtr="0" forceAA="0" compatLnSpc="1">
+              <a:prstTxWarp prst="textNoShape">
+                <a:avLst/>
+              </a:prstTxWarp>
+              <a:noAutofit/>
+            </a:bodyPr>
+            <a:lstStyle/>
+            <a:p>
+              <a:pPr algn="ctr">
+                <a:lnSpc>
+                  <a:spcPct val="150000"/>
+                </a:lnSpc>
+              </a:pPr>
+              <a:r>
+                <a:rPr lang="zh-CN" sz="1200" kern="100">
+                  <a:effectLst/>
+                  <a:latin typeface="+mn-ea"/>
+                  <a:cs typeface="宋体" panose="02010600030101010101" pitchFamily="2" charset="-122"/>
+                </a:rPr>
+                <a:t>记录数据</a:t>
+              </a:r>
+            </a:p>
+          </p:txBody>
+        </p:sp>
+      </p:grpSp>
+      <p:sp>
+        <p:nvSpPr>
+          <p:cNvPr id="26" name="矩形: 圆角 25">
+            <a:extLst>
+              <a:ext uri="{FF2B5EF4-FFF2-40B4-BE49-F238E27FC236}">
+                <a16:creationId xmlns:a16="http://schemas.microsoft.com/office/drawing/2014/main" id="{DE02FB0C-AF38-C010-6F0D-DCBB7098E42E}"/>
+              </a:ext>
+            </a:extLst>
+          </p:cNvPr>
+          <p:cNvSpPr/>
+          <p:nvPr/>
+        </p:nvSpPr>
+        <p:spPr>
+          <a:xfrm>
+            <a:off x="5223719" y="6158320"/>
+            <a:ext cx="1779196" cy="326300"/>
+          </a:xfrm>
+          <a:prstGeom prst="roundRect">
+            <a:avLst/>
+          </a:prstGeom>
+          <a:ln w="19050"/>
+        </p:spPr>
+        <p:style>
+          <a:lnRef idx="2">
+            <a:schemeClr val="dk1"/>
+          </a:lnRef>
+          <a:fillRef idx="1">
+            <a:schemeClr val="lt1"/>
+          </a:fillRef>
+          <a:effectRef idx="0">
+            <a:schemeClr val="dk1"/>
+          </a:effectRef>
+          <a:fontRef idx="minor">
+            <a:schemeClr val="dk1"/>
+          </a:fontRef>
+        </p:style>
+        <p:txBody>
+          <a:bodyPr rot="0" spcFirstLastPara="0" vert="horz" wrap="square" lIns="91440" tIns="0" rIns="91440" bIns="45720" numCol="1" spcCol="0" rtlCol="0" fromWordArt="0" anchor="t" anchorCtr="0" forceAA="0" compatLnSpc="1">
+            <a:prstTxWarp prst="textNoShape">
+              <a:avLst/>
+            </a:prstTxWarp>
+            <a:noAutofit/>
+          </a:bodyPr>
+          <a:lstStyle/>
+          <a:p>
+            <a:pPr algn="ctr">
+              <a:lnSpc>
+                <a:spcPct val="150000"/>
+              </a:lnSpc>
+            </a:pPr>
+            <a:r>
+              <a:rPr lang="zh-CN" sz="1200" kern="100" dirty="0">
+                <a:effectLst/>
+                <a:latin typeface="+mn-ea"/>
+                <a:cs typeface="宋体" panose="02010600030101010101" pitchFamily="2" charset="-122"/>
+              </a:rPr>
+              <a:t>数据</a:t>
+            </a:r>
+            <a:r>
+              <a:rPr lang="zh-CN" altLang="en-US" sz="1200" kern="100" dirty="0">
+                <a:effectLst/>
+                <a:latin typeface="+mn-ea"/>
+                <a:cs typeface="宋体" panose="02010600030101010101" pitchFamily="2" charset="-122"/>
+              </a:rPr>
+              <a:t>存档</a:t>
+            </a:r>
+            <a:endParaRPr lang="zh-CN" sz="1200" kern="100" dirty="0">
+              <a:effectLst/>
+              <a:latin typeface="+mn-ea"/>
+              <a:cs typeface="宋体" panose="02010600030101010101" pitchFamily="2" charset="-122"/>
+            </a:endParaRPr>
+          </a:p>
+        </p:txBody>
+      </p:sp>
+      <p:cxnSp>
+        <p:nvCxnSpPr>
+          <p:cNvPr id="27" name="连接符: 肘形 26">
+            <a:extLst>
+              <a:ext uri="{FF2B5EF4-FFF2-40B4-BE49-F238E27FC236}">
+                <a16:creationId xmlns:a16="http://schemas.microsoft.com/office/drawing/2014/main" id="{1E9EC1E1-AFC8-1D1C-50A8-EA51F8554F2D}"/>
+              </a:ext>
+            </a:extLst>
+          </p:cNvPr>
+          <p:cNvCxnSpPr>
+            <a:stCxn id="5" idx="2"/>
+            <a:endCxn id="7" idx="0"/>
+          </p:cNvCxnSpPr>
+          <p:nvPr/>
+        </p:nvCxnSpPr>
+        <p:spPr>
+          <a:xfrm rot="5400000">
+            <a:off x="6027074" y="991331"/>
+            <a:ext cx="107316" cy="1950"/>
+          </a:xfrm>
+          <a:prstGeom prst="bentConnector3">
+            <a:avLst/>
+          </a:prstGeom>
+          <a:ln w="19050">
+            <a:tailEnd type="triangle"/>
+          </a:ln>
+        </p:spPr>
+        <p:style>
+          <a:lnRef idx="2">
+            <a:schemeClr val="dk1"/>
+          </a:lnRef>
+          <a:fillRef idx="1">
+            <a:schemeClr val="lt1"/>
+          </a:fillRef>
+          <a:effectRef idx="0">
+            <a:schemeClr val="dk1"/>
+          </a:effectRef>
+          <a:fontRef idx="minor">
+            <a:schemeClr val="dk1"/>
+          </a:fontRef>
+        </p:style>
+      </p:cxnSp>
+      <p:cxnSp>
+        <p:nvCxnSpPr>
+          <p:cNvPr id="28" name="连接符: 肘形 27">
+            <a:extLst>
+              <a:ext uri="{FF2B5EF4-FFF2-40B4-BE49-F238E27FC236}">
+                <a16:creationId xmlns:a16="http://schemas.microsoft.com/office/drawing/2014/main" id="{A7CBE4CA-9AD3-CE91-33BD-BB881506B730}"/>
+              </a:ext>
+            </a:extLst>
+          </p:cNvPr>
+          <p:cNvCxnSpPr>
+            <a:endCxn id="17" idx="0"/>
+          </p:cNvCxnSpPr>
+          <p:nvPr/>
+        </p:nvCxnSpPr>
+        <p:spPr>
+          <a:xfrm rot="16200000" flipH="1">
+            <a:off x="6005080" y="1847999"/>
+            <a:ext cx="135218" cy="478"/>
+          </a:xfrm>
+          <a:prstGeom prst="bentConnector3">
+            <a:avLst/>
+          </a:prstGeom>
+          <a:ln w="19050">
+            <a:tailEnd type="triangle"/>
+          </a:ln>
+        </p:spPr>
+        <p:style>
+          <a:lnRef idx="2">
+            <a:schemeClr val="dk1"/>
+          </a:lnRef>
+          <a:fillRef idx="1">
+            <a:schemeClr val="lt1"/>
+          </a:fillRef>
+          <a:effectRef idx="0">
+            <a:schemeClr val="dk1"/>
+          </a:effectRef>
+          <a:fontRef idx="minor">
+            <a:schemeClr val="dk1"/>
+          </a:fontRef>
+        </p:style>
+      </p:cxnSp>
+      <p:cxnSp>
+        <p:nvCxnSpPr>
+          <p:cNvPr id="29" name="连接符: 肘形 28">
+            <a:extLst>
+              <a:ext uri="{FF2B5EF4-FFF2-40B4-BE49-F238E27FC236}">
+                <a16:creationId xmlns:a16="http://schemas.microsoft.com/office/drawing/2014/main" id="{BD2D8F05-D1D7-B273-6742-BEE547179E84}"/>
+              </a:ext>
+            </a:extLst>
+          </p:cNvPr>
+          <p:cNvCxnSpPr>
+            <a:endCxn id="11" idx="0"/>
+          </p:cNvCxnSpPr>
+          <p:nvPr/>
+        </p:nvCxnSpPr>
+        <p:spPr>
+          <a:xfrm rot="5400000">
+            <a:off x="6005440" y="2715856"/>
+            <a:ext cx="132408" cy="1615"/>
+          </a:xfrm>
+          <a:prstGeom prst="bentConnector3">
+            <a:avLst/>
+          </a:prstGeom>
+          <a:ln w="19050">
+            <a:tailEnd type="triangle"/>
+          </a:ln>
+        </p:spPr>
+        <p:style>
+          <a:lnRef idx="2">
+            <a:schemeClr val="dk1"/>
+          </a:lnRef>
+          <a:fillRef idx="1">
+            <a:schemeClr val="lt1"/>
+          </a:fillRef>
+          <a:effectRef idx="0">
+            <a:schemeClr val="dk1"/>
+          </a:effectRef>
+          <a:fontRef idx="minor">
+            <a:schemeClr val="dk1"/>
+          </a:fontRef>
+        </p:style>
+      </p:cxnSp>
+      <p:cxnSp>
+        <p:nvCxnSpPr>
+          <p:cNvPr id="30" name="直接箭头连接符 29">
+            <a:extLst>
+              <a:ext uri="{FF2B5EF4-FFF2-40B4-BE49-F238E27FC236}">
+                <a16:creationId xmlns:a16="http://schemas.microsoft.com/office/drawing/2014/main" id="{EE345495-8BE4-93FA-EF40-081BC1BDF468}"/>
+              </a:ext>
+            </a:extLst>
+          </p:cNvPr>
+          <p:cNvCxnSpPr>
+            <a:stCxn id="11" idx="2"/>
+            <a:endCxn id="12" idx="0"/>
+          </p:cNvCxnSpPr>
+          <p:nvPr/>
+        </p:nvCxnSpPr>
+        <p:spPr>
+          <a:xfrm>
+            <a:off x="6070836" y="3300548"/>
+            <a:ext cx="4139" cy="200554"/>
+          </a:xfrm>
+          <a:prstGeom prst="straightConnector1">
+            <a:avLst/>
+          </a:prstGeom>
+          <a:ln w="19050">
+            <a:tailEnd type="triangle"/>
+          </a:ln>
+        </p:spPr>
+        <p:style>
+          <a:lnRef idx="2">
+            <a:schemeClr val="dk1"/>
+          </a:lnRef>
+          <a:fillRef idx="1">
+            <a:schemeClr val="lt1"/>
+          </a:fillRef>
+          <a:effectRef idx="0">
+            <a:schemeClr val="dk1"/>
+          </a:effectRef>
+          <a:fontRef idx="minor">
+            <a:schemeClr val="dk1"/>
+          </a:fontRef>
+        </p:style>
+      </p:cxnSp>
+      <p:cxnSp>
+        <p:nvCxnSpPr>
+          <p:cNvPr id="31" name="直接箭头连接符 30">
+            <a:extLst>
+              <a:ext uri="{FF2B5EF4-FFF2-40B4-BE49-F238E27FC236}">
+                <a16:creationId xmlns:a16="http://schemas.microsoft.com/office/drawing/2014/main" id="{C0867267-7813-594E-1856-6C099646EA73}"/>
+              </a:ext>
+            </a:extLst>
+          </p:cNvPr>
+          <p:cNvCxnSpPr>
+            <a:endCxn id="13" idx="0"/>
+          </p:cNvCxnSpPr>
+          <p:nvPr/>
+        </p:nvCxnSpPr>
+        <p:spPr>
+          <a:xfrm flipH="1">
+            <a:off x="6069910" y="3827154"/>
+            <a:ext cx="5066" cy="129631"/>
+          </a:xfrm>
+          <a:prstGeom prst="straightConnector1">
+            <a:avLst/>
+          </a:prstGeom>
+          <a:ln w="19050">
+            <a:tailEnd type="triangle"/>
+          </a:ln>
+        </p:spPr>
+        <p:style>
+          <a:lnRef idx="2">
+            <a:schemeClr val="dk1"/>
+          </a:lnRef>
+          <a:fillRef idx="1">
+            <a:schemeClr val="lt1"/>
+          </a:fillRef>
+          <a:effectRef idx="0">
+            <a:schemeClr val="dk1"/>
+          </a:effectRef>
+          <a:fontRef idx="minor">
+            <a:schemeClr val="dk1"/>
+          </a:fontRef>
+        </p:style>
+      </p:cxnSp>
+      <p:cxnSp>
+        <p:nvCxnSpPr>
+          <p:cNvPr id="32" name="直接箭头连接符 31">
+            <a:extLst>
+              <a:ext uri="{FF2B5EF4-FFF2-40B4-BE49-F238E27FC236}">
+                <a16:creationId xmlns:a16="http://schemas.microsoft.com/office/drawing/2014/main" id="{EF1296FC-C454-48E2-EDB1-B3C9E1634179}"/>
+              </a:ext>
+            </a:extLst>
+          </p:cNvPr>
+          <p:cNvCxnSpPr>
+            <a:stCxn id="13" idx="2"/>
+            <a:endCxn id="14" idx="0"/>
+          </p:cNvCxnSpPr>
+          <p:nvPr/>
+        </p:nvCxnSpPr>
+        <p:spPr>
+          <a:xfrm>
+            <a:off x="6069910" y="4283361"/>
+            <a:ext cx="4490" cy="137608"/>
+          </a:xfrm>
+          <a:prstGeom prst="straightConnector1">
+            <a:avLst/>
+          </a:prstGeom>
+          <a:ln w="19050">
+            <a:tailEnd type="triangle"/>
+          </a:ln>
+        </p:spPr>
+        <p:style>
+          <a:lnRef idx="2">
+            <a:schemeClr val="dk1"/>
+          </a:lnRef>
+          <a:fillRef idx="1">
+            <a:schemeClr val="lt1"/>
+          </a:fillRef>
+          <a:effectRef idx="0">
+            <a:schemeClr val="dk1"/>
+          </a:effectRef>
+          <a:fontRef idx="minor">
+            <a:schemeClr val="dk1"/>
+          </a:fontRef>
+        </p:style>
+      </p:cxnSp>
+      <p:cxnSp>
+        <p:nvCxnSpPr>
+          <p:cNvPr id="33" name="直接箭头连接符 32">
+            <a:extLst>
+              <a:ext uri="{FF2B5EF4-FFF2-40B4-BE49-F238E27FC236}">
+                <a16:creationId xmlns:a16="http://schemas.microsoft.com/office/drawing/2014/main" id="{3E74DB9C-C433-4163-2D48-29086F332063}"/>
+              </a:ext>
+            </a:extLst>
+          </p:cNvPr>
+          <p:cNvCxnSpPr>
+            <a:stCxn id="15" idx="2"/>
+            <a:endCxn id="26" idx="0"/>
+          </p:cNvCxnSpPr>
+          <p:nvPr/>
+        </p:nvCxnSpPr>
+        <p:spPr>
+          <a:xfrm>
+            <a:off x="6112893" y="6004187"/>
+            <a:ext cx="424" cy="153825"/>
+          </a:xfrm>
+          <a:prstGeom prst="straightConnector1">
+            <a:avLst/>
+          </a:prstGeom>
+          <a:ln w="19050">
+            <a:tailEnd type="triangle"/>
+          </a:ln>
+        </p:spPr>
+        <p:style>
+          <a:lnRef idx="2">
+            <a:schemeClr val="dk1"/>
+          </a:lnRef>
+          <a:fillRef idx="1">
+            <a:schemeClr val="lt1"/>
+          </a:fillRef>
+          <a:effectRef idx="0">
+            <a:schemeClr val="dk1"/>
+          </a:effectRef>
+          <a:fontRef idx="minor">
+            <a:schemeClr val="dk1"/>
+          </a:fontRef>
+        </p:style>
+      </p:cxnSp>
+      <p:cxnSp>
+        <p:nvCxnSpPr>
+          <p:cNvPr id="34" name="直接箭头连接符 33">
+            <a:extLst>
+              <a:ext uri="{FF2B5EF4-FFF2-40B4-BE49-F238E27FC236}">
+                <a16:creationId xmlns:a16="http://schemas.microsoft.com/office/drawing/2014/main" id="{7998E0B0-C4CA-B418-3216-86927369970D}"/>
+              </a:ext>
+            </a:extLst>
+          </p:cNvPr>
+          <p:cNvCxnSpPr>
+            <a:cxnSpLocks/>
+            <a:stCxn id="14" idx="2"/>
+            <a:endCxn id="22" idx="0"/>
+          </p:cNvCxnSpPr>
+          <p:nvPr/>
+        </p:nvCxnSpPr>
+        <p:spPr>
+          <a:xfrm flipH="1">
+            <a:off x="6073617" y="4747562"/>
+            <a:ext cx="783" cy="95702"/>
+          </a:xfrm>
+          <a:prstGeom prst="straightConnector1">
+            <a:avLst/>
+          </a:prstGeom>
+          <a:ln w="19050">
+            <a:tailEnd type="triangle"/>
+          </a:ln>
+        </p:spPr>
+        <p:style>
+          <a:lnRef idx="2">
+            <a:schemeClr val="dk1"/>
+          </a:lnRef>
+          <a:fillRef idx="1">
+            <a:schemeClr val="lt1"/>
+          </a:fillRef>
+          <a:effectRef idx="0">
+            <a:schemeClr val="dk1"/>
+          </a:effectRef>
+          <a:fontRef idx="minor">
+            <a:schemeClr val="dk1"/>
+          </a:fontRef>
+        </p:style>
+      </p:cxnSp>
+      <p:cxnSp>
+        <p:nvCxnSpPr>
+          <p:cNvPr id="35" name="连接符: 肘形 34">
+            <a:extLst>
+              <a:ext uri="{FF2B5EF4-FFF2-40B4-BE49-F238E27FC236}">
+                <a16:creationId xmlns:a16="http://schemas.microsoft.com/office/drawing/2014/main" id="{67E7C894-747F-9E56-84D4-3D96B8C0EBE7}"/>
+              </a:ext>
+            </a:extLst>
+          </p:cNvPr>
+          <p:cNvCxnSpPr>
+            <a:stCxn id="11" idx="3"/>
+            <a:endCxn id="15" idx="3"/>
+          </p:cNvCxnSpPr>
+          <p:nvPr/>
+        </p:nvCxnSpPr>
+        <p:spPr>
+          <a:xfrm flipH="1">
+            <a:off x="7002864" y="3041632"/>
+            <a:ext cx="443369" cy="2799267"/>
+          </a:xfrm>
+          <a:prstGeom prst="bentConnector3">
+            <a:avLst>
+              <a:gd name="adj1" fmla="val -289123"/>
+            </a:avLst>
+          </a:prstGeom>
+          <a:ln w="19050">
+            <a:tailEnd type="triangle"/>
+          </a:ln>
+        </p:spPr>
+        <p:style>
+          <a:lnRef idx="2">
+            <a:schemeClr val="dk1"/>
+          </a:lnRef>
+          <a:fillRef idx="1">
+            <a:schemeClr val="lt1"/>
+          </a:fillRef>
+          <a:effectRef idx="0">
+            <a:schemeClr val="dk1"/>
+          </a:effectRef>
+          <a:fontRef idx="minor">
+            <a:schemeClr val="dk1"/>
+          </a:fontRef>
+        </p:style>
+      </p:cxnSp>
+      <p:cxnSp>
+        <p:nvCxnSpPr>
+          <p:cNvPr id="36" name="连接符: 肘形 35">
+            <a:extLst>
+              <a:ext uri="{FF2B5EF4-FFF2-40B4-BE49-F238E27FC236}">
+                <a16:creationId xmlns:a16="http://schemas.microsoft.com/office/drawing/2014/main" id="{E217D928-C392-C01A-F17C-3B2BFAE8B7A1}"/>
+              </a:ext>
+            </a:extLst>
+          </p:cNvPr>
+          <p:cNvCxnSpPr>
+            <a:cxnSpLocks/>
+            <a:stCxn id="22" idx="1"/>
+            <a:endCxn id="11" idx="1"/>
+          </p:cNvCxnSpPr>
+          <p:nvPr/>
+        </p:nvCxnSpPr>
+        <p:spPr>
+          <a:xfrm rot="10800000" flipH="1">
+            <a:off x="3631217" y="3041770"/>
+            <a:ext cx="1064222" cy="2196072"/>
+          </a:xfrm>
+          <a:prstGeom prst="bentConnector3">
+            <a:avLst>
+              <a:gd name="adj1" fmla="val -21480"/>
+            </a:avLst>
+          </a:prstGeom>
+          <a:ln w="19050">
+            <a:tailEnd type="triangle"/>
+          </a:ln>
+        </p:spPr>
+        <p:style>
+          <a:lnRef idx="2">
+            <a:schemeClr val="dk1"/>
+          </a:lnRef>
+          <a:fillRef idx="1">
+            <a:schemeClr val="lt1"/>
+          </a:fillRef>
+          <a:effectRef idx="0">
+            <a:schemeClr val="dk1"/>
+          </a:effectRef>
+          <a:fontRef idx="minor">
+            <a:schemeClr val="dk1"/>
+          </a:fontRef>
+        </p:style>
+      </p:cxnSp>
+      <p:sp>
+        <p:nvSpPr>
+          <p:cNvPr id="37" name="文本框 80">
+            <a:extLst>
+              <a:ext uri="{FF2B5EF4-FFF2-40B4-BE49-F238E27FC236}">
+                <a16:creationId xmlns:a16="http://schemas.microsoft.com/office/drawing/2014/main" id="{3CF99D1A-2D0C-F477-B8EF-C62B7D632C74}"/>
+              </a:ext>
+            </a:extLst>
+          </p:cNvPr>
+          <p:cNvSpPr txBox="1"/>
+          <p:nvPr/>
+        </p:nvSpPr>
+        <p:spPr>
+          <a:xfrm>
+            <a:off x="5995469" y="3257195"/>
+            <a:ext cx="424699" cy="205654"/>
+          </a:xfrm>
+          <a:prstGeom prst="rect">
+            <a:avLst/>
+          </a:prstGeom>
+          <a:noFill/>
+          <a:ln w="19050">
+            <a:noFill/>
+          </a:ln>
+        </p:spPr>
+        <p:txBody>
+          <a:bodyPr rot="0" spcFirstLastPara="0" vert="horz" wrap="square" lIns="91440" tIns="0" rIns="91440" bIns="45720" numCol="1" spcCol="0" rtlCol="0" fromWordArt="0" anchor="t" anchorCtr="0" forceAA="0" compatLnSpc="1">
+            <a:prstTxWarp prst="textNoShape">
+              <a:avLst/>
+            </a:prstTxWarp>
+            <a:noAutofit/>
+          </a:bodyPr>
+          <a:lstStyle/>
+          <a:p>
+            <a:pPr algn="ctr">
+              <a:lnSpc>
+                <a:spcPct val="150000"/>
+              </a:lnSpc>
+            </a:pPr>
+            <a:r>
+              <a:rPr lang="zh-CN" sz="1200" kern="100">
+                <a:effectLst/>
+                <a:latin typeface="+mn-ea"/>
+                <a:cs typeface="宋体" panose="02010600030101010101" pitchFamily="2" charset="-122"/>
+              </a:rPr>
+              <a:t>是</a:t>
+            </a:r>
+          </a:p>
+        </p:txBody>
+      </p:sp>
+      <p:sp>
+        <p:nvSpPr>
+          <p:cNvPr id="38" name="文本框 82">
+            <a:extLst>
+              <a:ext uri="{FF2B5EF4-FFF2-40B4-BE49-F238E27FC236}">
+                <a16:creationId xmlns:a16="http://schemas.microsoft.com/office/drawing/2014/main" id="{FCC13B6E-5201-7BE7-5756-B362CF54D251}"/>
+              </a:ext>
+            </a:extLst>
+          </p:cNvPr>
+          <p:cNvSpPr txBox="1"/>
+          <p:nvPr/>
+        </p:nvSpPr>
+        <p:spPr>
+          <a:xfrm>
+            <a:off x="8347768" y="4112570"/>
+            <a:ext cx="366445" cy="258128"/>
+          </a:xfrm>
+          <a:prstGeom prst="rect">
+            <a:avLst/>
+          </a:prstGeom>
+          <a:noFill/>
+          <a:ln w="19050">
+            <a:noFill/>
+          </a:ln>
+        </p:spPr>
+        <p:txBody>
+          <a:bodyPr rot="0" spcFirstLastPara="0" vert="horz" wrap="none" lIns="91440" tIns="0" rIns="91440" bIns="45720" numCol="1" spcCol="0" rtlCol="0" fromWordArt="0" anchor="t" anchorCtr="0" forceAA="0" compatLnSpc="1">
+            <a:prstTxWarp prst="textNoShape">
+              <a:avLst/>
+            </a:prstTxWarp>
+            <a:noAutofit/>
+          </a:bodyPr>
+          <a:lstStyle/>
+          <a:p>
+            <a:pPr algn="ctr">
+              <a:lnSpc>
+                <a:spcPct val="150000"/>
+              </a:lnSpc>
+            </a:pPr>
+            <a:r>
+              <a:rPr lang="zh-CN" sz="1200" kern="100">
+                <a:effectLst/>
+                <a:latin typeface="+mn-ea"/>
+                <a:cs typeface="宋体" panose="02010600030101010101" pitchFamily="2" charset="-122"/>
+              </a:rPr>
+              <a:t>否</a:t>
+            </a:r>
+          </a:p>
+        </p:txBody>
+      </p:sp>
+    </p:spTree>
+    <p:extLst>
+      <p:ext uri="{BB962C8B-B14F-4D97-AF65-F5344CB8AC3E}">
+        <p14:creationId xmlns:p14="http://schemas.microsoft.com/office/powerpoint/2010/main" val="2286881098"/>
+      </p:ext>
+    </p:extLst>
+  </p:cSld>
+  <p:clrMapOvr>
+    <a:masterClrMapping/>
+  </p:clrMapOvr>
+</p:sld>
+</file>
+
+<file path=ppt/slides/slide7.xml><?xml version="1.0" encoding="utf-8"?>
+<p:sld xmlns:a="http://schemas.openxmlformats.org/drawingml/2006/main" xmlns:r="http://schemas.openxmlformats.org/officeDocument/2006/relationships" xmlns:p="http://schemas.openxmlformats.org/presentationml/2006/main">
+  <p:cSld>
+    <p:spTree>
+      <p:nvGrpSpPr>
+        <p:cNvPr id="1" name=""/>
+        <p:cNvGrpSpPr/>
+        <p:nvPr/>
+      </p:nvGrpSpPr>
+      <p:grpSpPr>
+        <a:xfrm>
+          <a:off x="0" y="0"/>
+          <a:ext cx="0" cy="0"/>
+          <a:chOff x="0" y="0"/>
+          <a:chExt cx="0" cy="0"/>
+        </a:xfrm>
+      </p:grpSpPr>
+      <p:sp>
+        <p:nvSpPr>
+          <p:cNvPr id="4" name="标题 2">
+            <a:extLst>
+              <a:ext uri="{FF2B5EF4-FFF2-40B4-BE49-F238E27FC236}">
+                <a16:creationId xmlns:a16="http://schemas.microsoft.com/office/drawing/2014/main" id="{0B557136-0BE8-1596-75FD-F32DBFB375F8}"/>
+              </a:ext>
+            </a:extLst>
+          </p:cNvPr>
+          <p:cNvSpPr txBox="1">
+            <a:spLocks/>
+          </p:cNvSpPr>
+          <p:nvPr/>
+        </p:nvSpPr>
+        <p:spPr>
+          <a:xfrm>
+            <a:off x="1006334" y="531953"/>
+            <a:ext cx="6429375" cy="367200"/>
+          </a:xfrm>
+          <a:prstGeom prst="rect">
+            <a:avLst/>
+          </a:prstGeom>
+        </p:spPr>
+        <p:txBody>
+          <a:bodyPr vert="horz" lIns="91440" tIns="45720" rIns="91440" bIns="45720" rtlCol="0" anchor="ctr">
+            <a:noAutofit/>
+          </a:bodyPr>
+          <a:lstStyle>
+            <a:defPPr>
+              <a:defRPr lang="zh-CN"/>
+            </a:defPPr>
+            <a:lvl1pPr>
+              <a:lnSpc>
+                <a:spcPct val="90000"/>
+              </a:lnSpc>
+              <a:spcBef>
+                <a:spcPct val="0"/>
+              </a:spcBef>
+              <a:buNone/>
+              <a:defRPr sz="3600" b="1">
+                <a:latin typeface="+mj-lt"/>
+                <a:ea typeface="+mj-ea"/>
+                <a:cs typeface="+mj-cs"/>
+              </a:defRPr>
+            </a:lvl1pPr>
+          </a:lstStyle>
+          <a:p>
+            <a:r>
+              <a:rPr lang="zh-CN" altLang="en-US" dirty="0"/>
+              <a:t>结果对比与分析</a:t>
+            </a:r>
+          </a:p>
+        </p:txBody>
+      </p:sp>
+      <p:grpSp>
+        <p:nvGrpSpPr>
+          <p:cNvPr id="5" name="画布 233">
+            <a:extLst>
+              <a:ext uri="{FF2B5EF4-FFF2-40B4-BE49-F238E27FC236}">
+                <a16:creationId xmlns:a16="http://schemas.microsoft.com/office/drawing/2014/main" id="{8D6C11A3-DA5C-4797-0354-1A1D13561E5B}"/>
+              </a:ext>
+            </a:extLst>
+          </p:cNvPr>
+          <p:cNvGrpSpPr/>
+          <p:nvPr/>
+        </p:nvGrpSpPr>
+        <p:grpSpPr>
+          <a:xfrm>
+            <a:off x="1006334" y="2065860"/>
+            <a:ext cx="8972704" cy="3794400"/>
+            <a:chOff x="0" y="0"/>
+            <a:chExt cx="5278120" cy="2232025"/>
+          </a:xfrm>
+        </p:grpSpPr>
+        <p:sp>
+          <p:nvSpPr>
+            <p:cNvPr id="6" name="矩形 5">
+              <a:extLst>
+                <a:ext uri="{FF2B5EF4-FFF2-40B4-BE49-F238E27FC236}">
+                  <a16:creationId xmlns:a16="http://schemas.microsoft.com/office/drawing/2014/main" id="{77061CF8-5EBC-AD8A-9301-AFDA4D6CFB54}"/>
+                </a:ext>
+              </a:extLst>
+            </p:cNvPr>
+            <p:cNvSpPr/>
+            <p:nvPr/>
+          </p:nvSpPr>
+          <p:spPr>
+            <a:xfrm>
+              <a:off x="0" y="0"/>
+              <a:ext cx="5278120" cy="2232025"/>
+            </a:xfrm>
+            <a:prstGeom prst="rect">
+              <a:avLst/>
+            </a:prstGeom>
+            <a:solidFill>
+              <a:prstClr val="white"/>
+            </a:solidFill>
+          </p:spPr>
+          <p:txBody>
+            <a:bodyPr/>
+            <a:lstStyle/>
+            <a:p>
+              <a:endParaRPr lang="zh-CN" altLang="en-US"/>
+            </a:p>
+          </p:txBody>
+        </p:sp>
+        <p:pic>
+          <p:nvPicPr>
+            <p:cNvPr id="7" name="图片 6">
+              <a:extLst>
+                <a:ext uri="{FF2B5EF4-FFF2-40B4-BE49-F238E27FC236}">
+                  <a16:creationId xmlns:a16="http://schemas.microsoft.com/office/drawing/2014/main" id="{2BF60CFF-5C00-CDC4-8863-65D734E6C402}"/>
+                </a:ext>
+              </a:extLst>
+            </p:cNvPr>
+            <p:cNvPicPr preferRelativeResize="0">
+              <a:picLocks noChangeAspect="1"/>
+            </p:cNvPicPr>
+            <p:nvPr/>
+          </p:nvPicPr>
+          <p:blipFill>
+            <a:blip r:embed="rId2" cstate="print">
+              <a:extLst>
+                <a:ext uri="{28A0092B-C50C-407E-A947-70E740481C1C}">
+                  <a14:useLocalDpi xmlns:a14="http://schemas.microsoft.com/office/drawing/2010/main" val="0"/>
+                </a:ext>
+              </a:extLst>
+            </a:blip>
+            <a:srcRect/>
+            <a:stretch/>
+          </p:blipFill>
+          <p:spPr>
+            <a:xfrm>
+              <a:off x="0" y="159275"/>
+              <a:ext cx="2610000" cy="1972204"/>
+            </a:xfrm>
+            <a:prstGeom prst="rect">
+              <a:avLst/>
+            </a:prstGeom>
+          </p:spPr>
+        </p:pic>
+        <p:pic>
+          <p:nvPicPr>
+            <p:cNvPr id="8" name="图片 7">
+              <a:extLst>
+                <a:ext uri="{FF2B5EF4-FFF2-40B4-BE49-F238E27FC236}">
+                  <a16:creationId xmlns:a16="http://schemas.microsoft.com/office/drawing/2014/main" id="{0D5729F6-CBA3-A15D-8C29-31226C495018}"/>
+                </a:ext>
+              </a:extLst>
+            </p:cNvPr>
+            <p:cNvPicPr preferRelativeResize="0">
+              <a:picLocks noChangeAspect="1"/>
+            </p:cNvPicPr>
+            <p:nvPr/>
+          </p:nvPicPr>
+          <p:blipFill>
+            <a:blip r:embed="rId3" cstate="print">
+              <a:extLst>
+                <a:ext uri="{28A0092B-C50C-407E-A947-70E740481C1C}">
+                  <a14:useLocalDpi xmlns:a14="http://schemas.microsoft.com/office/drawing/2010/main" val="0"/>
+                </a:ext>
+              </a:extLst>
+            </a:blip>
+            <a:srcRect/>
+            <a:stretch/>
+          </p:blipFill>
+          <p:spPr>
+            <a:xfrm>
+              <a:off x="2668120" y="158892"/>
+              <a:ext cx="2610000" cy="1971574"/>
+            </a:xfrm>
+            <a:prstGeom prst="rect">
+              <a:avLst/>
+            </a:prstGeom>
+          </p:spPr>
+        </p:pic>
+      </p:grpSp>
+      <p:sp>
+        <p:nvSpPr>
+          <p:cNvPr id="9" name="文本框 8">
+            <a:extLst>
+              <a:ext uri="{FF2B5EF4-FFF2-40B4-BE49-F238E27FC236}">
+                <a16:creationId xmlns:a16="http://schemas.microsoft.com/office/drawing/2014/main" id="{B1CBDE83-9D24-0D6D-5A3B-19918BB5B6F4}"/>
+              </a:ext>
+            </a:extLst>
+          </p:cNvPr>
+          <p:cNvSpPr txBox="1"/>
+          <p:nvPr/>
+        </p:nvSpPr>
+        <p:spPr>
+          <a:xfrm>
+            <a:off x="1364043" y="1218135"/>
+            <a:ext cx="8342134" cy="754209"/>
+          </a:xfrm>
+          <a:prstGeom prst="rect">
+            <a:avLst/>
+          </a:prstGeom>
+          <a:noFill/>
+        </p:spPr>
+        <p:txBody>
+          <a:bodyPr wrap="square" rtlCol="0">
+            <a:spAutoFit/>
+          </a:bodyPr>
+          <a:lstStyle/>
+          <a:p>
+            <a:pPr algn="l">
+              <a:lnSpc>
+                <a:spcPct val="120000"/>
+              </a:lnSpc>
+            </a:pPr>
+            <a:r>
+              <a:rPr lang="zh-CN" altLang="en-US"/>
+              <a:t>当工作电流以恒定速率增加时，电压先升高后稳定，当工作电流稳定在</a:t>
+            </a:r>
+            <a:r>
+              <a:rPr lang="en-US" altLang="zh-CN"/>
+              <a:t>120 A</a:t>
+            </a:r>
+            <a:r>
+              <a:rPr lang="zh-CN" altLang="en-US"/>
+              <a:t>时，电压立即下降。模拟和实验结果在电压变化和磁场变化方面非常吻合。</a:t>
+            </a:r>
+            <a:endParaRPr lang="zh-CN" altLang="en-US" dirty="0"/>
+          </a:p>
+        </p:txBody>
+      </p:sp>
+    </p:spTree>
+    <p:extLst>
+      <p:ext uri="{BB962C8B-B14F-4D97-AF65-F5344CB8AC3E}">
+        <p14:creationId xmlns:p14="http://schemas.microsoft.com/office/powerpoint/2010/main" val="4236937920"/>
+      </p:ext>
+    </p:extLst>
+  </p:cSld>
+  <p:clrMapOvr>
+    <a:masterClrMapping/>
+  </p:clrMapOvr>
+</p:sld>
+</file>
+
+<file path=ppt/slides/slide8.xml><?xml version="1.0" encoding="utf-8"?>
+<p:sld xmlns:a="http://schemas.openxmlformats.org/drawingml/2006/main" xmlns:r="http://schemas.openxmlformats.org/officeDocument/2006/relationships" xmlns:p="http://schemas.openxmlformats.org/presentationml/2006/main">
+  <p:cSld>
+    <p:spTree>
+      <p:nvGrpSpPr>
+        <p:cNvPr id="1" name=""/>
+        <p:cNvGrpSpPr/>
+        <p:nvPr/>
+      </p:nvGrpSpPr>
+      <p:grpSpPr>
+        <a:xfrm>
+          <a:off x="0" y="0"/>
+          <a:ext cx="0" cy="0"/>
+          <a:chOff x="0" y="0"/>
+          <a:chExt cx="0" cy="0"/>
+        </a:xfrm>
+      </p:grpSpPr>
+      <p:pic>
+        <p:nvPicPr>
+          <p:cNvPr id="5" name="内容占位符 4">
+            <a:extLst>
+              <a:ext uri="{FF2B5EF4-FFF2-40B4-BE49-F238E27FC236}">
+                <a16:creationId xmlns:a16="http://schemas.microsoft.com/office/drawing/2014/main" id="{58F1D787-E645-B85B-501A-F9F6A81D9E38}"/>
+              </a:ext>
+            </a:extLst>
+          </p:cNvPr>
+          <p:cNvPicPr>
+            <a:picLocks noGrp="1" noChangeAspect="1"/>
+          </p:cNvPicPr>
+          <p:nvPr>
+            <p:ph idx="1"/>
+          </p:nvPr>
+        </p:nvPicPr>
+        <p:blipFill>
+          <a:blip r:embed="rId2"/>
+          <a:stretch>
+            <a:fillRect/>
+          </a:stretch>
+        </p:blipFill>
+        <p:spPr>
+          <a:xfrm>
+            <a:off x="1772001" y="95966"/>
+            <a:ext cx="8366916" cy="6762034"/>
+          </a:xfrm>
+        </p:spPr>
+      </p:pic>
+    </p:spTree>
+    <p:extLst>
+      <p:ext uri="{BB962C8B-B14F-4D97-AF65-F5344CB8AC3E}">
+        <p14:creationId xmlns:p14="http://schemas.microsoft.com/office/powerpoint/2010/main" val="1044357208"/>
+      </p:ext>
+    </p:extLst>
+  </p:cSld>
+  <p:clrMapOvr>
+    <a:masterClrMapping/>
+  </p:clrMapOvr>
+</p:sld>
+</file>
+
+<file path=ppt/slides/slide9.xml><?xml version="1.0" encoding="utf-8"?>
 <p:sld xmlns:a="http://schemas.openxmlformats.org/drawingml/2006/main" xmlns:r="http://schemas.openxmlformats.org/officeDocument/2006/relationships" xmlns:p="http://schemas.openxmlformats.org/presentationml/2006/main">
   <p:cSld>
     <p:spTree>
@@ -8710,2480 +11142,6 @@
 </p:sld>
 </file>
 
-<file path=ppt/slides/slide5.xml><?xml version="1.0" encoding="utf-8"?>
-<p:sld xmlns:a="http://schemas.openxmlformats.org/drawingml/2006/main" xmlns:r="http://schemas.openxmlformats.org/officeDocument/2006/relationships" xmlns:p="http://schemas.openxmlformats.org/presentationml/2006/main">
-  <p:cSld>
-    <p:spTree>
-      <p:nvGrpSpPr>
-        <p:cNvPr id="1" name=""/>
-        <p:cNvGrpSpPr/>
-        <p:nvPr/>
-      </p:nvGrpSpPr>
-      <p:grpSpPr>
-        <a:xfrm>
-          <a:off x="0" y="0"/>
-          <a:ext cx="0" cy="0"/>
-          <a:chOff x="0" y="0"/>
-          <a:chExt cx="0" cy="0"/>
-        </a:xfrm>
-      </p:grpSpPr>
-      <p:sp>
-        <p:nvSpPr>
-          <p:cNvPr id="4" name="标题 2">
-            <a:extLst>
-              <a:ext uri="{FF2B5EF4-FFF2-40B4-BE49-F238E27FC236}">
-                <a16:creationId xmlns:a16="http://schemas.microsoft.com/office/drawing/2014/main" id="{759B282E-0848-4275-3854-B250191590B4}"/>
-              </a:ext>
-            </a:extLst>
-          </p:cNvPr>
-          <p:cNvSpPr txBox="1">
-            <a:spLocks/>
-          </p:cNvSpPr>
-          <p:nvPr/>
-        </p:nvSpPr>
-        <p:spPr>
-          <a:xfrm>
-            <a:off x="642209" y="480369"/>
-            <a:ext cx="6429375" cy="367200"/>
-          </a:xfrm>
-          <a:prstGeom prst="rect">
-            <a:avLst/>
-          </a:prstGeom>
-        </p:spPr>
-        <p:txBody>
-          <a:bodyPr vert="horz" lIns="91440" tIns="45720" rIns="91440" bIns="45720" rtlCol="0" anchor="ctr">
-            <a:noAutofit/>
-          </a:bodyPr>
-          <a:lstStyle>
-            <a:defPPr>
-              <a:defRPr lang="zh-CN"/>
-            </a:defPPr>
-            <a:lvl1pPr>
-              <a:lnSpc>
-                <a:spcPct val="90000"/>
-              </a:lnSpc>
-              <a:spcBef>
-                <a:spcPct val="0"/>
-              </a:spcBef>
-              <a:buNone/>
-              <a:defRPr sz="3600" b="1">
-                <a:latin typeface="+mj-lt"/>
-                <a:ea typeface="+mj-ea"/>
-                <a:cs typeface="+mj-cs"/>
-              </a:defRPr>
-            </a:lvl1pPr>
-          </a:lstStyle>
-          <a:p>
-            <a:r>
-              <a:rPr lang="zh-CN" altLang="en-US" dirty="0"/>
-              <a:t>方程构成</a:t>
-            </a:r>
-          </a:p>
-        </p:txBody>
-      </p:sp>
-      <p:sp>
-        <p:nvSpPr>
-          <p:cNvPr id="5" name="内容占位符 4">
-            <a:extLst>
-              <a:ext uri="{FF2B5EF4-FFF2-40B4-BE49-F238E27FC236}">
-                <a16:creationId xmlns:a16="http://schemas.microsoft.com/office/drawing/2014/main" id="{3FE218D5-F682-EA19-B50F-F0DCCA7EAB4A}"/>
-              </a:ext>
-            </a:extLst>
-          </p:cNvPr>
-          <p:cNvSpPr txBox="1">
-            <a:spLocks/>
-          </p:cNvSpPr>
-          <p:nvPr/>
-        </p:nvSpPr>
-        <p:spPr>
-          <a:xfrm>
-            <a:off x="1547568" y="1995566"/>
-            <a:ext cx="8280000" cy="1098655"/>
-          </a:xfrm>
-          <a:prstGeom prst="rect">
-            <a:avLst/>
-          </a:prstGeom>
-        </p:spPr>
-        <p:txBody>
-          <a:bodyPr/>
-          <a:lstStyle>
-            <a:lvl1pPr marL="228600" indent="-228600" algn="l" defTabSz="914400" rtl="0" eaLnBrk="1" latinLnBrk="0" hangingPunct="1">
-              <a:lnSpc>
-                <a:spcPct val="90000"/>
-              </a:lnSpc>
-              <a:spcBef>
-                <a:spcPts val="1000"/>
-              </a:spcBef>
-              <a:buFont typeface="Arial" panose="020B0604020202020204" pitchFamily="34" charset="0"/>
-              <a:buChar char="•"/>
-              <a:defRPr sz="2800" kern="1200">
-                <a:solidFill>
-                  <a:schemeClr val="tx1"/>
-                </a:solidFill>
-                <a:latin typeface="+mn-lt"/>
-                <a:ea typeface="+mn-ea"/>
-                <a:cs typeface="+mn-cs"/>
-              </a:defRPr>
-            </a:lvl1pPr>
-            <a:lvl2pPr marL="685800" indent="-228600" algn="l" defTabSz="914400" rtl="0" eaLnBrk="1" latinLnBrk="0" hangingPunct="1">
-              <a:lnSpc>
-                <a:spcPct val="90000"/>
-              </a:lnSpc>
-              <a:spcBef>
-                <a:spcPts val="500"/>
-              </a:spcBef>
-              <a:buFont typeface="Arial" panose="020B0604020202020204" pitchFamily="34" charset="0"/>
-              <a:buChar char="•"/>
-              <a:defRPr sz="2400" kern="1200">
-                <a:solidFill>
-                  <a:schemeClr val="tx1"/>
-                </a:solidFill>
-                <a:latin typeface="+mn-lt"/>
-                <a:ea typeface="+mn-ea"/>
-                <a:cs typeface="+mn-cs"/>
-              </a:defRPr>
-            </a:lvl2pPr>
-            <a:lvl3pPr marL="1143000" indent="-228600" algn="l" defTabSz="914400" rtl="0" eaLnBrk="1" latinLnBrk="0" hangingPunct="1">
-              <a:lnSpc>
-                <a:spcPct val="90000"/>
-              </a:lnSpc>
-              <a:spcBef>
-                <a:spcPts val="500"/>
-              </a:spcBef>
-              <a:buFont typeface="Arial" panose="020B0604020202020204" pitchFamily="34" charset="0"/>
-              <a:buChar char="•"/>
-              <a:defRPr sz="2000" kern="1200">
-                <a:solidFill>
-                  <a:schemeClr val="tx1"/>
-                </a:solidFill>
-                <a:latin typeface="+mn-lt"/>
-                <a:ea typeface="+mn-ea"/>
-                <a:cs typeface="+mn-cs"/>
-              </a:defRPr>
-            </a:lvl3pPr>
-            <a:lvl4pPr marL="1600200" indent="-228600" algn="l" defTabSz="914400" rtl="0" eaLnBrk="1" latinLnBrk="0" hangingPunct="1">
-              <a:lnSpc>
-                <a:spcPct val="90000"/>
-              </a:lnSpc>
-              <a:spcBef>
-                <a:spcPts val="500"/>
-              </a:spcBef>
-              <a:buFont typeface="Arial" panose="020B0604020202020204" pitchFamily="34" charset="0"/>
-              <a:buChar char="•"/>
-              <a:defRPr sz="1800" kern="1200">
-                <a:solidFill>
-                  <a:schemeClr val="tx1"/>
-                </a:solidFill>
-                <a:latin typeface="+mn-lt"/>
-                <a:ea typeface="+mn-ea"/>
-                <a:cs typeface="+mn-cs"/>
-              </a:defRPr>
-            </a:lvl4pPr>
-            <a:lvl5pPr marL="2057400" indent="-228600" algn="l" defTabSz="914400" rtl="0" eaLnBrk="1" latinLnBrk="0" hangingPunct="1">
-              <a:lnSpc>
-                <a:spcPct val="90000"/>
-              </a:lnSpc>
-              <a:spcBef>
-                <a:spcPts val="500"/>
-              </a:spcBef>
-              <a:buFont typeface="Arial" panose="020B0604020202020204" pitchFamily="34" charset="0"/>
-              <a:buChar char="•"/>
-              <a:defRPr sz="1800" kern="1200">
-                <a:solidFill>
-                  <a:schemeClr val="tx1"/>
-                </a:solidFill>
-                <a:latin typeface="+mn-lt"/>
-                <a:ea typeface="+mn-ea"/>
-                <a:cs typeface="+mn-cs"/>
-              </a:defRPr>
-            </a:lvl5pPr>
-            <a:lvl6pPr marL="2514600" indent="-228600" algn="l" defTabSz="914400" rtl="0" eaLnBrk="1" latinLnBrk="0" hangingPunct="1">
-              <a:lnSpc>
-                <a:spcPct val="90000"/>
-              </a:lnSpc>
-              <a:spcBef>
-                <a:spcPts val="500"/>
-              </a:spcBef>
-              <a:buFont typeface="Arial" panose="020B0604020202020204" pitchFamily="34" charset="0"/>
-              <a:buChar char="•"/>
-              <a:defRPr sz="1800" kern="1200">
-                <a:solidFill>
-                  <a:schemeClr val="tx1"/>
-                </a:solidFill>
-                <a:latin typeface="+mn-lt"/>
-                <a:ea typeface="+mn-ea"/>
-                <a:cs typeface="+mn-cs"/>
-              </a:defRPr>
-            </a:lvl6pPr>
-            <a:lvl7pPr marL="2971800" indent="-228600" algn="l" defTabSz="914400" rtl="0" eaLnBrk="1" latinLnBrk="0" hangingPunct="1">
-              <a:lnSpc>
-                <a:spcPct val="90000"/>
-              </a:lnSpc>
-              <a:spcBef>
-                <a:spcPts val="500"/>
-              </a:spcBef>
-              <a:buFont typeface="Arial" panose="020B0604020202020204" pitchFamily="34" charset="0"/>
-              <a:buChar char="•"/>
-              <a:defRPr sz="1800" kern="1200">
-                <a:solidFill>
-                  <a:schemeClr val="tx1"/>
-                </a:solidFill>
-                <a:latin typeface="+mn-lt"/>
-                <a:ea typeface="+mn-ea"/>
-                <a:cs typeface="+mn-cs"/>
-              </a:defRPr>
-            </a:lvl7pPr>
-            <a:lvl8pPr marL="3429000" indent="-228600" algn="l" defTabSz="914400" rtl="0" eaLnBrk="1" latinLnBrk="0" hangingPunct="1">
-              <a:lnSpc>
-                <a:spcPct val="90000"/>
-              </a:lnSpc>
-              <a:spcBef>
-                <a:spcPts val="500"/>
-              </a:spcBef>
-              <a:buFont typeface="Arial" panose="020B0604020202020204" pitchFamily="34" charset="0"/>
-              <a:buChar char="•"/>
-              <a:defRPr sz="1800" kern="1200">
-                <a:solidFill>
-                  <a:schemeClr val="tx1"/>
-                </a:solidFill>
-                <a:latin typeface="+mn-lt"/>
-                <a:ea typeface="+mn-ea"/>
-                <a:cs typeface="+mn-cs"/>
-              </a:defRPr>
-            </a:lvl8pPr>
-            <a:lvl9pPr marL="3886200" indent="-228600" algn="l" defTabSz="914400" rtl="0" eaLnBrk="1" latinLnBrk="0" hangingPunct="1">
-              <a:lnSpc>
-                <a:spcPct val="90000"/>
-              </a:lnSpc>
-              <a:spcBef>
-                <a:spcPts val="500"/>
-              </a:spcBef>
-              <a:buFont typeface="Arial" panose="020B0604020202020204" pitchFamily="34" charset="0"/>
-              <a:buChar char="•"/>
-              <a:defRPr sz="1800" kern="1200">
-                <a:solidFill>
-                  <a:schemeClr val="tx1"/>
-                </a:solidFill>
-                <a:latin typeface="+mn-lt"/>
-                <a:ea typeface="+mn-ea"/>
-                <a:cs typeface="+mn-cs"/>
-              </a:defRPr>
-            </a:lvl9pPr>
-          </a:lstStyle>
-          <a:p>
-            <a:r>
-              <a:rPr lang="zh-CN" altLang="en-US"/>
-              <a:t>模型的核心方程是径向通路与环向通路二者的分流，电感通路与电阻通路二者的分流，通过时域有限差分可以将方程组抽象为：</a:t>
-            </a:r>
-            <a:endParaRPr lang="zh-CN" altLang="en-US" dirty="0"/>
-          </a:p>
-        </p:txBody>
-      </p:sp>
-      <mc:AlternateContent xmlns:mc="http://schemas.openxmlformats.org/markup-compatibility/2006">
-        <mc:Choice xmlns:a14="http://schemas.microsoft.com/office/drawing/2010/main" Requires="a14">
-          <p:sp>
-            <p:nvSpPr>
-              <p:cNvPr id="6" name="文本框 5">
-                <a:extLst>
-                  <a:ext uri="{FF2B5EF4-FFF2-40B4-BE49-F238E27FC236}">
-                    <a16:creationId xmlns:a16="http://schemas.microsoft.com/office/drawing/2014/main" id="{D223C754-F67B-EB4A-D4F0-281A8C99D7E7}"/>
-                  </a:ext>
-                </a:extLst>
-              </p:cNvPr>
-              <p:cNvSpPr txBox="1"/>
-              <p:nvPr/>
-            </p:nvSpPr>
-            <p:spPr>
-              <a:xfrm>
-                <a:off x="1547568" y="3253405"/>
-                <a:ext cx="8280000" cy="610873"/>
-              </a:xfrm>
-              <a:prstGeom prst="rect">
-                <a:avLst/>
-              </a:prstGeom>
-              <a:noFill/>
-            </p:spPr>
-            <p:txBody>
-              <a:bodyPr wrap="square">
-                <a:spAutoFit/>
-              </a:bodyPr>
-              <a:lstStyle/>
-              <a:p>
-                <a:pPr/>
-                <a14:m>
-                  <m:oMathPara xmlns:m="http://schemas.openxmlformats.org/officeDocument/2006/math">
-                    <m:oMathParaPr>
-                      <m:jc m:val="centerGroup"/>
-                    </m:oMathParaPr>
-                    <m:oMath xmlns:m="http://schemas.openxmlformats.org/officeDocument/2006/math">
-                      <m:r>
-                        <a:rPr lang="zh-CN" altLang="en-US" b="1" smtClean="0">
-                          <a:latin typeface="Cambria Math" panose="02040503050406030204" pitchFamily="18" charset="0"/>
-                        </a:rPr>
-                        <m:t>𝐌</m:t>
-                      </m:r>
-                      <m:f>
-                        <m:fPr>
-                          <m:ctrlPr>
-                            <a:rPr lang="zh-CN" altLang="en-US" b="1" i="1">
-                              <a:solidFill>
-                                <a:srgbClr val="836967"/>
-                              </a:solidFill>
-                              <a:latin typeface="Cambria Math" panose="02040503050406030204" pitchFamily="18" charset="0"/>
-                            </a:rPr>
-                          </m:ctrlPr>
-                        </m:fPr>
-                        <m:num>
-                          <m:r>
-                            <a:rPr lang="zh-CN" altLang="en-US" b="1" i="0">
-                              <a:latin typeface="Cambria Math" panose="02040503050406030204" pitchFamily="18" charset="0"/>
-                            </a:rPr>
-                            <m:t>𝐈</m:t>
-                          </m:r>
-                          <m:r>
-                            <a:rPr lang="zh-CN" altLang="en-US" b="0" i="0">
-                              <a:latin typeface="Cambria Math" panose="02040503050406030204" pitchFamily="18" charset="0"/>
-                            </a:rPr>
-                            <m:t>−</m:t>
-                          </m:r>
-                          <m:sSub>
-                            <m:sSubPr>
-                              <m:ctrlPr>
-                                <a:rPr lang="zh-CN" altLang="en-US" b="0" i="1">
-                                  <a:solidFill>
-                                    <a:srgbClr val="836967"/>
-                                  </a:solidFill>
-                                  <a:latin typeface="Cambria Math" panose="02040503050406030204" pitchFamily="18" charset="0"/>
-                                </a:rPr>
-                              </m:ctrlPr>
-                            </m:sSubPr>
-                            <m:e>
-                              <m:r>
-                                <a:rPr lang="zh-CN" altLang="en-US" b="1" i="0">
-                                  <a:latin typeface="Cambria Math" panose="02040503050406030204" pitchFamily="18" charset="0"/>
-                                </a:rPr>
-                                <m:t>𝐈</m:t>
-                              </m:r>
-                            </m:e>
-                            <m:sub>
-                              <m:r>
-                                <a:rPr lang="zh-CN" altLang="en-US" b="0" i="0">
-                                  <a:latin typeface="Cambria Math" panose="02040503050406030204" pitchFamily="18" charset="0"/>
-                                </a:rPr>
-                                <m:t>0</m:t>
-                              </m:r>
-                            </m:sub>
-                          </m:sSub>
-                        </m:num>
-                        <m:den>
-                          <m:r>
-                            <m:rPr>
-                              <m:sty m:val="p"/>
-                            </m:rPr>
-                            <a:rPr lang="en-US" altLang="zh-CN" i="1">
-                              <a:latin typeface="Cambria Math" panose="02040503050406030204" pitchFamily="18" charset="0"/>
-                            </a:rPr>
-                            <m:t>Δ</m:t>
-                          </m:r>
-                          <m:r>
-                            <a:rPr lang="zh-CN" altLang="en-US" b="0" i="1">
-                              <a:latin typeface="Cambria Math" panose="02040503050406030204" pitchFamily="18" charset="0"/>
-                            </a:rPr>
-                            <m:t>𝑡</m:t>
-                          </m:r>
-                        </m:den>
-                      </m:f>
-                      <m:r>
-                        <a:rPr lang="zh-CN" altLang="en-US" b="0" i="0">
-                          <a:latin typeface="Cambria Math" panose="02040503050406030204" pitchFamily="18" charset="0"/>
-                        </a:rPr>
-                        <m:t>+</m:t>
-                      </m:r>
-                      <m:sSub>
-                        <m:sSubPr>
-                          <m:ctrlPr>
-                            <a:rPr lang="zh-CN" altLang="en-US" b="0" i="1">
-                              <a:solidFill>
-                                <a:srgbClr val="836967"/>
-                              </a:solidFill>
-                              <a:latin typeface="Cambria Math" panose="02040503050406030204" pitchFamily="18" charset="0"/>
-                            </a:rPr>
-                          </m:ctrlPr>
-                        </m:sSubPr>
-                        <m:e>
-                          <m:r>
-                            <a:rPr lang="zh-CN" altLang="en-US" b="1" i="0">
-                              <a:latin typeface="Cambria Math" panose="02040503050406030204" pitchFamily="18" charset="0"/>
-                            </a:rPr>
-                            <m:t>𝐑</m:t>
-                          </m:r>
-                        </m:e>
-                        <m:sub>
-                          <m:r>
-                            <a:rPr lang="zh-CN" altLang="en-US" b="0" i="1">
-                              <a:latin typeface="Cambria Math" panose="02040503050406030204" pitchFamily="18" charset="0"/>
-                            </a:rPr>
-                            <m:t>𝑟</m:t>
-                          </m:r>
-                        </m:sub>
-                      </m:sSub>
-                      <m:r>
-                        <a:rPr lang="zh-CN" altLang="en-US" b="1" i="0">
-                          <a:latin typeface="Cambria Math" panose="02040503050406030204" pitchFamily="18" charset="0"/>
-                        </a:rPr>
-                        <m:t>𝐈</m:t>
-                      </m:r>
-                      <m:r>
-                        <a:rPr lang="zh-CN" altLang="en-US" b="0" i="0">
-                          <a:latin typeface="Cambria Math" panose="02040503050406030204" pitchFamily="18" charset="0"/>
-                        </a:rPr>
-                        <m:t>=</m:t>
-                      </m:r>
-                      <m:sSub>
-                        <m:sSubPr>
-                          <m:ctrlPr>
-                            <a:rPr lang="zh-CN" altLang="en-US" b="0" i="1">
-                              <a:solidFill>
-                                <a:srgbClr val="836967"/>
-                              </a:solidFill>
-                              <a:latin typeface="Cambria Math" panose="02040503050406030204" pitchFamily="18" charset="0"/>
-                            </a:rPr>
-                          </m:ctrlPr>
-                        </m:sSubPr>
-                        <m:e>
-                          <m:r>
-                            <a:rPr lang="zh-CN" altLang="en-US" b="1" i="0">
-                              <a:latin typeface="Cambria Math" panose="02040503050406030204" pitchFamily="18" charset="0"/>
-                            </a:rPr>
-                            <m:t>𝐑</m:t>
-                          </m:r>
-                        </m:e>
-                        <m:sub>
-                          <m:r>
-                            <a:rPr lang="zh-CN" altLang="en-US" b="0" i="1">
-                              <a:latin typeface="Cambria Math" panose="02040503050406030204" pitchFamily="18" charset="0"/>
-                            </a:rPr>
-                            <m:t>𝑐</m:t>
-                          </m:r>
-                        </m:sub>
-                      </m:sSub>
-                      <m:r>
-                        <a:rPr lang="zh-CN" altLang="en-US" b="1" i="0">
-                          <a:latin typeface="Cambria Math" panose="02040503050406030204" pitchFamily="18" charset="0"/>
-                        </a:rPr>
-                        <m:t>𝐉</m:t>
-                      </m:r>
-                    </m:oMath>
-                  </m:oMathPara>
-                </a14:m>
-                <a:endParaRPr lang="zh-CN" altLang="en-US" dirty="0"/>
-              </a:p>
-            </p:txBody>
-          </p:sp>
-        </mc:Choice>
-        <mc:Fallback>
-          <p:sp>
-            <p:nvSpPr>
-              <p:cNvPr id="6" name="文本框 5">
-                <a:extLst>
-                  <a:ext uri="{FF2B5EF4-FFF2-40B4-BE49-F238E27FC236}">
-                    <a16:creationId xmlns:a16="http://schemas.microsoft.com/office/drawing/2014/main" id="{D223C754-F67B-EB4A-D4F0-281A8C99D7E7}"/>
-                  </a:ext>
-                </a:extLst>
-              </p:cNvPr>
-              <p:cNvSpPr txBox="1">
-                <a:spLocks noRot="1" noChangeAspect="1" noMove="1" noResize="1" noEditPoints="1" noAdjustHandles="1" noChangeArrowheads="1" noChangeShapeType="1" noTextEdit="1"/>
-              </p:cNvSpPr>
-              <p:nvPr/>
-            </p:nvSpPr>
-            <p:spPr>
-              <a:xfrm>
-                <a:off x="1547568" y="3253405"/>
-                <a:ext cx="8280000" cy="610873"/>
-              </a:xfrm>
-              <a:prstGeom prst="rect">
-                <a:avLst/>
-              </a:prstGeom>
-              <a:blipFill>
-                <a:blip r:embed="rId2"/>
-                <a:stretch>
-                  <a:fillRect/>
-                </a:stretch>
-              </a:blipFill>
-            </p:spPr>
-            <p:txBody>
-              <a:bodyPr/>
-              <a:lstStyle/>
-              <a:p>
-                <a:r>
-                  <a:rPr lang="zh-CN" altLang="en-US">
-                    <a:noFill/>
-                  </a:rPr>
-                  <a:t> </a:t>
-                </a:r>
-              </a:p>
-            </p:txBody>
-          </p:sp>
-        </mc:Fallback>
-      </mc:AlternateContent>
-      <mc:AlternateContent xmlns:mc="http://schemas.openxmlformats.org/markup-compatibility/2006">
-        <mc:Choice xmlns:a14="http://schemas.microsoft.com/office/drawing/2010/main" Requires="a14">
-          <p:sp>
-            <p:nvSpPr>
-              <p:cNvPr id="7" name="文本框 6">
-                <a:extLst>
-                  <a:ext uri="{FF2B5EF4-FFF2-40B4-BE49-F238E27FC236}">
-                    <a16:creationId xmlns:a16="http://schemas.microsoft.com/office/drawing/2014/main" id="{10EA9EE4-92BF-AC6D-7667-86FC191454B0}"/>
-                  </a:ext>
-                </a:extLst>
-              </p:cNvPr>
-              <p:cNvSpPr txBox="1"/>
-              <p:nvPr/>
-            </p:nvSpPr>
-            <p:spPr>
-              <a:xfrm>
-                <a:off x="1547568" y="4579165"/>
-                <a:ext cx="8280000" cy="880434"/>
-              </a:xfrm>
-              <a:prstGeom prst="rect">
-                <a:avLst/>
-              </a:prstGeom>
-              <a:noFill/>
-            </p:spPr>
-            <p:txBody>
-              <a:bodyPr wrap="square">
-                <a:spAutoFit/>
-              </a:bodyPr>
-              <a:lstStyle/>
-              <a:p>
-                <a:pPr/>
-                <a14:m>
-                  <m:oMathPara xmlns:m="http://schemas.openxmlformats.org/officeDocument/2006/math">
-                    <m:oMathParaPr>
-                      <m:jc m:val="centerGroup"/>
-                    </m:oMathParaPr>
-                    <m:oMath xmlns:m="http://schemas.openxmlformats.org/officeDocument/2006/math">
-                      <m:r>
-                        <a:rPr lang="zh-CN" altLang="en-US" b="1" smtClean="0">
-                          <a:latin typeface="Cambria Math" panose="02040503050406030204" pitchFamily="18" charset="0"/>
-                        </a:rPr>
-                        <m:t>𝐌</m:t>
-                      </m:r>
-                      <m:r>
-                        <a:rPr lang="zh-CN" altLang="en-US" b="0" i="0">
-                          <a:latin typeface="Cambria Math" panose="02040503050406030204" pitchFamily="18" charset="0"/>
-                        </a:rPr>
-                        <m:t>=</m:t>
-                      </m:r>
-                      <m:d>
-                        <m:dPr>
-                          <m:begChr m:val="["/>
-                          <m:endChr m:val="]"/>
-                          <m:ctrlPr>
-                            <a:rPr lang="zh-CN" altLang="en-US" b="0" i="1">
-                              <a:solidFill>
-                                <a:srgbClr val="836967"/>
-                              </a:solidFill>
-                              <a:latin typeface="Cambria Math" panose="02040503050406030204" pitchFamily="18" charset="0"/>
-                            </a:rPr>
-                          </m:ctrlPr>
-                        </m:dPr>
-                        <m:e>
-                          <m:m>
-                            <m:mPr>
-                              <m:plcHide m:val="on"/>
-                              <m:mcs>
-                                <m:mc>
-                                  <m:mcPr>
-                                    <m:count m:val="3"/>
-                                    <m:mcJc m:val="center"/>
-                                  </m:mcPr>
-                                </m:mc>
-                              </m:mcs>
-                              <m:ctrlPr>
-                                <a:rPr lang="zh-CN" altLang="en-US" b="0" i="1">
-                                  <a:solidFill>
-                                    <a:srgbClr val="836967"/>
-                                  </a:solidFill>
-                                  <a:latin typeface="Cambria Math" panose="02040503050406030204" pitchFamily="18" charset="0"/>
-                                </a:rPr>
-                              </m:ctrlPr>
-                            </m:mPr>
-                            <m:mr>
-                              <m:e>
-                                <m:sSub>
-                                  <m:sSubPr>
-                                    <m:ctrlPr>
-                                      <a:rPr lang="zh-CN" altLang="en-US" b="0" i="1">
-                                        <a:solidFill>
-                                          <a:srgbClr val="836967"/>
-                                        </a:solidFill>
-                                        <a:latin typeface="Cambria Math" panose="02040503050406030204" pitchFamily="18" charset="0"/>
-                                      </a:rPr>
-                                    </m:ctrlPr>
-                                  </m:sSubPr>
-                                  <m:e>
-                                    <m:r>
-                                      <a:rPr lang="zh-CN" altLang="en-US" b="1" i="0">
-                                        <a:latin typeface="Cambria Math" panose="02040503050406030204" pitchFamily="18" charset="0"/>
-                                      </a:rPr>
-                                      <m:t>𝐌</m:t>
-                                    </m:r>
-                                  </m:e>
-                                  <m:sub>
-                                    <m:r>
-                                      <a:rPr lang="zh-CN" altLang="en-US" b="0" i="0">
-                                        <a:latin typeface="Cambria Math" panose="02040503050406030204" pitchFamily="18" charset="0"/>
-                                      </a:rPr>
-                                      <m:t>1−1</m:t>
-                                    </m:r>
-                                  </m:sub>
-                                </m:sSub>
-                              </m:e>
-                              <m:e>
-                                <m:sSub>
-                                  <m:sSubPr>
-                                    <m:ctrlPr>
-                                      <a:rPr lang="zh-CN" altLang="en-US" b="0" i="1">
-                                        <a:solidFill>
-                                          <a:srgbClr val="836967"/>
-                                        </a:solidFill>
-                                        <a:latin typeface="Cambria Math" panose="02040503050406030204" pitchFamily="18" charset="0"/>
-                                      </a:rPr>
-                                    </m:ctrlPr>
-                                  </m:sSubPr>
-                                  <m:e>
-                                    <m:r>
-                                      <a:rPr lang="zh-CN" altLang="en-US" b="1" i="0">
-                                        <a:latin typeface="Cambria Math" panose="02040503050406030204" pitchFamily="18" charset="0"/>
-                                      </a:rPr>
-                                      <m:t>𝐌</m:t>
-                                    </m:r>
-                                  </m:e>
-                                  <m:sub>
-                                    <m:r>
-                                      <a:rPr lang="zh-CN" altLang="en-US" b="0" i="0">
-                                        <a:latin typeface="Cambria Math" panose="02040503050406030204" pitchFamily="18" charset="0"/>
-                                      </a:rPr>
-                                      <m:t>1−2</m:t>
-                                    </m:r>
-                                  </m:sub>
-                                </m:sSub>
-                              </m:e>
-                              <m:e>
-                                <m:sSub>
-                                  <m:sSubPr>
-                                    <m:ctrlPr>
-                                      <a:rPr lang="zh-CN" altLang="en-US" b="0" i="1">
-                                        <a:solidFill>
-                                          <a:srgbClr val="836967"/>
-                                        </a:solidFill>
-                                        <a:latin typeface="Cambria Math" panose="02040503050406030204" pitchFamily="18" charset="0"/>
-                                      </a:rPr>
-                                    </m:ctrlPr>
-                                  </m:sSubPr>
-                                  <m:e>
-                                    <m:r>
-                                      <a:rPr lang="zh-CN" altLang="en-US" b="1" i="0">
-                                        <a:latin typeface="Cambria Math" panose="02040503050406030204" pitchFamily="18" charset="0"/>
-                                      </a:rPr>
-                                      <m:t>𝐌</m:t>
-                                    </m:r>
-                                  </m:e>
-                                  <m:sub>
-                                    <m:r>
-                                      <a:rPr lang="zh-CN" altLang="en-US" b="0" i="0">
-                                        <a:latin typeface="Cambria Math" panose="02040503050406030204" pitchFamily="18" charset="0"/>
-                                      </a:rPr>
-                                      <m:t>1−3</m:t>
-                                    </m:r>
-                                  </m:sub>
-                                </m:sSub>
-                              </m:e>
-                            </m:mr>
-                            <m:mr>
-                              <m:e>
-                                <m:sSub>
-                                  <m:sSubPr>
-                                    <m:ctrlPr>
-                                      <a:rPr lang="zh-CN" altLang="en-US" b="0" i="1">
-                                        <a:solidFill>
-                                          <a:srgbClr val="836967"/>
-                                        </a:solidFill>
-                                        <a:latin typeface="Cambria Math" panose="02040503050406030204" pitchFamily="18" charset="0"/>
-                                      </a:rPr>
-                                    </m:ctrlPr>
-                                  </m:sSubPr>
-                                  <m:e>
-                                    <m:r>
-                                      <a:rPr lang="zh-CN" altLang="en-US" b="1" i="0">
-                                        <a:latin typeface="Cambria Math" panose="02040503050406030204" pitchFamily="18" charset="0"/>
-                                      </a:rPr>
-                                      <m:t>𝐌</m:t>
-                                    </m:r>
-                                  </m:e>
-                                  <m:sub>
-                                    <m:r>
-                                      <a:rPr lang="zh-CN" altLang="en-US" b="0" i="0">
-                                        <a:latin typeface="Cambria Math" panose="02040503050406030204" pitchFamily="18" charset="0"/>
-                                      </a:rPr>
-                                      <m:t>2−1</m:t>
-                                    </m:r>
-                                  </m:sub>
-                                </m:sSub>
-                              </m:e>
-                              <m:e>
-                                <m:sSub>
-                                  <m:sSubPr>
-                                    <m:ctrlPr>
-                                      <a:rPr lang="zh-CN" altLang="en-US" b="0" i="1">
-                                        <a:solidFill>
-                                          <a:srgbClr val="836967"/>
-                                        </a:solidFill>
-                                        <a:latin typeface="Cambria Math" panose="02040503050406030204" pitchFamily="18" charset="0"/>
-                                      </a:rPr>
-                                    </m:ctrlPr>
-                                  </m:sSubPr>
-                                  <m:e>
-                                    <m:r>
-                                      <a:rPr lang="zh-CN" altLang="en-US" b="1" i="0">
-                                        <a:latin typeface="Cambria Math" panose="02040503050406030204" pitchFamily="18" charset="0"/>
-                                      </a:rPr>
-                                      <m:t>𝐌</m:t>
-                                    </m:r>
-                                  </m:e>
-                                  <m:sub>
-                                    <m:r>
-                                      <a:rPr lang="zh-CN" altLang="en-US" b="0" i="0">
-                                        <a:latin typeface="Cambria Math" panose="02040503050406030204" pitchFamily="18" charset="0"/>
-                                      </a:rPr>
-                                      <m:t>2−2</m:t>
-                                    </m:r>
-                                  </m:sub>
-                                </m:sSub>
-                              </m:e>
-                              <m:e>
-                                <m:sSub>
-                                  <m:sSubPr>
-                                    <m:ctrlPr>
-                                      <a:rPr lang="zh-CN" altLang="en-US" b="0" i="1">
-                                        <a:solidFill>
-                                          <a:srgbClr val="836967"/>
-                                        </a:solidFill>
-                                        <a:latin typeface="Cambria Math" panose="02040503050406030204" pitchFamily="18" charset="0"/>
-                                      </a:rPr>
-                                    </m:ctrlPr>
-                                  </m:sSubPr>
-                                  <m:e>
-                                    <m:r>
-                                      <a:rPr lang="zh-CN" altLang="en-US" b="1" i="0">
-                                        <a:latin typeface="Cambria Math" panose="02040503050406030204" pitchFamily="18" charset="0"/>
-                                      </a:rPr>
-                                      <m:t>𝐌</m:t>
-                                    </m:r>
-                                  </m:e>
-                                  <m:sub>
-                                    <m:r>
-                                      <a:rPr lang="zh-CN" altLang="en-US" b="0" i="0">
-                                        <a:latin typeface="Cambria Math" panose="02040503050406030204" pitchFamily="18" charset="0"/>
-                                      </a:rPr>
-                                      <m:t>2−3</m:t>
-                                    </m:r>
-                                  </m:sub>
-                                </m:sSub>
-                              </m:e>
-                            </m:mr>
-                            <m:mr>
-                              <m:e>
-                                <m:sSub>
-                                  <m:sSubPr>
-                                    <m:ctrlPr>
-                                      <a:rPr lang="zh-CN" altLang="en-US" b="0" i="1">
-                                        <a:solidFill>
-                                          <a:srgbClr val="836967"/>
-                                        </a:solidFill>
-                                        <a:latin typeface="Cambria Math" panose="02040503050406030204" pitchFamily="18" charset="0"/>
-                                      </a:rPr>
-                                    </m:ctrlPr>
-                                  </m:sSubPr>
-                                  <m:e>
-                                    <m:r>
-                                      <a:rPr lang="zh-CN" altLang="en-US" b="1" i="0">
-                                        <a:latin typeface="Cambria Math" panose="02040503050406030204" pitchFamily="18" charset="0"/>
-                                      </a:rPr>
-                                      <m:t>𝐌</m:t>
-                                    </m:r>
-                                  </m:e>
-                                  <m:sub>
-                                    <m:r>
-                                      <a:rPr lang="zh-CN" altLang="en-US" b="0" i="0">
-                                        <a:latin typeface="Cambria Math" panose="02040503050406030204" pitchFamily="18" charset="0"/>
-                                      </a:rPr>
-                                      <m:t>3−1</m:t>
-                                    </m:r>
-                                  </m:sub>
-                                </m:sSub>
-                              </m:e>
-                              <m:e>
-                                <m:sSub>
-                                  <m:sSubPr>
-                                    <m:ctrlPr>
-                                      <a:rPr lang="zh-CN" altLang="en-US" b="0" i="1">
-                                        <a:solidFill>
-                                          <a:srgbClr val="836967"/>
-                                        </a:solidFill>
-                                        <a:latin typeface="Cambria Math" panose="02040503050406030204" pitchFamily="18" charset="0"/>
-                                      </a:rPr>
-                                    </m:ctrlPr>
-                                  </m:sSubPr>
-                                  <m:e>
-                                    <m:r>
-                                      <a:rPr lang="zh-CN" altLang="en-US" b="1" i="0">
-                                        <a:latin typeface="Cambria Math" panose="02040503050406030204" pitchFamily="18" charset="0"/>
-                                      </a:rPr>
-                                      <m:t>𝐌</m:t>
-                                    </m:r>
-                                  </m:e>
-                                  <m:sub>
-                                    <m:r>
-                                      <a:rPr lang="zh-CN" altLang="en-US" b="0" i="0">
-                                        <a:latin typeface="Cambria Math" panose="02040503050406030204" pitchFamily="18" charset="0"/>
-                                      </a:rPr>
-                                      <m:t>3−2</m:t>
-                                    </m:r>
-                                  </m:sub>
-                                </m:sSub>
-                              </m:e>
-                              <m:e>
-                                <m:sSub>
-                                  <m:sSubPr>
-                                    <m:ctrlPr>
-                                      <a:rPr lang="zh-CN" altLang="en-US" b="0" i="1">
-                                        <a:solidFill>
-                                          <a:srgbClr val="836967"/>
-                                        </a:solidFill>
-                                        <a:latin typeface="Cambria Math" panose="02040503050406030204" pitchFamily="18" charset="0"/>
-                                      </a:rPr>
-                                    </m:ctrlPr>
-                                  </m:sSubPr>
-                                  <m:e>
-                                    <m:r>
-                                      <a:rPr lang="zh-CN" altLang="en-US" b="1" i="0">
-                                        <a:latin typeface="Cambria Math" panose="02040503050406030204" pitchFamily="18" charset="0"/>
-                                      </a:rPr>
-                                      <m:t>𝐌</m:t>
-                                    </m:r>
-                                  </m:e>
-                                  <m:sub>
-                                    <m:r>
-                                      <a:rPr lang="zh-CN" altLang="en-US" b="0" i="0">
-                                        <a:latin typeface="Cambria Math" panose="02040503050406030204" pitchFamily="18" charset="0"/>
-                                      </a:rPr>
-                                      <m:t>3−3</m:t>
-                                    </m:r>
-                                  </m:sub>
-                                </m:sSub>
-                              </m:e>
-                            </m:mr>
-                          </m:m>
-                        </m:e>
-                      </m:d>
-                    </m:oMath>
-                  </m:oMathPara>
-                </a14:m>
-                <a:endParaRPr lang="zh-CN" altLang="en-US" dirty="0"/>
-              </a:p>
-            </p:txBody>
-          </p:sp>
-        </mc:Choice>
-        <mc:Fallback>
-          <p:sp>
-            <p:nvSpPr>
-              <p:cNvPr id="7" name="文本框 6">
-                <a:extLst>
-                  <a:ext uri="{FF2B5EF4-FFF2-40B4-BE49-F238E27FC236}">
-                    <a16:creationId xmlns:a16="http://schemas.microsoft.com/office/drawing/2014/main" id="{10EA9EE4-92BF-AC6D-7667-86FC191454B0}"/>
-                  </a:ext>
-                </a:extLst>
-              </p:cNvPr>
-              <p:cNvSpPr txBox="1">
-                <a:spLocks noRot="1" noChangeAspect="1" noMove="1" noResize="1" noEditPoints="1" noAdjustHandles="1" noChangeArrowheads="1" noChangeShapeType="1" noTextEdit="1"/>
-              </p:cNvSpPr>
-              <p:nvPr/>
-            </p:nvSpPr>
-            <p:spPr>
-              <a:xfrm>
-                <a:off x="1547568" y="4579165"/>
-                <a:ext cx="8280000" cy="880434"/>
-              </a:xfrm>
-              <a:prstGeom prst="rect">
-                <a:avLst/>
-              </a:prstGeom>
-              <a:blipFill>
-                <a:blip r:embed="rId3"/>
-                <a:stretch>
-                  <a:fillRect/>
-                </a:stretch>
-              </a:blipFill>
-            </p:spPr>
-            <p:txBody>
-              <a:bodyPr/>
-              <a:lstStyle/>
-              <a:p>
-                <a:r>
-                  <a:rPr lang="zh-CN" altLang="en-US">
-                    <a:noFill/>
-                  </a:rPr>
-                  <a:t> </a:t>
-                </a:r>
-              </a:p>
-            </p:txBody>
-          </p:sp>
-        </mc:Fallback>
-      </mc:AlternateContent>
-      <mc:AlternateContent xmlns:mc="http://schemas.openxmlformats.org/markup-compatibility/2006">
-        <mc:Choice xmlns:a14="http://schemas.microsoft.com/office/drawing/2010/main" Requires="a14">
-          <p:sp>
-            <p:nvSpPr>
-              <p:cNvPr id="8" name="文本框 7">
-                <a:extLst>
-                  <a:ext uri="{FF2B5EF4-FFF2-40B4-BE49-F238E27FC236}">
-                    <a16:creationId xmlns:a16="http://schemas.microsoft.com/office/drawing/2014/main" id="{242368BD-08B5-648D-CF8D-E4F9D495CE5D}"/>
-                  </a:ext>
-                </a:extLst>
-              </p:cNvPr>
-              <p:cNvSpPr txBox="1"/>
-              <p:nvPr/>
-            </p:nvSpPr>
-            <p:spPr>
-              <a:xfrm>
-                <a:off x="1547568" y="4023462"/>
-                <a:ext cx="8280000" cy="396519"/>
-              </a:xfrm>
-              <a:prstGeom prst="rect">
-                <a:avLst/>
-              </a:prstGeom>
-              <a:noFill/>
-            </p:spPr>
-            <p:txBody>
-              <a:bodyPr wrap="none" rtlCol="0">
-                <a:spAutoFit/>
-              </a:bodyPr>
-              <a:lstStyle/>
-              <a:p>
-                <a:pPr algn="l">
-                  <a:lnSpc>
-                    <a:spcPct val="120000"/>
-                  </a:lnSpc>
-                </a:pPr>
-                <a:r>
-                  <a:rPr lang="zh-CN" altLang="en-US" dirty="0"/>
-                  <a:t>其中，互感矩阵</a:t>
-                </a:r>
-                <a14:m>
-                  <m:oMath xmlns:m="http://schemas.openxmlformats.org/officeDocument/2006/math">
-                    <m:r>
-                      <a:rPr lang="en-US" altLang="zh-CN" b="1" i="0" dirty="0" smtClean="0">
-                        <a:latin typeface="Cambria Math" panose="02040503050406030204" pitchFamily="18" charset="0"/>
-                      </a:rPr>
-                      <m:t>𝐌</m:t>
-                    </m:r>
-                  </m:oMath>
-                </a14:m>
-                <a:r>
-                  <a:rPr lang="zh-CN" altLang="en-US" dirty="0"/>
-                  <a:t>的构成为：</a:t>
-                </a:r>
-              </a:p>
-            </p:txBody>
-          </p:sp>
-        </mc:Choice>
-        <mc:Fallback>
-          <p:sp>
-            <p:nvSpPr>
-              <p:cNvPr id="8" name="文本框 7">
-                <a:extLst>
-                  <a:ext uri="{FF2B5EF4-FFF2-40B4-BE49-F238E27FC236}">
-                    <a16:creationId xmlns:a16="http://schemas.microsoft.com/office/drawing/2014/main" id="{242368BD-08B5-648D-CF8D-E4F9D495CE5D}"/>
-                  </a:ext>
-                </a:extLst>
-              </p:cNvPr>
-              <p:cNvSpPr txBox="1">
-                <a:spLocks noRot="1" noChangeAspect="1" noMove="1" noResize="1" noEditPoints="1" noAdjustHandles="1" noChangeArrowheads="1" noChangeShapeType="1" noTextEdit="1"/>
-              </p:cNvSpPr>
-              <p:nvPr/>
-            </p:nvSpPr>
-            <p:spPr>
-              <a:xfrm>
-                <a:off x="1547568" y="4023462"/>
-                <a:ext cx="8280000" cy="396519"/>
-              </a:xfrm>
-              <a:prstGeom prst="rect">
-                <a:avLst/>
-              </a:prstGeom>
-              <a:blipFill>
-                <a:blip r:embed="rId4"/>
-                <a:stretch>
-                  <a:fillRect l="-663" b="-26154"/>
-                </a:stretch>
-              </a:blipFill>
-            </p:spPr>
-            <p:txBody>
-              <a:bodyPr/>
-              <a:lstStyle/>
-              <a:p>
-                <a:r>
-                  <a:rPr lang="zh-CN" altLang="en-US">
-                    <a:noFill/>
-                  </a:rPr>
-                  <a:t> </a:t>
-                </a:r>
-              </a:p>
-            </p:txBody>
-          </p:sp>
-        </mc:Fallback>
-      </mc:AlternateContent>
-      <mc:AlternateContent xmlns:mc="http://schemas.openxmlformats.org/markup-compatibility/2006">
-        <mc:Choice xmlns:a14="http://schemas.microsoft.com/office/drawing/2010/main" Requires="a14">
-          <p:sp>
-            <p:nvSpPr>
-              <p:cNvPr id="9" name="文本框 8">
-                <a:extLst>
-                  <a:ext uri="{FF2B5EF4-FFF2-40B4-BE49-F238E27FC236}">
-                    <a16:creationId xmlns:a16="http://schemas.microsoft.com/office/drawing/2014/main" id="{351FE3E8-9FBA-33BC-6288-E86EBFB0F661}"/>
-                  </a:ext>
-                </a:extLst>
-              </p:cNvPr>
-              <p:cNvSpPr txBox="1"/>
-              <p:nvPr/>
-            </p:nvSpPr>
-            <p:spPr>
-              <a:xfrm>
-                <a:off x="1547568" y="5618785"/>
-                <a:ext cx="8280000" cy="391646"/>
-              </a:xfrm>
-              <a:prstGeom prst="rect">
-                <a:avLst/>
-              </a:prstGeom>
-              <a:noFill/>
-            </p:spPr>
-            <p:txBody>
-              <a:bodyPr wrap="square">
-                <a:spAutoFit/>
-              </a:bodyPr>
-              <a:lstStyle/>
-              <a:p>
-                <a:r>
-                  <a:rPr lang="zh-CN" altLang="en-US" dirty="0"/>
-                  <a:t>知道</a:t>
-                </a:r>
-                <a14:m>
-                  <m:oMath xmlns:m="http://schemas.openxmlformats.org/officeDocument/2006/math">
-                    <m:sSub>
-                      <m:sSubPr>
-                        <m:ctrlPr>
-                          <a:rPr lang="en-US" altLang="zh-CN" i="1" dirty="0" smtClean="0">
-                            <a:latin typeface="Cambria Math" panose="02040503050406030204" pitchFamily="18" charset="0"/>
-                          </a:rPr>
-                        </m:ctrlPr>
-                      </m:sSubPr>
-                      <m:e>
-                        <m:r>
-                          <a:rPr lang="en-US" altLang="zh-CN" b="1" dirty="0">
-                            <a:latin typeface="Cambria Math" panose="02040503050406030204" pitchFamily="18" charset="0"/>
-                          </a:rPr>
-                          <m:t>𝐌</m:t>
-                        </m:r>
-                      </m:e>
-                      <m:sub>
-                        <m:r>
-                          <a:rPr lang="en-US" altLang="zh-CN" i="1" dirty="0" err="1">
-                            <a:latin typeface="Cambria Math" panose="02040503050406030204" pitchFamily="18" charset="0"/>
-                          </a:rPr>
-                          <m:t>𝑖</m:t>
-                        </m:r>
-                        <m:r>
-                          <a:rPr lang="en-US" altLang="zh-CN" i="1" dirty="0">
-                            <a:latin typeface="Cambria Math" panose="02040503050406030204" pitchFamily="18" charset="0"/>
-                          </a:rPr>
-                          <m:t>−</m:t>
-                        </m:r>
-                        <m:r>
-                          <a:rPr lang="en-US" altLang="zh-CN" i="1" dirty="0">
-                            <a:latin typeface="Cambria Math" panose="02040503050406030204" pitchFamily="18" charset="0"/>
-                          </a:rPr>
-                          <m:t>𝑗</m:t>
-                        </m:r>
-                      </m:sub>
-                    </m:sSub>
-                  </m:oMath>
-                </a14:m>
-                <a:r>
-                  <a:rPr lang="zh-CN" altLang="en-US" dirty="0"/>
-                  <a:t>是对称矩阵，</a:t>
-                </a:r>
-                <a:r>
-                  <a:rPr lang="en-US" altLang="zh-CN" b="1" dirty="0"/>
-                  <a:t> </a:t>
-                </a:r>
-                <a14:m>
-                  <m:oMath xmlns:m="http://schemas.openxmlformats.org/officeDocument/2006/math">
-                    <m:r>
-                      <a:rPr lang="en-US" altLang="zh-CN" b="1" dirty="0">
-                        <a:latin typeface="Cambria Math" panose="02040503050406030204" pitchFamily="18" charset="0"/>
-                      </a:rPr>
-                      <m:t>𝐌</m:t>
-                    </m:r>
-                  </m:oMath>
-                </a14:m>
-                <a:r>
-                  <a:rPr lang="zh-CN" altLang="en-US" dirty="0"/>
-                  <a:t>也是对称矩阵，这与该矩阵的物理意义是一致的。</a:t>
-                </a:r>
-              </a:p>
-            </p:txBody>
-          </p:sp>
-        </mc:Choice>
-        <mc:Fallback>
-          <p:sp>
-            <p:nvSpPr>
-              <p:cNvPr id="9" name="文本框 8">
-                <a:extLst>
-                  <a:ext uri="{FF2B5EF4-FFF2-40B4-BE49-F238E27FC236}">
-                    <a16:creationId xmlns:a16="http://schemas.microsoft.com/office/drawing/2014/main" id="{351FE3E8-9FBA-33BC-6288-E86EBFB0F661}"/>
-                  </a:ext>
-                </a:extLst>
-              </p:cNvPr>
-              <p:cNvSpPr txBox="1">
-                <a:spLocks noRot="1" noChangeAspect="1" noMove="1" noResize="1" noEditPoints="1" noAdjustHandles="1" noChangeArrowheads="1" noChangeShapeType="1" noTextEdit="1"/>
-              </p:cNvSpPr>
-              <p:nvPr/>
-            </p:nvSpPr>
-            <p:spPr>
-              <a:xfrm>
-                <a:off x="1547568" y="5618785"/>
-                <a:ext cx="8280000" cy="391646"/>
-              </a:xfrm>
-              <a:prstGeom prst="rect">
-                <a:avLst/>
-              </a:prstGeom>
-              <a:blipFill>
-                <a:blip r:embed="rId5"/>
-                <a:stretch>
-                  <a:fillRect l="-663" t="-7813" b="-20313"/>
-                </a:stretch>
-              </a:blipFill>
-            </p:spPr>
-            <p:txBody>
-              <a:bodyPr/>
-              <a:lstStyle/>
-              <a:p>
-                <a:r>
-                  <a:rPr lang="zh-CN" altLang="en-US">
-                    <a:noFill/>
-                  </a:rPr>
-                  <a:t> </a:t>
-                </a:r>
-              </a:p>
-            </p:txBody>
-          </p:sp>
-        </mc:Fallback>
-      </mc:AlternateContent>
-      <p:sp>
-        <p:nvSpPr>
-          <p:cNvPr id="10" name="文本框 9">
-            <a:extLst>
-              <a:ext uri="{FF2B5EF4-FFF2-40B4-BE49-F238E27FC236}">
-                <a16:creationId xmlns:a16="http://schemas.microsoft.com/office/drawing/2014/main" id="{FA33F2F8-59C1-10E3-B1CD-87E4A7E95C0D}"/>
-              </a:ext>
-            </a:extLst>
-          </p:cNvPr>
-          <p:cNvSpPr txBox="1"/>
-          <p:nvPr/>
-        </p:nvSpPr>
-        <p:spPr>
-          <a:xfrm>
-            <a:off x="1547568" y="1190051"/>
-            <a:ext cx="8280000" cy="646331"/>
-          </a:xfrm>
-          <a:prstGeom prst="rect">
-            <a:avLst/>
-          </a:prstGeom>
-          <a:noFill/>
-        </p:spPr>
-        <p:txBody>
-          <a:bodyPr wrap="square">
-            <a:spAutoFit/>
-          </a:bodyPr>
-          <a:lstStyle/>
-          <a:p>
-            <a:r>
-              <a:rPr lang="zh-CN" altLang="en-US" dirty="0"/>
-              <a:t>磁场、温度导致的临界电流的变化、磁通变化导致的互感耦合、直接的电气连接构成了模型中元素之间相互作用的全部关系。</a:t>
-            </a:r>
-          </a:p>
-        </p:txBody>
-      </p:sp>
-    </p:spTree>
-    <p:extLst>
-      <p:ext uri="{BB962C8B-B14F-4D97-AF65-F5344CB8AC3E}">
-        <p14:creationId xmlns:p14="http://schemas.microsoft.com/office/powerpoint/2010/main" val="165083761"/>
-      </p:ext>
-    </p:extLst>
-  </p:cSld>
-  <p:clrMapOvr>
-    <a:masterClrMapping/>
-  </p:clrMapOvr>
-</p:sld>
-</file>
-
-<file path=ppt/slides/slide6.xml><?xml version="1.0" encoding="utf-8"?>
-<p:sld xmlns:a="http://schemas.openxmlformats.org/drawingml/2006/main" xmlns:r="http://schemas.openxmlformats.org/officeDocument/2006/relationships" xmlns:p="http://schemas.openxmlformats.org/presentationml/2006/main">
-  <p:cSld>
-    <p:spTree>
-      <p:nvGrpSpPr>
-        <p:cNvPr id="1" name=""/>
-        <p:cNvGrpSpPr/>
-        <p:nvPr/>
-      </p:nvGrpSpPr>
-      <p:grpSpPr>
-        <a:xfrm>
-          <a:off x="0" y="0"/>
-          <a:ext cx="0" cy="0"/>
-          <a:chOff x="0" y="0"/>
-          <a:chExt cx="0" cy="0"/>
-        </a:xfrm>
-      </p:grpSpPr>
-      <p:pic>
-        <p:nvPicPr>
-          <p:cNvPr id="5" name="内容占位符 4">
-            <a:extLst>
-              <a:ext uri="{FF2B5EF4-FFF2-40B4-BE49-F238E27FC236}">
-                <a16:creationId xmlns:a16="http://schemas.microsoft.com/office/drawing/2014/main" id="{58F1D787-E645-B85B-501A-F9F6A81D9E38}"/>
-              </a:ext>
-            </a:extLst>
-          </p:cNvPr>
-          <p:cNvPicPr>
-            <a:picLocks noGrp="1" noChangeAspect="1"/>
-          </p:cNvPicPr>
-          <p:nvPr>
-            <p:ph idx="1"/>
-          </p:nvPr>
-        </p:nvPicPr>
-        <p:blipFill>
-          <a:blip r:embed="rId2"/>
-          <a:stretch>
-            <a:fillRect/>
-          </a:stretch>
-        </p:blipFill>
-        <p:spPr>
-          <a:xfrm>
-            <a:off x="1772001" y="95966"/>
-            <a:ext cx="8366916" cy="6762034"/>
-          </a:xfrm>
-        </p:spPr>
-      </p:pic>
-    </p:spTree>
-    <p:extLst>
-      <p:ext uri="{BB962C8B-B14F-4D97-AF65-F5344CB8AC3E}">
-        <p14:creationId xmlns:p14="http://schemas.microsoft.com/office/powerpoint/2010/main" val="1044357208"/>
-      </p:ext>
-    </p:extLst>
-  </p:cSld>
-  <p:clrMapOvr>
-    <a:masterClrMapping/>
-  </p:clrMapOvr>
-</p:sld>
-</file>
-
-<file path=ppt/slides/slide7.xml><?xml version="1.0" encoding="utf-8"?>
-<p:sld xmlns:a="http://schemas.openxmlformats.org/drawingml/2006/main" xmlns:r="http://schemas.openxmlformats.org/officeDocument/2006/relationships" xmlns:p="http://schemas.openxmlformats.org/presentationml/2006/main">
-  <p:cSld>
-    <p:spTree>
-      <p:nvGrpSpPr>
-        <p:cNvPr id="1" name=""/>
-        <p:cNvGrpSpPr/>
-        <p:nvPr/>
-      </p:nvGrpSpPr>
-      <p:grpSpPr>
-        <a:xfrm>
-          <a:off x="0" y="0"/>
-          <a:ext cx="0" cy="0"/>
-          <a:chOff x="0" y="0"/>
-          <a:chExt cx="0" cy="0"/>
-        </a:xfrm>
-      </p:grpSpPr>
-      <p:pic>
-        <p:nvPicPr>
-          <p:cNvPr id="5" name="内容占位符 4" descr="图片包含 图示&#10;&#10;描述已自动生成">
-            <a:extLst>
-              <a:ext uri="{FF2B5EF4-FFF2-40B4-BE49-F238E27FC236}">
-                <a16:creationId xmlns:a16="http://schemas.microsoft.com/office/drawing/2014/main" id="{14FF21DA-11C5-08CD-A47F-411918E38D3F}"/>
-              </a:ext>
-            </a:extLst>
-          </p:cNvPr>
-          <p:cNvPicPr>
-            <a:picLocks noGrp="1" noChangeAspect="1"/>
-          </p:cNvPicPr>
-          <p:nvPr>
-            <p:ph idx="1"/>
-          </p:nvPr>
-        </p:nvPicPr>
-        <p:blipFill>
-          <a:blip r:embed="rId2">
-            <a:extLst>
-              <a:ext uri="{28A0092B-C50C-407E-A947-70E740481C1C}">
-                <a14:useLocalDpi xmlns:a14="http://schemas.microsoft.com/office/drawing/2010/main" val="0"/>
-              </a:ext>
-            </a:extLst>
-          </a:blip>
-          <a:stretch>
-            <a:fillRect/>
-          </a:stretch>
-        </p:blipFill>
-        <p:spPr>
-          <a:xfrm>
-            <a:off x="98627" y="1318614"/>
-            <a:ext cx="11994745" cy="4220771"/>
-          </a:xfrm>
-        </p:spPr>
-      </p:pic>
-    </p:spTree>
-    <p:extLst>
-      <p:ext uri="{BB962C8B-B14F-4D97-AF65-F5344CB8AC3E}">
-        <p14:creationId xmlns:p14="http://schemas.microsoft.com/office/powerpoint/2010/main" val="1198595019"/>
-      </p:ext>
-    </p:extLst>
-  </p:cSld>
-  <p:clrMapOvr>
-    <a:masterClrMapping/>
-  </p:clrMapOvr>
-</p:sld>
-</file>
-
-<file path=ppt/slides/slide8.xml><?xml version="1.0" encoding="utf-8"?>
-<p:sld xmlns:a="http://schemas.openxmlformats.org/drawingml/2006/main" xmlns:r="http://schemas.openxmlformats.org/officeDocument/2006/relationships" xmlns:p="http://schemas.openxmlformats.org/presentationml/2006/main">
-  <p:cSld>
-    <p:spTree>
-      <p:nvGrpSpPr>
-        <p:cNvPr id="1" name=""/>
-        <p:cNvGrpSpPr/>
-        <p:nvPr/>
-      </p:nvGrpSpPr>
-      <p:grpSpPr>
-        <a:xfrm>
-          <a:off x="0" y="0"/>
-          <a:ext cx="0" cy="0"/>
-          <a:chOff x="0" y="0"/>
-          <a:chExt cx="0" cy="0"/>
-        </a:xfrm>
-      </p:grpSpPr>
-      <p:pic>
-        <p:nvPicPr>
-          <p:cNvPr id="5" name="内容占位符 4" descr="图示, 示意图&#10;&#10;描述已自动生成">
-            <a:extLst>
-              <a:ext uri="{FF2B5EF4-FFF2-40B4-BE49-F238E27FC236}">
-                <a16:creationId xmlns:a16="http://schemas.microsoft.com/office/drawing/2014/main" id="{88305353-1C5F-EC33-DD95-A3D94AF861F1}"/>
-              </a:ext>
-            </a:extLst>
-          </p:cNvPr>
-          <p:cNvPicPr>
-            <a:picLocks noGrp="1" noChangeAspect="1"/>
-          </p:cNvPicPr>
-          <p:nvPr>
-            <p:ph idx="1"/>
-          </p:nvPr>
-        </p:nvPicPr>
-        <p:blipFill>
-          <a:blip r:embed="rId2">
-            <a:extLst>
-              <a:ext uri="{28A0092B-C50C-407E-A947-70E740481C1C}">
-                <a14:useLocalDpi xmlns:a14="http://schemas.microsoft.com/office/drawing/2010/main" val="0"/>
-              </a:ext>
-            </a:extLst>
-          </a:blip>
-          <a:stretch>
-            <a:fillRect/>
-          </a:stretch>
-        </p:blipFill>
-        <p:spPr>
-          <a:xfrm>
-            <a:off x="908755" y="344442"/>
-            <a:ext cx="10374489" cy="6169116"/>
-          </a:xfrm>
-        </p:spPr>
-      </p:pic>
-    </p:spTree>
-    <p:extLst>
-      <p:ext uri="{BB962C8B-B14F-4D97-AF65-F5344CB8AC3E}">
-        <p14:creationId xmlns:p14="http://schemas.microsoft.com/office/powerpoint/2010/main" val="2305205502"/>
-      </p:ext>
-    </p:extLst>
-  </p:cSld>
-  <p:clrMapOvr>
-    <a:masterClrMapping/>
-  </p:clrMapOvr>
-</p:sld>
-</file>
-
-<file path=ppt/slides/slide9.xml><?xml version="1.0" encoding="utf-8"?>
-<p:sld xmlns:a="http://schemas.openxmlformats.org/drawingml/2006/main" xmlns:r="http://schemas.openxmlformats.org/officeDocument/2006/relationships" xmlns:p="http://schemas.openxmlformats.org/presentationml/2006/main">
-  <p:cSld>
-    <p:spTree>
-      <p:nvGrpSpPr>
-        <p:cNvPr id="1" name=""/>
-        <p:cNvGrpSpPr/>
-        <p:nvPr/>
-      </p:nvGrpSpPr>
-      <p:grpSpPr>
-        <a:xfrm>
-          <a:off x="0" y="0"/>
-          <a:ext cx="0" cy="0"/>
-          <a:chOff x="0" y="0"/>
-          <a:chExt cx="0" cy="0"/>
-        </a:xfrm>
-      </p:grpSpPr>
-      <p:sp>
-        <p:nvSpPr>
-          <p:cNvPr id="4" name="标题 2">
-            <a:extLst>
-              <a:ext uri="{FF2B5EF4-FFF2-40B4-BE49-F238E27FC236}">
-                <a16:creationId xmlns:a16="http://schemas.microsoft.com/office/drawing/2014/main" id="{A9441097-2998-E835-0D3C-05DB2EC763F9}"/>
-              </a:ext>
-            </a:extLst>
-          </p:cNvPr>
-          <p:cNvSpPr txBox="1">
-            <a:spLocks/>
-          </p:cNvSpPr>
-          <p:nvPr/>
-        </p:nvSpPr>
-        <p:spPr>
-          <a:xfrm>
-            <a:off x="916529" y="440522"/>
-            <a:ext cx="6429375" cy="367200"/>
-          </a:xfrm>
-          <a:prstGeom prst="rect">
-            <a:avLst/>
-          </a:prstGeom>
-        </p:spPr>
-        <p:txBody>
-          <a:bodyPr vert="horz" lIns="91440" tIns="45720" rIns="91440" bIns="45720" rtlCol="0" anchor="ctr">
-            <a:noAutofit/>
-          </a:bodyPr>
-          <a:lstStyle>
-            <a:defPPr>
-              <a:defRPr lang="zh-CN"/>
-            </a:defPPr>
-            <a:lvl1pPr>
-              <a:lnSpc>
-                <a:spcPct val="90000"/>
-              </a:lnSpc>
-              <a:spcBef>
-                <a:spcPct val="0"/>
-              </a:spcBef>
-              <a:buNone/>
-              <a:defRPr sz="3600" b="1">
-                <a:latin typeface="+mj-lt"/>
-                <a:ea typeface="+mj-ea"/>
-                <a:cs typeface="+mj-cs"/>
-              </a:defRPr>
-            </a:lvl1pPr>
-          </a:lstStyle>
-          <a:p>
-            <a:r>
-              <a:rPr lang="zh-CN" altLang="en-US" dirty="0"/>
-              <a:t>磁场耦合</a:t>
-            </a:r>
-          </a:p>
-        </p:txBody>
-      </p:sp>
-      <mc:AlternateContent xmlns:mc="http://schemas.openxmlformats.org/markup-compatibility/2006">
-        <mc:Choice xmlns:a14="http://schemas.microsoft.com/office/drawing/2010/main" Requires="a14">
-          <p:sp>
-            <p:nvSpPr>
-              <p:cNvPr id="5" name="内容占位符 4">
-                <a:extLst>
-                  <a:ext uri="{FF2B5EF4-FFF2-40B4-BE49-F238E27FC236}">
-                    <a16:creationId xmlns:a16="http://schemas.microsoft.com/office/drawing/2014/main" id="{CD1D2125-07E1-989F-D27F-B947BD4641F6}"/>
-                  </a:ext>
-                </a:extLst>
-              </p:cNvPr>
-              <p:cNvSpPr txBox="1">
-                <a:spLocks/>
-              </p:cNvSpPr>
-              <p:nvPr/>
-            </p:nvSpPr>
-            <p:spPr>
-              <a:xfrm>
-                <a:off x="1482786" y="1197623"/>
-                <a:ext cx="8640000" cy="1532207"/>
-              </a:xfrm>
-              <a:prstGeom prst="rect">
-                <a:avLst/>
-              </a:prstGeom>
-            </p:spPr>
-            <p:txBody>
-              <a:bodyPr/>
-              <a:lstStyle>
-                <a:lvl1pPr marL="228600" indent="-228600" algn="l" defTabSz="914400" rtl="0" eaLnBrk="1" latinLnBrk="0" hangingPunct="1">
-                  <a:lnSpc>
-                    <a:spcPct val="90000"/>
-                  </a:lnSpc>
-                  <a:spcBef>
-                    <a:spcPts val="1000"/>
-                  </a:spcBef>
-                  <a:buFont typeface="Arial" panose="020B0604020202020204" pitchFamily="34" charset="0"/>
-                  <a:buChar char="•"/>
-                  <a:defRPr sz="2800" kern="1200">
-                    <a:solidFill>
-                      <a:schemeClr val="tx1"/>
-                    </a:solidFill>
-                    <a:latin typeface="+mn-lt"/>
-                    <a:ea typeface="+mn-ea"/>
-                    <a:cs typeface="+mn-cs"/>
-                  </a:defRPr>
-                </a:lvl1pPr>
-                <a:lvl2pPr marL="685800" indent="-228600" algn="l" defTabSz="914400" rtl="0" eaLnBrk="1" latinLnBrk="0" hangingPunct="1">
-                  <a:lnSpc>
-                    <a:spcPct val="90000"/>
-                  </a:lnSpc>
-                  <a:spcBef>
-                    <a:spcPts val="500"/>
-                  </a:spcBef>
-                  <a:buFont typeface="Arial" panose="020B0604020202020204" pitchFamily="34" charset="0"/>
-                  <a:buChar char="•"/>
-                  <a:defRPr sz="2400" kern="1200">
-                    <a:solidFill>
-                      <a:schemeClr val="tx1"/>
-                    </a:solidFill>
-                    <a:latin typeface="+mn-lt"/>
-                    <a:ea typeface="+mn-ea"/>
-                    <a:cs typeface="+mn-cs"/>
-                  </a:defRPr>
-                </a:lvl2pPr>
-                <a:lvl3pPr marL="1143000" indent="-228600" algn="l" defTabSz="914400" rtl="0" eaLnBrk="1" latinLnBrk="0" hangingPunct="1">
-                  <a:lnSpc>
-                    <a:spcPct val="90000"/>
-                  </a:lnSpc>
-                  <a:spcBef>
-                    <a:spcPts val="500"/>
-                  </a:spcBef>
-                  <a:buFont typeface="Arial" panose="020B0604020202020204" pitchFamily="34" charset="0"/>
-                  <a:buChar char="•"/>
-                  <a:defRPr sz="2000" kern="1200">
-                    <a:solidFill>
-                      <a:schemeClr val="tx1"/>
-                    </a:solidFill>
-                    <a:latin typeface="+mn-lt"/>
-                    <a:ea typeface="+mn-ea"/>
-                    <a:cs typeface="+mn-cs"/>
-                  </a:defRPr>
-                </a:lvl3pPr>
-                <a:lvl4pPr marL="1600200" indent="-228600" algn="l" defTabSz="914400" rtl="0" eaLnBrk="1" latinLnBrk="0" hangingPunct="1">
-                  <a:lnSpc>
-                    <a:spcPct val="90000"/>
-                  </a:lnSpc>
-                  <a:spcBef>
-                    <a:spcPts val="500"/>
-                  </a:spcBef>
-                  <a:buFont typeface="Arial" panose="020B0604020202020204" pitchFamily="34" charset="0"/>
-                  <a:buChar char="•"/>
-                  <a:defRPr sz="1800" kern="1200">
-                    <a:solidFill>
-                      <a:schemeClr val="tx1"/>
-                    </a:solidFill>
-                    <a:latin typeface="+mn-lt"/>
-                    <a:ea typeface="+mn-ea"/>
-                    <a:cs typeface="+mn-cs"/>
-                  </a:defRPr>
-                </a:lvl4pPr>
-                <a:lvl5pPr marL="2057400" indent="-228600" algn="l" defTabSz="914400" rtl="0" eaLnBrk="1" latinLnBrk="0" hangingPunct="1">
-                  <a:lnSpc>
-                    <a:spcPct val="90000"/>
-                  </a:lnSpc>
-                  <a:spcBef>
-                    <a:spcPts val="500"/>
-                  </a:spcBef>
-                  <a:buFont typeface="Arial" panose="020B0604020202020204" pitchFamily="34" charset="0"/>
-                  <a:buChar char="•"/>
-                  <a:defRPr sz="1800" kern="1200">
-                    <a:solidFill>
-                      <a:schemeClr val="tx1"/>
-                    </a:solidFill>
-                    <a:latin typeface="+mn-lt"/>
-                    <a:ea typeface="+mn-ea"/>
-                    <a:cs typeface="+mn-cs"/>
-                  </a:defRPr>
-                </a:lvl5pPr>
-                <a:lvl6pPr marL="2514600" indent="-228600" algn="l" defTabSz="914400" rtl="0" eaLnBrk="1" latinLnBrk="0" hangingPunct="1">
-                  <a:lnSpc>
-                    <a:spcPct val="90000"/>
-                  </a:lnSpc>
-                  <a:spcBef>
-                    <a:spcPts val="500"/>
-                  </a:spcBef>
-                  <a:buFont typeface="Arial" panose="020B0604020202020204" pitchFamily="34" charset="0"/>
-                  <a:buChar char="•"/>
-                  <a:defRPr sz="1800" kern="1200">
-                    <a:solidFill>
-                      <a:schemeClr val="tx1"/>
-                    </a:solidFill>
-                    <a:latin typeface="+mn-lt"/>
-                    <a:ea typeface="+mn-ea"/>
-                    <a:cs typeface="+mn-cs"/>
-                  </a:defRPr>
-                </a:lvl6pPr>
-                <a:lvl7pPr marL="2971800" indent="-228600" algn="l" defTabSz="914400" rtl="0" eaLnBrk="1" latinLnBrk="0" hangingPunct="1">
-                  <a:lnSpc>
-                    <a:spcPct val="90000"/>
-                  </a:lnSpc>
-                  <a:spcBef>
-                    <a:spcPts val="500"/>
-                  </a:spcBef>
-                  <a:buFont typeface="Arial" panose="020B0604020202020204" pitchFamily="34" charset="0"/>
-                  <a:buChar char="•"/>
-                  <a:defRPr sz="1800" kern="1200">
-                    <a:solidFill>
-                      <a:schemeClr val="tx1"/>
-                    </a:solidFill>
-                    <a:latin typeface="+mn-lt"/>
-                    <a:ea typeface="+mn-ea"/>
-                    <a:cs typeface="+mn-cs"/>
-                  </a:defRPr>
-                </a:lvl7pPr>
-                <a:lvl8pPr marL="3429000" indent="-228600" algn="l" defTabSz="914400" rtl="0" eaLnBrk="1" latinLnBrk="0" hangingPunct="1">
-                  <a:lnSpc>
-                    <a:spcPct val="90000"/>
-                  </a:lnSpc>
-                  <a:spcBef>
-                    <a:spcPts val="500"/>
-                  </a:spcBef>
-                  <a:buFont typeface="Arial" panose="020B0604020202020204" pitchFamily="34" charset="0"/>
-                  <a:buChar char="•"/>
-                  <a:defRPr sz="1800" kern="1200">
-                    <a:solidFill>
-                      <a:schemeClr val="tx1"/>
-                    </a:solidFill>
-                    <a:latin typeface="+mn-lt"/>
-                    <a:ea typeface="+mn-ea"/>
-                    <a:cs typeface="+mn-cs"/>
-                  </a:defRPr>
-                </a:lvl8pPr>
-                <a:lvl9pPr marL="3886200" indent="-228600" algn="l" defTabSz="914400" rtl="0" eaLnBrk="1" latinLnBrk="0" hangingPunct="1">
-                  <a:lnSpc>
-                    <a:spcPct val="90000"/>
-                  </a:lnSpc>
-                  <a:spcBef>
-                    <a:spcPts val="500"/>
-                  </a:spcBef>
-                  <a:buFont typeface="Arial" panose="020B0604020202020204" pitchFamily="34" charset="0"/>
-                  <a:buChar char="•"/>
-                  <a:defRPr sz="1800" kern="1200">
-                    <a:solidFill>
-                      <a:schemeClr val="tx1"/>
-                    </a:solidFill>
-                    <a:latin typeface="+mn-lt"/>
-                    <a:ea typeface="+mn-ea"/>
-                    <a:cs typeface="+mn-cs"/>
-                  </a:defRPr>
-                </a:lvl9pPr>
-              </a:lstStyle>
-              <a:p>
-                <a:r>
-                  <a:rPr lang="zh-CN" altLang="en-US" dirty="0"/>
-                  <a:t>温度和磁场与线圈的电流在模型中的耦合，主要是源于它们与</a:t>
-                </a:r>
-                <a:r>
-                  <a:rPr lang="en-US" altLang="zh-CN" dirty="0"/>
-                  <a:t>REBCO</a:t>
-                </a:r>
-                <a:r>
-                  <a:rPr lang="zh-CN" altLang="en-US" dirty="0"/>
-                  <a:t>带材临界电流的关系</a:t>
-                </a:r>
-                <a:r>
-                  <a:rPr lang="en-US" altLang="zh-CN" dirty="0"/>
-                  <a:t>:</a:t>
-                </a:r>
-                <a:endParaRPr lang="en-US" altLang="zh-CN" i="1" dirty="0">
-                  <a:latin typeface="Cambria Math" panose="02040503050406030204" pitchFamily="18" charset="0"/>
-                </a:endParaRPr>
-              </a:p>
-              <a:p>
-                <a14:m>
-                  <m:oMath xmlns:m="http://schemas.openxmlformats.org/officeDocument/2006/math">
-                    <m:sSub>
-                      <m:sSubPr>
-                        <m:ctrlPr>
-                          <a:rPr lang="zh-CN" altLang="en-US" i="1">
-                            <a:latin typeface="Cambria Math" panose="02040503050406030204" pitchFamily="18" charset="0"/>
-                          </a:rPr>
-                        </m:ctrlPr>
-                      </m:sSubPr>
-                      <m:e>
-                        <m:r>
-                          <a:rPr lang="zh-CN" altLang="en-US" i="1">
-                            <a:latin typeface="Cambria Math" panose="02040503050406030204" pitchFamily="18" charset="0"/>
-                          </a:rPr>
-                          <m:t>𝐼</m:t>
-                        </m:r>
-                      </m:e>
-                      <m:sub>
-                        <m:r>
-                          <a:rPr lang="zh-CN" altLang="en-US" i="1">
-                            <a:latin typeface="Cambria Math" panose="02040503050406030204" pitchFamily="18" charset="0"/>
-                          </a:rPr>
-                          <m:t>𝑐</m:t>
-                        </m:r>
-                      </m:sub>
-                    </m:sSub>
-                    <m:r>
-                      <a:rPr lang="zh-CN" altLang="en-US">
-                        <a:latin typeface="Cambria Math" panose="02040503050406030204" pitchFamily="18" charset="0"/>
-                      </a:rPr>
-                      <m:t>=</m:t>
-                    </m:r>
-                    <m:sSub>
-                      <m:sSubPr>
-                        <m:ctrlPr>
-                          <a:rPr lang="zh-CN" altLang="en-US" i="1">
-                            <a:latin typeface="Cambria Math" panose="02040503050406030204" pitchFamily="18" charset="0"/>
-                          </a:rPr>
-                        </m:ctrlPr>
-                      </m:sSubPr>
-                      <m:e>
-                        <m:r>
-                          <a:rPr lang="zh-CN" altLang="en-US" i="1">
-                            <a:latin typeface="Cambria Math" panose="02040503050406030204" pitchFamily="18" charset="0"/>
-                          </a:rPr>
-                          <m:t>𝐼</m:t>
-                        </m:r>
-                      </m:e>
-                      <m:sub>
-                        <m:r>
-                          <a:rPr lang="zh-CN" altLang="en-US" i="1">
-                            <a:latin typeface="Cambria Math" panose="02040503050406030204" pitchFamily="18" charset="0"/>
-                          </a:rPr>
-                          <m:t>𝑐</m:t>
-                        </m:r>
-                        <m:r>
-                          <a:rPr lang="zh-CN" altLang="en-US">
-                            <a:latin typeface="Cambria Math" panose="02040503050406030204" pitchFamily="18" charset="0"/>
-                          </a:rPr>
-                          <m:t>0</m:t>
-                        </m:r>
-                      </m:sub>
-                    </m:sSub>
-                    <m:r>
-                      <a:rPr lang="zh-CN" altLang="en-US">
-                        <a:latin typeface="Cambria Math" panose="02040503050406030204" pitchFamily="18" charset="0"/>
-                      </a:rPr>
-                      <m:t>⋅</m:t>
-                    </m:r>
-                    <m:sSub>
-                      <m:sSubPr>
-                        <m:ctrlPr>
-                          <a:rPr lang="zh-CN" altLang="en-US" i="1">
-                            <a:latin typeface="Cambria Math" panose="02040503050406030204" pitchFamily="18" charset="0"/>
-                          </a:rPr>
-                        </m:ctrlPr>
-                      </m:sSubPr>
-                      <m:e>
-                        <m:r>
-                          <a:rPr lang="zh-CN" altLang="en-US" i="1">
-                            <a:latin typeface="Cambria Math" panose="02040503050406030204" pitchFamily="18" charset="0"/>
-                          </a:rPr>
-                          <m:t>𝜆</m:t>
-                        </m:r>
-                      </m:e>
-                      <m:sub>
-                        <m:r>
-                          <a:rPr lang="zh-CN" altLang="en-US" i="1">
-                            <a:latin typeface="Cambria Math" panose="02040503050406030204" pitchFamily="18" charset="0"/>
-                          </a:rPr>
-                          <m:t>𝑐𝑇</m:t>
-                        </m:r>
-                      </m:sub>
-                    </m:sSub>
-                    <m:d>
-                      <m:dPr>
-                        <m:ctrlPr>
-                          <a:rPr lang="zh-CN" altLang="en-US" i="1">
-                            <a:latin typeface="Cambria Math" panose="02040503050406030204" pitchFamily="18" charset="0"/>
-                          </a:rPr>
-                        </m:ctrlPr>
-                      </m:dPr>
-                      <m:e>
-                        <m:r>
-                          <a:rPr lang="zh-CN" altLang="en-US" i="1">
-                            <a:latin typeface="Cambria Math" panose="02040503050406030204" pitchFamily="18" charset="0"/>
-                          </a:rPr>
-                          <m:t>𝑇</m:t>
-                        </m:r>
-                      </m:e>
-                    </m:d>
-                    <m:r>
-                      <a:rPr lang="zh-CN" altLang="en-US">
-                        <a:latin typeface="Cambria Math" panose="02040503050406030204" pitchFamily="18" charset="0"/>
-                      </a:rPr>
-                      <m:t>⋅</m:t>
-                    </m:r>
-                    <m:sSub>
-                      <m:sSubPr>
-                        <m:ctrlPr>
-                          <a:rPr lang="zh-CN" altLang="en-US" i="1">
-                            <a:latin typeface="Cambria Math" panose="02040503050406030204" pitchFamily="18" charset="0"/>
-                          </a:rPr>
-                        </m:ctrlPr>
-                      </m:sSubPr>
-                      <m:e>
-                        <m:r>
-                          <a:rPr lang="zh-CN" altLang="en-US" i="1">
-                            <a:latin typeface="Cambria Math" panose="02040503050406030204" pitchFamily="18" charset="0"/>
-                          </a:rPr>
-                          <m:t>𝜆</m:t>
-                        </m:r>
-                      </m:e>
-                      <m:sub>
-                        <m:r>
-                          <a:rPr lang="zh-CN" altLang="en-US" i="1">
-                            <a:latin typeface="Cambria Math" panose="02040503050406030204" pitchFamily="18" charset="0"/>
-                          </a:rPr>
-                          <m:t>𝑐𝐵</m:t>
-                        </m:r>
-                      </m:sub>
-                    </m:sSub>
-                    <m:d>
-                      <m:dPr>
-                        <m:ctrlPr>
-                          <a:rPr lang="zh-CN" altLang="en-US" i="1">
-                            <a:latin typeface="Cambria Math" panose="02040503050406030204" pitchFamily="18" charset="0"/>
-                          </a:rPr>
-                        </m:ctrlPr>
-                      </m:dPr>
-                      <m:e>
-                        <m:r>
-                          <a:rPr lang="zh-CN" altLang="en-US" i="1">
-                            <a:latin typeface="Cambria Math" panose="02040503050406030204" pitchFamily="18" charset="0"/>
-                          </a:rPr>
-                          <m:t>𝐵</m:t>
-                        </m:r>
-                        <m:r>
-                          <a:rPr lang="zh-CN" altLang="en-US">
-                            <a:latin typeface="Cambria Math" panose="02040503050406030204" pitchFamily="18" charset="0"/>
-                          </a:rPr>
-                          <m:t>,</m:t>
-                        </m:r>
-                        <m:r>
-                          <m:rPr>
-                            <m:sty m:val="p"/>
-                          </m:rPr>
-                          <a:rPr lang="zh-CN" altLang="en-US">
-                            <a:latin typeface="Cambria Math" panose="02040503050406030204" pitchFamily="18" charset="0"/>
-                          </a:rPr>
-                          <m:t>θ</m:t>
-                        </m:r>
-                      </m:e>
-                    </m:d>
-                  </m:oMath>
-                </a14:m>
-                <a:endParaRPr lang="zh-CN" altLang="en-US" dirty="0"/>
-              </a:p>
-              <a:p>
-                <a:endParaRPr lang="zh-CN" altLang="en-US" dirty="0"/>
-              </a:p>
-            </p:txBody>
-          </p:sp>
-        </mc:Choice>
-        <mc:Fallback>
-          <p:sp>
-            <p:nvSpPr>
-              <p:cNvPr id="5" name="内容占位符 4">
-                <a:extLst>
-                  <a:ext uri="{FF2B5EF4-FFF2-40B4-BE49-F238E27FC236}">
-                    <a16:creationId xmlns:a16="http://schemas.microsoft.com/office/drawing/2014/main" id="{CD1D2125-07E1-989F-D27F-B947BD4641F6}"/>
-                  </a:ext>
-                </a:extLst>
-              </p:cNvPr>
-              <p:cNvSpPr txBox="1">
-                <a:spLocks noRot="1" noChangeAspect="1" noMove="1" noResize="1" noEditPoints="1" noAdjustHandles="1" noChangeArrowheads="1" noChangeShapeType="1" noTextEdit="1"/>
-              </p:cNvSpPr>
-              <p:nvPr/>
-            </p:nvSpPr>
-            <p:spPr>
-              <a:xfrm>
-                <a:off x="1482786" y="1197623"/>
-                <a:ext cx="8640000" cy="1532207"/>
-              </a:xfrm>
-              <a:prstGeom prst="rect">
-                <a:avLst/>
-              </a:prstGeom>
-              <a:blipFill>
-                <a:blip r:embed="rId2"/>
-                <a:stretch>
-                  <a:fillRect l="-1269" t="-7143" r="-564"/>
-                </a:stretch>
-              </a:blipFill>
-            </p:spPr>
-            <p:txBody>
-              <a:bodyPr/>
-              <a:lstStyle/>
-              <a:p>
-                <a:r>
-                  <a:rPr lang="zh-CN" altLang="en-US">
-                    <a:noFill/>
-                  </a:rPr>
-                  <a:t> </a:t>
-                </a:r>
-              </a:p>
-            </p:txBody>
-          </p:sp>
-        </mc:Fallback>
-      </mc:AlternateContent>
-      <mc:AlternateContent xmlns:mc="http://schemas.openxmlformats.org/markup-compatibility/2006">
-        <mc:Choice xmlns:a14="http://schemas.microsoft.com/office/drawing/2010/main" Requires="a14">
-          <p:sp>
-            <p:nvSpPr>
-              <p:cNvPr id="6" name="文本框 5">
-                <a:extLst>
-                  <a:ext uri="{FF2B5EF4-FFF2-40B4-BE49-F238E27FC236}">
-                    <a16:creationId xmlns:a16="http://schemas.microsoft.com/office/drawing/2014/main" id="{11B35215-5FDD-6636-1EF9-3E669BE09F5A}"/>
-                  </a:ext>
-                </a:extLst>
-              </p:cNvPr>
-              <p:cNvSpPr txBox="1"/>
-              <p:nvPr/>
-            </p:nvSpPr>
-            <p:spPr>
-              <a:xfrm>
-                <a:off x="1482786" y="3014011"/>
-                <a:ext cx="8640000" cy="1080552"/>
-              </a:xfrm>
-              <a:prstGeom prst="rect">
-                <a:avLst/>
-              </a:prstGeom>
-              <a:noFill/>
-            </p:spPr>
-            <p:txBody>
-              <a:bodyPr wrap="none" rtlCol="0">
-                <a:spAutoFit/>
-              </a:bodyPr>
-              <a:lstStyle/>
-              <a:p>
-                <a:pPr algn="l">
-                  <a:lnSpc>
-                    <a:spcPct val="120000"/>
-                  </a:lnSpc>
-                </a:pPr>
-                <a:r>
-                  <a:rPr lang="zh-CN" altLang="en-US" dirty="0"/>
-                  <a:t>在已知各位置电流的情况下，根据毕奥</a:t>
-                </a:r>
-                <a:r>
-                  <a:rPr lang="en-US" altLang="zh-CN" dirty="0"/>
-                  <a:t>-</a:t>
-                </a:r>
-                <a:r>
-                  <a:rPr lang="zh-CN" altLang="en-US" dirty="0"/>
-                  <a:t>萨伐尔的定律可以计算出每个位置的磁场：</a:t>
-                </a:r>
-                <a:endParaRPr lang="en-US" altLang="zh-CN" dirty="0"/>
-              </a:p>
-              <a:p>
-                <a:pPr algn="l">
-                  <a:lnSpc>
-                    <a:spcPct val="120000"/>
-                  </a:lnSpc>
-                </a:pPr>
-                <a14:m>
-                  <m:oMathPara xmlns:m="http://schemas.openxmlformats.org/officeDocument/2006/math">
-                    <m:oMathParaPr>
-                      <m:jc m:val="centerGroup"/>
-                    </m:oMathParaPr>
-                    <m:oMath xmlns:m="http://schemas.openxmlformats.org/officeDocument/2006/math">
-                      <m:r>
-                        <a:rPr lang="en-US" altLang="zh-CN" sz="1800" i="1" kern="100" smtClean="0">
-                          <a:effectLst/>
-                          <a:latin typeface="Cambria Math" panose="02040503050406030204" pitchFamily="18" charset="0"/>
-                          <a:ea typeface="宋体" panose="02010600030101010101" pitchFamily="2" charset="-122"/>
-                          <a:cs typeface="Times New Roman" panose="02020603050405020304" pitchFamily="18" charset="0"/>
-                        </a:rPr>
-                        <m:t>𝑑</m:t>
-                      </m:r>
-                      <m:acc>
-                        <m:accPr>
-                          <m:chr m:val="⃗"/>
-                          <m:ctrlPr>
-                            <a:rPr lang="zh-CN" altLang="zh-CN" i="1">
-                              <a:effectLst/>
-                              <a:latin typeface="Cambria Math" panose="02040503050406030204" pitchFamily="18" charset="0"/>
-                              <a:ea typeface="Cambria Math" panose="02040503050406030204" pitchFamily="18" charset="0"/>
-                            </a:rPr>
-                          </m:ctrlPr>
-                        </m:accPr>
-                        <m:e>
-                          <m:r>
-                            <a:rPr lang="en-US" altLang="zh-CN" sz="1800" i="1" kern="100">
-                              <a:effectLst/>
-                              <a:latin typeface="Cambria Math" panose="02040503050406030204" pitchFamily="18" charset="0"/>
-                              <a:ea typeface="宋体" panose="02010600030101010101" pitchFamily="2" charset="-122"/>
-                              <a:cs typeface="Times New Roman" panose="02020603050405020304" pitchFamily="18" charset="0"/>
-                            </a:rPr>
-                            <m:t>𝐵</m:t>
-                          </m:r>
-                        </m:e>
-                      </m:acc>
-                      <m:r>
-                        <a:rPr lang="en-US" altLang="zh-CN" sz="1800" i="1" kern="100">
-                          <a:effectLst/>
-                          <a:latin typeface="Cambria Math" panose="02040503050406030204" pitchFamily="18" charset="0"/>
-                          <a:ea typeface="宋体" panose="02010600030101010101" pitchFamily="2" charset="-122"/>
-                          <a:cs typeface="Times New Roman" panose="02020603050405020304" pitchFamily="18" charset="0"/>
-                        </a:rPr>
-                        <m:t>=</m:t>
-                      </m:r>
-                      <m:f>
-                        <m:fPr>
-                          <m:ctrlPr>
-                            <a:rPr lang="zh-CN" altLang="zh-CN" i="1">
-                              <a:effectLst/>
-                              <a:latin typeface="Cambria Math" panose="02040503050406030204" pitchFamily="18" charset="0"/>
-                              <a:ea typeface="Cambria Math" panose="02040503050406030204" pitchFamily="18" charset="0"/>
-                            </a:rPr>
-                          </m:ctrlPr>
-                        </m:fPr>
-                        <m:num>
-                          <m:sSub>
-                            <m:sSubPr>
-                              <m:ctrlPr>
-                                <a:rPr lang="zh-CN" altLang="zh-CN" i="1">
-                                  <a:effectLst/>
-                                  <a:latin typeface="Cambria Math" panose="02040503050406030204" pitchFamily="18" charset="0"/>
-                                  <a:ea typeface="Cambria Math" panose="02040503050406030204" pitchFamily="18" charset="0"/>
-                                </a:rPr>
-                              </m:ctrlPr>
-                            </m:sSubPr>
-                            <m:e>
-                              <m:r>
-                                <m:rPr>
-                                  <m:sty m:val="p"/>
-                                </m:rPr>
-                                <a:rPr lang="en-US" altLang="zh-CN" sz="1800" kern="100">
-                                  <a:effectLst/>
-                                  <a:latin typeface="Cambria Math" panose="02040503050406030204" pitchFamily="18" charset="0"/>
-                                  <a:ea typeface="宋体" panose="02010600030101010101" pitchFamily="2" charset="-122"/>
-                                  <a:cs typeface="Times New Roman" panose="02020603050405020304" pitchFamily="18" charset="0"/>
-                                </a:rPr>
-                                <m:t>μ</m:t>
-                              </m:r>
-                            </m:e>
-                            <m:sub>
-                              <m:r>
-                                <a:rPr lang="en-US" altLang="zh-CN" sz="1800" i="1" kern="100">
-                                  <a:effectLst/>
-                                  <a:latin typeface="Cambria Math" panose="02040503050406030204" pitchFamily="18" charset="0"/>
-                                  <a:ea typeface="宋体" panose="02010600030101010101" pitchFamily="2" charset="-122"/>
-                                  <a:cs typeface="Times New Roman" panose="02020603050405020304" pitchFamily="18" charset="0"/>
-                                </a:rPr>
-                                <m:t>0</m:t>
-                              </m:r>
-                            </m:sub>
-                          </m:sSub>
-                        </m:num>
-                        <m:den>
-                          <m:r>
-                            <a:rPr lang="en-US" altLang="zh-CN" sz="1800" i="1" kern="100">
-                              <a:effectLst/>
-                              <a:latin typeface="Cambria Math" panose="02040503050406030204" pitchFamily="18" charset="0"/>
-                              <a:ea typeface="宋体" panose="02010600030101010101" pitchFamily="2" charset="-122"/>
-                              <a:cs typeface="Times New Roman" panose="02020603050405020304" pitchFamily="18" charset="0"/>
-                            </a:rPr>
-                            <m:t>4</m:t>
-                          </m:r>
-                          <m:r>
-                            <m:rPr>
-                              <m:sty m:val="p"/>
-                            </m:rPr>
-                            <a:rPr lang="en-US" altLang="zh-CN" sz="1800" kern="100">
-                              <a:effectLst/>
-                              <a:latin typeface="Cambria Math" panose="02040503050406030204" pitchFamily="18" charset="0"/>
-                              <a:ea typeface="宋体" panose="02010600030101010101" pitchFamily="2" charset="-122"/>
-                              <a:cs typeface="Times New Roman" panose="02020603050405020304" pitchFamily="18" charset="0"/>
-                            </a:rPr>
-                            <m:t>π</m:t>
-                          </m:r>
-                        </m:den>
-                      </m:f>
-                      <m:r>
-                        <a:rPr lang="en-US" altLang="zh-CN" sz="1800" kern="100">
-                          <a:effectLst/>
-                          <a:latin typeface="Cambria Math" panose="02040503050406030204" pitchFamily="18" charset="0"/>
-                          <a:ea typeface="宋体" panose="02010600030101010101" pitchFamily="2" charset="-122"/>
-                          <a:cs typeface="Times New Roman" panose="02020603050405020304" pitchFamily="18" charset="0"/>
-                        </a:rPr>
-                        <m:t>⋅</m:t>
-                      </m:r>
-                      <m:f>
-                        <m:fPr>
-                          <m:ctrlPr>
-                            <a:rPr lang="zh-CN" altLang="zh-CN" i="1">
-                              <a:effectLst/>
-                              <a:latin typeface="Cambria Math" panose="02040503050406030204" pitchFamily="18" charset="0"/>
-                              <a:ea typeface="Cambria Math" panose="02040503050406030204" pitchFamily="18" charset="0"/>
-                            </a:rPr>
-                          </m:ctrlPr>
-                        </m:fPr>
-                        <m:num>
-                          <m:r>
-                            <a:rPr lang="en-US" altLang="zh-CN" sz="1800" i="1" kern="100">
-                              <a:effectLst/>
-                              <a:latin typeface="Cambria Math" panose="02040503050406030204" pitchFamily="18" charset="0"/>
-                              <a:ea typeface="宋体" panose="02010600030101010101" pitchFamily="2" charset="-122"/>
-                              <a:cs typeface="Times New Roman" panose="02020603050405020304" pitchFamily="18" charset="0"/>
-                            </a:rPr>
-                            <m:t>𝐼𝑑𝑙</m:t>
-                          </m:r>
-                          <m:r>
-                            <a:rPr lang="zh-CN" altLang="zh-CN" sz="1800" kern="100">
-                              <a:effectLst/>
-                              <a:latin typeface="Cambria Math" panose="02040503050406030204" pitchFamily="18" charset="0"/>
-                              <a:ea typeface="宋体" panose="02010600030101010101" pitchFamily="2" charset="-122"/>
-                              <a:cs typeface="Times New Roman" panose="02020603050405020304" pitchFamily="18" charset="0"/>
-                            </a:rPr>
-                            <m:t>×</m:t>
-                          </m:r>
-                          <m:acc>
-                            <m:accPr>
-                              <m:chr m:val="⃗"/>
-                              <m:ctrlPr>
-                                <a:rPr lang="zh-CN" altLang="zh-CN" i="1">
-                                  <a:effectLst/>
-                                  <a:latin typeface="Cambria Math" panose="02040503050406030204" pitchFamily="18" charset="0"/>
-                                  <a:ea typeface="Cambria Math" panose="02040503050406030204" pitchFamily="18" charset="0"/>
-                                </a:rPr>
-                              </m:ctrlPr>
-                            </m:accPr>
-                            <m:e>
-                              <m:r>
-                                <a:rPr lang="en-US" altLang="zh-CN" sz="1800" i="1" kern="100">
-                                  <a:effectLst/>
-                                  <a:latin typeface="Cambria Math" panose="02040503050406030204" pitchFamily="18" charset="0"/>
-                                  <a:ea typeface="宋体" panose="02010600030101010101" pitchFamily="2" charset="-122"/>
-                                  <a:cs typeface="Times New Roman" panose="02020603050405020304" pitchFamily="18" charset="0"/>
-                                </a:rPr>
-                                <m:t>𝑟</m:t>
-                              </m:r>
-                            </m:e>
-                          </m:acc>
-                        </m:num>
-                        <m:den>
-                          <m:sSup>
-                            <m:sSupPr>
-                              <m:ctrlPr>
-                                <a:rPr lang="zh-CN" altLang="zh-CN" i="1">
-                                  <a:effectLst/>
-                                  <a:latin typeface="Cambria Math" panose="02040503050406030204" pitchFamily="18" charset="0"/>
-                                  <a:ea typeface="Cambria Math" panose="02040503050406030204" pitchFamily="18" charset="0"/>
-                                </a:rPr>
-                              </m:ctrlPr>
-                            </m:sSupPr>
-                            <m:e>
-                              <m:r>
-                                <a:rPr lang="en-US" altLang="zh-CN" sz="1800" i="1" kern="100">
-                                  <a:effectLst/>
-                                  <a:latin typeface="Cambria Math" panose="02040503050406030204" pitchFamily="18" charset="0"/>
-                                  <a:ea typeface="宋体" panose="02010600030101010101" pitchFamily="2" charset="-122"/>
-                                  <a:cs typeface="Times New Roman" panose="02020603050405020304" pitchFamily="18" charset="0"/>
-                                </a:rPr>
-                                <m:t>𝑟</m:t>
-                              </m:r>
-                            </m:e>
-                            <m:sup>
-                              <m:r>
-                                <a:rPr lang="en-US" altLang="zh-CN" sz="1800" i="1" kern="100">
-                                  <a:effectLst/>
-                                  <a:latin typeface="Cambria Math" panose="02040503050406030204" pitchFamily="18" charset="0"/>
-                                  <a:ea typeface="宋体" panose="02010600030101010101" pitchFamily="2" charset="-122"/>
-                                  <a:cs typeface="Times New Roman" panose="02020603050405020304" pitchFamily="18" charset="0"/>
-                                </a:rPr>
-                                <m:t>3</m:t>
-                              </m:r>
-                            </m:sup>
-                          </m:sSup>
-                        </m:den>
-                      </m:f>
-                    </m:oMath>
-                  </m:oMathPara>
-                </a14:m>
-                <a:endParaRPr lang="zh-CN" altLang="en-US" dirty="0"/>
-              </a:p>
-            </p:txBody>
-          </p:sp>
-        </mc:Choice>
-        <mc:Fallback>
-          <p:sp>
-            <p:nvSpPr>
-              <p:cNvPr id="6" name="文本框 5">
-                <a:extLst>
-                  <a:ext uri="{FF2B5EF4-FFF2-40B4-BE49-F238E27FC236}">
-                    <a16:creationId xmlns:a16="http://schemas.microsoft.com/office/drawing/2014/main" id="{11B35215-5FDD-6636-1EF9-3E669BE09F5A}"/>
-                  </a:ext>
-                </a:extLst>
-              </p:cNvPr>
-              <p:cNvSpPr txBox="1">
-                <a:spLocks noRot="1" noChangeAspect="1" noMove="1" noResize="1" noEditPoints="1" noAdjustHandles="1" noChangeArrowheads="1" noChangeShapeType="1" noTextEdit="1"/>
-              </p:cNvSpPr>
-              <p:nvPr/>
-            </p:nvSpPr>
-            <p:spPr>
-              <a:xfrm>
-                <a:off x="1482786" y="3014011"/>
-                <a:ext cx="8640000" cy="1080552"/>
-              </a:xfrm>
-              <a:prstGeom prst="rect">
-                <a:avLst/>
-              </a:prstGeom>
-              <a:blipFill>
-                <a:blip r:embed="rId3"/>
-                <a:stretch>
-                  <a:fillRect l="-564"/>
-                </a:stretch>
-              </a:blipFill>
-            </p:spPr>
-            <p:txBody>
-              <a:bodyPr/>
-              <a:lstStyle/>
-              <a:p>
-                <a:r>
-                  <a:rPr lang="zh-CN" altLang="en-US">
-                    <a:noFill/>
-                  </a:rPr>
-                  <a:t> </a:t>
-                </a:r>
-              </a:p>
-            </p:txBody>
-          </p:sp>
-        </mc:Fallback>
-      </mc:AlternateContent>
-      <p:sp>
-        <p:nvSpPr>
-          <p:cNvPr id="7" name="文本框 6">
-            <a:extLst>
-              <a:ext uri="{FF2B5EF4-FFF2-40B4-BE49-F238E27FC236}">
-                <a16:creationId xmlns:a16="http://schemas.microsoft.com/office/drawing/2014/main" id="{96A3D9D4-384C-DD76-4766-B27999CB79DA}"/>
-              </a:ext>
-            </a:extLst>
-          </p:cNvPr>
-          <p:cNvSpPr txBox="1"/>
-          <p:nvPr/>
-        </p:nvSpPr>
-        <p:spPr>
-          <a:xfrm>
-            <a:off x="1482786" y="4656563"/>
-            <a:ext cx="8640000" cy="1393715"/>
-          </a:xfrm>
-          <a:prstGeom prst="rect">
-            <a:avLst/>
-          </a:prstGeom>
-          <a:noFill/>
-        </p:spPr>
-        <p:txBody>
-          <a:bodyPr wrap="square" rtlCol="0">
-            <a:spAutoFit/>
-          </a:bodyPr>
-          <a:lstStyle/>
-          <a:p>
-            <a:pPr algn="l">
-              <a:lnSpc>
-                <a:spcPct val="120000"/>
-              </a:lnSpc>
-            </a:pPr>
-            <a:r>
-              <a:rPr lang="zh-CN" altLang="en-US" dirty="0"/>
-              <a:t>计算磁场时模型只考虑了环向电流，而没有考虑径向电流</a:t>
-            </a:r>
-            <a:endParaRPr lang="en-US" altLang="zh-CN" dirty="0"/>
-          </a:p>
-          <a:p>
-            <a:pPr marL="342900" indent="-342900" algn="l">
-              <a:lnSpc>
-                <a:spcPct val="120000"/>
-              </a:lnSpc>
-              <a:buAutoNum type="arabicPeriod"/>
-            </a:pPr>
-            <a:r>
-              <a:rPr lang="zh-CN" altLang="en-US" dirty="0"/>
-              <a:t>在正常励磁过程中产生的径向电流很小</a:t>
-            </a:r>
-            <a:endParaRPr lang="en-US" altLang="zh-CN" dirty="0"/>
-          </a:p>
-          <a:p>
-            <a:pPr marL="342900" indent="-342900" algn="l">
-              <a:lnSpc>
-                <a:spcPct val="120000"/>
-              </a:lnSpc>
-              <a:buAutoNum type="arabicPeriod"/>
-            </a:pPr>
-            <a:r>
-              <a:rPr lang="zh-CN" altLang="en-US" dirty="0"/>
-              <a:t>径向电流的流向与导线表面垂直，所以径向电流产生的磁场对线圈临界电流的影响比较小。</a:t>
-            </a:r>
-          </a:p>
-        </p:txBody>
-      </p:sp>
-    </p:spTree>
-    <p:extLst>
-      <p:ext uri="{BB962C8B-B14F-4D97-AF65-F5344CB8AC3E}">
-        <p14:creationId xmlns:p14="http://schemas.microsoft.com/office/powerpoint/2010/main" val="3209259687"/>
-      </p:ext>
-    </p:extLst>
-  </p:cSld>
-  <p:clrMapOvr>
-    <a:masterClrMapping/>
-  </p:clrMapOvr>
-  <p:timing>
-    <p:tnLst>
-      <p:par>
-        <p:cTn id="1" dur="indefinite" restart="never" nodeType="tmRoot">
-          <p:childTnLst>
-            <p:seq concurrent="1" nextAc="seek">
-              <p:cTn id="2" dur="indefinite" nodeType="mainSeq">
-                <p:childTnLst>
-                  <p:par>
-                    <p:cTn id="3" fill="hold">
-                      <p:stCondLst>
-                        <p:cond delay="indefinite"/>
-                      </p:stCondLst>
-                      <p:childTnLst>
-                        <p:par>
-                          <p:cTn id="4" fill="hold">
-                            <p:stCondLst>
-                              <p:cond delay="0"/>
-                            </p:stCondLst>
-                            <p:childTnLst>
-                              <p:par>
-                                <p:cTn id="5" presetID="10" presetClass="entr" presetSubtype="0" fill="hold" grpId="0" nodeType="clickEffect">
-                                  <p:stCondLst>
-                                    <p:cond delay="0"/>
-                                  </p:stCondLst>
-                                  <p:childTnLst>
-                                    <p:set>
-                                      <p:cBhvr>
-                                        <p:cTn id="6" dur="1" fill="hold">
-                                          <p:stCondLst>
-                                            <p:cond delay="0"/>
-                                          </p:stCondLst>
-                                        </p:cTn>
-                                        <p:tgtEl>
-                                          <p:spTgt spid="6"/>
-                                        </p:tgtEl>
-                                        <p:attrNameLst>
-                                          <p:attrName>style.visibility</p:attrName>
-                                        </p:attrNameLst>
-                                      </p:cBhvr>
-                                      <p:to>
-                                        <p:strVal val="visible"/>
-                                      </p:to>
-                                    </p:set>
-                                    <p:animEffect transition="in" filter="fade">
-                                      <p:cBhvr>
-                                        <p:cTn id="7" dur="500"/>
-                                        <p:tgtEl>
-                                          <p:spTgt spid="6"/>
-                                        </p:tgtEl>
-                                      </p:cBhvr>
-                                    </p:animEffect>
-                                  </p:childTnLst>
-                                </p:cTn>
-                              </p:par>
-                            </p:childTnLst>
-                          </p:cTn>
-                        </p:par>
-                      </p:childTnLst>
-                    </p:cTn>
-                  </p:par>
-                  <p:par>
-                    <p:cTn id="8" fill="hold">
-                      <p:stCondLst>
-                        <p:cond delay="indefinite"/>
-                      </p:stCondLst>
-                      <p:childTnLst>
-                        <p:par>
-                          <p:cTn id="9" fill="hold">
-                            <p:stCondLst>
-                              <p:cond delay="0"/>
-                            </p:stCondLst>
-                            <p:childTnLst>
-                              <p:par>
-                                <p:cTn id="10" presetID="10" presetClass="entr" presetSubtype="0" fill="hold" grpId="0" nodeType="clickEffect">
-                                  <p:stCondLst>
-                                    <p:cond delay="0"/>
-                                  </p:stCondLst>
-                                  <p:childTnLst>
-                                    <p:set>
-                                      <p:cBhvr>
-                                        <p:cTn id="11" dur="1" fill="hold">
-                                          <p:stCondLst>
-                                            <p:cond delay="0"/>
-                                          </p:stCondLst>
-                                        </p:cTn>
-                                        <p:tgtEl>
-                                          <p:spTgt spid="7"/>
-                                        </p:tgtEl>
-                                        <p:attrNameLst>
-                                          <p:attrName>style.visibility</p:attrName>
-                                        </p:attrNameLst>
-                                      </p:cBhvr>
-                                      <p:to>
-                                        <p:strVal val="visible"/>
-                                      </p:to>
-                                    </p:set>
-                                    <p:animEffect transition="in" filter="fade">
-                                      <p:cBhvr>
-                                        <p:cTn id="12" dur="500"/>
-                                        <p:tgtEl>
-                                          <p:spTgt spid="7"/>
-                                        </p:tgtEl>
-                                      </p:cBhvr>
-                                    </p:animEffect>
-                                  </p:childTnLst>
-                                </p:cTn>
-                              </p:par>
-                            </p:childTnLst>
-                          </p:cTn>
-                        </p:par>
-                      </p:childTnLst>
-                    </p:cTn>
-                  </p:par>
-                </p:childTnLst>
-              </p:cTn>
-              <p:prevCondLst>
-                <p:cond evt="onPrev" delay="0">
-                  <p:tgtEl>
-                    <p:sldTgt/>
-                  </p:tgtEl>
-                </p:cond>
-              </p:prevCondLst>
-              <p:nextCondLst>
-                <p:cond evt="onNext" delay="0">
-                  <p:tgtEl>
-                    <p:sldTgt/>
-                  </p:tgtEl>
-                </p:cond>
-              </p:nextCondLst>
-            </p:seq>
-          </p:childTnLst>
-        </p:cTn>
-      </p:par>
-    </p:tnLst>
-    <p:bldLst>
-      <p:bldP spid="6" grpId="0"/>
-      <p:bldP spid="7" grpId="0"/>
-    </p:bldLst>
-  </p:timing>
-</p:sld>
-</file>
-
 <file path=ppt/theme/theme1.xml><?xml version="1.0" encoding="utf-8"?>
 <a:theme xmlns:a="http://schemas.openxmlformats.org/drawingml/2006/main" name="Office 主题​​">
   <a:themeElements>

--- a/讲解.pptx
+++ b/讲解.pptx
@@ -8,14 +8,15 @@
     <p:sldId id="256" r:id="rId2"/>
     <p:sldId id="266" r:id="rId3"/>
     <p:sldId id="260" r:id="rId4"/>
-    <p:sldId id="261" r:id="rId5"/>
-    <p:sldId id="263" r:id="rId6"/>
+    <p:sldId id="263" r:id="rId5"/>
+    <p:sldId id="267" r:id="rId6"/>
     <p:sldId id="257" r:id="rId7"/>
-    <p:sldId id="259" r:id="rId8"/>
-    <p:sldId id="258" r:id="rId9"/>
-    <p:sldId id="262" r:id="rId10"/>
-    <p:sldId id="264" r:id="rId11"/>
-    <p:sldId id="265" r:id="rId12"/>
+    <p:sldId id="261" r:id="rId8"/>
+    <p:sldId id="259" r:id="rId9"/>
+    <p:sldId id="258" r:id="rId10"/>
+    <p:sldId id="262" r:id="rId11"/>
+    <p:sldId id="264" r:id="rId12"/>
+    <p:sldId id="265" r:id="rId13"/>
   </p:sldIdLst>
   <p:sldSz cx="12192000" cy="6858000"/>
   <p:notesSz cx="6858000" cy="9144000"/>
@@ -114,6 +115,11 @@
       </a:defRPr>
     </a:lvl9pPr>
   </p:defaultTextStyle>
+  <p:extLst>
+    <p:ext uri="{EFAFB233-063F-42B5-8137-9DF3F51BA10A}">
+      <p15:sldGuideLst xmlns:p15="http://schemas.microsoft.com/office/powerpoint/2012/main"/>
+    </p:ext>
+  </p:extLst>
 </p:presentation>
 </file>
 
@@ -3419,6 +3425,1064 @@
           <p:cNvPr id="4" name="标题 2">
             <a:extLst>
               <a:ext uri="{FF2B5EF4-FFF2-40B4-BE49-F238E27FC236}">
+                <a16:creationId xmlns:a16="http://schemas.microsoft.com/office/drawing/2014/main" id="{A9441097-2998-E835-0D3C-05DB2EC763F9}"/>
+              </a:ext>
+            </a:extLst>
+          </p:cNvPr>
+          <p:cNvSpPr txBox="1">
+            <a:spLocks/>
+          </p:cNvSpPr>
+          <p:nvPr/>
+        </p:nvSpPr>
+        <p:spPr>
+          <a:xfrm>
+            <a:off x="916529" y="440522"/>
+            <a:ext cx="6429375" cy="367200"/>
+          </a:xfrm>
+          <a:prstGeom prst="rect">
+            <a:avLst/>
+          </a:prstGeom>
+        </p:spPr>
+        <p:txBody>
+          <a:bodyPr vert="horz" lIns="91440" tIns="45720" rIns="91440" bIns="45720" rtlCol="0" anchor="ctr">
+            <a:noAutofit/>
+          </a:bodyPr>
+          <a:lstStyle>
+            <a:defPPr>
+              <a:defRPr lang="zh-CN"/>
+            </a:defPPr>
+            <a:lvl1pPr>
+              <a:lnSpc>
+                <a:spcPct val="90000"/>
+              </a:lnSpc>
+              <a:spcBef>
+                <a:spcPct val="0"/>
+              </a:spcBef>
+              <a:buNone/>
+              <a:defRPr sz="3600" b="1">
+                <a:latin typeface="+mj-lt"/>
+                <a:ea typeface="+mj-ea"/>
+                <a:cs typeface="+mj-cs"/>
+              </a:defRPr>
+            </a:lvl1pPr>
+          </a:lstStyle>
+          <a:p>
+            <a:r>
+              <a:rPr lang="zh-CN" altLang="en-US" dirty="0"/>
+              <a:t>磁场耦合</a:t>
+            </a:r>
+          </a:p>
+        </p:txBody>
+      </p:sp>
+      <mc:AlternateContent xmlns:mc="http://schemas.openxmlformats.org/markup-compatibility/2006" xmlns:a14="http://schemas.microsoft.com/office/drawing/2010/main">
+        <mc:Choice Requires="a14">
+          <p:sp>
+            <p:nvSpPr>
+              <p:cNvPr id="5" name="内容占位符 4">
+                <a:extLst>
+                  <a:ext uri="{FF2B5EF4-FFF2-40B4-BE49-F238E27FC236}">
+                    <a16:creationId xmlns:a16="http://schemas.microsoft.com/office/drawing/2014/main" id="{CD1D2125-07E1-989F-D27F-B947BD4641F6}"/>
+                  </a:ext>
+                </a:extLst>
+              </p:cNvPr>
+              <p:cNvSpPr txBox="1">
+                <a:spLocks/>
+              </p:cNvSpPr>
+              <p:nvPr/>
+            </p:nvSpPr>
+            <p:spPr>
+              <a:xfrm>
+                <a:off x="1482786" y="1197623"/>
+                <a:ext cx="8640000" cy="1532207"/>
+              </a:xfrm>
+              <a:prstGeom prst="rect">
+                <a:avLst/>
+              </a:prstGeom>
+            </p:spPr>
+            <p:txBody>
+              <a:bodyPr/>
+              <a:lstStyle>
+                <a:lvl1pPr marL="228600" indent="-228600" algn="l" defTabSz="914400" rtl="0" eaLnBrk="1" latinLnBrk="0" hangingPunct="1">
+                  <a:lnSpc>
+                    <a:spcPct val="90000"/>
+                  </a:lnSpc>
+                  <a:spcBef>
+                    <a:spcPts val="1000"/>
+                  </a:spcBef>
+                  <a:buFont typeface="Arial" panose="020B0604020202020204" pitchFamily="34" charset="0"/>
+                  <a:buChar char="•"/>
+                  <a:defRPr sz="2800" kern="1200">
+                    <a:solidFill>
+                      <a:schemeClr val="tx1"/>
+                    </a:solidFill>
+                    <a:latin typeface="+mn-lt"/>
+                    <a:ea typeface="+mn-ea"/>
+                    <a:cs typeface="+mn-cs"/>
+                  </a:defRPr>
+                </a:lvl1pPr>
+                <a:lvl2pPr marL="685800" indent="-228600" algn="l" defTabSz="914400" rtl="0" eaLnBrk="1" latinLnBrk="0" hangingPunct="1">
+                  <a:lnSpc>
+                    <a:spcPct val="90000"/>
+                  </a:lnSpc>
+                  <a:spcBef>
+                    <a:spcPts val="500"/>
+                  </a:spcBef>
+                  <a:buFont typeface="Arial" panose="020B0604020202020204" pitchFamily="34" charset="0"/>
+                  <a:buChar char="•"/>
+                  <a:defRPr sz="2400" kern="1200">
+                    <a:solidFill>
+                      <a:schemeClr val="tx1"/>
+                    </a:solidFill>
+                    <a:latin typeface="+mn-lt"/>
+                    <a:ea typeface="+mn-ea"/>
+                    <a:cs typeface="+mn-cs"/>
+                  </a:defRPr>
+                </a:lvl2pPr>
+                <a:lvl3pPr marL="1143000" indent="-228600" algn="l" defTabSz="914400" rtl="0" eaLnBrk="1" latinLnBrk="0" hangingPunct="1">
+                  <a:lnSpc>
+                    <a:spcPct val="90000"/>
+                  </a:lnSpc>
+                  <a:spcBef>
+                    <a:spcPts val="500"/>
+                  </a:spcBef>
+                  <a:buFont typeface="Arial" panose="020B0604020202020204" pitchFamily="34" charset="0"/>
+                  <a:buChar char="•"/>
+                  <a:defRPr sz="2000" kern="1200">
+                    <a:solidFill>
+                      <a:schemeClr val="tx1"/>
+                    </a:solidFill>
+                    <a:latin typeface="+mn-lt"/>
+                    <a:ea typeface="+mn-ea"/>
+                    <a:cs typeface="+mn-cs"/>
+                  </a:defRPr>
+                </a:lvl3pPr>
+                <a:lvl4pPr marL="1600200" indent="-228600" algn="l" defTabSz="914400" rtl="0" eaLnBrk="1" latinLnBrk="0" hangingPunct="1">
+                  <a:lnSpc>
+                    <a:spcPct val="90000"/>
+                  </a:lnSpc>
+                  <a:spcBef>
+                    <a:spcPts val="500"/>
+                  </a:spcBef>
+                  <a:buFont typeface="Arial" panose="020B0604020202020204" pitchFamily="34" charset="0"/>
+                  <a:buChar char="•"/>
+                  <a:defRPr sz="1800" kern="1200">
+                    <a:solidFill>
+                      <a:schemeClr val="tx1"/>
+                    </a:solidFill>
+                    <a:latin typeface="+mn-lt"/>
+                    <a:ea typeface="+mn-ea"/>
+                    <a:cs typeface="+mn-cs"/>
+                  </a:defRPr>
+                </a:lvl4pPr>
+                <a:lvl5pPr marL="2057400" indent="-228600" algn="l" defTabSz="914400" rtl="0" eaLnBrk="1" latinLnBrk="0" hangingPunct="1">
+                  <a:lnSpc>
+                    <a:spcPct val="90000"/>
+                  </a:lnSpc>
+                  <a:spcBef>
+                    <a:spcPts val="500"/>
+                  </a:spcBef>
+                  <a:buFont typeface="Arial" panose="020B0604020202020204" pitchFamily="34" charset="0"/>
+                  <a:buChar char="•"/>
+                  <a:defRPr sz="1800" kern="1200">
+                    <a:solidFill>
+                      <a:schemeClr val="tx1"/>
+                    </a:solidFill>
+                    <a:latin typeface="+mn-lt"/>
+                    <a:ea typeface="+mn-ea"/>
+                    <a:cs typeface="+mn-cs"/>
+                  </a:defRPr>
+                </a:lvl5pPr>
+                <a:lvl6pPr marL="2514600" indent="-228600" algn="l" defTabSz="914400" rtl="0" eaLnBrk="1" latinLnBrk="0" hangingPunct="1">
+                  <a:lnSpc>
+                    <a:spcPct val="90000"/>
+                  </a:lnSpc>
+                  <a:spcBef>
+                    <a:spcPts val="500"/>
+                  </a:spcBef>
+                  <a:buFont typeface="Arial" panose="020B0604020202020204" pitchFamily="34" charset="0"/>
+                  <a:buChar char="•"/>
+                  <a:defRPr sz="1800" kern="1200">
+                    <a:solidFill>
+                      <a:schemeClr val="tx1"/>
+                    </a:solidFill>
+                    <a:latin typeface="+mn-lt"/>
+                    <a:ea typeface="+mn-ea"/>
+                    <a:cs typeface="+mn-cs"/>
+                  </a:defRPr>
+                </a:lvl6pPr>
+                <a:lvl7pPr marL="2971800" indent="-228600" algn="l" defTabSz="914400" rtl="0" eaLnBrk="1" latinLnBrk="0" hangingPunct="1">
+                  <a:lnSpc>
+                    <a:spcPct val="90000"/>
+                  </a:lnSpc>
+                  <a:spcBef>
+                    <a:spcPts val="500"/>
+                  </a:spcBef>
+                  <a:buFont typeface="Arial" panose="020B0604020202020204" pitchFamily="34" charset="0"/>
+                  <a:buChar char="•"/>
+                  <a:defRPr sz="1800" kern="1200">
+                    <a:solidFill>
+                      <a:schemeClr val="tx1"/>
+                    </a:solidFill>
+                    <a:latin typeface="+mn-lt"/>
+                    <a:ea typeface="+mn-ea"/>
+                    <a:cs typeface="+mn-cs"/>
+                  </a:defRPr>
+                </a:lvl7pPr>
+                <a:lvl8pPr marL="3429000" indent="-228600" algn="l" defTabSz="914400" rtl="0" eaLnBrk="1" latinLnBrk="0" hangingPunct="1">
+                  <a:lnSpc>
+                    <a:spcPct val="90000"/>
+                  </a:lnSpc>
+                  <a:spcBef>
+                    <a:spcPts val="500"/>
+                  </a:spcBef>
+                  <a:buFont typeface="Arial" panose="020B0604020202020204" pitchFamily="34" charset="0"/>
+                  <a:buChar char="•"/>
+                  <a:defRPr sz="1800" kern="1200">
+                    <a:solidFill>
+                      <a:schemeClr val="tx1"/>
+                    </a:solidFill>
+                    <a:latin typeface="+mn-lt"/>
+                    <a:ea typeface="+mn-ea"/>
+                    <a:cs typeface="+mn-cs"/>
+                  </a:defRPr>
+                </a:lvl8pPr>
+                <a:lvl9pPr marL="3886200" indent="-228600" algn="l" defTabSz="914400" rtl="0" eaLnBrk="1" latinLnBrk="0" hangingPunct="1">
+                  <a:lnSpc>
+                    <a:spcPct val="90000"/>
+                  </a:lnSpc>
+                  <a:spcBef>
+                    <a:spcPts val="500"/>
+                  </a:spcBef>
+                  <a:buFont typeface="Arial" panose="020B0604020202020204" pitchFamily="34" charset="0"/>
+                  <a:buChar char="•"/>
+                  <a:defRPr sz="1800" kern="1200">
+                    <a:solidFill>
+                      <a:schemeClr val="tx1"/>
+                    </a:solidFill>
+                    <a:latin typeface="+mn-lt"/>
+                    <a:ea typeface="+mn-ea"/>
+                    <a:cs typeface="+mn-cs"/>
+                  </a:defRPr>
+                </a:lvl9pPr>
+              </a:lstStyle>
+              <a:p>
+                <a:r>
+                  <a:rPr lang="zh-CN" altLang="en-US" dirty="0"/>
+                  <a:t>温度和磁场与线圈的电流在模型中的耦合，主要是源于它们与</a:t>
+                </a:r>
+                <a:r>
+                  <a:rPr lang="en-US" altLang="zh-CN" dirty="0"/>
+                  <a:t>REBCO</a:t>
+                </a:r>
+                <a:r>
+                  <a:rPr lang="zh-CN" altLang="en-US" dirty="0"/>
+                  <a:t>带材临界电流的关系</a:t>
+                </a:r>
+                <a:r>
+                  <a:rPr lang="en-US" altLang="zh-CN" dirty="0"/>
+                  <a:t>:</a:t>
+                </a:r>
+                <a:endParaRPr lang="en-US" altLang="zh-CN" i="1" dirty="0">
+                  <a:latin typeface="Cambria Math" panose="02040503050406030204" pitchFamily="18" charset="0"/>
+                </a:endParaRPr>
+              </a:p>
+              <a:p>
+                <a14:m>
+                  <m:oMath xmlns:m="http://schemas.openxmlformats.org/officeDocument/2006/math">
+                    <m:sSub>
+                      <m:sSubPr>
+                        <m:ctrlPr>
+                          <a:rPr lang="zh-CN" altLang="en-US" i="1">
+                            <a:latin typeface="Cambria Math" panose="02040503050406030204" pitchFamily="18" charset="0"/>
+                          </a:rPr>
+                        </m:ctrlPr>
+                      </m:sSubPr>
+                      <m:e>
+                        <m:r>
+                          <a:rPr lang="zh-CN" altLang="en-US" i="1">
+                            <a:latin typeface="Cambria Math" panose="02040503050406030204" pitchFamily="18" charset="0"/>
+                          </a:rPr>
+                          <m:t>𝐼</m:t>
+                        </m:r>
+                      </m:e>
+                      <m:sub>
+                        <m:r>
+                          <a:rPr lang="zh-CN" altLang="en-US" i="1">
+                            <a:latin typeface="Cambria Math" panose="02040503050406030204" pitchFamily="18" charset="0"/>
+                          </a:rPr>
+                          <m:t>𝑐</m:t>
+                        </m:r>
+                      </m:sub>
+                    </m:sSub>
+                    <m:r>
+                      <a:rPr lang="zh-CN" altLang="en-US">
+                        <a:latin typeface="Cambria Math" panose="02040503050406030204" pitchFamily="18" charset="0"/>
+                      </a:rPr>
+                      <m:t>=</m:t>
+                    </m:r>
+                    <m:sSub>
+                      <m:sSubPr>
+                        <m:ctrlPr>
+                          <a:rPr lang="zh-CN" altLang="en-US" i="1">
+                            <a:latin typeface="Cambria Math" panose="02040503050406030204" pitchFamily="18" charset="0"/>
+                          </a:rPr>
+                        </m:ctrlPr>
+                      </m:sSubPr>
+                      <m:e>
+                        <m:r>
+                          <a:rPr lang="zh-CN" altLang="en-US" i="1">
+                            <a:latin typeface="Cambria Math" panose="02040503050406030204" pitchFamily="18" charset="0"/>
+                          </a:rPr>
+                          <m:t>𝐼</m:t>
+                        </m:r>
+                      </m:e>
+                      <m:sub>
+                        <m:r>
+                          <a:rPr lang="zh-CN" altLang="en-US" i="1">
+                            <a:latin typeface="Cambria Math" panose="02040503050406030204" pitchFamily="18" charset="0"/>
+                          </a:rPr>
+                          <m:t>𝑐</m:t>
+                        </m:r>
+                        <m:r>
+                          <a:rPr lang="zh-CN" altLang="en-US">
+                            <a:latin typeface="Cambria Math" panose="02040503050406030204" pitchFamily="18" charset="0"/>
+                          </a:rPr>
+                          <m:t>0</m:t>
+                        </m:r>
+                      </m:sub>
+                    </m:sSub>
+                    <m:r>
+                      <a:rPr lang="zh-CN" altLang="en-US">
+                        <a:latin typeface="Cambria Math" panose="02040503050406030204" pitchFamily="18" charset="0"/>
+                      </a:rPr>
+                      <m:t>⋅</m:t>
+                    </m:r>
+                    <m:sSub>
+                      <m:sSubPr>
+                        <m:ctrlPr>
+                          <a:rPr lang="zh-CN" altLang="en-US" i="1">
+                            <a:latin typeface="Cambria Math" panose="02040503050406030204" pitchFamily="18" charset="0"/>
+                          </a:rPr>
+                        </m:ctrlPr>
+                      </m:sSubPr>
+                      <m:e>
+                        <m:r>
+                          <a:rPr lang="zh-CN" altLang="en-US" i="1">
+                            <a:latin typeface="Cambria Math" panose="02040503050406030204" pitchFamily="18" charset="0"/>
+                          </a:rPr>
+                          <m:t>𝜆</m:t>
+                        </m:r>
+                      </m:e>
+                      <m:sub>
+                        <m:r>
+                          <a:rPr lang="zh-CN" altLang="en-US" i="1">
+                            <a:latin typeface="Cambria Math" panose="02040503050406030204" pitchFamily="18" charset="0"/>
+                          </a:rPr>
+                          <m:t>𝑐𝑇</m:t>
+                        </m:r>
+                      </m:sub>
+                    </m:sSub>
+                    <m:d>
+                      <m:dPr>
+                        <m:ctrlPr>
+                          <a:rPr lang="zh-CN" altLang="en-US" i="1">
+                            <a:latin typeface="Cambria Math" panose="02040503050406030204" pitchFamily="18" charset="0"/>
+                          </a:rPr>
+                        </m:ctrlPr>
+                      </m:dPr>
+                      <m:e>
+                        <m:r>
+                          <a:rPr lang="zh-CN" altLang="en-US" i="1">
+                            <a:latin typeface="Cambria Math" panose="02040503050406030204" pitchFamily="18" charset="0"/>
+                          </a:rPr>
+                          <m:t>𝑇</m:t>
+                        </m:r>
+                      </m:e>
+                    </m:d>
+                    <m:r>
+                      <a:rPr lang="zh-CN" altLang="en-US">
+                        <a:latin typeface="Cambria Math" panose="02040503050406030204" pitchFamily="18" charset="0"/>
+                      </a:rPr>
+                      <m:t>⋅</m:t>
+                    </m:r>
+                    <m:sSub>
+                      <m:sSubPr>
+                        <m:ctrlPr>
+                          <a:rPr lang="zh-CN" altLang="en-US" i="1">
+                            <a:latin typeface="Cambria Math" panose="02040503050406030204" pitchFamily="18" charset="0"/>
+                          </a:rPr>
+                        </m:ctrlPr>
+                      </m:sSubPr>
+                      <m:e>
+                        <m:r>
+                          <a:rPr lang="zh-CN" altLang="en-US" i="1">
+                            <a:latin typeface="Cambria Math" panose="02040503050406030204" pitchFamily="18" charset="0"/>
+                          </a:rPr>
+                          <m:t>𝜆</m:t>
+                        </m:r>
+                      </m:e>
+                      <m:sub>
+                        <m:r>
+                          <a:rPr lang="zh-CN" altLang="en-US" i="1">
+                            <a:latin typeface="Cambria Math" panose="02040503050406030204" pitchFamily="18" charset="0"/>
+                          </a:rPr>
+                          <m:t>𝑐𝐵</m:t>
+                        </m:r>
+                      </m:sub>
+                    </m:sSub>
+                    <m:d>
+                      <m:dPr>
+                        <m:ctrlPr>
+                          <a:rPr lang="zh-CN" altLang="en-US" i="1">
+                            <a:latin typeface="Cambria Math" panose="02040503050406030204" pitchFamily="18" charset="0"/>
+                          </a:rPr>
+                        </m:ctrlPr>
+                      </m:dPr>
+                      <m:e>
+                        <m:r>
+                          <a:rPr lang="zh-CN" altLang="en-US" i="1">
+                            <a:latin typeface="Cambria Math" panose="02040503050406030204" pitchFamily="18" charset="0"/>
+                          </a:rPr>
+                          <m:t>𝐵</m:t>
+                        </m:r>
+                        <m:r>
+                          <a:rPr lang="zh-CN" altLang="en-US">
+                            <a:latin typeface="Cambria Math" panose="02040503050406030204" pitchFamily="18" charset="0"/>
+                          </a:rPr>
+                          <m:t>,</m:t>
+                        </m:r>
+                        <m:r>
+                          <m:rPr>
+                            <m:sty m:val="p"/>
+                          </m:rPr>
+                          <a:rPr lang="zh-CN" altLang="en-US">
+                            <a:latin typeface="Cambria Math" panose="02040503050406030204" pitchFamily="18" charset="0"/>
+                          </a:rPr>
+                          <m:t>θ</m:t>
+                        </m:r>
+                      </m:e>
+                    </m:d>
+                  </m:oMath>
+                </a14:m>
+                <a:endParaRPr lang="zh-CN" altLang="en-US" dirty="0"/>
+              </a:p>
+              <a:p>
+                <a:endParaRPr lang="zh-CN" altLang="en-US" dirty="0"/>
+              </a:p>
+            </p:txBody>
+          </p:sp>
+        </mc:Choice>
+        <mc:Fallback xmlns="">
+          <p:sp>
+            <p:nvSpPr>
+              <p:cNvPr id="5" name="内容占位符 4">
+                <a:extLst>
+                  <a:ext uri="{FF2B5EF4-FFF2-40B4-BE49-F238E27FC236}">
+                    <a16:creationId xmlns:a16="http://schemas.microsoft.com/office/drawing/2014/main" id="{CD1D2125-07E1-989F-D27F-B947BD4641F6}"/>
+                  </a:ext>
+                </a:extLst>
+              </p:cNvPr>
+              <p:cNvSpPr txBox="1">
+                <a:spLocks noRot="1" noChangeAspect="1" noMove="1" noResize="1" noEditPoints="1" noAdjustHandles="1" noChangeArrowheads="1" noChangeShapeType="1" noTextEdit="1"/>
+              </p:cNvSpPr>
+              <p:nvPr/>
+            </p:nvSpPr>
+            <p:spPr>
+              <a:xfrm>
+                <a:off x="1482786" y="1197623"/>
+                <a:ext cx="8640000" cy="1532207"/>
+              </a:xfrm>
+              <a:prstGeom prst="rect">
+                <a:avLst/>
+              </a:prstGeom>
+              <a:blipFill>
+                <a:blip r:embed="rId2"/>
+                <a:stretch>
+                  <a:fillRect l="-1269" t="-7143" r="-564"/>
+                </a:stretch>
+              </a:blipFill>
+            </p:spPr>
+            <p:txBody>
+              <a:bodyPr/>
+              <a:lstStyle/>
+              <a:p>
+                <a:r>
+                  <a:rPr lang="zh-CN" altLang="en-US">
+                    <a:noFill/>
+                  </a:rPr>
+                  <a:t> </a:t>
+                </a:r>
+              </a:p>
+            </p:txBody>
+          </p:sp>
+        </mc:Fallback>
+      </mc:AlternateContent>
+      <mc:AlternateContent xmlns:mc="http://schemas.openxmlformats.org/markup-compatibility/2006" xmlns:a14="http://schemas.microsoft.com/office/drawing/2010/main">
+        <mc:Choice Requires="a14">
+          <p:sp>
+            <p:nvSpPr>
+              <p:cNvPr id="6" name="文本框 5">
+                <a:extLst>
+                  <a:ext uri="{FF2B5EF4-FFF2-40B4-BE49-F238E27FC236}">
+                    <a16:creationId xmlns:a16="http://schemas.microsoft.com/office/drawing/2014/main" id="{11B35215-5FDD-6636-1EF9-3E669BE09F5A}"/>
+                  </a:ext>
+                </a:extLst>
+              </p:cNvPr>
+              <p:cNvSpPr txBox="1"/>
+              <p:nvPr/>
+            </p:nvSpPr>
+            <p:spPr>
+              <a:xfrm>
+                <a:off x="1482786" y="3014011"/>
+                <a:ext cx="8640000" cy="1080552"/>
+              </a:xfrm>
+              <a:prstGeom prst="rect">
+                <a:avLst/>
+              </a:prstGeom>
+              <a:noFill/>
+            </p:spPr>
+            <p:txBody>
+              <a:bodyPr wrap="none" rtlCol="0">
+                <a:spAutoFit/>
+              </a:bodyPr>
+              <a:lstStyle/>
+              <a:p>
+                <a:pPr algn="l">
+                  <a:lnSpc>
+                    <a:spcPct val="120000"/>
+                  </a:lnSpc>
+                </a:pPr>
+                <a:r>
+                  <a:rPr lang="zh-CN" altLang="en-US" dirty="0"/>
+                  <a:t>在已知各位置电流的情况下，根据毕奥</a:t>
+                </a:r>
+                <a:r>
+                  <a:rPr lang="en-US" altLang="zh-CN" dirty="0"/>
+                  <a:t>-</a:t>
+                </a:r>
+                <a:r>
+                  <a:rPr lang="zh-CN" altLang="en-US" dirty="0"/>
+                  <a:t>萨伐尔的定律可以计算出每个位置的磁场：</a:t>
+                </a:r>
+                <a:endParaRPr lang="en-US" altLang="zh-CN" dirty="0"/>
+              </a:p>
+              <a:p>
+                <a:pPr algn="l">
+                  <a:lnSpc>
+                    <a:spcPct val="120000"/>
+                  </a:lnSpc>
+                </a:pPr>
+                <a14:m>
+                  <m:oMathPara xmlns:m="http://schemas.openxmlformats.org/officeDocument/2006/math">
+                    <m:oMathParaPr>
+                      <m:jc m:val="centerGroup"/>
+                    </m:oMathParaPr>
+                    <m:oMath xmlns:m="http://schemas.openxmlformats.org/officeDocument/2006/math">
+                      <m:r>
+                        <a:rPr lang="en-US" altLang="zh-CN" sz="1800" i="1" kern="100" smtClean="0">
+                          <a:effectLst/>
+                          <a:latin typeface="Cambria Math" panose="02040503050406030204" pitchFamily="18" charset="0"/>
+                          <a:ea typeface="宋体" panose="02010600030101010101" pitchFamily="2" charset="-122"/>
+                          <a:cs typeface="Times New Roman" panose="02020603050405020304" pitchFamily="18" charset="0"/>
+                        </a:rPr>
+                        <m:t>𝑑</m:t>
+                      </m:r>
+                      <m:acc>
+                        <m:accPr>
+                          <m:chr m:val="⃗"/>
+                          <m:ctrlPr>
+                            <a:rPr lang="zh-CN" altLang="zh-CN" i="1">
+                              <a:effectLst/>
+                              <a:latin typeface="Cambria Math" panose="02040503050406030204" pitchFamily="18" charset="0"/>
+                              <a:ea typeface="Cambria Math" panose="02040503050406030204" pitchFamily="18" charset="0"/>
+                            </a:rPr>
+                          </m:ctrlPr>
+                        </m:accPr>
+                        <m:e>
+                          <m:r>
+                            <a:rPr lang="en-US" altLang="zh-CN" sz="1800" i="1" kern="100">
+                              <a:effectLst/>
+                              <a:latin typeface="Cambria Math" panose="02040503050406030204" pitchFamily="18" charset="0"/>
+                              <a:ea typeface="宋体" panose="02010600030101010101" pitchFamily="2" charset="-122"/>
+                              <a:cs typeface="Times New Roman" panose="02020603050405020304" pitchFamily="18" charset="0"/>
+                            </a:rPr>
+                            <m:t>𝐵</m:t>
+                          </m:r>
+                        </m:e>
+                      </m:acc>
+                      <m:r>
+                        <a:rPr lang="en-US" altLang="zh-CN" sz="1800" i="1" kern="100">
+                          <a:effectLst/>
+                          <a:latin typeface="Cambria Math" panose="02040503050406030204" pitchFamily="18" charset="0"/>
+                          <a:ea typeface="宋体" panose="02010600030101010101" pitchFamily="2" charset="-122"/>
+                          <a:cs typeface="Times New Roman" panose="02020603050405020304" pitchFamily="18" charset="0"/>
+                        </a:rPr>
+                        <m:t>=</m:t>
+                      </m:r>
+                      <m:f>
+                        <m:fPr>
+                          <m:ctrlPr>
+                            <a:rPr lang="zh-CN" altLang="zh-CN" i="1">
+                              <a:effectLst/>
+                              <a:latin typeface="Cambria Math" panose="02040503050406030204" pitchFamily="18" charset="0"/>
+                              <a:ea typeface="Cambria Math" panose="02040503050406030204" pitchFamily="18" charset="0"/>
+                            </a:rPr>
+                          </m:ctrlPr>
+                        </m:fPr>
+                        <m:num>
+                          <m:sSub>
+                            <m:sSubPr>
+                              <m:ctrlPr>
+                                <a:rPr lang="zh-CN" altLang="zh-CN" i="1">
+                                  <a:effectLst/>
+                                  <a:latin typeface="Cambria Math" panose="02040503050406030204" pitchFamily="18" charset="0"/>
+                                  <a:ea typeface="Cambria Math" panose="02040503050406030204" pitchFamily="18" charset="0"/>
+                                </a:rPr>
+                              </m:ctrlPr>
+                            </m:sSubPr>
+                            <m:e>
+                              <m:r>
+                                <m:rPr>
+                                  <m:sty m:val="p"/>
+                                </m:rPr>
+                                <a:rPr lang="en-US" altLang="zh-CN" sz="1800" kern="100">
+                                  <a:effectLst/>
+                                  <a:latin typeface="Cambria Math" panose="02040503050406030204" pitchFamily="18" charset="0"/>
+                                  <a:ea typeface="宋体" panose="02010600030101010101" pitchFamily="2" charset="-122"/>
+                                  <a:cs typeface="Times New Roman" panose="02020603050405020304" pitchFamily="18" charset="0"/>
+                                </a:rPr>
+                                <m:t>μ</m:t>
+                              </m:r>
+                            </m:e>
+                            <m:sub>
+                              <m:r>
+                                <a:rPr lang="en-US" altLang="zh-CN" sz="1800" i="1" kern="100">
+                                  <a:effectLst/>
+                                  <a:latin typeface="Cambria Math" panose="02040503050406030204" pitchFamily="18" charset="0"/>
+                                  <a:ea typeface="宋体" panose="02010600030101010101" pitchFamily="2" charset="-122"/>
+                                  <a:cs typeface="Times New Roman" panose="02020603050405020304" pitchFamily="18" charset="0"/>
+                                </a:rPr>
+                                <m:t>0</m:t>
+                              </m:r>
+                            </m:sub>
+                          </m:sSub>
+                        </m:num>
+                        <m:den>
+                          <m:r>
+                            <a:rPr lang="en-US" altLang="zh-CN" sz="1800" i="1" kern="100">
+                              <a:effectLst/>
+                              <a:latin typeface="Cambria Math" panose="02040503050406030204" pitchFamily="18" charset="0"/>
+                              <a:ea typeface="宋体" panose="02010600030101010101" pitchFamily="2" charset="-122"/>
+                              <a:cs typeface="Times New Roman" panose="02020603050405020304" pitchFamily="18" charset="0"/>
+                            </a:rPr>
+                            <m:t>4</m:t>
+                          </m:r>
+                          <m:r>
+                            <m:rPr>
+                              <m:sty m:val="p"/>
+                            </m:rPr>
+                            <a:rPr lang="en-US" altLang="zh-CN" sz="1800" kern="100">
+                              <a:effectLst/>
+                              <a:latin typeface="Cambria Math" panose="02040503050406030204" pitchFamily="18" charset="0"/>
+                              <a:ea typeface="宋体" panose="02010600030101010101" pitchFamily="2" charset="-122"/>
+                              <a:cs typeface="Times New Roman" panose="02020603050405020304" pitchFamily="18" charset="0"/>
+                            </a:rPr>
+                            <m:t>π</m:t>
+                          </m:r>
+                        </m:den>
+                      </m:f>
+                      <m:r>
+                        <a:rPr lang="en-US" altLang="zh-CN" sz="1800" kern="100">
+                          <a:effectLst/>
+                          <a:latin typeface="Cambria Math" panose="02040503050406030204" pitchFamily="18" charset="0"/>
+                          <a:ea typeface="宋体" panose="02010600030101010101" pitchFamily="2" charset="-122"/>
+                          <a:cs typeface="Times New Roman" panose="02020603050405020304" pitchFamily="18" charset="0"/>
+                        </a:rPr>
+                        <m:t>⋅</m:t>
+                      </m:r>
+                      <m:f>
+                        <m:fPr>
+                          <m:ctrlPr>
+                            <a:rPr lang="zh-CN" altLang="zh-CN" i="1">
+                              <a:effectLst/>
+                              <a:latin typeface="Cambria Math" panose="02040503050406030204" pitchFamily="18" charset="0"/>
+                              <a:ea typeface="Cambria Math" panose="02040503050406030204" pitchFamily="18" charset="0"/>
+                            </a:rPr>
+                          </m:ctrlPr>
+                        </m:fPr>
+                        <m:num>
+                          <m:r>
+                            <a:rPr lang="en-US" altLang="zh-CN" sz="1800" i="1" kern="100">
+                              <a:effectLst/>
+                              <a:latin typeface="Cambria Math" panose="02040503050406030204" pitchFamily="18" charset="0"/>
+                              <a:ea typeface="宋体" panose="02010600030101010101" pitchFamily="2" charset="-122"/>
+                              <a:cs typeface="Times New Roman" panose="02020603050405020304" pitchFamily="18" charset="0"/>
+                            </a:rPr>
+                            <m:t>𝐼𝑑𝑙</m:t>
+                          </m:r>
+                          <m:r>
+                            <a:rPr lang="zh-CN" altLang="zh-CN" sz="1800" kern="100">
+                              <a:effectLst/>
+                              <a:latin typeface="Cambria Math" panose="02040503050406030204" pitchFamily="18" charset="0"/>
+                              <a:ea typeface="宋体" panose="02010600030101010101" pitchFamily="2" charset="-122"/>
+                              <a:cs typeface="Times New Roman" panose="02020603050405020304" pitchFamily="18" charset="0"/>
+                            </a:rPr>
+                            <m:t>×</m:t>
+                          </m:r>
+                          <m:acc>
+                            <m:accPr>
+                              <m:chr m:val="⃗"/>
+                              <m:ctrlPr>
+                                <a:rPr lang="zh-CN" altLang="zh-CN" i="1">
+                                  <a:effectLst/>
+                                  <a:latin typeface="Cambria Math" panose="02040503050406030204" pitchFamily="18" charset="0"/>
+                                  <a:ea typeface="Cambria Math" panose="02040503050406030204" pitchFamily="18" charset="0"/>
+                                </a:rPr>
+                              </m:ctrlPr>
+                            </m:accPr>
+                            <m:e>
+                              <m:r>
+                                <a:rPr lang="en-US" altLang="zh-CN" sz="1800" i="1" kern="100">
+                                  <a:effectLst/>
+                                  <a:latin typeface="Cambria Math" panose="02040503050406030204" pitchFamily="18" charset="0"/>
+                                  <a:ea typeface="宋体" panose="02010600030101010101" pitchFamily="2" charset="-122"/>
+                                  <a:cs typeface="Times New Roman" panose="02020603050405020304" pitchFamily="18" charset="0"/>
+                                </a:rPr>
+                                <m:t>𝑟</m:t>
+                              </m:r>
+                            </m:e>
+                          </m:acc>
+                        </m:num>
+                        <m:den>
+                          <m:sSup>
+                            <m:sSupPr>
+                              <m:ctrlPr>
+                                <a:rPr lang="zh-CN" altLang="zh-CN" i="1">
+                                  <a:effectLst/>
+                                  <a:latin typeface="Cambria Math" panose="02040503050406030204" pitchFamily="18" charset="0"/>
+                                  <a:ea typeface="Cambria Math" panose="02040503050406030204" pitchFamily="18" charset="0"/>
+                                </a:rPr>
+                              </m:ctrlPr>
+                            </m:sSupPr>
+                            <m:e>
+                              <m:r>
+                                <a:rPr lang="en-US" altLang="zh-CN" sz="1800" i="1" kern="100">
+                                  <a:effectLst/>
+                                  <a:latin typeface="Cambria Math" panose="02040503050406030204" pitchFamily="18" charset="0"/>
+                                  <a:ea typeface="宋体" panose="02010600030101010101" pitchFamily="2" charset="-122"/>
+                                  <a:cs typeface="Times New Roman" panose="02020603050405020304" pitchFamily="18" charset="0"/>
+                                </a:rPr>
+                                <m:t>𝑟</m:t>
+                              </m:r>
+                            </m:e>
+                            <m:sup>
+                              <m:r>
+                                <a:rPr lang="en-US" altLang="zh-CN" sz="1800" i="1" kern="100">
+                                  <a:effectLst/>
+                                  <a:latin typeface="Cambria Math" panose="02040503050406030204" pitchFamily="18" charset="0"/>
+                                  <a:ea typeface="宋体" panose="02010600030101010101" pitchFamily="2" charset="-122"/>
+                                  <a:cs typeface="Times New Roman" panose="02020603050405020304" pitchFamily="18" charset="0"/>
+                                </a:rPr>
+                                <m:t>3</m:t>
+                              </m:r>
+                            </m:sup>
+                          </m:sSup>
+                        </m:den>
+                      </m:f>
+                    </m:oMath>
+                  </m:oMathPara>
+                </a14:m>
+                <a:endParaRPr lang="zh-CN" altLang="en-US" dirty="0"/>
+              </a:p>
+            </p:txBody>
+          </p:sp>
+        </mc:Choice>
+        <mc:Fallback xmlns="">
+          <p:sp>
+            <p:nvSpPr>
+              <p:cNvPr id="6" name="文本框 5">
+                <a:extLst>
+                  <a:ext uri="{FF2B5EF4-FFF2-40B4-BE49-F238E27FC236}">
+                    <a16:creationId xmlns:a16="http://schemas.microsoft.com/office/drawing/2014/main" id="{11B35215-5FDD-6636-1EF9-3E669BE09F5A}"/>
+                  </a:ext>
+                </a:extLst>
+              </p:cNvPr>
+              <p:cNvSpPr txBox="1">
+                <a:spLocks noRot="1" noChangeAspect="1" noMove="1" noResize="1" noEditPoints="1" noAdjustHandles="1" noChangeArrowheads="1" noChangeShapeType="1" noTextEdit="1"/>
+              </p:cNvSpPr>
+              <p:nvPr/>
+            </p:nvSpPr>
+            <p:spPr>
+              <a:xfrm>
+                <a:off x="1482786" y="3014011"/>
+                <a:ext cx="8640000" cy="1080552"/>
+              </a:xfrm>
+              <a:prstGeom prst="rect">
+                <a:avLst/>
+              </a:prstGeom>
+              <a:blipFill>
+                <a:blip r:embed="rId3"/>
+                <a:stretch>
+                  <a:fillRect l="-564"/>
+                </a:stretch>
+              </a:blipFill>
+            </p:spPr>
+            <p:txBody>
+              <a:bodyPr/>
+              <a:lstStyle/>
+              <a:p>
+                <a:r>
+                  <a:rPr lang="zh-CN" altLang="en-US">
+                    <a:noFill/>
+                  </a:rPr>
+                  <a:t> </a:t>
+                </a:r>
+              </a:p>
+            </p:txBody>
+          </p:sp>
+        </mc:Fallback>
+      </mc:AlternateContent>
+      <p:sp>
+        <p:nvSpPr>
+          <p:cNvPr id="7" name="文本框 6">
+            <a:extLst>
+              <a:ext uri="{FF2B5EF4-FFF2-40B4-BE49-F238E27FC236}">
+                <a16:creationId xmlns:a16="http://schemas.microsoft.com/office/drawing/2014/main" id="{96A3D9D4-384C-DD76-4766-B27999CB79DA}"/>
+              </a:ext>
+            </a:extLst>
+          </p:cNvPr>
+          <p:cNvSpPr txBox="1"/>
+          <p:nvPr/>
+        </p:nvSpPr>
+        <p:spPr>
+          <a:xfrm>
+            <a:off x="1482786" y="4656563"/>
+            <a:ext cx="8640000" cy="1393715"/>
+          </a:xfrm>
+          <a:prstGeom prst="rect">
+            <a:avLst/>
+          </a:prstGeom>
+          <a:noFill/>
+        </p:spPr>
+        <p:txBody>
+          <a:bodyPr wrap="square" rtlCol="0">
+            <a:spAutoFit/>
+          </a:bodyPr>
+          <a:lstStyle/>
+          <a:p>
+            <a:pPr algn="l">
+              <a:lnSpc>
+                <a:spcPct val="120000"/>
+              </a:lnSpc>
+            </a:pPr>
+            <a:r>
+              <a:rPr lang="zh-CN" altLang="en-US" dirty="0"/>
+              <a:t>计算磁场时模型只考虑了环向电流，而没有考虑径向电流</a:t>
+            </a:r>
+            <a:endParaRPr lang="en-US" altLang="zh-CN" dirty="0"/>
+          </a:p>
+          <a:p>
+            <a:pPr marL="342900" indent="-342900" algn="l">
+              <a:lnSpc>
+                <a:spcPct val="120000"/>
+              </a:lnSpc>
+              <a:buAutoNum type="arabicPeriod"/>
+            </a:pPr>
+            <a:r>
+              <a:rPr lang="zh-CN" altLang="en-US" dirty="0"/>
+              <a:t>在正常励磁过程中产生的径向电流很小</a:t>
+            </a:r>
+            <a:endParaRPr lang="en-US" altLang="zh-CN" dirty="0"/>
+          </a:p>
+          <a:p>
+            <a:pPr marL="342900" indent="-342900" algn="l">
+              <a:lnSpc>
+                <a:spcPct val="120000"/>
+              </a:lnSpc>
+              <a:buAutoNum type="arabicPeriod"/>
+            </a:pPr>
+            <a:r>
+              <a:rPr lang="zh-CN" altLang="en-US" dirty="0"/>
+              <a:t>径向电流的流向与导线表面垂直，所以径向电流产生的磁场对线圈临界电流的影响比较小。</a:t>
+            </a:r>
+          </a:p>
+        </p:txBody>
+      </p:sp>
+    </p:spTree>
+    <p:extLst>
+      <p:ext uri="{BB962C8B-B14F-4D97-AF65-F5344CB8AC3E}">
+        <p14:creationId xmlns:p14="http://schemas.microsoft.com/office/powerpoint/2010/main" val="3209259687"/>
+      </p:ext>
+    </p:extLst>
+  </p:cSld>
+  <p:clrMapOvr>
+    <a:masterClrMapping/>
+  </p:clrMapOvr>
+  <p:timing>
+    <p:tnLst>
+      <p:par>
+        <p:cTn id="1" dur="indefinite" restart="never" nodeType="tmRoot">
+          <p:childTnLst>
+            <p:seq concurrent="1" nextAc="seek">
+              <p:cTn id="2" dur="indefinite" nodeType="mainSeq">
+                <p:childTnLst>
+                  <p:par>
+                    <p:cTn id="3" fill="hold">
+                      <p:stCondLst>
+                        <p:cond delay="indefinite"/>
+                      </p:stCondLst>
+                      <p:childTnLst>
+                        <p:par>
+                          <p:cTn id="4" fill="hold">
+                            <p:stCondLst>
+                              <p:cond delay="0"/>
+                            </p:stCondLst>
+                            <p:childTnLst>
+                              <p:par>
+                                <p:cTn id="5" presetID="10" presetClass="entr" presetSubtype="0" fill="hold" grpId="0" nodeType="clickEffect">
+                                  <p:stCondLst>
+                                    <p:cond delay="0"/>
+                                  </p:stCondLst>
+                                  <p:childTnLst>
+                                    <p:set>
+                                      <p:cBhvr>
+                                        <p:cTn id="6" dur="1" fill="hold">
+                                          <p:stCondLst>
+                                            <p:cond delay="0"/>
+                                          </p:stCondLst>
+                                        </p:cTn>
+                                        <p:tgtEl>
+                                          <p:spTgt spid="6"/>
+                                        </p:tgtEl>
+                                        <p:attrNameLst>
+                                          <p:attrName>style.visibility</p:attrName>
+                                        </p:attrNameLst>
+                                      </p:cBhvr>
+                                      <p:to>
+                                        <p:strVal val="visible"/>
+                                      </p:to>
+                                    </p:set>
+                                    <p:animEffect transition="in" filter="fade">
+                                      <p:cBhvr>
+                                        <p:cTn id="7" dur="500"/>
+                                        <p:tgtEl>
+                                          <p:spTgt spid="6"/>
+                                        </p:tgtEl>
+                                      </p:cBhvr>
+                                    </p:animEffect>
+                                  </p:childTnLst>
+                                </p:cTn>
+                              </p:par>
+                            </p:childTnLst>
+                          </p:cTn>
+                        </p:par>
+                      </p:childTnLst>
+                    </p:cTn>
+                  </p:par>
+                  <p:par>
+                    <p:cTn id="8" fill="hold">
+                      <p:stCondLst>
+                        <p:cond delay="indefinite"/>
+                      </p:stCondLst>
+                      <p:childTnLst>
+                        <p:par>
+                          <p:cTn id="9" fill="hold">
+                            <p:stCondLst>
+                              <p:cond delay="0"/>
+                            </p:stCondLst>
+                            <p:childTnLst>
+                              <p:par>
+                                <p:cTn id="10" presetID="10" presetClass="entr" presetSubtype="0" fill="hold" grpId="0" nodeType="clickEffect">
+                                  <p:stCondLst>
+                                    <p:cond delay="0"/>
+                                  </p:stCondLst>
+                                  <p:childTnLst>
+                                    <p:set>
+                                      <p:cBhvr>
+                                        <p:cTn id="11" dur="1" fill="hold">
+                                          <p:stCondLst>
+                                            <p:cond delay="0"/>
+                                          </p:stCondLst>
+                                        </p:cTn>
+                                        <p:tgtEl>
+                                          <p:spTgt spid="7"/>
+                                        </p:tgtEl>
+                                        <p:attrNameLst>
+                                          <p:attrName>style.visibility</p:attrName>
+                                        </p:attrNameLst>
+                                      </p:cBhvr>
+                                      <p:to>
+                                        <p:strVal val="visible"/>
+                                      </p:to>
+                                    </p:set>
+                                    <p:animEffect transition="in" filter="fade">
+                                      <p:cBhvr>
+                                        <p:cTn id="12" dur="500"/>
+                                        <p:tgtEl>
+                                          <p:spTgt spid="7"/>
+                                        </p:tgtEl>
+                                      </p:cBhvr>
+                                    </p:animEffect>
+                                  </p:childTnLst>
+                                </p:cTn>
+                              </p:par>
+                            </p:childTnLst>
+                          </p:cTn>
+                        </p:par>
+                      </p:childTnLst>
+                    </p:cTn>
+                  </p:par>
+                </p:childTnLst>
+              </p:cTn>
+              <p:prevCondLst>
+                <p:cond evt="onPrev" delay="0">
+                  <p:tgtEl>
+                    <p:sldTgt/>
+                  </p:tgtEl>
+                </p:cond>
+              </p:prevCondLst>
+              <p:nextCondLst>
+                <p:cond evt="onNext" delay="0">
+                  <p:tgtEl>
+                    <p:sldTgt/>
+                  </p:tgtEl>
+                </p:cond>
+              </p:nextCondLst>
+            </p:seq>
+          </p:childTnLst>
+        </p:cTn>
+      </p:par>
+    </p:tnLst>
+    <p:bldLst>
+      <p:bldP spid="6" grpId="0"/>
+      <p:bldP spid="7" grpId="0"/>
+    </p:bldLst>
+  </p:timing>
+</p:sld>
+</file>
+
+<file path=ppt/slides/slide11.xml><?xml version="1.0" encoding="utf-8"?>
+<p:sld xmlns:a="http://schemas.openxmlformats.org/drawingml/2006/main" xmlns:r="http://schemas.openxmlformats.org/officeDocument/2006/relationships" xmlns:p="http://schemas.openxmlformats.org/presentationml/2006/main">
+  <p:cSld>
+    <p:spTree>
+      <p:nvGrpSpPr>
+        <p:cNvPr id="1" name=""/>
+        <p:cNvGrpSpPr/>
+        <p:nvPr/>
+      </p:nvGrpSpPr>
+      <p:grpSpPr>
+        <a:xfrm>
+          <a:off x="0" y="0"/>
+          <a:ext cx="0" cy="0"/>
+          <a:chOff x="0" y="0"/>
+          <a:chExt cx="0" cy="0"/>
+        </a:xfrm>
+      </p:grpSpPr>
+      <p:sp>
+        <p:nvSpPr>
+          <p:cNvPr id="4" name="标题 2">
+            <a:extLst>
+              <a:ext uri="{FF2B5EF4-FFF2-40B4-BE49-F238E27FC236}">
                 <a16:creationId xmlns:a16="http://schemas.microsoft.com/office/drawing/2014/main" id="{4CD952CA-9D07-45D8-E8D8-39F872D810D3}"/>
               </a:ext>
             </a:extLst>
@@ -5283,7 +6347,7 @@
 </p:sld>
 </file>
 
-<file path=ppt/slides/slide11.xml><?xml version="1.0" encoding="utf-8"?>
+<file path=ppt/slides/slide12.xml><?xml version="1.0" encoding="utf-8"?>
 <p:sld xmlns:a="http://schemas.openxmlformats.org/drawingml/2006/main" xmlns:r="http://schemas.openxmlformats.org/officeDocument/2006/relationships" xmlns:p="http://schemas.openxmlformats.org/presentationml/2006/main">
   <p:cSld>
     <p:spTree>
@@ -6322,8 +7386,8 @@
           </a:p>
         </p:txBody>
       </p:sp>
-      <mc:AlternateContent xmlns:mc="http://schemas.openxmlformats.org/markup-compatibility/2006">
-        <mc:Choice xmlns:a14="http://schemas.microsoft.com/office/drawing/2010/main" Requires="a14">
+      <mc:AlternateContent xmlns:mc="http://schemas.openxmlformats.org/markup-compatibility/2006" xmlns:a14="http://schemas.microsoft.com/office/drawing/2010/main">
+        <mc:Choice Requires="a14">
           <p:sp>
             <p:nvSpPr>
               <p:cNvPr id="9" name="文本框 8">
@@ -6625,7 +7689,7 @@
             </p:txBody>
           </p:sp>
         </mc:Choice>
-        <mc:Fallback>
+        <mc:Fallback xmlns="">
           <p:sp>
             <p:nvSpPr>
               <p:cNvPr id="9" name="文本框 8">
@@ -7394,6 +8458,1459 @@
 </file>
 
 <file path=ppt/slides/slide4.xml><?xml version="1.0" encoding="utf-8"?>
+<p:sld xmlns:a="http://schemas.openxmlformats.org/drawingml/2006/main" xmlns:r="http://schemas.openxmlformats.org/officeDocument/2006/relationships" xmlns:p="http://schemas.openxmlformats.org/presentationml/2006/main">
+  <p:cSld>
+    <p:spTree>
+      <p:nvGrpSpPr>
+        <p:cNvPr id="1" name=""/>
+        <p:cNvGrpSpPr/>
+        <p:nvPr/>
+      </p:nvGrpSpPr>
+      <p:grpSpPr>
+        <a:xfrm>
+          <a:off x="0" y="0"/>
+          <a:ext cx="0" cy="0"/>
+          <a:chOff x="0" y="0"/>
+          <a:chExt cx="0" cy="0"/>
+        </a:xfrm>
+      </p:grpSpPr>
+      <p:sp>
+        <p:nvSpPr>
+          <p:cNvPr id="4" name="标题 2">
+            <a:extLst>
+              <a:ext uri="{FF2B5EF4-FFF2-40B4-BE49-F238E27FC236}">
+                <a16:creationId xmlns:a16="http://schemas.microsoft.com/office/drawing/2014/main" id="{759B282E-0848-4275-3854-B250191590B4}"/>
+              </a:ext>
+            </a:extLst>
+          </p:cNvPr>
+          <p:cNvSpPr txBox="1">
+            <a:spLocks/>
+          </p:cNvSpPr>
+          <p:nvPr/>
+        </p:nvSpPr>
+        <p:spPr>
+          <a:xfrm>
+            <a:off x="642209" y="480369"/>
+            <a:ext cx="6429375" cy="367200"/>
+          </a:xfrm>
+          <a:prstGeom prst="rect">
+            <a:avLst/>
+          </a:prstGeom>
+        </p:spPr>
+        <p:txBody>
+          <a:bodyPr vert="horz" lIns="91440" tIns="45720" rIns="91440" bIns="45720" rtlCol="0" anchor="ctr">
+            <a:noAutofit/>
+          </a:bodyPr>
+          <a:lstStyle>
+            <a:defPPr>
+              <a:defRPr lang="zh-CN"/>
+            </a:defPPr>
+            <a:lvl1pPr>
+              <a:lnSpc>
+                <a:spcPct val="90000"/>
+              </a:lnSpc>
+              <a:spcBef>
+                <a:spcPct val="0"/>
+              </a:spcBef>
+              <a:buNone/>
+              <a:defRPr sz="3600" b="1">
+                <a:latin typeface="+mj-lt"/>
+                <a:ea typeface="+mj-ea"/>
+                <a:cs typeface="+mj-cs"/>
+              </a:defRPr>
+            </a:lvl1pPr>
+          </a:lstStyle>
+          <a:p>
+            <a:r>
+              <a:rPr lang="zh-CN" altLang="en-US" dirty="0"/>
+              <a:t>方程构成</a:t>
+            </a:r>
+          </a:p>
+        </p:txBody>
+      </p:sp>
+      <p:sp>
+        <p:nvSpPr>
+          <p:cNvPr id="5" name="内容占位符 4">
+            <a:extLst>
+              <a:ext uri="{FF2B5EF4-FFF2-40B4-BE49-F238E27FC236}">
+                <a16:creationId xmlns:a16="http://schemas.microsoft.com/office/drawing/2014/main" id="{3FE218D5-F682-EA19-B50F-F0DCCA7EAB4A}"/>
+              </a:ext>
+            </a:extLst>
+          </p:cNvPr>
+          <p:cNvSpPr txBox="1">
+            <a:spLocks/>
+          </p:cNvSpPr>
+          <p:nvPr/>
+        </p:nvSpPr>
+        <p:spPr>
+          <a:xfrm>
+            <a:off x="1547568" y="1995566"/>
+            <a:ext cx="8280000" cy="1098655"/>
+          </a:xfrm>
+          <a:prstGeom prst="rect">
+            <a:avLst/>
+          </a:prstGeom>
+        </p:spPr>
+        <p:txBody>
+          <a:bodyPr/>
+          <a:lstStyle>
+            <a:lvl1pPr marL="228600" indent="-228600" algn="l" defTabSz="914400" rtl="0" eaLnBrk="1" latinLnBrk="0" hangingPunct="1">
+              <a:lnSpc>
+                <a:spcPct val="90000"/>
+              </a:lnSpc>
+              <a:spcBef>
+                <a:spcPts val="1000"/>
+              </a:spcBef>
+              <a:buFont typeface="Arial" panose="020B0604020202020204" pitchFamily="34" charset="0"/>
+              <a:buChar char="•"/>
+              <a:defRPr sz="2800" kern="1200">
+                <a:solidFill>
+                  <a:schemeClr val="tx1"/>
+                </a:solidFill>
+                <a:latin typeface="+mn-lt"/>
+                <a:ea typeface="+mn-ea"/>
+                <a:cs typeface="+mn-cs"/>
+              </a:defRPr>
+            </a:lvl1pPr>
+            <a:lvl2pPr marL="685800" indent="-228600" algn="l" defTabSz="914400" rtl="0" eaLnBrk="1" latinLnBrk="0" hangingPunct="1">
+              <a:lnSpc>
+                <a:spcPct val="90000"/>
+              </a:lnSpc>
+              <a:spcBef>
+                <a:spcPts val="500"/>
+              </a:spcBef>
+              <a:buFont typeface="Arial" panose="020B0604020202020204" pitchFamily="34" charset="0"/>
+              <a:buChar char="•"/>
+              <a:defRPr sz="2400" kern="1200">
+                <a:solidFill>
+                  <a:schemeClr val="tx1"/>
+                </a:solidFill>
+                <a:latin typeface="+mn-lt"/>
+                <a:ea typeface="+mn-ea"/>
+                <a:cs typeface="+mn-cs"/>
+              </a:defRPr>
+            </a:lvl2pPr>
+            <a:lvl3pPr marL="1143000" indent="-228600" algn="l" defTabSz="914400" rtl="0" eaLnBrk="1" latinLnBrk="0" hangingPunct="1">
+              <a:lnSpc>
+                <a:spcPct val="90000"/>
+              </a:lnSpc>
+              <a:spcBef>
+                <a:spcPts val="500"/>
+              </a:spcBef>
+              <a:buFont typeface="Arial" panose="020B0604020202020204" pitchFamily="34" charset="0"/>
+              <a:buChar char="•"/>
+              <a:defRPr sz="2000" kern="1200">
+                <a:solidFill>
+                  <a:schemeClr val="tx1"/>
+                </a:solidFill>
+                <a:latin typeface="+mn-lt"/>
+                <a:ea typeface="+mn-ea"/>
+                <a:cs typeface="+mn-cs"/>
+              </a:defRPr>
+            </a:lvl3pPr>
+            <a:lvl4pPr marL="1600200" indent="-228600" algn="l" defTabSz="914400" rtl="0" eaLnBrk="1" latinLnBrk="0" hangingPunct="1">
+              <a:lnSpc>
+                <a:spcPct val="90000"/>
+              </a:lnSpc>
+              <a:spcBef>
+                <a:spcPts val="500"/>
+              </a:spcBef>
+              <a:buFont typeface="Arial" panose="020B0604020202020204" pitchFamily="34" charset="0"/>
+              <a:buChar char="•"/>
+              <a:defRPr sz="1800" kern="1200">
+                <a:solidFill>
+                  <a:schemeClr val="tx1"/>
+                </a:solidFill>
+                <a:latin typeface="+mn-lt"/>
+                <a:ea typeface="+mn-ea"/>
+                <a:cs typeface="+mn-cs"/>
+              </a:defRPr>
+            </a:lvl4pPr>
+            <a:lvl5pPr marL="2057400" indent="-228600" algn="l" defTabSz="914400" rtl="0" eaLnBrk="1" latinLnBrk="0" hangingPunct="1">
+              <a:lnSpc>
+                <a:spcPct val="90000"/>
+              </a:lnSpc>
+              <a:spcBef>
+                <a:spcPts val="500"/>
+              </a:spcBef>
+              <a:buFont typeface="Arial" panose="020B0604020202020204" pitchFamily="34" charset="0"/>
+              <a:buChar char="•"/>
+              <a:defRPr sz="1800" kern="1200">
+                <a:solidFill>
+                  <a:schemeClr val="tx1"/>
+                </a:solidFill>
+                <a:latin typeface="+mn-lt"/>
+                <a:ea typeface="+mn-ea"/>
+                <a:cs typeface="+mn-cs"/>
+              </a:defRPr>
+            </a:lvl5pPr>
+            <a:lvl6pPr marL="2514600" indent="-228600" algn="l" defTabSz="914400" rtl="0" eaLnBrk="1" latinLnBrk="0" hangingPunct="1">
+              <a:lnSpc>
+                <a:spcPct val="90000"/>
+              </a:lnSpc>
+              <a:spcBef>
+                <a:spcPts val="500"/>
+              </a:spcBef>
+              <a:buFont typeface="Arial" panose="020B0604020202020204" pitchFamily="34" charset="0"/>
+              <a:buChar char="•"/>
+              <a:defRPr sz="1800" kern="1200">
+                <a:solidFill>
+                  <a:schemeClr val="tx1"/>
+                </a:solidFill>
+                <a:latin typeface="+mn-lt"/>
+                <a:ea typeface="+mn-ea"/>
+                <a:cs typeface="+mn-cs"/>
+              </a:defRPr>
+            </a:lvl6pPr>
+            <a:lvl7pPr marL="2971800" indent="-228600" algn="l" defTabSz="914400" rtl="0" eaLnBrk="1" latinLnBrk="0" hangingPunct="1">
+              <a:lnSpc>
+                <a:spcPct val="90000"/>
+              </a:lnSpc>
+              <a:spcBef>
+                <a:spcPts val="500"/>
+              </a:spcBef>
+              <a:buFont typeface="Arial" panose="020B0604020202020204" pitchFamily="34" charset="0"/>
+              <a:buChar char="•"/>
+              <a:defRPr sz="1800" kern="1200">
+                <a:solidFill>
+                  <a:schemeClr val="tx1"/>
+                </a:solidFill>
+                <a:latin typeface="+mn-lt"/>
+                <a:ea typeface="+mn-ea"/>
+                <a:cs typeface="+mn-cs"/>
+              </a:defRPr>
+            </a:lvl7pPr>
+            <a:lvl8pPr marL="3429000" indent="-228600" algn="l" defTabSz="914400" rtl="0" eaLnBrk="1" latinLnBrk="0" hangingPunct="1">
+              <a:lnSpc>
+                <a:spcPct val="90000"/>
+              </a:lnSpc>
+              <a:spcBef>
+                <a:spcPts val="500"/>
+              </a:spcBef>
+              <a:buFont typeface="Arial" panose="020B0604020202020204" pitchFamily="34" charset="0"/>
+              <a:buChar char="•"/>
+              <a:defRPr sz="1800" kern="1200">
+                <a:solidFill>
+                  <a:schemeClr val="tx1"/>
+                </a:solidFill>
+                <a:latin typeface="+mn-lt"/>
+                <a:ea typeface="+mn-ea"/>
+                <a:cs typeface="+mn-cs"/>
+              </a:defRPr>
+            </a:lvl8pPr>
+            <a:lvl9pPr marL="3886200" indent="-228600" algn="l" defTabSz="914400" rtl="0" eaLnBrk="1" latinLnBrk="0" hangingPunct="1">
+              <a:lnSpc>
+                <a:spcPct val="90000"/>
+              </a:lnSpc>
+              <a:spcBef>
+                <a:spcPts val="500"/>
+              </a:spcBef>
+              <a:buFont typeface="Arial" panose="020B0604020202020204" pitchFamily="34" charset="0"/>
+              <a:buChar char="•"/>
+              <a:defRPr sz="1800" kern="1200">
+                <a:solidFill>
+                  <a:schemeClr val="tx1"/>
+                </a:solidFill>
+                <a:latin typeface="+mn-lt"/>
+                <a:ea typeface="+mn-ea"/>
+                <a:cs typeface="+mn-cs"/>
+              </a:defRPr>
+            </a:lvl9pPr>
+          </a:lstStyle>
+          <a:p>
+            <a:r>
+              <a:rPr lang="zh-CN" altLang="en-US"/>
+              <a:t>模型的核心方程是径向通路与环向通路二者的分流，电感通路与电阻通路二者的分流，通过时域有限差分可以将方程组抽象为：</a:t>
+            </a:r>
+            <a:endParaRPr lang="zh-CN" altLang="en-US" dirty="0"/>
+          </a:p>
+        </p:txBody>
+      </p:sp>
+      <mc:AlternateContent xmlns:mc="http://schemas.openxmlformats.org/markup-compatibility/2006" xmlns:a14="http://schemas.microsoft.com/office/drawing/2010/main">
+        <mc:Choice Requires="a14">
+          <p:sp>
+            <p:nvSpPr>
+              <p:cNvPr id="6" name="文本框 5">
+                <a:extLst>
+                  <a:ext uri="{FF2B5EF4-FFF2-40B4-BE49-F238E27FC236}">
+                    <a16:creationId xmlns:a16="http://schemas.microsoft.com/office/drawing/2014/main" id="{D223C754-F67B-EB4A-D4F0-281A8C99D7E7}"/>
+                  </a:ext>
+                </a:extLst>
+              </p:cNvPr>
+              <p:cNvSpPr txBox="1"/>
+              <p:nvPr/>
+            </p:nvSpPr>
+            <p:spPr>
+              <a:xfrm>
+                <a:off x="1547568" y="3253405"/>
+                <a:ext cx="8280000" cy="610873"/>
+              </a:xfrm>
+              <a:prstGeom prst="rect">
+                <a:avLst/>
+              </a:prstGeom>
+              <a:noFill/>
+            </p:spPr>
+            <p:txBody>
+              <a:bodyPr wrap="square">
+                <a:spAutoFit/>
+              </a:bodyPr>
+              <a:lstStyle/>
+              <a:p>
+                <a:pPr/>
+                <a14:m>
+                  <m:oMathPara xmlns:m="http://schemas.openxmlformats.org/officeDocument/2006/math">
+                    <m:oMathParaPr>
+                      <m:jc m:val="centerGroup"/>
+                    </m:oMathParaPr>
+                    <m:oMath xmlns:m="http://schemas.openxmlformats.org/officeDocument/2006/math">
+                      <m:r>
+                        <a:rPr lang="zh-CN" altLang="en-US" b="1" smtClean="0">
+                          <a:latin typeface="Cambria Math" panose="02040503050406030204" pitchFamily="18" charset="0"/>
+                        </a:rPr>
+                        <m:t>𝐌</m:t>
+                      </m:r>
+                      <m:f>
+                        <m:fPr>
+                          <m:ctrlPr>
+                            <a:rPr lang="zh-CN" altLang="en-US" b="1" i="1">
+                              <a:solidFill>
+                                <a:srgbClr val="836967"/>
+                              </a:solidFill>
+                              <a:latin typeface="Cambria Math" panose="02040503050406030204" pitchFamily="18" charset="0"/>
+                            </a:rPr>
+                          </m:ctrlPr>
+                        </m:fPr>
+                        <m:num>
+                          <m:r>
+                            <a:rPr lang="zh-CN" altLang="en-US" b="1" i="0">
+                              <a:latin typeface="Cambria Math" panose="02040503050406030204" pitchFamily="18" charset="0"/>
+                            </a:rPr>
+                            <m:t>𝐈</m:t>
+                          </m:r>
+                          <m:r>
+                            <a:rPr lang="zh-CN" altLang="en-US" b="0" i="0">
+                              <a:latin typeface="Cambria Math" panose="02040503050406030204" pitchFamily="18" charset="0"/>
+                            </a:rPr>
+                            <m:t>−</m:t>
+                          </m:r>
+                          <m:sSub>
+                            <m:sSubPr>
+                              <m:ctrlPr>
+                                <a:rPr lang="zh-CN" altLang="en-US" b="0" i="1">
+                                  <a:solidFill>
+                                    <a:srgbClr val="836967"/>
+                                  </a:solidFill>
+                                  <a:latin typeface="Cambria Math" panose="02040503050406030204" pitchFamily="18" charset="0"/>
+                                </a:rPr>
+                              </m:ctrlPr>
+                            </m:sSubPr>
+                            <m:e>
+                              <m:r>
+                                <a:rPr lang="zh-CN" altLang="en-US" b="1" i="0">
+                                  <a:latin typeface="Cambria Math" panose="02040503050406030204" pitchFamily="18" charset="0"/>
+                                </a:rPr>
+                                <m:t>𝐈</m:t>
+                              </m:r>
+                            </m:e>
+                            <m:sub>
+                              <m:r>
+                                <a:rPr lang="zh-CN" altLang="en-US" b="0" i="0">
+                                  <a:latin typeface="Cambria Math" panose="02040503050406030204" pitchFamily="18" charset="0"/>
+                                </a:rPr>
+                                <m:t>0</m:t>
+                              </m:r>
+                            </m:sub>
+                          </m:sSub>
+                        </m:num>
+                        <m:den>
+                          <m:r>
+                            <m:rPr>
+                              <m:sty m:val="p"/>
+                            </m:rPr>
+                            <a:rPr lang="en-US" altLang="zh-CN" i="1">
+                              <a:latin typeface="Cambria Math" panose="02040503050406030204" pitchFamily="18" charset="0"/>
+                            </a:rPr>
+                            <m:t>Δ</m:t>
+                          </m:r>
+                          <m:r>
+                            <a:rPr lang="zh-CN" altLang="en-US" b="0" i="1">
+                              <a:latin typeface="Cambria Math" panose="02040503050406030204" pitchFamily="18" charset="0"/>
+                            </a:rPr>
+                            <m:t>𝑡</m:t>
+                          </m:r>
+                        </m:den>
+                      </m:f>
+                      <m:r>
+                        <a:rPr lang="zh-CN" altLang="en-US" b="0" i="0">
+                          <a:latin typeface="Cambria Math" panose="02040503050406030204" pitchFamily="18" charset="0"/>
+                        </a:rPr>
+                        <m:t>+</m:t>
+                      </m:r>
+                      <m:sSub>
+                        <m:sSubPr>
+                          <m:ctrlPr>
+                            <a:rPr lang="zh-CN" altLang="en-US" b="0" i="1">
+                              <a:solidFill>
+                                <a:srgbClr val="836967"/>
+                              </a:solidFill>
+                              <a:latin typeface="Cambria Math" panose="02040503050406030204" pitchFamily="18" charset="0"/>
+                            </a:rPr>
+                          </m:ctrlPr>
+                        </m:sSubPr>
+                        <m:e>
+                          <m:r>
+                            <a:rPr lang="zh-CN" altLang="en-US" b="1" i="0">
+                              <a:latin typeface="Cambria Math" panose="02040503050406030204" pitchFamily="18" charset="0"/>
+                            </a:rPr>
+                            <m:t>𝐑</m:t>
+                          </m:r>
+                        </m:e>
+                        <m:sub>
+                          <m:r>
+                            <a:rPr lang="zh-CN" altLang="en-US" b="0" i="1">
+                              <a:latin typeface="Cambria Math" panose="02040503050406030204" pitchFamily="18" charset="0"/>
+                            </a:rPr>
+                            <m:t>𝑟</m:t>
+                          </m:r>
+                        </m:sub>
+                      </m:sSub>
+                      <m:r>
+                        <a:rPr lang="zh-CN" altLang="en-US" b="1" i="0">
+                          <a:latin typeface="Cambria Math" panose="02040503050406030204" pitchFamily="18" charset="0"/>
+                        </a:rPr>
+                        <m:t>𝐈</m:t>
+                      </m:r>
+                      <m:r>
+                        <a:rPr lang="zh-CN" altLang="en-US" b="0" i="0">
+                          <a:latin typeface="Cambria Math" panose="02040503050406030204" pitchFamily="18" charset="0"/>
+                        </a:rPr>
+                        <m:t>=</m:t>
+                      </m:r>
+                      <m:sSub>
+                        <m:sSubPr>
+                          <m:ctrlPr>
+                            <a:rPr lang="zh-CN" altLang="en-US" b="0" i="1">
+                              <a:solidFill>
+                                <a:srgbClr val="836967"/>
+                              </a:solidFill>
+                              <a:latin typeface="Cambria Math" panose="02040503050406030204" pitchFamily="18" charset="0"/>
+                            </a:rPr>
+                          </m:ctrlPr>
+                        </m:sSubPr>
+                        <m:e>
+                          <m:r>
+                            <a:rPr lang="zh-CN" altLang="en-US" b="1" i="0">
+                              <a:latin typeface="Cambria Math" panose="02040503050406030204" pitchFamily="18" charset="0"/>
+                            </a:rPr>
+                            <m:t>𝐑</m:t>
+                          </m:r>
+                        </m:e>
+                        <m:sub>
+                          <m:r>
+                            <a:rPr lang="zh-CN" altLang="en-US" b="0" i="1">
+                              <a:latin typeface="Cambria Math" panose="02040503050406030204" pitchFamily="18" charset="0"/>
+                            </a:rPr>
+                            <m:t>𝑐</m:t>
+                          </m:r>
+                        </m:sub>
+                      </m:sSub>
+                      <m:r>
+                        <a:rPr lang="zh-CN" altLang="en-US" b="1" i="0">
+                          <a:latin typeface="Cambria Math" panose="02040503050406030204" pitchFamily="18" charset="0"/>
+                        </a:rPr>
+                        <m:t>𝐉</m:t>
+                      </m:r>
+                    </m:oMath>
+                  </m:oMathPara>
+                </a14:m>
+                <a:endParaRPr lang="zh-CN" altLang="en-US" dirty="0"/>
+              </a:p>
+            </p:txBody>
+          </p:sp>
+        </mc:Choice>
+        <mc:Fallback xmlns="">
+          <p:sp>
+            <p:nvSpPr>
+              <p:cNvPr id="6" name="文本框 5">
+                <a:extLst>
+                  <a:ext uri="{FF2B5EF4-FFF2-40B4-BE49-F238E27FC236}">
+                    <a16:creationId xmlns:a16="http://schemas.microsoft.com/office/drawing/2014/main" id="{D223C754-F67B-EB4A-D4F0-281A8C99D7E7}"/>
+                  </a:ext>
+                </a:extLst>
+              </p:cNvPr>
+              <p:cNvSpPr txBox="1">
+                <a:spLocks noRot="1" noChangeAspect="1" noMove="1" noResize="1" noEditPoints="1" noAdjustHandles="1" noChangeArrowheads="1" noChangeShapeType="1" noTextEdit="1"/>
+              </p:cNvSpPr>
+              <p:nvPr/>
+            </p:nvSpPr>
+            <p:spPr>
+              <a:xfrm>
+                <a:off x="1547568" y="3253405"/>
+                <a:ext cx="8280000" cy="610873"/>
+              </a:xfrm>
+              <a:prstGeom prst="rect">
+                <a:avLst/>
+              </a:prstGeom>
+              <a:blipFill>
+                <a:blip r:embed="rId2"/>
+                <a:stretch>
+                  <a:fillRect/>
+                </a:stretch>
+              </a:blipFill>
+            </p:spPr>
+            <p:txBody>
+              <a:bodyPr/>
+              <a:lstStyle/>
+              <a:p>
+                <a:r>
+                  <a:rPr lang="zh-CN" altLang="en-US">
+                    <a:noFill/>
+                  </a:rPr>
+                  <a:t> </a:t>
+                </a:r>
+              </a:p>
+            </p:txBody>
+          </p:sp>
+        </mc:Fallback>
+      </mc:AlternateContent>
+      <mc:AlternateContent xmlns:mc="http://schemas.openxmlformats.org/markup-compatibility/2006" xmlns:a14="http://schemas.microsoft.com/office/drawing/2010/main">
+        <mc:Choice Requires="a14">
+          <p:sp>
+            <p:nvSpPr>
+              <p:cNvPr id="7" name="文本框 6">
+                <a:extLst>
+                  <a:ext uri="{FF2B5EF4-FFF2-40B4-BE49-F238E27FC236}">
+                    <a16:creationId xmlns:a16="http://schemas.microsoft.com/office/drawing/2014/main" id="{10EA9EE4-92BF-AC6D-7667-86FC191454B0}"/>
+                  </a:ext>
+                </a:extLst>
+              </p:cNvPr>
+              <p:cNvSpPr txBox="1"/>
+              <p:nvPr/>
+            </p:nvSpPr>
+            <p:spPr>
+              <a:xfrm>
+                <a:off x="1547568" y="4579165"/>
+                <a:ext cx="8280000" cy="880434"/>
+              </a:xfrm>
+              <a:prstGeom prst="rect">
+                <a:avLst/>
+              </a:prstGeom>
+              <a:noFill/>
+            </p:spPr>
+            <p:txBody>
+              <a:bodyPr wrap="square">
+                <a:spAutoFit/>
+              </a:bodyPr>
+              <a:lstStyle/>
+              <a:p>
+                <a:pPr/>
+                <a14:m>
+                  <m:oMathPara xmlns:m="http://schemas.openxmlformats.org/officeDocument/2006/math">
+                    <m:oMathParaPr>
+                      <m:jc m:val="centerGroup"/>
+                    </m:oMathParaPr>
+                    <m:oMath xmlns:m="http://schemas.openxmlformats.org/officeDocument/2006/math">
+                      <m:r>
+                        <a:rPr lang="zh-CN" altLang="en-US" b="1" smtClean="0">
+                          <a:latin typeface="Cambria Math" panose="02040503050406030204" pitchFamily="18" charset="0"/>
+                        </a:rPr>
+                        <m:t>𝐌</m:t>
+                      </m:r>
+                      <m:r>
+                        <a:rPr lang="zh-CN" altLang="en-US" b="0" i="0">
+                          <a:latin typeface="Cambria Math" panose="02040503050406030204" pitchFamily="18" charset="0"/>
+                        </a:rPr>
+                        <m:t>=</m:t>
+                      </m:r>
+                      <m:d>
+                        <m:dPr>
+                          <m:begChr m:val="["/>
+                          <m:endChr m:val="]"/>
+                          <m:ctrlPr>
+                            <a:rPr lang="zh-CN" altLang="en-US" b="0" i="1">
+                              <a:solidFill>
+                                <a:srgbClr val="836967"/>
+                              </a:solidFill>
+                              <a:latin typeface="Cambria Math" panose="02040503050406030204" pitchFamily="18" charset="0"/>
+                            </a:rPr>
+                          </m:ctrlPr>
+                        </m:dPr>
+                        <m:e>
+                          <m:m>
+                            <m:mPr>
+                              <m:plcHide m:val="on"/>
+                              <m:mcs>
+                                <m:mc>
+                                  <m:mcPr>
+                                    <m:count m:val="3"/>
+                                    <m:mcJc m:val="center"/>
+                                  </m:mcPr>
+                                </m:mc>
+                              </m:mcs>
+                              <m:ctrlPr>
+                                <a:rPr lang="zh-CN" altLang="en-US" b="0" i="1">
+                                  <a:solidFill>
+                                    <a:srgbClr val="836967"/>
+                                  </a:solidFill>
+                                  <a:latin typeface="Cambria Math" panose="02040503050406030204" pitchFamily="18" charset="0"/>
+                                </a:rPr>
+                              </m:ctrlPr>
+                            </m:mPr>
+                            <m:mr>
+                              <m:e>
+                                <m:sSub>
+                                  <m:sSubPr>
+                                    <m:ctrlPr>
+                                      <a:rPr lang="zh-CN" altLang="en-US" b="0" i="1">
+                                        <a:solidFill>
+                                          <a:srgbClr val="836967"/>
+                                        </a:solidFill>
+                                        <a:latin typeface="Cambria Math" panose="02040503050406030204" pitchFamily="18" charset="0"/>
+                                      </a:rPr>
+                                    </m:ctrlPr>
+                                  </m:sSubPr>
+                                  <m:e>
+                                    <m:r>
+                                      <a:rPr lang="zh-CN" altLang="en-US" b="1" i="0">
+                                        <a:latin typeface="Cambria Math" panose="02040503050406030204" pitchFamily="18" charset="0"/>
+                                      </a:rPr>
+                                      <m:t>𝐌</m:t>
+                                    </m:r>
+                                  </m:e>
+                                  <m:sub>
+                                    <m:r>
+                                      <a:rPr lang="zh-CN" altLang="en-US" b="0" i="0">
+                                        <a:latin typeface="Cambria Math" panose="02040503050406030204" pitchFamily="18" charset="0"/>
+                                      </a:rPr>
+                                      <m:t>1−1</m:t>
+                                    </m:r>
+                                  </m:sub>
+                                </m:sSub>
+                              </m:e>
+                              <m:e>
+                                <m:sSub>
+                                  <m:sSubPr>
+                                    <m:ctrlPr>
+                                      <a:rPr lang="zh-CN" altLang="en-US" b="0" i="1">
+                                        <a:solidFill>
+                                          <a:srgbClr val="836967"/>
+                                        </a:solidFill>
+                                        <a:latin typeface="Cambria Math" panose="02040503050406030204" pitchFamily="18" charset="0"/>
+                                      </a:rPr>
+                                    </m:ctrlPr>
+                                  </m:sSubPr>
+                                  <m:e>
+                                    <m:r>
+                                      <a:rPr lang="zh-CN" altLang="en-US" b="1" i="0">
+                                        <a:latin typeface="Cambria Math" panose="02040503050406030204" pitchFamily="18" charset="0"/>
+                                      </a:rPr>
+                                      <m:t>𝐌</m:t>
+                                    </m:r>
+                                  </m:e>
+                                  <m:sub>
+                                    <m:r>
+                                      <a:rPr lang="zh-CN" altLang="en-US" b="0" i="0">
+                                        <a:latin typeface="Cambria Math" panose="02040503050406030204" pitchFamily="18" charset="0"/>
+                                      </a:rPr>
+                                      <m:t>1−2</m:t>
+                                    </m:r>
+                                  </m:sub>
+                                </m:sSub>
+                              </m:e>
+                              <m:e>
+                                <m:sSub>
+                                  <m:sSubPr>
+                                    <m:ctrlPr>
+                                      <a:rPr lang="zh-CN" altLang="en-US" b="0" i="1">
+                                        <a:solidFill>
+                                          <a:srgbClr val="836967"/>
+                                        </a:solidFill>
+                                        <a:latin typeface="Cambria Math" panose="02040503050406030204" pitchFamily="18" charset="0"/>
+                                      </a:rPr>
+                                    </m:ctrlPr>
+                                  </m:sSubPr>
+                                  <m:e>
+                                    <m:r>
+                                      <a:rPr lang="zh-CN" altLang="en-US" b="1" i="0">
+                                        <a:latin typeface="Cambria Math" panose="02040503050406030204" pitchFamily="18" charset="0"/>
+                                      </a:rPr>
+                                      <m:t>𝐌</m:t>
+                                    </m:r>
+                                  </m:e>
+                                  <m:sub>
+                                    <m:r>
+                                      <a:rPr lang="zh-CN" altLang="en-US" b="0" i="0">
+                                        <a:latin typeface="Cambria Math" panose="02040503050406030204" pitchFamily="18" charset="0"/>
+                                      </a:rPr>
+                                      <m:t>1−3</m:t>
+                                    </m:r>
+                                  </m:sub>
+                                </m:sSub>
+                              </m:e>
+                            </m:mr>
+                            <m:mr>
+                              <m:e>
+                                <m:sSub>
+                                  <m:sSubPr>
+                                    <m:ctrlPr>
+                                      <a:rPr lang="zh-CN" altLang="en-US" b="0" i="1">
+                                        <a:solidFill>
+                                          <a:srgbClr val="836967"/>
+                                        </a:solidFill>
+                                        <a:latin typeface="Cambria Math" panose="02040503050406030204" pitchFamily="18" charset="0"/>
+                                      </a:rPr>
+                                    </m:ctrlPr>
+                                  </m:sSubPr>
+                                  <m:e>
+                                    <m:r>
+                                      <a:rPr lang="zh-CN" altLang="en-US" b="1" i="0">
+                                        <a:latin typeface="Cambria Math" panose="02040503050406030204" pitchFamily="18" charset="0"/>
+                                      </a:rPr>
+                                      <m:t>𝐌</m:t>
+                                    </m:r>
+                                  </m:e>
+                                  <m:sub>
+                                    <m:r>
+                                      <a:rPr lang="zh-CN" altLang="en-US" b="0" i="0">
+                                        <a:latin typeface="Cambria Math" panose="02040503050406030204" pitchFamily="18" charset="0"/>
+                                      </a:rPr>
+                                      <m:t>2−1</m:t>
+                                    </m:r>
+                                  </m:sub>
+                                </m:sSub>
+                              </m:e>
+                              <m:e>
+                                <m:sSub>
+                                  <m:sSubPr>
+                                    <m:ctrlPr>
+                                      <a:rPr lang="zh-CN" altLang="en-US" b="0" i="1">
+                                        <a:solidFill>
+                                          <a:srgbClr val="836967"/>
+                                        </a:solidFill>
+                                        <a:latin typeface="Cambria Math" panose="02040503050406030204" pitchFamily="18" charset="0"/>
+                                      </a:rPr>
+                                    </m:ctrlPr>
+                                  </m:sSubPr>
+                                  <m:e>
+                                    <m:r>
+                                      <a:rPr lang="zh-CN" altLang="en-US" b="1" i="0">
+                                        <a:latin typeface="Cambria Math" panose="02040503050406030204" pitchFamily="18" charset="0"/>
+                                      </a:rPr>
+                                      <m:t>𝐌</m:t>
+                                    </m:r>
+                                  </m:e>
+                                  <m:sub>
+                                    <m:r>
+                                      <a:rPr lang="zh-CN" altLang="en-US" b="0" i="0">
+                                        <a:latin typeface="Cambria Math" panose="02040503050406030204" pitchFamily="18" charset="0"/>
+                                      </a:rPr>
+                                      <m:t>2−2</m:t>
+                                    </m:r>
+                                  </m:sub>
+                                </m:sSub>
+                              </m:e>
+                              <m:e>
+                                <m:sSub>
+                                  <m:sSubPr>
+                                    <m:ctrlPr>
+                                      <a:rPr lang="zh-CN" altLang="en-US" b="0" i="1">
+                                        <a:solidFill>
+                                          <a:srgbClr val="836967"/>
+                                        </a:solidFill>
+                                        <a:latin typeface="Cambria Math" panose="02040503050406030204" pitchFamily="18" charset="0"/>
+                                      </a:rPr>
+                                    </m:ctrlPr>
+                                  </m:sSubPr>
+                                  <m:e>
+                                    <m:r>
+                                      <a:rPr lang="zh-CN" altLang="en-US" b="1" i="0">
+                                        <a:latin typeface="Cambria Math" panose="02040503050406030204" pitchFamily="18" charset="0"/>
+                                      </a:rPr>
+                                      <m:t>𝐌</m:t>
+                                    </m:r>
+                                  </m:e>
+                                  <m:sub>
+                                    <m:r>
+                                      <a:rPr lang="zh-CN" altLang="en-US" b="0" i="0">
+                                        <a:latin typeface="Cambria Math" panose="02040503050406030204" pitchFamily="18" charset="0"/>
+                                      </a:rPr>
+                                      <m:t>2−3</m:t>
+                                    </m:r>
+                                  </m:sub>
+                                </m:sSub>
+                              </m:e>
+                            </m:mr>
+                            <m:mr>
+                              <m:e>
+                                <m:sSub>
+                                  <m:sSubPr>
+                                    <m:ctrlPr>
+                                      <a:rPr lang="zh-CN" altLang="en-US" b="0" i="1">
+                                        <a:solidFill>
+                                          <a:srgbClr val="836967"/>
+                                        </a:solidFill>
+                                        <a:latin typeface="Cambria Math" panose="02040503050406030204" pitchFamily="18" charset="0"/>
+                                      </a:rPr>
+                                    </m:ctrlPr>
+                                  </m:sSubPr>
+                                  <m:e>
+                                    <m:r>
+                                      <a:rPr lang="zh-CN" altLang="en-US" b="1" i="0">
+                                        <a:latin typeface="Cambria Math" panose="02040503050406030204" pitchFamily="18" charset="0"/>
+                                      </a:rPr>
+                                      <m:t>𝐌</m:t>
+                                    </m:r>
+                                  </m:e>
+                                  <m:sub>
+                                    <m:r>
+                                      <a:rPr lang="zh-CN" altLang="en-US" b="0" i="0">
+                                        <a:latin typeface="Cambria Math" panose="02040503050406030204" pitchFamily="18" charset="0"/>
+                                      </a:rPr>
+                                      <m:t>3−1</m:t>
+                                    </m:r>
+                                  </m:sub>
+                                </m:sSub>
+                              </m:e>
+                              <m:e>
+                                <m:sSub>
+                                  <m:sSubPr>
+                                    <m:ctrlPr>
+                                      <a:rPr lang="zh-CN" altLang="en-US" b="0" i="1">
+                                        <a:solidFill>
+                                          <a:srgbClr val="836967"/>
+                                        </a:solidFill>
+                                        <a:latin typeface="Cambria Math" panose="02040503050406030204" pitchFamily="18" charset="0"/>
+                                      </a:rPr>
+                                    </m:ctrlPr>
+                                  </m:sSubPr>
+                                  <m:e>
+                                    <m:r>
+                                      <a:rPr lang="zh-CN" altLang="en-US" b="1" i="0">
+                                        <a:latin typeface="Cambria Math" panose="02040503050406030204" pitchFamily="18" charset="0"/>
+                                      </a:rPr>
+                                      <m:t>𝐌</m:t>
+                                    </m:r>
+                                  </m:e>
+                                  <m:sub>
+                                    <m:r>
+                                      <a:rPr lang="zh-CN" altLang="en-US" b="0" i="0">
+                                        <a:latin typeface="Cambria Math" panose="02040503050406030204" pitchFamily="18" charset="0"/>
+                                      </a:rPr>
+                                      <m:t>3−2</m:t>
+                                    </m:r>
+                                  </m:sub>
+                                </m:sSub>
+                              </m:e>
+                              <m:e>
+                                <m:sSub>
+                                  <m:sSubPr>
+                                    <m:ctrlPr>
+                                      <a:rPr lang="zh-CN" altLang="en-US" b="0" i="1">
+                                        <a:solidFill>
+                                          <a:srgbClr val="836967"/>
+                                        </a:solidFill>
+                                        <a:latin typeface="Cambria Math" panose="02040503050406030204" pitchFamily="18" charset="0"/>
+                                      </a:rPr>
+                                    </m:ctrlPr>
+                                  </m:sSubPr>
+                                  <m:e>
+                                    <m:r>
+                                      <a:rPr lang="zh-CN" altLang="en-US" b="1" i="0">
+                                        <a:latin typeface="Cambria Math" panose="02040503050406030204" pitchFamily="18" charset="0"/>
+                                      </a:rPr>
+                                      <m:t>𝐌</m:t>
+                                    </m:r>
+                                  </m:e>
+                                  <m:sub>
+                                    <m:r>
+                                      <a:rPr lang="zh-CN" altLang="en-US" b="0" i="0">
+                                        <a:latin typeface="Cambria Math" panose="02040503050406030204" pitchFamily="18" charset="0"/>
+                                      </a:rPr>
+                                      <m:t>3−3</m:t>
+                                    </m:r>
+                                  </m:sub>
+                                </m:sSub>
+                              </m:e>
+                            </m:mr>
+                          </m:m>
+                        </m:e>
+                      </m:d>
+                    </m:oMath>
+                  </m:oMathPara>
+                </a14:m>
+                <a:endParaRPr lang="zh-CN" altLang="en-US" dirty="0"/>
+              </a:p>
+            </p:txBody>
+          </p:sp>
+        </mc:Choice>
+        <mc:Fallback xmlns="">
+          <p:sp>
+            <p:nvSpPr>
+              <p:cNvPr id="7" name="文本框 6">
+                <a:extLst>
+                  <a:ext uri="{FF2B5EF4-FFF2-40B4-BE49-F238E27FC236}">
+                    <a16:creationId xmlns:a16="http://schemas.microsoft.com/office/drawing/2014/main" id="{10EA9EE4-92BF-AC6D-7667-86FC191454B0}"/>
+                  </a:ext>
+                </a:extLst>
+              </p:cNvPr>
+              <p:cNvSpPr txBox="1">
+                <a:spLocks noRot="1" noChangeAspect="1" noMove="1" noResize="1" noEditPoints="1" noAdjustHandles="1" noChangeArrowheads="1" noChangeShapeType="1" noTextEdit="1"/>
+              </p:cNvSpPr>
+              <p:nvPr/>
+            </p:nvSpPr>
+            <p:spPr>
+              <a:xfrm>
+                <a:off x="1547568" y="4579165"/>
+                <a:ext cx="8280000" cy="880434"/>
+              </a:xfrm>
+              <a:prstGeom prst="rect">
+                <a:avLst/>
+              </a:prstGeom>
+              <a:blipFill>
+                <a:blip r:embed="rId3"/>
+                <a:stretch>
+                  <a:fillRect/>
+                </a:stretch>
+              </a:blipFill>
+            </p:spPr>
+            <p:txBody>
+              <a:bodyPr/>
+              <a:lstStyle/>
+              <a:p>
+                <a:r>
+                  <a:rPr lang="zh-CN" altLang="en-US">
+                    <a:noFill/>
+                  </a:rPr>
+                  <a:t> </a:t>
+                </a:r>
+              </a:p>
+            </p:txBody>
+          </p:sp>
+        </mc:Fallback>
+      </mc:AlternateContent>
+      <mc:AlternateContent xmlns:mc="http://schemas.openxmlformats.org/markup-compatibility/2006" xmlns:a14="http://schemas.microsoft.com/office/drawing/2010/main">
+        <mc:Choice Requires="a14">
+          <p:sp>
+            <p:nvSpPr>
+              <p:cNvPr id="8" name="文本框 7">
+                <a:extLst>
+                  <a:ext uri="{FF2B5EF4-FFF2-40B4-BE49-F238E27FC236}">
+                    <a16:creationId xmlns:a16="http://schemas.microsoft.com/office/drawing/2014/main" id="{242368BD-08B5-648D-CF8D-E4F9D495CE5D}"/>
+                  </a:ext>
+                </a:extLst>
+              </p:cNvPr>
+              <p:cNvSpPr txBox="1"/>
+              <p:nvPr/>
+            </p:nvSpPr>
+            <p:spPr>
+              <a:xfrm>
+                <a:off x="1547568" y="4023462"/>
+                <a:ext cx="8280000" cy="396519"/>
+              </a:xfrm>
+              <a:prstGeom prst="rect">
+                <a:avLst/>
+              </a:prstGeom>
+              <a:noFill/>
+            </p:spPr>
+            <p:txBody>
+              <a:bodyPr wrap="none" rtlCol="0">
+                <a:spAutoFit/>
+              </a:bodyPr>
+              <a:lstStyle/>
+              <a:p>
+                <a:pPr algn="l">
+                  <a:lnSpc>
+                    <a:spcPct val="120000"/>
+                  </a:lnSpc>
+                </a:pPr>
+                <a:r>
+                  <a:rPr lang="zh-CN" altLang="en-US" dirty="0"/>
+                  <a:t>其中，互感矩阵</a:t>
+                </a:r>
+                <a14:m>
+                  <m:oMath xmlns:m="http://schemas.openxmlformats.org/officeDocument/2006/math">
+                    <m:r>
+                      <a:rPr lang="en-US" altLang="zh-CN" b="1" i="0" dirty="0" smtClean="0">
+                        <a:latin typeface="Cambria Math" panose="02040503050406030204" pitchFamily="18" charset="0"/>
+                      </a:rPr>
+                      <m:t>𝐌</m:t>
+                    </m:r>
+                  </m:oMath>
+                </a14:m>
+                <a:r>
+                  <a:rPr lang="zh-CN" altLang="en-US" dirty="0"/>
+                  <a:t>的构成为：</a:t>
+                </a:r>
+              </a:p>
+            </p:txBody>
+          </p:sp>
+        </mc:Choice>
+        <mc:Fallback xmlns="">
+          <p:sp>
+            <p:nvSpPr>
+              <p:cNvPr id="8" name="文本框 7">
+                <a:extLst>
+                  <a:ext uri="{FF2B5EF4-FFF2-40B4-BE49-F238E27FC236}">
+                    <a16:creationId xmlns:a16="http://schemas.microsoft.com/office/drawing/2014/main" id="{242368BD-08B5-648D-CF8D-E4F9D495CE5D}"/>
+                  </a:ext>
+                </a:extLst>
+              </p:cNvPr>
+              <p:cNvSpPr txBox="1">
+                <a:spLocks noRot="1" noChangeAspect="1" noMove="1" noResize="1" noEditPoints="1" noAdjustHandles="1" noChangeArrowheads="1" noChangeShapeType="1" noTextEdit="1"/>
+              </p:cNvSpPr>
+              <p:nvPr/>
+            </p:nvSpPr>
+            <p:spPr>
+              <a:xfrm>
+                <a:off x="1547568" y="4023462"/>
+                <a:ext cx="8280000" cy="396519"/>
+              </a:xfrm>
+              <a:prstGeom prst="rect">
+                <a:avLst/>
+              </a:prstGeom>
+              <a:blipFill>
+                <a:blip r:embed="rId4"/>
+                <a:stretch>
+                  <a:fillRect l="-663" b="-26154"/>
+                </a:stretch>
+              </a:blipFill>
+            </p:spPr>
+            <p:txBody>
+              <a:bodyPr/>
+              <a:lstStyle/>
+              <a:p>
+                <a:r>
+                  <a:rPr lang="zh-CN" altLang="en-US">
+                    <a:noFill/>
+                  </a:rPr>
+                  <a:t> </a:t>
+                </a:r>
+              </a:p>
+            </p:txBody>
+          </p:sp>
+        </mc:Fallback>
+      </mc:AlternateContent>
+      <mc:AlternateContent xmlns:mc="http://schemas.openxmlformats.org/markup-compatibility/2006" xmlns:a14="http://schemas.microsoft.com/office/drawing/2010/main">
+        <mc:Choice Requires="a14">
+          <p:sp>
+            <p:nvSpPr>
+              <p:cNvPr id="9" name="文本框 8">
+                <a:extLst>
+                  <a:ext uri="{FF2B5EF4-FFF2-40B4-BE49-F238E27FC236}">
+                    <a16:creationId xmlns:a16="http://schemas.microsoft.com/office/drawing/2014/main" id="{351FE3E8-9FBA-33BC-6288-E86EBFB0F661}"/>
+                  </a:ext>
+                </a:extLst>
+              </p:cNvPr>
+              <p:cNvSpPr txBox="1"/>
+              <p:nvPr/>
+            </p:nvSpPr>
+            <p:spPr>
+              <a:xfrm>
+                <a:off x="1547568" y="5618785"/>
+                <a:ext cx="8280000" cy="391646"/>
+              </a:xfrm>
+              <a:prstGeom prst="rect">
+                <a:avLst/>
+              </a:prstGeom>
+              <a:noFill/>
+            </p:spPr>
+            <p:txBody>
+              <a:bodyPr wrap="square">
+                <a:spAutoFit/>
+              </a:bodyPr>
+              <a:lstStyle/>
+              <a:p>
+                <a:r>
+                  <a:rPr lang="zh-CN" altLang="en-US" dirty="0"/>
+                  <a:t>知道</a:t>
+                </a:r>
+                <a14:m>
+                  <m:oMath xmlns:m="http://schemas.openxmlformats.org/officeDocument/2006/math">
+                    <m:sSub>
+                      <m:sSubPr>
+                        <m:ctrlPr>
+                          <a:rPr lang="en-US" altLang="zh-CN" i="1" dirty="0" smtClean="0">
+                            <a:latin typeface="Cambria Math" panose="02040503050406030204" pitchFamily="18" charset="0"/>
+                          </a:rPr>
+                        </m:ctrlPr>
+                      </m:sSubPr>
+                      <m:e>
+                        <m:r>
+                          <a:rPr lang="en-US" altLang="zh-CN" b="1" dirty="0">
+                            <a:latin typeface="Cambria Math" panose="02040503050406030204" pitchFamily="18" charset="0"/>
+                          </a:rPr>
+                          <m:t>𝐌</m:t>
+                        </m:r>
+                      </m:e>
+                      <m:sub>
+                        <m:r>
+                          <a:rPr lang="en-US" altLang="zh-CN" i="1" dirty="0" err="1">
+                            <a:latin typeface="Cambria Math" panose="02040503050406030204" pitchFamily="18" charset="0"/>
+                          </a:rPr>
+                          <m:t>𝑖</m:t>
+                        </m:r>
+                        <m:r>
+                          <a:rPr lang="en-US" altLang="zh-CN" i="1" dirty="0">
+                            <a:latin typeface="Cambria Math" panose="02040503050406030204" pitchFamily="18" charset="0"/>
+                          </a:rPr>
+                          <m:t>−</m:t>
+                        </m:r>
+                        <m:r>
+                          <a:rPr lang="en-US" altLang="zh-CN" i="1" dirty="0">
+                            <a:latin typeface="Cambria Math" panose="02040503050406030204" pitchFamily="18" charset="0"/>
+                          </a:rPr>
+                          <m:t>𝑗</m:t>
+                        </m:r>
+                      </m:sub>
+                    </m:sSub>
+                  </m:oMath>
+                </a14:m>
+                <a:r>
+                  <a:rPr lang="zh-CN" altLang="en-US" dirty="0"/>
+                  <a:t>是对称矩阵，</a:t>
+                </a:r>
+                <a:r>
+                  <a:rPr lang="en-US" altLang="zh-CN" b="1" dirty="0"/>
+                  <a:t> </a:t>
+                </a:r>
+                <a14:m>
+                  <m:oMath xmlns:m="http://schemas.openxmlformats.org/officeDocument/2006/math">
+                    <m:r>
+                      <a:rPr lang="en-US" altLang="zh-CN" b="1" dirty="0">
+                        <a:latin typeface="Cambria Math" panose="02040503050406030204" pitchFamily="18" charset="0"/>
+                      </a:rPr>
+                      <m:t>𝐌</m:t>
+                    </m:r>
+                  </m:oMath>
+                </a14:m>
+                <a:r>
+                  <a:rPr lang="zh-CN" altLang="en-US" dirty="0"/>
+                  <a:t>也是对称矩阵，这与该矩阵的物理意义是一致的。</a:t>
+                </a:r>
+              </a:p>
+            </p:txBody>
+          </p:sp>
+        </mc:Choice>
+        <mc:Fallback xmlns="">
+          <p:sp>
+            <p:nvSpPr>
+              <p:cNvPr id="9" name="文本框 8">
+                <a:extLst>
+                  <a:ext uri="{FF2B5EF4-FFF2-40B4-BE49-F238E27FC236}">
+                    <a16:creationId xmlns:a16="http://schemas.microsoft.com/office/drawing/2014/main" id="{351FE3E8-9FBA-33BC-6288-E86EBFB0F661}"/>
+                  </a:ext>
+                </a:extLst>
+              </p:cNvPr>
+              <p:cNvSpPr txBox="1">
+                <a:spLocks noRot="1" noChangeAspect="1" noMove="1" noResize="1" noEditPoints="1" noAdjustHandles="1" noChangeArrowheads="1" noChangeShapeType="1" noTextEdit="1"/>
+              </p:cNvSpPr>
+              <p:nvPr/>
+            </p:nvSpPr>
+            <p:spPr>
+              <a:xfrm>
+                <a:off x="1547568" y="5618785"/>
+                <a:ext cx="8280000" cy="391646"/>
+              </a:xfrm>
+              <a:prstGeom prst="rect">
+                <a:avLst/>
+              </a:prstGeom>
+              <a:blipFill>
+                <a:blip r:embed="rId5"/>
+                <a:stretch>
+                  <a:fillRect l="-663" t="-7813" b="-20313"/>
+                </a:stretch>
+              </a:blipFill>
+            </p:spPr>
+            <p:txBody>
+              <a:bodyPr/>
+              <a:lstStyle/>
+              <a:p>
+                <a:r>
+                  <a:rPr lang="zh-CN" altLang="en-US">
+                    <a:noFill/>
+                  </a:rPr>
+                  <a:t> </a:t>
+                </a:r>
+              </a:p>
+            </p:txBody>
+          </p:sp>
+        </mc:Fallback>
+      </mc:AlternateContent>
+      <p:sp>
+        <p:nvSpPr>
+          <p:cNvPr id="10" name="文本框 9">
+            <a:extLst>
+              <a:ext uri="{FF2B5EF4-FFF2-40B4-BE49-F238E27FC236}">
+                <a16:creationId xmlns:a16="http://schemas.microsoft.com/office/drawing/2014/main" id="{FA33F2F8-59C1-10E3-B1CD-87E4A7E95C0D}"/>
+              </a:ext>
+            </a:extLst>
+          </p:cNvPr>
+          <p:cNvSpPr txBox="1"/>
+          <p:nvPr/>
+        </p:nvSpPr>
+        <p:spPr>
+          <a:xfrm>
+            <a:off x="1547568" y="1190051"/>
+            <a:ext cx="8280000" cy="646331"/>
+          </a:xfrm>
+          <a:prstGeom prst="rect">
+            <a:avLst/>
+          </a:prstGeom>
+          <a:noFill/>
+        </p:spPr>
+        <p:txBody>
+          <a:bodyPr wrap="square">
+            <a:spAutoFit/>
+          </a:bodyPr>
+          <a:lstStyle/>
+          <a:p>
+            <a:r>
+              <a:rPr lang="zh-CN" altLang="en-US" dirty="0"/>
+              <a:t>磁场、温度导致的临界电流的变化、磁通变化导致的互感耦合、直接的电气连接构成了模型中元素之间相互作用的全部关系。</a:t>
+            </a:r>
+          </a:p>
+        </p:txBody>
+      </p:sp>
+    </p:spTree>
+    <p:extLst>
+      <p:ext uri="{BB962C8B-B14F-4D97-AF65-F5344CB8AC3E}">
+        <p14:creationId xmlns:p14="http://schemas.microsoft.com/office/powerpoint/2010/main" val="165083761"/>
+      </p:ext>
+    </p:extLst>
+  </p:cSld>
+  <p:clrMapOvr>
+    <a:masterClrMapping/>
+  </p:clrMapOvr>
+</p:sld>
+</file>
+
+<file path=ppt/slides/slide5.xml><?xml version="1.0" encoding="utf-8"?>
+<p:sld xmlns:a="http://schemas.openxmlformats.org/drawingml/2006/main" xmlns:r="http://schemas.openxmlformats.org/officeDocument/2006/relationships" xmlns:p="http://schemas.openxmlformats.org/presentationml/2006/main">
+  <p:cSld>
+    <p:spTree>
+      <p:nvGrpSpPr>
+        <p:cNvPr id="1" name=""/>
+        <p:cNvGrpSpPr/>
+        <p:nvPr/>
+      </p:nvGrpSpPr>
+      <p:grpSpPr>
+        <a:xfrm>
+          <a:off x="0" y="0"/>
+          <a:ext cx="0" cy="0"/>
+          <a:chOff x="0" y="0"/>
+          <a:chExt cx="0" cy="0"/>
+        </a:xfrm>
+      </p:grpSpPr>
+      <p:pic>
+        <p:nvPicPr>
+          <p:cNvPr id="9" name="内容占位符 8">
+            <a:extLst>
+              <a:ext uri="{FF2B5EF4-FFF2-40B4-BE49-F238E27FC236}">
+                <a16:creationId xmlns:a16="http://schemas.microsoft.com/office/drawing/2014/main" id="{D8D5FA53-0DF6-2087-9D6C-29FD3F7F99D5}"/>
+              </a:ext>
+            </a:extLst>
+          </p:cNvPr>
+          <p:cNvPicPr>
+            <a:picLocks noGrp="1" noChangeAspect="1"/>
+          </p:cNvPicPr>
+          <p:nvPr>
+            <p:ph idx="1"/>
+          </p:nvPr>
+        </p:nvPicPr>
+        <p:blipFill>
+          <a:blip r:embed="rId2"/>
+          <a:stretch>
+            <a:fillRect/>
+          </a:stretch>
+        </p:blipFill>
+        <p:spPr>
+          <a:xfrm>
+            <a:off x="2772269" y="1341512"/>
+            <a:ext cx="5909719" cy="5151363"/>
+          </a:xfrm>
+        </p:spPr>
+      </p:pic>
+      <p:sp>
+        <p:nvSpPr>
+          <p:cNvPr id="13" name="标题 2">
+            <a:extLst>
+              <a:ext uri="{FF2B5EF4-FFF2-40B4-BE49-F238E27FC236}">
+                <a16:creationId xmlns:a16="http://schemas.microsoft.com/office/drawing/2014/main" id="{B3538889-BC7F-9F29-D215-87368EB6859A}"/>
+              </a:ext>
+            </a:extLst>
+          </p:cNvPr>
+          <p:cNvSpPr txBox="1">
+            <a:spLocks/>
+          </p:cNvSpPr>
+          <p:nvPr/>
+        </p:nvSpPr>
+        <p:spPr>
+          <a:xfrm>
+            <a:off x="642209" y="480369"/>
+            <a:ext cx="6429375" cy="367200"/>
+          </a:xfrm>
+          <a:prstGeom prst="rect">
+            <a:avLst/>
+          </a:prstGeom>
+        </p:spPr>
+        <p:txBody>
+          <a:bodyPr vert="horz" lIns="91440" tIns="45720" rIns="91440" bIns="45720" rtlCol="0" anchor="ctr">
+            <a:noAutofit/>
+          </a:bodyPr>
+          <a:lstStyle>
+            <a:defPPr>
+              <a:defRPr lang="zh-CN"/>
+            </a:defPPr>
+            <a:lvl1pPr>
+              <a:lnSpc>
+                <a:spcPct val="90000"/>
+              </a:lnSpc>
+              <a:spcBef>
+                <a:spcPct val="0"/>
+              </a:spcBef>
+              <a:buNone/>
+              <a:defRPr sz="3600" b="1">
+                <a:latin typeface="+mj-lt"/>
+                <a:ea typeface="+mj-ea"/>
+                <a:cs typeface="+mj-cs"/>
+              </a:defRPr>
+            </a:lvl1pPr>
+          </a:lstStyle>
+          <a:p>
+            <a:r>
+              <a:rPr lang="zh-CN" altLang="en-US" dirty="0"/>
+              <a:t>仿真结果</a:t>
+            </a:r>
+          </a:p>
+        </p:txBody>
+      </p:sp>
+    </p:spTree>
+    <p:extLst>
+      <p:ext uri="{BB962C8B-B14F-4D97-AF65-F5344CB8AC3E}">
+        <p14:creationId xmlns:p14="http://schemas.microsoft.com/office/powerpoint/2010/main" val="3615901372"/>
+      </p:ext>
+    </p:extLst>
+  </p:cSld>
+  <p:clrMapOvr>
+    <a:masterClrMapping/>
+  </p:clrMapOvr>
+</p:sld>
+</file>
+
+<file path=ppt/slides/slide6.xml><?xml version="1.0" encoding="utf-8"?>
+<p:sld xmlns:a="http://schemas.openxmlformats.org/drawingml/2006/main" xmlns:r="http://schemas.openxmlformats.org/officeDocument/2006/relationships" xmlns:p="http://schemas.openxmlformats.org/presentationml/2006/main">
+  <p:cSld>
+    <p:spTree>
+      <p:nvGrpSpPr>
+        <p:cNvPr id="1" name=""/>
+        <p:cNvGrpSpPr/>
+        <p:nvPr/>
+      </p:nvGrpSpPr>
+      <p:grpSpPr>
+        <a:xfrm>
+          <a:off x="0" y="0"/>
+          <a:ext cx="0" cy="0"/>
+          <a:chOff x="0" y="0"/>
+          <a:chExt cx="0" cy="0"/>
+        </a:xfrm>
+      </p:grpSpPr>
+      <p:pic>
+        <p:nvPicPr>
+          <p:cNvPr id="5" name="内容占位符 4">
+            <a:extLst>
+              <a:ext uri="{FF2B5EF4-FFF2-40B4-BE49-F238E27FC236}">
+                <a16:creationId xmlns:a16="http://schemas.microsoft.com/office/drawing/2014/main" id="{58F1D787-E645-B85B-501A-F9F6A81D9E38}"/>
+              </a:ext>
+            </a:extLst>
+          </p:cNvPr>
+          <p:cNvPicPr>
+            <a:picLocks noGrp="1" noChangeAspect="1"/>
+          </p:cNvPicPr>
+          <p:nvPr>
+            <p:ph idx="1"/>
+          </p:nvPr>
+        </p:nvPicPr>
+        <p:blipFill>
+          <a:blip r:embed="rId2"/>
+          <a:stretch>
+            <a:fillRect/>
+          </a:stretch>
+        </p:blipFill>
+        <p:spPr>
+          <a:xfrm>
+            <a:off x="3031958" y="1206339"/>
+            <a:ext cx="6814363" cy="5507281"/>
+          </a:xfrm>
+        </p:spPr>
+      </p:pic>
+      <p:sp>
+        <p:nvSpPr>
+          <p:cNvPr id="2" name="标题 2">
+            <a:extLst>
+              <a:ext uri="{FF2B5EF4-FFF2-40B4-BE49-F238E27FC236}">
+                <a16:creationId xmlns:a16="http://schemas.microsoft.com/office/drawing/2014/main" id="{0080AE6A-E6E8-C4E6-D216-930B1852FB97}"/>
+              </a:ext>
+            </a:extLst>
+          </p:cNvPr>
+          <p:cNvSpPr txBox="1">
+            <a:spLocks/>
+          </p:cNvSpPr>
+          <p:nvPr/>
+        </p:nvSpPr>
+        <p:spPr>
+          <a:xfrm>
+            <a:off x="642209" y="480369"/>
+            <a:ext cx="6429375" cy="367200"/>
+          </a:xfrm>
+          <a:prstGeom prst="rect">
+            <a:avLst/>
+          </a:prstGeom>
+        </p:spPr>
+        <p:txBody>
+          <a:bodyPr vert="horz" lIns="91440" tIns="45720" rIns="91440" bIns="45720" rtlCol="0" anchor="ctr">
+            <a:noAutofit/>
+          </a:bodyPr>
+          <a:lstStyle>
+            <a:defPPr>
+              <a:defRPr lang="zh-CN"/>
+            </a:defPPr>
+            <a:lvl1pPr>
+              <a:lnSpc>
+                <a:spcPct val="90000"/>
+              </a:lnSpc>
+              <a:spcBef>
+                <a:spcPct val="0"/>
+              </a:spcBef>
+              <a:buNone/>
+              <a:defRPr sz="3600" b="1">
+                <a:latin typeface="+mj-lt"/>
+                <a:ea typeface="+mj-ea"/>
+                <a:cs typeface="+mj-cs"/>
+              </a:defRPr>
+            </a:lvl1pPr>
+          </a:lstStyle>
+          <a:p>
+            <a:r>
+              <a:rPr lang="zh-CN" altLang="en-US" dirty="0"/>
+              <a:t>互感关系</a:t>
+            </a:r>
+          </a:p>
+        </p:txBody>
+      </p:sp>
+    </p:spTree>
+    <p:extLst>
+      <p:ext uri="{BB962C8B-B14F-4D97-AF65-F5344CB8AC3E}">
+        <p14:creationId xmlns:p14="http://schemas.microsoft.com/office/powerpoint/2010/main" val="1044357208"/>
+      </p:ext>
+    </p:extLst>
+  </p:cSld>
+  <p:clrMapOvr>
+    <a:masterClrMapping/>
+  </p:clrMapOvr>
+</p:sld>
+</file>
+
+<file path=ppt/slides/slide7.xml><?xml version="1.0" encoding="utf-8"?>
 <p:sld xmlns:a="http://schemas.openxmlformats.org/drawingml/2006/main" xmlns:r="http://schemas.openxmlformats.org/officeDocument/2006/relationships" xmlns:p="http://schemas.openxmlformats.org/presentationml/2006/main">
   <p:cSld>
     <p:spTree>
@@ -8710,1293 +11227,7 @@
 </p:sld>
 </file>
 
-<file path=ppt/slides/slide5.xml><?xml version="1.0" encoding="utf-8"?>
-<p:sld xmlns:a="http://schemas.openxmlformats.org/drawingml/2006/main" xmlns:r="http://schemas.openxmlformats.org/officeDocument/2006/relationships" xmlns:p="http://schemas.openxmlformats.org/presentationml/2006/main">
-  <p:cSld>
-    <p:spTree>
-      <p:nvGrpSpPr>
-        <p:cNvPr id="1" name=""/>
-        <p:cNvGrpSpPr/>
-        <p:nvPr/>
-      </p:nvGrpSpPr>
-      <p:grpSpPr>
-        <a:xfrm>
-          <a:off x="0" y="0"/>
-          <a:ext cx="0" cy="0"/>
-          <a:chOff x="0" y="0"/>
-          <a:chExt cx="0" cy="0"/>
-        </a:xfrm>
-      </p:grpSpPr>
-      <p:sp>
-        <p:nvSpPr>
-          <p:cNvPr id="4" name="标题 2">
-            <a:extLst>
-              <a:ext uri="{FF2B5EF4-FFF2-40B4-BE49-F238E27FC236}">
-                <a16:creationId xmlns:a16="http://schemas.microsoft.com/office/drawing/2014/main" id="{759B282E-0848-4275-3854-B250191590B4}"/>
-              </a:ext>
-            </a:extLst>
-          </p:cNvPr>
-          <p:cNvSpPr txBox="1">
-            <a:spLocks/>
-          </p:cNvSpPr>
-          <p:nvPr/>
-        </p:nvSpPr>
-        <p:spPr>
-          <a:xfrm>
-            <a:off x="642209" y="480369"/>
-            <a:ext cx="6429375" cy="367200"/>
-          </a:xfrm>
-          <a:prstGeom prst="rect">
-            <a:avLst/>
-          </a:prstGeom>
-        </p:spPr>
-        <p:txBody>
-          <a:bodyPr vert="horz" lIns="91440" tIns="45720" rIns="91440" bIns="45720" rtlCol="0" anchor="ctr">
-            <a:noAutofit/>
-          </a:bodyPr>
-          <a:lstStyle>
-            <a:defPPr>
-              <a:defRPr lang="zh-CN"/>
-            </a:defPPr>
-            <a:lvl1pPr>
-              <a:lnSpc>
-                <a:spcPct val="90000"/>
-              </a:lnSpc>
-              <a:spcBef>
-                <a:spcPct val="0"/>
-              </a:spcBef>
-              <a:buNone/>
-              <a:defRPr sz="3600" b="1">
-                <a:latin typeface="+mj-lt"/>
-                <a:ea typeface="+mj-ea"/>
-                <a:cs typeface="+mj-cs"/>
-              </a:defRPr>
-            </a:lvl1pPr>
-          </a:lstStyle>
-          <a:p>
-            <a:r>
-              <a:rPr lang="zh-CN" altLang="en-US" dirty="0"/>
-              <a:t>方程构成</a:t>
-            </a:r>
-          </a:p>
-        </p:txBody>
-      </p:sp>
-      <p:sp>
-        <p:nvSpPr>
-          <p:cNvPr id="5" name="内容占位符 4">
-            <a:extLst>
-              <a:ext uri="{FF2B5EF4-FFF2-40B4-BE49-F238E27FC236}">
-                <a16:creationId xmlns:a16="http://schemas.microsoft.com/office/drawing/2014/main" id="{3FE218D5-F682-EA19-B50F-F0DCCA7EAB4A}"/>
-              </a:ext>
-            </a:extLst>
-          </p:cNvPr>
-          <p:cNvSpPr txBox="1">
-            <a:spLocks/>
-          </p:cNvSpPr>
-          <p:nvPr/>
-        </p:nvSpPr>
-        <p:spPr>
-          <a:xfrm>
-            <a:off x="1547568" y="1995566"/>
-            <a:ext cx="8280000" cy="1098655"/>
-          </a:xfrm>
-          <a:prstGeom prst="rect">
-            <a:avLst/>
-          </a:prstGeom>
-        </p:spPr>
-        <p:txBody>
-          <a:bodyPr/>
-          <a:lstStyle>
-            <a:lvl1pPr marL="228600" indent="-228600" algn="l" defTabSz="914400" rtl="0" eaLnBrk="1" latinLnBrk="0" hangingPunct="1">
-              <a:lnSpc>
-                <a:spcPct val="90000"/>
-              </a:lnSpc>
-              <a:spcBef>
-                <a:spcPts val="1000"/>
-              </a:spcBef>
-              <a:buFont typeface="Arial" panose="020B0604020202020204" pitchFamily="34" charset="0"/>
-              <a:buChar char="•"/>
-              <a:defRPr sz="2800" kern="1200">
-                <a:solidFill>
-                  <a:schemeClr val="tx1"/>
-                </a:solidFill>
-                <a:latin typeface="+mn-lt"/>
-                <a:ea typeface="+mn-ea"/>
-                <a:cs typeface="+mn-cs"/>
-              </a:defRPr>
-            </a:lvl1pPr>
-            <a:lvl2pPr marL="685800" indent="-228600" algn="l" defTabSz="914400" rtl="0" eaLnBrk="1" latinLnBrk="0" hangingPunct="1">
-              <a:lnSpc>
-                <a:spcPct val="90000"/>
-              </a:lnSpc>
-              <a:spcBef>
-                <a:spcPts val="500"/>
-              </a:spcBef>
-              <a:buFont typeface="Arial" panose="020B0604020202020204" pitchFamily="34" charset="0"/>
-              <a:buChar char="•"/>
-              <a:defRPr sz="2400" kern="1200">
-                <a:solidFill>
-                  <a:schemeClr val="tx1"/>
-                </a:solidFill>
-                <a:latin typeface="+mn-lt"/>
-                <a:ea typeface="+mn-ea"/>
-                <a:cs typeface="+mn-cs"/>
-              </a:defRPr>
-            </a:lvl2pPr>
-            <a:lvl3pPr marL="1143000" indent="-228600" algn="l" defTabSz="914400" rtl="0" eaLnBrk="1" latinLnBrk="0" hangingPunct="1">
-              <a:lnSpc>
-                <a:spcPct val="90000"/>
-              </a:lnSpc>
-              <a:spcBef>
-                <a:spcPts val="500"/>
-              </a:spcBef>
-              <a:buFont typeface="Arial" panose="020B0604020202020204" pitchFamily="34" charset="0"/>
-              <a:buChar char="•"/>
-              <a:defRPr sz="2000" kern="1200">
-                <a:solidFill>
-                  <a:schemeClr val="tx1"/>
-                </a:solidFill>
-                <a:latin typeface="+mn-lt"/>
-                <a:ea typeface="+mn-ea"/>
-                <a:cs typeface="+mn-cs"/>
-              </a:defRPr>
-            </a:lvl3pPr>
-            <a:lvl4pPr marL="1600200" indent="-228600" algn="l" defTabSz="914400" rtl="0" eaLnBrk="1" latinLnBrk="0" hangingPunct="1">
-              <a:lnSpc>
-                <a:spcPct val="90000"/>
-              </a:lnSpc>
-              <a:spcBef>
-                <a:spcPts val="500"/>
-              </a:spcBef>
-              <a:buFont typeface="Arial" panose="020B0604020202020204" pitchFamily="34" charset="0"/>
-              <a:buChar char="•"/>
-              <a:defRPr sz="1800" kern="1200">
-                <a:solidFill>
-                  <a:schemeClr val="tx1"/>
-                </a:solidFill>
-                <a:latin typeface="+mn-lt"/>
-                <a:ea typeface="+mn-ea"/>
-                <a:cs typeface="+mn-cs"/>
-              </a:defRPr>
-            </a:lvl4pPr>
-            <a:lvl5pPr marL="2057400" indent="-228600" algn="l" defTabSz="914400" rtl="0" eaLnBrk="1" latinLnBrk="0" hangingPunct="1">
-              <a:lnSpc>
-                <a:spcPct val="90000"/>
-              </a:lnSpc>
-              <a:spcBef>
-                <a:spcPts val="500"/>
-              </a:spcBef>
-              <a:buFont typeface="Arial" panose="020B0604020202020204" pitchFamily="34" charset="0"/>
-              <a:buChar char="•"/>
-              <a:defRPr sz="1800" kern="1200">
-                <a:solidFill>
-                  <a:schemeClr val="tx1"/>
-                </a:solidFill>
-                <a:latin typeface="+mn-lt"/>
-                <a:ea typeface="+mn-ea"/>
-                <a:cs typeface="+mn-cs"/>
-              </a:defRPr>
-            </a:lvl5pPr>
-            <a:lvl6pPr marL="2514600" indent="-228600" algn="l" defTabSz="914400" rtl="0" eaLnBrk="1" latinLnBrk="0" hangingPunct="1">
-              <a:lnSpc>
-                <a:spcPct val="90000"/>
-              </a:lnSpc>
-              <a:spcBef>
-                <a:spcPts val="500"/>
-              </a:spcBef>
-              <a:buFont typeface="Arial" panose="020B0604020202020204" pitchFamily="34" charset="0"/>
-              <a:buChar char="•"/>
-              <a:defRPr sz="1800" kern="1200">
-                <a:solidFill>
-                  <a:schemeClr val="tx1"/>
-                </a:solidFill>
-                <a:latin typeface="+mn-lt"/>
-                <a:ea typeface="+mn-ea"/>
-                <a:cs typeface="+mn-cs"/>
-              </a:defRPr>
-            </a:lvl6pPr>
-            <a:lvl7pPr marL="2971800" indent="-228600" algn="l" defTabSz="914400" rtl="0" eaLnBrk="1" latinLnBrk="0" hangingPunct="1">
-              <a:lnSpc>
-                <a:spcPct val="90000"/>
-              </a:lnSpc>
-              <a:spcBef>
-                <a:spcPts val="500"/>
-              </a:spcBef>
-              <a:buFont typeface="Arial" panose="020B0604020202020204" pitchFamily="34" charset="0"/>
-              <a:buChar char="•"/>
-              <a:defRPr sz="1800" kern="1200">
-                <a:solidFill>
-                  <a:schemeClr val="tx1"/>
-                </a:solidFill>
-                <a:latin typeface="+mn-lt"/>
-                <a:ea typeface="+mn-ea"/>
-                <a:cs typeface="+mn-cs"/>
-              </a:defRPr>
-            </a:lvl7pPr>
-            <a:lvl8pPr marL="3429000" indent="-228600" algn="l" defTabSz="914400" rtl="0" eaLnBrk="1" latinLnBrk="0" hangingPunct="1">
-              <a:lnSpc>
-                <a:spcPct val="90000"/>
-              </a:lnSpc>
-              <a:spcBef>
-                <a:spcPts val="500"/>
-              </a:spcBef>
-              <a:buFont typeface="Arial" panose="020B0604020202020204" pitchFamily="34" charset="0"/>
-              <a:buChar char="•"/>
-              <a:defRPr sz="1800" kern="1200">
-                <a:solidFill>
-                  <a:schemeClr val="tx1"/>
-                </a:solidFill>
-                <a:latin typeface="+mn-lt"/>
-                <a:ea typeface="+mn-ea"/>
-                <a:cs typeface="+mn-cs"/>
-              </a:defRPr>
-            </a:lvl8pPr>
-            <a:lvl9pPr marL="3886200" indent="-228600" algn="l" defTabSz="914400" rtl="0" eaLnBrk="1" latinLnBrk="0" hangingPunct="1">
-              <a:lnSpc>
-                <a:spcPct val="90000"/>
-              </a:lnSpc>
-              <a:spcBef>
-                <a:spcPts val="500"/>
-              </a:spcBef>
-              <a:buFont typeface="Arial" panose="020B0604020202020204" pitchFamily="34" charset="0"/>
-              <a:buChar char="•"/>
-              <a:defRPr sz="1800" kern="1200">
-                <a:solidFill>
-                  <a:schemeClr val="tx1"/>
-                </a:solidFill>
-                <a:latin typeface="+mn-lt"/>
-                <a:ea typeface="+mn-ea"/>
-                <a:cs typeface="+mn-cs"/>
-              </a:defRPr>
-            </a:lvl9pPr>
-          </a:lstStyle>
-          <a:p>
-            <a:r>
-              <a:rPr lang="zh-CN" altLang="en-US"/>
-              <a:t>模型的核心方程是径向通路与环向通路二者的分流，电感通路与电阻通路二者的分流，通过时域有限差分可以将方程组抽象为：</a:t>
-            </a:r>
-            <a:endParaRPr lang="zh-CN" altLang="en-US" dirty="0"/>
-          </a:p>
-        </p:txBody>
-      </p:sp>
-      <mc:AlternateContent xmlns:mc="http://schemas.openxmlformats.org/markup-compatibility/2006">
-        <mc:Choice xmlns:a14="http://schemas.microsoft.com/office/drawing/2010/main" Requires="a14">
-          <p:sp>
-            <p:nvSpPr>
-              <p:cNvPr id="6" name="文本框 5">
-                <a:extLst>
-                  <a:ext uri="{FF2B5EF4-FFF2-40B4-BE49-F238E27FC236}">
-                    <a16:creationId xmlns:a16="http://schemas.microsoft.com/office/drawing/2014/main" id="{D223C754-F67B-EB4A-D4F0-281A8C99D7E7}"/>
-                  </a:ext>
-                </a:extLst>
-              </p:cNvPr>
-              <p:cNvSpPr txBox="1"/>
-              <p:nvPr/>
-            </p:nvSpPr>
-            <p:spPr>
-              <a:xfrm>
-                <a:off x="1547568" y="3253405"/>
-                <a:ext cx="8280000" cy="610873"/>
-              </a:xfrm>
-              <a:prstGeom prst="rect">
-                <a:avLst/>
-              </a:prstGeom>
-              <a:noFill/>
-            </p:spPr>
-            <p:txBody>
-              <a:bodyPr wrap="square">
-                <a:spAutoFit/>
-              </a:bodyPr>
-              <a:lstStyle/>
-              <a:p>
-                <a:pPr/>
-                <a14:m>
-                  <m:oMathPara xmlns:m="http://schemas.openxmlformats.org/officeDocument/2006/math">
-                    <m:oMathParaPr>
-                      <m:jc m:val="centerGroup"/>
-                    </m:oMathParaPr>
-                    <m:oMath xmlns:m="http://schemas.openxmlformats.org/officeDocument/2006/math">
-                      <m:r>
-                        <a:rPr lang="zh-CN" altLang="en-US" b="1" smtClean="0">
-                          <a:latin typeface="Cambria Math" panose="02040503050406030204" pitchFamily="18" charset="0"/>
-                        </a:rPr>
-                        <m:t>𝐌</m:t>
-                      </m:r>
-                      <m:f>
-                        <m:fPr>
-                          <m:ctrlPr>
-                            <a:rPr lang="zh-CN" altLang="en-US" b="1" i="1">
-                              <a:solidFill>
-                                <a:srgbClr val="836967"/>
-                              </a:solidFill>
-                              <a:latin typeface="Cambria Math" panose="02040503050406030204" pitchFamily="18" charset="0"/>
-                            </a:rPr>
-                          </m:ctrlPr>
-                        </m:fPr>
-                        <m:num>
-                          <m:r>
-                            <a:rPr lang="zh-CN" altLang="en-US" b="1" i="0">
-                              <a:latin typeface="Cambria Math" panose="02040503050406030204" pitchFamily="18" charset="0"/>
-                            </a:rPr>
-                            <m:t>𝐈</m:t>
-                          </m:r>
-                          <m:r>
-                            <a:rPr lang="zh-CN" altLang="en-US" b="0" i="0">
-                              <a:latin typeface="Cambria Math" panose="02040503050406030204" pitchFamily="18" charset="0"/>
-                            </a:rPr>
-                            <m:t>−</m:t>
-                          </m:r>
-                          <m:sSub>
-                            <m:sSubPr>
-                              <m:ctrlPr>
-                                <a:rPr lang="zh-CN" altLang="en-US" b="0" i="1">
-                                  <a:solidFill>
-                                    <a:srgbClr val="836967"/>
-                                  </a:solidFill>
-                                  <a:latin typeface="Cambria Math" panose="02040503050406030204" pitchFamily="18" charset="0"/>
-                                </a:rPr>
-                              </m:ctrlPr>
-                            </m:sSubPr>
-                            <m:e>
-                              <m:r>
-                                <a:rPr lang="zh-CN" altLang="en-US" b="1" i="0">
-                                  <a:latin typeface="Cambria Math" panose="02040503050406030204" pitchFamily="18" charset="0"/>
-                                </a:rPr>
-                                <m:t>𝐈</m:t>
-                              </m:r>
-                            </m:e>
-                            <m:sub>
-                              <m:r>
-                                <a:rPr lang="zh-CN" altLang="en-US" b="0" i="0">
-                                  <a:latin typeface="Cambria Math" panose="02040503050406030204" pitchFamily="18" charset="0"/>
-                                </a:rPr>
-                                <m:t>0</m:t>
-                              </m:r>
-                            </m:sub>
-                          </m:sSub>
-                        </m:num>
-                        <m:den>
-                          <m:r>
-                            <m:rPr>
-                              <m:sty m:val="p"/>
-                            </m:rPr>
-                            <a:rPr lang="en-US" altLang="zh-CN" i="1">
-                              <a:latin typeface="Cambria Math" panose="02040503050406030204" pitchFamily="18" charset="0"/>
-                            </a:rPr>
-                            <m:t>Δ</m:t>
-                          </m:r>
-                          <m:r>
-                            <a:rPr lang="zh-CN" altLang="en-US" b="0" i="1">
-                              <a:latin typeface="Cambria Math" panose="02040503050406030204" pitchFamily="18" charset="0"/>
-                            </a:rPr>
-                            <m:t>𝑡</m:t>
-                          </m:r>
-                        </m:den>
-                      </m:f>
-                      <m:r>
-                        <a:rPr lang="zh-CN" altLang="en-US" b="0" i="0">
-                          <a:latin typeface="Cambria Math" panose="02040503050406030204" pitchFamily="18" charset="0"/>
-                        </a:rPr>
-                        <m:t>+</m:t>
-                      </m:r>
-                      <m:sSub>
-                        <m:sSubPr>
-                          <m:ctrlPr>
-                            <a:rPr lang="zh-CN" altLang="en-US" b="0" i="1">
-                              <a:solidFill>
-                                <a:srgbClr val="836967"/>
-                              </a:solidFill>
-                              <a:latin typeface="Cambria Math" panose="02040503050406030204" pitchFamily="18" charset="0"/>
-                            </a:rPr>
-                          </m:ctrlPr>
-                        </m:sSubPr>
-                        <m:e>
-                          <m:r>
-                            <a:rPr lang="zh-CN" altLang="en-US" b="1" i="0">
-                              <a:latin typeface="Cambria Math" panose="02040503050406030204" pitchFamily="18" charset="0"/>
-                            </a:rPr>
-                            <m:t>𝐑</m:t>
-                          </m:r>
-                        </m:e>
-                        <m:sub>
-                          <m:r>
-                            <a:rPr lang="zh-CN" altLang="en-US" b="0" i="1">
-                              <a:latin typeface="Cambria Math" panose="02040503050406030204" pitchFamily="18" charset="0"/>
-                            </a:rPr>
-                            <m:t>𝑟</m:t>
-                          </m:r>
-                        </m:sub>
-                      </m:sSub>
-                      <m:r>
-                        <a:rPr lang="zh-CN" altLang="en-US" b="1" i="0">
-                          <a:latin typeface="Cambria Math" panose="02040503050406030204" pitchFamily="18" charset="0"/>
-                        </a:rPr>
-                        <m:t>𝐈</m:t>
-                      </m:r>
-                      <m:r>
-                        <a:rPr lang="zh-CN" altLang="en-US" b="0" i="0">
-                          <a:latin typeface="Cambria Math" panose="02040503050406030204" pitchFamily="18" charset="0"/>
-                        </a:rPr>
-                        <m:t>=</m:t>
-                      </m:r>
-                      <m:sSub>
-                        <m:sSubPr>
-                          <m:ctrlPr>
-                            <a:rPr lang="zh-CN" altLang="en-US" b="0" i="1">
-                              <a:solidFill>
-                                <a:srgbClr val="836967"/>
-                              </a:solidFill>
-                              <a:latin typeface="Cambria Math" panose="02040503050406030204" pitchFamily="18" charset="0"/>
-                            </a:rPr>
-                          </m:ctrlPr>
-                        </m:sSubPr>
-                        <m:e>
-                          <m:r>
-                            <a:rPr lang="zh-CN" altLang="en-US" b="1" i="0">
-                              <a:latin typeface="Cambria Math" panose="02040503050406030204" pitchFamily="18" charset="0"/>
-                            </a:rPr>
-                            <m:t>𝐑</m:t>
-                          </m:r>
-                        </m:e>
-                        <m:sub>
-                          <m:r>
-                            <a:rPr lang="zh-CN" altLang="en-US" b="0" i="1">
-                              <a:latin typeface="Cambria Math" panose="02040503050406030204" pitchFamily="18" charset="0"/>
-                            </a:rPr>
-                            <m:t>𝑐</m:t>
-                          </m:r>
-                        </m:sub>
-                      </m:sSub>
-                      <m:r>
-                        <a:rPr lang="zh-CN" altLang="en-US" b="1" i="0">
-                          <a:latin typeface="Cambria Math" panose="02040503050406030204" pitchFamily="18" charset="0"/>
-                        </a:rPr>
-                        <m:t>𝐉</m:t>
-                      </m:r>
-                    </m:oMath>
-                  </m:oMathPara>
-                </a14:m>
-                <a:endParaRPr lang="zh-CN" altLang="en-US" dirty="0"/>
-              </a:p>
-            </p:txBody>
-          </p:sp>
-        </mc:Choice>
-        <mc:Fallback>
-          <p:sp>
-            <p:nvSpPr>
-              <p:cNvPr id="6" name="文本框 5">
-                <a:extLst>
-                  <a:ext uri="{FF2B5EF4-FFF2-40B4-BE49-F238E27FC236}">
-                    <a16:creationId xmlns:a16="http://schemas.microsoft.com/office/drawing/2014/main" id="{D223C754-F67B-EB4A-D4F0-281A8C99D7E7}"/>
-                  </a:ext>
-                </a:extLst>
-              </p:cNvPr>
-              <p:cNvSpPr txBox="1">
-                <a:spLocks noRot="1" noChangeAspect="1" noMove="1" noResize="1" noEditPoints="1" noAdjustHandles="1" noChangeArrowheads="1" noChangeShapeType="1" noTextEdit="1"/>
-              </p:cNvSpPr>
-              <p:nvPr/>
-            </p:nvSpPr>
-            <p:spPr>
-              <a:xfrm>
-                <a:off x="1547568" y="3253405"/>
-                <a:ext cx="8280000" cy="610873"/>
-              </a:xfrm>
-              <a:prstGeom prst="rect">
-                <a:avLst/>
-              </a:prstGeom>
-              <a:blipFill>
-                <a:blip r:embed="rId2"/>
-                <a:stretch>
-                  <a:fillRect/>
-                </a:stretch>
-              </a:blipFill>
-            </p:spPr>
-            <p:txBody>
-              <a:bodyPr/>
-              <a:lstStyle/>
-              <a:p>
-                <a:r>
-                  <a:rPr lang="zh-CN" altLang="en-US">
-                    <a:noFill/>
-                  </a:rPr>
-                  <a:t> </a:t>
-                </a:r>
-              </a:p>
-            </p:txBody>
-          </p:sp>
-        </mc:Fallback>
-      </mc:AlternateContent>
-      <mc:AlternateContent xmlns:mc="http://schemas.openxmlformats.org/markup-compatibility/2006">
-        <mc:Choice xmlns:a14="http://schemas.microsoft.com/office/drawing/2010/main" Requires="a14">
-          <p:sp>
-            <p:nvSpPr>
-              <p:cNvPr id="7" name="文本框 6">
-                <a:extLst>
-                  <a:ext uri="{FF2B5EF4-FFF2-40B4-BE49-F238E27FC236}">
-                    <a16:creationId xmlns:a16="http://schemas.microsoft.com/office/drawing/2014/main" id="{10EA9EE4-92BF-AC6D-7667-86FC191454B0}"/>
-                  </a:ext>
-                </a:extLst>
-              </p:cNvPr>
-              <p:cNvSpPr txBox="1"/>
-              <p:nvPr/>
-            </p:nvSpPr>
-            <p:spPr>
-              <a:xfrm>
-                <a:off x="1547568" y="4579165"/>
-                <a:ext cx="8280000" cy="880434"/>
-              </a:xfrm>
-              <a:prstGeom prst="rect">
-                <a:avLst/>
-              </a:prstGeom>
-              <a:noFill/>
-            </p:spPr>
-            <p:txBody>
-              <a:bodyPr wrap="square">
-                <a:spAutoFit/>
-              </a:bodyPr>
-              <a:lstStyle/>
-              <a:p>
-                <a:pPr/>
-                <a14:m>
-                  <m:oMathPara xmlns:m="http://schemas.openxmlformats.org/officeDocument/2006/math">
-                    <m:oMathParaPr>
-                      <m:jc m:val="centerGroup"/>
-                    </m:oMathParaPr>
-                    <m:oMath xmlns:m="http://schemas.openxmlformats.org/officeDocument/2006/math">
-                      <m:r>
-                        <a:rPr lang="zh-CN" altLang="en-US" b="1" smtClean="0">
-                          <a:latin typeface="Cambria Math" panose="02040503050406030204" pitchFamily="18" charset="0"/>
-                        </a:rPr>
-                        <m:t>𝐌</m:t>
-                      </m:r>
-                      <m:r>
-                        <a:rPr lang="zh-CN" altLang="en-US" b="0" i="0">
-                          <a:latin typeface="Cambria Math" panose="02040503050406030204" pitchFamily="18" charset="0"/>
-                        </a:rPr>
-                        <m:t>=</m:t>
-                      </m:r>
-                      <m:d>
-                        <m:dPr>
-                          <m:begChr m:val="["/>
-                          <m:endChr m:val="]"/>
-                          <m:ctrlPr>
-                            <a:rPr lang="zh-CN" altLang="en-US" b="0" i="1">
-                              <a:solidFill>
-                                <a:srgbClr val="836967"/>
-                              </a:solidFill>
-                              <a:latin typeface="Cambria Math" panose="02040503050406030204" pitchFamily="18" charset="0"/>
-                            </a:rPr>
-                          </m:ctrlPr>
-                        </m:dPr>
-                        <m:e>
-                          <m:m>
-                            <m:mPr>
-                              <m:plcHide m:val="on"/>
-                              <m:mcs>
-                                <m:mc>
-                                  <m:mcPr>
-                                    <m:count m:val="3"/>
-                                    <m:mcJc m:val="center"/>
-                                  </m:mcPr>
-                                </m:mc>
-                              </m:mcs>
-                              <m:ctrlPr>
-                                <a:rPr lang="zh-CN" altLang="en-US" b="0" i="1">
-                                  <a:solidFill>
-                                    <a:srgbClr val="836967"/>
-                                  </a:solidFill>
-                                  <a:latin typeface="Cambria Math" panose="02040503050406030204" pitchFamily="18" charset="0"/>
-                                </a:rPr>
-                              </m:ctrlPr>
-                            </m:mPr>
-                            <m:mr>
-                              <m:e>
-                                <m:sSub>
-                                  <m:sSubPr>
-                                    <m:ctrlPr>
-                                      <a:rPr lang="zh-CN" altLang="en-US" b="0" i="1">
-                                        <a:solidFill>
-                                          <a:srgbClr val="836967"/>
-                                        </a:solidFill>
-                                        <a:latin typeface="Cambria Math" panose="02040503050406030204" pitchFamily="18" charset="0"/>
-                                      </a:rPr>
-                                    </m:ctrlPr>
-                                  </m:sSubPr>
-                                  <m:e>
-                                    <m:r>
-                                      <a:rPr lang="zh-CN" altLang="en-US" b="1" i="0">
-                                        <a:latin typeface="Cambria Math" panose="02040503050406030204" pitchFamily="18" charset="0"/>
-                                      </a:rPr>
-                                      <m:t>𝐌</m:t>
-                                    </m:r>
-                                  </m:e>
-                                  <m:sub>
-                                    <m:r>
-                                      <a:rPr lang="zh-CN" altLang="en-US" b="0" i="0">
-                                        <a:latin typeface="Cambria Math" panose="02040503050406030204" pitchFamily="18" charset="0"/>
-                                      </a:rPr>
-                                      <m:t>1−1</m:t>
-                                    </m:r>
-                                  </m:sub>
-                                </m:sSub>
-                              </m:e>
-                              <m:e>
-                                <m:sSub>
-                                  <m:sSubPr>
-                                    <m:ctrlPr>
-                                      <a:rPr lang="zh-CN" altLang="en-US" b="0" i="1">
-                                        <a:solidFill>
-                                          <a:srgbClr val="836967"/>
-                                        </a:solidFill>
-                                        <a:latin typeface="Cambria Math" panose="02040503050406030204" pitchFamily="18" charset="0"/>
-                                      </a:rPr>
-                                    </m:ctrlPr>
-                                  </m:sSubPr>
-                                  <m:e>
-                                    <m:r>
-                                      <a:rPr lang="zh-CN" altLang="en-US" b="1" i="0">
-                                        <a:latin typeface="Cambria Math" panose="02040503050406030204" pitchFamily="18" charset="0"/>
-                                      </a:rPr>
-                                      <m:t>𝐌</m:t>
-                                    </m:r>
-                                  </m:e>
-                                  <m:sub>
-                                    <m:r>
-                                      <a:rPr lang="zh-CN" altLang="en-US" b="0" i="0">
-                                        <a:latin typeface="Cambria Math" panose="02040503050406030204" pitchFamily="18" charset="0"/>
-                                      </a:rPr>
-                                      <m:t>1−2</m:t>
-                                    </m:r>
-                                  </m:sub>
-                                </m:sSub>
-                              </m:e>
-                              <m:e>
-                                <m:sSub>
-                                  <m:sSubPr>
-                                    <m:ctrlPr>
-                                      <a:rPr lang="zh-CN" altLang="en-US" b="0" i="1">
-                                        <a:solidFill>
-                                          <a:srgbClr val="836967"/>
-                                        </a:solidFill>
-                                        <a:latin typeface="Cambria Math" panose="02040503050406030204" pitchFamily="18" charset="0"/>
-                                      </a:rPr>
-                                    </m:ctrlPr>
-                                  </m:sSubPr>
-                                  <m:e>
-                                    <m:r>
-                                      <a:rPr lang="zh-CN" altLang="en-US" b="1" i="0">
-                                        <a:latin typeface="Cambria Math" panose="02040503050406030204" pitchFamily="18" charset="0"/>
-                                      </a:rPr>
-                                      <m:t>𝐌</m:t>
-                                    </m:r>
-                                  </m:e>
-                                  <m:sub>
-                                    <m:r>
-                                      <a:rPr lang="zh-CN" altLang="en-US" b="0" i="0">
-                                        <a:latin typeface="Cambria Math" panose="02040503050406030204" pitchFamily="18" charset="0"/>
-                                      </a:rPr>
-                                      <m:t>1−3</m:t>
-                                    </m:r>
-                                  </m:sub>
-                                </m:sSub>
-                              </m:e>
-                            </m:mr>
-                            <m:mr>
-                              <m:e>
-                                <m:sSub>
-                                  <m:sSubPr>
-                                    <m:ctrlPr>
-                                      <a:rPr lang="zh-CN" altLang="en-US" b="0" i="1">
-                                        <a:solidFill>
-                                          <a:srgbClr val="836967"/>
-                                        </a:solidFill>
-                                        <a:latin typeface="Cambria Math" panose="02040503050406030204" pitchFamily="18" charset="0"/>
-                                      </a:rPr>
-                                    </m:ctrlPr>
-                                  </m:sSubPr>
-                                  <m:e>
-                                    <m:r>
-                                      <a:rPr lang="zh-CN" altLang="en-US" b="1" i="0">
-                                        <a:latin typeface="Cambria Math" panose="02040503050406030204" pitchFamily="18" charset="0"/>
-                                      </a:rPr>
-                                      <m:t>𝐌</m:t>
-                                    </m:r>
-                                  </m:e>
-                                  <m:sub>
-                                    <m:r>
-                                      <a:rPr lang="zh-CN" altLang="en-US" b="0" i="0">
-                                        <a:latin typeface="Cambria Math" panose="02040503050406030204" pitchFamily="18" charset="0"/>
-                                      </a:rPr>
-                                      <m:t>2−1</m:t>
-                                    </m:r>
-                                  </m:sub>
-                                </m:sSub>
-                              </m:e>
-                              <m:e>
-                                <m:sSub>
-                                  <m:sSubPr>
-                                    <m:ctrlPr>
-                                      <a:rPr lang="zh-CN" altLang="en-US" b="0" i="1">
-                                        <a:solidFill>
-                                          <a:srgbClr val="836967"/>
-                                        </a:solidFill>
-                                        <a:latin typeface="Cambria Math" panose="02040503050406030204" pitchFamily="18" charset="0"/>
-                                      </a:rPr>
-                                    </m:ctrlPr>
-                                  </m:sSubPr>
-                                  <m:e>
-                                    <m:r>
-                                      <a:rPr lang="zh-CN" altLang="en-US" b="1" i="0">
-                                        <a:latin typeface="Cambria Math" panose="02040503050406030204" pitchFamily="18" charset="0"/>
-                                      </a:rPr>
-                                      <m:t>𝐌</m:t>
-                                    </m:r>
-                                  </m:e>
-                                  <m:sub>
-                                    <m:r>
-                                      <a:rPr lang="zh-CN" altLang="en-US" b="0" i="0">
-                                        <a:latin typeface="Cambria Math" panose="02040503050406030204" pitchFamily="18" charset="0"/>
-                                      </a:rPr>
-                                      <m:t>2−2</m:t>
-                                    </m:r>
-                                  </m:sub>
-                                </m:sSub>
-                              </m:e>
-                              <m:e>
-                                <m:sSub>
-                                  <m:sSubPr>
-                                    <m:ctrlPr>
-                                      <a:rPr lang="zh-CN" altLang="en-US" b="0" i="1">
-                                        <a:solidFill>
-                                          <a:srgbClr val="836967"/>
-                                        </a:solidFill>
-                                        <a:latin typeface="Cambria Math" panose="02040503050406030204" pitchFamily="18" charset="0"/>
-                                      </a:rPr>
-                                    </m:ctrlPr>
-                                  </m:sSubPr>
-                                  <m:e>
-                                    <m:r>
-                                      <a:rPr lang="zh-CN" altLang="en-US" b="1" i="0">
-                                        <a:latin typeface="Cambria Math" panose="02040503050406030204" pitchFamily="18" charset="0"/>
-                                      </a:rPr>
-                                      <m:t>𝐌</m:t>
-                                    </m:r>
-                                  </m:e>
-                                  <m:sub>
-                                    <m:r>
-                                      <a:rPr lang="zh-CN" altLang="en-US" b="0" i="0">
-                                        <a:latin typeface="Cambria Math" panose="02040503050406030204" pitchFamily="18" charset="0"/>
-                                      </a:rPr>
-                                      <m:t>2−3</m:t>
-                                    </m:r>
-                                  </m:sub>
-                                </m:sSub>
-                              </m:e>
-                            </m:mr>
-                            <m:mr>
-                              <m:e>
-                                <m:sSub>
-                                  <m:sSubPr>
-                                    <m:ctrlPr>
-                                      <a:rPr lang="zh-CN" altLang="en-US" b="0" i="1">
-                                        <a:solidFill>
-                                          <a:srgbClr val="836967"/>
-                                        </a:solidFill>
-                                        <a:latin typeface="Cambria Math" panose="02040503050406030204" pitchFamily="18" charset="0"/>
-                                      </a:rPr>
-                                    </m:ctrlPr>
-                                  </m:sSubPr>
-                                  <m:e>
-                                    <m:r>
-                                      <a:rPr lang="zh-CN" altLang="en-US" b="1" i="0">
-                                        <a:latin typeface="Cambria Math" panose="02040503050406030204" pitchFamily="18" charset="0"/>
-                                      </a:rPr>
-                                      <m:t>𝐌</m:t>
-                                    </m:r>
-                                  </m:e>
-                                  <m:sub>
-                                    <m:r>
-                                      <a:rPr lang="zh-CN" altLang="en-US" b="0" i="0">
-                                        <a:latin typeface="Cambria Math" panose="02040503050406030204" pitchFamily="18" charset="0"/>
-                                      </a:rPr>
-                                      <m:t>3−1</m:t>
-                                    </m:r>
-                                  </m:sub>
-                                </m:sSub>
-                              </m:e>
-                              <m:e>
-                                <m:sSub>
-                                  <m:sSubPr>
-                                    <m:ctrlPr>
-                                      <a:rPr lang="zh-CN" altLang="en-US" b="0" i="1">
-                                        <a:solidFill>
-                                          <a:srgbClr val="836967"/>
-                                        </a:solidFill>
-                                        <a:latin typeface="Cambria Math" panose="02040503050406030204" pitchFamily="18" charset="0"/>
-                                      </a:rPr>
-                                    </m:ctrlPr>
-                                  </m:sSubPr>
-                                  <m:e>
-                                    <m:r>
-                                      <a:rPr lang="zh-CN" altLang="en-US" b="1" i="0">
-                                        <a:latin typeface="Cambria Math" panose="02040503050406030204" pitchFamily="18" charset="0"/>
-                                      </a:rPr>
-                                      <m:t>𝐌</m:t>
-                                    </m:r>
-                                  </m:e>
-                                  <m:sub>
-                                    <m:r>
-                                      <a:rPr lang="zh-CN" altLang="en-US" b="0" i="0">
-                                        <a:latin typeface="Cambria Math" panose="02040503050406030204" pitchFamily="18" charset="0"/>
-                                      </a:rPr>
-                                      <m:t>3−2</m:t>
-                                    </m:r>
-                                  </m:sub>
-                                </m:sSub>
-                              </m:e>
-                              <m:e>
-                                <m:sSub>
-                                  <m:sSubPr>
-                                    <m:ctrlPr>
-                                      <a:rPr lang="zh-CN" altLang="en-US" b="0" i="1">
-                                        <a:solidFill>
-                                          <a:srgbClr val="836967"/>
-                                        </a:solidFill>
-                                        <a:latin typeface="Cambria Math" panose="02040503050406030204" pitchFamily="18" charset="0"/>
-                                      </a:rPr>
-                                    </m:ctrlPr>
-                                  </m:sSubPr>
-                                  <m:e>
-                                    <m:r>
-                                      <a:rPr lang="zh-CN" altLang="en-US" b="1" i="0">
-                                        <a:latin typeface="Cambria Math" panose="02040503050406030204" pitchFamily="18" charset="0"/>
-                                      </a:rPr>
-                                      <m:t>𝐌</m:t>
-                                    </m:r>
-                                  </m:e>
-                                  <m:sub>
-                                    <m:r>
-                                      <a:rPr lang="zh-CN" altLang="en-US" b="0" i="0">
-                                        <a:latin typeface="Cambria Math" panose="02040503050406030204" pitchFamily="18" charset="0"/>
-                                      </a:rPr>
-                                      <m:t>3−3</m:t>
-                                    </m:r>
-                                  </m:sub>
-                                </m:sSub>
-                              </m:e>
-                            </m:mr>
-                          </m:m>
-                        </m:e>
-                      </m:d>
-                    </m:oMath>
-                  </m:oMathPara>
-                </a14:m>
-                <a:endParaRPr lang="zh-CN" altLang="en-US" dirty="0"/>
-              </a:p>
-            </p:txBody>
-          </p:sp>
-        </mc:Choice>
-        <mc:Fallback>
-          <p:sp>
-            <p:nvSpPr>
-              <p:cNvPr id="7" name="文本框 6">
-                <a:extLst>
-                  <a:ext uri="{FF2B5EF4-FFF2-40B4-BE49-F238E27FC236}">
-                    <a16:creationId xmlns:a16="http://schemas.microsoft.com/office/drawing/2014/main" id="{10EA9EE4-92BF-AC6D-7667-86FC191454B0}"/>
-                  </a:ext>
-                </a:extLst>
-              </p:cNvPr>
-              <p:cNvSpPr txBox="1">
-                <a:spLocks noRot="1" noChangeAspect="1" noMove="1" noResize="1" noEditPoints="1" noAdjustHandles="1" noChangeArrowheads="1" noChangeShapeType="1" noTextEdit="1"/>
-              </p:cNvSpPr>
-              <p:nvPr/>
-            </p:nvSpPr>
-            <p:spPr>
-              <a:xfrm>
-                <a:off x="1547568" y="4579165"/>
-                <a:ext cx="8280000" cy="880434"/>
-              </a:xfrm>
-              <a:prstGeom prst="rect">
-                <a:avLst/>
-              </a:prstGeom>
-              <a:blipFill>
-                <a:blip r:embed="rId3"/>
-                <a:stretch>
-                  <a:fillRect/>
-                </a:stretch>
-              </a:blipFill>
-            </p:spPr>
-            <p:txBody>
-              <a:bodyPr/>
-              <a:lstStyle/>
-              <a:p>
-                <a:r>
-                  <a:rPr lang="zh-CN" altLang="en-US">
-                    <a:noFill/>
-                  </a:rPr>
-                  <a:t> </a:t>
-                </a:r>
-              </a:p>
-            </p:txBody>
-          </p:sp>
-        </mc:Fallback>
-      </mc:AlternateContent>
-      <mc:AlternateContent xmlns:mc="http://schemas.openxmlformats.org/markup-compatibility/2006">
-        <mc:Choice xmlns:a14="http://schemas.microsoft.com/office/drawing/2010/main" Requires="a14">
-          <p:sp>
-            <p:nvSpPr>
-              <p:cNvPr id="8" name="文本框 7">
-                <a:extLst>
-                  <a:ext uri="{FF2B5EF4-FFF2-40B4-BE49-F238E27FC236}">
-                    <a16:creationId xmlns:a16="http://schemas.microsoft.com/office/drawing/2014/main" id="{242368BD-08B5-648D-CF8D-E4F9D495CE5D}"/>
-                  </a:ext>
-                </a:extLst>
-              </p:cNvPr>
-              <p:cNvSpPr txBox="1"/>
-              <p:nvPr/>
-            </p:nvSpPr>
-            <p:spPr>
-              <a:xfrm>
-                <a:off x="1547568" y="4023462"/>
-                <a:ext cx="8280000" cy="396519"/>
-              </a:xfrm>
-              <a:prstGeom prst="rect">
-                <a:avLst/>
-              </a:prstGeom>
-              <a:noFill/>
-            </p:spPr>
-            <p:txBody>
-              <a:bodyPr wrap="none" rtlCol="0">
-                <a:spAutoFit/>
-              </a:bodyPr>
-              <a:lstStyle/>
-              <a:p>
-                <a:pPr algn="l">
-                  <a:lnSpc>
-                    <a:spcPct val="120000"/>
-                  </a:lnSpc>
-                </a:pPr>
-                <a:r>
-                  <a:rPr lang="zh-CN" altLang="en-US" dirty="0"/>
-                  <a:t>其中，互感矩阵</a:t>
-                </a:r>
-                <a14:m>
-                  <m:oMath xmlns:m="http://schemas.openxmlformats.org/officeDocument/2006/math">
-                    <m:r>
-                      <a:rPr lang="en-US" altLang="zh-CN" b="1" i="0" dirty="0" smtClean="0">
-                        <a:latin typeface="Cambria Math" panose="02040503050406030204" pitchFamily="18" charset="0"/>
-                      </a:rPr>
-                      <m:t>𝐌</m:t>
-                    </m:r>
-                  </m:oMath>
-                </a14:m>
-                <a:r>
-                  <a:rPr lang="zh-CN" altLang="en-US" dirty="0"/>
-                  <a:t>的构成为：</a:t>
-                </a:r>
-              </a:p>
-            </p:txBody>
-          </p:sp>
-        </mc:Choice>
-        <mc:Fallback>
-          <p:sp>
-            <p:nvSpPr>
-              <p:cNvPr id="8" name="文本框 7">
-                <a:extLst>
-                  <a:ext uri="{FF2B5EF4-FFF2-40B4-BE49-F238E27FC236}">
-                    <a16:creationId xmlns:a16="http://schemas.microsoft.com/office/drawing/2014/main" id="{242368BD-08B5-648D-CF8D-E4F9D495CE5D}"/>
-                  </a:ext>
-                </a:extLst>
-              </p:cNvPr>
-              <p:cNvSpPr txBox="1">
-                <a:spLocks noRot="1" noChangeAspect="1" noMove="1" noResize="1" noEditPoints="1" noAdjustHandles="1" noChangeArrowheads="1" noChangeShapeType="1" noTextEdit="1"/>
-              </p:cNvSpPr>
-              <p:nvPr/>
-            </p:nvSpPr>
-            <p:spPr>
-              <a:xfrm>
-                <a:off x="1547568" y="4023462"/>
-                <a:ext cx="8280000" cy="396519"/>
-              </a:xfrm>
-              <a:prstGeom prst="rect">
-                <a:avLst/>
-              </a:prstGeom>
-              <a:blipFill>
-                <a:blip r:embed="rId4"/>
-                <a:stretch>
-                  <a:fillRect l="-663" b="-26154"/>
-                </a:stretch>
-              </a:blipFill>
-            </p:spPr>
-            <p:txBody>
-              <a:bodyPr/>
-              <a:lstStyle/>
-              <a:p>
-                <a:r>
-                  <a:rPr lang="zh-CN" altLang="en-US">
-                    <a:noFill/>
-                  </a:rPr>
-                  <a:t> </a:t>
-                </a:r>
-              </a:p>
-            </p:txBody>
-          </p:sp>
-        </mc:Fallback>
-      </mc:AlternateContent>
-      <mc:AlternateContent xmlns:mc="http://schemas.openxmlformats.org/markup-compatibility/2006">
-        <mc:Choice xmlns:a14="http://schemas.microsoft.com/office/drawing/2010/main" Requires="a14">
-          <p:sp>
-            <p:nvSpPr>
-              <p:cNvPr id="9" name="文本框 8">
-                <a:extLst>
-                  <a:ext uri="{FF2B5EF4-FFF2-40B4-BE49-F238E27FC236}">
-                    <a16:creationId xmlns:a16="http://schemas.microsoft.com/office/drawing/2014/main" id="{351FE3E8-9FBA-33BC-6288-E86EBFB0F661}"/>
-                  </a:ext>
-                </a:extLst>
-              </p:cNvPr>
-              <p:cNvSpPr txBox="1"/>
-              <p:nvPr/>
-            </p:nvSpPr>
-            <p:spPr>
-              <a:xfrm>
-                <a:off x="1547568" y="5618785"/>
-                <a:ext cx="8280000" cy="391646"/>
-              </a:xfrm>
-              <a:prstGeom prst="rect">
-                <a:avLst/>
-              </a:prstGeom>
-              <a:noFill/>
-            </p:spPr>
-            <p:txBody>
-              <a:bodyPr wrap="square">
-                <a:spAutoFit/>
-              </a:bodyPr>
-              <a:lstStyle/>
-              <a:p>
-                <a:r>
-                  <a:rPr lang="zh-CN" altLang="en-US" dirty="0"/>
-                  <a:t>知道</a:t>
-                </a:r>
-                <a14:m>
-                  <m:oMath xmlns:m="http://schemas.openxmlformats.org/officeDocument/2006/math">
-                    <m:sSub>
-                      <m:sSubPr>
-                        <m:ctrlPr>
-                          <a:rPr lang="en-US" altLang="zh-CN" i="1" dirty="0" smtClean="0">
-                            <a:latin typeface="Cambria Math" panose="02040503050406030204" pitchFamily="18" charset="0"/>
-                          </a:rPr>
-                        </m:ctrlPr>
-                      </m:sSubPr>
-                      <m:e>
-                        <m:r>
-                          <a:rPr lang="en-US" altLang="zh-CN" b="1" dirty="0">
-                            <a:latin typeface="Cambria Math" panose="02040503050406030204" pitchFamily="18" charset="0"/>
-                          </a:rPr>
-                          <m:t>𝐌</m:t>
-                        </m:r>
-                      </m:e>
-                      <m:sub>
-                        <m:r>
-                          <a:rPr lang="en-US" altLang="zh-CN" i="1" dirty="0" err="1">
-                            <a:latin typeface="Cambria Math" panose="02040503050406030204" pitchFamily="18" charset="0"/>
-                          </a:rPr>
-                          <m:t>𝑖</m:t>
-                        </m:r>
-                        <m:r>
-                          <a:rPr lang="en-US" altLang="zh-CN" i="1" dirty="0">
-                            <a:latin typeface="Cambria Math" panose="02040503050406030204" pitchFamily="18" charset="0"/>
-                          </a:rPr>
-                          <m:t>−</m:t>
-                        </m:r>
-                        <m:r>
-                          <a:rPr lang="en-US" altLang="zh-CN" i="1" dirty="0">
-                            <a:latin typeface="Cambria Math" panose="02040503050406030204" pitchFamily="18" charset="0"/>
-                          </a:rPr>
-                          <m:t>𝑗</m:t>
-                        </m:r>
-                      </m:sub>
-                    </m:sSub>
-                  </m:oMath>
-                </a14:m>
-                <a:r>
-                  <a:rPr lang="zh-CN" altLang="en-US" dirty="0"/>
-                  <a:t>是对称矩阵，</a:t>
-                </a:r>
-                <a:r>
-                  <a:rPr lang="en-US" altLang="zh-CN" b="1" dirty="0"/>
-                  <a:t> </a:t>
-                </a:r>
-                <a14:m>
-                  <m:oMath xmlns:m="http://schemas.openxmlformats.org/officeDocument/2006/math">
-                    <m:r>
-                      <a:rPr lang="en-US" altLang="zh-CN" b="1" dirty="0">
-                        <a:latin typeface="Cambria Math" panose="02040503050406030204" pitchFamily="18" charset="0"/>
-                      </a:rPr>
-                      <m:t>𝐌</m:t>
-                    </m:r>
-                  </m:oMath>
-                </a14:m>
-                <a:r>
-                  <a:rPr lang="zh-CN" altLang="en-US" dirty="0"/>
-                  <a:t>也是对称矩阵，这与该矩阵的物理意义是一致的。</a:t>
-                </a:r>
-              </a:p>
-            </p:txBody>
-          </p:sp>
-        </mc:Choice>
-        <mc:Fallback>
-          <p:sp>
-            <p:nvSpPr>
-              <p:cNvPr id="9" name="文本框 8">
-                <a:extLst>
-                  <a:ext uri="{FF2B5EF4-FFF2-40B4-BE49-F238E27FC236}">
-                    <a16:creationId xmlns:a16="http://schemas.microsoft.com/office/drawing/2014/main" id="{351FE3E8-9FBA-33BC-6288-E86EBFB0F661}"/>
-                  </a:ext>
-                </a:extLst>
-              </p:cNvPr>
-              <p:cNvSpPr txBox="1">
-                <a:spLocks noRot="1" noChangeAspect="1" noMove="1" noResize="1" noEditPoints="1" noAdjustHandles="1" noChangeArrowheads="1" noChangeShapeType="1" noTextEdit="1"/>
-              </p:cNvSpPr>
-              <p:nvPr/>
-            </p:nvSpPr>
-            <p:spPr>
-              <a:xfrm>
-                <a:off x="1547568" y="5618785"/>
-                <a:ext cx="8280000" cy="391646"/>
-              </a:xfrm>
-              <a:prstGeom prst="rect">
-                <a:avLst/>
-              </a:prstGeom>
-              <a:blipFill>
-                <a:blip r:embed="rId5"/>
-                <a:stretch>
-                  <a:fillRect l="-663" t="-7813" b="-20313"/>
-                </a:stretch>
-              </a:blipFill>
-            </p:spPr>
-            <p:txBody>
-              <a:bodyPr/>
-              <a:lstStyle/>
-              <a:p>
-                <a:r>
-                  <a:rPr lang="zh-CN" altLang="en-US">
-                    <a:noFill/>
-                  </a:rPr>
-                  <a:t> </a:t>
-                </a:r>
-              </a:p>
-            </p:txBody>
-          </p:sp>
-        </mc:Fallback>
-      </mc:AlternateContent>
-      <p:sp>
-        <p:nvSpPr>
-          <p:cNvPr id="10" name="文本框 9">
-            <a:extLst>
-              <a:ext uri="{FF2B5EF4-FFF2-40B4-BE49-F238E27FC236}">
-                <a16:creationId xmlns:a16="http://schemas.microsoft.com/office/drawing/2014/main" id="{FA33F2F8-59C1-10E3-B1CD-87E4A7E95C0D}"/>
-              </a:ext>
-            </a:extLst>
-          </p:cNvPr>
-          <p:cNvSpPr txBox="1"/>
-          <p:nvPr/>
-        </p:nvSpPr>
-        <p:spPr>
-          <a:xfrm>
-            <a:off x="1547568" y="1190051"/>
-            <a:ext cx="8280000" cy="646331"/>
-          </a:xfrm>
-          <a:prstGeom prst="rect">
-            <a:avLst/>
-          </a:prstGeom>
-          <a:noFill/>
-        </p:spPr>
-        <p:txBody>
-          <a:bodyPr wrap="square">
-            <a:spAutoFit/>
-          </a:bodyPr>
-          <a:lstStyle/>
-          <a:p>
-            <a:r>
-              <a:rPr lang="zh-CN" altLang="en-US" dirty="0"/>
-              <a:t>磁场、温度导致的临界电流的变化、磁通变化导致的互感耦合、直接的电气连接构成了模型中元素之间相互作用的全部关系。</a:t>
-            </a:r>
-          </a:p>
-        </p:txBody>
-      </p:sp>
-    </p:spTree>
-    <p:extLst>
-      <p:ext uri="{BB962C8B-B14F-4D97-AF65-F5344CB8AC3E}">
-        <p14:creationId xmlns:p14="http://schemas.microsoft.com/office/powerpoint/2010/main" val="165083761"/>
-      </p:ext>
-    </p:extLst>
-  </p:cSld>
-  <p:clrMapOvr>
-    <a:masterClrMapping/>
-  </p:clrMapOvr>
-</p:sld>
-</file>
-
-<file path=ppt/slides/slide6.xml><?xml version="1.0" encoding="utf-8"?>
-<p:sld xmlns:a="http://schemas.openxmlformats.org/drawingml/2006/main" xmlns:r="http://schemas.openxmlformats.org/officeDocument/2006/relationships" xmlns:p="http://schemas.openxmlformats.org/presentationml/2006/main">
-  <p:cSld>
-    <p:spTree>
-      <p:nvGrpSpPr>
-        <p:cNvPr id="1" name=""/>
-        <p:cNvGrpSpPr/>
-        <p:nvPr/>
-      </p:nvGrpSpPr>
-      <p:grpSpPr>
-        <a:xfrm>
-          <a:off x="0" y="0"/>
-          <a:ext cx="0" cy="0"/>
-          <a:chOff x="0" y="0"/>
-          <a:chExt cx="0" cy="0"/>
-        </a:xfrm>
-      </p:grpSpPr>
-      <p:pic>
-        <p:nvPicPr>
-          <p:cNvPr id="5" name="内容占位符 4">
-            <a:extLst>
-              <a:ext uri="{FF2B5EF4-FFF2-40B4-BE49-F238E27FC236}">
-                <a16:creationId xmlns:a16="http://schemas.microsoft.com/office/drawing/2014/main" id="{58F1D787-E645-B85B-501A-F9F6A81D9E38}"/>
-              </a:ext>
-            </a:extLst>
-          </p:cNvPr>
-          <p:cNvPicPr>
-            <a:picLocks noGrp="1" noChangeAspect="1"/>
-          </p:cNvPicPr>
-          <p:nvPr>
-            <p:ph idx="1"/>
-          </p:nvPr>
-        </p:nvPicPr>
-        <p:blipFill>
-          <a:blip r:embed="rId2"/>
-          <a:stretch>
-            <a:fillRect/>
-          </a:stretch>
-        </p:blipFill>
-        <p:spPr>
-          <a:xfrm>
-            <a:off x="1772001" y="95966"/>
-            <a:ext cx="8366916" cy="6762034"/>
-          </a:xfrm>
-        </p:spPr>
-      </p:pic>
-    </p:spTree>
-    <p:extLst>
-      <p:ext uri="{BB962C8B-B14F-4D97-AF65-F5344CB8AC3E}">
-        <p14:creationId xmlns:p14="http://schemas.microsoft.com/office/powerpoint/2010/main" val="1044357208"/>
-      </p:ext>
-    </p:extLst>
-  </p:cSld>
-  <p:clrMapOvr>
-    <a:masterClrMapping/>
-  </p:clrMapOvr>
-</p:sld>
-</file>
-
-<file path=ppt/slides/slide7.xml><?xml version="1.0" encoding="utf-8"?>
+<file path=ppt/slides/slide8.xml><?xml version="1.0" encoding="utf-8"?>
 <p:sld xmlns:a="http://schemas.openxmlformats.org/drawingml/2006/main" xmlns:r="http://schemas.openxmlformats.org/officeDocument/2006/relationships" xmlns:p="http://schemas.openxmlformats.org/presentationml/2006/main">
   <p:cSld>
     <p:spTree>
@@ -10052,71 +11283,6 @@
     <p:extLst>
       <p:ext uri="{BB962C8B-B14F-4D97-AF65-F5344CB8AC3E}">
         <p14:creationId xmlns:p14="http://schemas.microsoft.com/office/powerpoint/2010/main" val="1198595019"/>
-      </p:ext>
-    </p:extLst>
-  </p:cSld>
-  <p:clrMapOvr>
-    <a:masterClrMapping/>
-  </p:clrMapOvr>
-</p:sld>
-</file>
-
-<file path=ppt/slides/slide8.xml><?xml version="1.0" encoding="utf-8"?>
-<p:sld xmlns:a="http://schemas.openxmlformats.org/drawingml/2006/main" xmlns:r="http://schemas.openxmlformats.org/officeDocument/2006/relationships" xmlns:p="http://schemas.openxmlformats.org/presentationml/2006/main">
-  <p:cSld>
-    <p:spTree>
-      <p:nvGrpSpPr>
-        <p:cNvPr id="1" name=""/>
-        <p:cNvGrpSpPr/>
-        <p:nvPr/>
-      </p:nvGrpSpPr>
-      <p:grpSpPr>
-        <a:xfrm>
-          <a:off x="0" y="0"/>
-          <a:ext cx="0" cy="0"/>
-          <a:chOff x="0" y="0"/>
-          <a:chExt cx="0" cy="0"/>
-        </a:xfrm>
-      </p:grpSpPr>
-      <p:pic>
-        <p:nvPicPr>
-          <p:cNvPr id="5" name="内容占位符 4" descr="图示, 示意图&#10;&#10;描述已自动生成">
-            <a:extLst>
-              <a:ext uri="{FF2B5EF4-FFF2-40B4-BE49-F238E27FC236}">
-                <a16:creationId xmlns:a16="http://schemas.microsoft.com/office/drawing/2014/main" id="{88305353-1C5F-EC33-DD95-A3D94AF861F1}"/>
-              </a:ext>
-            </a:extLst>
-          </p:cNvPr>
-          <p:cNvPicPr>
-            <a:picLocks noGrp="1" noChangeAspect="1"/>
-          </p:cNvPicPr>
-          <p:nvPr>
-            <p:ph idx="1"/>
-          </p:nvPr>
-        </p:nvPicPr>
-        <p:blipFill>
-          <a:blip r:embed="rId2">
-            <a:extLst>
-              <a:ext uri="{28A0092B-C50C-407E-A947-70E740481C1C}">
-                <a14:useLocalDpi xmlns:a14="http://schemas.microsoft.com/office/drawing/2010/main" val="0"/>
-              </a:ext>
-            </a:extLst>
-          </a:blip>
-          <a:stretch>
-            <a:fillRect/>
-          </a:stretch>
-        </p:blipFill>
-        <p:spPr>
-          <a:xfrm>
-            <a:off x="908755" y="344442"/>
-            <a:ext cx="10374489" cy="6169116"/>
-          </a:xfrm>
-        </p:spPr>
-      </p:pic>
-    </p:spTree>
-    <p:extLst>
-      <p:ext uri="{BB962C8B-B14F-4D97-AF65-F5344CB8AC3E}">
-        <p14:creationId xmlns:p14="http://schemas.microsoft.com/office/powerpoint/2010/main" val="2305205502"/>
       </p:ext>
     </p:extLst>
   </p:cSld>
@@ -10143,1044 +11309,51 @@
           <a:chExt cx="0" cy="0"/>
         </a:xfrm>
       </p:grpSpPr>
-      <p:sp>
-        <p:nvSpPr>
-          <p:cNvPr id="4" name="标题 2">
-            <a:extLst>
-              <a:ext uri="{FF2B5EF4-FFF2-40B4-BE49-F238E27FC236}">
-                <a16:creationId xmlns:a16="http://schemas.microsoft.com/office/drawing/2014/main" id="{A9441097-2998-E835-0D3C-05DB2EC763F9}"/>
-              </a:ext>
-            </a:extLst>
-          </p:cNvPr>
-          <p:cNvSpPr txBox="1">
-            <a:spLocks/>
-          </p:cNvSpPr>
-          <p:nvPr/>
-        </p:nvSpPr>
+      <p:pic>
+        <p:nvPicPr>
+          <p:cNvPr id="5" name="内容占位符 4" descr="图示, 示意图&#10;&#10;描述已自动生成">
+            <a:extLst>
+              <a:ext uri="{FF2B5EF4-FFF2-40B4-BE49-F238E27FC236}">
+                <a16:creationId xmlns:a16="http://schemas.microsoft.com/office/drawing/2014/main" id="{88305353-1C5F-EC33-DD95-A3D94AF861F1}"/>
+              </a:ext>
+            </a:extLst>
+          </p:cNvPr>
+          <p:cNvPicPr>
+            <a:picLocks noGrp="1" noChangeAspect="1"/>
+          </p:cNvPicPr>
+          <p:nvPr>
+            <p:ph idx="1"/>
+          </p:nvPr>
+        </p:nvPicPr>
+        <p:blipFill>
+          <a:blip r:embed="rId2">
+            <a:extLst>
+              <a:ext uri="{28A0092B-C50C-407E-A947-70E740481C1C}">
+                <a14:useLocalDpi xmlns:a14="http://schemas.microsoft.com/office/drawing/2010/main" val="0"/>
+              </a:ext>
+            </a:extLst>
+          </a:blip>
+          <a:stretch>
+            <a:fillRect/>
+          </a:stretch>
+        </p:blipFill>
         <p:spPr>
           <a:xfrm>
-            <a:off x="916529" y="440522"/>
-            <a:ext cx="6429375" cy="367200"/>
+            <a:off x="908755" y="344442"/>
+            <a:ext cx="10374489" cy="6169116"/>
           </a:xfrm>
-          <a:prstGeom prst="rect">
-            <a:avLst/>
-          </a:prstGeom>
         </p:spPr>
-        <p:txBody>
-          <a:bodyPr vert="horz" lIns="91440" tIns="45720" rIns="91440" bIns="45720" rtlCol="0" anchor="ctr">
-            <a:noAutofit/>
-          </a:bodyPr>
-          <a:lstStyle>
-            <a:defPPr>
-              <a:defRPr lang="zh-CN"/>
-            </a:defPPr>
-            <a:lvl1pPr>
-              <a:lnSpc>
-                <a:spcPct val="90000"/>
-              </a:lnSpc>
-              <a:spcBef>
-                <a:spcPct val="0"/>
-              </a:spcBef>
-              <a:buNone/>
-              <a:defRPr sz="3600" b="1">
-                <a:latin typeface="+mj-lt"/>
-                <a:ea typeface="+mj-ea"/>
-                <a:cs typeface="+mj-cs"/>
-              </a:defRPr>
-            </a:lvl1pPr>
-          </a:lstStyle>
-          <a:p>
-            <a:r>
-              <a:rPr lang="zh-CN" altLang="en-US" dirty="0"/>
-              <a:t>磁场耦合</a:t>
-            </a:r>
-          </a:p>
-        </p:txBody>
-      </p:sp>
-      <mc:AlternateContent xmlns:mc="http://schemas.openxmlformats.org/markup-compatibility/2006">
-        <mc:Choice xmlns:a14="http://schemas.microsoft.com/office/drawing/2010/main" Requires="a14">
-          <p:sp>
-            <p:nvSpPr>
-              <p:cNvPr id="5" name="内容占位符 4">
-                <a:extLst>
-                  <a:ext uri="{FF2B5EF4-FFF2-40B4-BE49-F238E27FC236}">
-                    <a16:creationId xmlns:a16="http://schemas.microsoft.com/office/drawing/2014/main" id="{CD1D2125-07E1-989F-D27F-B947BD4641F6}"/>
-                  </a:ext>
-                </a:extLst>
-              </p:cNvPr>
-              <p:cNvSpPr txBox="1">
-                <a:spLocks/>
-              </p:cNvSpPr>
-              <p:nvPr/>
-            </p:nvSpPr>
-            <p:spPr>
-              <a:xfrm>
-                <a:off x="1482786" y="1197623"/>
-                <a:ext cx="8640000" cy="1532207"/>
-              </a:xfrm>
-              <a:prstGeom prst="rect">
-                <a:avLst/>
-              </a:prstGeom>
-            </p:spPr>
-            <p:txBody>
-              <a:bodyPr/>
-              <a:lstStyle>
-                <a:lvl1pPr marL="228600" indent="-228600" algn="l" defTabSz="914400" rtl="0" eaLnBrk="1" latinLnBrk="0" hangingPunct="1">
-                  <a:lnSpc>
-                    <a:spcPct val="90000"/>
-                  </a:lnSpc>
-                  <a:spcBef>
-                    <a:spcPts val="1000"/>
-                  </a:spcBef>
-                  <a:buFont typeface="Arial" panose="020B0604020202020204" pitchFamily="34" charset="0"/>
-                  <a:buChar char="•"/>
-                  <a:defRPr sz="2800" kern="1200">
-                    <a:solidFill>
-                      <a:schemeClr val="tx1"/>
-                    </a:solidFill>
-                    <a:latin typeface="+mn-lt"/>
-                    <a:ea typeface="+mn-ea"/>
-                    <a:cs typeface="+mn-cs"/>
-                  </a:defRPr>
-                </a:lvl1pPr>
-                <a:lvl2pPr marL="685800" indent="-228600" algn="l" defTabSz="914400" rtl="0" eaLnBrk="1" latinLnBrk="0" hangingPunct="1">
-                  <a:lnSpc>
-                    <a:spcPct val="90000"/>
-                  </a:lnSpc>
-                  <a:spcBef>
-                    <a:spcPts val="500"/>
-                  </a:spcBef>
-                  <a:buFont typeface="Arial" panose="020B0604020202020204" pitchFamily="34" charset="0"/>
-                  <a:buChar char="•"/>
-                  <a:defRPr sz="2400" kern="1200">
-                    <a:solidFill>
-                      <a:schemeClr val="tx1"/>
-                    </a:solidFill>
-                    <a:latin typeface="+mn-lt"/>
-                    <a:ea typeface="+mn-ea"/>
-                    <a:cs typeface="+mn-cs"/>
-                  </a:defRPr>
-                </a:lvl2pPr>
-                <a:lvl3pPr marL="1143000" indent="-228600" algn="l" defTabSz="914400" rtl="0" eaLnBrk="1" latinLnBrk="0" hangingPunct="1">
-                  <a:lnSpc>
-                    <a:spcPct val="90000"/>
-                  </a:lnSpc>
-                  <a:spcBef>
-                    <a:spcPts val="500"/>
-                  </a:spcBef>
-                  <a:buFont typeface="Arial" panose="020B0604020202020204" pitchFamily="34" charset="0"/>
-                  <a:buChar char="•"/>
-                  <a:defRPr sz="2000" kern="1200">
-                    <a:solidFill>
-                      <a:schemeClr val="tx1"/>
-                    </a:solidFill>
-                    <a:latin typeface="+mn-lt"/>
-                    <a:ea typeface="+mn-ea"/>
-                    <a:cs typeface="+mn-cs"/>
-                  </a:defRPr>
-                </a:lvl3pPr>
-                <a:lvl4pPr marL="1600200" indent="-228600" algn="l" defTabSz="914400" rtl="0" eaLnBrk="1" latinLnBrk="0" hangingPunct="1">
-                  <a:lnSpc>
-                    <a:spcPct val="90000"/>
-                  </a:lnSpc>
-                  <a:spcBef>
-                    <a:spcPts val="500"/>
-                  </a:spcBef>
-                  <a:buFont typeface="Arial" panose="020B0604020202020204" pitchFamily="34" charset="0"/>
-                  <a:buChar char="•"/>
-                  <a:defRPr sz="1800" kern="1200">
-                    <a:solidFill>
-                      <a:schemeClr val="tx1"/>
-                    </a:solidFill>
-                    <a:latin typeface="+mn-lt"/>
-                    <a:ea typeface="+mn-ea"/>
-                    <a:cs typeface="+mn-cs"/>
-                  </a:defRPr>
-                </a:lvl4pPr>
-                <a:lvl5pPr marL="2057400" indent="-228600" algn="l" defTabSz="914400" rtl="0" eaLnBrk="1" latinLnBrk="0" hangingPunct="1">
-                  <a:lnSpc>
-                    <a:spcPct val="90000"/>
-                  </a:lnSpc>
-                  <a:spcBef>
-                    <a:spcPts val="500"/>
-                  </a:spcBef>
-                  <a:buFont typeface="Arial" panose="020B0604020202020204" pitchFamily="34" charset="0"/>
-                  <a:buChar char="•"/>
-                  <a:defRPr sz="1800" kern="1200">
-                    <a:solidFill>
-                      <a:schemeClr val="tx1"/>
-                    </a:solidFill>
-                    <a:latin typeface="+mn-lt"/>
-                    <a:ea typeface="+mn-ea"/>
-                    <a:cs typeface="+mn-cs"/>
-                  </a:defRPr>
-                </a:lvl5pPr>
-                <a:lvl6pPr marL="2514600" indent="-228600" algn="l" defTabSz="914400" rtl="0" eaLnBrk="1" latinLnBrk="0" hangingPunct="1">
-                  <a:lnSpc>
-                    <a:spcPct val="90000"/>
-                  </a:lnSpc>
-                  <a:spcBef>
-                    <a:spcPts val="500"/>
-                  </a:spcBef>
-                  <a:buFont typeface="Arial" panose="020B0604020202020204" pitchFamily="34" charset="0"/>
-                  <a:buChar char="•"/>
-                  <a:defRPr sz="1800" kern="1200">
-                    <a:solidFill>
-                      <a:schemeClr val="tx1"/>
-                    </a:solidFill>
-                    <a:latin typeface="+mn-lt"/>
-                    <a:ea typeface="+mn-ea"/>
-                    <a:cs typeface="+mn-cs"/>
-                  </a:defRPr>
-                </a:lvl6pPr>
-                <a:lvl7pPr marL="2971800" indent="-228600" algn="l" defTabSz="914400" rtl="0" eaLnBrk="1" latinLnBrk="0" hangingPunct="1">
-                  <a:lnSpc>
-                    <a:spcPct val="90000"/>
-                  </a:lnSpc>
-                  <a:spcBef>
-                    <a:spcPts val="500"/>
-                  </a:spcBef>
-                  <a:buFont typeface="Arial" panose="020B0604020202020204" pitchFamily="34" charset="0"/>
-                  <a:buChar char="•"/>
-                  <a:defRPr sz="1800" kern="1200">
-                    <a:solidFill>
-                      <a:schemeClr val="tx1"/>
-                    </a:solidFill>
-                    <a:latin typeface="+mn-lt"/>
-                    <a:ea typeface="+mn-ea"/>
-                    <a:cs typeface="+mn-cs"/>
-                  </a:defRPr>
-                </a:lvl7pPr>
-                <a:lvl8pPr marL="3429000" indent="-228600" algn="l" defTabSz="914400" rtl="0" eaLnBrk="1" latinLnBrk="0" hangingPunct="1">
-                  <a:lnSpc>
-                    <a:spcPct val="90000"/>
-                  </a:lnSpc>
-                  <a:spcBef>
-                    <a:spcPts val="500"/>
-                  </a:spcBef>
-                  <a:buFont typeface="Arial" panose="020B0604020202020204" pitchFamily="34" charset="0"/>
-                  <a:buChar char="•"/>
-                  <a:defRPr sz="1800" kern="1200">
-                    <a:solidFill>
-                      <a:schemeClr val="tx1"/>
-                    </a:solidFill>
-                    <a:latin typeface="+mn-lt"/>
-                    <a:ea typeface="+mn-ea"/>
-                    <a:cs typeface="+mn-cs"/>
-                  </a:defRPr>
-                </a:lvl8pPr>
-                <a:lvl9pPr marL="3886200" indent="-228600" algn="l" defTabSz="914400" rtl="0" eaLnBrk="1" latinLnBrk="0" hangingPunct="1">
-                  <a:lnSpc>
-                    <a:spcPct val="90000"/>
-                  </a:lnSpc>
-                  <a:spcBef>
-                    <a:spcPts val="500"/>
-                  </a:spcBef>
-                  <a:buFont typeface="Arial" panose="020B0604020202020204" pitchFamily="34" charset="0"/>
-                  <a:buChar char="•"/>
-                  <a:defRPr sz="1800" kern="1200">
-                    <a:solidFill>
-                      <a:schemeClr val="tx1"/>
-                    </a:solidFill>
-                    <a:latin typeface="+mn-lt"/>
-                    <a:ea typeface="+mn-ea"/>
-                    <a:cs typeface="+mn-cs"/>
-                  </a:defRPr>
-                </a:lvl9pPr>
-              </a:lstStyle>
-              <a:p>
-                <a:r>
-                  <a:rPr lang="zh-CN" altLang="en-US" dirty="0"/>
-                  <a:t>温度和磁场与线圈的电流在模型中的耦合，主要是源于它们与</a:t>
-                </a:r>
-                <a:r>
-                  <a:rPr lang="en-US" altLang="zh-CN" dirty="0"/>
-                  <a:t>REBCO</a:t>
-                </a:r>
-                <a:r>
-                  <a:rPr lang="zh-CN" altLang="en-US" dirty="0"/>
-                  <a:t>带材临界电流的关系</a:t>
-                </a:r>
-                <a:r>
-                  <a:rPr lang="en-US" altLang="zh-CN" dirty="0"/>
-                  <a:t>:</a:t>
-                </a:r>
-                <a:endParaRPr lang="en-US" altLang="zh-CN" i="1" dirty="0">
-                  <a:latin typeface="Cambria Math" panose="02040503050406030204" pitchFamily="18" charset="0"/>
-                </a:endParaRPr>
-              </a:p>
-              <a:p>
-                <a14:m>
-                  <m:oMath xmlns:m="http://schemas.openxmlformats.org/officeDocument/2006/math">
-                    <m:sSub>
-                      <m:sSubPr>
-                        <m:ctrlPr>
-                          <a:rPr lang="zh-CN" altLang="en-US" i="1">
-                            <a:latin typeface="Cambria Math" panose="02040503050406030204" pitchFamily="18" charset="0"/>
-                          </a:rPr>
-                        </m:ctrlPr>
-                      </m:sSubPr>
-                      <m:e>
-                        <m:r>
-                          <a:rPr lang="zh-CN" altLang="en-US" i="1">
-                            <a:latin typeface="Cambria Math" panose="02040503050406030204" pitchFamily="18" charset="0"/>
-                          </a:rPr>
-                          <m:t>𝐼</m:t>
-                        </m:r>
-                      </m:e>
-                      <m:sub>
-                        <m:r>
-                          <a:rPr lang="zh-CN" altLang="en-US" i="1">
-                            <a:latin typeface="Cambria Math" panose="02040503050406030204" pitchFamily="18" charset="0"/>
-                          </a:rPr>
-                          <m:t>𝑐</m:t>
-                        </m:r>
-                      </m:sub>
-                    </m:sSub>
-                    <m:r>
-                      <a:rPr lang="zh-CN" altLang="en-US">
-                        <a:latin typeface="Cambria Math" panose="02040503050406030204" pitchFamily="18" charset="0"/>
-                      </a:rPr>
-                      <m:t>=</m:t>
-                    </m:r>
-                    <m:sSub>
-                      <m:sSubPr>
-                        <m:ctrlPr>
-                          <a:rPr lang="zh-CN" altLang="en-US" i="1">
-                            <a:latin typeface="Cambria Math" panose="02040503050406030204" pitchFamily="18" charset="0"/>
-                          </a:rPr>
-                        </m:ctrlPr>
-                      </m:sSubPr>
-                      <m:e>
-                        <m:r>
-                          <a:rPr lang="zh-CN" altLang="en-US" i="1">
-                            <a:latin typeface="Cambria Math" panose="02040503050406030204" pitchFamily="18" charset="0"/>
-                          </a:rPr>
-                          <m:t>𝐼</m:t>
-                        </m:r>
-                      </m:e>
-                      <m:sub>
-                        <m:r>
-                          <a:rPr lang="zh-CN" altLang="en-US" i="1">
-                            <a:latin typeface="Cambria Math" panose="02040503050406030204" pitchFamily="18" charset="0"/>
-                          </a:rPr>
-                          <m:t>𝑐</m:t>
-                        </m:r>
-                        <m:r>
-                          <a:rPr lang="zh-CN" altLang="en-US">
-                            <a:latin typeface="Cambria Math" panose="02040503050406030204" pitchFamily="18" charset="0"/>
-                          </a:rPr>
-                          <m:t>0</m:t>
-                        </m:r>
-                      </m:sub>
-                    </m:sSub>
-                    <m:r>
-                      <a:rPr lang="zh-CN" altLang="en-US">
-                        <a:latin typeface="Cambria Math" panose="02040503050406030204" pitchFamily="18" charset="0"/>
-                      </a:rPr>
-                      <m:t>⋅</m:t>
-                    </m:r>
-                    <m:sSub>
-                      <m:sSubPr>
-                        <m:ctrlPr>
-                          <a:rPr lang="zh-CN" altLang="en-US" i="1">
-                            <a:latin typeface="Cambria Math" panose="02040503050406030204" pitchFamily="18" charset="0"/>
-                          </a:rPr>
-                        </m:ctrlPr>
-                      </m:sSubPr>
-                      <m:e>
-                        <m:r>
-                          <a:rPr lang="zh-CN" altLang="en-US" i="1">
-                            <a:latin typeface="Cambria Math" panose="02040503050406030204" pitchFamily="18" charset="0"/>
-                          </a:rPr>
-                          <m:t>𝜆</m:t>
-                        </m:r>
-                      </m:e>
-                      <m:sub>
-                        <m:r>
-                          <a:rPr lang="zh-CN" altLang="en-US" i="1">
-                            <a:latin typeface="Cambria Math" panose="02040503050406030204" pitchFamily="18" charset="0"/>
-                          </a:rPr>
-                          <m:t>𝑐𝑇</m:t>
-                        </m:r>
-                      </m:sub>
-                    </m:sSub>
-                    <m:d>
-                      <m:dPr>
-                        <m:ctrlPr>
-                          <a:rPr lang="zh-CN" altLang="en-US" i="1">
-                            <a:latin typeface="Cambria Math" panose="02040503050406030204" pitchFamily="18" charset="0"/>
-                          </a:rPr>
-                        </m:ctrlPr>
-                      </m:dPr>
-                      <m:e>
-                        <m:r>
-                          <a:rPr lang="zh-CN" altLang="en-US" i="1">
-                            <a:latin typeface="Cambria Math" panose="02040503050406030204" pitchFamily="18" charset="0"/>
-                          </a:rPr>
-                          <m:t>𝑇</m:t>
-                        </m:r>
-                      </m:e>
-                    </m:d>
-                    <m:r>
-                      <a:rPr lang="zh-CN" altLang="en-US">
-                        <a:latin typeface="Cambria Math" panose="02040503050406030204" pitchFamily="18" charset="0"/>
-                      </a:rPr>
-                      <m:t>⋅</m:t>
-                    </m:r>
-                    <m:sSub>
-                      <m:sSubPr>
-                        <m:ctrlPr>
-                          <a:rPr lang="zh-CN" altLang="en-US" i="1">
-                            <a:latin typeface="Cambria Math" panose="02040503050406030204" pitchFamily="18" charset="0"/>
-                          </a:rPr>
-                        </m:ctrlPr>
-                      </m:sSubPr>
-                      <m:e>
-                        <m:r>
-                          <a:rPr lang="zh-CN" altLang="en-US" i="1">
-                            <a:latin typeface="Cambria Math" panose="02040503050406030204" pitchFamily="18" charset="0"/>
-                          </a:rPr>
-                          <m:t>𝜆</m:t>
-                        </m:r>
-                      </m:e>
-                      <m:sub>
-                        <m:r>
-                          <a:rPr lang="zh-CN" altLang="en-US" i="1">
-                            <a:latin typeface="Cambria Math" panose="02040503050406030204" pitchFamily="18" charset="0"/>
-                          </a:rPr>
-                          <m:t>𝑐𝐵</m:t>
-                        </m:r>
-                      </m:sub>
-                    </m:sSub>
-                    <m:d>
-                      <m:dPr>
-                        <m:ctrlPr>
-                          <a:rPr lang="zh-CN" altLang="en-US" i="1">
-                            <a:latin typeface="Cambria Math" panose="02040503050406030204" pitchFamily="18" charset="0"/>
-                          </a:rPr>
-                        </m:ctrlPr>
-                      </m:dPr>
-                      <m:e>
-                        <m:r>
-                          <a:rPr lang="zh-CN" altLang="en-US" i="1">
-                            <a:latin typeface="Cambria Math" panose="02040503050406030204" pitchFamily="18" charset="0"/>
-                          </a:rPr>
-                          <m:t>𝐵</m:t>
-                        </m:r>
-                        <m:r>
-                          <a:rPr lang="zh-CN" altLang="en-US">
-                            <a:latin typeface="Cambria Math" panose="02040503050406030204" pitchFamily="18" charset="0"/>
-                          </a:rPr>
-                          <m:t>,</m:t>
-                        </m:r>
-                        <m:r>
-                          <m:rPr>
-                            <m:sty m:val="p"/>
-                          </m:rPr>
-                          <a:rPr lang="zh-CN" altLang="en-US">
-                            <a:latin typeface="Cambria Math" panose="02040503050406030204" pitchFamily="18" charset="0"/>
-                          </a:rPr>
-                          <m:t>θ</m:t>
-                        </m:r>
-                      </m:e>
-                    </m:d>
-                  </m:oMath>
-                </a14:m>
-                <a:endParaRPr lang="zh-CN" altLang="en-US" dirty="0"/>
-              </a:p>
-              <a:p>
-                <a:endParaRPr lang="zh-CN" altLang="en-US" dirty="0"/>
-              </a:p>
-            </p:txBody>
-          </p:sp>
-        </mc:Choice>
-        <mc:Fallback>
-          <p:sp>
-            <p:nvSpPr>
-              <p:cNvPr id="5" name="内容占位符 4">
-                <a:extLst>
-                  <a:ext uri="{FF2B5EF4-FFF2-40B4-BE49-F238E27FC236}">
-                    <a16:creationId xmlns:a16="http://schemas.microsoft.com/office/drawing/2014/main" id="{CD1D2125-07E1-989F-D27F-B947BD4641F6}"/>
-                  </a:ext>
-                </a:extLst>
-              </p:cNvPr>
-              <p:cNvSpPr txBox="1">
-                <a:spLocks noRot="1" noChangeAspect="1" noMove="1" noResize="1" noEditPoints="1" noAdjustHandles="1" noChangeArrowheads="1" noChangeShapeType="1" noTextEdit="1"/>
-              </p:cNvSpPr>
-              <p:nvPr/>
-            </p:nvSpPr>
-            <p:spPr>
-              <a:xfrm>
-                <a:off x="1482786" y="1197623"/>
-                <a:ext cx="8640000" cy="1532207"/>
-              </a:xfrm>
-              <a:prstGeom prst="rect">
-                <a:avLst/>
-              </a:prstGeom>
-              <a:blipFill>
-                <a:blip r:embed="rId2"/>
-                <a:stretch>
-                  <a:fillRect l="-1269" t="-7143" r="-564"/>
-                </a:stretch>
-              </a:blipFill>
-            </p:spPr>
-            <p:txBody>
-              <a:bodyPr/>
-              <a:lstStyle/>
-              <a:p>
-                <a:r>
-                  <a:rPr lang="zh-CN" altLang="en-US">
-                    <a:noFill/>
-                  </a:rPr>
-                  <a:t> </a:t>
-                </a:r>
-              </a:p>
-            </p:txBody>
-          </p:sp>
-        </mc:Fallback>
-      </mc:AlternateContent>
-      <mc:AlternateContent xmlns:mc="http://schemas.openxmlformats.org/markup-compatibility/2006">
-        <mc:Choice xmlns:a14="http://schemas.microsoft.com/office/drawing/2010/main" Requires="a14">
-          <p:sp>
-            <p:nvSpPr>
-              <p:cNvPr id="6" name="文本框 5">
-                <a:extLst>
-                  <a:ext uri="{FF2B5EF4-FFF2-40B4-BE49-F238E27FC236}">
-                    <a16:creationId xmlns:a16="http://schemas.microsoft.com/office/drawing/2014/main" id="{11B35215-5FDD-6636-1EF9-3E669BE09F5A}"/>
-                  </a:ext>
-                </a:extLst>
-              </p:cNvPr>
-              <p:cNvSpPr txBox="1"/>
-              <p:nvPr/>
-            </p:nvSpPr>
-            <p:spPr>
-              <a:xfrm>
-                <a:off x="1482786" y="3014011"/>
-                <a:ext cx="8640000" cy="1080552"/>
-              </a:xfrm>
-              <a:prstGeom prst="rect">
-                <a:avLst/>
-              </a:prstGeom>
-              <a:noFill/>
-            </p:spPr>
-            <p:txBody>
-              <a:bodyPr wrap="none" rtlCol="0">
-                <a:spAutoFit/>
-              </a:bodyPr>
-              <a:lstStyle/>
-              <a:p>
-                <a:pPr algn="l">
-                  <a:lnSpc>
-                    <a:spcPct val="120000"/>
-                  </a:lnSpc>
-                </a:pPr>
-                <a:r>
-                  <a:rPr lang="zh-CN" altLang="en-US" dirty="0"/>
-                  <a:t>在已知各位置电流的情况下，根据毕奥</a:t>
-                </a:r>
-                <a:r>
-                  <a:rPr lang="en-US" altLang="zh-CN" dirty="0"/>
-                  <a:t>-</a:t>
-                </a:r>
-                <a:r>
-                  <a:rPr lang="zh-CN" altLang="en-US" dirty="0"/>
-                  <a:t>萨伐尔的定律可以计算出每个位置的磁场：</a:t>
-                </a:r>
-                <a:endParaRPr lang="en-US" altLang="zh-CN" dirty="0"/>
-              </a:p>
-              <a:p>
-                <a:pPr algn="l">
-                  <a:lnSpc>
-                    <a:spcPct val="120000"/>
-                  </a:lnSpc>
-                </a:pPr>
-                <a14:m>
-                  <m:oMathPara xmlns:m="http://schemas.openxmlformats.org/officeDocument/2006/math">
-                    <m:oMathParaPr>
-                      <m:jc m:val="centerGroup"/>
-                    </m:oMathParaPr>
-                    <m:oMath xmlns:m="http://schemas.openxmlformats.org/officeDocument/2006/math">
-                      <m:r>
-                        <a:rPr lang="en-US" altLang="zh-CN" sz="1800" i="1" kern="100" smtClean="0">
-                          <a:effectLst/>
-                          <a:latin typeface="Cambria Math" panose="02040503050406030204" pitchFamily="18" charset="0"/>
-                          <a:ea typeface="宋体" panose="02010600030101010101" pitchFamily="2" charset="-122"/>
-                          <a:cs typeface="Times New Roman" panose="02020603050405020304" pitchFamily="18" charset="0"/>
-                        </a:rPr>
-                        <m:t>𝑑</m:t>
-                      </m:r>
-                      <m:acc>
-                        <m:accPr>
-                          <m:chr m:val="⃗"/>
-                          <m:ctrlPr>
-                            <a:rPr lang="zh-CN" altLang="zh-CN" i="1">
-                              <a:effectLst/>
-                              <a:latin typeface="Cambria Math" panose="02040503050406030204" pitchFamily="18" charset="0"/>
-                              <a:ea typeface="Cambria Math" panose="02040503050406030204" pitchFamily="18" charset="0"/>
-                            </a:rPr>
-                          </m:ctrlPr>
-                        </m:accPr>
-                        <m:e>
-                          <m:r>
-                            <a:rPr lang="en-US" altLang="zh-CN" sz="1800" i="1" kern="100">
-                              <a:effectLst/>
-                              <a:latin typeface="Cambria Math" panose="02040503050406030204" pitchFamily="18" charset="0"/>
-                              <a:ea typeface="宋体" panose="02010600030101010101" pitchFamily="2" charset="-122"/>
-                              <a:cs typeface="Times New Roman" panose="02020603050405020304" pitchFamily="18" charset="0"/>
-                            </a:rPr>
-                            <m:t>𝐵</m:t>
-                          </m:r>
-                        </m:e>
-                      </m:acc>
-                      <m:r>
-                        <a:rPr lang="en-US" altLang="zh-CN" sz="1800" i="1" kern="100">
-                          <a:effectLst/>
-                          <a:latin typeface="Cambria Math" panose="02040503050406030204" pitchFamily="18" charset="0"/>
-                          <a:ea typeface="宋体" panose="02010600030101010101" pitchFamily="2" charset="-122"/>
-                          <a:cs typeface="Times New Roman" panose="02020603050405020304" pitchFamily="18" charset="0"/>
-                        </a:rPr>
-                        <m:t>=</m:t>
-                      </m:r>
-                      <m:f>
-                        <m:fPr>
-                          <m:ctrlPr>
-                            <a:rPr lang="zh-CN" altLang="zh-CN" i="1">
-                              <a:effectLst/>
-                              <a:latin typeface="Cambria Math" panose="02040503050406030204" pitchFamily="18" charset="0"/>
-                              <a:ea typeface="Cambria Math" panose="02040503050406030204" pitchFamily="18" charset="0"/>
-                            </a:rPr>
-                          </m:ctrlPr>
-                        </m:fPr>
-                        <m:num>
-                          <m:sSub>
-                            <m:sSubPr>
-                              <m:ctrlPr>
-                                <a:rPr lang="zh-CN" altLang="zh-CN" i="1">
-                                  <a:effectLst/>
-                                  <a:latin typeface="Cambria Math" panose="02040503050406030204" pitchFamily="18" charset="0"/>
-                                  <a:ea typeface="Cambria Math" panose="02040503050406030204" pitchFamily="18" charset="0"/>
-                                </a:rPr>
-                              </m:ctrlPr>
-                            </m:sSubPr>
-                            <m:e>
-                              <m:r>
-                                <m:rPr>
-                                  <m:sty m:val="p"/>
-                                </m:rPr>
-                                <a:rPr lang="en-US" altLang="zh-CN" sz="1800" kern="100">
-                                  <a:effectLst/>
-                                  <a:latin typeface="Cambria Math" panose="02040503050406030204" pitchFamily="18" charset="0"/>
-                                  <a:ea typeface="宋体" panose="02010600030101010101" pitchFamily="2" charset="-122"/>
-                                  <a:cs typeface="Times New Roman" panose="02020603050405020304" pitchFamily="18" charset="0"/>
-                                </a:rPr>
-                                <m:t>μ</m:t>
-                              </m:r>
-                            </m:e>
-                            <m:sub>
-                              <m:r>
-                                <a:rPr lang="en-US" altLang="zh-CN" sz="1800" i="1" kern="100">
-                                  <a:effectLst/>
-                                  <a:latin typeface="Cambria Math" panose="02040503050406030204" pitchFamily="18" charset="0"/>
-                                  <a:ea typeface="宋体" panose="02010600030101010101" pitchFamily="2" charset="-122"/>
-                                  <a:cs typeface="Times New Roman" panose="02020603050405020304" pitchFamily="18" charset="0"/>
-                                </a:rPr>
-                                <m:t>0</m:t>
-                              </m:r>
-                            </m:sub>
-                          </m:sSub>
-                        </m:num>
-                        <m:den>
-                          <m:r>
-                            <a:rPr lang="en-US" altLang="zh-CN" sz="1800" i="1" kern="100">
-                              <a:effectLst/>
-                              <a:latin typeface="Cambria Math" panose="02040503050406030204" pitchFamily="18" charset="0"/>
-                              <a:ea typeface="宋体" panose="02010600030101010101" pitchFamily="2" charset="-122"/>
-                              <a:cs typeface="Times New Roman" panose="02020603050405020304" pitchFamily="18" charset="0"/>
-                            </a:rPr>
-                            <m:t>4</m:t>
-                          </m:r>
-                          <m:r>
-                            <m:rPr>
-                              <m:sty m:val="p"/>
-                            </m:rPr>
-                            <a:rPr lang="en-US" altLang="zh-CN" sz="1800" kern="100">
-                              <a:effectLst/>
-                              <a:latin typeface="Cambria Math" panose="02040503050406030204" pitchFamily="18" charset="0"/>
-                              <a:ea typeface="宋体" panose="02010600030101010101" pitchFamily="2" charset="-122"/>
-                              <a:cs typeface="Times New Roman" panose="02020603050405020304" pitchFamily="18" charset="0"/>
-                            </a:rPr>
-                            <m:t>π</m:t>
-                          </m:r>
-                        </m:den>
-                      </m:f>
-                      <m:r>
-                        <a:rPr lang="en-US" altLang="zh-CN" sz="1800" kern="100">
-                          <a:effectLst/>
-                          <a:latin typeface="Cambria Math" panose="02040503050406030204" pitchFamily="18" charset="0"/>
-                          <a:ea typeface="宋体" panose="02010600030101010101" pitchFamily="2" charset="-122"/>
-                          <a:cs typeface="Times New Roman" panose="02020603050405020304" pitchFamily="18" charset="0"/>
-                        </a:rPr>
-                        <m:t>⋅</m:t>
-                      </m:r>
-                      <m:f>
-                        <m:fPr>
-                          <m:ctrlPr>
-                            <a:rPr lang="zh-CN" altLang="zh-CN" i="1">
-                              <a:effectLst/>
-                              <a:latin typeface="Cambria Math" panose="02040503050406030204" pitchFamily="18" charset="0"/>
-                              <a:ea typeface="Cambria Math" panose="02040503050406030204" pitchFamily="18" charset="0"/>
-                            </a:rPr>
-                          </m:ctrlPr>
-                        </m:fPr>
-                        <m:num>
-                          <m:r>
-                            <a:rPr lang="en-US" altLang="zh-CN" sz="1800" i="1" kern="100">
-                              <a:effectLst/>
-                              <a:latin typeface="Cambria Math" panose="02040503050406030204" pitchFamily="18" charset="0"/>
-                              <a:ea typeface="宋体" panose="02010600030101010101" pitchFamily="2" charset="-122"/>
-                              <a:cs typeface="Times New Roman" panose="02020603050405020304" pitchFamily="18" charset="0"/>
-                            </a:rPr>
-                            <m:t>𝐼𝑑𝑙</m:t>
-                          </m:r>
-                          <m:r>
-                            <a:rPr lang="zh-CN" altLang="zh-CN" sz="1800" kern="100">
-                              <a:effectLst/>
-                              <a:latin typeface="Cambria Math" panose="02040503050406030204" pitchFamily="18" charset="0"/>
-                              <a:ea typeface="宋体" panose="02010600030101010101" pitchFamily="2" charset="-122"/>
-                              <a:cs typeface="Times New Roman" panose="02020603050405020304" pitchFamily="18" charset="0"/>
-                            </a:rPr>
-                            <m:t>×</m:t>
-                          </m:r>
-                          <m:acc>
-                            <m:accPr>
-                              <m:chr m:val="⃗"/>
-                              <m:ctrlPr>
-                                <a:rPr lang="zh-CN" altLang="zh-CN" i="1">
-                                  <a:effectLst/>
-                                  <a:latin typeface="Cambria Math" panose="02040503050406030204" pitchFamily="18" charset="0"/>
-                                  <a:ea typeface="Cambria Math" panose="02040503050406030204" pitchFamily="18" charset="0"/>
-                                </a:rPr>
-                              </m:ctrlPr>
-                            </m:accPr>
-                            <m:e>
-                              <m:r>
-                                <a:rPr lang="en-US" altLang="zh-CN" sz="1800" i="1" kern="100">
-                                  <a:effectLst/>
-                                  <a:latin typeface="Cambria Math" panose="02040503050406030204" pitchFamily="18" charset="0"/>
-                                  <a:ea typeface="宋体" panose="02010600030101010101" pitchFamily="2" charset="-122"/>
-                                  <a:cs typeface="Times New Roman" panose="02020603050405020304" pitchFamily="18" charset="0"/>
-                                </a:rPr>
-                                <m:t>𝑟</m:t>
-                              </m:r>
-                            </m:e>
-                          </m:acc>
-                        </m:num>
-                        <m:den>
-                          <m:sSup>
-                            <m:sSupPr>
-                              <m:ctrlPr>
-                                <a:rPr lang="zh-CN" altLang="zh-CN" i="1">
-                                  <a:effectLst/>
-                                  <a:latin typeface="Cambria Math" panose="02040503050406030204" pitchFamily="18" charset="0"/>
-                                  <a:ea typeface="Cambria Math" panose="02040503050406030204" pitchFamily="18" charset="0"/>
-                                </a:rPr>
-                              </m:ctrlPr>
-                            </m:sSupPr>
-                            <m:e>
-                              <m:r>
-                                <a:rPr lang="en-US" altLang="zh-CN" sz="1800" i="1" kern="100">
-                                  <a:effectLst/>
-                                  <a:latin typeface="Cambria Math" panose="02040503050406030204" pitchFamily="18" charset="0"/>
-                                  <a:ea typeface="宋体" panose="02010600030101010101" pitchFamily="2" charset="-122"/>
-                                  <a:cs typeface="Times New Roman" panose="02020603050405020304" pitchFamily="18" charset="0"/>
-                                </a:rPr>
-                                <m:t>𝑟</m:t>
-                              </m:r>
-                            </m:e>
-                            <m:sup>
-                              <m:r>
-                                <a:rPr lang="en-US" altLang="zh-CN" sz="1800" i="1" kern="100">
-                                  <a:effectLst/>
-                                  <a:latin typeface="Cambria Math" panose="02040503050406030204" pitchFamily="18" charset="0"/>
-                                  <a:ea typeface="宋体" panose="02010600030101010101" pitchFamily="2" charset="-122"/>
-                                  <a:cs typeface="Times New Roman" panose="02020603050405020304" pitchFamily="18" charset="0"/>
-                                </a:rPr>
-                                <m:t>3</m:t>
-                              </m:r>
-                            </m:sup>
-                          </m:sSup>
-                        </m:den>
-                      </m:f>
-                    </m:oMath>
-                  </m:oMathPara>
-                </a14:m>
-                <a:endParaRPr lang="zh-CN" altLang="en-US" dirty="0"/>
-              </a:p>
-            </p:txBody>
-          </p:sp>
-        </mc:Choice>
-        <mc:Fallback>
-          <p:sp>
-            <p:nvSpPr>
-              <p:cNvPr id="6" name="文本框 5">
-                <a:extLst>
-                  <a:ext uri="{FF2B5EF4-FFF2-40B4-BE49-F238E27FC236}">
-                    <a16:creationId xmlns:a16="http://schemas.microsoft.com/office/drawing/2014/main" id="{11B35215-5FDD-6636-1EF9-3E669BE09F5A}"/>
-                  </a:ext>
-                </a:extLst>
-              </p:cNvPr>
-              <p:cNvSpPr txBox="1">
-                <a:spLocks noRot="1" noChangeAspect="1" noMove="1" noResize="1" noEditPoints="1" noAdjustHandles="1" noChangeArrowheads="1" noChangeShapeType="1" noTextEdit="1"/>
-              </p:cNvSpPr>
-              <p:nvPr/>
-            </p:nvSpPr>
-            <p:spPr>
-              <a:xfrm>
-                <a:off x="1482786" y="3014011"/>
-                <a:ext cx="8640000" cy="1080552"/>
-              </a:xfrm>
-              <a:prstGeom prst="rect">
-                <a:avLst/>
-              </a:prstGeom>
-              <a:blipFill>
-                <a:blip r:embed="rId3"/>
-                <a:stretch>
-                  <a:fillRect l="-564"/>
-                </a:stretch>
-              </a:blipFill>
-            </p:spPr>
-            <p:txBody>
-              <a:bodyPr/>
-              <a:lstStyle/>
-              <a:p>
-                <a:r>
-                  <a:rPr lang="zh-CN" altLang="en-US">
-                    <a:noFill/>
-                  </a:rPr>
-                  <a:t> </a:t>
-                </a:r>
-              </a:p>
-            </p:txBody>
-          </p:sp>
-        </mc:Fallback>
-      </mc:AlternateContent>
-      <p:sp>
-        <p:nvSpPr>
-          <p:cNvPr id="7" name="文本框 6">
-            <a:extLst>
-              <a:ext uri="{FF2B5EF4-FFF2-40B4-BE49-F238E27FC236}">
-                <a16:creationId xmlns:a16="http://schemas.microsoft.com/office/drawing/2014/main" id="{96A3D9D4-384C-DD76-4766-B27999CB79DA}"/>
-              </a:ext>
-            </a:extLst>
-          </p:cNvPr>
-          <p:cNvSpPr txBox="1"/>
-          <p:nvPr/>
-        </p:nvSpPr>
-        <p:spPr>
-          <a:xfrm>
-            <a:off x="1482786" y="4656563"/>
-            <a:ext cx="8640000" cy="1393715"/>
-          </a:xfrm>
-          <a:prstGeom prst="rect">
-            <a:avLst/>
-          </a:prstGeom>
-          <a:noFill/>
-        </p:spPr>
-        <p:txBody>
-          <a:bodyPr wrap="square" rtlCol="0">
-            <a:spAutoFit/>
-          </a:bodyPr>
-          <a:lstStyle/>
-          <a:p>
-            <a:pPr algn="l">
-              <a:lnSpc>
-                <a:spcPct val="120000"/>
-              </a:lnSpc>
-            </a:pPr>
-            <a:r>
-              <a:rPr lang="zh-CN" altLang="en-US" dirty="0"/>
-              <a:t>计算磁场时模型只考虑了环向电流，而没有考虑径向电流</a:t>
-            </a:r>
-            <a:endParaRPr lang="en-US" altLang="zh-CN" dirty="0"/>
-          </a:p>
-          <a:p>
-            <a:pPr marL="342900" indent="-342900" algn="l">
-              <a:lnSpc>
-                <a:spcPct val="120000"/>
-              </a:lnSpc>
-              <a:buAutoNum type="arabicPeriod"/>
-            </a:pPr>
-            <a:r>
-              <a:rPr lang="zh-CN" altLang="en-US" dirty="0"/>
-              <a:t>在正常励磁过程中产生的径向电流很小</a:t>
-            </a:r>
-            <a:endParaRPr lang="en-US" altLang="zh-CN" dirty="0"/>
-          </a:p>
-          <a:p>
-            <a:pPr marL="342900" indent="-342900" algn="l">
-              <a:lnSpc>
-                <a:spcPct val="120000"/>
-              </a:lnSpc>
-              <a:buAutoNum type="arabicPeriod"/>
-            </a:pPr>
-            <a:r>
-              <a:rPr lang="zh-CN" altLang="en-US" dirty="0"/>
-              <a:t>径向电流的流向与导线表面垂直，所以径向电流产生的磁场对线圈临界电流的影响比较小。</a:t>
-            </a:r>
-          </a:p>
-        </p:txBody>
-      </p:sp>
+      </p:pic>
     </p:spTree>
     <p:extLst>
       <p:ext uri="{BB962C8B-B14F-4D97-AF65-F5344CB8AC3E}">
-        <p14:creationId xmlns:p14="http://schemas.microsoft.com/office/powerpoint/2010/main" val="3209259687"/>
+        <p14:creationId xmlns:p14="http://schemas.microsoft.com/office/powerpoint/2010/main" val="2305205502"/>
       </p:ext>
     </p:extLst>
   </p:cSld>
   <p:clrMapOvr>
     <a:masterClrMapping/>
   </p:clrMapOvr>
-  <p:timing>
-    <p:tnLst>
-      <p:par>
-        <p:cTn id="1" dur="indefinite" restart="never" nodeType="tmRoot">
-          <p:childTnLst>
-            <p:seq concurrent="1" nextAc="seek">
-              <p:cTn id="2" dur="indefinite" nodeType="mainSeq">
-                <p:childTnLst>
-                  <p:par>
-                    <p:cTn id="3" fill="hold">
-                      <p:stCondLst>
-                        <p:cond delay="indefinite"/>
-                      </p:stCondLst>
-                      <p:childTnLst>
-                        <p:par>
-                          <p:cTn id="4" fill="hold">
-                            <p:stCondLst>
-                              <p:cond delay="0"/>
-                            </p:stCondLst>
-                            <p:childTnLst>
-                              <p:par>
-                                <p:cTn id="5" presetID="10" presetClass="entr" presetSubtype="0" fill="hold" grpId="0" nodeType="clickEffect">
-                                  <p:stCondLst>
-                                    <p:cond delay="0"/>
-                                  </p:stCondLst>
-                                  <p:childTnLst>
-                                    <p:set>
-                                      <p:cBhvr>
-                                        <p:cTn id="6" dur="1" fill="hold">
-                                          <p:stCondLst>
-                                            <p:cond delay="0"/>
-                                          </p:stCondLst>
-                                        </p:cTn>
-                                        <p:tgtEl>
-                                          <p:spTgt spid="6"/>
-                                        </p:tgtEl>
-                                        <p:attrNameLst>
-                                          <p:attrName>style.visibility</p:attrName>
-                                        </p:attrNameLst>
-                                      </p:cBhvr>
-                                      <p:to>
-                                        <p:strVal val="visible"/>
-                                      </p:to>
-                                    </p:set>
-                                    <p:animEffect transition="in" filter="fade">
-                                      <p:cBhvr>
-                                        <p:cTn id="7" dur="500"/>
-                                        <p:tgtEl>
-                                          <p:spTgt spid="6"/>
-                                        </p:tgtEl>
-                                      </p:cBhvr>
-                                    </p:animEffect>
-                                  </p:childTnLst>
-                                </p:cTn>
-                              </p:par>
-                            </p:childTnLst>
-                          </p:cTn>
-                        </p:par>
-                      </p:childTnLst>
-                    </p:cTn>
-                  </p:par>
-                  <p:par>
-                    <p:cTn id="8" fill="hold">
-                      <p:stCondLst>
-                        <p:cond delay="indefinite"/>
-                      </p:stCondLst>
-                      <p:childTnLst>
-                        <p:par>
-                          <p:cTn id="9" fill="hold">
-                            <p:stCondLst>
-                              <p:cond delay="0"/>
-                            </p:stCondLst>
-                            <p:childTnLst>
-                              <p:par>
-                                <p:cTn id="10" presetID="10" presetClass="entr" presetSubtype="0" fill="hold" grpId="0" nodeType="clickEffect">
-                                  <p:stCondLst>
-                                    <p:cond delay="0"/>
-                                  </p:stCondLst>
-                                  <p:childTnLst>
-                                    <p:set>
-                                      <p:cBhvr>
-                                        <p:cTn id="11" dur="1" fill="hold">
-                                          <p:stCondLst>
-                                            <p:cond delay="0"/>
-                                          </p:stCondLst>
-                                        </p:cTn>
-                                        <p:tgtEl>
-                                          <p:spTgt spid="7"/>
-                                        </p:tgtEl>
-                                        <p:attrNameLst>
-                                          <p:attrName>style.visibility</p:attrName>
-                                        </p:attrNameLst>
-                                      </p:cBhvr>
-                                      <p:to>
-                                        <p:strVal val="visible"/>
-                                      </p:to>
-                                    </p:set>
-                                    <p:animEffect transition="in" filter="fade">
-                                      <p:cBhvr>
-                                        <p:cTn id="12" dur="500"/>
-                                        <p:tgtEl>
-                                          <p:spTgt spid="7"/>
-                                        </p:tgtEl>
-                                      </p:cBhvr>
-                                    </p:animEffect>
-                                  </p:childTnLst>
-                                </p:cTn>
-                              </p:par>
-                            </p:childTnLst>
-                          </p:cTn>
-                        </p:par>
-                      </p:childTnLst>
-                    </p:cTn>
-                  </p:par>
-                </p:childTnLst>
-              </p:cTn>
-              <p:prevCondLst>
-                <p:cond evt="onPrev" delay="0">
-                  <p:tgtEl>
-                    <p:sldTgt/>
-                  </p:tgtEl>
-                </p:cond>
-              </p:prevCondLst>
-              <p:nextCondLst>
-                <p:cond evt="onNext" delay="0">
-                  <p:tgtEl>
-                    <p:sldTgt/>
-                  </p:tgtEl>
-                </p:cond>
-              </p:nextCondLst>
-            </p:seq>
-          </p:childTnLst>
-        </p:cTn>
-      </p:par>
-    </p:tnLst>
-    <p:bldLst>
-      <p:bldP spid="6" grpId="0"/>
-      <p:bldP spid="7" grpId="0"/>
-    </p:bldLst>
-  </p:timing>
 </p:sld>
 </file>
 

--- a/讲解.pptx
+++ b/讲解.pptx
@@ -269,7 +269,7 @@
           <a:p>
             <a:fld id="{03381E8C-75EC-4E41-AB04-421C19888D14}" type="datetimeFigureOut">
               <a:rPr lang="zh-CN" altLang="en-US" smtClean="0"/>
-              <a:t>2024/7/30</a:t>
+              <a:t>2024/8/5</a:t>
             </a:fld>
             <a:endParaRPr lang="zh-CN" altLang="en-US"/>
           </a:p>
@@ -467,7 +467,7 @@
           <a:p>
             <a:fld id="{03381E8C-75EC-4E41-AB04-421C19888D14}" type="datetimeFigureOut">
               <a:rPr lang="zh-CN" altLang="en-US" smtClean="0"/>
-              <a:t>2024/7/30</a:t>
+              <a:t>2024/8/5</a:t>
             </a:fld>
             <a:endParaRPr lang="zh-CN" altLang="en-US"/>
           </a:p>
@@ -675,7 +675,7 @@
           <a:p>
             <a:fld id="{03381E8C-75EC-4E41-AB04-421C19888D14}" type="datetimeFigureOut">
               <a:rPr lang="zh-CN" altLang="en-US" smtClean="0"/>
-              <a:t>2024/7/30</a:t>
+              <a:t>2024/8/5</a:t>
             </a:fld>
             <a:endParaRPr lang="zh-CN" altLang="en-US"/>
           </a:p>
@@ -873,7 +873,7 @@
           <a:p>
             <a:fld id="{03381E8C-75EC-4E41-AB04-421C19888D14}" type="datetimeFigureOut">
               <a:rPr lang="zh-CN" altLang="en-US" smtClean="0"/>
-              <a:t>2024/7/30</a:t>
+              <a:t>2024/8/5</a:t>
             </a:fld>
             <a:endParaRPr lang="zh-CN" altLang="en-US"/>
           </a:p>
@@ -1148,7 +1148,7 @@
           <a:p>
             <a:fld id="{03381E8C-75EC-4E41-AB04-421C19888D14}" type="datetimeFigureOut">
               <a:rPr lang="zh-CN" altLang="en-US" smtClean="0"/>
-              <a:t>2024/7/30</a:t>
+              <a:t>2024/8/5</a:t>
             </a:fld>
             <a:endParaRPr lang="zh-CN" altLang="en-US"/>
           </a:p>
@@ -1413,7 +1413,7 @@
           <a:p>
             <a:fld id="{03381E8C-75EC-4E41-AB04-421C19888D14}" type="datetimeFigureOut">
               <a:rPr lang="zh-CN" altLang="en-US" smtClean="0"/>
-              <a:t>2024/7/30</a:t>
+              <a:t>2024/8/5</a:t>
             </a:fld>
             <a:endParaRPr lang="zh-CN" altLang="en-US"/>
           </a:p>
@@ -1825,7 +1825,7 @@
           <a:p>
             <a:fld id="{03381E8C-75EC-4E41-AB04-421C19888D14}" type="datetimeFigureOut">
               <a:rPr lang="zh-CN" altLang="en-US" smtClean="0"/>
-              <a:t>2024/7/30</a:t>
+              <a:t>2024/8/5</a:t>
             </a:fld>
             <a:endParaRPr lang="zh-CN" altLang="en-US"/>
           </a:p>
@@ -1966,7 +1966,7 @@
           <a:p>
             <a:fld id="{03381E8C-75EC-4E41-AB04-421C19888D14}" type="datetimeFigureOut">
               <a:rPr lang="zh-CN" altLang="en-US" smtClean="0"/>
-              <a:t>2024/7/30</a:t>
+              <a:t>2024/8/5</a:t>
             </a:fld>
             <a:endParaRPr lang="zh-CN" altLang="en-US"/>
           </a:p>
@@ -2079,7 +2079,7 @@
           <a:p>
             <a:fld id="{03381E8C-75EC-4E41-AB04-421C19888D14}" type="datetimeFigureOut">
               <a:rPr lang="zh-CN" altLang="en-US" smtClean="0"/>
-              <a:t>2024/7/30</a:t>
+              <a:t>2024/8/5</a:t>
             </a:fld>
             <a:endParaRPr lang="zh-CN" altLang="en-US"/>
           </a:p>
@@ -2390,7 +2390,7 @@
           <a:p>
             <a:fld id="{03381E8C-75EC-4E41-AB04-421C19888D14}" type="datetimeFigureOut">
               <a:rPr lang="zh-CN" altLang="en-US" smtClean="0"/>
-              <a:t>2024/7/30</a:t>
+              <a:t>2024/8/5</a:t>
             </a:fld>
             <a:endParaRPr lang="zh-CN" altLang="en-US"/>
           </a:p>
@@ -2678,7 +2678,7 @@
           <a:p>
             <a:fld id="{03381E8C-75EC-4E41-AB04-421C19888D14}" type="datetimeFigureOut">
               <a:rPr lang="zh-CN" altLang="en-US" smtClean="0"/>
-              <a:t>2024/7/30</a:t>
+              <a:t>2024/8/5</a:t>
             </a:fld>
             <a:endParaRPr lang="zh-CN" altLang="en-US"/>
           </a:p>
@@ -2919,7 +2919,7 @@
           <a:p>
             <a:fld id="{03381E8C-75EC-4E41-AB04-421C19888D14}" type="datetimeFigureOut">
               <a:rPr lang="zh-CN" altLang="en-US" smtClean="0"/>
-              <a:t>2024/7/30</a:t>
+              <a:t>2024/8/5</a:t>
             </a:fld>
             <a:endParaRPr lang="zh-CN" altLang="en-US"/>
           </a:p>
@@ -7958,7 +7958,7 @@
                 </a:lnSpc>
               </a:pPr>
               <a:r>
-                <a:rPr lang="zh-CN" sz="1200" kern="100">
+                <a:rPr lang="zh-CN" altLang="en-US" sz="1200" kern="100" dirty="0">
                   <a:solidFill>
                     <a:schemeClr val="bg1"/>
                   </a:solidFill>
@@ -7966,7 +7966,18 @@
                   <a:latin typeface="+mn-ea"/>
                   <a:cs typeface="宋体" panose="02010600030101010101" pitchFamily="2" charset="-122"/>
                 </a:rPr>
-                <a:t>热传导矩阵</a:t>
+                <a:t>温度</a:t>
+              </a:r>
+              <a:r>
+                <a:rPr lang="zh-CN" sz="1200" kern="100" dirty="0">
+                  <a:solidFill>
+                    <a:schemeClr val="bg1"/>
+                  </a:solidFill>
+                  <a:effectLst/>
+                  <a:latin typeface="+mn-ea"/>
+                  <a:cs typeface="宋体" panose="02010600030101010101" pitchFamily="2" charset="-122"/>
+                </a:rPr>
+                <a:t>矩阵</a:t>
               </a:r>
             </a:p>
           </p:txBody>
@@ -8025,7 +8036,7 @@
                 </a:lnSpc>
               </a:pPr>
               <a:r>
-                <a:rPr lang="zh-CN" sz="1200" kern="100">
+                <a:rPr lang="zh-CN" sz="1200" kern="100" dirty="0">
                   <a:solidFill>
                     <a:schemeClr val="bg1"/>
                   </a:solidFill>

--- a/讲解.pptx
+++ b/讲解.pptx
@@ -4,6 +4,9 @@
   <p:sldMasterIdLst>
     <p:sldMasterId id="2147483648" r:id="rId1"/>
   </p:sldMasterIdLst>
+  <p:notesMasterIdLst>
+    <p:notesMasterId r:id="rId14"/>
+  </p:notesMasterIdLst>
   <p:sldIdLst>
     <p:sldId id="256" r:id="rId2"/>
     <p:sldId id="266" r:id="rId3"/>
@@ -12,10 +15,11 @@
     <p:sldId id="262" r:id="rId6"/>
     <p:sldId id="264" r:id="rId7"/>
     <p:sldId id="267" r:id="rId8"/>
-    <p:sldId id="257" r:id="rId9"/>
-    <p:sldId id="261" r:id="rId10"/>
-    <p:sldId id="259" r:id="rId11"/>
-    <p:sldId id="258" r:id="rId12"/>
+    <p:sldId id="306" r:id="rId9"/>
+    <p:sldId id="257" r:id="rId10"/>
+    <p:sldId id="261" r:id="rId11"/>
+    <p:sldId id="259" r:id="rId12"/>
+    <p:sldId id="258" r:id="rId13"/>
   </p:sldIdLst>
   <p:sldSz cx="12192000" cy="6858000"/>
   <p:notesSz cx="6858000" cy="9144000"/>
@@ -122,6 +126,477 @@
 </p:presentation>
 </file>
 
+<file path=ppt/notesMasters/notesMaster1.xml><?xml version="1.0" encoding="utf-8"?>
+<p:notesMaster xmlns:a="http://schemas.openxmlformats.org/drawingml/2006/main" xmlns:r="http://schemas.openxmlformats.org/officeDocument/2006/relationships" xmlns:p="http://schemas.openxmlformats.org/presentationml/2006/main">
+  <p:cSld>
+    <p:bg>
+      <p:bgRef idx="1001">
+        <a:schemeClr val="bg1"/>
+      </p:bgRef>
+    </p:bg>
+    <p:spTree>
+      <p:nvGrpSpPr>
+        <p:cNvPr id="1" name=""/>
+        <p:cNvGrpSpPr/>
+        <p:nvPr/>
+      </p:nvGrpSpPr>
+      <p:grpSpPr>
+        <a:xfrm>
+          <a:off x="0" y="0"/>
+          <a:ext cx="0" cy="0"/>
+          <a:chOff x="0" y="0"/>
+          <a:chExt cx="0" cy="0"/>
+        </a:xfrm>
+      </p:grpSpPr>
+      <p:sp>
+        <p:nvSpPr>
+          <p:cNvPr id="2" name="页眉占位符 1"/>
+          <p:cNvSpPr>
+            <a:spLocks noGrp="1"/>
+          </p:cNvSpPr>
+          <p:nvPr>
+            <p:ph type="hdr" sz="quarter"/>
+          </p:nvPr>
+        </p:nvSpPr>
+        <p:spPr>
+          <a:xfrm>
+            <a:off x="0" y="0"/>
+            <a:ext cx="2971800" cy="458788"/>
+          </a:xfrm>
+          <a:prstGeom prst="rect">
+            <a:avLst/>
+          </a:prstGeom>
+        </p:spPr>
+        <p:txBody>
+          <a:bodyPr vert="horz" lIns="91440" tIns="45720" rIns="91440" bIns="45720" rtlCol="0"/>
+          <a:lstStyle>
+            <a:lvl1pPr algn="l">
+              <a:defRPr sz="1200"/>
+            </a:lvl1pPr>
+          </a:lstStyle>
+          <a:p>
+            <a:endParaRPr lang="zh-CN" altLang="en-US"/>
+          </a:p>
+        </p:txBody>
+      </p:sp>
+      <p:sp>
+        <p:nvSpPr>
+          <p:cNvPr id="3" name="日期占位符 2"/>
+          <p:cNvSpPr>
+            <a:spLocks noGrp="1"/>
+          </p:cNvSpPr>
+          <p:nvPr>
+            <p:ph type="dt" idx="1"/>
+          </p:nvPr>
+        </p:nvSpPr>
+        <p:spPr>
+          <a:xfrm>
+            <a:off x="3884613" y="0"/>
+            <a:ext cx="2971800" cy="458788"/>
+          </a:xfrm>
+          <a:prstGeom prst="rect">
+            <a:avLst/>
+          </a:prstGeom>
+        </p:spPr>
+        <p:txBody>
+          <a:bodyPr vert="horz" lIns="91440" tIns="45720" rIns="91440" bIns="45720" rtlCol="0"/>
+          <a:lstStyle>
+            <a:lvl1pPr algn="r">
+              <a:defRPr sz="1200"/>
+            </a:lvl1pPr>
+          </a:lstStyle>
+          <a:p>
+            <a:fld id="{4AF65A8D-9865-497E-9D19-801E16D73999}" type="datetimeFigureOut">
+              <a:rPr lang="zh-CN" altLang="en-US" smtClean="0"/>
+              <a:t>2024/8/5</a:t>
+            </a:fld>
+            <a:endParaRPr lang="zh-CN" altLang="en-US"/>
+          </a:p>
+        </p:txBody>
+      </p:sp>
+      <p:sp>
+        <p:nvSpPr>
+          <p:cNvPr id="4" name="幻灯片图像占位符 3"/>
+          <p:cNvSpPr>
+            <a:spLocks noGrp="1" noRot="1" noChangeAspect="1"/>
+          </p:cNvSpPr>
+          <p:nvPr>
+            <p:ph type="sldImg" idx="2"/>
+          </p:nvPr>
+        </p:nvSpPr>
+        <p:spPr>
+          <a:xfrm>
+            <a:off x="685800" y="1143000"/>
+            <a:ext cx="5486400" cy="3086100"/>
+          </a:xfrm>
+          <a:prstGeom prst="rect">
+            <a:avLst/>
+          </a:prstGeom>
+          <a:noFill/>
+          <a:ln w="12700">
+            <a:solidFill>
+              <a:prstClr val="black"/>
+            </a:solidFill>
+          </a:ln>
+        </p:spPr>
+        <p:txBody>
+          <a:bodyPr vert="horz" lIns="91440" tIns="45720" rIns="91440" bIns="45720" rtlCol="0" anchor="ctr"/>
+          <a:lstStyle/>
+          <a:p>
+            <a:endParaRPr lang="zh-CN" altLang="en-US"/>
+          </a:p>
+        </p:txBody>
+      </p:sp>
+      <p:sp>
+        <p:nvSpPr>
+          <p:cNvPr id="5" name="备注占位符 4"/>
+          <p:cNvSpPr>
+            <a:spLocks noGrp="1"/>
+          </p:cNvSpPr>
+          <p:nvPr>
+            <p:ph type="body" sz="quarter" idx="3"/>
+          </p:nvPr>
+        </p:nvSpPr>
+        <p:spPr>
+          <a:xfrm>
+            <a:off x="685800" y="4400550"/>
+            <a:ext cx="5486400" cy="3600450"/>
+          </a:xfrm>
+          <a:prstGeom prst="rect">
+            <a:avLst/>
+          </a:prstGeom>
+        </p:spPr>
+        <p:txBody>
+          <a:bodyPr vert="horz" lIns="91440" tIns="45720" rIns="91440" bIns="45720" rtlCol="0"/>
+          <a:lstStyle/>
+          <a:p>
+            <a:pPr lvl="0"/>
+            <a:r>
+              <a:rPr lang="zh-CN" altLang="en-US"/>
+              <a:t>单击此处编辑母版文本样式</a:t>
+            </a:r>
+          </a:p>
+          <a:p>
+            <a:pPr lvl="1"/>
+            <a:r>
+              <a:rPr lang="zh-CN" altLang="en-US"/>
+              <a:t>二级</a:t>
+            </a:r>
+          </a:p>
+          <a:p>
+            <a:pPr lvl="2"/>
+            <a:r>
+              <a:rPr lang="zh-CN" altLang="en-US"/>
+              <a:t>三级</a:t>
+            </a:r>
+          </a:p>
+          <a:p>
+            <a:pPr lvl="3"/>
+            <a:r>
+              <a:rPr lang="zh-CN" altLang="en-US"/>
+              <a:t>四级</a:t>
+            </a:r>
+          </a:p>
+          <a:p>
+            <a:pPr lvl="4"/>
+            <a:r>
+              <a:rPr lang="zh-CN" altLang="en-US"/>
+              <a:t>五级</a:t>
+            </a:r>
+          </a:p>
+        </p:txBody>
+      </p:sp>
+      <p:sp>
+        <p:nvSpPr>
+          <p:cNvPr id="6" name="页脚占位符 5"/>
+          <p:cNvSpPr>
+            <a:spLocks noGrp="1"/>
+          </p:cNvSpPr>
+          <p:nvPr>
+            <p:ph type="ftr" sz="quarter" idx="4"/>
+          </p:nvPr>
+        </p:nvSpPr>
+        <p:spPr>
+          <a:xfrm>
+            <a:off x="0" y="8685213"/>
+            <a:ext cx="2971800" cy="458787"/>
+          </a:xfrm>
+          <a:prstGeom prst="rect">
+            <a:avLst/>
+          </a:prstGeom>
+        </p:spPr>
+        <p:txBody>
+          <a:bodyPr vert="horz" lIns="91440" tIns="45720" rIns="91440" bIns="45720" rtlCol="0" anchor="b"/>
+          <a:lstStyle>
+            <a:lvl1pPr algn="l">
+              <a:defRPr sz="1200"/>
+            </a:lvl1pPr>
+          </a:lstStyle>
+          <a:p>
+            <a:endParaRPr lang="zh-CN" altLang="en-US"/>
+          </a:p>
+        </p:txBody>
+      </p:sp>
+      <p:sp>
+        <p:nvSpPr>
+          <p:cNvPr id="7" name="灯片编号占位符 6"/>
+          <p:cNvSpPr>
+            <a:spLocks noGrp="1"/>
+          </p:cNvSpPr>
+          <p:nvPr>
+            <p:ph type="sldNum" sz="quarter" idx="5"/>
+          </p:nvPr>
+        </p:nvSpPr>
+        <p:spPr>
+          <a:xfrm>
+            <a:off x="3884613" y="8685213"/>
+            <a:ext cx="2971800" cy="458787"/>
+          </a:xfrm>
+          <a:prstGeom prst="rect">
+            <a:avLst/>
+          </a:prstGeom>
+        </p:spPr>
+        <p:txBody>
+          <a:bodyPr vert="horz" lIns="91440" tIns="45720" rIns="91440" bIns="45720" rtlCol="0" anchor="b"/>
+          <a:lstStyle>
+            <a:lvl1pPr algn="r">
+              <a:defRPr sz="1200"/>
+            </a:lvl1pPr>
+          </a:lstStyle>
+          <a:p>
+            <a:fld id="{F7C09117-0337-43D2-8192-6A190D5D9599}" type="slidenum">
+              <a:rPr lang="zh-CN" altLang="en-US" smtClean="0"/>
+              <a:t>‹#›</a:t>
+            </a:fld>
+            <a:endParaRPr lang="zh-CN" altLang="en-US"/>
+          </a:p>
+        </p:txBody>
+      </p:sp>
+    </p:spTree>
+    <p:extLst>
+      <p:ext uri="{BB962C8B-B14F-4D97-AF65-F5344CB8AC3E}">
+        <p14:creationId xmlns:p14="http://schemas.microsoft.com/office/powerpoint/2010/main" val="1100488545"/>
+      </p:ext>
+    </p:extLst>
+  </p:cSld>
+  <p:clrMap bg1="lt1" tx1="dk1" bg2="lt2" tx2="dk2" accent1="accent1" accent2="accent2" accent3="accent3" accent4="accent4" accent5="accent5" accent6="accent6" hlink="hlink" folHlink="folHlink"/>
+  <p:notesStyle>
+    <a:lvl1pPr marL="0" algn="l" defTabSz="914400" rtl="0" eaLnBrk="1" latinLnBrk="0" hangingPunct="1">
+      <a:defRPr sz="1200" kern="1200">
+        <a:solidFill>
+          <a:schemeClr val="tx1"/>
+        </a:solidFill>
+        <a:latin typeface="+mn-lt"/>
+        <a:ea typeface="+mn-ea"/>
+        <a:cs typeface="+mn-cs"/>
+      </a:defRPr>
+    </a:lvl1pPr>
+    <a:lvl2pPr marL="457200" algn="l" defTabSz="914400" rtl="0" eaLnBrk="1" latinLnBrk="0" hangingPunct="1">
+      <a:defRPr sz="1200" kern="1200">
+        <a:solidFill>
+          <a:schemeClr val="tx1"/>
+        </a:solidFill>
+        <a:latin typeface="+mn-lt"/>
+        <a:ea typeface="+mn-ea"/>
+        <a:cs typeface="+mn-cs"/>
+      </a:defRPr>
+    </a:lvl2pPr>
+    <a:lvl3pPr marL="914400" algn="l" defTabSz="914400" rtl="0" eaLnBrk="1" latinLnBrk="0" hangingPunct="1">
+      <a:defRPr sz="1200" kern="1200">
+        <a:solidFill>
+          <a:schemeClr val="tx1"/>
+        </a:solidFill>
+        <a:latin typeface="+mn-lt"/>
+        <a:ea typeface="+mn-ea"/>
+        <a:cs typeface="+mn-cs"/>
+      </a:defRPr>
+    </a:lvl3pPr>
+    <a:lvl4pPr marL="1371600" algn="l" defTabSz="914400" rtl="0" eaLnBrk="1" latinLnBrk="0" hangingPunct="1">
+      <a:defRPr sz="1200" kern="1200">
+        <a:solidFill>
+          <a:schemeClr val="tx1"/>
+        </a:solidFill>
+        <a:latin typeface="+mn-lt"/>
+        <a:ea typeface="+mn-ea"/>
+        <a:cs typeface="+mn-cs"/>
+      </a:defRPr>
+    </a:lvl4pPr>
+    <a:lvl5pPr marL="1828800" algn="l" defTabSz="914400" rtl="0" eaLnBrk="1" latinLnBrk="0" hangingPunct="1">
+      <a:defRPr sz="1200" kern="1200">
+        <a:solidFill>
+          <a:schemeClr val="tx1"/>
+        </a:solidFill>
+        <a:latin typeface="+mn-lt"/>
+        <a:ea typeface="+mn-ea"/>
+        <a:cs typeface="+mn-cs"/>
+      </a:defRPr>
+    </a:lvl5pPr>
+    <a:lvl6pPr marL="2286000" algn="l" defTabSz="914400" rtl="0" eaLnBrk="1" latinLnBrk="0" hangingPunct="1">
+      <a:defRPr sz="1200" kern="1200">
+        <a:solidFill>
+          <a:schemeClr val="tx1"/>
+        </a:solidFill>
+        <a:latin typeface="+mn-lt"/>
+        <a:ea typeface="+mn-ea"/>
+        <a:cs typeface="+mn-cs"/>
+      </a:defRPr>
+    </a:lvl6pPr>
+    <a:lvl7pPr marL="2743200" algn="l" defTabSz="914400" rtl="0" eaLnBrk="1" latinLnBrk="0" hangingPunct="1">
+      <a:defRPr sz="1200" kern="1200">
+        <a:solidFill>
+          <a:schemeClr val="tx1"/>
+        </a:solidFill>
+        <a:latin typeface="+mn-lt"/>
+        <a:ea typeface="+mn-ea"/>
+        <a:cs typeface="+mn-cs"/>
+      </a:defRPr>
+    </a:lvl7pPr>
+    <a:lvl8pPr marL="3200400" algn="l" defTabSz="914400" rtl="0" eaLnBrk="1" latinLnBrk="0" hangingPunct="1">
+      <a:defRPr sz="1200" kern="1200">
+        <a:solidFill>
+          <a:schemeClr val="tx1"/>
+        </a:solidFill>
+        <a:latin typeface="+mn-lt"/>
+        <a:ea typeface="+mn-ea"/>
+        <a:cs typeface="+mn-cs"/>
+      </a:defRPr>
+    </a:lvl8pPr>
+    <a:lvl9pPr marL="3657600" algn="l" defTabSz="914400" rtl="0" eaLnBrk="1" latinLnBrk="0" hangingPunct="1">
+      <a:defRPr sz="1200" kern="1200">
+        <a:solidFill>
+          <a:schemeClr val="tx1"/>
+        </a:solidFill>
+        <a:latin typeface="+mn-lt"/>
+        <a:ea typeface="+mn-ea"/>
+        <a:cs typeface="+mn-cs"/>
+      </a:defRPr>
+    </a:lvl9pPr>
+  </p:notesStyle>
+</p:notesMaster>
+</file>
+
+<file path=ppt/notesSlides/notesSlide1.xml><?xml version="1.0" encoding="utf-8"?>
+<p:notes xmlns:a="http://schemas.openxmlformats.org/drawingml/2006/main" xmlns:r="http://schemas.openxmlformats.org/officeDocument/2006/relationships" xmlns:p="http://schemas.openxmlformats.org/presentationml/2006/main">
+  <p:cSld>
+    <p:spTree>
+      <p:nvGrpSpPr>
+        <p:cNvPr id="1" name=""/>
+        <p:cNvGrpSpPr/>
+        <p:nvPr/>
+      </p:nvGrpSpPr>
+      <p:grpSpPr>
+        <a:xfrm>
+          <a:off x="0" y="0"/>
+          <a:ext cx="0" cy="0"/>
+          <a:chOff x="0" y="0"/>
+          <a:chExt cx="0" cy="0"/>
+        </a:xfrm>
+      </p:grpSpPr>
+      <p:sp>
+        <p:nvSpPr>
+          <p:cNvPr id="2" name="幻灯片图像占位符 1"/>
+          <p:cNvSpPr>
+            <a:spLocks noGrp="1" noRot="1" noChangeAspect="1"/>
+          </p:cNvSpPr>
+          <p:nvPr>
+            <p:ph type="sldImg"/>
+          </p:nvPr>
+        </p:nvSpPr>
+        <p:spPr/>
+      </p:sp>
+      <p:sp>
+        <p:nvSpPr>
+          <p:cNvPr id="3" name="备注占位符 2"/>
+          <p:cNvSpPr>
+            <a:spLocks noGrp="1"/>
+          </p:cNvSpPr>
+          <p:nvPr>
+            <p:ph type="body" idx="1"/>
+          </p:nvPr>
+        </p:nvSpPr>
+        <p:spPr/>
+        <p:txBody>
+          <a:bodyPr/>
+          <a:lstStyle/>
+          <a:p>
+            <a:r>
+              <a:rPr lang="en-US" altLang="zh-CN" dirty="0"/>
+              <a:t>……</a:t>
+            </a:r>
+          </a:p>
+          <a:p>
+            <a:r>
+              <a:rPr lang="zh-CN" altLang="en-US" dirty="0"/>
+              <a:t>即，电感电势是源电流</a:t>
+            </a:r>
+            <a:r>
+              <a:rPr lang="en-US" altLang="zh-CN" dirty="0" err="1"/>
+              <a:t>i</a:t>
+            </a:r>
+            <a:r>
+              <a:rPr lang="zh-CN" altLang="en-US" dirty="0"/>
+              <a:t>在目标导体段</a:t>
+            </a:r>
+            <a:r>
+              <a:rPr lang="en-US" altLang="zh-CN" dirty="0"/>
+              <a:t>L</a:t>
+            </a:r>
+            <a:r>
+              <a:rPr lang="zh-CN" altLang="en-US" dirty="0"/>
+              <a:t>上的矢量磁位的积分。</a:t>
+            </a:r>
+            <a:endParaRPr lang="en-US" altLang="zh-CN" dirty="0"/>
+          </a:p>
+          <a:p>
+            <a:r>
+              <a:rPr lang="en-US" altLang="zh-CN" dirty="0"/>
+              <a:t>……</a:t>
+            </a:r>
+          </a:p>
+          <a:p>
+            <a:r>
+              <a:rPr lang="zh-CN" altLang="en-US" dirty="0"/>
+              <a:t>也就是说，只要根据空间中的电流分布定义了空间中的矢量磁位</a:t>
+            </a:r>
+            <a:endParaRPr lang="en-US" altLang="zh-CN" dirty="0"/>
+          </a:p>
+          <a:p>
+            <a:r>
+              <a:rPr lang="zh-CN" altLang="en-US" dirty="0"/>
+              <a:t>就能够计算出各个电流路径之间的互感和自感。</a:t>
+            </a:r>
+            <a:endParaRPr lang="en-US" altLang="zh-CN" dirty="0"/>
+          </a:p>
+          <a:p>
+            <a:r>
+              <a:rPr lang="en-US" altLang="zh-CN" dirty="0"/>
+              <a:t>……</a:t>
+            </a:r>
+          </a:p>
+          <a:p>
+            <a:endParaRPr lang="en-US" altLang="zh-CN" dirty="0"/>
+          </a:p>
+          <a:p>
+            <a:endParaRPr lang="en-US" altLang="zh-CN" dirty="0"/>
+          </a:p>
+          <a:p>
+            <a:endParaRPr lang="zh-CN" altLang="en-US" dirty="0"/>
+          </a:p>
+        </p:txBody>
+      </p:sp>
+    </p:spTree>
+    <p:extLst>
+      <p:ext uri="{BB962C8B-B14F-4D97-AF65-F5344CB8AC3E}">
+        <p14:creationId xmlns:p14="http://schemas.microsoft.com/office/powerpoint/2010/main" val="703872740"/>
+      </p:ext>
+    </p:extLst>
+  </p:cSld>
+  <p:clrMapOvr>
+    <a:masterClrMapping/>
+  </p:clrMapOvr>
+</p:notes>
+</file>
+
 <file path=ppt/slideLayouts/slideLayout1.xml><?xml version="1.0" encoding="utf-8"?>
 <p:sldLayout xmlns:a="http://schemas.openxmlformats.org/drawingml/2006/main" xmlns:r="http://schemas.openxmlformats.org/officeDocument/2006/relationships" xmlns:p="http://schemas.openxmlformats.org/presentationml/2006/main" type="title" preserve="1">
   <p:cSld name="标题幻灯片">
@@ -745,6 +1220,493 @@
   <p:clrMapOvr>
     <a:masterClrMapping/>
   </p:clrMapOvr>
+</p:sldLayout>
+</file>
+
+<file path=ppt/slideLayouts/slideLayout12.xml><?xml version="1.0" encoding="utf-8"?>
+<p:sldLayout xmlns:a="http://schemas.openxmlformats.org/drawingml/2006/main" xmlns:r="http://schemas.openxmlformats.org/officeDocument/2006/relationships" xmlns:p="http://schemas.openxmlformats.org/presentationml/2006/main" userDrawn="1">
+  <p:cSld name="正文页">
+    <p:spTree>
+      <p:nvGrpSpPr>
+        <p:cNvPr id="1" name=""/>
+        <p:cNvGrpSpPr/>
+        <p:nvPr/>
+      </p:nvGrpSpPr>
+      <p:grpSpPr>
+        <a:xfrm>
+          <a:off x="0" y="0"/>
+          <a:ext cx="0" cy="0"/>
+          <a:chOff x="0" y="0"/>
+          <a:chExt cx="0" cy="0"/>
+        </a:xfrm>
+      </p:grpSpPr>
+      <p:sp>
+        <p:nvSpPr>
+          <p:cNvPr id="3" name="内容占位符 2"/>
+          <p:cNvSpPr>
+            <a:spLocks noGrp="1"/>
+          </p:cNvSpPr>
+          <p:nvPr>
+            <p:ph idx="1" hasCustomPrompt="1"/>
+          </p:nvPr>
+        </p:nvSpPr>
+        <p:spPr>
+          <a:xfrm>
+            <a:off x="162560" y="5836146"/>
+            <a:ext cx="11850473" cy="501241"/>
+          </a:xfrm>
+          <a:prstGeom prst="rect">
+            <a:avLst/>
+          </a:prstGeom>
+        </p:spPr>
+        <p:txBody>
+          <a:bodyPr anchor="ctr"/>
+          <a:lstStyle>
+            <a:lvl1pPr marL="0" indent="0" algn="ctr">
+              <a:lnSpc>
+                <a:spcPct val="100000"/>
+              </a:lnSpc>
+              <a:spcBef>
+                <a:spcPts val="0"/>
+              </a:spcBef>
+              <a:buNone/>
+              <a:defRPr b="1"/>
+            </a:lvl1pPr>
+            <a:lvl2pPr marL="342900" indent="0">
+              <a:buNone/>
+              <a:defRPr/>
+            </a:lvl2pPr>
+            <a:lvl3pPr marL="685800" indent="0">
+              <a:buNone/>
+              <a:defRPr/>
+            </a:lvl3pPr>
+            <a:lvl4pPr marL="1028700" indent="0">
+              <a:buNone/>
+              <a:defRPr/>
+            </a:lvl4pPr>
+            <a:lvl5pPr marL="1371600" indent="0">
+              <a:buNone/>
+              <a:defRPr/>
+            </a:lvl5pPr>
+          </a:lstStyle>
+          <a:p>
+            <a:pPr lvl="0"/>
+            <a:r>
+              <a:rPr lang="zh-CN" altLang="en-US" dirty="0"/>
+              <a:t>编辑母版文本样式</a:t>
+            </a:r>
+          </a:p>
+        </p:txBody>
+      </p:sp>
+      <p:sp>
+        <p:nvSpPr>
+          <p:cNvPr id="7" name="标题 1"/>
+          <p:cNvSpPr>
+            <a:spLocks noGrp="1"/>
+          </p:cNvSpPr>
+          <p:nvPr>
+            <p:ph type="ctrTitle" hasCustomPrompt="1"/>
+          </p:nvPr>
+        </p:nvSpPr>
+        <p:spPr>
+          <a:xfrm>
+            <a:off x="953815" y="520614"/>
+            <a:ext cx="8572500" cy="367200"/>
+          </a:xfrm>
+          <a:prstGeom prst="rect">
+            <a:avLst/>
+          </a:prstGeom>
+        </p:spPr>
+        <p:txBody>
+          <a:bodyPr anchor="ctr">
+            <a:noAutofit/>
+          </a:bodyPr>
+          <a:lstStyle>
+            <a:lvl1pPr marL="0" algn="l" defTabSz="914400" rtl="0" eaLnBrk="1" latinLnBrk="0" hangingPunct="1">
+              <a:lnSpc>
+                <a:spcPct val="100000"/>
+              </a:lnSpc>
+              <a:spcAft>
+                <a:spcPts val="0"/>
+              </a:spcAft>
+              <a:defRPr lang="zh-CN" altLang="en-US" sz="2400" b="1" kern="100" dirty="0">
+                <a:solidFill>
+                  <a:schemeClr val="tx1"/>
+                </a:solidFill>
+                <a:effectLst/>
+                <a:latin typeface="等线" panose="02010600030101010101" pitchFamily="2" charset="-122"/>
+                <a:ea typeface="+mn-ea"/>
+                <a:cs typeface="Times New Roman" panose="02020603050405020304" pitchFamily="18" charset="0"/>
+              </a:defRPr>
+            </a:lvl1pPr>
+          </a:lstStyle>
+          <a:p>
+            <a:r>
+              <a:rPr lang="zh-CN" altLang="en-US" dirty="0"/>
+              <a:t>页标题</a:t>
+            </a:r>
+          </a:p>
+        </p:txBody>
+      </p:sp>
+      <p:sp>
+        <p:nvSpPr>
+          <p:cNvPr id="8" name="矩形 7"/>
+          <p:cNvSpPr/>
+          <p:nvPr userDrawn="1"/>
+        </p:nvSpPr>
+        <p:spPr>
+          <a:xfrm>
+            <a:off x="162560" y="517849"/>
+            <a:ext cx="487680" cy="365760"/>
+          </a:xfrm>
+          <a:prstGeom prst="rect">
+            <a:avLst/>
+          </a:prstGeom>
+          <a:solidFill>
+            <a:schemeClr val="accent6">
+              <a:lumMod val="40000"/>
+              <a:lumOff val="60000"/>
+            </a:schemeClr>
+          </a:solidFill>
+          <a:ln>
+            <a:noFill/>
+          </a:ln>
+        </p:spPr>
+        <p:style>
+          <a:lnRef idx="2">
+            <a:schemeClr val="accent1">
+              <a:shade val="50000"/>
+            </a:schemeClr>
+          </a:lnRef>
+          <a:fillRef idx="1">
+            <a:schemeClr val="accent1"/>
+          </a:fillRef>
+          <a:effectRef idx="0">
+            <a:schemeClr val="accent1"/>
+          </a:effectRef>
+          <a:fontRef idx="minor">
+            <a:schemeClr val="lt1"/>
+          </a:fontRef>
+        </p:style>
+        <p:txBody>
+          <a:bodyPr rtlCol="0" anchor="ctr"/>
+          <a:lstStyle/>
+          <a:p>
+            <a:pPr algn="ctr"/>
+            <a:endParaRPr lang="zh-CN" altLang="en-US" sz="1800"/>
+          </a:p>
+        </p:txBody>
+      </p:sp>
+      <p:cxnSp>
+        <p:nvCxnSpPr>
+          <p:cNvPr id="9" name="直接连接符 8"/>
+          <p:cNvCxnSpPr/>
+          <p:nvPr userDrawn="1"/>
+        </p:nvCxnSpPr>
+        <p:spPr>
+          <a:xfrm>
+            <a:off x="863600" y="505035"/>
+            <a:ext cx="0" cy="369332"/>
+          </a:xfrm>
+          <a:prstGeom prst="line">
+            <a:avLst/>
+          </a:prstGeom>
+          <a:ln>
+            <a:solidFill>
+              <a:schemeClr val="accent5">
+                <a:lumMod val="40000"/>
+                <a:lumOff val="60000"/>
+              </a:schemeClr>
+            </a:solidFill>
+          </a:ln>
+        </p:spPr>
+        <p:style>
+          <a:lnRef idx="1">
+            <a:schemeClr val="accent1"/>
+          </a:lnRef>
+          <a:fillRef idx="0">
+            <a:schemeClr val="accent1"/>
+          </a:fillRef>
+          <a:effectRef idx="0">
+            <a:schemeClr val="accent1"/>
+          </a:effectRef>
+          <a:fontRef idx="minor">
+            <a:schemeClr val="tx1"/>
+          </a:fontRef>
+        </p:style>
+      </p:cxnSp>
+      <p:sp>
+        <p:nvSpPr>
+          <p:cNvPr id="5" name="文本占位符 4">
+            <a:extLst>
+              <a:ext uri="{FF2B5EF4-FFF2-40B4-BE49-F238E27FC236}">
+                <a16:creationId xmlns:a16="http://schemas.microsoft.com/office/drawing/2014/main" id="{B5F0A4D1-ADD0-4076-94C6-4D94ADA8F26F}"/>
+              </a:ext>
+            </a:extLst>
+          </p:cNvPr>
+          <p:cNvSpPr>
+            <a:spLocks noGrp="1"/>
+          </p:cNvSpPr>
+          <p:nvPr>
+            <p:ph type="body" sz="quarter" idx="13" hasCustomPrompt="1"/>
+          </p:nvPr>
+        </p:nvSpPr>
+        <p:spPr>
+          <a:xfrm>
+            <a:off x="402167" y="45145"/>
+            <a:ext cx="9033933" cy="365125"/>
+          </a:xfrm>
+          <a:prstGeom prst="rect">
+            <a:avLst/>
+          </a:prstGeom>
+        </p:spPr>
+        <p:txBody>
+          <a:bodyPr anchor="ctr"/>
+          <a:lstStyle>
+            <a:lvl1pPr marL="0" indent="0">
+              <a:buNone/>
+              <a:defRPr>
+                <a:solidFill>
+                  <a:schemeClr val="tx1"/>
+                </a:solidFill>
+              </a:defRPr>
+            </a:lvl1pPr>
+          </a:lstStyle>
+          <a:p>
+            <a:pPr lvl="0"/>
+            <a:r>
+              <a:rPr lang="zh-CN" altLang="en-US" dirty="0"/>
+              <a:t>节标题</a:t>
+            </a:r>
+            <a:r>
+              <a:rPr lang="en-US" altLang="zh-CN" dirty="0"/>
+              <a:t>-</a:t>
+            </a:r>
+            <a:r>
+              <a:rPr lang="zh-CN" altLang="en-US" dirty="0"/>
+              <a:t>副标题</a:t>
+            </a:r>
+          </a:p>
+        </p:txBody>
+      </p:sp>
+      <p:sp>
+        <p:nvSpPr>
+          <p:cNvPr id="10" name="矩形 9">
+            <a:extLst>
+              <a:ext uri="{FF2B5EF4-FFF2-40B4-BE49-F238E27FC236}">
+                <a16:creationId xmlns:a16="http://schemas.microsoft.com/office/drawing/2014/main" id="{2041C53F-39AC-464D-BA39-FE23BAB6890B}"/>
+              </a:ext>
+            </a:extLst>
+          </p:cNvPr>
+          <p:cNvSpPr/>
+          <p:nvPr userDrawn="1"/>
+        </p:nvSpPr>
+        <p:spPr>
+          <a:xfrm>
+            <a:off x="650241" y="6452882"/>
+            <a:ext cx="5522666" cy="338554"/>
+          </a:xfrm>
+          <a:prstGeom prst="rect">
+            <a:avLst/>
+          </a:prstGeom>
+        </p:spPr>
+        <p:txBody>
+          <a:bodyPr wrap="none">
+            <a:spAutoFit/>
+          </a:bodyPr>
+          <a:lstStyle/>
+          <a:p>
+            <a:r>
+              <a:rPr lang="en-US" altLang="zh-CN" sz="1600" kern="1200" baseline="0" dirty="0">
+                <a:solidFill>
+                  <a:schemeClr val="bg1"/>
+                </a:solidFill>
+                <a:effectLst/>
+                <a:latin typeface="+mn-lt"/>
+                <a:ea typeface="+mn-ea"/>
+                <a:cs typeface="+mn-cs"/>
+              </a:rPr>
+              <a:t>REBCO</a:t>
+            </a:r>
+            <a:r>
+              <a:rPr lang="zh-CN" altLang="en-US" sz="1600" kern="1200" baseline="0" dirty="0">
+                <a:solidFill>
+                  <a:schemeClr val="bg1"/>
+                </a:solidFill>
+                <a:effectLst/>
+                <a:latin typeface="+mn-lt"/>
+                <a:ea typeface="+mn-ea"/>
+                <a:cs typeface="+mn-cs"/>
+              </a:rPr>
+              <a:t>无绝缘内插磁体的电</a:t>
+            </a:r>
+            <a:r>
+              <a:rPr lang="en-US" altLang="zh-CN" sz="1600" kern="1200" baseline="0" dirty="0">
+                <a:solidFill>
+                  <a:schemeClr val="bg1"/>
+                </a:solidFill>
+                <a:effectLst/>
+                <a:latin typeface="+mn-lt"/>
+                <a:ea typeface="+mn-ea"/>
+                <a:cs typeface="+mn-cs"/>
+              </a:rPr>
+              <a:t>-</a:t>
+            </a:r>
+            <a:r>
+              <a:rPr lang="zh-CN" altLang="en-US" sz="1600" kern="1200" baseline="0" dirty="0">
+                <a:solidFill>
+                  <a:schemeClr val="bg1"/>
+                </a:solidFill>
+                <a:effectLst/>
+                <a:latin typeface="+mn-lt"/>
+                <a:ea typeface="+mn-ea"/>
+                <a:cs typeface="+mn-cs"/>
+              </a:rPr>
+              <a:t>热</a:t>
+            </a:r>
+            <a:r>
+              <a:rPr lang="en-US" altLang="zh-CN" sz="1600" kern="1200" baseline="0" dirty="0">
+                <a:solidFill>
+                  <a:schemeClr val="bg1"/>
+                </a:solidFill>
+                <a:effectLst/>
+                <a:latin typeface="+mn-lt"/>
+                <a:ea typeface="+mn-ea"/>
+                <a:cs typeface="+mn-cs"/>
+              </a:rPr>
+              <a:t>-</a:t>
+            </a:r>
+            <a:r>
+              <a:rPr lang="zh-CN" altLang="en-US" sz="1600" kern="1200" baseline="0" dirty="0">
+                <a:solidFill>
+                  <a:schemeClr val="bg1"/>
+                </a:solidFill>
+                <a:effectLst/>
+                <a:latin typeface="+mn-lt"/>
+                <a:ea typeface="+mn-ea"/>
+                <a:cs typeface="+mn-cs"/>
+              </a:rPr>
+              <a:t>磁耦合特性及保护方法研究</a:t>
+            </a:r>
+            <a:endParaRPr lang="zh-CN" altLang="en-US" sz="1600" dirty="0">
+              <a:solidFill>
+                <a:schemeClr val="bg1"/>
+              </a:solidFill>
+            </a:endParaRPr>
+          </a:p>
+        </p:txBody>
+      </p:sp>
+      <p:sp>
+        <p:nvSpPr>
+          <p:cNvPr id="11" name="内容占位符 2">
+            <a:extLst>
+              <a:ext uri="{FF2B5EF4-FFF2-40B4-BE49-F238E27FC236}">
+                <a16:creationId xmlns:a16="http://schemas.microsoft.com/office/drawing/2014/main" id="{1351ACD3-D7BC-4BB8-B19A-287FFB8CF2E2}"/>
+              </a:ext>
+            </a:extLst>
+          </p:cNvPr>
+          <p:cNvSpPr>
+            <a:spLocks noGrp="1"/>
+          </p:cNvSpPr>
+          <p:nvPr>
+            <p:ph idx="14" hasCustomPrompt="1"/>
+          </p:nvPr>
+        </p:nvSpPr>
+        <p:spPr>
+          <a:xfrm>
+            <a:off x="162557" y="998159"/>
+            <a:ext cx="11850473" cy="1314040"/>
+          </a:xfrm>
+          <a:prstGeom prst="rect">
+            <a:avLst/>
+          </a:prstGeom>
+        </p:spPr>
+        <p:txBody>
+          <a:bodyPr anchor="ctr"/>
+          <a:lstStyle>
+            <a:lvl1pPr marL="0" indent="0" algn="just">
+              <a:lnSpc>
+                <a:spcPct val="120000"/>
+              </a:lnSpc>
+              <a:spcBef>
+                <a:spcPts val="0"/>
+              </a:spcBef>
+              <a:buNone/>
+              <a:defRPr sz="2000" b="0"/>
+            </a:lvl1pPr>
+            <a:lvl2pPr marL="342900" indent="0">
+              <a:buNone/>
+              <a:defRPr/>
+            </a:lvl2pPr>
+            <a:lvl3pPr marL="685800" indent="0">
+              <a:buNone/>
+              <a:defRPr/>
+            </a:lvl3pPr>
+            <a:lvl4pPr marL="1028700" indent="0">
+              <a:buNone/>
+              <a:defRPr/>
+            </a:lvl4pPr>
+            <a:lvl5pPr marL="1371600" indent="0">
+              <a:buNone/>
+              <a:defRPr/>
+            </a:lvl5pPr>
+          </a:lstStyle>
+          <a:p>
+            <a:pPr lvl="0"/>
+            <a:r>
+              <a:rPr lang="zh-CN" altLang="en-US" dirty="0"/>
+              <a:t>编辑母版文本样式</a:t>
+            </a:r>
+          </a:p>
+        </p:txBody>
+      </p:sp>
+      <p:sp>
+        <p:nvSpPr>
+          <p:cNvPr id="2" name="文本框 1">
+            <a:extLst>
+              <a:ext uri="{FF2B5EF4-FFF2-40B4-BE49-F238E27FC236}">
+                <a16:creationId xmlns:a16="http://schemas.microsoft.com/office/drawing/2014/main" id="{34841FEF-D405-4872-890F-834994A5984F}"/>
+              </a:ext>
+            </a:extLst>
+          </p:cNvPr>
+          <p:cNvSpPr txBox="1"/>
+          <p:nvPr userDrawn="1"/>
+        </p:nvSpPr>
+        <p:spPr>
+          <a:xfrm>
+            <a:off x="11658991" y="6468271"/>
+            <a:ext cx="404278" cy="307777"/>
+          </a:xfrm>
+          <a:prstGeom prst="rect">
+            <a:avLst/>
+          </a:prstGeom>
+          <a:noFill/>
+        </p:spPr>
+        <p:txBody>
+          <a:bodyPr wrap="none" rtlCol="0">
+            <a:spAutoFit/>
+          </a:bodyPr>
+          <a:lstStyle/>
+          <a:p>
+            <a:fld id="{936B8D84-D0E2-455D-B662-77CC6CA85651}" type="slidenum">
+              <a:rPr lang="zh-CN" altLang="en-US" sz="1400" smtClean="0"/>
+              <a:t>‹#›</a:t>
+            </a:fld>
+            <a:endParaRPr lang="zh-CN" altLang="en-US" sz="1400" dirty="0"/>
+          </a:p>
+        </p:txBody>
+      </p:sp>
+    </p:spTree>
+    <p:extLst>
+      <p:ext uri="{BB962C8B-B14F-4D97-AF65-F5344CB8AC3E}">
+        <p14:creationId xmlns:p14="http://schemas.microsoft.com/office/powerpoint/2010/main" val="3196798576"/>
+      </p:ext>
+    </p:extLst>
+  </p:cSld>
+  <p:clrMapOvr>
+    <a:masterClrMapping/>
+  </p:clrMapOvr>
+  <p:hf hdr="0" dt="0"/>
 </p:sldLayout>
 </file>
 
@@ -3035,6 +3997,7 @@
     <p:sldLayoutId id="2147483657" r:id="rId9"/>
     <p:sldLayoutId id="2147483658" r:id="rId10"/>
     <p:sldLayoutId id="2147483659" r:id="rId11"/>
+    <p:sldLayoutId id="2147483660" r:id="rId12"/>
   </p:sldLayoutIdLst>
   <p:txStyles>
     <p:titleStyle>
@@ -3419,6 +4382,1323 @@
           <a:chExt cx="0" cy="0"/>
         </a:xfrm>
       </p:grpSpPr>
+      <p:sp>
+        <p:nvSpPr>
+          <p:cNvPr id="4" name="标题 2">
+            <a:extLst>
+              <a:ext uri="{FF2B5EF4-FFF2-40B4-BE49-F238E27FC236}">
+                <a16:creationId xmlns:a16="http://schemas.microsoft.com/office/drawing/2014/main" id="{2E89FCC8-1A3F-8309-DB6E-FC173C6E52AB}"/>
+              </a:ext>
+            </a:extLst>
+          </p:cNvPr>
+          <p:cNvSpPr txBox="1">
+            <a:spLocks/>
+          </p:cNvSpPr>
+          <p:nvPr/>
+        </p:nvSpPr>
+        <p:spPr>
+          <a:xfrm>
+            <a:off x="1017113" y="383454"/>
+            <a:ext cx="6429375" cy="367200"/>
+          </a:xfrm>
+          <a:prstGeom prst="rect">
+            <a:avLst/>
+          </a:prstGeom>
+        </p:spPr>
+        <p:txBody>
+          <a:bodyPr vert="horz" lIns="91440" tIns="45720" rIns="91440" bIns="45720" rtlCol="0" anchor="ctr">
+            <a:noAutofit/>
+          </a:bodyPr>
+          <a:lstStyle>
+            <a:defPPr>
+              <a:defRPr lang="zh-CN"/>
+            </a:defPPr>
+            <a:lvl1pPr>
+              <a:lnSpc>
+                <a:spcPct val="90000"/>
+              </a:lnSpc>
+              <a:spcBef>
+                <a:spcPct val="0"/>
+              </a:spcBef>
+              <a:buNone/>
+              <a:defRPr sz="3600" b="1">
+                <a:latin typeface="+mj-lt"/>
+                <a:ea typeface="+mj-ea"/>
+                <a:cs typeface="+mj-cs"/>
+              </a:defRPr>
+            </a:lvl1pPr>
+          </a:lstStyle>
+          <a:p>
+            <a:r>
+              <a:rPr lang="zh-CN" altLang="en-US" dirty="0"/>
+              <a:t>电路网格模型</a:t>
+            </a:r>
+          </a:p>
+        </p:txBody>
+      </p:sp>
+      <p:sp>
+        <p:nvSpPr>
+          <p:cNvPr id="5" name="内容占位符 4">
+            <a:extLst>
+              <a:ext uri="{FF2B5EF4-FFF2-40B4-BE49-F238E27FC236}">
+                <a16:creationId xmlns:a16="http://schemas.microsoft.com/office/drawing/2014/main" id="{4B688B9E-5AE7-3B8B-D8B1-D752B71E7AB3}"/>
+              </a:ext>
+            </a:extLst>
+          </p:cNvPr>
+          <p:cNvSpPr txBox="1">
+            <a:spLocks/>
+          </p:cNvSpPr>
+          <p:nvPr/>
+        </p:nvSpPr>
+        <p:spPr>
+          <a:xfrm>
+            <a:off x="423669" y="860999"/>
+            <a:ext cx="8887855" cy="836495"/>
+          </a:xfrm>
+          <a:prstGeom prst="rect">
+            <a:avLst/>
+          </a:prstGeom>
+        </p:spPr>
+        <p:txBody>
+          <a:bodyPr/>
+          <a:lstStyle>
+            <a:lvl1pPr marL="228600" indent="-228600" algn="l" defTabSz="914400" rtl="0" eaLnBrk="1" latinLnBrk="0" hangingPunct="1">
+              <a:lnSpc>
+                <a:spcPct val="90000"/>
+              </a:lnSpc>
+              <a:spcBef>
+                <a:spcPts val="1000"/>
+              </a:spcBef>
+              <a:buFont typeface="Arial" panose="020B0604020202020204" pitchFamily="34" charset="0"/>
+              <a:buChar char="•"/>
+              <a:defRPr sz="2800" kern="1200">
+                <a:solidFill>
+                  <a:schemeClr val="tx1"/>
+                </a:solidFill>
+                <a:latin typeface="+mn-lt"/>
+                <a:ea typeface="+mn-ea"/>
+                <a:cs typeface="+mn-cs"/>
+              </a:defRPr>
+            </a:lvl1pPr>
+            <a:lvl2pPr marL="685800" indent="-228600" algn="l" defTabSz="914400" rtl="0" eaLnBrk="1" latinLnBrk="0" hangingPunct="1">
+              <a:lnSpc>
+                <a:spcPct val="90000"/>
+              </a:lnSpc>
+              <a:spcBef>
+                <a:spcPts val="500"/>
+              </a:spcBef>
+              <a:buFont typeface="Arial" panose="020B0604020202020204" pitchFamily="34" charset="0"/>
+              <a:buChar char="•"/>
+              <a:defRPr sz="2400" kern="1200">
+                <a:solidFill>
+                  <a:schemeClr val="tx1"/>
+                </a:solidFill>
+                <a:latin typeface="+mn-lt"/>
+                <a:ea typeface="+mn-ea"/>
+                <a:cs typeface="+mn-cs"/>
+              </a:defRPr>
+            </a:lvl2pPr>
+            <a:lvl3pPr marL="1143000" indent="-228600" algn="l" defTabSz="914400" rtl="0" eaLnBrk="1" latinLnBrk="0" hangingPunct="1">
+              <a:lnSpc>
+                <a:spcPct val="90000"/>
+              </a:lnSpc>
+              <a:spcBef>
+                <a:spcPts val="500"/>
+              </a:spcBef>
+              <a:buFont typeface="Arial" panose="020B0604020202020204" pitchFamily="34" charset="0"/>
+              <a:buChar char="•"/>
+              <a:defRPr sz="2000" kern="1200">
+                <a:solidFill>
+                  <a:schemeClr val="tx1"/>
+                </a:solidFill>
+                <a:latin typeface="+mn-lt"/>
+                <a:ea typeface="+mn-ea"/>
+                <a:cs typeface="+mn-cs"/>
+              </a:defRPr>
+            </a:lvl3pPr>
+            <a:lvl4pPr marL="1600200" indent="-228600" algn="l" defTabSz="914400" rtl="0" eaLnBrk="1" latinLnBrk="0" hangingPunct="1">
+              <a:lnSpc>
+                <a:spcPct val="90000"/>
+              </a:lnSpc>
+              <a:spcBef>
+                <a:spcPts val="500"/>
+              </a:spcBef>
+              <a:buFont typeface="Arial" panose="020B0604020202020204" pitchFamily="34" charset="0"/>
+              <a:buChar char="•"/>
+              <a:defRPr sz="1800" kern="1200">
+                <a:solidFill>
+                  <a:schemeClr val="tx1"/>
+                </a:solidFill>
+                <a:latin typeface="+mn-lt"/>
+                <a:ea typeface="+mn-ea"/>
+                <a:cs typeface="+mn-cs"/>
+              </a:defRPr>
+            </a:lvl4pPr>
+            <a:lvl5pPr marL="2057400" indent="-228600" algn="l" defTabSz="914400" rtl="0" eaLnBrk="1" latinLnBrk="0" hangingPunct="1">
+              <a:lnSpc>
+                <a:spcPct val="90000"/>
+              </a:lnSpc>
+              <a:spcBef>
+                <a:spcPts val="500"/>
+              </a:spcBef>
+              <a:buFont typeface="Arial" panose="020B0604020202020204" pitchFamily="34" charset="0"/>
+              <a:buChar char="•"/>
+              <a:defRPr sz="1800" kern="1200">
+                <a:solidFill>
+                  <a:schemeClr val="tx1"/>
+                </a:solidFill>
+                <a:latin typeface="+mn-lt"/>
+                <a:ea typeface="+mn-ea"/>
+                <a:cs typeface="+mn-cs"/>
+              </a:defRPr>
+            </a:lvl5pPr>
+            <a:lvl6pPr marL="2514600" indent="-228600" algn="l" defTabSz="914400" rtl="0" eaLnBrk="1" latinLnBrk="0" hangingPunct="1">
+              <a:lnSpc>
+                <a:spcPct val="90000"/>
+              </a:lnSpc>
+              <a:spcBef>
+                <a:spcPts val="500"/>
+              </a:spcBef>
+              <a:buFont typeface="Arial" panose="020B0604020202020204" pitchFamily="34" charset="0"/>
+              <a:buChar char="•"/>
+              <a:defRPr sz="1800" kern="1200">
+                <a:solidFill>
+                  <a:schemeClr val="tx1"/>
+                </a:solidFill>
+                <a:latin typeface="+mn-lt"/>
+                <a:ea typeface="+mn-ea"/>
+                <a:cs typeface="+mn-cs"/>
+              </a:defRPr>
+            </a:lvl6pPr>
+            <a:lvl7pPr marL="2971800" indent="-228600" algn="l" defTabSz="914400" rtl="0" eaLnBrk="1" latinLnBrk="0" hangingPunct="1">
+              <a:lnSpc>
+                <a:spcPct val="90000"/>
+              </a:lnSpc>
+              <a:spcBef>
+                <a:spcPts val="500"/>
+              </a:spcBef>
+              <a:buFont typeface="Arial" panose="020B0604020202020204" pitchFamily="34" charset="0"/>
+              <a:buChar char="•"/>
+              <a:defRPr sz="1800" kern="1200">
+                <a:solidFill>
+                  <a:schemeClr val="tx1"/>
+                </a:solidFill>
+                <a:latin typeface="+mn-lt"/>
+                <a:ea typeface="+mn-ea"/>
+                <a:cs typeface="+mn-cs"/>
+              </a:defRPr>
+            </a:lvl7pPr>
+            <a:lvl8pPr marL="3429000" indent="-228600" algn="l" defTabSz="914400" rtl="0" eaLnBrk="1" latinLnBrk="0" hangingPunct="1">
+              <a:lnSpc>
+                <a:spcPct val="90000"/>
+              </a:lnSpc>
+              <a:spcBef>
+                <a:spcPts val="500"/>
+              </a:spcBef>
+              <a:buFont typeface="Arial" panose="020B0604020202020204" pitchFamily="34" charset="0"/>
+              <a:buChar char="•"/>
+              <a:defRPr sz="1800" kern="1200">
+                <a:solidFill>
+                  <a:schemeClr val="tx1"/>
+                </a:solidFill>
+                <a:latin typeface="+mn-lt"/>
+                <a:ea typeface="+mn-ea"/>
+                <a:cs typeface="+mn-cs"/>
+              </a:defRPr>
+            </a:lvl8pPr>
+            <a:lvl9pPr marL="3886200" indent="-228600" algn="l" defTabSz="914400" rtl="0" eaLnBrk="1" latinLnBrk="0" hangingPunct="1">
+              <a:lnSpc>
+                <a:spcPct val="90000"/>
+              </a:lnSpc>
+              <a:spcBef>
+                <a:spcPts val="500"/>
+              </a:spcBef>
+              <a:buFont typeface="Arial" panose="020B0604020202020204" pitchFamily="34" charset="0"/>
+              <a:buChar char="•"/>
+              <a:defRPr sz="1800" kern="1200">
+                <a:solidFill>
+                  <a:schemeClr val="tx1"/>
+                </a:solidFill>
+                <a:latin typeface="+mn-lt"/>
+                <a:ea typeface="+mn-ea"/>
+                <a:cs typeface="+mn-cs"/>
+              </a:defRPr>
+            </a:lvl9pPr>
+          </a:lstStyle>
+          <a:p>
+            <a:r>
+              <a:rPr lang="zh-CN" altLang="en-US" dirty="0"/>
+              <a:t>在电路网格模型中，每匝分为几个弧段，这些弧段具有各自的电感，环向电阻和径向电阻。</a:t>
+            </a:r>
+          </a:p>
+        </p:txBody>
+      </p:sp>
+      <p:pic>
+        <p:nvPicPr>
+          <p:cNvPr id="6" name="图片 5">
+            <a:extLst>
+              <a:ext uri="{FF2B5EF4-FFF2-40B4-BE49-F238E27FC236}">
+                <a16:creationId xmlns:a16="http://schemas.microsoft.com/office/drawing/2014/main" id="{AE4EB9C0-AE13-E578-EFBB-72BF1A3297F6}"/>
+              </a:ext>
+            </a:extLst>
+          </p:cNvPr>
+          <p:cNvPicPr/>
+          <p:nvPr/>
+        </p:nvPicPr>
+        <p:blipFill>
+          <a:blip r:embed="rId2" cstate="print">
+            <a:extLst>
+              <a:ext uri="{28A0092B-C50C-407E-A947-70E740481C1C}">
+                <a14:useLocalDpi xmlns:a14="http://schemas.microsoft.com/office/drawing/2010/main" val="0"/>
+              </a:ext>
+            </a:extLst>
+          </a:blip>
+          <a:stretch>
+            <a:fillRect/>
+          </a:stretch>
+        </p:blipFill>
+        <p:spPr>
+          <a:xfrm>
+            <a:off x="1474370" y="2587285"/>
+            <a:ext cx="2837815" cy="2038610"/>
+          </a:xfrm>
+          <a:prstGeom prst="rect">
+            <a:avLst/>
+          </a:prstGeom>
+        </p:spPr>
+      </p:pic>
+      <p:pic>
+        <p:nvPicPr>
+          <p:cNvPr id="7" name="图片 6">
+            <a:extLst>
+              <a:ext uri="{FF2B5EF4-FFF2-40B4-BE49-F238E27FC236}">
+                <a16:creationId xmlns:a16="http://schemas.microsoft.com/office/drawing/2014/main" id="{F5CD287D-271C-B852-BF04-B9C22FF524BC}"/>
+              </a:ext>
+            </a:extLst>
+          </p:cNvPr>
+          <p:cNvPicPr/>
+          <p:nvPr/>
+        </p:nvPicPr>
+        <p:blipFill>
+          <a:blip r:embed="rId3" cstate="print">
+            <a:extLst>
+              <a:ext uri="{28A0092B-C50C-407E-A947-70E740481C1C}">
+                <a14:useLocalDpi xmlns:a14="http://schemas.microsoft.com/office/drawing/2010/main" val="0"/>
+              </a:ext>
+            </a:extLst>
+          </a:blip>
+          <a:stretch>
+            <a:fillRect/>
+          </a:stretch>
+        </p:blipFill>
+        <p:spPr>
+          <a:xfrm>
+            <a:off x="5456694" y="2037123"/>
+            <a:ext cx="3012278" cy="2908736"/>
+          </a:xfrm>
+          <a:prstGeom prst="rect">
+            <a:avLst/>
+          </a:prstGeom>
+        </p:spPr>
+      </p:pic>
+      <p:sp>
+        <p:nvSpPr>
+          <p:cNvPr id="8" name="箭头: 右 7">
+            <a:extLst>
+              <a:ext uri="{FF2B5EF4-FFF2-40B4-BE49-F238E27FC236}">
+                <a16:creationId xmlns:a16="http://schemas.microsoft.com/office/drawing/2014/main" id="{BFE63174-7144-5AD1-857E-41C674FDA2AE}"/>
+              </a:ext>
+            </a:extLst>
+          </p:cNvPr>
+          <p:cNvSpPr/>
+          <p:nvPr/>
+        </p:nvSpPr>
+        <p:spPr>
+          <a:xfrm>
+            <a:off x="4403964" y="3099247"/>
+            <a:ext cx="889228" cy="764009"/>
+          </a:xfrm>
+          <a:prstGeom prst="rightArrow">
+            <a:avLst/>
+          </a:prstGeom>
+        </p:spPr>
+        <p:style>
+          <a:lnRef idx="0">
+            <a:schemeClr val="accent5"/>
+          </a:lnRef>
+          <a:fillRef idx="3">
+            <a:schemeClr val="accent5"/>
+          </a:fillRef>
+          <a:effectRef idx="3">
+            <a:schemeClr val="accent5"/>
+          </a:effectRef>
+          <a:fontRef idx="minor">
+            <a:schemeClr val="lt1"/>
+          </a:fontRef>
+        </p:style>
+        <p:txBody>
+          <a:bodyPr rtlCol="0" anchor="ctr"/>
+          <a:lstStyle/>
+          <a:p>
+            <a:pPr algn="ctr"/>
+            <a:endParaRPr lang="zh-CN" altLang="en-US" dirty="0"/>
+          </a:p>
+        </p:txBody>
+      </p:sp>
+      <p:pic>
+        <p:nvPicPr>
+          <p:cNvPr id="9" name="图片 8">
+            <a:extLst>
+              <a:ext uri="{FF2B5EF4-FFF2-40B4-BE49-F238E27FC236}">
+                <a16:creationId xmlns:a16="http://schemas.microsoft.com/office/drawing/2014/main" id="{9EDA9519-34A1-D755-36F9-5423F7C2FDF7}"/>
+              </a:ext>
+            </a:extLst>
+          </p:cNvPr>
+          <p:cNvPicPr/>
+          <p:nvPr/>
+        </p:nvPicPr>
+        <p:blipFill>
+          <a:blip r:embed="rId4">
+            <a:clrChange>
+              <a:clrFrom>
+                <a:srgbClr val="FFFFFF"/>
+              </a:clrFrom>
+              <a:clrTo>
+                <a:srgbClr val="FFFFFF">
+                  <a:alpha val="0"/>
+                </a:srgbClr>
+              </a:clrTo>
+            </a:clrChange>
+            <a:extLst>
+              <a:ext uri="{28A0092B-C50C-407E-A947-70E740481C1C}">
+                <a14:useLocalDpi xmlns:a14="http://schemas.microsoft.com/office/drawing/2010/main" val="0"/>
+              </a:ext>
+            </a:extLst>
+          </a:blip>
+          <a:stretch>
+            <a:fillRect/>
+          </a:stretch>
+        </p:blipFill>
+        <p:spPr>
+          <a:xfrm>
+            <a:off x="9441101" y="1582820"/>
+            <a:ext cx="1965292" cy="1972226"/>
+          </a:xfrm>
+          <a:prstGeom prst="rect">
+            <a:avLst/>
+          </a:prstGeom>
+          <a:ln w="28575">
+            <a:noFill/>
+          </a:ln>
+        </p:spPr>
+      </p:pic>
+      <p:pic>
+        <p:nvPicPr>
+          <p:cNvPr id="10" name="图片 9">
+            <a:extLst>
+              <a:ext uri="{FF2B5EF4-FFF2-40B4-BE49-F238E27FC236}">
+                <a16:creationId xmlns:a16="http://schemas.microsoft.com/office/drawing/2014/main" id="{C9402A6E-A429-04F4-37F1-BB1044864699}"/>
+              </a:ext>
+            </a:extLst>
+          </p:cNvPr>
+          <p:cNvPicPr/>
+          <p:nvPr/>
+        </p:nvPicPr>
+        <p:blipFill>
+          <a:blip r:embed="rId5">
+            <a:clrChange>
+              <a:clrFrom>
+                <a:srgbClr val="FFFFFF"/>
+              </a:clrFrom>
+              <a:clrTo>
+                <a:srgbClr val="FFFFFF">
+                  <a:alpha val="0"/>
+                </a:srgbClr>
+              </a:clrTo>
+            </a:clrChange>
+            <a:extLst>
+              <a:ext uri="{28A0092B-C50C-407E-A947-70E740481C1C}">
+                <a14:useLocalDpi xmlns:a14="http://schemas.microsoft.com/office/drawing/2010/main" val="0"/>
+              </a:ext>
+            </a:extLst>
+          </a:blip>
+          <a:stretch>
+            <a:fillRect/>
+          </a:stretch>
+        </p:blipFill>
+        <p:spPr>
+          <a:xfrm>
+            <a:off x="9307516" y="4358050"/>
+            <a:ext cx="2289597" cy="1821356"/>
+          </a:xfrm>
+          <a:prstGeom prst="rect">
+            <a:avLst/>
+          </a:prstGeom>
+          <a:ln w="28575">
+            <a:noFill/>
+          </a:ln>
+        </p:spPr>
+      </p:pic>
+      <p:sp>
+        <p:nvSpPr>
+          <p:cNvPr id="11" name="箭头: 右 10">
+            <a:extLst>
+              <a:ext uri="{FF2B5EF4-FFF2-40B4-BE49-F238E27FC236}">
+                <a16:creationId xmlns:a16="http://schemas.microsoft.com/office/drawing/2014/main" id="{AA2E2C92-4416-7CF6-0356-079F5A49DFA8}"/>
+              </a:ext>
+            </a:extLst>
+          </p:cNvPr>
+          <p:cNvSpPr/>
+          <p:nvPr/>
+        </p:nvSpPr>
+        <p:spPr>
+          <a:xfrm rot="19690375">
+            <a:off x="7921991" y="2519670"/>
+            <a:ext cx="1353115" cy="415897"/>
+          </a:xfrm>
+          <a:prstGeom prst="rightArrow">
+            <a:avLst/>
+          </a:prstGeom>
+          <a:solidFill>
+            <a:srgbClr val="C00000">
+              <a:alpha val="30196"/>
+            </a:srgbClr>
+          </a:solidFill>
+          <a:ln>
+            <a:noFill/>
+          </a:ln>
+        </p:spPr>
+        <p:style>
+          <a:lnRef idx="2">
+            <a:schemeClr val="accent1">
+              <a:shade val="50000"/>
+            </a:schemeClr>
+          </a:lnRef>
+          <a:fillRef idx="1">
+            <a:schemeClr val="accent1"/>
+          </a:fillRef>
+          <a:effectRef idx="0">
+            <a:schemeClr val="accent1"/>
+          </a:effectRef>
+          <a:fontRef idx="minor">
+            <a:schemeClr val="lt1"/>
+          </a:fontRef>
+        </p:style>
+        <p:txBody>
+          <a:bodyPr rtlCol="0" anchor="ctr"/>
+          <a:lstStyle/>
+          <a:p>
+            <a:pPr algn="ctr"/>
+            <a:endParaRPr lang="zh-CN" altLang="en-US"/>
+          </a:p>
+        </p:txBody>
+      </p:sp>
+      <p:sp>
+        <p:nvSpPr>
+          <p:cNvPr id="12" name="箭头: 右 11">
+            <a:extLst>
+              <a:ext uri="{FF2B5EF4-FFF2-40B4-BE49-F238E27FC236}">
+                <a16:creationId xmlns:a16="http://schemas.microsoft.com/office/drawing/2014/main" id="{842B2FB1-D035-B210-62EA-8546D4FF11FB}"/>
+              </a:ext>
+            </a:extLst>
+          </p:cNvPr>
+          <p:cNvSpPr/>
+          <p:nvPr/>
+        </p:nvSpPr>
+        <p:spPr>
+          <a:xfrm rot="12339021" flipH="1">
+            <a:off x="7583025" y="4511415"/>
+            <a:ext cx="1621581" cy="415897"/>
+          </a:xfrm>
+          <a:prstGeom prst="rightArrow">
+            <a:avLst/>
+          </a:prstGeom>
+          <a:solidFill>
+            <a:srgbClr val="4472C4">
+              <a:alpha val="30196"/>
+            </a:srgbClr>
+          </a:solidFill>
+          <a:ln>
+            <a:noFill/>
+          </a:ln>
+        </p:spPr>
+        <p:style>
+          <a:lnRef idx="2">
+            <a:schemeClr val="accent1">
+              <a:shade val="50000"/>
+            </a:schemeClr>
+          </a:lnRef>
+          <a:fillRef idx="1">
+            <a:schemeClr val="accent1"/>
+          </a:fillRef>
+          <a:effectRef idx="0">
+            <a:schemeClr val="accent1"/>
+          </a:effectRef>
+          <a:fontRef idx="minor">
+            <a:schemeClr val="lt1"/>
+          </a:fontRef>
+        </p:style>
+        <p:txBody>
+          <a:bodyPr rtlCol="0" anchor="ctr"/>
+          <a:lstStyle/>
+          <a:p>
+            <a:pPr algn="ctr"/>
+            <a:endParaRPr lang="zh-CN" altLang="en-US"/>
+          </a:p>
+        </p:txBody>
+      </p:sp>
+      <p:sp>
+        <p:nvSpPr>
+          <p:cNvPr id="13" name="矩形 12">
+            <a:extLst>
+              <a:ext uri="{FF2B5EF4-FFF2-40B4-BE49-F238E27FC236}">
+                <a16:creationId xmlns:a16="http://schemas.microsoft.com/office/drawing/2014/main" id="{3C3FB3C1-9D62-FEE8-2294-FC1EA345E2D2}"/>
+              </a:ext>
+            </a:extLst>
+          </p:cNvPr>
+          <p:cNvSpPr/>
+          <p:nvPr/>
+        </p:nvSpPr>
+        <p:spPr>
+          <a:xfrm>
+            <a:off x="9403303" y="1589272"/>
+            <a:ext cx="1965292" cy="1996026"/>
+          </a:xfrm>
+          <a:prstGeom prst="rect">
+            <a:avLst/>
+          </a:prstGeom>
+          <a:noFill/>
+          <a:ln w="28575">
+            <a:solidFill>
+              <a:srgbClr val="C00000"/>
+            </a:solidFill>
+          </a:ln>
+        </p:spPr>
+        <p:style>
+          <a:lnRef idx="2">
+            <a:schemeClr val="accent1">
+              <a:shade val="50000"/>
+            </a:schemeClr>
+          </a:lnRef>
+          <a:fillRef idx="1">
+            <a:schemeClr val="accent1"/>
+          </a:fillRef>
+          <a:effectRef idx="0">
+            <a:schemeClr val="accent1"/>
+          </a:effectRef>
+          <a:fontRef idx="minor">
+            <a:schemeClr val="lt1"/>
+          </a:fontRef>
+        </p:style>
+        <p:txBody>
+          <a:bodyPr rtlCol="0" anchor="ctr"/>
+          <a:lstStyle/>
+          <a:p>
+            <a:pPr algn="ctr"/>
+            <a:endParaRPr lang="zh-CN" altLang="en-US"/>
+          </a:p>
+        </p:txBody>
+      </p:sp>
+      <p:sp>
+        <p:nvSpPr>
+          <p:cNvPr id="14" name="矩形 13">
+            <a:extLst>
+              <a:ext uri="{FF2B5EF4-FFF2-40B4-BE49-F238E27FC236}">
+                <a16:creationId xmlns:a16="http://schemas.microsoft.com/office/drawing/2014/main" id="{C3C0DA22-7F62-2D1E-EF97-8EA9F77052FF}"/>
+              </a:ext>
+            </a:extLst>
+          </p:cNvPr>
+          <p:cNvSpPr/>
+          <p:nvPr/>
+        </p:nvSpPr>
+        <p:spPr>
+          <a:xfrm>
+            <a:off x="9493105" y="4270715"/>
+            <a:ext cx="1965292" cy="1996026"/>
+          </a:xfrm>
+          <a:prstGeom prst="rect">
+            <a:avLst/>
+          </a:prstGeom>
+          <a:noFill/>
+          <a:ln w="28575">
+            <a:solidFill>
+              <a:srgbClr val="4472C4"/>
+            </a:solidFill>
+          </a:ln>
+        </p:spPr>
+        <p:style>
+          <a:lnRef idx="2">
+            <a:schemeClr val="accent1">
+              <a:shade val="50000"/>
+            </a:schemeClr>
+          </a:lnRef>
+          <a:fillRef idx="1">
+            <a:schemeClr val="accent1"/>
+          </a:fillRef>
+          <a:effectRef idx="0">
+            <a:schemeClr val="accent1"/>
+          </a:effectRef>
+          <a:fontRef idx="minor">
+            <a:schemeClr val="lt1"/>
+          </a:fontRef>
+        </p:style>
+        <p:txBody>
+          <a:bodyPr rtlCol="0" anchor="ctr"/>
+          <a:lstStyle/>
+          <a:p>
+            <a:pPr algn="ctr"/>
+            <a:endParaRPr lang="zh-CN" altLang="en-US"/>
+          </a:p>
+        </p:txBody>
+      </p:sp>
+      <p:sp>
+        <p:nvSpPr>
+          <p:cNvPr id="15" name="L 形 14">
+            <a:extLst>
+              <a:ext uri="{FF2B5EF4-FFF2-40B4-BE49-F238E27FC236}">
+                <a16:creationId xmlns:a16="http://schemas.microsoft.com/office/drawing/2014/main" id="{2624735F-453A-7A6D-23F7-7BB97B3B4683}"/>
+              </a:ext>
+            </a:extLst>
+          </p:cNvPr>
+          <p:cNvSpPr/>
+          <p:nvPr/>
+        </p:nvSpPr>
+        <p:spPr>
+          <a:xfrm>
+            <a:off x="6159765" y="3050724"/>
+            <a:ext cx="1162942" cy="1119352"/>
+          </a:xfrm>
+          <a:prstGeom prst="corner">
+            <a:avLst>
+              <a:gd name="adj1" fmla="val 30282"/>
+              <a:gd name="adj2" fmla="val 22536"/>
+            </a:avLst>
+          </a:prstGeom>
+          <a:solidFill>
+            <a:srgbClr val="4472C4">
+              <a:alpha val="69804"/>
+            </a:srgbClr>
+          </a:solidFill>
+          <a:ln>
+            <a:noFill/>
+          </a:ln>
+        </p:spPr>
+        <p:style>
+          <a:lnRef idx="2">
+            <a:schemeClr val="accent1">
+              <a:shade val="50000"/>
+            </a:schemeClr>
+          </a:lnRef>
+          <a:fillRef idx="1">
+            <a:schemeClr val="accent1"/>
+          </a:fillRef>
+          <a:effectRef idx="0">
+            <a:schemeClr val="accent1"/>
+          </a:effectRef>
+          <a:fontRef idx="minor">
+            <a:schemeClr val="lt1"/>
+          </a:fontRef>
+        </p:style>
+        <p:txBody>
+          <a:bodyPr rtlCol="0" anchor="ctr"/>
+          <a:lstStyle/>
+          <a:p>
+            <a:pPr algn="ctr"/>
+            <a:endParaRPr lang="zh-CN" altLang="en-US"/>
+          </a:p>
+        </p:txBody>
+      </p:sp>
+    </p:spTree>
+    <p:extLst>
+      <p:ext uri="{BB962C8B-B14F-4D97-AF65-F5344CB8AC3E}">
+        <p14:creationId xmlns:p14="http://schemas.microsoft.com/office/powerpoint/2010/main" val="2783191827"/>
+      </p:ext>
+    </p:extLst>
+  </p:cSld>
+  <p:clrMapOvr>
+    <a:masterClrMapping/>
+  </p:clrMapOvr>
+  <p:timing>
+    <p:tnLst>
+      <p:par>
+        <p:cTn id="1" dur="indefinite" restart="never" nodeType="tmRoot">
+          <p:childTnLst>
+            <p:seq concurrent="1" nextAc="seek">
+              <p:cTn id="2" dur="indefinite" nodeType="mainSeq">
+                <p:childTnLst>
+                  <p:par>
+                    <p:cTn id="3" fill="hold">
+                      <p:stCondLst>
+                        <p:cond delay="indefinite"/>
+                      </p:stCondLst>
+                      <p:childTnLst>
+                        <p:par>
+                          <p:cTn id="4" fill="hold">
+                            <p:stCondLst>
+                              <p:cond delay="0"/>
+                            </p:stCondLst>
+                            <p:childTnLst>
+                              <p:par>
+                                <p:cTn id="5" presetID="1" presetClass="exit" presetSubtype="0" fill="hold" nodeType="clickEffect">
+                                  <p:stCondLst>
+                                    <p:cond delay="0"/>
+                                  </p:stCondLst>
+                                  <p:childTnLst>
+                                    <p:set>
+                                      <p:cBhvr>
+                                        <p:cTn id="6" dur="1" fill="hold">
+                                          <p:stCondLst>
+                                            <p:cond delay="0"/>
+                                          </p:stCondLst>
+                                        </p:cTn>
+                                        <p:tgtEl>
+                                          <p:spTgt spid="6"/>
+                                        </p:tgtEl>
+                                        <p:attrNameLst>
+                                          <p:attrName>style.visibility</p:attrName>
+                                        </p:attrNameLst>
+                                      </p:cBhvr>
+                                      <p:to>
+                                        <p:strVal val="hidden"/>
+                                      </p:to>
+                                    </p:set>
+                                  </p:childTnLst>
+                                </p:cTn>
+                              </p:par>
+                              <p:par>
+                                <p:cTn id="7" presetID="1" presetClass="exit" presetSubtype="0" fill="hold" grpId="0" nodeType="withEffect">
+                                  <p:stCondLst>
+                                    <p:cond delay="0"/>
+                                  </p:stCondLst>
+                                  <p:childTnLst>
+                                    <p:set>
+                                      <p:cBhvr>
+                                        <p:cTn id="8" dur="1" fill="hold">
+                                          <p:stCondLst>
+                                            <p:cond delay="0"/>
+                                          </p:stCondLst>
+                                        </p:cTn>
+                                        <p:tgtEl>
+                                          <p:spTgt spid="8"/>
+                                        </p:tgtEl>
+                                        <p:attrNameLst>
+                                          <p:attrName>style.visibility</p:attrName>
+                                        </p:attrNameLst>
+                                      </p:cBhvr>
+                                      <p:to>
+                                        <p:strVal val="hidden"/>
+                                      </p:to>
+                                    </p:set>
+                                  </p:childTnLst>
+                                </p:cTn>
+                              </p:par>
+                            </p:childTnLst>
+                          </p:cTn>
+                        </p:par>
+                        <p:par>
+                          <p:cTn id="9" fill="hold">
+                            <p:stCondLst>
+                              <p:cond delay="0"/>
+                            </p:stCondLst>
+                            <p:childTnLst>
+                              <p:par>
+                                <p:cTn id="10" presetID="10" presetClass="entr" presetSubtype="0" fill="hold" grpId="0" nodeType="afterEffect">
+                                  <p:stCondLst>
+                                    <p:cond delay="0"/>
+                                  </p:stCondLst>
+                                  <p:childTnLst>
+                                    <p:set>
+                                      <p:cBhvr>
+                                        <p:cTn id="11" dur="1" fill="hold">
+                                          <p:stCondLst>
+                                            <p:cond delay="0"/>
+                                          </p:stCondLst>
+                                        </p:cTn>
+                                        <p:tgtEl>
+                                          <p:spTgt spid="11"/>
+                                        </p:tgtEl>
+                                        <p:attrNameLst>
+                                          <p:attrName>style.visibility</p:attrName>
+                                        </p:attrNameLst>
+                                      </p:cBhvr>
+                                      <p:to>
+                                        <p:strVal val="visible"/>
+                                      </p:to>
+                                    </p:set>
+                                    <p:animEffect transition="in" filter="fade">
+                                      <p:cBhvr>
+                                        <p:cTn id="12" dur="500"/>
+                                        <p:tgtEl>
+                                          <p:spTgt spid="11"/>
+                                        </p:tgtEl>
+                                      </p:cBhvr>
+                                    </p:animEffect>
+                                  </p:childTnLst>
+                                </p:cTn>
+                              </p:par>
+                              <p:par>
+                                <p:cTn id="13" presetID="10" presetClass="entr" presetSubtype="0" fill="hold" grpId="0" nodeType="withEffect">
+                                  <p:stCondLst>
+                                    <p:cond delay="0"/>
+                                  </p:stCondLst>
+                                  <p:childTnLst>
+                                    <p:set>
+                                      <p:cBhvr>
+                                        <p:cTn id="14" dur="1" fill="hold">
+                                          <p:stCondLst>
+                                            <p:cond delay="0"/>
+                                          </p:stCondLst>
+                                        </p:cTn>
+                                        <p:tgtEl>
+                                          <p:spTgt spid="12"/>
+                                        </p:tgtEl>
+                                        <p:attrNameLst>
+                                          <p:attrName>style.visibility</p:attrName>
+                                        </p:attrNameLst>
+                                      </p:cBhvr>
+                                      <p:to>
+                                        <p:strVal val="visible"/>
+                                      </p:to>
+                                    </p:set>
+                                    <p:animEffect transition="in" filter="fade">
+                                      <p:cBhvr>
+                                        <p:cTn id="15" dur="500"/>
+                                        <p:tgtEl>
+                                          <p:spTgt spid="12"/>
+                                        </p:tgtEl>
+                                      </p:cBhvr>
+                                    </p:animEffect>
+                                  </p:childTnLst>
+                                </p:cTn>
+                              </p:par>
+                              <p:par>
+                                <p:cTn id="16" presetID="10" presetClass="entr" presetSubtype="0" fill="hold" nodeType="withEffect">
+                                  <p:stCondLst>
+                                    <p:cond delay="0"/>
+                                  </p:stCondLst>
+                                  <p:childTnLst>
+                                    <p:set>
+                                      <p:cBhvr>
+                                        <p:cTn id="17" dur="1" fill="hold">
+                                          <p:stCondLst>
+                                            <p:cond delay="0"/>
+                                          </p:stCondLst>
+                                        </p:cTn>
+                                        <p:tgtEl>
+                                          <p:spTgt spid="10"/>
+                                        </p:tgtEl>
+                                        <p:attrNameLst>
+                                          <p:attrName>style.visibility</p:attrName>
+                                        </p:attrNameLst>
+                                      </p:cBhvr>
+                                      <p:to>
+                                        <p:strVal val="visible"/>
+                                      </p:to>
+                                    </p:set>
+                                    <p:animEffect transition="in" filter="fade">
+                                      <p:cBhvr>
+                                        <p:cTn id="18" dur="500"/>
+                                        <p:tgtEl>
+                                          <p:spTgt spid="10"/>
+                                        </p:tgtEl>
+                                      </p:cBhvr>
+                                    </p:animEffect>
+                                  </p:childTnLst>
+                                </p:cTn>
+                              </p:par>
+                              <p:par>
+                                <p:cTn id="19" presetID="10" presetClass="entr" presetSubtype="0" fill="hold" nodeType="withEffect">
+                                  <p:stCondLst>
+                                    <p:cond delay="0"/>
+                                  </p:stCondLst>
+                                  <p:childTnLst>
+                                    <p:set>
+                                      <p:cBhvr>
+                                        <p:cTn id="20" dur="1" fill="hold">
+                                          <p:stCondLst>
+                                            <p:cond delay="0"/>
+                                          </p:stCondLst>
+                                        </p:cTn>
+                                        <p:tgtEl>
+                                          <p:spTgt spid="9"/>
+                                        </p:tgtEl>
+                                        <p:attrNameLst>
+                                          <p:attrName>style.visibility</p:attrName>
+                                        </p:attrNameLst>
+                                      </p:cBhvr>
+                                      <p:to>
+                                        <p:strVal val="visible"/>
+                                      </p:to>
+                                    </p:set>
+                                    <p:animEffect transition="in" filter="fade">
+                                      <p:cBhvr>
+                                        <p:cTn id="21" dur="500"/>
+                                        <p:tgtEl>
+                                          <p:spTgt spid="9"/>
+                                        </p:tgtEl>
+                                      </p:cBhvr>
+                                    </p:animEffect>
+                                  </p:childTnLst>
+                                </p:cTn>
+                              </p:par>
+                              <p:par>
+                                <p:cTn id="22" presetID="10" presetClass="entr" presetSubtype="0" fill="hold" grpId="0" nodeType="withEffect">
+                                  <p:stCondLst>
+                                    <p:cond delay="0"/>
+                                  </p:stCondLst>
+                                  <p:childTnLst>
+                                    <p:set>
+                                      <p:cBhvr>
+                                        <p:cTn id="23" dur="1" fill="hold">
+                                          <p:stCondLst>
+                                            <p:cond delay="0"/>
+                                          </p:stCondLst>
+                                        </p:cTn>
+                                        <p:tgtEl>
+                                          <p:spTgt spid="13"/>
+                                        </p:tgtEl>
+                                        <p:attrNameLst>
+                                          <p:attrName>style.visibility</p:attrName>
+                                        </p:attrNameLst>
+                                      </p:cBhvr>
+                                      <p:to>
+                                        <p:strVal val="visible"/>
+                                      </p:to>
+                                    </p:set>
+                                    <p:animEffect transition="in" filter="fade">
+                                      <p:cBhvr>
+                                        <p:cTn id="24" dur="500"/>
+                                        <p:tgtEl>
+                                          <p:spTgt spid="13"/>
+                                        </p:tgtEl>
+                                      </p:cBhvr>
+                                    </p:animEffect>
+                                  </p:childTnLst>
+                                </p:cTn>
+                              </p:par>
+                              <p:par>
+                                <p:cTn id="25" presetID="10" presetClass="entr" presetSubtype="0" fill="hold" grpId="0" nodeType="withEffect">
+                                  <p:stCondLst>
+                                    <p:cond delay="0"/>
+                                  </p:stCondLst>
+                                  <p:childTnLst>
+                                    <p:set>
+                                      <p:cBhvr>
+                                        <p:cTn id="26" dur="1" fill="hold">
+                                          <p:stCondLst>
+                                            <p:cond delay="0"/>
+                                          </p:stCondLst>
+                                        </p:cTn>
+                                        <p:tgtEl>
+                                          <p:spTgt spid="14"/>
+                                        </p:tgtEl>
+                                        <p:attrNameLst>
+                                          <p:attrName>style.visibility</p:attrName>
+                                        </p:attrNameLst>
+                                      </p:cBhvr>
+                                      <p:to>
+                                        <p:strVal val="visible"/>
+                                      </p:to>
+                                    </p:set>
+                                    <p:animEffect transition="in" filter="fade">
+                                      <p:cBhvr>
+                                        <p:cTn id="27" dur="500"/>
+                                        <p:tgtEl>
+                                          <p:spTgt spid="14"/>
+                                        </p:tgtEl>
+                                      </p:cBhvr>
+                                    </p:animEffect>
+                                  </p:childTnLst>
+                                </p:cTn>
+                              </p:par>
+                            </p:childTnLst>
+                          </p:cTn>
+                        </p:par>
+                      </p:childTnLst>
+                    </p:cTn>
+                  </p:par>
+                  <p:par>
+                    <p:cTn id="28" fill="hold">
+                      <p:stCondLst>
+                        <p:cond delay="indefinite"/>
+                      </p:stCondLst>
+                      <p:childTnLst>
+                        <p:par>
+                          <p:cTn id="29" fill="hold">
+                            <p:stCondLst>
+                              <p:cond delay="0"/>
+                            </p:stCondLst>
+                            <p:childTnLst>
+                              <p:par>
+                                <p:cTn id="30" presetID="10" presetClass="exit" presetSubtype="0" fill="hold" nodeType="clickEffect">
+                                  <p:stCondLst>
+                                    <p:cond delay="0"/>
+                                  </p:stCondLst>
+                                  <p:childTnLst>
+                                    <p:animEffect transition="out" filter="fade">
+                                      <p:cBhvr>
+                                        <p:cTn id="31" dur="500"/>
+                                        <p:tgtEl>
+                                          <p:spTgt spid="7"/>
+                                        </p:tgtEl>
+                                      </p:cBhvr>
+                                    </p:animEffect>
+                                    <p:set>
+                                      <p:cBhvr>
+                                        <p:cTn id="32" dur="1" fill="hold">
+                                          <p:stCondLst>
+                                            <p:cond delay="499"/>
+                                          </p:stCondLst>
+                                        </p:cTn>
+                                        <p:tgtEl>
+                                          <p:spTgt spid="7"/>
+                                        </p:tgtEl>
+                                        <p:attrNameLst>
+                                          <p:attrName>style.visibility</p:attrName>
+                                        </p:attrNameLst>
+                                      </p:cBhvr>
+                                      <p:to>
+                                        <p:strVal val="hidden"/>
+                                      </p:to>
+                                    </p:set>
+                                  </p:childTnLst>
+                                </p:cTn>
+                              </p:par>
+                              <p:par>
+                                <p:cTn id="33" presetID="10" presetClass="exit" presetSubtype="0" fill="hold" grpId="1" nodeType="withEffect">
+                                  <p:stCondLst>
+                                    <p:cond delay="0"/>
+                                  </p:stCondLst>
+                                  <p:childTnLst>
+                                    <p:animEffect transition="out" filter="fade">
+                                      <p:cBhvr>
+                                        <p:cTn id="34" dur="500"/>
+                                        <p:tgtEl>
+                                          <p:spTgt spid="11"/>
+                                        </p:tgtEl>
+                                      </p:cBhvr>
+                                    </p:animEffect>
+                                    <p:set>
+                                      <p:cBhvr>
+                                        <p:cTn id="35" dur="1" fill="hold">
+                                          <p:stCondLst>
+                                            <p:cond delay="499"/>
+                                          </p:stCondLst>
+                                        </p:cTn>
+                                        <p:tgtEl>
+                                          <p:spTgt spid="11"/>
+                                        </p:tgtEl>
+                                        <p:attrNameLst>
+                                          <p:attrName>style.visibility</p:attrName>
+                                        </p:attrNameLst>
+                                      </p:cBhvr>
+                                      <p:to>
+                                        <p:strVal val="hidden"/>
+                                      </p:to>
+                                    </p:set>
+                                  </p:childTnLst>
+                                </p:cTn>
+                              </p:par>
+                              <p:par>
+                                <p:cTn id="36" presetID="10" presetClass="exit" presetSubtype="0" fill="hold" grpId="1" nodeType="withEffect">
+                                  <p:stCondLst>
+                                    <p:cond delay="0"/>
+                                  </p:stCondLst>
+                                  <p:childTnLst>
+                                    <p:animEffect transition="out" filter="fade">
+                                      <p:cBhvr>
+                                        <p:cTn id="37" dur="500"/>
+                                        <p:tgtEl>
+                                          <p:spTgt spid="12"/>
+                                        </p:tgtEl>
+                                      </p:cBhvr>
+                                    </p:animEffect>
+                                    <p:set>
+                                      <p:cBhvr>
+                                        <p:cTn id="38" dur="1" fill="hold">
+                                          <p:stCondLst>
+                                            <p:cond delay="499"/>
+                                          </p:stCondLst>
+                                        </p:cTn>
+                                        <p:tgtEl>
+                                          <p:spTgt spid="12"/>
+                                        </p:tgtEl>
+                                        <p:attrNameLst>
+                                          <p:attrName>style.visibility</p:attrName>
+                                        </p:attrNameLst>
+                                      </p:cBhvr>
+                                      <p:to>
+                                        <p:strVal val="hidden"/>
+                                      </p:to>
+                                    </p:set>
+                                  </p:childTnLst>
+                                </p:cTn>
+                              </p:par>
+                              <p:par>
+                                <p:cTn id="39" presetID="10" presetClass="exit" presetSubtype="0" fill="hold" grpId="1" nodeType="withEffect">
+                                  <p:stCondLst>
+                                    <p:cond delay="0"/>
+                                  </p:stCondLst>
+                                  <p:childTnLst>
+                                    <p:animEffect transition="out" filter="fade">
+                                      <p:cBhvr>
+                                        <p:cTn id="40" dur="500"/>
+                                        <p:tgtEl>
+                                          <p:spTgt spid="13"/>
+                                        </p:tgtEl>
+                                      </p:cBhvr>
+                                    </p:animEffect>
+                                    <p:set>
+                                      <p:cBhvr>
+                                        <p:cTn id="41" dur="1" fill="hold">
+                                          <p:stCondLst>
+                                            <p:cond delay="499"/>
+                                          </p:stCondLst>
+                                        </p:cTn>
+                                        <p:tgtEl>
+                                          <p:spTgt spid="13"/>
+                                        </p:tgtEl>
+                                        <p:attrNameLst>
+                                          <p:attrName>style.visibility</p:attrName>
+                                        </p:attrNameLst>
+                                      </p:cBhvr>
+                                      <p:to>
+                                        <p:strVal val="hidden"/>
+                                      </p:to>
+                                    </p:set>
+                                  </p:childTnLst>
+                                </p:cTn>
+                              </p:par>
+                              <p:par>
+                                <p:cTn id="42" presetID="10" presetClass="exit" presetSubtype="0" fill="hold" grpId="0" nodeType="withEffect">
+                                  <p:stCondLst>
+                                    <p:cond delay="0"/>
+                                  </p:stCondLst>
+                                  <p:childTnLst>
+                                    <p:animEffect transition="out" filter="fade">
+                                      <p:cBhvr>
+                                        <p:cTn id="43" dur="500"/>
+                                        <p:tgtEl>
+                                          <p:spTgt spid="15"/>
+                                        </p:tgtEl>
+                                      </p:cBhvr>
+                                    </p:animEffect>
+                                    <p:set>
+                                      <p:cBhvr>
+                                        <p:cTn id="44" dur="1" fill="hold">
+                                          <p:stCondLst>
+                                            <p:cond delay="499"/>
+                                          </p:stCondLst>
+                                        </p:cTn>
+                                        <p:tgtEl>
+                                          <p:spTgt spid="15"/>
+                                        </p:tgtEl>
+                                        <p:attrNameLst>
+                                          <p:attrName>style.visibility</p:attrName>
+                                        </p:attrNameLst>
+                                      </p:cBhvr>
+                                      <p:to>
+                                        <p:strVal val="hidden"/>
+                                      </p:to>
+                                    </p:set>
+                                  </p:childTnLst>
+                                </p:cTn>
+                              </p:par>
+                              <p:par>
+                                <p:cTn id="45" presetID="10" presetClass="exit" presetSubtype="0" fill="hold" grpId="1" nodeType="withEffect">
+                                  <p:stCondLst>
+                                    <p:cond delay="0"/>
+                                  </p:stCondLst>
+                                  <p:childTnLst>
+                                    <p:animEffect transition="out" filter="fade">
+                                      <p:cBhvr>
+                                        <p:cTn id="46" dur="500"/>
+                                        <p:tgtEl>
+                                          <p:spTgt spid="14"/>
+                                        </p:tgtEl>
+                                      </p:cBhvr>
+                                    </p:animEffect>
+                                    <p:set>
+                                      <p:cBhvr>
+                                        <p:cTn id="47" dur="1" fill="hold">
+                                          <p:stCondLst>
+                                            <p:cond delay="499"/>
+                                          </p:stCondLst>
+                                        </p:cTn>
+                                        <p:tgtEl>
+                                          <p:spTgt spid="14"/>
+                                        </p:tgtEl>
+                                        <p:attrNameLst>
+                                          <p:attrName>style.visibility</p:attrName>
+                                        </p:attrNameLst>
+                                      </p:cBhvr>
+                                      <p:to>
+                                        <p:strVal val="hidden"/>
+                                      </p:to>
+                                    </p:set>
+                                  </p:childTnLst>
+                                </p:cTn>
+                              </p:par>
+                            </p:childTnLst>
+                          </p:cTn>
+                        </p:par>
+                      </p:childTnLst>
+                    </p:cTn>
+                  </p:par>
+                </p:childTnLst>
+              </p:cTn>
+              <p:prevCondLst>
+                <p:cond evt="onPrev" delay="0">
+                  <p:tgtEl>
+                    <p:sldTgt/>
+                  </p:tgtEl>
+                </p:cond>
+              </p:prevCondLst>
+              <p:nextCondLst>
+                <p:cond evt="onNext" delay="0">
+                  <p:tgtEl>
+                    <p:sldTgt/>
+                  </p:tgtEl>
+                </p:cond>
+              </p:nextCondLst>
+            </p:seq>
+          </p:childTnLst>
+        </p:cTn>
+      </p:par>
+    </p:tnLst>
+    <p:bldLst>
+      <p:bldP spid="8" grpId="0" animBg="1"/>
+      <p:bldP spid="11" grpId="0" animBg="1"/>
+      <p:bldP spid="11" grpId="1" animBg="1"/>
+      <p:bldP spid="12" grpId="0" animBg="1"/>
+      <p:bldP spid="12" grpId="1" animBg="1"/>
+      <p:bldP spid="13" grpId="0" animBg="1"/>
+      <p:bldP spid="13" grpId="1" animBg="1"/>
+      <p:bldP spid="14" grpId="0" animBg="1"/>
+      <p:bldP spid="14" grpId="1" animBg="1"/>
+      <p:bldP spid="15" grpId="0" animBg="1"/>
+    </p:bldLst>
+  </p:timing>
+</p:sld>
+</file>
+
+<file path=ppt/slides/slide11.xml><?xml version="1.0" encoding="utf-8"?>
+<p:sld xmlns:a="http://schemas.openxmlformats.org/drawingml/2006/main" xmlns:r="http://schemas.openxmlformats.org/officeDocument/2006/relationships" xmlns:p="http://schemas.openxmlformats.org/presentationml/2006/main">
+  <p:cSld>
+    <p:spTree>
+      <p:nvGrpSpPr>
+        <p:cNvPr id="1" name=""/>
+        <p:cNvGrpSpPr/>
+        <p:nvPr/>
+      </p:nvGrpSpPr>
+      <p:grpSpPr>
+        <a:xfrm>
+          <a:off x="0" y="0"/>
+          <a:ext cx="0" cy="0"/>
+          <a:chOff x="0" y="0"/>
+          <a:chExt cx="0" cy="0"/>
+        </a:xfrm>
+      </p:grpSpPr>
       <p:pic>
         <p:nvPicPr>
           <p:cNvPr id="5" name="内容占位符 4" descr="图片包含 图示&#10;&#10;描述已自动生成">
@@ -3467,7 +5747,7 @@
 </p:sld>
 </file>
 
-<file path=ppt/slides/slide11.xml><?xml version="1.0" encoding="utf-8"?>
+<file path=ppt/slides/slide12.xml><?xml version="1.0" encoding="utf-8"?>
 <p:sld xmlns:a="http://schemas.openxmlformats.org/drawingml/2006/main" xmlns:r="http://schemas.openxmlformats.org/officeDocument/2006/relationships" xmlns:p="http://schemas.openxmlformats.org/presentationml/2006/main">
   <p:cSld>
     <p:spTree>
@@ -9651,6 +11931,1866 @@
           <a:chExt cx="0" cy="0"/>
         </a:xfrm>
       </p:grpSpPr>
+      <p:sp>
+        <p:nvSpPr>
+          <p:cNvPr id="3" name="标题 2">
+            <a:extLst>
+              <a:ext uri="{FF2B5EF4-FFF2-40B4-BE49-F238E27FC236}">
+                <a16:creationId xmlns:a16="http://schemas.microsoft.com/office/drawing/2014/main" id="{B8D66DEC-EA44-4B04-8912-D7EBC5EE297C}"/>
+              </a:ext>
+            </a:extLst>
+          </p:cNvPr>
+          <p:cNvSpPr>
+            <a:spLocks noGrp="1"/>
+          </p:cNvSpPr>
+          <p:nvPr>
+            <p:ph type="ctrTitle"/>
+          </p:nvPr>
+        </p:nvSpPr>
+        <p:spPr/>
+        <p:txBody>
+          <a:bodyPr/>
+          <a:lstStyle/>
+          <a:p>
+            <a:r>
+              <a:rPr lang="zh-CN" altLang="en-US" dirty="0"/>
+              <a:t>等效电路中电流元素的互感</a:t>
+            </a:r>
+          </a:p>
+        </p:txBody>
+      </p:sp>
+      <mc:AlternateContent xmlns:mc="http://schemas.openxmlformats.org/markup-compatibility/2006">
+        <mc:Choice xmlns:a14="http://schemas.microsoft.com/office/drawing/2010/main" Requires="a14">
+          <p:sp>
+            <p:nvSpPr>
+              <p:cNvPr id="22" name="文本框 21">
+                <a:extLst>
+                  <a:ext uri="{FF2B5EF4-FFF2-40B4-BE49-F238E27FC236}">
+                    <a16:creationId xmlns:a16="http://schemas.microsoft.com/office/drawing/2014/main" id="{BEB7F580-22CC-42C3-AD41-1F4046465106}"/>
+                  </a:ext>
+                </a:extLst>
+              </p:cNvPr>
+              <p:cNvSpPr txBox="1"/>
+              <p:nvPr/>
+            </p:nvSpPr>
+            <p:spPr>
+              <a:xfrm>
+                <a:off x="4606358" y="1323413"/>
+                <a:ext cx="5927417" cy="1476879"/>
+              </a:xfrm>
+              <a:prstGeom prst="rect">
+                <a:avLst/>
+              </a:prstGeom>
+              <a:noFill/>
+            </p:spPr>
+            <p:txBody>
+              <a:bodyPr wrap="square" rtlCol="0">
+                <a:spAutoFit/>
+              </a:bodyPr>
+              <a:lstStyle/>
+              <a:p>
+                <a:pPr>
+                  <a:lnSpc>
+                    <a:spcPct val="120000"/>
+                  </a:lnSpc>
+                </a:pPr>
+                <a:r>
+                  <a:rPr lang="zh-CN" altLang="en-US" dirty="0"/>
+                  <a:t>根据集总电路理论，导体段</a:t>
+                </a:r>
+                <a14:m>
+                  <m:oMath xmlns:m="http://schemas.openxmlformats.org/officeDocument/2006/math">
+                    <m:sSup>
+                      <m:sSupPr>
+                        <m:ctrlPr>
+                          <a:rPr lang="en-US" altLang="zh-CN" i="1" dirty="0">
+                            <a:latin typeface="Cambria Math" panose="02040503050406030204" pitchFamily="18" charset="0"/>
+                          </a:rPr>
+                        </m:ctrlPr>
+                      </m:sSupPr>
+                      <m:e>
+                        <m:r>
+                          <a:rPr lang="en-US" altLang="zh-CN" i="1" dirty="0">
+                            <a:latin typeface="Cambria Math" panose="02040503050406030204" pitchFamily="18" charset="0"/>
+                          </a:rPr>
+                          <m:t>𝐿</m:t>
+                        </m:r>
+                      </m:e>
+                      <m:sup>
+                        <m:r>
+                          <a:rPr lang="en-US" altLang="zh-CN" i="1" dirty="0">
+                            <a:latin typeface="Cambria Math" panose="02040503050406030204" pitchFamily="18" charset="0"/>
+                          </a:rPr>
+                          <m:t>′</m:t>
+                        </m:r>
+                      </m:sup>
+                    </m:sSup>
+                  </m:oMath>
+                </a14:m>
+                <a:r>
+                  <a:rPr lang="zh-CN" altLang="en-US" dirty="0"/>
+                  <a:t>的电感电势是源电流</a:t>
+                </a:r>
+                <a14:m>
+                  <m:oMath xmlns:m="http://schemas.openxmlformats.org/officeDocument/2006/math">
+                    <m:r>
+                      <a:rPr lang="en-US" altLang="zh-CN" i="1" kern="100">
+                        <a:latin typeface="Cambria Math" panose="02040503050406030204" pitchFamily="18" charset="0"/>
+                        <a:ea typeface="宋体" panose="02010600030101010101" pitchFamily="2" charset="-122"/>
+                        <a:cs typeface="Times New Roman" panose="02020603050405020304" pitchFamily="18" charset="0"/>
+                      </a:rPr>
+                      <m:t>𝑗</m:t>
+                    </m:r>
+                  </m:oMath>
+                </a14:m>
+                <a:r>
+                  <a:rPr lang="zh-CN" altLang="en-US" dirty="0"/>
+                  <a:t>在目标导体段</a:t>
+                </a:r>
+                <a14:m>
+                  <m:oMath xmlns:m="http://schemas.openxmlformats.org/officeDocument/2006/math">
+                    <m:sSup>
+                      <m:sSupPr>
+                        <m:ctrlPr>
+                          <a:rPr lang="en-US" altLang="zh-CN" i="1" dirty="0">
+                            <a:latin typeface="Cambria Math" panose="02040503050406030204" pitchFamily="18" charset="0"/>
+                          </a:rPr>
+                        </m:ctrlPr>
+                      </m:sSupPr>
+                      <m:e>
+                        <m:r>
+                          <a:rPr lang="en-US" altLang="zh-CN" i="1" dirty="0">
+                            <a:latin typeface="Cambria Math" panose="02040503050406030204" pitchFamily="18" charset="0"/>
+                          </a:rPr>
+                          <m:t>𝐿</m:t>
+                        </m:r>
+                      </m:e>
+                      <m:sup>
+                        <m:r>
+                          <a:rPr lang="en-US" altLang="zh-CN" i="1" dirty="0">
+                            <a:latin typeface="Cambria Math" panose="02040503050406030204" pitchFamily="18" charset="0"/>
+                          </a:rPr>
+                          <m:t>′</m:t>
+                        </m:r>
+                      </m:sup>
+                    </m:sSup>
+                  </m:oMath>
+                </a14:m>
+                <a:r>
+                  <a:rPr lang="zh-CN" altLang="en-US" dirty="0"/>
+                  <a:t>上的矢量磁位的积分：</a:t>
+                </a:r>
+                <a:endParaRPr lang="en-US" altLang="zh-CN" dirty="0"/>
+              </a:p>
+              <a:p>
+                <a:pPr>
+                  <a:lnSpc>
+                    <a:spcPct val="120000"/>
+                  </a:lnSpc>
+                </a:pPr>
+                <a14:m>
+                  <m:oMathPara xmlns:m="http://schemas.openxmlformats.org/officeDocument/2006/math">
+                    <m:oMathParaPr>
+                      <m:jc m:val="centerGroup"/>
+                    </m:oMathParaPr>
+                    <m:oMath xmlns:m="http://schemas.openxmlformats.org/officeDocument/2006/math">
+                      <m:r>
+                        <a:rPr lang="en-US" altLang="zh-CN" i="1" kern="100" dirty="0">
+                          <a:latin typeface="Cambria Math" panose="02040503050406030204" pitchFamily="18" charset="0"/>
+                          <a:ea typeface="宋体" panose="02010600030101010101" pitchFamily="2" charset="-122"/>
+                          <a:cs typeface="Times New Roman" panose="02020603050405020304" pitchFamily="18" charset="0"/>
+                        </a:rPr>
+                        <m:t>𝑀</m:t>
+                      </m:r>
+                      <m:r>
+                        <a:rPr lang="en-US" altLang="zh-CN" i="1" kern="100">
+                          <a:latin typeface="Cambria Math" panose="02040503050406030204" pitchFamily="18" charset="0"/>
+                          <a:ea typeface="宋体" panose="02010600030101010101" pitchFamily="2" charset="-122"/>
+                          <a:cs typeface="Times New Roman" panose="02020603050405020304" pitchFamily="18" charset="0"/>
+                        </a:rPr>
+                        <m:t>∙</m:t>
+                      </m:r>
+                      <m:f>
+                        <m:fPr>
+                          <m:ctrlPr>
+                            <a:rPr lang="zh-CN" altLang="zh-CN" i="1">
+                              <a:latin typeface="Cambria Math" panose="02040503050406030204" pitchFamily="18" charset="0"/>
+                              <a:ea typeface="Cambria Math" panose="02040503050406030204" pitchFamily="18" charset="0"/>
+                            </a:rPr>
+                          </m:ctrlPr>
+                        </m:fPr>
+                        <m:num>
+                          <m:r>
+                            <a:rPr lang="en-US" altLang="zh-CN" i="1" kern="100">
+                              <a:latin typeface="Cambria Math" panose="02040503050406030204" pitchFamily="18" charset="0"/>
+                              <a:ea typeface="宋体" panose="02010600030101010101" pitchFamily="2" charset="-122"/>
+                              <a:cs typeface="Times New Roman" panose="02020603050405020304" pitchFamily="18" charset="0"/>
+                            </a:rPr>
+                            <m:t>𝑑</m:t>
+                          </m:r>
+                          <m:r>
+                            <a:rPr lang="en-US" altLang="zh-CN" b="1" i="1" kern="100">
+                              <a:latin typeface="Cambria Math" panose="02040503050406030204" pitchFamily="18" charset="0"/>
+                              <a:ea typeface="宋体" panose="02010600030101010101" pitchFamily="2" charset="-122"/>
+                              <a:cs typeface="Times New Roman" panose="02020603050405020304" pitchFamily="18" charset="0"/>
+                            </a:rPr>
+                            <m:t>𝒋</m:t>
+                          </m:r>
+                        </m:num>
+                        <m:den>
+                          <m:r>
+                            <a:rPr lang="en-US" altLang="zh-CN" i="1" kern="100">
+                              <a:latin typeface="Cambria Math" panose="02040503050406030204" pitchFamily="18" charset="0"/>
+                              <a:ea typeface="宋体" panose="02010600030101010101" pitchFamily="2" charset="-122"/>
+                              <a:cs typeface="Times New Roman" panose="02020603050405020304" pitchFamily="18" charset="0"/>
+                            </a:rPr>
+                            <m:t>𝑑𝑡</m:t>
+                          </m:r>
+                        </m:den>
+                      </m:f>
+                      <m:r>
+                        <a:rPr lang="en-US" altLang="zh-CN" i="1" kern="100">
+                          <a:latin typeface="Cambria Math" panose="02040503050406030204" pitchFamily="18" charset="0"/>
+                          <a:ea typeface="宋体" panose="02010600030101010101" pitchFamily="2" charset="-122"/>
+                          <a:cs typeface="Times New Roman" panose="02020603050405020304" pitchFamily="18" charset="0"/>
+                        </a:rPr>
+                        <m:t>=</m:t>
+                      </m:r>
+                      <m:nary>
+                        <m:naryPr>
+                          <m:limLoc m:val="subSup"/>
+                          <m:ctrlPr>
+                            <a:rPr lang="zh-CN" altLang="zh-CN" i="1">
+                              <a:latin typeface="Cambria Math" panose="02040503050406030204" pitchFamily="18" charset="0"/>
+                              <a:ea typeface="Cambria Math" panose="02040503050406030204" pitchFamily="18" charset="0"/>
+                            </a:rPr>
+                          </m:ctrlPr>
+                        </m:naryPr>
+                        <m:sub>
+                          <m:r>
+                            <m:rPr>
+                              <m:brk m:alnAt="1"/>
+                            </m:rPr>
+                            <a:rPr lang="en-US" altLang="zh-CN" i="1" kern="100">
+                              <a:latin typeface="Cambria Math" panose="02040503050406030204" pitchFamily="18" charset="0"/>
+                              <a:ea typeface="Cambria Math" panose="02040503050406030204" pitchFamily="18" charset="0"/>
+                              <a:cs typeface="Times New Roman" panose="02020603050405020304" pitchFamily="18" charset="0"/>
+                            </a:rPr>
+                            <m:t>𝐿</m:t>
+                          </m:r>
+                        </m:sub>
+                        <m:sup>
+                          <m:r>
+                            <a:rPr lang="en-US" altLang="zh-CN" i="1" kern="100">
+                              <a:latin typeface="Cambria Math" panose="02040503050406030204" pitchFamily="18" charset="0"/>
+                              <a:ea typeface="宋体" panose="02010600030101010101" pitchFamily="2" charset="-122"/>
+                              <a:cs typeface="Times New Roman" panose="02020603050405020304" pitchFamily="18" charset="0"/>
+                            </a:rPr>
+                            <m:t> </m:t>
+                          </m:r>
+                        </m:sup>
+                        <m:e>
+                          <m:f>
+                            <m:fPr>
+                              <m:ctrlPr>
+                                <a:rPr lang="zh-CN" altLang="zh-CN" i="1">
+                                  <a:latin typeface="Cambria Math" panose="02040503050406030204" pitchFamily="18" charset="0"/>
+                                  <a:ea typeface="Cambria Math" panose="02040503050406030204" pitchFamily="18" charset="0"/>
+                                </a:rPr>
+                              </m:ctrlPr>
+                            </m:fPr>
+                            <m:num>
+                              <m:r>
+                                <a:rPr lang="en-US" altLang="zh-CN" kern="100">
+                                  <a:latin typeface="Cambria Math" panose="02040503050406030204" pitchFamily="18" charset="0"/>
+                                  <a:ea typeface="宋体" panose="02010600030101010101" pitchFamily="2" charset="-122"/>
+                                  <a:cs typeface="Times New Roman" panose="02020603050405020304" pitchFamily="18" charset="0"/>
+                                </a:rPr>
+                                <m:t>𝜕</m:t>
+                              </m:r>
+                              <m:r>
+                                <a:rPr lang="en-US" altLang="zh-CN" i="1" kern="100">
+                                  <a:latin typeface="Cambria Math" panose="02040503050406030204" pitchFamily="18" charset="0"/>
+                                  <a:ea typeface="宋体" panose="02010600030101010101" pitchFamily="2" charset="-122"/>
+                                  <a:cs typeface="Times New Roman" panose="02020603050405020304" pitchFamily="18" charset="0"/>
+                                </a:rPr>
+                                <m:t>𝐴</m:t>
+                              </m:r>
+                              <m:d>
+                                <m:dPr>
+                                  <m:ctrlPr>
+                                    <a:rPr lang="zh-CN" altLang="zh-CN" i="1">
+                                      <a:latin typeface="Cambria Math" panose="02040503050406030204" pitchFamily="18" charset="0"/>
+                                      <a:ea typeface="Cambria Math" panose="02040503050406030204" pitchFamily="18" charset="0"/>
+                                    </a:rPr>
+                                  </m:ctrlPr>
+                                </m:dPr>
+                                <m:e>
+                                  <m:r>
+                                    <a:rPr lang="en-US" altLang="zh-CN" i="1" kern="100">
+                                      <a:latin typeface="Cambria Math" panose="02040503050406030204" pitchFamily="18" charset="0"/>
+                                      <a:ea typeface="宋体" panose="02010600030101010101" pitchFamily="2" charset="-122"/>
+                                      <a:cs typeface="Times New Roman" panose="02020603050405020304" pitchFamily="18" charset="0"/>
+                                    </a:rPr>
+                                    <m:t>𝑟</m:t>
+                                  </m:r>
+                                  <m:r>
+                                    <a:rPr lang="en-US" altLang="zh-CN" i="1" kern="100">
+                                      <a:latin typeface="Cambria Math" panose="02040503050406030204" pitchFamily="18" charset="0"/>
+                                      <a:ea typeface="宋体" panose="02010600030101010101" pitchFamily="2" charset="-122"/>
+                                      <a:cs typeface="Times New Roman" panose="02020603050405020304" pitchFamily="18" charset="0"/>
+                                    </a:rPr>
+                                    <m:t>,</m:t>
+                                  </m:r>
+                                  <m:r>
+                                    <a:rPr lang="en-US" altLang="zh-CN" i="1" kern="100">
+                                      <a:latin typeface="Cambria Math" panose="02040503050406030204" pitchFamily="18" charset="0"/>
+                                      <a:ea typeface="宋体" panose="02010600030101010101" pitchFamily="2" charset="-122"/>
+                                      <a:cs typeface="Times New Roman" panose="02020603050405020304" pitchFamily="18" charset="0"/>
+                                    </a:rPr>
+                                    <m:t>𝑡</m:t>
+                                  </m:r>
+                                </m:e>
+                              </m:d>
+                            </m:num>
+                            <m:den>
+                              <m:r>
+                                <a:rPr lang="en-US" altLang="zh-CN" kern="100">
+                                  <a:latin typeface="Cambria Math" panose="02040503050406030204" pitchFamily="18" charset="0"/>
+                                  <a:ea typeface="宋体" panose="02010600030101010101" pitchFamily="2" charset="-122"/>
+                                  <a:cs typeface="Times New Roman" panose="02020603050405020304" pitchFamily="18" charset="0"/>
+                                </a:rPr>
+                                <m:t>𝜕</m:t>
+                              </m:r>
+                              <m:r>
+                                <a:rPr lang="en-US" altLang="zh-CN" i="1" kern="100">
+                                  <a:latin typeface="Cambria Math" panose="02040503050406030204" pitchFamily="18" charset="0"/>
+                                  <a:ea typeface="宋体" panose="02010600030101010101" pitchFamily="2" charset="-122"/>
+                                  <a:cs typeface="Times New Roman" panose="02020603050405020304" pitchFamily="18" charset="0"/>
+                                </a:rPr>
+                                <m:t>𝑡</m:t>
+                              </m:r>
+                            </m:den>
+                          </m:f>
+                          <m:r>
+                            <a:rPr lang="en-US" altLang="zh-CN" i="1" kern="100">
+                              <a:latin typeface="Cambria Math" panose="02040503050406030204" pitchFamily="18" charset="0"/>
+                              <a:ea typeface="宋体" panose="02010600030101010101" pitchFamily="2" charset="-122"/>
+                              <a:cs typeface="Times New Roman" panose="02020603050405020304" pitchFamily="18" charset="0"/>
+                            </a:rPr>
+                            <m:t>𝑑𝑙</m:t>
+                          </m:r>
+                        </m:e>
+                      </m:nary>
+                    </m:oMath>
+                  </m:oMathPara>
+                </a14:m>
+                <a:endParaRPr lang="en-US" altLang="zh-CN" dirty="0"/>
+              </a:p>
+            </p:txBody>
+          </p:sp>
+        </mc:Choice>
+        <mc:Fallback>
+          <p:sp>
+            <p:nvSpPr>
+              <p:cNvPr id="22" name="文本框 21">
+                <a:extLst>
+                  <a:ext uri="{FF2B5EF4-FFF2-40B4-BE49-F238E27FC236}">
+                    <a16:creationId xmlns:a16="http://schemas.microsoft.com/office/drawing/2014/main" id="{BEB7F580-22CC-42C3-AD41-1F4046465106}"/>
+                  </a:ext>
+                </a:extLst>
+              </p:cNvPr>
+              <p:cNvSpPr txBox="1">
+                <a:spLocks noRot="1" noChangeAspect="1" noMove="1" noResize="1" noEditPoints="1" noAdjustHandles="1" noChangeArrowheads="1" noChangeShapeType="1" noTextEdit="1"/>
+              </p:cNvSpPr>
+              <p:nvPr/>
+            </p:nvSpPr>
+            <p:spPr>
+              <a:xfrm>
+                <a:off x="4606358" y="1323413"/>
+                <a:ext cx="5927417" cy="1476879"/>
+              </a:xfrm>
+              <a:prstGeom prst="rect">
+                <a:avLst/>
+              </a:prstGeom>
+              <a:blipFill>
+                <a:blip r:embed="rId3"/>
+                <a:stretch>
+                  <a:fillRect l="-926"/>
+                </a:stretch>
+              </a:blipFill>
+            </p:spPr>
+            <p:txBody>
+              <a:bodyPr/>
+              <a:lstStyle/>
+              <a:p>
+                <a:r>
+                  <a:rPr lang="zh-CN" altLang="en-US">
+                    <a:noFill/>
+                  </a:rPr>
+                  <a:t> </a:t>
+                </a:r>
+              </a:p>
+            </p:txBody>
+          </p:sp>
+        </mc:Fallback>
+      </mc:AlternateContent>
+      <mc:AlternateContent xmlns:mc="http://schemas.openxmlformats.org/markup-compatibility/2006">
+        <mc:Choice xmlns:a14="http://schemas.microsoft.com/office/drawing/2010/main" Requires="a14">
+          <p:sp>
+            <p:nvSpPr>
+              <p:cNvPr id="27" name="文本框 26">
+                <a:extLst>
+                  <a:ext uri="{FF2B5EF4-FFF2-40B4-BE49-F238E27FC236}">
+                    <a16:creationId xmlns:a16="http://schemas.microsoft.com/office/drawing/2014/main" id="{69892FBF-E243-4748-BDAA-9AD1CA27841D}"/>
+                  </a:ext>
+                </a:extLst>
+              </p:cNvPr>
+              <p:cNvSpPr txBox="1"/>
+              <p:nvPr/>
+            </p:nvSpPr>
+            <p:spPr>
+              <a:xfrm>
+                <a:off x="4566397" y="3148450"/>
+                <a:ext cx="5927416" cy="1123897"/>
+              </a:xfrm>
+              <a:prstGeom prst="rect">
+                <a:avLst/>
+              </a:prstGeom>
+              <a:noFill/>
+            </p:spPr>
+            <p:txBody>
+              <a:bodyPr wrap="square" rtlCol="0">
+                <a:spAutoFit/>
+              </a:bodyPr>
+              <a:lstStyle/>
+              <a:p>
+                <a:pPr>
+                  <a:lnSpc>
+                    <a:spcPct val="120000"/>
+                  </a:lnSpc>
+                </a:pPr>
+                <a:r>
+                  <a:rPr lang="zh-CN" altLang="en-US" dirty="0"/>
+                  <a:t>采用洛伦兹规范解得</a:t>
+                </a:r>
+                <a14:m>
+                  <m:oMath xmlns:m="http://schemas.openxmlformats.org/officeDocument/2006/math">
+                    <m:r>
+                      <a:rPr lang="en-US" altLang="zh-CN" i="1" dirty="0">
+                        <a:latin typeface="Cambria Math" panose="02040503050406030204" pitchFamily="18" charset="0"/>
+                      </a:rPr>
+                      <m:t>𝐿</m:t>
+                    </m:r>
+                  </m:oMath>
+                </a14:m>
+                <a:r>
+                  <a:rPr lang="zh-CN" altLang="en-US" dirty="0"/>
+                  <a:t>在空间中的矢量磁位：</a:t>
+                </a:r>
+                <a:endParaRPr lang="en-US" altLang="zh-CN" dirty="0"/>
+              </a:p>
+              <a:p>
+                <a:pPr>
+                  <a:lnSpc>
+                    <a:spcPct val="120000"/>
+                  </a:lnSpc>
+                </a:pPr>
+                <a14:m>
+                  <m:oMathPara xmlns:m="http://schemas.openxmlformats.org/officeDocument/2006/math">
+                    <m:oMathParaPr>
+                      <m:jc m:val="centerGroup"/>
+                    </m:oMathParaPr>
+                    <m:oMath xmlns:m="http://schemas.openxmlformats.org/officeDocument/2006/math">
+                      <m:r>
+                        <a:rPr lang="en-US" altLang="zh-CN" b="1" i="1" kern="100">
+                          <a:latin typeface="Cambria Math" panose="02040503050406030204" pitchFamily="18" charset="0"/>
+                          <a:ea typeface="宋体" panose="02010600030101010101" pitchFamily="2" charset="-122"/>
+                          <a:cs typeface="Times New Roman" panose="02020603050405020304" pitchFamily="18" charset="0"/>
+                        </a:rPr>
+                        <m:t>𝑨</m:t>
+                      </m:r>
+                      <m:r>
+                        <a:rPr lang="en-US" altLang="zh-CN" i="1" kern="100">
+                          <a:latin typeface="Cambria Math" panose="02040503050406030204" pitchFamily="18" charset="0"/>
+                          <a:ea typeface="宋体" panose="02010600030101010101" pitchFamily="2" charset="-122"/>
+                          <a:cs typeface="Times New Roman" panose="02020603050405020304" pitchFamily="18" charset="0"/>
+                        </a:rPr>
+                        <m:t>=</m:t>
+                      </m:r>
+                      <m:nary>
+                        <m:naryPr>
+                          <m:supHide m:val="on"/>
+                          <m:ctrlPr>
+                            <a:rPr lang="zh-CN" altLang="zh-CN" i="1">
+                              <a:latin typeface="Cambria Math" panose="02040503050406030204" pitchFamily="18" charset="0"/>
+                              <a:ea typeface="Cambria Math" panose="02040503050406030204" pitchFamily="18" charset="0"/>
+                            </a:rPr>
+                          </m:ctrlPr>
+                        </m:naryPr>
+                        <m:sub>
+                          <m:r>
+                            <a:rPr lang="en-US" altLang="zh-CN" i="1" dirty="0">
+                              <a:latin typeface="Cambria Math" panose="02040503050406030204" pitchFamily="18" charset="0"/>
+                            </a:rPr>
+                            <m:t>𝐿</m:t>
+                          </m:r>
+                          <m:r>
+                            <a:rPr lang="en-US" altLang="zh-CN" i="1" dirty="0">
+                              <a:latin typeface="Cambria Math" panose="02040503050406030204" pitchFamily="18" charset="0"/>
+                            </a:rPr>
+                            <m:t>’</m:t>
+                          </m:r>
+                        </m:sub>
+                        <m:sup/>
+                        <m:e>
+                          <m:f>
+                            <m:fPr>
+                              <m:ctrlPr>
+                                <a:rPr lang="zh-CN" altLang="zh-CN" i="1">
+                                  <a:latin typeface="Cambria Math" panose="02040503050406030204" pitchFamily="18" charset="0"/>
+                                  <a:ea typeface="Cambria Math" panose="02040503050406030204" pitchFamily="18" charset="0"/>
+                                </a:rPr>
+                              </m:ctrlPr>
+                            </m:fPr>
+                            <m:num>
+                              <m:r>
+                                <a:rPr lang="en-US" altLang="zh-CN" i="1" kern="100">
+                                  <a:latin typeface="Cambria Math" panose="02040503050406030204" pitchFamily="18" charset="0"/>
+                                  <a:ea typeface="宋体" panose="02010600030101010101" pitchFamily="2" charset="-122"/>
+                                  <a:cs typeface="Times New Roman" panose="02020603050405020304" pitchFamily="18" charset="0"/>
+                                </a:rPr>
+                                <m:t>𝜇</m:t>
+                              </m:r>
+                            </m:num>
+                            <m:den>
+                              <m:r>
+                                <a:rPr lang="en-US" altLang="zh-CN" i="1" kern="100">
+                                  <a:latin typeface="Cambria Math" panose="02040503050406030204" pitchFamily="18" charset="0"/>
+                                  <a:ea typeface="宋体" panose="02010600030101010101" pitchFamily="2" charset="-122"/>
+                                  <a:cs typeface="Times New Roman" panose="02020603050405020304" pitchFamily="18" charset="0"/>
+                                </a:rPr>
+                                <m:t>4</m:t>
+                              </m:r>
+                              <m:r>
+                                <a:rPr lang="en-US" altLang="zh-CN" i="1" kern="100">
+                                  <a:latin typeface="Cambria Math" panose="02040503050406030204" pitchFamily="18" charset="0"/>
+                                  <a:ea typeface="宋体" panose="02010600030101010101" pitchFamily="2" charset="-122"/>
+                                  <a:cs typeface="Times New Roman" panose="02020603050405020304" pitchFamily="18" charset="0"/>
+                                </a:rPr>
+                                <m:t>𝜋</m:t>
+                              </m:r>
+                            </m:den>
+                          </m:f>
+                        </m:e>
+                      </m:nary>
+                      <m:f>
+                        <m:fPr>
+                          <m:ctrlPr>
+                            <a:rPr lang="zh-CN" altLang="zh-CN" i="1">
+                              <a:latin typeface="Cambria Math" panose="02040503050406030204" pitchFamily="18" charset="0"/>
+                              <a:ea typeface="Cambria Math" panose="02040503050406030204" pitchFamily="18" charset="0"/>
+                            </a:rPr>
+                          </m:ctrlPr>
+                        </m:fPr>
+                        <m:num>
+                          <m:r>
+                            <a:rPr lang="en-US" altLang="zh-CN" i="1" kern="100">
+                              <a:latin typeface="Cambria Math" panose="02040503050406030204" pitchFamily="18" charset="0"/>
+                              <a:ea typeface="宋体" panose="02010600030101010101" pitchFamily="2" charset="-122"/>
+                              <a:cs typeface="Times New Roman" panose="02020603050405020304" pitchFamily="18" charset="0"/>
+                            </a:rPr>
+                            <m:t>1</m:t>
+                          </m:r>
+                        </m:num>
+                        <m:den>
+                          <m:d>
+                            <m:dPr>
+                              <m:begChr m:val="|"/>
+                              <m:endChr m:val="|"/>
+                              <m:ctrlPr>
+                                <a:rPr lang="zh-CN" altLang="zh-CN" i="1">
+                                  <a:latin typeface="Cambria Math" panose="02040503050406030204" pitchFamily="18" charset="0"/>
+                                  <a:ea typeface="Cambria Math" panose="02040503050406030204" pitchFamily="18" charset="0"/>
+                                </a:rPr>
+                              </m:ctrlPr>
+                            </m:dPr>
+                            <m:e>
+                              <m:r>
+                                <a:rPr lang="en-US" altLang="zh-CN" b="1" i="1" kern="100">
+                                  <a:latin typeface="Cambria Math" panose="02040503050406030204" pitchFamily="18" charset="0"/>
+                                  <a:ea typeface="宋体" panose="02010600030101010101" pitchFamily="2" charset="-122"/>
+                                  <a:cs typeface="Times New Roman" panose="02020603050405020304" pitchFamily="18" charset="0"/>
+                                </a:rPr>
+                                <m:t>𝒓</m:t>
+                              </m:r>
+                              <m:r>
+                                <a:rPr lang="en-US" altLang="zh-CN" i="1" kern="100">
+                                  <a:latin typeface="Cambria Math" panose="02040503050406030204" pitchFamily="18" charset="0"/>
+                                  <a:ea typeface="宋体" panose="02010600030101010101" pitchFamily="2" charset="-122"/>
+                                  <a:cs typeface="Times New Roman" panose="02020603050405020304" pitchFamily="18" charset="0"/>
+                                </a:rPr>
+                                <m:t>−</m:t>
+                              </m:r>
+                              <m:sSup>
+                                <m:sSupPr>
+                                  <m:ctrlPr>
+                                    <a:rPr lang="zh-CN" altLang="zh-CN" b="1" i="1">
+                                      <a:latin typeface="Cambria Math" panose="02040503050406030204" pitchFamily="18" charset="0"/>
+                                      <a:ea typeface="Cambria Math" panose="02040503050406030204" pitchFamily="18" charset="0"/>
+                                    </a:rPr>
+                                  </m:ctrlPr>
+                                </m:sSupPr>
+                                <m:e>
+                                  <m:r>
+                                    <a:rPr lang="en-US" altLang="zh-CN" b="1" i="1" kern="100">
+                                      <a:latin typeface="Cambria Math" panose="02040503050406030204" pitchFamily="18" charset="0"/>
+                                      <a:ea typeface="宋体" panose="02010600030101010101" pitchFamily="2" charset="-122"/>
+                                      <a:cs typeface="Times New Roman" panose="02020603050405020304" pitchFamily="18" charset="0"/>
+                                    </a:rPr>
+                                    <m:t>𝒓</m:t>
+                                  </m:r>
+                                </m:e>
+                                <m:sup>
+                                  <m:r>
+                                    <a:rPr lang="en-US" altLang="zh-CN" b="1" i="1" kern="100">
+                                      <a:latin typeface="Cambria Math" panose="02040503050406030204" pitchFamily="18" charset="0"/>
+                                      <a:ea typeface="宋体" panose="02010600030101010101" pitchFamily="2" charset="-122"/>
+                                      <a:cs typeface="Times New Roman" panose="02020603050405020304" pitchFamily="18" charset="0"/>
+                                    </a:rPr>
+                                    <m:t>′</m:t>
+                                  </m:r>
+                                </m:sup>
+                              </m:sSup>
+                            </m:e>
+                          </m:d>
+                        </m:den>
+                      </m:f>
+                      <m:r>
+                        <a:rPr lang="en-US" altLang="zh-CN" b="1" i="1" kern="100">
+                          <a:latin typeface="Cambria Math" panose="02040503050406030204" pitchFamily="18" charset="0"/>
+                          <a:ea typeface="宋体" panose="02010600030101010101" pitchFamily="2" charset="-122"/>
+                          <a:cs typeface="Times New Roman" panose="02020603050405020304" pitchFamily="18" charset="0"/>
+                        </a:rPr>
+                        <m:t>𝒋</m:t>
+                      </m:r>
+                      <m:r>
+                        <m:rPr>
+                          <m:nor/>
+                        </m:rPr>
+                        <a:rPr lang="en-US" altLang="zh-CN" kern="100">
+                          <a:latin typeface="Cambria Math" panose="02040503050406030204" pitchFamily="18" charset="0"/>
+                          <a:ea typeface="宋体" panose="02010600030101010101" pitchFamily="2" charset="-122"/>
+                          <a:cs typeface="Times New Roman" panose="02020603050405020304" pitchFamily="18" charset="0"/>
+                        </a:rPr>
+                        <m:t>d</m:t>
+                      </m:r>
+                      <m:r>
+                        <a:rPr lang="en-US" altLang="zh-CN" i="1" dirty="0">
+                          <a:latin typeface="Cambria Math" panose="02040503050406030204" pitchFamily="18" charset="0"/>
+                        </a:rPr>
+                        <m:t>𝑙</m:t>
+                      </m:r>
+                      <m:r>
+                        <a:rPr lang="en-US" altLang="zh-CN" i="1" dirty="0">
+                          <a:latin typeface="Cambria Math" panose="02040503050406030204" pitchFamily="18" charset="0"/>
+                        </a:rPr>
+                        <m:t>’</m:t>
+                      </m:r>
+                    </m:oMath>
+                  </m:oMathPara>
+                </a14:m>
+                <a:endParaRPr lang="en-US" altLang="zh-CN" dirty="0"/>
+              </a:p>
+            </p:txBody>
+          </p:sp>
+        </mc:Choice>
+        <mc:Fallback>
+          <p:sp>
+            <p:nvSpPr>
+              <p:cNvPr id="27" name="文本框 26">
+                <a:extLst>
+                  <a:ext uri="{FF2B5EF4-FFF2-40B4-BE49-F238E27FC236}">
+                    <a16:creationId xmlns:a16="http://schemas.microsoft.com/office/drawing/2014/main" id="{69892FBF-E243-4748-BDAA-9AD1CA27841D}"/>
+                  </a:ext>
+                </a:extLst>
+              </p:cNvPr>
+              <p:cNvSpPr txBox="1">
+                <a:spLocks noRot="1" noChangeAspect="1" noMove="1" noResize="1" noEditPoints="1" noAdjustHandles="1" noChangeArrowheads="1" noChangeShapeType="1" noTextEdit="1"/>
+              </p:cNvSpPr>
+              <p:nvPr/>
+            </p:nvSpPr>
+            <p:spPr>
+              <a:xfrm>
+                <a:off x="4566397" y="3148450"/>
+                <a:ext cx="5927416" cy="1123897"/>
+              </a:xfrm>
+              <a:prstGeom prst="rect">
+                <a:avLst/>
+              </a:prstGeom>
+              <a:blipFill>
+                <a:blip r:embed="rId4"/>
+                <a:stretch>
+                  <a:fillRect l="-823"/>
+                </a:stretch>
+              </a:blipFill>
+            </p:spPr>
+            <p:txBody>
+              <a:bodyPr/>
+              <a:lstStyle/>
+              <a:p>
+                <a:r>
+                  <a:rPr lang="zh-CN" altLang="en-US">
+                    <a:noFill/>
+                  </a:rPr>
+                  <a:t> </a:t>
+                </a:r>
+              </a:p>
+            </p:txBody>
+          </p:sp>
+        </mc:Fallback>
+      </mc:AlternateContent>
+      <p:sp>
+        <p:nvSpPr>
+          <p:cNvPr id="7" name="圆柱体 6">
+            <a:extLst>
+              <a:ext uri="{FF2B5EF4-FFF2-40B4-BE49-F238E27FC236}">
+                <a16:creationId xmlns:a16="http://schemas.microsoft.com/office/drawing/2014/main" id="{F9FF3268-7013-453C-9CD5-408BB60C3280}"/>
+              </a:ext>
+            </a:extLst>
+          </p:cNvPr>
+          <p:cNvSpPr/>
+          <p:nvPr/>
+        </p:nvSpPr>
+        <p:spPr>
+          <a:xfrm rot="8449829">
+            <a:off x="2487675" y="3042298"/>
+            <a:ext cx="217221" cy="1555286"/>
+          </a:xfrm>
+          <a:prstGeom prst="can">
+            <a:avLst>
+              <a:gd name="adj" fmla="val 57881"/>
+            </a:avLst>
+          </a:prstGeom>
+          <a:solidFill>
+            <a:srgbClr val="C00000">
+              <a:alpha val="60000"/>
+            </a:srgbClr>
+          </a:solidFill>
+          <a:ln>
+            <a:solidFill>
+              <a:srgbClr val="C00000"/>
+            </a:solidFill>
+          </a:ln>
+        </p:spPr>
+        <p:style>
+          <a:lnRef idx="2">
+            <a:schemeClr val="dk1"/>
+          </a:lnRef>
+          <a:fillRef idx="1">
+            <a:schemeClr val="lt1"/>
+          </a:fillRef>
+          <a:effectRef idx="0">
+            <a:schemeClr val="dk1"/>
+          </a:effectRef>
+          <a:fontRef idx="minor">
+            <a:schemeClr val="dk1"/>
+          </a:fontRef>
+        </p:style>
+        <p:txBody>
+          <a:bodyPr rot="0" spcFirstLastPara="0" vert="horz" wrap="square" lIns="91440" tIns="45720" rIns="91440" bIns="45720" numCol="1" spcCol="0" rtlCol="0" fromWordArt="0" anchor="ctr" anchorCtr="0" forceAA="0" compatLnSpc="1">
+            <a:prstTxWarp prst="textNoShape">
+              <a:avLst/>
+            </a:prstTxWarp>
+            <a:noAutofit/>
+          </a:bodyPr>
+          <a:lstStyle/>
+          <a:p>
+            <a:endParaRPr lang="zh-CN" altLang="en-US"/>
+          </a:p>
+        </p:txBody>
+      </p:sp>
+      <p:sp>
+        <p:nvSpPr>
+          <p:cNvPr id="8" name="圆柱体 7">
+            <a:extLst>
+              <a:ext uri="{FF2B5EF4-FFF2-40B4-BE49-F238E27FC236}">
+                <a16:creationId xmlns:a16="http://schemas.microsoft.com/office/drawing/2014/main" id="{711684FC-D634-4D02-BCDD-B1BAA0F14136}"/>
+              </a:ext>
+            </a:extLst>
+          </p:cNvPr>
+          <p:cNvSpPr/>
+          <p:nvPr/>
+        </p:nvSpPr>
+        <p:spPr>
+          <a:xfrm rot="6455695">
+            <a:off x="2907573" y="1543027"/>
+            <a:ext cx="140334" cy="1943159"/>
+          </a:xfrm>
+          <a:prstGeom prst="can">
+            <a:avLst>
+              <a:gd name="adj" fmla="val 33548"/>
+            </a:avLst>
+          </a:prstGeom>
+          <a:solidFill>
+            <a:schemeClr val="bg1">
+              <a:lumMod val="85000"/>
+            </a:schemeClr>
+          </a:solidFill>
+          <a:ln>
+            <a:solidFill>
+              <a:schemeClr val="tx1"/>
+            </a:solidFill>
+          </a:ln>
+        </p:spPr>
+        <p:style>
+          <a:lnRef idx="2">
+            <a:schemeClr val="dk1"/>
+          </a:lnRef>
+          <a:fillRef idx="1">
+            <a:schemeClr val="lt1"/>
+          </a:fillRef>
+          <a:effectRef idx="0">
+            <a:schemeClr val="dk1"/>
+          </a:effectRef>
+          <a:fontRef idx="minor">
+            <a:schemeClr val="dk1"/>
+          </a:fontRef>
+        </p:style>
+        <p:txBody>
+          <a:bodyPr rot="0" spcFirstLastPara="0" vert="horz" wrap="square" lIns="91440" tIns="45720" rIns="91440" bIns="45720" numCol="1" spcCol="0" rtlCol="0" fromWordArt="0" anchor="ctr" anchorCtr="0" forceAA="0" compatLnSpc="1">
+            <a:prstTxWarp prst="textNoShape">
+              <a:avLst/>
+            </a:prstTxWarp>
+            <a:noAutofit/>
+          </a:bodyPr>
+          <a:lstStyle/>
+          <a:p>
+            <a:endParaRPr lang="zh-CN" altLang="en-US" dirty="0"/>
+          </a:p>
+        </p:txBody>
+      </p:sp>
+      <p:cxnSp>
+        <p:nvCxnSpPr>
+          <p:cNvPr id="9" name="直接箭头连接符 8">
+            <a:extLst>
+              <a:ext uri="{FF2B5EF4-FFF2-40B4-BE49-F238E27FC236}">
+                <a16:creationId xmlns:a16="http://schemas.microsoft.com/office/drawing/2014/main" id="{00E3C874-82A2-4C71-B60D-1DD29E3228EE}"/>
+              </a:ext>
+            </a:extLst>
+          </p:cNvPr>
+          <p:cNvCxnSpPr>
+            <a:cxnSpLocks/>
+          </p:cNvCxnSpPr>
+          <p:nvPr/>
+        </p:nvCxnSpPr>
+        <p:spPr>
+          <a:xfrm flipH="1" flipV="1">
+            <a:off x="2216298" y="3733005"/>
+            <a:ext cx="379986" cy="429413"/>
+          </a:xfrm>
+          <a:prstGeom prst="straightConnector1">
+            <a:avLst/>
+          </a:prstGeom>
+          <a:ln w="12700">
+            <a:tailEnd type="triangle"/>
+          </a:ln>
+        </p:spPr>
+        <p:style>
+          <a:lnRef idx="1">
+            <a:schemeClr val="dk1"/>
+          </a:lnRef>
+          <a:fillRef idx="0">
+            <a:schemeClr val="dk1"/>
+          </a:fillRef>
+          <a:effectRef idx="0">
+            <a:schemeClr val="dk1"/>
+          </a:effectRef>
+          <a:fontRef idx="minor">
+            <a:schemeClr val="tx1"/>
+          </a:fontRef>
+        </p:style>
+      </p:cxnSp>
+      <p:cxnSp>
+        <p:nvCxnSpPr>
+          <p:cNvPr id="11" name="直接箭头连接符 10">
+            <a:extLst>
+              <a:ext uri="{FF2B5EF4-FFF2-40B4-BE49-F238E27FC236}">
+                <a16:creationId xmlns:a16="http://schemas.microsoft.com/office/drawing/2014/main" id="{75EFC5D2-ADD2-4BAC-A09D-72BB4670077F}"/>
+              </a:ext>
+            </a:extLst>
+          </p:cNvPr>
+          <p:cNvCxnSpPr/>
+          <p:nvPr/>
+        </p:nvCxnSpPr>
+        <p:spPr>
+          <a:xfrm>
+            <a:off x="3258938" y="2404377"/>
+            <a:ext cx="360981" cy="113073"/>
+          </a:xfrm>
+          <a:prstGeom prst="straightConnector1">
+            <a:avLst/>
+          </a:prstGeom>
+          <a:ln w="12700">
+            <a:tailEnd type="triangle"/>
+          </a:ln>
+        </p:spPr>
+        <p:style>
+          <a:lnRef idx="1">
+            <a:schemeClr val="dk1"/>
+          </a:lnRef>
+          <a:fillRef idx="0">
+            <a:schemeClr val="dk1"/>
+          </a:fillRef>
+          <a:effectRef idx="0">
+            <a:schemeClr val="dk1"/>
+          </a:effectRef>
+          <a:fontRef idx="minor">
+            <a:schemeClr val="tx1"/>
+          </a:fontRef>
+        </p:style>
+      </p:cxnSp>
+      <mc:AlternateContent xmlns:mc="http://schemas.openxmlformats.org/markup-compatibility/2006">
+        <mc:Choice xmlns:a14="http://schemas.microsoft.com/office/drawing/2010/main" Requires="a14">
+          <p:sp>
+            <p:nvSpPr>
+              <p:cNvPr id="25" name="文本框 24">
+                <a:extLst>
+                  <a:ext uri="{FF2B5EF4-FFF2-40B4-BE49-F238E27FC236}">
+                    <a16:creationId xmlns:a16="http://schemas.microsoft.com/office/drawing/2014/main" id="{E628674E-B79E-4830-9D00-775F20C8E183}"/>
+                  </a:ext>
+                </a:extLst>
+              </p:cNvPr>
+              <p:cNvSpPr txBox="1"/>
+              <p:nvPr/>
+            </p:nvSpPr>
+            <p:spPr>
+              <a:xfrm>
+                <a:off x="2596284" y="3205669"/>
+                <a:ext cx="454676" cy="461665"/>
+              </a:xfrm>
+              <a:prstGeom prst="rect">
+                <a:avLst/>
+              </a:prstGeom>
+              <a:noFill/>
+            </p:spPr>
+            <p:txBody>
+              <a:bodyPr wrap="none" rtlCol="0">
+                <a:spAutoFit/>
+              </a:bodyPr>
+              <a:lstStyle/>
+              <a:p>
+                <a:pPr>
+                  <a:lnSpc>
+                    <a:spcPct val="120000"/>
+                  </a:lnSpc>
+                </a:pPr>
+                <a14:m>
+                  <m:oMathPara xmlns:m="http://schemas.openxmlformats.org/officeDocument/2006/math">
+                    <m:oMathParaPr>
+                      <m:jc m:val="centerGroup"/>
+                    </m:oMathParaPr>
+                    <m:oMath xmlns:m="http://schemas.openxmlformats.org/officeDocument/2006/math">
+                      <m:sSup>
+                        <m:sSupPr>
+                          <m:ctrlPr>
+                            <a:rPr lang="en-US" altLang="zh-CN" sz="2000" i="1" dirty="0">
+                              <a:latin typeface="Cambria Math" panose="02040503050406030204" pitchFamily="18" charset="0"/>
+                            </a:rPr>
+                          </m:ctrlPr>
+                        </m:sSupPr>
+                        <m:e>
+                          <m:r>
+                            <a:rPr lang="en-US" altLang="zh-CN" sz="2000" i="1" dirty="0">
+                              <a:latin typeface="Cambria Math" panose="02040503050406030204" pitchFamily="18" charset="0"/>
+                            </a:rPr>
+                            <m:t>𝐿</m:t>
+                          </m:r>
+                        </m:e>
+                        <m:sup>
+                          <m:r>
+                            <a:rPr lang="en-US" altLang="zh-CN" sz="2000" i="1" dirty="0">
+                              <a:latin typeface="Cambria Math" panose="02040503050406030204" pitchFamily="18" charset="0"/>
+                            </a:rPr>
+                            <m:t>′</m:t>
+                          </m:r>
+                        </m:sup>
+                      </m:sSup>
+                    </m:oMath>
+                  </m:oMathPara>
+                </a14:m>
+                <a:endParaRPr lang="en-US" altLang="zh-CN" sz="2000" i="1" dirty="0"/>
+              </a:p>
+            </p:txBody>
+          </p:sp>
+        </mc:Choice>
+        <mc:Fallback>
+          <p:sp>
+            <p:nvSpPr>
+              <p:cNvPr id="25" name="文本框 24">
+                <a:extLst>
+                  <a:ext uri="{FF2B5EF4-FFF2-40B4-BE49-F238E27FC236}">
+                    <a16:creationId xmlns:a16="http://schemas.microsoft.com/office/drawing/2014/main" id="{E628674E-B79E-4830-9D00-775F20C8E183}"/>
+                  </a:ext>
+                </a:extLst>
+              </p:cNvPr>
+              <p:cNvSpPr txBox="1">
+                <a:spLocks noRot="1" noChangeAspect="1" noMove="1" noResize="1" noEditPoints="1" noAdjustHandles="1" noChangeArrowheads="1" noChangeShapeType="1" noTextEdit="1"/>
+              </p:cNvSpPr>
+              <p:nvPr/>
+            </p:nvSpPr>
+            <p:spPr>
+              <a:xfrm>
+                <a:off x="2596284" y="3205669"/>
+                <a:ext cx="454676" cy="461665"/>
+              </a:xfrm>
+              <a:prstGeom prst="rect">
+                <a:avLst/>
+              </a:prstGeom>
+              <a:blipFill>
+                <a:blip r:embed="rId5"/>
+                <a:stretch>
+                  <a:fillRect/>
+                </a:stretch>
+              </a:blipFill>
+            </p:spPr>
+            <p:txBody>
+              <a:bodyPr/>
+              <a:lstStyle/>
+              <a:p>
+                <a:r>
+                  <a:rPr lang="zh-CN" altLang="en-US">
+                    <a:noFill/>
+                  </a:rPr>
+                  <a:t> </a:t>
+                </a:r>
+              </a:p>
+            </p:txBody>
+          </p:sp>
+        </mc:Fallback>
+      </mc:AlternateContent>
+      <mc:AlternateContent xmlns:mc="http://schemas.openxmlformats.org/markup-compatibility/2006">
+        <mc:Choice xmlns:a14="http://schemas.microsoft.com/office/drawing/2010/main" Requires="a14">
+          <p:sp>
+            <p:nvSpPr>
+              <p:cNvPr id="26" name="文本框 25">
+                <a:extLst>
+                  <a:ext uri="{FF2B5EF4-FFF2-40B4-BE49-F238E27FC236}">
+                    <a16:creationId xmlns:a16="http://schemas.microsoft.com/office/drawing/2014/main" id="{B54875EE-4581-4581-9D12-19CA4849BA54}"/>
+                  </a:ext>
+                </a:extLst>
+              </p:cNvPr>
+              <p:cNvSpPr txBox="1"/>
+              <p:nvPr/>
+            </p:nvSpPr>
+            <p:spPr>
+              <a:xfrm>
+                <a:off x="2149466" y="2347197"/>
+                <a:ext cx="396711" cy="461665"/>
+              </a:xfrm>
+              <a:prstGeom prst="rect">
+                <a:avLst/>
+              </a:prstGeom>
+              <a:noFill/>
+            </p:spPr>
+            <p:txBody>
+              <a:bodyPr wrap="none" rtlCol="0">
+                <a:spAutoFit/>
+              </a:bodyPr>
+              <a:lstStyle/>
+              <a:p>
+                <a:pPr algn="l">
+                  <a:lnSpc>
+                    <a:spcPct val="120000"/>
+                  </a:lnSpc>
+                </a:pPr>
+                <a14:m>
+                  <m:oMathPara xmlns:m="http://schemas.openxmlformats.org/officeDocument/2006/math">
+                    <m:oMathParaPr>
+                      <m:jc m:val="centerGroup"/>
+                    </m:oMathParaPr>
+                    <m:oMath xmlns:m="http://schemas.openxmlformats.org/officeDocument/2006/math">
+                      <m:r>
+                        <a:rPr lang="en-US" altLang="zh-CN" sz="2000" i="1" dirty="0">
+                          <a:latin typeface="Cambria Math" panose="02040503050406030204" pitchFamily="18" charset="0"/>
+                        </a:rPr>
+                        <m:t>𝐿</m:t>
+                      </m:r>
+                    </m:oMath>
+                  </m:oMathPara>
+                </a14:m>
+                <a:endParaRPr lang="en-US" altLang="zh-CN" sz="2000" i="1" dirty="0"/>
+              </a:p>
+            </p:txBody>
+          </p:sp>
+        </mc:Choice>
+        <mc:Fallback>
+          <p:sp>
+            <p:nvSpPr>
+              <p:cNvPr id="26" name="文本框 25">
+                <a:extLst>
+                  <a:ext uri="{FF2B5EF4-FFF2-40B4-BE49-F238E27FC236}">
+                    <a16:creationId xmlns:a16="http://schemas.microsoft.com/office/drawing/2014/main" id="{B54875EE-4581-4581-9D12-19CA4849BA54}"/>
+                  </a:ext>
+                </a:extLst>
+              </p:cNvPr>
+              <p:cNvSpPr txBox="1">
+                <a:spLocks noRot="1" noChangeAspect="1" noMove="1" noResize="1" noEditPoints="1" noAdjustHandles="1" noChangeArrowheads="1" noChangeShapeType="1" noTextEdit="1"/>
+              </p:cNvSpPr>
+              <p:nvPr/>
+            </p:nvSpPr>
+            <p:spPr>
+              <a:xfrm>
+                <a:off x="2149466" y="2347197"/>
+                <a:ext cx="396711" cy="461665"/>
+              </a:xfrm>
+              <a:prstGeom prst="rect">
+                <a:avLst/>
+              </a:prstGeom>
+              <a:blipFill>
+                <a:blip r:embed="rId6"/>
+                <a:stretch>
+                  <a:fillRect/>
+                </a:stretch>
+              </a:blipFill>
+            </p:spPr>
+            <p:txBody>
+              <a:bodyPr/>
+              <a:lstStyle/>
+              <a:p>
+                <a:r>
+                  <a:rPr lang="zh-CN" altLang="en-US">
+                    <a:noFill/>
+                  </a:rPr>
+                  <a:t> </a:t>
+                </a:r>
+              </a:p>
+            </p:txBody>
+          </p:sp>
+        </mc:Fallback>
+      </mc:AlternateContent>
+      <p:sp>
+        <p:nvSpPr>
+          <p:cNvPr id="28" name="文本框 27">
+            <a:extLst>
+              <a:ext uri="{FF2B5EF4-FFF2-40B4-BE49-F238E27FC236}">
+                <a16:creationId xmlns:a16="http://schemas.microsoft.com/office/drawing/2014/main" id="{AC793750-43A3-485B-94FB-1B029DAF2FB3}"/>
+              </a:ext>
+            </a:extLst>
+          </p:cNvPr>
+          <p:cNvSpPr txBox="1"/>
+          <p:nvPr/>
+        </p:nvSpPr>
+        <p:spPr>
+          <a:xfrm>
+            <a:off x="3439427" y="1992146"/>
+            <a:ext cx="251992" cy="437877"/>
+          </a:xfrm>
+          <a:prstGeom prst="rect">
+            <a:avLst/>
+          </a:prstGeom>
+          <a:noFill/>
+        </p:spPr>
+        <p:txBody>
+          <a:bodyPr wrap="none" rtlCol="0">
+            <a:spAutoFit/>
+          </a:bodyPr>
+          <a:lstStyle/>
+          <a:p>
+            <a:pPr algn="l">
+              <a:lnSpc>
+                <a:spcPct val="120000"/>
+              </a:lnSpc>
+            </a:pPr>
+            <a:r>
+              <a:rPr lang="en-US" altLang="zh-CN" sz="2000" b="1" i="1" dirty="0"/>
+              <a:t>j</a:t>
+            </a:r>
+            <a:endParaRPr lang="zh-CN" altLang="en-US" sz="2000" b="1" i="1" dirty="0"/>
+          </a:p>
+        </p:txBody>
+      </p:sp>
+      <p:sp>
+        <p:nvSpPr>
+          <p:cNvPr id="32" name="文本框 31">
+            <a:extLst>
+              <a:ext uri="{FF2B5EF4-FFF2-40B4-BE49-F238E27FC236}">
+                <a16:creationId xmlns:a16="http://schemas.microsoft.com/office/drawing/2014/main" id="{2CAD3B3F-324F-4C77-A0B8-85F4CB0E24CD}"/>
+              </a:ext>
+            </a:extLst>
+          </p:cNvPr>
+          <p:cNvSpPr txBox="1"/>
+          <p:nvPr/>
+        </p:nvSpPr>
+        <p:spPr>
+          <a:xfrm>
+            <a:off x="2053912" y="3876843"/>
+            <a:ext cx="242374" cy="437877"/>
+          </a:xfrm>
+          <a:prstGeom prst="rect">
+            <a:avLst/>
+          </a:prstGeom>
+          <a:noFill/>
+        </p:spPr>
+        <p:txBody>
+          <a:bodyPr wrap="none" rtlCol="0">
+            <a:spAutoFit/>
+          </a:bodyPr>
+          <a:lstStyle/>
+          <a:p>
+            <a:pPr algn="l">
+              <a:lnSpc>
+                <a:spcPct val="120000"/>
+              </a:lnSpc>
+            </a:pPr>
+            <a:r>
+              <a:rPr lang="en-US" altLang="zh-CN" sz="2000" i="1" dirty="0" err="1"/>
+              <a:t>i</a:t>
+            </a:r>
+            <a:endParaRPr lang="zh-CN" altLang="en-US" sz="2000" i="1" dirty="0"/>
+          </a:p>
+        </p:txBody>
+      </p:sp>
+      <p:cxnSp>
+        <p:nvCxnSpPr>
+          <p:cNvPr id="36" name="直接箭头连接符 35">
+            <a:extLst>
+              <a:ext uri="{FF2B5EF4-FFF2-40B4-BE49-F238E27FC236}">
+                <a16:creationId xmlns:a16="http://schemas.microsoft.com/office/drawing/2014/main" id="{E62B60CE-0D49-4A3F-8ACA-A08625331130}"/>
+              </a:ext>
+            </a:extLst>
+          </p:cNvPr>
+          <p:cNvCxnSpPr>
+            <a:cxnSpLocks/>
+          </p:cNvCxnSpPr>
+          <p:nvPr/>
+        </p:nvCxnSpPr>
+        <p:spPr>
+          <a:xfrm flipH="1">
+            <a:off x="2909804" y="2643875"/>
+            <a:ext cx="473178" cy="1662380"/>
+          </a:xfrm>
+          <a:prstGeom prst="straightConnector1">
+            <a:avLst/>
+          </a:prstGeom>
+          <a:ln w="19050">
+            <a:tailEnd type="stealth" w="lg" len="lg"/>
+          </a:ln>
+        </p:spPr>
+        <p:style>
+          <a:lnRef idx="1">
+            <a:schemeClr val="accent1"/>
+          </a:lnRef>
+          <a:fillRef idx="0">
+            <a:schemeClr val="accent1"/>
+          </a:fillRef>
+          <a:effectRef idx="0">
+            <a:schemeClr val="accent1"/>
+          </a:effectRef>
+          <a:fontRef idx="minor">
+            <a:schemeClr val="tx1"/>
+          </a:fontRef>
+        </p:style>
+      </p:cxnSp>
+      <mc:AlternateContent xmlns:mc="http://schemas.openxmlformats.org/markup-compatibility/2006">
+        <mc:Choice xmlns:a14="http://schemas.microsoft.com/office/drawing/2010/main" Requires="a14">
+          <p:sp>
+            <p:nvSpPr>
+              <p:cNvPr id="38" name="文本框 37">
+                <a:extLst>
+                  <a:ext uri="{FF2B5EF4-FFF2-40B4-BE49-F238E27FC236}">
+                    <a16:creationId xmlns:a16="http://schemas.microsoft.com/office/drawing/2014/main" id="{B0EEAF67-2576-4ACD-BA86-C9BC32499895}"/>
+                  </a:ext>
+                </a:extLst>
+              </p:cNvPr>
+              <p:cNvSpPr txBox="1"/>
+              <p:nvPr/>
+            </p:nvSpPr>
+            <p:spPr>
+              <a:xfrm>
+                <a:off x="3215937" y="3048679"/>
+                <a:ext cx="784800" cy="369332"/>
+              </a:xfrm>
+              <a:prstGeom prst="rect">
+                <a:avLst/>
+              </a:prstGeom>
+              <a:noFill/>
+            </p:spPr>
+            <p:txBody>
+              <a:bodyPr wrap="square">
+                <a:spAutoFit/>
+              </a:bodyPr>
+              <a:lstStyle/>
+              <a:p>
+                <a:pPr/>
+                <a14:m>
+                  <m:oMathPara xmlns:m="http://schemas.openxmlformats.org/officeDocument/2006/math">
+                    <m:oMathParaPr>
+                      <m:jc m:val="centerGroup"/>
+                    </m:oMathParaPr>
+                    <m:oMath xmlns:m="http://schemas.openxmlformats.org/officeDocument/2006/math">
+                      <m:r>
+                        <a:rPr lang="en-US" altLang="zh-CN" b="1" i="1" kern="100">
+                          <a:solidFill>
+                            <a:srgbClr val="4472C4"/>
+                          </a:solidFill>
+                          <a:latin typeface="Cambria Math" panose="02040503050406030204" pitchFamily="18" charset="0"/>
+                          <a:ea typeface="宋体" panose="02010600030101010101" pitchFamily="2" charset="-122"/>
+                          <a:cs typeface="Times New Roman" panose="02020603050405020304" pitchFamily="18" charset="0"/>
+                        </a:rPr>
+                        <m:t>𝒓</m:t>
+                      </m:r>
+                      <m:r>
+                        <a:rPr lang="en-US" altLang="zh-CN" i="1" kern="100">
+                          <a:solidFill>
+                            <a:srgbClr val="4472C4"/>
+                          </a:solidFill>
+                          <a:latin typeface="Cambria Math" panose="02040503050406030204" pitchFamily="18" charset="0"/>
+                          <a:ea typeface="宋体" panose="02010600030101010101" pitchFamily="2" charset="-122"/>
+                          <a:cs typeface="Times New Roman" panose="02020603050405020304" pitchFamily="18" charset="0"/>
+                        </a:rPr>
+                        <m:t>−</m:t>
+                      </m:r>
+                      <m:sSup>
+                        <m:sSupPr>
+                          <m:ctrlPr>
+                            <a:rPr lang="zh-CN" altLang="zh-CN" b="1" i="1">
+                              <a:solidFill>
+                                <a:srgbClr val="4472C4"/>
+                              </a:solidFill>
+                              <a:latin typeface="Cambria Math" panose="02040503050406030204" pitchFamily="18" charset="0"/>
+                              <a:ea typeface="Cambria Math" panose="02040503050406030204" pitchFamily="18" charset="0"/>
+                            </a:rPr>
+                          </m:ctrlPr>
+                        </m:sSupPr>
+                        <m:e>
+                          <m:r>
+                            <a:rPr lang="en-US" altLang="zh-CN" b="1" i="1" kern="100">
+                              <a:solidFill>
+                                <a:srgbClr val="4472C4"/>
+                              </a:solidFill>
+                              <a:latin typeface="Cambria Math" panose="02040503050406030204" pitchFamily="18" charset="0"/>
+                              <a:ea typeface="宋体" panose="02010600030101010101" pitchFamily="2" charset="-122"/>
+                              <a:cs typeface="Times New Roman" panose="02020603050405020304" pitchFamily="18" charset="0"/>
+                            </a:rPr>
+                            <m:t>𝒓</m:t>
+                          </m:r>
+                        </m:e>
+                        <m:sup>
+                          <m:r>
+                            <a:rPr lang="en-US" altLang="zh-CN" b="1" i="1" kern="100">
+                              <a:solidFill>
+                                <a:srgbClr val="4472C4"/>
+                              </a:solidFill>
+                              <a:latin typeface="Cambria Math" panose="02040503050406030204" pitchFamily="18" charset="0"/>
+                              <a:ea typeface="宋体" panose="02010600030101010101" pitchFamily="2" charset="-122"/>
+                              <a:cs typeface="Times New Roman" panose="02020603050405020304" pitchFamily="18" charset="0"/>
+                            </a:rPr>
+                            <m:t>′</m:t>
+                          </m:r>
+                        </m:sup>
+                      </m:sSup>
+                    </m:oMath>
+                  </m:oMathPara>
+                </a14:m>
+                <a:endParaRPr lang="zh-CN" altLang="en-US" dirty="0">
+                  <a:solidFill>
+                    <a:srgbClr val="4472C4"/>
+                  </a:solidFill>
+                </a:endParaRPr>
+              </a:p>
+            </p:txBody>
+          </p:sp>
+        </mc:Choice>
+        <mc:Fallback>
+          <p:sp>
+            <p:nvSpPr>
+              <p:cNvPr id="38" name="文本框 37">
+                <a:extLst>
+                  <a:ext uri="{FF2B5EF4-FFF2-40B4-BE49-F238E27FC236}">
+                    <a16:creationId xmlns:a16="http://schemas.microsoft.com/office/drawing/2014/main" id="{B0EEAF67-2576-4ACD-BA86-C9BC32499895}"/>
+                  </a:ext>
+                </a:extLst>
+              </p:cNvPr>
+              <p:cNvSpPr txBox="1">
+                <a:spLocks noRot="1" noChangeAspect="1" noMove="1" noResize="1" noEditPoints="1" noAdjustHandles="1" noChangeArrowheads="1" noChangeShapeType="1" noTextEdit="1"/>
+              </p:cNvSpPr>
+              <p:nvPr/>
+            </p:nvSpPr>
+            <p:spPr>
+              <a:xfrm>
+                <a:off x="3215937" y="3048679"/>
+                <a:ext cx="784800" cy="369332"/>
+              </a:xfrm>
+              <a:prstGeom prst="rect">
+                <a:avLst/>
+              </a:prstGeom>
+              <a:blipFill>
+                <a:blip r:embed="rId7"/>
+                <a:stretch>
+                  <a:fillRect/>
+                </a:stretch>
+              </a:blipFill>
+            </p:spPr>
+            <p:txBody>
+              <a:bodyPr/>
+              <a:lstStyle/>
+              <a:p>
+                <a:r>
+                  <a:rPr lang="zh-CN" altLang="en-US">
+                    <a:noFill/>
+                  </a:rPr>
+                  <a:t> </a:t>
+                </a:r>
+              </a:p>
+            </p:txBody>
+          </p:sp>
+        </mc:Fallback>
+      </mc:AlternateContent>
+      <p:cxnSp>
+        <p:nvCxnSpPr>
+          <p:cNvPr id="40" name="直接箭头连接符 39">
+            <a:extLst>
+              <a:ext uri="{FF2B5EF4-FFF2-40B4-BE49-F238E27FC236}">
+                <a16:creationId xmlns:a16="http://schemas.microsoft.com/office/drawing/2014/main" id="{1A697A35-EF46-4AAD-ACF1-8D0CA6FCAACE}"/>
+              </a:ext>
+            </a:extLst>
+          </p:cNvPr>
+          <p:cNvCxnSpPr>
+            <a:cxnSpLocks/>
+          </p:cNvCxnSpPr>
+          <p:nvPr/>
+        </p:nvCxnSpPr>
+        <p:spPr>
+          <a:xfrm flipH="1">
+            <a:off x="2159608" y="2631571"/>
+            <a:ext cx="1223374" cy="709652"/>
+          </a:xfrm>
+          <a:prstGeom prst="straightConnector1">
+            <a:avLst/>
+          </a:prstGeom>
+          <a:ln w="19050">
+            <a:prstDash val="sysDash"/>
+            <a:tailEnd type="stealth" w="lg" len="lg"/>
+          </a:ln>
+        </p:spPr>
+        <p:style>
+          <a:lnRef idx="1">
+            <a:schemeClr val="accent1"/>
+          </a:lnRef>
+          <a:fillRef idx="0">
+            <a:schemeClr val="accent1"/>
+          </a:fillRef>
+          <a:effectRef idx="0">
+            <a:schemeClr val="accent1"/>
+          </a:effectRef>
+          <a:fontRef idx="minor">
+            <a:schemeClr val="tx1"/>
+          </a:fontRef>
+        </p:style>
+      </p:cxnSp>
+      <mc:AlternateContent xmlns:mc="http://schemas.openxmlformats.org/markup-compatibility/2006">
+        <mc:Choice xmlns:a14="http://schemas.microsoft.com/office/drawing/2010/main" Requires="a14">
+          <p:sp>
+            <p:nvSpPr>
+              <p:cNvPr id="50" name="文本框 49">
+                <a:extLst>
+                  <a:ext uri="{FF2B5EF4-FFF2-40B4-BE49-F238E27FC236}">
+                    <a16:creationId xmlns:a16="http://schemas.microsoft.com/office/drawing/2014/main" id="{79E8CF03-59D6-498A-916A-2B570D394A87}"/>
+                  </a:ext>
+                </a:extLst>
+              </p:cNvPr>
+              <p:cNvSpPr txBox="1"/>
+              <p:nvPr/>
+            </p:nvSpPr>
+            <p:spPr>
+              <a:xfrm>
+                <a:off x="4555201" y="4683788"/>
+                <a:ext cx="6250429" cy="1144480"/>
+              </a:xfrm>
+              <a:prstGeom prst="rect">
+                <a:avLst/>
+              </a:prstGeom>
+              <a:noFill/>
+            </p:spPr>
+            <p:txBody>
+              <a:bodyPr wrap="none" rtlCol="0">
+                <a:spAutoFit/>
+              </a:bodyPr>
+              <a:lstStyle/>
+              <a:p>
+                <a:pPr algn="l">
+                  <a:lnSpc>
+                    <a:spcPct val="120000"/>
+                  </a:lnSpc>
+                </a:pPr>
+                <a:r>
+                  <a:rPr lang="zh-CN" altLang="en-US" dirty="0"/>
+                  <a:t>如果认为源电流</a:t>
+                </a:r>
+                <a:r>
+                  <a:rPr lang="en-US" altLang="zh-CN" b="1" i="1" dirty="0"/>
+                  <a:t>j</a:t>
+                </a:r>
+                <a:r>
+                  <a:rPr lang="zh-CN" altLang="en-US" dirty="0"/>
+                  <a:t>具有空间上的唯一性，可以将互感表示为：</a:t>
+                </a:r>
+                <a:endParaRPr lang="en-US" altLang="zh-CN" dirty="0"/>
+              </a:p>
+              <a:p>
+                <a:pPr>
+                  <a:lnSpc>
+                    <a:spcPct val="120000"/>
+                  </a:lnSpc>
+                </a:pPr>
+                <a14:m>
+                  <m:oMathPara xmlns:m="http://schemas.openxmlformats.org/officeDocument/2006/math">
+                    <m:oMathParaPr>
+                      <m:jc m:val="centerGroup"/>
+                    </m:oMathParaPr>
+                    <m:oMath xmlns:m="http://schemas.openxmlformats.org/officeDocument/2006/math">
+                      <m:r>
+                        <a:rPr lang="en-US" altLang="zh-CN" i="1" kern="100" dirty="0">
+                          <a:latin typeface="Cambria Math" panose="02040503050406030204" pitchFamily="18" charset="0"/>
+                          <a:ea typeface="宋体" panose="02010600030101010101" pitchFamily="2" charset="-122"/>
+                          <a:cs typeface="Times New Roman" panose="02020603050405020304" pitchFamily="18" charset="0"/>
+                        </a:rPr>
+                        <m:t>𝑀</m:t>
+                      </m:r>
+                      <m:r>
+                        <a:rPr lang="en-US" altLang="zh-CN" i="1" kern="100">
+                          <a:latin typeface="Cambria Math" panose="02040503050406030204" pitchFamily="18" charset="0"/>
+                          <a:ea typeface="宋体" panose="02010600030101010101" pitchFamily="2" charset="-122"/>
+                          <a:cs typeface="Times New Roman" panose="02020603050405020304" pitchFamily="18" charset="0"/>
+                        </a:rPr>
+                        <m:t>=</m:t>
+                      </m:r>
+                      <m:nary>
+                        <m:naryPr>
+                          <m:limLoc m:val="subSup"/>
+                          <m:ctrlPr>
+                            <a:rPr lang="zh-CN" altLang="zh-CN" i="1">
+                              <a:latin typeface="Cambria Math" panose="02040503050406030204" pitchFamily="18" charset="0"/>
+                              <a:ea typeface="Cambria Math" panose="02040503050406030204" pitchFamily="18" charset="0"/>
+                            </a:rPr>
+                          </m:ctrlPr>
+                        </m:naryPr>
+                        <m:sub>
+                          <m:r>
+                            <m:rPr>
+                              <m:brk m:alnAt="1"/>
+                            </m:rPr>
+                            <a:rPr lang="en-US" altLang="zh-CN" i="1" kern="100">
+                              <a:latin typeface="Cambria Math" panose="02040503050406030204" pitchFamily="18" charset="0"/>
+                              <a:ea typeface="Cambria Math" panose="02040503050406030204" pitchFamily="18" charset="0"/>
+                              <a:cs typeface="Times New Roman" panose="02020603050405020304" pitchFamily="18" charset="0"/>
+                            </a:rPr>
+                            <m:t>𝐿</m:t>
+                          </m:r>
+                        </m:sub>
+                        <m:sup>
+                          <m:r>
+                            <a:rPr lang="en-US" altLang="zh-CN" i="1" kern="100">
+                              <a:latin typeface="Cambria Math" panose="02040503050406030204" pitchFamily="18" charset="0"/>
+                              <a:ea typeface="宋体" panose="02010600030101010101" pitchFamily="2" charset="-122"/>
+                              <a:cs typeface="Times New Roman" panose="02020603050405020304" pitchFamily="18" charset="0"/>
+                            </a:rPr>
+                            <m:t> </m:t>
+                          </m:r>
+                        </m:sup>
+                        <m:e>
+                          <m:nary>
+                            <m:naryPr>
+                              <m:supHide m:val="on"/>
+                              <m:ctrlPr>
+                                <a:rPr lang="zh-CN" altLang="zh-CN" i="1">
+                                  <a:latin typeface="Cambria Math" panose="02040503050406030204" pitchFamily="18" charset="0"/>
+                                  <a:ea typeface="Cambria Math" panose="02040503050406030204" pitchFamily="18" charset="0"/>
+                                </a:rPr>
+                              </m:ctrlPr>
+                            </m:naryPr>
+                            <m:sub>
+                              <m:r>
+                                <a:rPr lang="en-US" altLang="zh-CN" i="1" dirty="0">
+                                  <a:latin typeface="Cambria Math" panose="02040503050406030204" pitchFamily="18" charset="0"/>
+                                </a:rPr>
+                                <m:t>𝐿</m:t>
+                              </m:r>
+                              <m:r>
+                                <a:rPr lang="en-US" altLang="zh-CN" i="1" dirty="0">
+                                  <a:latin typeface="Cambria Math" panose="02040503050406030204" pitchFamily="18" charset="0"/>
+                                </a:rPr>
+                                <m:t>’</m:t>
+                              </m:r>
+                            </m:sub>
+                            <m:sup/>
+                            <m:e>
+                              <m:f>
+                                <m:fPr>
+                                  <m:ctrlPr>
+                                    <a:rPr lang="zh-CN" altLang="zh-CN" i="1">
+                                      <a:latin typeface="Cambria Math" panose="02040503050406030204" pitchFamily="18" charset="0"/>
+                                      <a:ea typeface="Cambria Math" panose="02040503050406030204" pitchFamily="18" charset="0"/>
+                                    </a:rPr>
+                                  </m:ctrlPr>
+                                </m:fPr>
+                                <m:num>
+                                  <m:r>
+                                    <a:rPr lang="en-US" altLang="zh-CN" i="1" kern="100">
+                                      <a:latin typeface="Cambria Math" panose="02040503050406030204" pitchFamily="18" charset="0"/>
+                                      <a:ea typeface="宋体" panose="02010600030101010101" pitchFamily="2" charset="-122"/>
+                                      <a:cs typeface="Times New Roman" panose="02020603050405020304" pitchFamily="18" charset="0"/>
+                                    </a:rPr>
+                                    <m:t>𝜇</m:t>
+                                  </m:r>
+                                </m:num>
+                                <m:den>
+                                  <m:r>
+                                    <a:rPr lang="en-US" altLang="zh-CN" i="1" kern="100">
+                                      <a:latin typeface="Cambria Math" panose="02040503050406030204" pitchFamily="18" charset="0"/>
+                                      <a:ea typeface="宋体" panose="02010600030101010101" pitchFamily="2" charset="-122"/>
+                                      <a:cs typeface="Times New Roman" panose="02020603050405020304" pitchFamily="18" charset="0"/>
+                                    </a:rPr>
+                                    <m:t>4</m:t>
+                                  </m:r>
+                                  <m:r>
+                                    <a:rPr lang="en-US" altLang="zh-CN" i="1" kern="100">
+                                      <a:latin typeface="Cambria Math" panose="02040503050406030204" pitchFamily="18" charset="0"/>
+                                      <a:ea typeface="宋体" panose="02010600030101010101" pitchFamily="2" charset="-122"/>
+                                      <a:cs typeface="Times New Roman" panose="02020603050405020304" pitchFamily="18" charset="0"/>
+                                    </a:rPr>
+                                    <m:t>𝜋</m:t>
+                                  </m:r>
+                                </m:den>
+                              </m:f>
+                            </m:e>
+                          </m:nary>
+                          <m:f>
+                            <m:fPr>
+                              <m:ctrlPr>
+                                <a:rPr lang="zh-CN" altLang="zh-CN" i="1">
+                                  <a:latin typeface="Cambria Math" panose="02040503050406030204" pitchFamily="18" charset="0"/>
+                                  <a:ea typeface="Cambria Math" panose="02040503050406030204" pitchFamily="18" charset="0"/>
+                                </a:rPr>
+                              </m:ctrlPr>
+                            </m:fPr>
+                            <m:num>
+                              <m:r>
+                                <a:rPr lang="en-US" altLang="zh-CN" i="1" kern="100">
+                                  <a:latin typeface="Cambria Math" panose="02040503050406030204" pitchFamily="18" charset="0"/>
+                                  <a:ea typeface="宋体" panose="02010600030101010101" pitchFamily="2" charset="-122"/>
+                                  <a:cs typeface="Times New Roman" panose="02020603050405020304" pitchFamily="18" charset="0"/>
+                                </a:rPr>
+                                <m:t>1</m:t>
+                              </m:r>
+                            </m:num>
+                            <m:den>
+                              <m:d>
+                                <m:dPr>
+                                  <m:begChr m:val="|"/>
+                                  <m:endChr m:val="|"/>
+                                  <m:ctrlPr>
+                                    <a:rPr lang="zh-CN" altLang="zh-CN" i="1">
+                                      <a:latin typeface="Cambria Math" panose="02040503050406030204" pitchFamily="18" charset="0"/>
+                                      <a:ea typeface="Cambria Math" panose="02040503050406030204" pitchFamily="18" charset="0"/>
+                                    </a:rPr>
+                                  </m:ctrlPr>
+                                </m:dPr>
+                                <m:e>
+                                  <m:r>
+                                    <a:rPr lang="en-US" altLang="zh-CN" b="1" i="1" kern="100">
+                                      <a:latin typeface="Cambria Math" panose="02040503050406030204" pitchFamily="18" charset="0"/>
+                                      <a:ea typeface="宋体" panose="02010600030101010101" pitchFamily="2" charset="-122"/>
+                                      <a:cs typeface="Times New Roman" panose="02020603050405020304" pitchFamily="18" charset="0"/>
+                                    </a:rPr>
+                                    <m:t>𝒓</m:t>
+                                  </m:r>
+                                  <m:r>
+                                    <a:rPr lang="en-US" altLang="zh-CN" i="1" kern="100">
+                                      <a:latin typeface="Cambria Math" panose="02040503050406030204" pitchFamily="18" charset="0"/>
+                                      <a:ea typeface="宋体" panose="02010600030101010101" pitchFamily="2" charset="-122"/>
+                                      <a:cs typeface="Times New Roman" panose="02020603050405020304" pitchFamily="18" charset="0"/>
+                                    </a:rPr>
+                                    <m:t>−</m:t>
+                                  </m:r>
+                                  <m:sSup>
+                                    <m:sSupPr>
+                                      <m:ctrlPr>
+                                        <a:rPr lang="zh-CN" altLang="zh-CN" b="1" i="1">
+                                          <a:latin typeface="Cambria Math" panose="02040503050406030204" pitchFamily="18" charset="0"/>
+                                          <a:ea typeface="Cambria Math" panose="02040503050406030204" pitchFamily="18" charset="0"/>
+                                        </a:rPr>
+                                      </m:ctrlPr>
+                                    </m:sSupPr>
+                                    <m:e>
+                                      <m:r>
+                                        <a:rPr lang="en-US" altLang="zh-CN" b="1" i="1" kern="100">
+                                          <a:latin typeface="Cambria Math" panose="02040503050406030204" pitchFamily="18" charset="0"/>
+                                          <a:ea typeface="宋体" panose="02010600030101010101" pitchFamily="2" charset="-122"/>
+                                          <a:cs typeface="Times New Roman" panose="02020603050405020304" pitchFamily="18" charset="0"/>
+                                        </a:rPr>
+                                        <m:t>𝒓</m:t>
+                                      </m:r>
+                                    </m:e>
+                                    <m:sup>
+                                      <m:r>
+                                        <a:rPr lang="en-US" altLang="zh-CN" b="1" i="1" kern="100">
+                                          <a:latin typeface="Cambria Math" panose="02040503050406030204" pitchFamily="18" charset="0"/>
+                                          <a:ea typeface="宋体" panose="02010600030101010101" pitchFamily="2" charset="-122"/>
+                                          <a:cs typeface="Times New Roman" panose="02020603050405020304" pitchFamily="18" charset="0"/>
+                                        </a:rPr>
+                                        <m:t>′</m:t>
+                                      </m:r>
+                                    </m:sup>
+                                  </m:sSup>
+                                </m:e>
+                              </m:d>
+                            </m:den>
+                          </m:f>
+                          <m:r>
+                            <m:rPr>
+                              <m:nor/>
+                            </m:rPr>
+                            <a:rPr lang="en-US" altLang="zh-CN" kern="100">
+                              <a:latin typeface="Cambria Math" panose="02040503050406030204" pitchFamily="18" charset="0"/>
+                              <a:ea typeface="宋体" panose="02010600030101010101" pitchFamily="2" charset="-122"/>
+                              <a:cs typeface="Times New Roman" panose="02020603050405020304" pitchFamily="18" charset="0"/>
+                            </a:rPr>
+                            <m:t>d</m:t>
+                          </m:r>
+                          <m:r>
+                            <a:rPr lang="en-US" altLang="zh-CN" i="1" kern="100">
+                              <a:latin typeface="Cambria Math" panose="02040503050406030204" pitchFamily="18" charset="0"/>
+                              <a:ea typeface="宋体" panose="02010600030101010101" pitchFamily="2" charset="-122"/>
+                              <a:cs typeface="Times New Roman" panose="02020603050405020304" pitchFamily="18" charset="0"/>
+                            </a:rPr>
+                            <m:t>𝑙𝑑</m:t>
+                          </m:r>
+                          <m:r>
+                            <a:rPr lang="en-US" altLang="zh-CN" i="1" dirty="0">
+                              <a:latin typeface="Cambria Math" panose="02040503050406030204" pitchFamily="18" charset="0"/>
+                            </a:rPr>
+                            <m:t>𝑙</m:t>
+                          </m:r>
+                          <m:r>
+                            <a:rPr lang="en-US" altLang="zh-CN" i="1" dirty="0">
+                              <a:latin typeface="Cambria Math" panose="02040503050406030204" pitchFamily="18" charset="0"/>
+                            </a:rPr>
+                            <m:t>’</m:t>
+                          </m:r>
+                        </m:e>
+                      </m:nary>
+                    </m:oMath>
+                  </m:oMathPara>
+                </a14:m>
+                <a:endParaRPr lang="zh-CN" altLang="en-US" dirty="0"/>
+              </a:p>
+            </p:txBody>
+          </p:sp>
+        </mc:Choice>
+        <mc:Fallback>
+          <p:sp>
+            <p:nvSpPr>
+              <p:cNvPr id="50" name="文本框 49">
+                <a:extLst>
+                  <a:ext uri="{FF2B5EF4-FFF2-40B4-BE49-F238E27FC236}">
+                    <a16:creationId xmlns:a16="http://schemas.microsoft.com/office/drawing/2014/main" id="{79E8CF03-59D6-498A-916A-2B570D394A87}"/>
+                  </a:ext>
+                </a:extLst>
+              </p:cNvPr>
+              <p:cNvSpPr txBox="1">
+                <a:spLocks noRot="1" noChangeAspect="1" noMove="1" noResize="1" noEditPoints="1" noAdjustHandles="1" noChangeArrowheads="1" noChangeShapeType="1" noTextEdit="1"/>
+              </p:cNvSpPr>
+              <p:nvPr/>
+            </p:nvSpPr>
+            <p:spPr>
+              <a:xfrm>
+                <a:off x="4555201" y="4683788"/>
+                <a:ext cx="6250429" cy="1144480"/>
+              </a:xfrm>
+              <a:prstGeom prst="rect">
+                <a:avLst/>
+              </a:prstGeom>
+              <a:blipFill>
+                <a:blip r:embed="rId8"/>
+                <a:stretch>
+                  <a:fillRect l="-780" r="-97"/>
+                </a:stretch>
+              </a:blipFill>
+            </p:spPr>
+            <p:txBody>
+              <a:bodyPr/>
+              <a:lstStyle/>
+              <a:p>
+                <a:r>
+                  <a:rPr lang="zh-CN" altLang="en-US">
+                    <a:noFill/>
+                  </a:rPr>
+                  <a:t> </a:t>
+                </a:r>
+              </a:p>
+            </p:txBody>
+          </p:sp>
+        </mc:Fallback>
+      </mc:AlternateContent>
+      <p:sp>
+        <p:nvSpPr>
+          <p:cNvPr id="5" name="文本占位符 4">
+            <a:extLst>
+              <a:ext uri="{FF2B5EF4-FFF2-40B4-BE49-F238E27FC236}">
+                <a16:creationId xmlns:a16="http://schemas.microsoft.com/office/drawing/2014/main" id="{98620CB9-E496-189A-EE41-D270A21598BD}"/>
+              </a:ext>
+            </a:extLst>
+          </p:cNvPr>
+          <p:cNvSpPr>
+            <a:spLocks noGrp="1"/>
+          </p:cNvSpPr>
+          <p:nvPr>
+            <p:ph type="body" sz="quarter" idx="13"/>
+          </p:nvPr>
+        </p:nvSpPr>
+        <p:spPr/>
+        <p:txBody>
+          <a:bodyPr>
+            <a:normAutofit fontScale="85000" lnSpcReduction="20000"/>
+          </a:bodyPr>
+          <a:lstStyle/>
+          <a:p>
+            <a:endParaRPr lang="zh-CN" altLang="en-US"/>
+          </a:p>
+        </p:txBody>
+      </p:sp>
+    </p:spTree>
+    <p:extLst>
+      <p:ext uri="{BB962C8B-B14F-4D97-AF65-F5344CB8AC3E}">
+        <p14:creationId xmlns:p14="http://schemas.microsoft.com/office/powerpoint/2010/main" val="2742385768"/>
+      </p:ext>
+    </p:extLst>
+  </p:cSld>
+  <p:clrMapOvr>
+    <a:masterClrMapping/>
+  </p:clrMapOvr>
+</p:sld>
+</file>
+
+<file path=ppt/slides/slide9.xml><?xml version="1.0" encoding="utf-8"?>
+<p:sld xmlns:a="http://schemas.openxmlformats.org/drawingml/2006/main" xmlns:r="http://schemas.openxmlformats.org/officeDocument/2006/relationships" xmlns:p="http://schemas.openxmlformats.org/presentationml/2006/main">
+  <p:cSld>
+    <p:spTree>
+      <p:nvGrpSpPr>
+        <p:cNvPr id="1" name=""/>
+        <p:cNvGrpSpPr/>
+        <p:nvPr/>
+      </p:nvGrpSpPr>
+      <p:grpSpPr>
+        <a:xfrm>
+          <a:off x="0" y="0"/>
+          <a:ext cx="0" cy="0"/>
+          <a:chOff x="0" y="0"/>
+          <a:chExt cx="0" cy="0"/>
+        </a:xfrm>
+      </p:grpSpPr>
       <p:pic>
         <p:nvPicPr>
           <p:cNvPr id="5" name="内容占位符 4">
@@ -9744,1323 +13884,6 @@
   <p:clrMapOvr>
     <a:masterClrMapping/>
   </p:clrMapOvr>
-</p:sld>
-</file>
-
-<file path=ppt/slides/slide9.xml><?xml version="1.0" encoding="utf-8"?>
-<p:sld xmlns:a="http://schemas.openxmlformats.org/drawingml/2006/main" xmlns:r="http://schemas.openxmlformats.org/officeDocument/2006/relationships" xmlns:p="http://schemas.openxmlformats.org/presentationml/2006/main">
-  <p:cSld>
-    <p:spTree>
-      <p:nvGrpSpPr>
-        <p:cNvPr id="1" name=""/>
-        <p:cNvGrpSpPr/>
-        <p:nvPr/>
-      </p:nvGrpSpPr>
-      <p:grpSpPr>
-        <a:xfrm>
-          <a:off x="0" y="0"/>
-          <a:ext cx="0" cy="0"/>
-          <a:chOff x="0" y="0"/>
-          <a:chExt cx="0" cy="0"/>
-        </a:xfrm>
-      </p:grpSpPr>
-      <p:sp>
-        <p:nvSpPr>
-          <p:cNvPr id="4" name="标题 2">
-            <a:extLst>
-              <a:ext uri="{FF2B5EF4-FFF2-40B4-BE49-F238E27FC236}">
-                <a16:creationId xmlns:a16="http://schemas.microsoft.com/office/drawing/2014/main" id="{2E89FCC8-1A3F-8309-DB6E-FC173C6E52AB}"/>
-              </a:ext>
-            </a:extLst>
-          </p:cNvPr>
-          <p:cNvSpPr txBox="1">
-            <a:spLocks/>
-          </p:cNvSpPr>
-          <p:nvPr/>
-        </p:nvSpPr>
-        <p:spPr>
-          <a:xfrm>
-            <a:off x="1017113" y="383454"/>
-            <a:ext cx="6429375" cy="367200"/>
-          </a:xfrm>
-          <a:prstGeom prst="rect">
-            <a:avLst/>
-          </a:prstGeom>
-        </p:spPr>
-        <p:txBody>
-          <a:bodyPr vert="horz" lIns="91440" tIns="45720" rIns="91440" bIns="45720" rtlCol="0" anchor="ctr">
-            <a:noAutofit/>
-          </a:bodyPr>
-          <a:lstStyle>
-            <a:defPPr>
-              <a:defRPr lang="zh-CN"/>
-            </a:defPPr>
-            <a:lvl1pPr>
-              <a:lnSpc>
-                <a:spcPct val="90000"/>
-              </a:lnSpc>
-              <a:spcBef>
-                <a:spcPct val="0"/>
-              </a:spcBef>
-              <a:buNone/>
-              <a:defRPr sz="3600" b="1">
-                <a:latin typeface="+mj-lt"/>
-                <a:ea typeface="+mj-ea"/>
-                <a:cs typeface="+mj-cs"/>
-              </a:defRPr>
-            </a:lvl1pPr>
-          </a:lstStyle>
-          <a:p>
-            <a:r>
-              <a:rPr lang="zh-CN" altLang="en-US" dirty="0"/>
-              <a:t>电路网格模型</a:t>
-            </a:r>
-          </a:p>
-        </p:txBody>
-      </p:sp>
-      <p:sp>
-        <p:nvSpPr>
-          <p:cNvPr id="5" name="内容占位符 4">
-            <a:extLst>
-              <a:ext uri="{FF2B5EF4-FFF2-40B4-BE49-F238E27FC236}">
-                <a16:creationId xmlns:a16="http://schemas.microsoft.com/office/drawing/2014/main" id="{4B688B9E-5AE7-3B8B-D8B1-D752B71E7AB3}"/>
-              </a:ext>
-            </a:extLst>
-          </p:cNvPr>
-          <p:cNvSpPr txBox="1">
-            <a:spLocks/>
-          </p:cNvSpPr>
-          <p:nvPr/>
-        </p:nvSpPr>
-        <p:spPr>
-          <a:xfrm>
-            <a:off x="423669" y="860999"/>
-            <a:ext cx="8887855" cy="836495"/>
-          </a:xfrm>
-          <a:prstGeom prst="rect">
-            <a:avLst/>
-          </a:prstGeom>
-        </p:spPr>
-        <p:txBody>
-          <a:bodyPr/>
-          <a:lstStyle>
-            <a:lvl1pPr marL="228600" indent="-228600" algn="l" defTabSz="914400" rtl="0" eaLnBrk="1" latinLnBrk="0" hangingPunct="1">
-              <a:lnSpc>
-                <a:spcPct val="90000"/>
-              </a:lnSpc>
-              <a:spcBef>
-                <a:spcPts val="1000"/>
-              </a:spcBef>
-              <a:buFont typeface="Arial" panose="020B0604020202020204" pitchFamily="34" charset="0"/>
-              <a:buChar char="•"/>
-              <a:defRPr sz="2800" kern="1200">
-                <a:solidFill>
-                  <a:schemeClr val="tx1"/>
-                </a:solidFill>
-                <a:latin typeface="+mn-lt"/>
-                <a:ea typeface="+mn-ea"/>
-                <a:cs typeface="+mn-cs"/>
-              </a:defRPr>
-            </a:lvl1pPr>
-            <a:lvl2pPr marL="685800" indent="-228600" algn="l" defTabSz="914400" rtl="0" eaLnBrk="1" latinLnBrk="0" hangingPunct="1">
-              <a:lnSpc>
-                <a:spcPct val="90000"/>
-              </a:lnSpc>
-              <a:spcBef>
-                <a:spcPts val="500"/>
-              </a:spcBef>
-              <a:buFont typeface="Arial" panose="020B0604020202020204" pitchFamily="34" charset="0"/>
-              <a:buChar char="•"/>
-              <a:defRPr sz="2400" kern="1200">
-                <a:solidFill>
-                  <a:schemeClr val="tx1"/>
-                </a:solidFill>
-                <a:latin typeface="+mn-lt"/>
-                <a:ea typeface="+mn-ea"/>
-                <a:cs typeface="+mn-cs"/>
-              </a:defRPr>
-            </a:lvl2pPr>
-            <a:lvl3pPr marL="1143000" indent="-228600" algn="l" defTabSz="914400" rtl="0" eaLnBrk="1" latinLnBrk="0" hangingPunct="1">
-              <a:lnSpc>
-                <a:spcPct val="90000"/>
-              </a:lnSpc>
-              <a:spcBef>
-                <a:spcPts val="500"/>
-              </a:spcBef>
-              <a:buFont typeface="Arial" panose="020B0604020202020204" pitchFamily="34" charset="0"/>
-              <a:buChar char="•"/>
-              <a:defRPr sz="2000" kern="1200">
-                <a:solidFill>
-                  <a:schemeClr val="tx1"/>
-                </a:solidFill>
-                <a:latin typeface="+mn-lt"/>
-                <a:ea typeface="+mn-ea"/>
-                <a:cs typeface="+mn-cs"/>
-              </a:defRPr>
-            </a:lvl3pPr>
-            <a:lvl4pPr marL="1600200" indent="-228600" algn="l" defTabSz="914400" rtl="0" eaLnBrk="1" latinLnBrk="0" hangingPunct="1">
-              <a:lnSpc>
-                <a:spcPct val="90000"/>
-              </a:lnSpc>
-              <a:spcBef>
-                <a:spcPts val="500"/>
-              </a:spcBef>
-              <a:buFont typeface="Arial" panose="020B0604020202020204" pitchFamily="34" charset="0"/>
-              <a:buChar char="•"/>
-              <a:defRPr sz="1800" kern="1200">
-                <a:solidFill>
-                  <a:schemeClr val="tx1"/>
-                </a:solidFill>
-                <a:latin typeface="+mn-lt"/>
-                <a:ea typeface="+mn-ea"/>
-                <a:cs typeface="+mn-cs"/>
-              </a:defRPr>
-            </a:lvl4pPr>
-            <a:lvl5pPr marL="2057400" indent="-228600" algn="l" defTabSz="914400" rtl="0" eaLnBrk="1" latinLnBrk="0" hangingPunct="1">
-              <a:lnSpc>
-                <a:spcPct val="90000"/>
-              </a:lnSpc>
-              <a:spcBef>
-                <a:spcPts val="500"/>
-              </a:spcBef>
-              <a:buFont typeface="Arial" panose="020B0604020202020204" pitchFamily="34" charset="0"/>
-              <a:buChar char="•"/>
-              <a:defRPr sz="1800" kern="1200">
-                <a:solidFill>
-                  <a:schemeClr val="tx1"/>
-                </a:solidFill>
-                <a:latin typeface="+mn-lt"/>
-                <a:ea typeface="+mn-ea"/>
-                <a:cs typeface="+mn-cs"/>
-              </a:defRPr>
-            </a:lvl5pPr>
-            <a:lvl6pPr marL="2514600" indent="-228600" algn="l" defTabSz="914400" rtl="0" eaLnBrk="1" latinLnBrk="0" hangingPunct="1">
-              <a:lnSpc>
-                <a:spcPct val="90000"/>
-              </a:lnSpc>
-              <a:spcBef>
-                <a:spcPts val="500"/>
-              </a:spcBef>
-              <a:buFont typeface="Arial" panose="020B0604020202020204" pitchFamily="34" charset="0"/>
-              <a:buChar char="•"/>
-              <a:defRPr sz="1800" kern="1200">
-                <a:solidFill>
-                  <a:schemeClr val="tx1"/>
-                </a:solidFill>
-                <a:latin typeface="+mn-lt"/>
-                <a:ea typeface="+mn-ea"/>
-                <a:cs typeface="+mn-cs"/>
-              </a:defRPr>
-            </a:lvl6pPr>
-            <a:lvl7pPr marL="2971800" indent="-228600" algn="l" defTabSz="914400" rtl="0" eaLnBrk="1" latinLnBrk="0" hangingPunct="1">
-              <a:lnSpc>
-                <a:spcPct val="90000"/>
-              </a:lnSpc>
-              <a:spcBef>
-                <a:spcPts val="500"/>
-              </a:spcBef>
-              <a:buFont typeface="Arial" panose="020B0604020202020204" pitchFamily="34" charset="0"/>
-              <a:buChar char="•"/>
-              <a:defRPr sz="1800" kern="1200">
-                <a:solidFill>
-                  <a:schemeClr val="tx1"/>
-                </a:solidFill>
-                <a:latin typeface="+mn-lt"/>
-                <a:ea typeface="+mn-ea"/>
-                <a:cs typeface="+mn-cs"/>
-              </a:defRPr>
-            </a:lvl7pPr>
-            <a:lvl8pPr marL="3429000" indent="-228600" algn="l" defTabSz="914400" rtl="0" eaLnBrk="1" latinLnBrk="0" hangingPunct="1">
-              <a:lnSpc>
-                <a:spcPct val="90000"/>
-              </a:lnSpc>
-              <a:spcBef>
-                <a:spcPts val="500"/>
-              </a:spcBef>
-              <a:buFont typeface="Arial" panose="020B0604020202020204" pitchFamily="34" charset="0"/>
-              <a:buChar char="•"/>
-              <a:defRPr sz="1800" kern="1200">
-                <a:solidFill>
-                  <a:schemeClr val="tx1"/>
-                </a:solidFill>
-                <a:latin typeface="+mn-lt"/>
-                <a:ea typeface="+mn-ea"/>
-                <a:cs typeface="+mn-cs"/>
-              </a:defRPr>
-            </a:lvl8pPr>
-            <a:lvl9pPr marL="3886200" indent="-228600" algn="l" defTabSz="914400" rtl="0" eaLnBrk="1" latinLnBrk="0" hangingPunct="1">
-              <a:lnSpc>
-                <a:spcPct val="90000"/>
-              </a:lnSpc>
-              <a:spcBef>
-                <a:spcPts val="500"/>
-              </a:spcBef>
-              <a:buFont typeface="Arial" panose="020B0604020202020204" pitchFamily="34" charset="0"/>
-              <a:buChar char="•"/>
-              <a:defRPr sz="1800" kern="1200">
-                <a:solidFill>
-                  <a:schemeClr val="tx1"/>
-                </a:solidFill>
-                <a:latin typeface="+mn-lt"/>
-                <a:ea typeface="+mn-ea"/>
-                <a:cs typeface="+mn-cs"/>
-              </a:defRPr>
-            </a:lvl9pPr>
-          </a:lstStyle>
-          <a:p>
-            <a:r>
-              <a:rPr lang="zh-CN" altLang="en-US" dirty="0"/>
-              <a:t>在电路网格模型中，每匝分为几个弧段，这些弧段具有各自的电感，环向电阻和径向电阻。</a:t>
-            </a:r>
-          </a:p>
-        </p:txBody>
-      </p:sp>
-      <p:pic>
-        <p:nvPicPr>
-          <p:cNvPr id="6" name="图片 5">
-            <a:extLst>
-              <a:ext uri="{FF2B5EF4-FFF2-40B4-BE49-F238E27FC236}">
-                <a16:creationId xmlns:a16="http://schemas.microsoft.com/office/drawing/2014/main" id="{AE4EB9C0-AE13-E578-EFBB-72BF1A3297F6}"/>
-              </a:ext>
-            </a:extLst>
-          </p:cNvPr>
-          <p:cNvPicPr/>
-          <p:nvPr/>
-        </p:nvPicPr>
-        <p:blipFill>
-          <a:blip r:embed="rId2" cstate="print">
-            <a:extLst>
-              <a:ext uri="{28A0092B-C50C-407E-A947-70E740481C1C}">
-                <a14:useLocalDpi xmlns:a14="http://schemas.microsoft.com/office/drawing/2010/main" val="0"/>
-              </a:ext>
-            </a:extLst>
-          </a:blip>
-          <a:stretch>
-            <a:fillRect/>
-          </a:stretch>
-        </p:blipFill>
-        <p:spPr>
-          <a:xfrm>
-            <a:off x="1474370" y="2587285"/>
-            <a:ext cx="2837815" cy="2038610"/>
-          </a:xfrm>
-          <a:prstGeom prst="rect">
-            <a:avLst/>
-          </a:prstGeom>
-        </p:spPr>
-      </p:pic>
-      <p:pic>
-        <p:nvPicPr>
-          <p:cNvPr id="7" name="图片 6">
-            <a:extLst>
-              <a:ext uri="{FF2B5EF4-FFF2-40B4-BE49-F238E27FC236}">
-                <a16:creationId xmlns:a16="http://schemas.microsoft.com/office/drawing/2014/main" id="{F5CD287D-271C-B852-BF04-B9C22FF524BC}"/>
-              </a:ext>
-            </a:extLst>
-          </p:cNvPr>
-          <p:cNvPicPr/>
-          <p:nvPr/>
-        </p:nvPicPr>
-        <p:blipFill>
-          <a:blip r:embed="rId3" cstate="print">
-            <a:extLst>
-              <a:ext uri="{28A0092B-C50C-407E-A947-70E740481C1C}">
-                <a14:useLocalDpi xmlns:a14="http://schemas.microsoft.com/office/drawing/2010/main" val="0"/>
-              </a:ext>
-            </a:extLst>
-          </a:blip>
-          <a:stretch>
-            <a:fillRect/>
-          </a:stretch>
-        </p:blipFill>
-        <p:spPr>
-          <a:xfrm>
-            <a:off x="5456694" y="2037123"/>
-            <a:ext cx="3012278" cy="2908736"/>
-          </a:xfrm>
-          <a:prstGeom prst="rect">
-            <a:avLst/>
-          </a:prstGeom>
-        </p:spPr>
-      </p:pic>
-      <p:sp>
-        <p:nvSpPr>
-          <p:cNvPr id="8" name="箭头: 右 7">
-            <a:extLst>
-              <a:ext uri="{FF2B5EF4-FFF2-40B4-BE49-F238E27FC236}">
-                <a16:creationId xmlns:a16="http://schemas.microsoft.com/office/drawing/2014/main" id="{BFE63174-7144-5AD1-857E-41C674FDA2AE}"/>
-              </a:ext>
-            </a:extLst>
-          </p:cNvPr>
-          <p:cNvSpPr/>
-          <p:nvPr/>
-        </p:nvSpPr>
-        <p:spPr>
-          <a:xfrm>
-            <a:off x="4403964" y="3099247"/>
-            <a:ext cx="889228" cy="764009"/>
-          </a:xfrm>
-          <a:prstGeom prst="rightArrow">
-            <a:avLst/>
-          </a:prstGeom>
-        </p:spPr>
-        <p:style>
-          <a:lnRef idx="0">
-            <a:schemeClr val="accent5"/>
-          </a:lnRef>
-          <a:fillRef idx="3">
-            <a:schemeClr val="accent5"/>
-          </a:fillRef>
-          <a:effectRef idx="3">
-            <a:schemeClr val="accent5"/>
-          </a:effectRef>
-          <a:fontRef idx="minor">
-            <a:schemeClr val="lt1"/>
-          </a:fontRef>
-        </p:style>
-        <p:txBody>
-          <a:bodyPr rtlCol="0" anchor="ctr"/>
-          <a:lstStyle/>
-          <a:p>
-            <a:pPr algn="ctr"/>
-            <a:endParaRPr lang="zh-CN" altLang="en-US" dirty="0"/>
-          </a:p>
-        </p:txBody>
-      </p:sp>
-      <p:pic>
-        <p:nvPicPr>
-          <p:cNvPr id="9" name="图片 8">
-            <a:extLst>
-              <a:ext uri="{FF2B5EF4-FFF2-40B4-BE49-F238E27FC236}">
-                <a16:creationId xmlns:a16="http://schemas.microsoft.com/office/drawing/2014/main" id="{9EDA9519-34A1-D755-36F9-5423F7C2FDF7}"/>
-              </a:ext>
-            </a:extLst>
-          </p:cNvPr>
-          <p:cNvPicPr/>
-          <p:nvPr/>
-        </p:nvPicPr>
-        <p:blipFill>
-          <a:blip r:embed="rId4">
-            <a:clrChange>
-              <a:clrFrom>
-                <a:srgbClr val="FFFFFF"/>
-              </a:clrFrom>
-              <a:clrTo>
-                <a:srgbClr val="FFFFFF">
-                  <a:alpha val="0"/>
-                </a:srgbClr>
-              </a:clrTo>
-            </a:clrChange>
-            <a:extLst>
-              <a:ext uri="{28A0092B-C50C-407E-A947-70E740481C1C}">
-                <a14:useLocalDpi xmlns:a14="http://schemas.microsoft.com/office/drawing/2010/main" val="0"/>
-              </a:ext>
-            </a:extLst>
-          </a:blip>
-          <a:stretch>
-            <a:fillRect/>
-          </a:stretch>
-        </p:blipFill>
-        <p:spPr>
-          <a:xfrm>
-            <a:off x="9441101" y="1582820"/>
-            <a:ext cx="1965292" cy="1972226"/>
-          </a:xfrm>
-          <a:prstGeom prst="rect">
-            <a:avLst/>
-          </a:prstGeom>
-          <a:ln w="28575">
-            <a:noFill/>
-          </a:ln>
-        </p:spPr>
-      </p:pic>
-      <p:pic>
-        <p:nvPicPr>
-          <p:cNvPr id="10" name="图片 9">
-            <a:extLst>
-              <a:ext uri="{FF2B5EF4-FFF2-40B4-BE49-F238E27FC236}">
-                <a16:creationId xmlns:a16="http://schemas.microsoft.com/office/drawing/2014/main" id="{C9402A6E-A429-04F4-37F1-BB1044864699}"/>
-              </a:ext>
-            </a:extLst>
-          </p:cNvPr>
-          <p:cNvPicPr/>
-          <p:nvPr/>
-        </p:nvPicPr>
-        <p:blipFill>
-          <a:blip r:embed="rId5">
-            <a:clrChange>
-              <a:clrFrom>
-                <a:srgbClr val="FFFFFF"/>
-              </a:clrFrom>
-              <a:clrTo>
-                <a:srgbClr val="FFFFFF">
-                  <a:alpha val="0"/>
-                </a:srgbClr>
-              </a:clrTo>
-            </a:clrChange>
-            <a:extLst>
-              <a:ext uri="{28A0092B-C50C-407E-A947-70E740481C1C}">
-                <a14:useLocalDpi xmlns:a14="http://schemas.microsoft.com/office/drawing/2010/main" val="0"/>
-              </a:ext>
-            </a:extLst>
-          </a:blip>
-          <a:stretch>
-            <a:fillRect/>
-          </a:stretch>
-        </p:blipFill>
-        <p:spPr>
-          <a:xfrm>
-            <a:off x="9307516" y="4358050"/>
-            <a:ext cx="2289597" cy="1821356"/>
-          </a:xfrm>
-          <a:prstGeom prst="rect">
-            <a:avLst/>
-          </a:prstGeom>
-          <a:ln w="28575">
-            <a:noFill/>
-          </a:ln>
-        </p:spPr>
-      </p:pic>
-      <p:sp>
-        <p:nvSpPr>
-          <p:cNvPr id="11" name="箭头: 右 10">
-            <a:extLst>
-              <a:ext uri="{FF2B5EF4-FFF2-40B4-BE49-F238E27FC236}">
-                <a16:creationId xmlns:a16="http://schemas.microsoft.com/office/drawing/2014/main" id="{AA2E2C92-4416-7CF6-0356-079F5A49DFA8}"/>
-              </a:ext>
-            </a:extLst>
-          </p:cNvPr>
-          <p:cNvSpPr/>
-          <p:nvPr/>
-        </p:nvSpPr>
-        <p:spPr>
-          <a:xfrm rot="19690375">
-            <a:off x="7921991" y="2519670"/>
-            <a:ext cx="1353115" cy="415897"/>
-          </a:xfrm>
-          <a:prstGeom prst="rightArrow">
-            <a:avLst/>
-          </a:prstGeom>
-          <a:solidFill>
-            <a:srgbClr val="C00000">
-              <a:alpha val="30196"/>
-            </a:srgbClr>
-          </a:solidFill>
-          <a:ln>
-            <a:noFill/>
-          </a:ln>
-        </p:spPr>
-        <p:style>
-          <a:lnRef idx="2">
-            <a:schemeClr val="accent1">
-              <a:shade val="50000"/>
-            </a:schemeClr>
-          </a:lnRef>
-          <a:fillRef idx="1">
-            <a:schemeClr val="accent1"/>
-          </a:fillRef>
-          <a:effectRef idx="0">
-            <a:schemeClr val="accent1"/>
-          </a:effectRef>
-          <a:fontRef idx="minor">
-            <a:schemeClr val="lt1"/>
-          </a:fontRef>
-        </p:style>
-        <p:txBody>
-          <a:bodyPr rtlCol="0" anchor="ctr"/>
-          <a:lstStyle/>
-          <a:p>
-            <a:pPr algn="ctr"/>
-            <a:endParaRPr lang="zh-CN" altLang="en-US"/>
-          </a:p>
-        </p:txBody>
-      </p:sp>
-      <p:sp>
-        <p:nvSpPr>
-          <p:cNvPr id="12" name="箭头: 右 11">
-            <a:extLst>
-              <a:ext uri="{FF2B5EF4-FFF2-40B4-BE49-F238E27FC236}">
-                <a16:creationId xmlns:a16="http://schemas.microsoft.com/office/drawing/2014/main" id="{842B2FB1-D035-B210-62EA-8546D4FF11FB}"/>
-              </a:ext>
-            </a:extLst>
-          </p:cNvPr>
-          <p:cNvSpPr/>
-          <p:nvPr/>
-        </p:nvSpPr>
-        <p:spPr>
-          <a:xfrm rot="12339021" flipH="1">
-            <a:off x="7583025" y="4511415"/>
-            <a:ext cx="1621581" cy="415897"/>
-          </a:xfrm>
-          <a:prstGeom prst="rightArrow">
-            <a:avLst/>
-          </a:prstGeom>
-          <a:solidFill>
-            <a:srgbClr val="4472C4">
-              <a:alpha val="30196"/>
-            </a:srgbClr>
-          </a:solidFill>
-          <a:ln>
-            <a:noFill/>
-          </a:ln>
-        </p:spPr>
-        <p:style>
-          <a:lnRef idx="2">
-            <a:schemeClr val="accent1">
-              <a:shade val="50000"/>
-            </a:schemeClr>
-          </a:lnRef>
-          <a:fillRef idx="1">
-            <a:schemeClr val="accent1"/>
-          </a:fillRef>
-          <a:effectRef idx="0">
-            <a:schemeClr val="accent1"/>
-          </a:effectRef>
-          <a:fontRef idx="minor">
-            <a:schemeClr val="lt1"/>
-          </a:fontRef>
-        </p:style>
-        <p:txBody>
-          <a:bodyPr rtlCol="0" anchor="ctr"/>
-          <a:lstStyle/>
-          <a:p>
-            <a:pPr algn="ctr"/>
-            <a:endParaRPr lang="zh-CN" altLang="en-US"/>
-          </a:p>
-        </p:txBody>
-      </p:sp>
-      <p:sp>
-        <p:nvSpPr>
-          <p:cNvPr id="13" name="矩形 12">
-            <a:extLst>
-              <a:ext uri="{FF2B5EF4-FFF2-40B4-BE49-F238E27FC236}">
-                <a16:creationId xmlns:a16="http://schemas.microsoft.com/office/drawing/2014/main" id="{3C3FB3C1-9D62-FEE8-2294-FC1EA345E2D2}"/>
-              </a:ext>
-            </a:extLst>
-          </p:cNvPr>
-          <p:cNvSpPr/>
-          <p:nvPr/>
-        </p:nvSpPr>
-        <p:spPr>
-          <a:xfrm>
-            <a:off x="9403303" y="1589272"/>
-            <a:ext cx="1965292" cy="1996026"/>
-          </a:xfrm>
-          <a:prstGeom prst="rect">
-            <a:avLst/>
-          </a:prstGeom>
-          <a:noFill/>
-          <a:ln w="28575">
-            <a:solidFill>
-              <a:srgbClr val="C00000"/>
-            </a:solidFill>
-          </a:ln>
-        </p:spPr>
-        <p:style>
-          <a:lnRef idx="2">
-            <a:schemeClr val="accent1">
-              <a:shade val="50000"/>
-            </a:schemeClr>
-          </a:lnRef>
-          <a:fillRef idx="1">
-            <a:schemeClr val="accent1"/>
-          </a:fillRef>
-          <a:effectRef idx="0">
-            <a:schemeClr val="accent1"/>
-          </a:effectRef>
-          <a:fontRef idx="minor">
-            <a:schemeClr val="lt1"/>
-          </a:fontRef>
-        </p:style>
-        <p:txBody>
-          <a:bodyPr rtlCol="0" anchor="ctr"/>
-          <a:lstStyle/>
-          <a:p>
-            <a:pPr algn="ctr"/>
-            <a:endParaRPr lang="zh-CN" altLang="en-US"/>
-          </a:p>
-        </p:txBody>
-      </p:sp>
-      <p:sp>
-        <p:nvSpPr>
-          <p:cNvPr id="14" name="矩形 13">
-            <a:extLst>
-              <a:ext uri="{FF2B5EF4-FFF2-40B4-BE49-F238E27FC236}">
-                <a16:creationId xmlns:a16="http://schemas.microsoft.com/office/drawing/2014/main" id="{C3C0DA22-7F62-2D1E-EF97-8EA9F77052FF}"/>
-              </a:ext>
-            </a:extLst>
-          </p:cNvPr>
-          <p:cNvSpPr/>
-          <p:nvPr/>
-        </p:nvSpPr>
-        <p:spPr>
-          <a:xfrm>
-            <a:off x="9493105" y="4270715"/>
-            <a:ext cx="1965292" cy="1996026"/>
-          </a:xfrm>
-          <a:prstGeom prst="rect">
-            <a:avLst/>
-          </a:prstGeom>
-          <a:noFill/>
-          <a:ln w="28575">
-            <a:solidFill>
-              <a:srgbClr val="4472C4"/>
-            </a:solidFill>
-          </a:ln>
-        </p:spPr>
-        <p:style>
-          <a:lnRef idx="2">
-            <a:schemeClr val="accent1">
-              <a:shade val="50000"/>
-            </a:schemeClr>
-          </a:lnRef>
-          <a:fillRef idx="1">
-            <a:schemeClr val="accent1"/>
-          </a:fillRef>
-          <a:effectRef idx="0">
-            <a:schemeClr val="accent1"/>
-          </a:effectRef>
-          <a:fontRef idx="minor">
-            <a:schemeClr val="lt1"/>
-          </a:fontRef>
-        </p:style>
-        <p:txBody>
-          <a:bodyPr rtlCol="0" anchor="ctr"/>
-          <a:lstStyle/>
-          <a:p>
-            <a:pPr algn="ctr"/>
-            <a:endParaRPr lang="zh-CN" altLang="en-US"/>
-          </a:p>
-        </p:txBody>
-      </p:sp>
-      <p:sp>
-        <p:nvSpPr>
-          <p:cNvPr id="15" name="L 形 14">
-            <a:extLst>
-              <a:ext uri="{FF2B5EF4-FFF2-40B4-BE49-F238E27FC236}">
-                <a16:creationId xmlns:a16="http://schemas.microsoft.com/office/drawing/2014/main" id="{2624735F-453A-7A6D-23F7-7BB97B3B4683}"/>
-              </a:ext>
-            </a:extLst>
-          </p:cNvPr>
-          <p:cNvSpPr/>
-          <p:nvPr/>
-        </p:nvSpPr>
-        <p:spPr>
-          <a:xfrm>
-            <a:off x="6159765" y="3050724"/>
-            <a:ext cx="1162942" cy="1119352"/>
-          </a:xfrm>
-          <a:prstGeom prst="corner">
-            <a:avLst>
-              <a:gd name="adj1" fmla="val 30282"/>
-              <a:gd name="adj2" fmla="val 22536"/>
-            </a:avLst>
-          </a:prstGeom>
-          <a:solidFill>
-            <a:srgbClr val="4472C4">
-              <a:alpha val="69804"/>
-            </a:srgbClr>
-          </a:solidFill>
-          <a:ln>
-            <a:noFill/>
-          </a:ln>
-        </p:spPr>
-        <p:style>
-          <a:lnRef idx="2">
-            <a:schemeClr val="accent1">
-              <a:shade val="50000"/>
-            </a:schemeClr>
-          </a:lnRef>
-          <a:fillRef idx="1">
-            <a:schemeClr val="accent1"/>
-          </a:fillRef>
-          <a:effectRef idx="0">
-            <a:schemeClr val="accent1"/>
-          </a:effectRef>
-          <a:fontRef idx="minor">
-            <a:schemeClr val="lt1"/>
-          </a:fontRef>
-        </p:style>
-        <p:txBody>
-          <a:bodyPr rtlCol="0" anchor="ctr"/>
-          <a:lstStyle/>
-          <a:p>
-            <a:pPr algn="ctr"/>
-            <a:endParaRPr lang="zh-CN" altLang="en-US"/>
-          </a:p>
-        </p:txBody>
-      </p:sp>
-    </p:spTree>
-    <p:extLst>
-      <p:ext uri="{BB962C8B-B14F-4D97-AF65-F5344CB8AC3E}">
-        <p14:creationId xmlns:p14="http://schemas.microsoft.com/office/powerpoint/2010/main" val="2783191827"/>
-      </p:ext>
-    </p:extLst>
-  </p:cSld>
-  <p:clrMapOvr>
-    <a:masterClrMapping/>
-  </p:clrMapOvr>
-  <p:timing>
-    <p:tnLst>
-      <p:par>
-        <p:cTn id="1" dur="indefinite" restart="never" nodeType="tmRoot">
-          <p:childTnLst>
-            <p:seq concurrent="1" nextAc="seek">
-              <p:cTn id="2" dur="indefinite" nodeType="mainSeq">
-                <p:childTnLst>
-                  <p:par>
-                    <p:cTn id="3" fill="hold">
-                      <p:stCondLst>
-                        <p:cond delay="indefinite"/>
-                      </p:stCondLst>
-                      <p:childTnLst>
-                        <p:par>
-                          <p:cTn id="4" fill="hold">
-                            <p:stCondLst>
-                              <p:cond delay="0"/>
-                            </p:stCondLst>
-                            <p:childTnLst>
-                              <p:par>
-                                <p:cTn id="5" presetID="1" presetClass="exit" presetSubtype="0" fill="hold" nodeType="clickEffect">
-                                  <p:stCondLst>
-                                    <p:cond delay="0"/>
-                                  </p:stCondLst>
-                                  <p:childTnLst>
-                                    <p:set>
-                                      <p:cBhvr>
-                                        <p:cTn id="6" dur="1" fill="hold">
-                                          <p:stCondLst>
-                                            <p:cond delay="0"/>
-                                          </p:stCondLst>
-                                        </p:cTn>
-                                        <p:tgtEl>
-                                          <p:spTgt spid="6"/>
-                                        </p:tgtEl>
-                                        <p:attrNameLst>
-                                          <p:attrName>style.visibility</p:attrName>
-                                        </p:attrNameLst>
-                                      </p:cBhvr>
-                                      <p:to>
-                                        <p:strVal val="hidden"/>
-                                      </p:to>
-                                    </p:set>
-                                  </p:childTnLst>
-                                </p:cTn>
-                              </p:par>
-                              <p:par>
-                                <p:cTn id="7" presetID="1" presetClass="exit" presetSubtype="0" fill="hold" grpId="0" nodeType="withEffect">
-                                  <p:stCondLst>
-                                    <p:cond delay="0"/>
-                                  </p:stCondLst>
-                                  <p:childTnLst>
-                                    <p:set>
-                                      <p:cBhvr>
-                                        <p:cTn id="8" dur="1" fill="hold">
-                                          <p:stCondLst>
-                                            <p:cond delay="0"/>
-                                          </p:stCondLst>
-                                        </p:cTn>
-                                        <p:tgtEl>
-                                          <p:spTgt spid="8"/>
-                                        </p:tgtEl>
-                                        <p:attrNameLst>
-                                          <p:attrName>style.visibility</p:attrName>
-                                        </p:attrNameLst>
-                                      </p:cBhvr>
-                                      <p:to>
-                                        <p:strVal val="hidden"/>
-                                      </p:to>
-                                    </p:set>
-                                  </p:childTnLst>
-                                </p:cTn>
-                              </p:par>
-                            </p:childTnLst>
-                          </p:cTn>
-                        </p:par>
-                        <p:par>
-                          <p:cTn id="9" fill="hold">
-                            <p:stCondLst>
-                              <p:cond delay="0"/>
-                            </p:stCondLst>
-                            <p:childTnLst>
-                              <p:par>
-                                <p:cTn id="10" presetID="10" presetClass="entr" presetSubtype="0" fill="hold" grpId="0" nodeType="afterEffect">
-                                  <p:stCondLst>
-                                    <p:cond delay="0"/>
-                                  </p:stCondLst>
-                                  <p:childTnLst>
-                                    <p:set>
-                                      <p:cBhvr>
-                                        <p:cTn id="11" dur="1" fill="hold">
-                                          <p:stCondLst>
-                                            <p:cond delay="0"/>
-                                          </p:stCondLst>
-                                        </p:cTn>
-                                        <p:tgtEl>
-                                          <p:spTgt spid="11"/>
-                                        </p:tgtEl>
-                                        <p:attrNameLst>
-                                          <p:attrName>style.visibility</p:attrName>
-                                        </p:attrNameLst>
-                                      </p:cBhvr>
-                                      <p:to>
-                                        <p:strVal val="visible"/>
-                                      </p:to>
-                                    </p:set>
-                                    <p:animEffect transition="in" filter="fade">
-                                      <p:cBhvr>
-                                        <p:cTn id="12" dur="500"/>
-                                        <p:tgtEl>
-                                          <p:spTgt spid="11"/>
-                                        </p:tgtEl>
-                                      </p:cBhvr>
-                                    </p:animEffect>
-                                  </p:childTnLst>
-                                </p:cTn>
-                              </p:par>
-                              <p:par>
-                                <p:cTn id="13" presetID="10" presetClass="entr" presetSubtype="0" fill="hold" grpId="0" nodeType="withEffect">
-                                  <p:stCondLst>
-                                    <p:cond delay="0"/>
-                                  </p:stCondLst>
-                                  <p:childTnLst>
-                                    <p:set>
-                                      <p:cBhvr>
-                                        <p:cTn id="14" dur="1" fill="hold">
-                                          <p:stCondLst>
-                                            <p:cond delay="0"/>
-                                          </p:stCondLst>
-                                        </p:cTn>
-                                        <p:tgtEl>
-                                          <p:spTgt spid="12"/>
-                                        </p:tgtEl>
-                                        <p:attrNameLst>
-                                          <p:attrName>style.visibility</p:attrName>
-                                        </p:attrNameLst>
-                                      </p:cBhvr>
-                                      <p:to>
-                                        <p:strVal val="visible"/>
-                                      </p:to>
-                                    </p:set>
-                                    <p:animEffect transition="in" filter="fade">
-                                      <p:cBhvr>
-                                        <p:cTn id="15" dur="500"/>
-                                        <p:tgtEl>
-                                          <p:spTgt spid="12"/>
-                                        </p:tgtEl>
-                                      </p:cBhvr>
-                                    </p:animEffect>
-                                  </p:childTnLst>
-                                </p:cTn>
-                              </p:par>
-                              <p:par>
-                                <p:cTn id="16" presetID="10" presetClass="entr" presetSubtype="0" fill="hold" nodeType="withEffect">
-                                  <p:stCondLst>
-                                    <p:cond delay="0"/>
-                                  </p:stCondLst>
-                                  <p:childTnLst>
-                                    <p:set>
-                                      <p:cBhvr>
-                                        <p:cTn id="17" dur="1" fill="hold">
-                                          <p:stCondLst>
-                                            <p:cond delay="0"/>
-                                          </p:stCondLst>
-                                        </p:cTn>
-                                        <p:tgtEl>
-                                          <p:spTgt spid="10"/>
-                                        </p:tgtEl>
-                                        <p:attrNameLst>
-                                          <p:attrName>style.visibility</p:attrName>
-                                        </p:attrNameLst>
-                                      </p:cBhvr>
-                                      <p:to>
-                                        <p:strVal val="visible"/>
-                                      </p:to>
-                                    </p:set>
-                                    <p:animEffect transition="in" filter="fade">
-                                      <p:cBhvr>
-                                        <p:cTn id="18" dur="500"/>
-                                        <p:tgtEl>
-                                          <p:spTgt spid="10"/>
-                                        </p:tgtEl>
-                                      </p:cBhvr>
-                                    </p:animEffect>
-                                  </p:childTnLst>
-                                </p:cTn>
-                              </p:par>
-                              <p:par>
-                                <p:cTn id="19" presetID="10" presetClass="entr" presetSubtype="0" fill="hold" nodeType="withEffect">
-                                  <p:stCondLst>
-                                    <p:cond delay="0"/>
-                                  </p:stCondLst>
-                                  <p:childTnLst>
-                                    <p:set>
-                                      <p:cBhvr>
-                                        <p:cTn id="20" dur="1" fill="hold">
-                                          <p:stCondLst>
-                                            <p:cond delay="0"/>
-                                          </p:stCondLst>
-                                        </p:cTn>
-                                        <p:tgtEl>
-                                          <p:spTgt spid="9"/>
-                                        </p:tgtEl>
-                                        <p:attrNameLst>
-                                          <p:attrName>style.visibility</p:attrName>
-                                        </p:attrNameLst>
-                                      </p:cBhvr>
-                                      <p:to>
-                                        <p:strVal val="visible"/>
-                                      </p:to>
-                                    </p:set>
-                                    <p:animEffect transition="in" filter="fade">
-                                      <p:cBhvr>
-                                        <p:cTn id="21" dur="500"/>
-                                        <p:tgtEl>
-                                          <p:spTgt spid="9"/>
-                                        </p:tgtEl>
-                                      </p:cBhvr>
-                                    </p:animEffect>
-                                  </p:childTnLst>
-                                </p:cTn>
-                              </p:par>
-                              <p:par>
-                                <p:cTn id="22" presetID="10" presetClass="entr" presetSubtype="0" fill="hold" grpId="0" nodeType="withEffect">
-                                  <p:stCondLst>
-                                    <p:cond delay="0"/>
-                                  </p:stCondLst>
-                                  <p:childTnLst>
-                                    <p:set>
-                                      <p:cBhvr>
-                                        <p:cTn id="23" dur="1" fill="hold">
-                                          <p:stCondLst>
-                                            <p:cond delay="0"/>
-                                          </p:stCondLst>
-                                        </p:cTn>
-                                        <p:tgtEl>
-                                          <p:spTgt spid="13"/>
-                                        </p:tgtEl>
-                                        <p:attrNameLst>
-                                          <p:attrName>style.visibility</p:attrName>
-                                        </p:attrNameLst>
-                                      </p:cBhvr>
-                                      <p:to>
-                                        <p:strVal val="visible"/>
-                                      </p:to>
-                                    </p:set>
-                                    <p:animEffect transition="in" filter="fade">
-                                      <p:cBhvr>
-                                        <p:cTn id="24" dur="500"/>
-                                        <p:tgtEl>
-                                          <p:spTgt spid="13"/>
-                                        </p:tgtEl>
-                                      </p:cBhvr>
-                                    </p:animEffect>
-                                  </p:childTnLst>
-                                </p:cTn>
-                              </p:par>
-                              <p:par>
-                                <p:cTn id="25" presetID="10" presetClass="entr" presetSubtype="0" fill="hold" grpId="0" nodeType="withEffect">
-                                  <p:stCondLst>
-                                    <p:cond delay="0"/>
-                                  </p:stCondLst>
-                                  <p:childTnLst>
-                                    <p:set>
-                                      <p:cBhvr>
-                                        <p:cTn id="26" dur="1" fill="hold">
-                                          <p:stCondLst>
-                                            <p:cond delay="0"/>
-                                          </p:stCondLst>
-                                        </p:cTn>
-                                        <p:tgtEl>
-                                          <p:spTgt spid="14"/>
-                                        </p:tgtEl>
-                                        <p:attrNameLst>
-                                          <p:attrName>style.visibility</p:attrName>
-                                        </p:attrNameLst>
-                                      </p:cBhvr>
-                                      <p:to>
-                                        <p:strVal val="visible"/>
-                                      </p:to>
-                                    </p:set>
-                                    <p:animEffect transition="in" filter="fade">
-                                      <p:cBhvr>
-                                        <p:cTn id="27" dur="500"/>
-                                        <p:tgtEl>
-                                          <p:spTgt spid="14"/>
-                                        </p:tgtEl>
-                                      </p:cBhvr>
-                                    </p:animEffect>
-                                  </p:childTnLst>
-                                </p:cTn>
-                              </p:par>
-                            </p:childTnLst>
-                          </p:cTn>
-                        </p:par>
-                      </p:childTnLst>
-                    </p:cTn>
-                  </p:par>
-                  <p:par>
-                    <p:cTn id="28" fill="hold">
-                      <p:stCondLst>
-                        <p:cond delay="indefinite"/>
-                      </p:stCondLst>
-                      <p:childTnLst>
-                        <p:par>
-                          <p:cTn id="29" fill="hold">
-                            <p:stCondLst>
-                              <p:cond delay="0"/>
-                            </p:stCondLst>
-                            <p:childTnLst>
-                              <p:par>
-                                <p:cTn id="30" presetID="10" presetClass="exit" presetSubtype="0" fill="hold" nodeType="clickEffect">
-                                  <p:stCondLst>
-                                    <p:cond delay="0"/>
-                                  </p:stCondLst>
-                                  <p:childTnLst>
-                                    <p:animEffect transition="out" filter="fade">
-                                      <p:cBhvr>
-                                        <p:cTn id="31" dur="500"/>
-                                        <p:tgtEl>
-                                          <p:spTgt spid="7"/>
-                                        </p:tgtEl>
-                                      </p:cBhvr>
-                                    </p:animEffect>
-                                    <p:set>
-                                      <p:cBhvr>
-                                        <p:cTn id="32" dur="1" fill="hold">
-                                          <p:stCondLst>
-                                            <p:cond delay="499"/>
-                                          </p:stCondLst>
-                                        </p:cTn>
-                                        <p:tgtEl>
-                                          <p:spTgt spid="7"/>
-                                        </p:tgtEl>
-                                        <p:attrNameLst>
-                                          <p:attrName>style.visibility</p:attrName>
-                                        </p:attrNameLst>
-                                      </p:cBhvr>
-                                      <p:to>
-                                        <p:strVal val="hidden"/>
-                                      </p:to>
-                                    </p:set>
-                                  </p:childTnLst>
-                                </p:cTn>
-                              </p:par>
-                              <p:par>
-                                <p:cTn id="33" presetID="10" presetClass="exit" presetSubtype="0" fill="hold" grpId="1" nodeType="withEffect">
-                                  <p:stCondLst>
-                                    <p:cond delay="0"/>
-                                  </p:stCondLst>
-                                  <p:childTnLst>
-                                    <p:animEffect transition="out" filter="fade">
-                                      <p:cBhvr>
-                                        <p:cTn id="34" dur="500"/>
-                                        <p:tgtEl>
-                                          <p:spTgt spid="11"/>
-                                        </p:tgtEl>
-                                      </p:cBhvr>
-                                    </p:animEffect>
-                                    <p:set>
-                                      <p:cBhvr>
-                                        <p:cTn id="35" dur="1" fill="hold">
-                                          <p:stCondLst>
-                                            <p:cond delay="499"/>
-                                          </p:stCondLst>
-                                        </p:cTn>
-                                        <p:tgtEl>
-                                          <p:spTgt spid="11"/>
-                                        </p:tgtEl>
-                                        <p:attrNameLst>
-                                          <p:attrName>style.visibility</p:attrName>
-                                        </p:attrNameLst>
-                                      </p:cBhvr>
-                                      <p:to>
-                                        <p:strVal val="hidden"/>
-                                      </p:to>
-                                    </p:set>
-                                  </p:childTnLst>
-                                </p:cTn>
-                              </p:par>
-                              <p:par>
-                                <p:cTn id="36" presetID="10" presetClass="exit" presetSubtype="0" fill="hold" grpId="1" nodeType="withEffect">
-                                  <p:stCondLst>
-                                    <p:cond delay="0"/>
-                                  </p:stCondLst>
-                                  <p:childTnLst>
-                                    <p:animEffect transition="out" filter="fade">
-                                      <p:cBhvr>
-                                        <p:cTn id="37" dur="500"/>
-                                        <p:tgtEl>
-                                          <p:spTgt spid="12"/>
-                                        </p:tgtEl>
-                                      </p:cBhvr>
-                                    </p:animEffect>
-                                    <p:set>
-                                      <p:cBhvr>
-                                        <p:cTn id="38" dur="1" fill="hold">
-                                          <p:stCondLst>
-                                            <p:cond delay="499"/>
-                                          </p:stCondLst>
-                                        </p:cTn>
-                                        <p:tgtEl>
-                                          <p:spTgt spid="12"/>
-                                        </p:tgtEl>
-                                        <p:attrNameLst>
-                                          <p:attrName>style.visibility</p:attrName>
-                                        </p:attrNameLst>
-                                      </p:cBhvr>
-                                      <p:to>
-                                        <p:strVal val="hidden"/>
-                                      </p:to>
-                                    </p:set>
-                                  </p:childTnLst>
-                                </p:cTn>
-                              </p:par>
-                              <p:par>
-                                <p:cTn id="39" presetID="10" presetClass="exit" presetSubtype="0" fill="hold" grpId="1" nodeType="withEffect">
-                                  <p:stCondLst>
-                                    <p:cond delay="0"/>
-                                  </p:stCondLst>
-                                  <p:childTnLst>
-                                    <p:animEffect transition="out" filter="fade">
-                                      <p:cBhvr>
-                                        <p:cTn id="40" dur="500"/>
-                                        <p:tgtEl>
-                                          <p:spTgt spid="13"/>
-                                        </p:tgtEl>
-                                      </p:cBhvr>
-                                    </p:animEffect>
-                                    <p:set>
-                                      <p:cBhvr>
-                                        <p:cTn id="41" dur="1" fill="hold">
-                                          <p:stCondLst>
-                                            <p:cond delay="499"/>
-                                          </p:stCondLst>
-                                        </p:cTn>
-                                        <p:tgtEl>
-                                          <p:spTgt spid="13"/>
-                                        </p:tgtEl>
-                                        <p:attrNameLst>
-                                          <p:attrName>style.visibility</p:attrName>
-                                        </p:attrNameLst>
-                                      </p:cBhvr>
-                                      <p:to>
-                                        <p:strVal val="hidden"/>
-                                      </p:to>
-                                    </p:set>
-                                  </p:childTnLst>
-                                </p:cTn>
-                              </p:par>
-                              <p:par>
-                                <p:cTn id="42" presetID="10" presetClass="exit" presetSubtype="0" fill="hold" grpId="0" nodeType="withEffect">
-                                  <p:stCondLst>
-                                    <p:cond delay="0"/>
-                                  </p:stCondLst>
-                                  <p:childTnLst>
-                                    <p:animEffect transition="out" filter="fade">
-                                      <p:cBhvr>
-                                        <p:cTn id="43" dur="500"/>
-                                        <p:tgtEl>
-                                          <p:spTgt spid="15"/>
-                                        </p:tgtEl>
-                                      </p:cBhvr>
-                                    </p:animEffect>
-                                    <p:set>
-                                      <p:cBhvr>
-                                        <p:cTn id="44" dur="1" fill="hold">
-                                          <p:stCondLst>
-                                            <p:cond delay="499"/>
-                                          </p:stCondLst>
-                                        </p:cTn>
-                                        <p:tgtEl>
-                                          <p:spTgt spid="15"/>
-                                        </p:tgtEl>
-                                        <p:attrNameLst>
-                                          <p:attrName>style.visibility</p:attrName>
-                                        </p:attrNameLst>
-                                      </p:cBhvr>
-                                      <p:to>
-                                        <p:strVal val="hidden"/>
-                                      </p:to>
-                                    </p:set>
-                                  </p:childTnLst>
-                                </p:cTn>
-                              </p:par>
-                              <p:par>
-                                <p:cTn id="45" presetID="10" presetClass="exit" presetSubtype="0" fill="hold" grpId="1" nodeType="withEffect">
-                                  <p:stCondLst>
-                                    <p:cond delay="0"/>
-                                  </p:stCondLst>
-                                  <p:childTnLst>
-                                    <p:animEffect transition="out" filter="fade">
-                                      <p:cBhvr>
-                                        <p:cTn id="46" dur="500"/>
-                                        <p:tgtEl>
-                                          <p:spTgt spid="14"/>
-                                        </p:tgtEl>
-                                      </p:cBhvr>
-                                    </p:animEffect>
-                                    <p:set>
-                                      <p:cBhvr>
-                                        <p:cTn id="47" dur="1" fill="hold">
-                                          <p:stCondLst>
-                                            <p:cond delay="499"/>
-                                          </p:stCondLst>
-                                        </p:cTn>
-                                        <p:tgtEl>
-                                          <p:spTgt spid="14"/>
-                                        </p:tgtEl>
-                                        <p:attrNameLst>
-                                          <p:attrName>style.visibility</p:attrName>
-                                        </p:attrNameLst>
-                                      </p:cBhvr>
-                                      <p:to>
-                                        <p:strVal val="hidden"/>
-                                      </p:to>
-                                    </p:set>
-                                  </p:childTnLst>
-                                </p:cTn>
-                              </p:par>
-                            </p:childTnLst>
-                          </p:cTn>
-                        </p:par>
-                      </p:childTnLst>
-                    </p:cTn>
-                  </p:par>
-                </p:childTnLst>
-              </p:cTn>
-              <p:prevCondLst>
-                <p:cond evt="onPrev" delay="0">
-                  <p:tgtEl>
-                    <p:sldTgt/>
-                  </p:tgtEl>
-                </p:cond>
-              </p:prevCondLst>
-              <p:nextCondLst>
-                <p:cond evt="onNext" delay="0">
-                  <p:tgtEl>
-                    <p:sldTgt/>
-                  </p:tgtEl>
-                </p:cond>
-              </p:nextCondLst>
-            </p:seq>
-          </p:childTnLst>
-        </p:cTn>
-      </p:par>
-    </p:tnLst>
-    <p:bldLst>
-      <p:bldP spid="8" grpId="0" animBg="1"/>
-      <p:bldP spid="11" grpId="0" animBg="1"/>
-      <p:bldP spid="11" grpId="1" animBg="1"/>
-      <p:bldP spid="12" grpId="0" animBg="1"/>
-      <p:bldP spid="12" grpId="1" animBg="1"/>
-      <p:bldP spid="13" grpId="0" animBg="1"/>
-      <p:bldP spid="13" grpId="1" animBg="1"/>
-      <p:bldP spid="14" grpId="0" animBg="1"/>
-      <p:bldP spid="14" grpId="1" animBg="1"/>
-      <p:bldP spid="15" grpId="0" animBg="1"/>
-    </p:bldLst>
-  </p:timing>
 </p:sld>
 </file>
 
@@ -11377,4 +14200,319 @@
     </a:ext>
   </a:extLst>
 </a:theme>
+</file>
+
+<file path=ppt/theme/theme2.xml><?xml version="1.0" encoding="utf-8"?>
+<a:theme xmlns:a="http://schemas.openxmlformats.org/drawingml/2006/main" name="Office 主题​​">
+  <a:themeElements>
+    <a:clrScheme name="Office">
+      <a:dk1>
+        <a:sysClr val="windowText" lastClr="000000"/>
+      </a:dk1>
+      <a:lt1>
+        <a:sysClr val="window" lastClr="FFFFFF"/>
+      </a:lt1>
+      <a:dk2>
+        <a:srgbClr val="0E2841"/>
+      </a:dk2>
+      <a:lt2>
+        <a:srgbClr val="E8E8E8"/>
+      </a:lt2>
+      <a:accent1>
+        <a:srgbClr val="156082"/>
+      </a:accent1>
+      <a:accent2>
+        <a:srgbClr val="E97132"/>
+      </a:accent2>
+      <a:accent3>
+        <a:srgbClr val="196B24"/>
+      </a:accent3>
+      <a:accent4>
+        <a:srgbClr val="0F9ED5"/>
+      </a:accent4>
+      <a:accent5>
+        <a:srgbClr val="A02B93"/>
+      </a:accent5>
+      <a:accent6>
+        <a:srgbClr val="4EA72E"/>
+      </a:accent6>
+      <a:hlink>
+        <a:srgbClr val="467886"/>
+      </a:hlink>
+      <a:folHlink>
+        <a:srgbClr val="96607D"/>
+      </a:folHlink>
+    </a:clrScheme>
+    <a:fontScheme name="Office">
+      <a:majorFont>
+        <a:latin typeface="等线 Light" panose="02110004020202020204"/>
+        <a:ea typeface=""/>
+        <a:cs typeface=""/>
+        <a:font script="Jpan" typeface="游ゴシック Light"/>
+        <a:font script="Hang" typeface="맑은 고딕"/>
+        <a:font script="Hans" typeface="等线 Light"/>
+        <a:font script="Hant" typeface="新細明體"/>
+        <a:font script="Arab" typeface="Times New Roman"/>
+        <a:font script="Hebr" typeface="Times New Roman"/>
+        <a:font script="Thai" typeface="Angsana New"/>
+        <a:font script="Ethi" typeface="Nyala"/>
+        <a:font script="Beng" typeface="Vrinda"/>
+        <a:font script="Gujr" typeface="Shruti"/>
+        <a:font script="Khmr" typeface="MoolBoran"/>
+        <a:font script="Knda" typeface="Tunga"/>
+        <a:font script="Guru" typeface="Raavi"/>
+        <a:font script="Cans" typeface="Euphemia"/>
+        <a:font script="Cher" typeface="Plantagenet Cherokee"/>
+        <a:font script="Yiii" typeface="Microsoft Yi Baiti"/>
+        <a:font script="Tibt" typeface="Microsoft Himalaya"/>
+        <a:font script="Thaa" typeface="MV Boli"/>
+        <a:font script="Deva" typeface="Mangal"/>
+        <a:font script="Telu" typeface="Gautami"/>
+        <a:font script="Taml" typeface="Latha"/>
+        <a:font script="Syrc" typeface="Estrangelo Edessa"/>
+        <a:font script="Orya" typeface="Kalinga"/>
+        <a:font script="Mlym" typeface="Kartika"/>
+        <a:font script="Laoo" typeface="DokChampa"/>
+        <a:font script="Sinh" typeface="Iskoola Pota"/>
+        <a:font script="Mong" typeface="Mongolian Baiti"/>
+        <a:font script="Viet" typeface="Times New Roman"/>
+        <a:font script="Uigh" typeface="Microsoft Uighur"/>
+        <a:font script="Geor" typeface="Sylfaen"/>
+        <a:font script="Armn" typeface="Arial"/>
+        <a:font script="Bugi" typeface="Leelawadee UI"/>
+        <a:font script="Bopo" typeface="Microsoft JhengHei"/>
+        <a:font script="Java" typeface="Javanese Text"/>
+        <a:font script="Lisu" typeface="Segoe UI"/>
+        <a:font script="Mymr" typeface="Myanmar Text"/>
+        <a:font script="Nkoo" typeface="Ebrima"/>
+        <a:font script="Olck" typeface="Nirmala UI"/>
+        <a:font script="Osma" typeface="Ebrima"/>
+        <a:font script="Phag" typeface="Phagspa"/>
+        <a:font script="Syrn" typeface="Estrangelo Edessa"/>
+        <a:font script="Syrj" typeface="Estrangelo Edessa"/>
+        <a:font script="Syre" typeface="Estrangelo Edessa"/>
+        <a:font script="Sora" typeface="Nirmala UI"/>
+        <a:font script="Tale" typeface="Microsoft Tai Le"/>
+        <a:font script="Talu" typeface="Microsoft New Tai Lue"/>
+        <a:font script="Tfng" typeface="Ebrima"/>
+      </a:majorFont>
+      <a:minorFont>
+        <a:latin typeface="等线" panose="02110004020202020204"/>
+        <a:ea typeface=""/>
+        <a:cs typeface=""/>
+        <a:font script="Jpan" typeface="游ゴシック"/>
+        <a:font script="Hang" typeface="맑은 고딕"/>
+        <a:font script="Hans" typeface="等线"/>
+        <a:font script="Hant" typeface="新細明體"/>
+        <a:font script="Arab" typeface="Arial"/>
+        <a:font script="Hebr" typeface="Arial"/>
+        <a:font script="Thai" typeface="Cordia New"/>
+        <a:font script="Ethi" typeface="Nyala"/>
+        <a:font script="Beng" typeface="Vrinda"/>
+        <a:font script="Gujr" typeface="Shruti"/>
+        <a:font script="Khmr" typeface="DaunPenh"/>
+        <a:font script="Knda" typeface="Tunga"/>
+        <a:font script="Guru" typeface="Raavi"/>
+        <a:font script="Cans" typeface="Euphemia"/>
+        <a:font script="Cher" typeface="Plantagenet Cherokee"/>
+        <a:font script="Yiii" typeface="Microsoft Yi Baiti"/>
+        <a:font script="Tibt" typeface="Microsoft Himalaya"/>
+        <a:font script="Thaa" typeface="MV Boli"/>
+        <a:font script="Deva" typeface="Mangal"/>
+        <a:font script="Telu" typeface="Gautami"/>
+        <a:font script="Taml" typeface="Latha"/>
+        <a:font script="Syrc" typeface="Estrangelo Edessa"/>
+        <a:font script="Orya" typeface="Kalinga"/>
+        <a:font script="Mlym" typeface="Kartika"/>
+        <a:font script="Laoo" typeface="DokChampa"/>
+        <a:font script="Sinh" typeface="Iskoola Pota"/>
+        <a:font script="Mong" typeface="Mongolian Baiti"/>
+        <a:font script="Viet" typeface="Arial"/>
+        <a:font script="Uigh" typeface="Microsoft Uighur"/>
+        <a:font script="Geor" typeface="Sylfaen"/>
+        <a:font script="Armn" typeface="Arial"/>
+        <a:font script="Bugi" typeface="Leelawadee UI"/>
+        <a:font script="Bopo" typeface="Microsoft JhengHei"/>
+        <a:font script="Java" typeface="Javanese Text"/>
+        <a:font script="Lisu" typeface="Segoe UI"/>
+        <a:font script="Mymr" typeface="Myanmar Text"/>
+        <a:font script="Nkoo" typeface="Ebrima"/>
+        <a:font script="Olck" typeface="Nirmala UI"/>
+        <a:font script="Osma" typeface="Ebrima"/>
+        <a:font script="Phag" typeface="Phagspa"/>
+        <a:font script="Syrn" typeface="Estrangelo Edessa"/>
+        <a:font script="Syrj" typeface="Estrangelo Edessa"/>
+        <a:font script="Syre" typeface="Estrangelo Edessa"/>
+        <a:font script="Sora" typeface="Nirmala UI"/>
+        <a:font script="Tale" typeface="Microsoft Tai Le"/>
+        <a:font script="Talu" typeface="Microsoft New Tai Lue"/>
+        <a:font script="Tfng" typeface="Ebrima"/>
+      </a:minorFont>
+    </a:fontScheme>
+    <a:fmtScheme name="Office">
+      <a:fillStyleLst>
+        <a:solidFill>
+          <a:schemeClr val="phClr"/>
+        </a:solidFill>
+        <a:gradFill rotWithShape="1">
+          <a:gsLst>
+            <a:gs pos="0">
+              <a:schemeClr val="phClr">
+                <a:lumMod val="110000"/>
+                <a:satMod val="105000"/>
+                <a:tint val="67000"/>
+              </a:schemeClr>
+            </a:gs>
+            <a:gs pos="50000">
+              <a:schemeClr val="phClr">
+                <a:lumMod val="105000"/>
+                <a:satMod val="103000"/>
+                <a:tint val="73000"/>
+              </a:schemeClr>
+            </a:gs>
+            <a:gs pos="100000">
+              <a:schemeClr val="phClr">
+                <a:lumMod val="105000"/>
+                <a:satMod val="109000"/>
+                <a:tint val="81000"/>
+              </a:schemeClr>
+            </a:gs>
+          </a:gsLst>
+          <a:lin ang="5400000" scaled="0"/>
+        </a:gradFill>
+        <a:gradFill rotWithShape="1">
+          <a:gsLst>
+            <a:gs pos="0">
+              <a:schemeClr val="phClr">
+                <a:satMod val="103000"/>
+                <a:lumMod val="102000"/>
+                <a:tint val="94000"/>
+              </a:schemeClr>
+            </a:gs>
+            <a:gs pos="50000">
+              <a:schemeClr val="phClr">
+                <a:satMod val="110000"/>
+                <a:lumMod val="100000"/>
+                <a:shade val="100000"/>
+              </a:schemeClr>
+            </a:gs>
+            <a:gs pos="100000">
+              <a:schemeClr val="phClr">
+                <a:lumMod val="99000"/>
+                <a:satMod val="120000"/>
+                <a:shade val="78000"/>
+              </a:schemeClr>
+            </a:gs>
+          </a:gsLst>
+          <a:lin ang="5400000" scaled="0"/>
+        </a:gradFill>
+      </a:fillStyleLst>
+      <a:lnStyleLst>
+        <a:ln w="12700" cap="flat" cmpd="sng" algn="ctr">
+          <a:solidFill>
+            <a:schemeClr val="phClr"/>
+          </a:solidFill>
+          <a:prstDash val="solid"/>
+          <a:miter lim="800000"/>
+        </a:ln>
+        <a:ln w="19050" cap="flat" cmpd="sng" algn="ctr">
+          <a:solidFill>
+            <a:schemeClr val="phClr"/>
+          </a:solidFill>
+          <a:prstDash val="solid"/>
+          <a:miter lim="800000"/>
+        </a:ln>
+        <a:ln w="25400" cap="flat" cmpd="sng" algn="ctr">
+          <a:solidFill>
+            <a:schemeClr val="phClr"/>
+          </a:solidFill>
+          <a:prstDash val="solid"/>
+          <a:miter lim="800000"/>
+        </a:ln>
+      </a:lnStyleLst>
+      <a:effectStyleLst>
+        <a:effectStyle>
+          <a:effectLst/>
+        </a:effectStyle>
+        <a:effectStyle>
+          <a:effectLst/>
+        </a:effectStyle>
+        <a:effectStyle>
+          <a:effectLst>
+            <a:outerShdw blurRad="57150" dist="19050" dir="5400000" algn="ctr" rotWithShape="0">
+              <a:srgbClr val="000000">
+                <a:alpha val="63000"/>
+              </a:srgbClr>
+            </a:outerShdw>
+          </a:effectLst>
+        </a:effectStyle>
+      </a:effectStyleLst>
+      <a:bgFillStyleLst>
+        <a:solidFill>
+          <a:schemeClr val="phClr"/>
+        </a:solidFill>
+        <a:solidFill>
+          <a:schemeClr val="phClr">
+            <a:tint val="95000"/>
+            <a:satMod val="170000"/>
+          </a:schemeClr>
+        </a:solidFill>
+        <a:gradFill rotWithShape="1">
+          <a:gsLst>
+            <a:gs pos="0">
+              <a:schemeClr val="phClr">
+                <a:tint val="93000"/>
+                <a:satMod val="150000"/>
+                <a:shade val="98000"/>
+                <a:lumMod val="102000"/>
+              </a:schemeClr>
+            </a:gs>
+            <a:gs pos="50000">
+              <a:schemeClr val="phClr">
+                <a:tint val="98000"/>
+                <a:satMod val="130000"/>
+                <a:shade val="90000"/>
+                <a:lumMod val="103000"/>
+              </a:schemeClr>
+            </a:gs>
+            <a:gs pos="100000">
+              <a:schemeClr val="phClr">
+                <a:shade val="63000"/>
+                <a:satMod val="120000"/>
+              </a:schemeClr>
+            </a:gs>
+          </a:gsLst>
+          <a:lin ang="5400000" scaled="0"/>
+        </a:gradFill>
+      </a:bgFillStyleLst>
+    </a:fmtScheme>
+  </a:themeElements>
+  <a:objectDefaults>
+    <a:lnDef>
+      <a:spPr/>
+      <a:bodyPr/>
+      <a:lstStyle/>
+      <a:style>
+        <a:lnRef idx="2">
+          <a:schemeClr val="accent1"/>
+        </a:lnRef>
+        <a:fillRef idx="0">
+          <a:schemeClr val="accent1"/>
+        </a:fillRef>
+        <a:effectRef idx="1">
+          <a:schemeClr val="accent1"/>
+        </a:effectRef>
+        <a:fontRef idx="minor">
+          <a:schemeClr val="tx1"/>
+        </a:fontRef>
+      </a:style>
+    </a:lnDef>
+  </a:objectDefaults>
+  <a:extraClrSchemeLst/>
+  <a:extLst>
+    <a:ext uri="{05A4C25C-085E-4340-85A3-A5531E510DB2}">
+      <thm15:themeFamily xmlns:thm15="http://schemas.microsoft.com/office/thememl/2012/main" name="Office Theme" id="{2E142A2C-CD16-42D6-873A-C26D2A0506FA}" vid="{1BDDFF52-6CD6-40A5-AB3C-68EB2F1E4D0A}"/>
+    </a:ext>
+  </a:extLst>
+</a:theme>
 </file>